--- a/trunk/wubexamples/Lets_Wub.pptx
+++ b/trunk/wubexamples/Lets_Wub.pptx
@@ -5,7 +5,7 @@
     <p:sldMasterId id="2147483708" r:id="rId1"/>
   </p:sldMasterIdLst>
   <p:notesMasterIdLst>
-    <p:notesMasterId r:id="rId10"/>
+    <p:notesMasterId r:id="rId16"/>
   </p:notesMasterIdLst>
   <p:sldIdLst>
     <p:sldId id="256" r:id="rId2"/>
@@ -16,6 +16,12 @@
     <p:sldId id="260" r:id="rId7"/>
     <p:sldId id="262" r:id="rId8"/>
     <p:sldId id="261" r:id="rId9"/>
+    <p:sldId id="264" r:id="rId10"/>
+    <p:sldId id="270" r:id="rId11"/>
+    <p:sldId id="265" r:id="rId12"/>
+    <p:sldId id="266" r:id="rId13"/>
+    <p:sldId id="267" r:id="rId14"/>
+    <p:sldId id="268" r:id="rId15"/>
   </p:sldIdLst>
   <p:sldSz cx="9144000" cy="6858000" type="screen4x3"/>
   <p:notesSz cx="6858000" cy="9144000"/>
@@ -199,7 +205,8 @@
           <a:p>
             <a:fld id="{4DF4E2B3-4403-4393-BB8B-AE854F842FFB}" type="datetimeFigureOut">
               <a:rPr lang="en-US" smtClean="0"/>
-              <a:t>4/2/2009</a:t>
+              <a:pPr/>
+              <a:t>4/5/2009</a:t>
             </a:fld>
             <a:endParaRPr lang="en-US"/>
           </a:p>
@@ -360,6 +367,7 @@
           <a:p>
             <a:fld id="{4EE576B6-BA25-48A5-995A-4330F3F4AAF4}" type="slidenum">
               <a:rPr lang="en-US" smtClean="0"/>
+              <a:pPr/>
               <a:t>‹#›</a:t>
             </a:fld>
             <a:endParaRPr lang="en-US"/>
@@ -531,7 +539,418 @@
           <a:p>
             <a:fld id="{4EE576B6-BA25-48A5-995A-4330F3F4AAF4}" type="slidenum">
               <a:rPr lang="en-US" smtClean="0"/>
+              <a:pPr/>
               <a:t>1</a:t>
+            </a:fld>
+            <a:endParaRPr lang="en-US"/>
+          </a:p>
+        </p:txBody>
+      </p:sp>
+    </p:spTree>
+  </p:cSld>
+  <p:clrMapOvr>
+    <a:masterClrMapping/>
+  </p:clrMapOvr>
+</p:notes>
+</file>
+
+<file path=ppt/notesSlides/notesSlide10.xml><?xml version="1.0" encoding="utf-8"?>
+<p:notes xmlns:a="http://schemas.openxmlformats.org/drawingml/2006/main" xmlns:r="http://schemas.openxmlformats.org/officeDocument/2006/relationships" xmlns:p="http://schemas.openxmlformats.org/presentationml/2006/main">
+  <p:cSld>
+    <p:spTree>
+      <p:nvGrpSpPr>
+        <p:cNvPr id="1" name=""/>
+        <p:cNvGrpSpPr/>
+        <p:nvPr/>
+      </p:nvGrpSpPr>
+      <p:grpSpPr>
+        <a:xfrm>
+          <a:off x="0" y="0"/>
+          <a:ext cx="0" cy="0"/>
+          <a:chOff x="0" y="0"/>
+          <a:chExt cx="0" cy="0"/>
+        </a:xfrm>
+      </p:grpSpPr>
+      <p:sp>
+        <p:nvSpPr>
+          <p:cNvPr id="2" name="Slide Image Placeholder 1"/>
+          <p:cNvSpPr>
+            <a:spLocks noGrp="1" noRot="1" noChangeAspect="1"/>
+          </p:cNvSpPr>
+          <p:nvPr>
+            <p:ph type="sldImg"/>
+          </p:nvPr>
+        </p:nvSpPr>
+        <p:spPr/>
+      </p:sp>
+      <p:sp>
+        <p:nvSpPr>
+          <p:cNvPr id="3" name="Notes Placeholder 2"/>
+          <p:cNvSpPr>
+            <a:spLocks noGrp="1"/>
+          </p:cNvSpPr>
+          <p:nvPr>
+            <p:ph type="body" idx="1"/>
+          </p:nvPr>
+        </p:nvSpPr>
+        <p:spPr/>
+        <p:txBody>
+          <a:bodyPr>
+            <a:normAutofit/>
+          </a:bodyPr>
+          <a:lstStyle/>
+          <a:p>
+            <a:endParaRPr lang="en-US"/>
+          </a:p>
+        </p:txBody>
+      </p:sp>
+      <p:sp>
+        <p:nvSpPr>
+          <p:cNvPr id="4" name="Slide Number Placeholder 3"/>
+          <p:cNvSpPr>
+            <a:spLocks noGrp="1"/>
+          </p:cNvSpPr>
+          <p:nvPr>
+            <p:ph type="sldNum" sz="quarter" idx="10"/>
+          </p:nvPr>
+        </p:nvSpPr>
+        <p:spPr/>
+        <p:txBody>
+          <a:bodyPr/>
+          <a:lstStyle/>
+          <a:p>
+            <a:fld id="{4EE576B6-BA25-48A5-995A-4330F3F4AAF4}" type="slidenum">
+              <a:rPr lang="en-US" smtClean="0"/>
+              <a:pPr/>
+              <a:t>10</a:t>
+            </a:fld>
+            <a:endParaRPr lang="en-US"/>
+          </a:p>
+        </p:txBody>
+      </p:sp>
+    </p:spTree>
+  </p:cSld>
+  <p:clrMapOvr>
+    <a:masterClrMapping/>
+  </p:clrMapOvr>
+</p:notes>
+</file>
+
+<file path=ppt/notesSlides/notesSlide11.xml><?xml version="1.0" encoding="utf-8"?>
+<p:notes xmlns:a="http://schemas.openxmlformats.org/drawingml/2006/main" xmlns:r="http://schemas.openxmlformats.org/officeDocument/2006/relationships" xmlns:p="http://schemas.openxmlformats.org/presentationml/2006/main">
+  <p:cSld>
+    <p:spTree>
+      <p:nvGrpSpPr>
+        <p:cNvPr id="1" name=""/>
+        <p:cNvGrpSpPr/>
+        <p:nvPr/>
+      </p:nvGrpSpPr>
+      <p:grpSpPr>
+        <a:xfrm>
+          <a:off x="0" y="0"/>
+          <a:ext cx="0" cy="0"/>
+          <a:chOff x="0" y="0"/>
+          <a:chExt cx="0" cy="0"/>
+        </a:xfrm>
+      </p:grpSpPr>
+      <p:sp>
+        <p:nvSpPr>
+          <p:cNvPr id="2" name="Slide Image Placeholder 1"/>
+          <p:cNvSpPr>
+            <a:spLocks noGrp="1" noRot="1" noChangeAspect="1"/>
+          </p:cNvSpPr>
+          <p:nvPr>
+            <p:ph type="sldImg"/>
+          </p:nvPr>
+        </p:nvSpPr>
+        <p:spPr/>
+      </p:sp>
+      <p:sp>
+        <p:nvSpPr>
+          <p:cNvPr id="3" name="Notes Placeholder 2"/>
+          <p:cNvSpPr>
+            <a:spLocks noGrp="1"/>
+          </p:cNvSpPr>
+          <p:nvPr>
+            <p:ph type="body" idx="1"/>
+          </p:nvPr>
+        </p:nvSpPr>
+        <p:spPr/>
+        <p:txBody>
+          <a:bodyPr>
+            <a:normAutofit/>
+          </a:bodyPr>
+          <a:lstStyle/>
+          <a:p>
+            <a:endParaRPr lang="en-US"/>
+          </a:p>
+        </p:txBody>
+      </p:sp>
+      <p:sp>
+        <p:nvSpPr>
+          <p:cNvPr id="4" name="Slide Number Placeholder 3"/>
+          <p:cNvSpPr>
+            <a:spLocks noGrp="1"/>
+          </p:cNvSpPr>
+          <p:nvPr>
+            <p:ph type="sldNum" sz="quarter" idx="10"/>
+          </p:nvPr>
+        </p:nvSpPr>
+        <p:spPr/>
+        <p:txBody>
+          <a:bodyPr/>
+          <a:lstStyle/>
+          <a:p>
+            <a:fld id="{4EE576B6-BA25-48A5-995A-4330F3F4AAF4}" type="slidenum">
+              <a:rPr lang="en-US" smtClean="0"/>
+              <a:pPr/>
+              <a:t>11</a:t>
+            </a:fld>
+            <a:endParaRPr lang="en-US"/>
+          </a:p>
+        </p:txBody>
+      </p:sp>
+    </p:spTree>
+  </p:cSld>
+  <p:clrMapOvr>
+    <a:masterClrMapping/>
+  </p:clrMapOvr>
+</p:notes>
+</file>
+
+<file path=ppt/notesSlides/notesSlide12.xml><?xml version="1.0" encoding="utf-8"?>
+<p:notes xmlns:a="http://schemas.openxmlformats.org/drawingml/2006/main" xmlns:r="http://schemas.openxmlformats.org/officeDocument/2006/relationships" xmlns:p="http://schemas.openxmlformats.org/presentationml/2006/main">
+  <p:cSld>
+    <p:spTree>
+      <p:nvGrpSpPr>
+        <p:cNvPr id="1" name=""/>
+        <p:cNvGrpSpPr/>
+        <p:nvPr/>
+      </p:nvGrpSpPr>
+      <p:grpSpPr>
+        <a:xfrm>
+          <a:off x="0" y="0"/>
+          <a:ext cx="0" cy="0"/>
+          <a:chOff x="0" y="0"/>
+          <a:chExt cx="0" cy="0"/>
+        </a:xfrm>
+      </p:grpSpPr>
+      <p:sp>
+        <p:nvSpPr>
+          <p:cNvPr id="2" name="Slide Image Placeholder 1"/>
+          <p:cNvSpPr>
+            <a:spLocks noGrp="1" noRot="1" noChangeAspect="1"/>
+          </p:cNvSpPr>
+          <p:nvPr>
+            <p:ph type="sldImg"/>
+          </p:nvPr>
+        </p:nvSpPr>
+        <p:spPr/>
+      </p:sp>
+      <p:sp>
+        <p:nvSpPr>
+          <p:cNvPr id="3" name="Notes Placeholder 2"/>
+          <p:cNvSpPr>
+            <a:spLocks noGrp="1"/>
+          </p:cNvSpPr>
+          <p:nvPr>
+            <p:ph type="body" idx="1"/>
+          </p:nvPr>
+        </p:nvSpPr>
+        <p:spPr/>
+        <p:txBody>
+          <a:bodyPr>
+            <a:normAutofit/>
+          </a:bodyPr>
+          <a:lstStyle/>
+          <a:p>
+            <a:endParaRPr lang="en-US"/>
+          </a:p>
+        </p:txBody>
+      </p:sp>
+      <p:sp>
+        <p:nvSpPr>
+          <p:cNvPr id="4" name="Slide Number Placeholder 3"/>
+          <p:cNvSpPr>
+            <a:spLocks noGrp="1"/>
+          </p:cNvSpPr>
+          <p:nvPr>
+            <p:ph type="sldNum" sz="quarter" idx="10"/>
+          </p:nvPr>
+        </p:nvSpPr>
+        <p:spPr/>
+        <p:txBody>
+          <a:bodyPr/>
+          <a:lstStyle/>
+          <a:p>
+            <a:fld id="{4EE576B6-BA25-48A5-995A-4330F3F4AAF4}" type="slidenum">
+              <a:rPr lang="en-US" smtClean="0"/>
+              <a:pPr/>
+              <a:t>12</a:t>
+            </a:fld>
+            <a:endParaRPr lang="en-US"/>
+          </a:p>
+        </p:txBody>
+      </p:sp>
+    </p:spTree>
+  </p:cSld>
+  <p:clrMapOvr>
+    <a:masterClrMapping/>
+  </p:clrMapOvr>
+</p:notes>
+</file>
+
+<file path=ppt/notesSlides/notesSlide13.xml><?xml version="1.0" encoding="utf-8"?>
+<p:notes xmlns:a="http://schemas.openxmlformats.org/drawingml/2006/main" xmlns:r="http://schemas.openxmlformats.org/officeDocument/2006/relationships" xmlns:p="http://schemas.openxmlformats.org/presentationml/2006/main">
+  <p:cSld>
+    <p:spTree>
+      <p:nvGrpSpPr>
+        <p:cNvPr id="1" name=""/>
+        <p:cNvGrpSpPr/>
+        <p:nvPr/>
+      </p:nvGrpSpPr>
+      <p:grpSpPr>
+        <a:xfrm>
+          <a:off x="0" y="0"/>
+          <a:ext cx="0" cy="0"/>
+          <a:chOff x="0" y="0"/>
+          <a:chExt cx="0" cy="0"/>
+        </a:xfrm>
+      </p:grpSpPr>
+      <p:sp>
+        <p:nvSpPr>
+          <p:cNvPr id="2" name="Slide Image Placeholder 1"/>
+          <p:cNvSpPr>
+            <a:spLocks noGrp="1" noRot="1" noChangeAspect="1"/>
+          </p:cNvSpPr>
+          <p:nvPr>
+            <p:ph type="sldImg"/>
+          </p:nvPr>
+        </p:nvSpPr>
+        <p:spPr/>
+      </p:sp>
+      <p:sp>
+        <p:nvSpPr>
+          <p:cNvPr id="3" name="Notes Placeholder 2"/>
+          <p:cNvSpPr>
+            <a:spLocks noGrp="1"/>
+          </p:cNvSpPr>
+          <p:nvPr>
+            <p:ph type="body" idx="1"/>
+          </p:nvPr>
+        </p:nvSpPr>
+        <p:spPr/>
+        <p:txBody>
+          <a:bodyPr>
+            <a:normAutofit/>
+          </a:bodyPr>
+          <a:lstStyle/>
+          <a:p>
+            <a:endParaRPr lang="en-US"/>
+          </a:p>
+        </p:txBody>
+      </p:sp>
+      <p:sp>
+        <p:nvSpPr>
+          <p:cNvPr id="4" name="Slide Number Placeholder 3"/>
+          <p:cNvSpPr>
+            <a:spLocks noGrp="1"/>
+          </p:cNvSpPr>
+          <p:nvPr>
+            <p:ph type="sldNum" sz="quarter" idx="10"/>
+          </p:nvPr>
+        </p:nvSpPr>
+        <p:spPr/>
+        <p:txBody>
+          <a:bodyPr/>
+          <a:lstStyle/>
+          <a:p>
+            <a:fld id="{4EE576B6-BA25-48A5-995A-4330F3F4AAF4}" type="slidenum">
+              <a:rPr lang="en-US" smtClean="0"/>
+              <a:pPr/>
+              <a:t>13</a:t>
+            </a:fld>
+            <a:endParaRPr lang="en-US"/>
+          </a:p>
+        </p:txBody>
+      </p:sp>
+    </p:spTree>
+  </p:cSld>
+  <p:clrMapOvr>
+    <a:masterClrMapping/>
+  </p:clrMapOvr>
+</p:notes>
+</file>
+
+<file path=ppt/notesSlides/notesSlide14.xml><?xml version="1.0" encoding="utf-8"?>
+<p:notes xmlns:a="http://schemas.openxmlformats.org/drawingml/2006/main" xmlns:r="http://schemas.openxmlformats.org/officeDocument/2006/relationships" xmlns:p="http://schemas.openxmlformats.org/presentationml/2006/main">
+  <p:cSld>
+    <p:spTree>
+      <p:nvGrpSpPr>
+        <p:cNvPr id="1" name=""/>
+        <p:cNvGrpSpPr/>
+        <p:nvPr/>
+      </p:nvGrpSpPr>
+      <p:grpSpPr>
+        <a:xfrm>
+          <a:off x="0" y="0"/>
+          <a:ext cx="0" cy="0"/>
+          <a:chOff x="0" y="0"/>
+          <a:chExt cx="0" cy="0"/>
+        </a:xfrm>
+      </p:grpSpPr>
+      <p:sp>
+        <p:nvSpPr>
+          <p:cNvPr id="2" name="Slide Image Placeholder 1"/>
+          <p:cNvSpPr>
+            <a:spLocks noGrp="1" noRot="1" noChangeAspect="1"/>
+          </p:cNvSpPr>
+          <p:nvPr>
+            <p:ph type="sldImg"/>
+          </p:nvPr>
+        </p:nvSpPr>
+        <p:spPr/>
+      </p:sp>
+      <p:sp>
+        <p:nvSpPr>
+          <p:cNvPr id="3" name="Notes Placeholder 2"/>
+          <p:cNvSpPr>
+            <a:spLocks noGrp="1"/>
+          </p:cNvSpPr>
+          <p:nvPr>
+            <p:ph type="body" idx="1"/>
+          </p:nvPr>
+        </p:nvSpPr>
+        <p:spPr/>
+        <p:txBody>
+          <a:bodyPr>
+            <a:normAutofit/>
+          </a:bodyPr>
+          <a:lstStyle/>
+          <a:p>
+            <a:endParaRPr lang="en-US"/>
+          </a:p>
+        </p:txBody>
+      </p:sp>
+      <p:sp>
+        <p:nvSpPr>
+          <p:cNvPr id="4" name="Slide Number Placeholder 3"/>
+          <p:cNvSpPr>
+            <a:spLocks noGrp="1"/>
+          </p:cNvSpPr>
+          <p:nvPr>
+            <p:ph type="sldNum" sz="quarter" idx="10"/>
+          </p:nvPr>
+        </p:nvSpPr>
+        <p:spPr/>
+        <p:txBody>
+          <a:bodyPr/>
+          <a:lstStyle/>
+          <a:p>
+            <a:fld id="{4EE576B6-BA25-48A5-995A-4330F3F4AAF4}" type="slidenum">
+              <a:rPr lang="en-US" smtClean="0"/>
+              <a:pPr/>
+              <a:t>14</a:t>
             </a:fld>
             <a:endParaRPr lang="en-US"/>
           </a:p>
@@ -612,6 +1031,7 @@
           <a:p>
             <a:fld id="{4EE576B6-BA25-48A5-995A-4330F3F4AAF4}" type="slidenum">
               <a:rPr lang="en-US" smtClean="0"/>
+              <a:pPr/>
               <a:t>2</a:t>
             </a:fld>
             <a:endParaRPr lang="en-US"/>
@@ -693,6 +1113,7 @@
           <a:p>
             <a:fld id="{4EE576B6-BA25-48A5-995A-4330F3F4AAF4}" type="slidenum">
               <a:rPr lang="en-US" smtClean="0"/>
+              <a:pPr/>
               <a:t>3</a:t>
             </a:fld>
             <a:endParaRPr lang="en-US"/>
@@ -774,6 +1195,7 @@
           <a:p>
             <a:fld id="{4EE576B6-BA25-48A5-995A-4330F3F4AAF4}" type="slidenum">
               <a:rPr lang="en-US" smtClean="0"/>
+              <a:pPr/>
               <a:t>4</a:t>
             </a:fld>
             <a:endParaRPr lang="en-US"/>
@@ -855,6 +1277,7 @@
           <a:p>
             <a:fld id="{4EE576B6-BA25-48A5-995A-4330F3F4AAF4}" type="slidenum">
               <a:rPr lang="en-US" smtClean="0"/>
+              <a:pPr/>
               <a:t>5</a:t>
             </a:fld>
             <a:endParaRPr lang="en-US"/>
@@ -936,6 +1359,7 @@
           <a:p>
             <a:fld id="{4EE576B6-BA25-48A5-995A-4330F3F4AAF4}" type="slidenum">
               <a:rPr lang="en-US" smtClean="0"/>
+              <a:pPr/>
               <a:t>6</a:t>
             </a:fld>
             <a:endParaRPr lang="en-US"/>
@@ -1017,6 +1441,7 @@
           <a:p>
             <a:fld id="{4EE576B6-BA25-48A5-995A-4330F3F4AAF4}" type="slidenum">
               <a:rPr lang="en-US" smtClean="0"/>
+              <a:pPr/>
               <a:t>7</a:t>
             </a:fld>
             <a:endParaRPr lang="en-US"/>
@@ -1098,7 +1523,90 @@
           <a:p>
             <a:fld id="{4EE576B6-BA25-48A5-995A-4330F3F4AAF4}" type="slidenum">
               <a:rPr lang="en-US" smtClean="0"/>
+              <a:pPr/>
               <a:t>8</a:t>
+            </a:fld>
+            <a:endParaRPr lang="en-US"/>
+          </a:p>
+        </p:txBody>
+      </p:sp>
+    </p:spTree>
+  </p:cSld>
+  <p:clrMapOvr>
+    <a:masterClrMapping/>
+  </p:clrMapOvr>
+</p:notes>
+</file>
+
+<file path=ppt/notesSlides/notesSlide9.xml><?xml version="1.0" encoding="utf-8"?>
+<p:notes xmlns:a="http://schemas.openxmlformats.org/drawingml/2006/main" xmlns:r="http://schemas.openxmlformats.org/officeDocument/2006/relationships" xmlns:p="http://schemas.openxmlformats.org/presentationml/2006/main">
+  <p:cSld>
+    <p:spTree>
+      <p:nvGrpSpPr>
+        <p:cNvPr id="1" name=""/>
+        <p:cNvGrpSpPr/>
+        <p:nvPr/>
+      </p:nvGrpSpPr>
+      <p:grpSpPr>
+        <a:xfrm>
+          <a:off x="0" y="0"/>
+          <a:ext cx="0" cy="0"/>
+          <a:chOff x="0" y="0"/>
+          <a:chExt cx="0" cy="0"/>
+        </a:xfrm>
+      </p:grpSpPr>
+      <p:sp>
+        <p:nvSpPr>
+          <p:cNvPr id="2" name="Slide Image Placeholder 1"/>
+          <p:cNvSpPr>
+            <a:spLocks noGrp="1" noRot="1" noChangeAspect="1"/>
+          </p:cNvSpPr>
+          <p:nvPr>
+            <p:ph type="sldImg"/>
+          </p:nvPr>
+        </p:nvSpPr>
+        <p:spPr/>
+      </p:sp>
+      <p:sp>
+        <p:nvSpPr>
+          <p:cNvPr id="3" name="Notes Placeholder 2"/>
+          <p:cNvSpPr>
+            <a:spLocks noGrp="1"/>
+          </p:cNvSpPr>
+          <p:nvPr>
+            <p:ph type="body" idx="1"/>
+          </p:nvPr>
+        </p:nvSpPr>
+        <p:spPr/>
+        <p:txBody>
+          <a:bodyPr>
+            <a:normAutofit/>
+          </a:bodyPr>
+          <a:lstStyle/>
+          <a:p>
+            <a:endParaRPr lang="en-US"/>
+          </a:p>
+        </p:txBody>
+      </p:sp>
+      <p:sp>
+        <p:nvSpPr>
+          <p:cNvPr id="4" name="Slide Number Placeholder 3"/>
+          <p:cNvSpPr>
+            <a:spLocks noGrp="1"/>
+          </p:cNvSpPr>
+          <p:nvPr>
+            <p:ph type="sldNum" sz="quarter" idx="10"/>
+          </p:nvPr>
+        </p:nvSpPr>
+        <p:spPr/>
+        <p:txBody>
+          <a:bodyPr/>
+          <a:lstStyle/>
+          <a:p>
+            <a:fld id="{4EE576B6-BA25-48A5-995A-4330F3F4AAF4}" type="slidenum">
+              <a:rPr lang="en-US" smtClean="0"/>
+              <a:pPr/>
+              <a:t>9</a:t>
             </a:fld>
             <a:endParaRPr lang="en-US"/>
           </a:p>
@@ -1293,7 +1801,8 @@
           <a:p>
             <a:fld id="{AD6CF7D0-54BE-4AFB-B0FC-FA5E364208B7}" type="datetimeFigureOut">
               <a:rPr lang="en-US" smtClean="0"/>
-              <a:t>4/2/2009</a:t>
+              <a:pPr/>
+              <a:t>4/5/2009</a:t>
             </a:fld>
             <a:endParaRPr lang="en-US" dirty="0"/>
           </a:p>
@@ -1335,6 +1844,7 @@
           <a:p>
             <a:fld id="{B6523DB9-9DB3-408F-A27A-7E848ED0963B}" type="slidenum">
               <a:rPr lang="en-US" smtClean="0"/>
+              <a:pPr/>
               <a:t>‹#›</a:t>
             </a:fld>
             <a:endParaRPr lang="en-US" dirty="0"/>
@@ -1458,7 +1968,8 @@
           <a:p>
             <a:fld id="{AD6CF7D0-54BE-4AFB-B0FC-FA5E364208B7}" type="datetimeFigureOut">
               <a:rPr lang="en-US" smtClean="0"/>
-              <a:t>4/2/2009</a:t>
+              <a:pPr/>
+              <a:t>4/5/2009</a:t>
             </a:fld>
             <a:endParaRPr lang="en-US"/>
           </a:p>
@@ -1500,6 +2011,7 @@
           <a:p>
             <a:fld id="{B6523DB9-9DB3-408F-A27A-7E848ED0963B}" type="slidenum">
               <a:rPr lang="en-US" smtClean="0"/>
+              <a:pPr/>
               <a:t>‹#›</a:t>
             </a:fld>
             <a:endParaRPr lang="en-US"/>
@@ -1633,7 +2145,8 @@
           <a:p>
             <a:fld id="{AD6CF7D0-54BE-4AFB-B0FC-FA5E364208B7}" type="datetimeFigureOut">
               <a:rPr lang="en-US" smtClean="0"/>
-              <a:t>4/2/2009</a:t>
+              <a:pPr/>
+              <a:t>4/5/2009</a:t>
             </a:fld>
             <a:endParaRPr lang="en-US"/>
           </a:p>
@@ -1675,6 +2188,7 @@
           <a:p>
             <a:fld id="{B6523DB9-9DB3-408F-A27A-7E848ED0963B}" type="slidenum">
               <a:rPr lang="en-US" smtClean="0"/>
+              <a:pPr/>
               <a:t>‹#›</a:t>
             </a:fld>
             <a:endParaRPr lang="en-US"/>
@@ -1798,7 +2312,8 @@
           <a:p>
             <a:fld id="{AD6CF7D0-54BE-4AFB-B0FC-FA5E364208B7}" type="datetimeFigureOut">
               <a:rPr lang="en-US" smtClean="0"/>
-              <a:t>4/2/2009</a:t>
+              <a:pPr/>
+              <a:t>4/5/2009</a:t>
             </a:fld>
             <a:endParaRPr lang="en-US"/>
           </a:p>
@@ -1840,6 +2355,7 @@
           <a:p>
             <a:fld id="{B6523DB9-9DB3-408F-A27A-7E848ED0963B}" type="slidenum">
               <a:rPr lang="en-US" smtClean="0"/>
+              <a:pPr/>
               <a:t>‹#›</a:t>
             </a:fld>
             <a:endParaRPr lang="en-US"/>
@@ -2039,7 +2555,8 @@
           <a:p>
             <a:fld id="{AD6CF7D0-54BE-4AFB-B0FC-FA5E364208B7}" type="datetimeFigureOut">
               <a:rPr lang="en-US" smtClean="0"/>
-              <a:t>4/2/2009</a:t>
+              <a:pPr/>
+              <a:t>4/5/2009</a:t>
             </a:fld>
             <a:endParaRPr lang="en-US"/>
           </a:p>
@@ -2081,6 +2598,7 @@
           <a:p>
             <a:fld id="{B6523DB9-9DB3-408F-A27A-7E848ED0963B}" type="slidenum">
               <a:rPr lang="en-US" smtClean="0"/>
+              <a:pPr/>
               <a:t>‹#›</a:t>
             </a:fld>
             <a:endParaRPr lang="en-US"/>
@@ -2322,7 +2840,8 @@
           <a:p>
             <a:fld id="{AD6CF7D0-54BE-4AFB-B0FC-FA5E364208B7}" type="datetimeFigureOut">
               <a:rPr lang="en-US" smtClean="0"/>
-              <a:t>4/2/2009</a:t>
+              <a:pPr/>
+              <a:t>4/5/2009</a:t>
             </a:fld>
             <a:endParaRPr lang="en-US"/>
           </a:p>
@@ -2364,6 +2883,7 @@
           <a:p>
             <a:fld id="{B6523DB9-9DB3-408F-A27A-7E848ED0963B}" type="slidenum">
               <a:rPr lang="en-US" smtClean="0"/>
+              <a:pPr/>
               <a:t>‹#›</a:t>
             </a:fld>
             <a:endParaRPr lang="en-US"/>
@@ -2739,7 +3259,8 @@
           <a:p>
             <a:fld id="{AD6CF7D0-54BE-4AFB-B0FC-FA5E364208B7}" type="datetimeFigureOut">
               <a:rPr lang="en-US" smtClean="0"/>
-              <a:t>4/2/2009</a:t>
+              <a:pPr/>
+              <a:t>4/5/2009</a:t>
             </a:fld>
             <a:endParaRPr lang="en-US"/>
           </a:p>
@@ -2781,6 +3302,7 @@
           <a:p>
             <a:fld id="{B6523DB9-9DB3-408F-A27A-7E848ED0963B}" type="slidenum">
               <a:rPr lang="en-US" smtClean="0"/>
+              <a:pPr/>
               <a:t>‹#›</a:t>
             </a:fld>
             <a:endParaRPr lang="en-US"/>
@@ -2852,7 +3374,8 @@
           <a:p>
             <a:fld id="{AD6CF7D0-54BE-4AFB-B0FC-FA5E364208B7}" type="datetimeFigureOut">
               <a:rPr lang="en-US" smtClean="0"/>
-              <a:t>4/2/2009</a:t>
+              <a:pPr/>
+              <a:t>4/5/2009</a:t>
             </a:fld>
             <a:endParaRPr lang="en-US"/>
           </a:p>
@@ -2894,6 +3417,7 @@
           <a:p>
             <a:fld id="{B6523DB9-9DB3-408F-A27A-7E848ED0963B}" type="slidenum">
               <a:rPr lang="en-US" smtClean="0"/>
+              <a:pPr/>
               <a:t>‹#›</a:t>
             </a:fld>
             <a:endParaRPr lang="en-US"/>
@@ -2942,7 +3466,8 @@
           <a:p>
             <a:fld id="{AD6CF7D0-54BE-4AFB-B0FC-FA5E364208B7}" type="datetimeFigureOut">
               <a:rPr lang="en-US" smtClean="0"/>
-              <a:t>4/2/2009</a:t>
+              <a:pPr/>
+              <a:t>4/5/2009</a:t>
             </a:fld>
             <a:endParaRPr lang="en-US"/>
           </a:p>
@@ -2984,6 +3509,7 @@
           <a:p>
             <a:fld id="{B6523DB9-9DB3-408F-A27A-7E848ED0963B}" type="slidenum">
               <a:rPr lang="en-US" smtClean="0"/>
+              <a:pPr/>
               <a:t>‹#›</a:t>
             </a:fld>
             <a:endParaRPr lang="en-US"/>
@@ -3214,7 +3740,8 @@
           <a:p>
             <a:fld id="{AD6CF7D0-54BE-4AFB-B0FC-FA5E364208B7}" type="datetimeFigureOut">
               <a:rPr lang="en-US" smtClean="0"/>
-              <a:t>4/2/2009</a:t>
+              <a:pPr/>
+              <a:t>4/5/2009</a:t>
             </a:fld>
             <a:endParaRPr lang="en-US"/>
           </a:p>
@@ -3256,6 +3783,7 @@
           <a:p>
             <a:fld id="{B6523DB9-9DB3-408F-A27A-7E848ED0963B}" type="slidenum">
               <a:rPr lang="en-US" smtClean="0"/>
+              <a:pPr/>
               <a:t>‹#›</a:t>
             </a:fld>
             <a:endParaRPr lang="en-US"/>
@@ -3462,7 +3990,8 @@
           <a:p>
             <a:fld id="{AD6CF7D0-54BE-4AFB-B0FC-FA5E364208B7}" type="datetimeFigureOut">
               <a:rPr lang="en-US" smtClean="0"/>
-              <a:t>4/2/2009</a:t>
+              <a:pPr/>
+              <a:t>4/5/2009</a:t>
             </a:fld>
             <a:endParaRPr lang="en-US"/>
           </a:p>
@@ -3504,6 +4033,7 @@
           <a:p>
             <a:fld id="{B6523DB9-9DB3-408F-A27A-7E848ED0963B}" type="slidenum">
               <a:rPr lang="en-US" smtClean="0"/>
+              <a:pPr/>
               <a:t>‹#›</a:t>
             </a:fld>
             <a:endParaRPr lang="en-US"/>
@@ -3670,7 +4200,8 @@
           <a:p>
             <a:fld id="{AD6CF7D0-54BE-4AFB-B0FC-FA5E364208B7}" type="datetimeFigureOut">
               <a:rPr lang="en-US" smtClean="0"/>
-              <a:t>4/2/2009</a:t>
+              <a:pPr/>
+              <a:t>4/5/2009</a:t>
             </a:fld>
             <a:endParaRPr lang="en-US"/>
           </a:p>
@@ -3748,6 +4279,7 @@
           <a:p>
             <a:fld id="{B6523DB9-9DB3-408F-A27A-7E848ED0963B}" type="slidenum">
               <a:rPr lang="en-US" smtClean="0"/>
+              <a:pPr/>
               <a:t>‹#›</a:t>
             </a:fld>
             <a:endParaRPr lang="en-US"/>
@@ -4181,6 +4713,693 @@
 </p:sld>
 </file>
 
+<file path=ppt/slides/slide10.xml><?xml version="1.0" encoding="utf-8"?>
+<p:sld xmlns:a="http://schemas.openxmlformats.org/drawingml/2006/main" xmlns:r="http://schemas.openxmlformats.org/officeDocument/2006/relationships" xmlns:p="http://schemas.openxmlformats.org/presentationml/2006/main">
+  <p:cSld>
+    <p:spTree>
+      <p:nvGrpSpPr>
+        <p:cNvPr id="1" name=""/>
+        <p:cNvGrpSpPr/>
+        <p:nvPr/>
+      </p:nvGrpSpPr>
+      <p:grpSpPr>
+        <a:xfrm>
+          <a:off x="0" y="0"/>
+          <a:ext cx="0" cy="0"/>
+          <a:chOff x="0" y="0"/>
+          <a:chExt cx="0" cy="0"/>
+        </a:xfrm>
+      </p:grpSpPr>
+      <p:sp>
+        <p:nvSpPr>
+          <p:cNvPr id="2" name="Title 1"/>
+          <p:cNvSpPr>
+            <a:spLocks noGrp="1"/>
+          </p:cNvSpPr>
+          <p:nvPr>
+            <p:ph type="title"/>
+          </p:nvPr>
+        </p:nvSpPr>
+        <p:spPr/>
+        <p:txBody>
+          <a:bodyPr/>
+          <a:lstStyle/>
+          <a:p>
+            <a:r>
+              <a:rPr lang="en-US" dirty="0" smtClean="0"/>
+              <a:t>Example 1 (continued)</a:t>
+            </a:r>
+            <a:endParaRPr lang="en-US" dirty="0"/>
+          </a:p>
+        </p:txBody>
+      </p:sp>
+      <p:graphicFrame>
+        <p:nvGraphicFramePr>
+          <p:cNvPr id="5" name="Table 4"/>
+          <p:cNvGraphicFramePr>
+            <a:graphicFrameLocks noGrp="1"/>
+          </p:cNvGraphicFramePr>
+          <p:nvPr/>
+        </p:nvGraphicFramePr>
+        <p:xfrm>
+          <a:off x="685800" y="4648200"/>
+          <a:ext cx="7924799" cy="1854200"/>
+        </p:xfrm>
+        <a:graphic>
+          <a:graphicData uri="http://schemas.openxmlformats.org/drawingml/2006/table">
+            <a:tbl>
+              <a:tblPr firstRow="1" bandRow="1">
+                <a:tableStyleId>{5C22544A-7EE6-4342-B048-85BDC9FD1C3A}</a:tableStyleId>
+              </a:tblPr>
+              <a:tblGrid>
+                <a:gridCol w="2590800"/>
+                <a:gridCol w="3352800"/>
+                <a:gridCol w="1981199"/>
+              </a:tblGrid>
+              <a:tr h="370840">
+                <a:tc>
+                  <a:txBody>
+                    <a:bodyPr/>
+                    <a:lstStyle/>
+                    <a:p>
+                      <a:r>
+                        <a:rPr lang="en-US" dirty="0" smtClean="0"/>
+                        <a:t>On</a:t>
+                      </a:r>
+                      <a:r>
+                        <a:rPr lang="en-US" baseline="0" dirty="0" smtClean="0"/>
+                        <a:t> server</a:t>
+                      </a:r>
+                      <a:endParaRPr lang="en-US" dirty="0"/>
+                    </a:p>
+                  </a:txBody>
+                  <a:tcPr/>
+                </a:tc>
+                <a:tc>
+                  <a:txBody>
+                    <a:bodyPr/>
+                    <a:lstStyle/>
+                    <a:p>
+                      <a:r>
+                        <a:rPr lang="en-US" dirty="0" smtClean="0"/>
+                        <a:t>On client</a:t>
+                      </a:r>
+                      <a:endParaRPr lang="en-US" dirty="0"/>
+                    </a:p>
+                  </a:txBody>
+                  <a:tcPr/>
+                </a:tc>
+                <a:tc>
+                  <a:txBody>
+                    <a:bodyPr/>
+                    <a:lstStyle/>
+                    <a:p>
+                      <a:r>
+                        <a:rPr lang="en-US" dirty="0" smtClean="0"/>
+                        <a:t>Expires</a:t>
+                      </a:r>
+                      <a:endParaRPr lang="en-US" dirty="0"/>
+                    </a:p>
+                  </a:txBody>
+                  <a:tcPr/>
+                </a:tc>
+              </a:tr>
+              <a:tr h="370840">
+                <a:tc>
+                  <a:txBody>
+                    <a:bodyPr/>
+                    <a:lstStyle/>
+                    <a:p>
+                      <a:r>
+                        <a:rPr lang="en-US" dirty="0" smtClean="0"/>
+                        <a:t>./</a:t>
+                      </a:r>
+                      <a:r>
+                        <a:rPr lang="en-US" dirty="0" err="1" smtClean="0"/>
+                        <a:t>docroot</a:t>
+                      </a:r>
+                      <a:r>
+                        <a:rPr lang="en-US" dirty="0" smtClean="0"/>
+                        <a:t>/html/file.html</a:t>
+                      </a:r>
+                      <a:endParaRPr lang="en-US" dirty="0"/>
+                    </a:p>
+                  </a:txBody>
+                  <a:tcPr/>
+                </a:tc>
+                <a:tc>
+                  <a:txBody>
+                    <a:bodyPr/>
+                    <a:lstStyle/>
+                    <a:p>
+                      <a:r>
+                        <a:rPr lang="en-US" dirty="0" smtClean="0"/>
+                        <a:t>http://myurl:8080/html/file.html</a:t>
+                      </a:r>
+                      <a:endParaRPr lang="en-US" dirty="0"/>
+                    </a:p>
+                  </a:txBody>
+                  <a:tcPr/>
+                </a:tc>
+                <a:tc>
+                  <a:txBody>
+                    <a:bodyPr/>
+                    <a:lstStyle/>
+                    <a:p>
+                      <a:r>
+                        <a:rPr lang="en-US" dirty="0" smtClean="0"/>
+                        <a:t>tomorrow</a:t>
+                      </a:r>
+                      <a:endParaRPr lang="en-US" dirty="0"/>
+                    </a:p>
+                  </a:txBody>
+                  <a:tcPr/>
+                </a:tc>
+              </a:tr>
+              <a:tr h="370840">
+                <a:tc>
+                  <a:txBody>
+                    <a:bodyPr/>
+                    <a:lstStyle/>
+                    <a:p>
+                      <a:r>
+                        <a:rPr lang="en-US" dirty="0" smtClean="0"/>
+                        <a:t>./</a:t>
+                      </a:r>
+                      <a:r>
+                        <a:rPr lang="en-US" dirty="0" err="1" smtClean="0"/>
+                        <a:t>docroot</a:t>
+                      </a:r>
+                      <a:r>
+                        <a:rPr lang="en-US" dirty="0" smtClean="0"/>
+                        <a:t>/images/file.gif</a:t>
+                      </a:r>
+                      <a:endParaRPr lang="en-US" dirty="0"/>
+                    </a:p>
+                  </a:txBody>
+                  <a:tcPr/>
+                </a:tc>
+                <a:tc>
+                  <a:txBody>
+                    <a:bodyPr/>
+                    <a:lstStyle/>
+                    <a:p>
+                      <a:r>
+                        <a:rPr lang="en-US" dirty="0" smtClean="0">
+                          <a:hlinkClick r:id="rId3"/>
+                        </a:rPr>
+                        <a:t>http://myurl:8080/images/file.gif</a:t>
+                      </a:r>
+                      <a:endParaRPr lang="en-US" dirty="0"/>
+                    </a:p>
+                  </a:txBody>
+                  <a:tcPr/>
+                </a:tc>
+                <a:tc>
+                  <a:txBody>
+                    <a:bodyPr/>
+                    <a:lstStyle/>
+                    <a:p>
+                      <a:r>
+                        <a:rPr lang="en-US" dirty="0" smtClean="0"/>
+                        <a:t>next week</a:t>
+                      </a:r>
+                      <a:endParaRPr lang="en-US" dirty="0"/>
+                    </a:p>
+                  </a:txBody>
+                  <a:tcPr/>
+                </a:tc>
+              </a:tr>
+              <a:tr h="370840">
+                <a:tc>
+                  <a:txBody>
+                    <a:bodyPr/>
+                    <a:lstStyle/>
+                    <a:p>
+                      <a:r>
+                        <a:rPr lang="en-US" dirty="0" smtClean="0"/>
+                        <a:t>./</a:t>
+                      </a:r>
+                      <a:r>
+                        <a:rPr lang="en-US" dirty="0" err="1" smtClean="0"/>
+                        <a:t>docroot</a:t>
+                      </a:r>
+                      <a:r>
+                        <a:rPr lang="en-US" dirty="0" smtClean="0"/>
+                        <a:t>/</a:t>
+                      </a:r>
+                      <a:r>
+                        <a:rPr lang="en-US" dirty="0" err="1" smtClean="0"/>
+                        <a:t>css</a:t>
+                      </a:r>
+                      <a:r>
+                        <a:rPr lang="en-US" dirty="0" smtClean="0"/>
+                        <a:t>/file.css</a:t>
+                      </a:r>
+                      <a:endParaRPr lang="en-US" dirty="0"/>
+                    </a:p>
+                  </a:txBody>
+                  <a:tcPr/>
+                </a:tc>
+                <a:tc>
+                  <a:txBody>
+                    <a:bodyPr/>
+                    <a:lstStyle/>
+                    <a:p>
+                      <a:r>
+                        <a:rPr lang="en-US" dirty="0" smtClean="0"/>
+                        <a:t>http://myurl:8080/file.css</a:t>
+                      </a:r>
+                      <a:endParaRPr lang="en-US" dirty="0"/>
+                    </a:p>
+                  </a:txBody>
+                  <a:tcPr/>
+                </a:tc>
+                <a:tc>
+                  <a:txBody>
+                    <a:bodyPr/>
+                    <a:lstStyle/>
+                    <a:p>
+                      <a:r>
+                        <a:rPr lang="en-US" dirty="0" smtClean="0"/>
+                        <a:t>tomorrow</a:t>
+                      </a:r>
+                      <a:endParaRPr lang="en-US" dirty="0"/>
+                    </a:p>
+                  </a:txBody>
+                  <a:tcPr/>
+                </a:tc>
+              </a:tr>
+              <a:tr h="370840">
+                <a:tc>
+                  <a:txBody>
+                    <a:bodyPr/>
+                    <a:lstStyle/>
+                    <a:p>
+                      <a:r>
+                        <a:rPr lang="en-US" dirty="0" smtClean="0"/>
+                        <a:t>./</a:t>
+                      </a:r>
+                      <a:r>
+                        <a:rPr lang="en-US" dirty="0" err="1" smtClean="0"/>
+                        <a:t>docroot</a:t>
+                      </a:r>
+                      <a:r>
+                        <a:rPr lang="en-US" dirty="0" smtClean="0"/>
+                        <a:t>/scripts/file.js</a:t>
+                      </a:r>
+                      <a:endParaRPr lang="en-US" dirty="0"/>
+                    </a:p>
+                  </a:txBody>
+                  <a:tcPr/>
+                </a:tc>
+                <a:tc>
+                  <a:txBody>
+                    <a:bodyPr/>
+                    <a:lstStyle/>
+                    <a:p>
+                      <a:r>
+                        <a:rPr lang="en-US" dirty="0" smtClean="0"/>
+                        <a:t>http://myurl:8080/file.js</a:t>
+                      </a:r>
+                      <a:endParaRPr lang="en-US" dirty="0"/>
+                    </a:p>
+                  </a:txBody>
+                  <a:tcPr/>
+                </a:tc>
+                <a:tc>
+                  <a:txBody>
+                    <a:bodyPr/>
+                    <a:lstStyle/>
+                    <a:p>
+                      <a:r>
+                        <a:rPr lang="en-US" dirty="0" smtClean="0"/>
+                        <a:t>tomorrow</a:t>
+                      </a:r>
+                      <a:endParaRPr lang="en-US" dirty="0"/>
+                    </a:p>
+                  </a:txBody>
+                  <a:tcPr/>
+                </a:tc>
+              </a:tr>
+            </a:tbl>
+          </a:graphicData>
+        </a:graphic>
+      </p:graphicFrame>
+      <p:sp>
+        <p:nvSpPr>
+          <p:cNvPr id="6" name="Content Placeholder 5"/>
+          <p:cNvSpPr>
+            <a:spLocks noGrp="1"/>
+          </p:cNvSpPr>
+          <p:nvPr>
+            <p:ph idx="1"/>
+          </p:nvPr>
+        </p:nvSpPr>
+        <p:spPr>
+          <a:xfrm>
+            <a:off x="457200" y="1600201"/>
+            <a:ext cx="8229600" cy="2895600"/>
+          </a:xfrm>
+        </p:spPr>
+        <p:txBody>
+          <a:bodyPr/>
+          <a:lstStyle/>
+          <a:p>
+            <a:r>
+              <a:rPr lang="en-US" dirty="0" smtClean="0"/>
+              <a:t>How are these file served:</a:t>
+            </a:r>
+          </a:p>
+          <a:p>
+            <a:pPr lvl="1"/>
+            <a:r>
+              <a:rPr lang="en-US" dirty="0" smtClean="0"/>
+              <a:t>On </a:t>
+            </a:r>
+            <a:r>
+              <a:rPr lang="en-US" dirty="0" smtClean="0"/>
+              <a:t>port 8080</a:t>
+            </a:r>
+          </a:p>
+          <a:p>
+            <a:pPr lvl="1"/>
+            <a:r>
+              <a:rPr lang="en-US" dirty="0" smtClean="0"/>
+              <a:t>Using caching</a:t>
+            </a:r>
+          </a:p>
+          <a:p>
+            <a:pPr lvl="1"/>
+            <a:r>
+              <a:rPr lang="en-US" dirty="0" smtClean="0"/>
+              <a:t>The html, images, </a:t>
+            </a:r>
+            <a:r>
+              <a:rPr lang="en-US" dirty="0" err="1" smtClean="0"/>
+              <a:t>css</a:t>
+            </a:r>
+            <a:r>
+              <a:rPr lang="en-US" dirty="0" smtClean="0"/>
+              <a:t> and scripts subdirectories are served as root in the URL </a:t>
+            </a:r>
+            <a:endParaRPr lang="en-US" dirty="0" smtClean="0"/>
+          </a:p>
+          <a:p>
+            <a:endParaRPr lang="en-US" dirty="0"/>
+          </a:p>
+        </p:txBody>
+      </p:sp>
+    </p:spTree>
+  </p:cSld>
+  <p:clrMapOvr>
+    <a:masterClrMapping/>
+  </p:clrMapOvr>
+  <p:timing>
+    <p:tnLst>
+      <p:par>
+        <p:cTn id="1" dur="indefinite" restart="never" nodeType="tmRoot"/>
+      </p:par>
+    </p:tnLst>
+  </p:timing>
+</p:sld>
+</file>
+
+<file path=ppt/slides/slide11.xml><?xml version="1.0" encoding="utf-8"?>
+<p:sld xmlns:a="http://schemas.openxmlformats.org/drawingml/2006/main" xmlns:r="http://schemas.openxmlformats.org/officeDocument/2006/relationships" xmlns:p="http://schemas.openxmlformats.org/presentationml/2006/main">
+  <p:cSld>
+    <p:spTree>
+      <p:nvGrpSpPr>
+        <p:cNvPr id="1" name=""/>
+        <p:cNvGrpSpPr/>
+        <p:nvPr/>
+      </p:nvGrpSpPr>
+      <p:grpSpPr>
+        <a:xfrm>
+          <a:off x="0" y="0"/>
+          <a:ext cx="0" cy="0"/>
+          <a:chOff x="0" y="0"/>
+          <a:chExt cx="0" cy="0"/>
+        </a:xfrm>
+      </p:grpSpPr>
+      <p:sp>
+        <p:nvSpPr>
+          <p:cNvPr id="2" name="Title 1"/>
+          <p:cNvSpPr>
+            <a:spLocks noGrp="1"/>
+          </p:cNvSpPr>
+          <p:nvPr>
+            <p:ph type="title"/>
+          </p:nvPr>
+        </p:nvSpPr>
+        <p:spPr/>
+        <p:txBody>
+          <a:bodyPr/>
+          <a:lstStyle/>
+          <a:p>
+            <a:r>
+              <a:rPr lang="en-US" dirty="0" smtClean="0"/>
+              <a:t>Example 1a: adding some Nub</a:t>
+            </a:r>
+            <a:endParaRPr lang="en-US" dirty="0"/>
+          </a:p>
+        </p:txBody>
+      </p:sp>
+      <p:sp>
+        <p:nvSpPr>
+          <p:cNvPr id="3" name="Content Placeholder 2"/>
+          <p:cNvSpPr>
+            <a:spLocks noGrp="1"/>
+          </p:cNvSpPr>
+          <p:nvPr>
+            <p:ph idx="1"/>
+          </p:nvPr>
+        </p:nvSpPr>
+        <p:spPr/>
+        <p:txBody>
+          <a:bodyPr/>
+          <a:lstStyle/>
+          <a:p>
+            <a:endParaRPr lang="en-US"/>
+          </a:p>
+        </p:txBody>
+      </p:sp>
+    </p:spTree>
+  </p:cSld>
+  <p:clrMapOvr>
+    <a:masterClrMapping/>
+  </p:clrMapOvr>
+  <p:timing>
+    <p:tnLst>
+      <p:par>
+        <p:cTn id="1" dur="indefinite" restart="never" nodeType="tmRoot"/>
+      </p:par>
+    </p:tnLst>
+  </p:timing>
+</p:sld>
+</file>
+
+<file path=ppt/slides/slide12.xml><?xml version="1.0" encoding="utf-8"?>
+<p:sld xmlns:a="http://schemas.openxmlformats.org/drawingml/2006/main" xmlns:r="http://schemas.openxmlformats.org/officeDocument/2006/relationships" xmlns:p="http://schemas.openxmlformats.org/presentationml/2006/main">
+  <p:cSld>
+    <p:spTree>
+      <p:nvGrpSpPr>
+        <p:cNvPr id="1" name=""/>
+        <p:cNvGrpSpPr/>
+        <p:nvPr/>
+      </p:nvGrpSpPr>
+      <p:grpSpPr>
+        <a:xfrm>
+          <a:off x="0" y="0"/>
+          <a:ext cx="0" cy="0"/>
+          <a:chOff x="0" y="0"/>
+          <a:chExt cx="0" cy="0"/>
+        </a:xfrm>
+      </p:grpSpPr>
+      <p:sp>
+        <p:nvSpPr>
+          <p:cNvPr id="2" name="Title 1"/>
+          <p:cNvSpPr>
+            <a:spLocks noGrp="1"/>
+          </p:cNvSpPr>
+          <p:nvPr>
+            <p:ph type="title"/>
+          </p:nvPr>
+        </p:nvSpPr>
+        <p:spPr/>
+        <p:txBody>
+          <a:bodyPr/>
+          <a:lstStyle/>
+          <a:p>
+            <a:r>
+              <a:rPr lang="en-US" dirty="0" smtClean="0"/>
+              <a:t>Example 2: making things explicit</a:t>
+            </a:r>
+            <a:endParaRPr lang="en-US" dirty="0"/>
+          </a:p>
+        </p:txBody>
+      </p:sp>
+      <p:sp>
+        <p:nvSpPr>
+          <p:cNvPr id="3" name="Content Placeholder 2"/>
+          <p:cNvSpPr>
+            <a:spLocks noGrp="1"/>
+          </p:cNvSpPr>
+          <p:nvPr>
+            <p:ph idx="1"/>
+          </p:nvPr>
+        </p:nvSpPr>
+        <p:spPr/>
+        <p:txBody>
+          <a:bodyPr/>
+          <a:lstStyle/>
+          <a:p>
+            <a:endParaRPr lang="en-US"/>
+          </a:p>
+        </p:txBody>
+      </p:sp>
+    </p:spTree>
+  </p:cSld>
+  <p:clrMapOvr>
+    <a:masterClrMapping/>
+  </p:clrMapOvr>
+</p:sld>
+</file>
+
+<file path=ppt/slides/slide13.xml><?xml version="1.0" encoding="utf-8"?>
+<p:sld xmlns:a="http://schemas.openxmlformats.org/drawingml/2006/main" xmlns:r="http://schemas.openxmlformats.org/officeDocument/2006/relationships" xmlns:p="http://schemas.openxmlformats.org/presentationml/2006/main">
+  <p:cSld>
+    <p:spTree>
+      <p:nvGrpSpPr>
+        <p:cNvPr id="1" name=""/>
+        <p:cNvGrpSpPr/>
+        <p:nvPr/>
+      </p:nvGrpSpPr>
+      <p:grpSpPr>
+        <a:xfrm>
+          <a:off x="0" y="0"/>
+          <a:ext cx="0" cy="0"/>
+          <a:chOff x="0" y="0"/>
+          <a:chExt cx="0" cy="0"/>
+        </a:xfrm>
+      </p:grpSpPr>
+      <p:sp>
+        <p:nvSpPr>
+          <p:cNvPr id="2" name="Title 1"/>
+          <p:cNvSpPr>
+            <a:spLocks noGrp="1"/>
+          </p:cNvSpPr>
+          <p:nvPr>
+            <p:ph type="title"/>
+          </p:nvPr>
+        </p:nvSpPr>
+        <p:spPr/>
+        <p:txBody>
+          <a:bodyPr/>
+          <a:lstStyle/>
+          <a:p>
+            <a:r>
+              <a:rPr lang="en-US" dirty="0" smtClean="0"/>
+              <a:t>Example 3: Mason domain</a:t>
+            </a:r>
+            <a:endParaRPr lang="en-US" dirty="0"/>
+          </a:p>
+        </p:txBody>
+      </p:sp>
+      <p:sp>
+        <p:nvSpPr>
+          <p:cNvPr id="3" name="Content Placeholder 2"/>
+          <p:cNvSpPr>
+            <a:spLocks noGrp="1"/>
+          </p:cNvSpPr>
+          <p:nvPr>
+            <p:ph idx="1"/>
+          </p:nvPr>
+        </p:nvSpPr>
+        <p:spPr/>
+        <p:txBody>
+          <a:bodyPr/>
+          <a:lstStyle/>
+          <a:p>
+            <a:endParaRPr lang="en-US" dirty="0"/>
+          </a:p>
+        </p:txBody>
+      </p:sp>
+    </p:spTree>
+  </p:cSld>
+  <p:clrMapOvr>
+    <a:masterClrMapping/>
+  </p:clrMapOvr>
+</p:sld>
+</file>
+
+<file path=ppt/slides/slide14.xml><?xml version="1.0" encoding="utf-8"?>
+<p:sld xmlns:a="http://schemas.openxmlformats.org/drawingml/2006/main" xmlns:r="http://schemas.openxmlformats.org/officeDocument/2006/relationships" xmlns:p="http://schemas.openxmlformats.org/presentationml/2006/main">
+  <p:cSld>
+    <p:spTree>
+      <p:nvGrpSpPr>
+        <p:cNvPr id="1" name=""/>
+        <p:cNvGrpSpPr/>
+        <p:nvPr/>
+      </p:nvGrpSpPr>
+      <p:grpSpPr>
+        <a:xfrm>
+          <a:off x="0" y="0"/>
+          <a:ext cx="0" cy="0"/>
+          <a:chOff x="0" y="0"/>
+          <a:chExt cx="0" cy="0"/>
+        </a:xfrm>
+      </p:grpSpPr>
+      <p:sp>
+        <p:nvSpPr>
+          <p:cNvPr id="2" name="Title 1"/>
+          <p:cNvSpPr>
+            <a:spLocks noGrp="1"/>
+          </p:cNvSpPr>
+          <p:nvPr>
+            <p:ph type="title"/>
+          </p:nvPr>
+        </p:nvSpPr>
+        <p:spPr/>
+        <p:txBody>
+          <a:bodyPr/>
+          <a:lstStyle/>
+          <a:p>
+            <a:r>
+              <a:rPr lang="en-US" dirty="0" smtClean="0"/>
+              <a:t>Example 4: Direct domain</a:t>
+            </a:r>
+            <a:endParaRPr lang="en-US" dirty="0"/>
+          </a:p>
+        </p:txBody>
+      </p:sp>
+      <p:sp>
+        <p:nvSpPr>
+          <p:cNvPr id="3" name="Content Placeholder 2"/>
+          <p:cNvSpPr>
+            <a:spLocks noGrp="1"/>
+          </p:cNvSpPr>
+          <p:nvPr>
+            <p:ph idx="1"/>
+          </p:nvPr>
+        </p:nvSpPr>
+        <p:spPr/>
+        <p:txBody>
+          <a:bodyPr/>
+          <a:lstStyle/>
+          <a:p>
+            <a:endParaRPr lang="en-US"/>
+          </a:p>
+        </p:txBody>
+      </p:sp>
+    </p:spTree>
+  </p:cSld>
+  <p:clrMapOvr>
+    <a:masterClrMapping/>
+  </p:clrMapOvr>
+</p:sld>
+</file>
+
 <file path=ppt/slides/slide2.xml><?xml version="1.0" encoding="utf-8"?>
 <p:sld xmlns:a="http://schemas.openxmlformats.org/drawingml/2006/main" xmlns:r="http://schemas.openxmlformats.org/officeDocument/2006/relationships" xmlns:p="http://schemas.openxmlformats.org/presentationml/2006/main">
   <p:cSld>
@@ -5236,6 +6455,205 @@
       </p:par>
     </p:tnLst>
   </p:timing>
+</p:sld>
+</file>
+
+<file path=ppt/slides/slide9.xml><?xml version="1.0" encoding="utf-8"?>
+<p:sld xmlns:a="http://schemas.openxmlformats.org/drawingml/2006/main" xmlns:r="http://schemas.openxmlformats.org/officeDocument/2006/relationships" xmlns:p="http://schemas.openxmlformats.org/presentationml/2006/main">
+  <p:cSld>
+    <p:spTree>
+      <p:nvGrpSpPr>
+        <p:cNvPr id="1" name=""/>
+        <p:cNvGrpSpPr/>
+        <p:nvPr/>
+      </p:nvGrpSpPr>
+      <p:grpSpPr>
+        <a:xfrm>
+          <a:off x="0" y="0"/>
+          <a:ext cx="0" cy="0"/>
+          <a:chOff x="0" y="0"/>
+          <a:chExt cx="0" cy="0"/>
+        </a:xfrm>
+      </p:grpSpPr>
+      <p:sp>
+        <p:nvSpPr>
+          <p:cNvPr id="2" name="Title 1"/>
+          <p:cNvSpPr>
+            <a:spLocks noGrp="1"/>
+          </p:cNvSpPr>
+          <p:nvPr>
+            <p:ph type="title"/>
+          </p:nvPr>
+        </p:nvSpPr>
+        <p:spPr/>
+        <p:txBody>
+          <a:bodyPr>
+            <a:normAutofit/>
+          </a:bodyPr>
+          <a:lstStyle/>
+          <a:p>
+            <a:r>
+              <a:rPr lang="en-US" dirty="0" smtClean="0"/>
+              <a:t>Example 1: </a:t>
+            </a:r>
+            <a:r>
+              <a:rPr lang="en-US" dirty="0" err="1" smtClean="0"/>
+              <a:t>Wub</a:t>
+            </a:r>
+            <a:r>
+              <a:rPr lang="en-US" dirty="0" smtClean="0"/>
+              <a:t> out-of-the-box</a:t>
+            </a:r>
+            <a:endParaRPr lang="en-US" dirty="0"/>
+          </a:p>
+        </p:txBody>
+      </p:sp>
+      <p:sp>
+        <p:nvSpPr>
+          <p:cNvPr id="3" name="Content Placeholder 2"/>
+          <p:cNvSpPr>
+            <a:spLocks noGrp="1"/>
+          </p:cNvSpPr>
+          <p:nvPr>
+            <p:ph idx="1"/>
+          </p:nvPr>
+        </p:nvSpPr>
+        <p:spPr/>
+        <p:txBody>
+          <a:bodyPr>
+            <a:normAutofit/>
+          </a:bodyPr>
+          <a:lstStyle/>
+          <a:p>
+            <a:r>
+              <a:rPr lang="en-US" dirty="0" smtClean="0"/>
+              <a:t>Running the default setup, start the </a:t>
+            </a:r>
+            <a:r>
+              <a:rPr lang="en-US" dirty="0" err="1" smtClean="0"/>
+              <a:t>webserver</a:t>
+            </a:r>
+            <a:r>
+              <a:rPr lang="en-US" dirty="0" smtClean="0"/>
+              <a:t> with these lines:</a:t>
+            </a:r>
+          </a:p>
+          <a:p>
+            <a:pPr>
+              <a:buNone/>
+            </a:pPr>
+            <a:endParaRPr lang="en-US" sz="2000" b="1" dirty="0" smtClean="0">
+              <a:latin typeface="Courier New" pitchFamily="49" charset="0"/>
+              <a:cs typeface="Courier New" pitchFamily="49" charset="0"/>
+            </a:endParaRPr>
+          </a:p>
+          <a:p>
+            <a:pPr>
+              <a:buNone/>
+            </a:pPr>
+            <a:r>
+              <a:rPr lang="en-US" sz="2000" b="1" dirty="0" smtClean="0">
+                <a:latin typeface="Courier New" pitchFamily="49" charset="0"/>
+                <a:cs typeface="Courier New" pitchFamily="49" charset="0"/>
+              </a:rPr>
+              <a:t>    package </a:t>
+            </a:r>
+            <a:r>
+              <a:rPr lang="en-US" sz="2000" b="1" dirty="0" smtClean="0">
+                <a:latin typeface="Courier New" pitchFamily="49" charset="0"/>
+                <a:cs typeface="Courier New" pitchFamily="49" charset="0"/>
+              </a:rPr>
+              <a:t>require </a:t>
+            </a:r>
+            <a:r>
+              <a:rPr lang="en-US" sz="2000" b="1" dirty="0" smtClean="0">
+                <a:latin typeface="Courier New" pitchFamily="49" charset="0"/>
+                <a:cs typeface="Courier New" pitchFamily="49" charset="0"/>
+              </a:rPr>
+              <a:t>Site</a:t>
+            </a:r>
+            <a:endParaRPr lang="en-US" sz="2000" b="1" dirty="0" smtClean="0">
+              <a:latin typeface="Courier New" pitchFamily="49" charset="0"/>
+              <a:cs typeface="Courier New" pitchFamily="49" charset="0"/>
+            </a:endParaRPr>
+          </a:p>
+          <a:p>
+            <a:pPr>
+              <a:buNone/>
+            </a:pPr>
+            <a:r>
+              <a:rPr lang="en-US" sz="2000" b="1" dirty="0" smtClean="0">
+                <a:latin typeface="Courier New" pitchFamily="49" charset="0"/>
+                <a:cs typeface="Courier New" pitchFamily="49" charset="0"/>
+              </a:rPr>
+              <a:t>    Site </a:t>
+            </a:r>
+            <a:r>
+              <a:rPr lang="en-US" sz="2000" b="1" dirty="0" smtClean="0">
+                <a:latin typeface="Courier New" pitchFamily="49" charset="0"/>
+                <a:cs typeface="Courier New" pitchFamily="49" charset="0"/>
+              </a:rPr>
+              <a:t>start home </a:t>
+            </a:r>
+            <a:r>
+              <a:rPr lang="en-US" sz="2000" b="1" dirty="0" smtClean="0">
+                <a:latin typeface="Courier New" pitchFamily="49" charset="0"/>
+                <a:cs typeface="Courier New" pitchFamily="49" charset="0"/>
+              </a:rPr>
+              <a:t>.</a:t>
+            </a:r>
+          </a:p>
+          <a:p>
+            <a:pPr>
+              <a:buNone/>
+            </a:pPr>
+            <a:endParaRPr lang="en-US" sz="2000" b="1" dirty="0" smtClean="0">
+              <a:latin typeface="Courier New" pitchFamily="49" charset="0"/>
+              <a:cs typeface="Courier New" pitchFamily="49" charset="0"/>
+            </a:endParaRPr>
+          </a:p>
+          <a:p>
+            <a:r>
+              <a:rPr lang="en-US" dirty="0" smtClean="0"/>
+              <a:t>What’s being served?</a:t>
+            </a:r>
+          </a:p>
+          <a:p>
+            <a:pPr lvl="1"/>
+            <a:r>
+              <a:rPr lang="en-US" dirty="0" smtClean="0"/>
+              <a:t>Files from html, images, </a:t>
+            </a:r>
+            <a:r>
+              <a:rPr lang="en-US" dirty="0" err="1" smtClean="0"/>
+              <a:t>css</a:t>
+            </a:r>
+            <a:r>
+              <a:rPr lang="en-US" dirty="0" smtClean="0"/>
+              <a:t> and scripts subdirectories of ./</a:t>
+            </a:r>
+            <a:r>
+              <a:rPr lang="en-US" dirty="0" err="1" smtClean="0"/>
+              <a:t>docroot</a:t>
+            </a:r>
+            <a:endParaRPr lang="en-US" dirty="0" smtClean="0"/>
+          </a:p>
+          <a:p>
+            <a:endParaRPr lang="en-US" dirty="0" smtClean="0"/>
+          </a:p>
+          <a:p>
+            <a:pPr>
+              <a:buNone/>
+            </a:pPr>
+            <a:endParaRPr lang="en-US" dirty="0"/>
+          </a:p>
+        </p:txBody>
+      </p:sp>
+    </p:spTree>
+  </p:cSld>
+  <p:clrMapOvr>
+    <a:masterClrMapping/>
+  </p:clrMapOvr>
 </p:sld>
 </file>
 

--- a/trunk/wubexamples/Lets_Wub.pptx
+++ b/trunk/wubexamples/Lets_Wub.pptx
@@ -206,7 +206,7 @@
             <a:fld id="{4DF4E2B3-4403-4393-BB8B-AE854F842FFB}" type="datetimeFigureOut">
               <a:rPr lang="en-US" smtClean="0"/>
               <a:pPr/>
-              <a:t>4/5/2009</a:t>
+              <a:t>4/6/2009</a:t>
             </a:fld>
             <a:endParaRPr lang="en-US"/>
           </a:p>
@@ -1802,7 +1802,7 @@
             <a:fld id="{AD6CF7D0-54BE-4AFB-B0FC-FA5E364208B7}" type="datetimeFigureOut">
               <a:rPr lang="en-US" smtClean="0"/>
               <a:pPr/>
-              <a:t>4/5/2009</a:t>
+              <a:t>4/6/2009</a:t>
             </a:fld>
             <a:endParaRPr lang="en-US" dirty="0"/>
           </a:p>
@@ -1969,7 +1969,7 @@
             <a:fld id="{AD6CF7D0-54BE-4AFB-B0FC-FA5E364208B7}" type="datetimeFigureOut">
               <a:rPr lang="en-US" smtClean="0"/>
               <a:pPr/>
-              <a:t>4/5/2009</a:t>
+              <a:t>4/6/2009</a:t>
             </a:fld>
             <a:endParaRPr lang="en-US"/>
           </a:p>
@@ -2146,7 +2146,7 @@
             <a:fld id="{AD6CF7D0-54BE-4AFB-B0FC-FA5E364208B7}" type="datetimeFigureOut">
               <a:rPr lang="en-US" smtClean="0"/>
               <a:pPr/>
-              <a:t>4/5/2009</a:t>
+              <a:t>4/6/2009</a:t>
             </a:fld>
             <a:endParaRPr lang="en-US"/>
           </a:p>
@@ -2313,7 +2313,7 @@
             <a:fld id="{AD6CF7D0-54BE-4AFB-B0FC-FA5E364208B7}" type="datetimeFigureOut">
               <a:rPr lang="en-US" smtClean="0"/>
               <a:pPr/>
-              <a:t>4/5/2009</a:t>
+              <a:t>4/6/2009</a:t>
             </a:fld>
             <a:endParaRPr lang="en-US"/>
           </a:p>
@@ -2556,7 +2556,7 @@
             <a:fld id="{AD6CF7D0-54BE-4AFB-B0FC-FA5E364208B7}" type="datetimeFigureOut">
               <a:rPr lang="en-US" smtClean="0"/>
               <a:pPr/>
-              <a:t>4/5/2009</a:t>
+              <a:t>4/6/2009</a:t>
             </a:fld>
             <a:endParaRPr lang="en-US"/>
           </a:p>
@@ -2841,7 +2841,7 @@
             <a:fld id="{AD6CF7D0-54BE-4AFB-B0FC-FA5E364208B7}" type="datetimeFigureOut">
               <a:rPr lang="en-US" smtClean="0"/>
               <a:pPr/>
-              <a:t>4/5/2009</a:t>
+              <a:t>4/6/2009</a:t>
             </a:fld>
             <a:endParaRPr lang="en-US"/>
           </a:p>
@@ -3260,7 +3260,7 @@
             <a:fld id="{AD6CF7D0-54BE-4AFB-B0FC-FA5E364208B7}" type="datetimeFigureOut">
               <a:rPr lang="en-US" smtClean="0"/>
               <a:pPr/>
-              <a:t>4/5/2009</a:t>
+              <a:t>4/6/2009</a:t>
             </a:fld>
             <a:endParaRPr lang="en-US"/>
           </a:p>
@@ -3375,7 +3375,7 @@
             <a:fld id="{AD6CF7D0-54BE-4AFB-B0FC-FA5E364208B7}" type="datetimeFigureOut">
               <a:rPr lang="en-US" smtClean="0"/>
               <a:pPr/>
-              <a:t>4/5/2009</a:t>
+              <a:t>4/6/2009</a:t>
             </a:fld>
             <a:endParaRPr lang="en-US"/>
           </a:p>
@@ -3467,7 +3467,7 @@
             <a:fld id="{AD6CF7D0-54BE-4AFB-B0FC-FA5E364208B7}" type="datetimeFigureOut">
               <a:rPr lang="en-US" smtClean="0"/>
               <a:pPr/>
-              <a:t>4/5/2009</a:t>
+              <a:t>4/6/2009</a:t>
             </a:fld>
             <a:endParaRPr lang="en-US"/>
           </a:p>
@@ -3741,7 +3741,7 @@
             <a:fld id="{AD6CF7D0-54BE-4AFB-B0FC-FA5E364208B7}" type="datetimeFigureOut">
               <a:rPr lang="en-US" smtClean="0"/>
               <a:pPr/>
-              <a:t>4/5/2009</a:t>
+              <a:t>4/6/2009</a:t>
             </a:fld>
             <a:endParaRPr lang="en-US"/>
           </a:p>
@@ -3991,7 +3991,7 @@
             <a:fld id="{AD6CF7D0-54BE-4AFB-B0FC-FA5E364208B7}" type="datetimeFigureOut">
               <a:rPr lang="en-US" smtClean="0"/>
               <a:pPr/>
-              <a:t>4/5/2009</a:t>
+              <a:t>4/6/2009</a:t>
             </a:fld>
             <a:endParaRPr lang="en-US"/>
           </a:p>
@@ -4201,7 +4201,7 @@
             <a:fld id="{AD6CF7D0-54BE-4AFB-B0FC-FA5E364208B7}" type="datetimeFigureOut">
               <a:rPr lang="en-US" smtClean="0"/>
               <a:pPr/>
-              <a:t>4/5/2009</a:t>
+              <a:t>4/6/2009</a:t>
             </a:fld>
             <a:endParaRPr lang="en-US"/>
           </a:p>
@@ -4762,7 +4762,7 @@
           <p:nvPr/>
         </p:nvGraphicFramePr>
         <p:xfrm>
-          <a:off x="685800" y="4648200"/>
+          <a:off x="762000" y="4343400"/>
           <a:ext cx="7924799" cy="1854200"/>
         </p:xfrm>
         <a:graphic>
@@ -5075,11 +5075,7 @@
             <a:pPr lvl="1"/>
             <a:r>
               <a:rPr lang="en-US" dirty="0" smtClean="0"/>
-              <a:t>On </a:t>
-            </a:r>
-            <a:r>
-              <a:rPr lang="en-US" dirty="0" smtClean="0"/>
-              <a:t>port 8080</a:t>
+              <a:t>On port 8080</a:t>
             </a:r>
           </a:p>
           <a:p>
@@ -5103,7 +5099,6 @@
               <a:rPr lang="en-US" dirty="0" smtClean="0"/>
               <a:t> and scripts subdirectories are served as root in the URL </a:t>
             </a:r>
-            <a:endParaRPr lang="en-US" dirty="0" smtClean="0"/>
           </a:p>
           <a:p>
             <a:endParaRPr lang="en-US" dirty="0"/>
@@ -5180,7 +5175,125 @@
           <a:bodyPr/>
           <a:lstStyle/>
           <a:p>
-            <a:endParaRPr lang="en-US"/>
+            <a:r>
+              <a:rPr lang="en-US" dirty="0" smtClean="0"/>
+              <a:t>Nub is a configuration utility for </a:t>
+            </a:r>
+            <a:r>
+              <a:rPr lang="en-US" dirty="0" err="1" smtClean="0"/>
+              <a:t>Wub</a:t>
+            </a:r>
+            <a:endParaRPr lang="en-US" dirty="0" smtClean="0"/>
+          </a:p>
+          <a:p>
+            <a:r>
+              <a:rPr lang="en-US" dirty="0" smtClean="0"/>
+              <a:t>Specify redirect from </a:t>
+            </a:r>
+            <a:r>
+              <a:rPr lang="en-US" smtClean="0"/>
+              <a:t>plain root URL </a:t>
+            </a:r>
+            <a:r>
+              <a:rPr lang="en-US" dirty="0" smtClean="0"/>
+              <a:t>to html/ex.html in ex.nub:</a:t>
+            </a:r>
+          </a:p>
+          <a:p>
+            <a:pPr>
+              <a:buNone/>
+            </a:pPr>
+            <a:endParaRPr lang="en-US" sz="2000" b="1" dirty="0" smtClean="0">
+              <a:latin typeface="Courier New" pitchFamily="49" charset="0"/>
+              <a:cs typeface="Courier New" pitchFamily="49" charset="0"/>
+            </a:endParaRPr>
+          </a:p>
+          <a:p>
+            <a:pPr>
+              <a:buNone/>
+            </a:pPr>
+            <a:r>
+              <a:rPr lang="en-US" sz="2000" b="1" dirty="0" smtClean="0">
+                <a:latin typeface="Courier New" pitchFamily="49" charset="0"/>
+                <a:cs typeface="Courier New" pitchFamily="49" charset="0"/>
+              </a:rPr>
+              <a:t>    redirect / /html/ex.html</a:t>
+            </a:r>
+          </a:p>
+          <a:p>
+            <a:pPr>
+              <a:buNone/>
+            </a:pPr>
+            <a:endParaRPr lang="en-US" sz="2000" b="1" dirty="0" smtClean="0">
+              <a:latin typeface="Courier New" pitchFamily="49" charset="0"/>
+              <a:cs typeface="Courier New" pitchFamily="49" charset="0"/>
+            </a:endParaRPr>
+          </a:p>
+          <a:p>
+            <a:r>
+              <a:rPr lang="en-US" dirty="0" smtClean="0"/>
+              <a:t>Start </a:t>
+            </a:r>
+            <a:r>
+              <a:rPr lang="en-US" dirty="0" err="1" smtClean="0"/>
+              <a:t>Wub</a:t>
+            </a:r>
+            <a:r>
+              <a:rPr lang="en-US" dirty="0" smtClean="0"/>
+              <a:t> with these lines:</a:t>
+            </a:r>
+          </a:p>
+          <a:p>
+            <a:pPr>
+              <a:buNone/>
+            </a:pPr>
+            <a:endParaRPr lang="en-US" sz="2000" b="1" dirty="0" smtClean="0">
+              <a:latin typeface="Courier New" pitchFamily="49" charset="0"/>
+              <a:cs typeface="Courier New" pitchFamily="49" charset="0"/>
+            </a:endParaRPr>
+          </a:p>
+          <a:p>
+            <a:pPr>
+              <a:buNone/>
+            </a:pPr>
+            <a:r>
+              <a:rPr lang="en-US" sz="2000" b="1" dirty="0" smtClean="0">
+                <a:latin typeface="Courier New" pitchFamily="49" charset="0"/>
+                <a:cs typeface="Courier New" pitchFamily="49" charset="0"/>
+              </a:rPr>
+              <a:t>    package require Site</a:t>
+            </a:r>
+          </a:p>
+          <a:p>
+            <a:pPr>
+              <a:buNone/>
+            </a:pPr>
+            <a:r>
+              <a:rPr lang="en-US" sz="2000" b="1" dirty="0" smtClean="0">
+                <a:latin typeface="Courier New" pitchFamily="49" charset="0"/>
+                <a:cs typeface="Courier New" pitchFamily="49" charset="0"/>
+              </a:rPr>
+              <a:t>    Site start home . </a:t>
+            </a:r>
+            <a:r>
+              <a:rPr lang="en-US" sz="2000" b="1" dirty="0" smtClean="0">
+                <a:solidFill>
+                  <a:srgbClr val="FF0000"/>
+                </a:solidFill>
+                <a:latin typeface="Courier New" pitchFamily="49" charset="0"/>
+                <a:cs typeface="Courier New" pitchFamily="49" charset="0"/>
+              </a:rPr>
+              <a:t>nubs ex.nub</a:t>
+            </a:r>
+          </a:p>
+          <a:p>
+            <a:pPr>
+              <a:buNone/>
+            </a:pPr>
+            <a:endParaRPr lang="en-US" sz="2000" b="1" dirty="0">
+              <a:latin typeface="Courier New" pitchFamily="49" charset="0"/>
+              <a:cs typeface="Courier New" pitchFamily="49" charset="0"/>
+            </a:endParaRPr>
           </a:p>
         </p:txBody>
       </p:sp>
@@ -5233,7 +5346,11 @@
           <a:p>
             <a:r>
               <a:rPr lang="en-US" dirty="0" smtClean="0"/>
-              <a:t>Example 2: making things explicit</a:t>
+              <a:t>Example 2</a:t>
+            </a:r>
+            <a:r>
+              <a:rPr lang="en-US" dirty="0" smtClean="0"/>
+              <a:t>: the File domain</a:t>
             </a:r>
             <a:endParaRPr lang="en-US" dirty="0"/>
           </a:p>
@@ -5251,10 +5368,410 @@
         </p:nvSpPr>
         <p:spPr/>
         <p:txBody>
-          <a:bodyPr/>
-          <a:lstStyle/>
-          <a:p>
-            <a:endParaRPr lang="en-US"/>
+          <a:bodyPr>
+            <a:normAutofit/>
+          </a:bodyPr>
+          <a:lstStyle/>
+          <a:p>
+            <a:r>
+              <a:rPr lang="en-US" dirty="0" smtClean="0"/>
+              <a:t>Add File domains to ex.nub:</a:t>
+            </a:r>
+          </a:p>
+          <a:p>
+            <a:pPr>
+              <a:buNone/>
+            </a:pPr>
+            <a:endParaRPr lang="en-US" sz="1000" b="1" dirty="0" smtClean="0">
+              <a:latin typeface="Courier New" pitchFamily="49" charset="0"/>
+              <a:cs typeface="Courier New" pitchFamily="49" charset="0"/>
+            </a:endParaRPr>
+          </a:p>
+          <a:p>
+            <a:pPr>
+              <a:buNone/>
+            </a:pPr>
+            <a:r>
+              <a:rPr lang="en-US" sz="1000" b="1" dirty="0" smtClean="0">
+                <a:latin typeface="Courier New" pitchFamily="49" charset="0"/>
+                <a:cs typeface="Courier New" pitchFamily="49" charset="0"/>
+              </a:rPr>
+              <a:t> </a:t>
+            </a:r>
+            <a:r>
+              <a:rPr lang="en-US" sz="1000" b="1" dirty="0" smtClean="0">
+                <a:latin typeface="Courier New" pitchFamily="49" charset="0"/>
+                <a:cs typeface="Courier New" pitchFamily="49" charset="0"/>
+              </a:rPr>
+              <a:t>   domain </a:t>
+            </a:r>
+            <a:r>
+              <a:rPr lang="en-US" sz="1000" b="1" dirty="0" smtClean="0">
+                <a:latin typeface="Courier New" pitchFamily="49" charset="0"/>
+                <a:cs typeface="Courier New" pitchFamily="49" charset="0"/>
+              </a:rPr>
+              <a:t>/</a:t>
+            </a:r>
+            <a:r>
+              <a:rPr lang="en-US" sz="1000" b="1" dirty="0" err="1" smtClean="0">
+                <a:latin typeface="Courier New" pitchFamily="49" charset="0"/>
+                <a:cs typeface="Courier New" pitchFamily="49" charset="0"/>
+              </a:rPr>
+              <a:t>css</a:t>
+            </a:r>
+            <a:r>
+              <a:rPr lang="en-US" sz="1000" b="1" dirty="0" smtClean="0">
+                <a:latin typeface="Courier New" pitchFamily="49" charset="0"/>
+                <a:cs typeface="Courier New" pitchFamily="49" charset="0"/>
+              </a:rPr>
+              <a:t>/     {File </a:t>
+            </a:r>
+            <a:r>
+              <a:rPr lang="en-US" sz="1000" b="1" dirty="0" err="1" smtClean="0">
+                <a:latin typeface="Courier New" pitchFamily="49" charset="0"/>
+                <a:cs typeface="Courier New" pitchFamily="49" charset="0"/>
+              </a:rPr>
+              <a:t>css</a:t>
+            </a:r>
+            <a:r>
+              <a:rPr lang="en-US" sz="1000" b="1" dirty="0" smtClean="0">
+                <a:latin typeface="Courier New" pitchFamily="49" charset="0"/>
+                <a:cs typeface="Courier New" pitchFamily="49" charset="0"/>
+              </a:rPr>
+              <a:t>}     root [file join . </a:t>
+            </a:r>
+            <a:r>
+              <a:rPr lang="en-US" sz="1000" b="1" dirty="0" err="1" smtClean="0">
+                <a:latin typeface="Courier New" pitchFamily="49" charset="0"/>
+                <a:cs typeface="Courier New" pitchFamily="49" charset="0"/>
+              </a:rPr>
+              <a:t>docroot</a:t>
+            </a:r>
+            <a:r>
+              <a:rPr lang="en-US" sz="1000" b="1" dirty="0" smtClean="0">
+                <a:latin typeface="Courier New" pitchFamily="49" charset="0"/>
+                <a:cs typeface="Courier New" pitchFamily="49" charset="0"/>
+              </a:rPr>
+              <a:t> </a:t>
+            </a:r>
+            <a:r>
+              <a:rPr lang="en-US" sz="1000" b="1" dirty="0" err="1" smtClean="0">
+                <a:latin typeface="Courier New" pitchFamily="49" charset="0"/>
+                <a:cs typeface="Courier New" pitchFamily="49" charset="0"/>
+              </a:rPr>
+              <a:t>css</a:t>
+            </a:r>
+            <a:r>
+              <a:rPr lang="en-US" sz="1000" b="1" dirty="0" smtClean="0">
+                <a:latin typeface="Courier New" pitchFamily="49" charset="0"/>
+                <a:cs typeface="Courier New" pitchFamily="49" charset="0"/>
+              </a:rPr>
+              <a:t>]     expires tomorrow    </a:t>
+            </a:r>
+            <a:r>
+              <a:rPr lang="en-US" sz="1000" b="1" dirty="0" err="1" smtClean="0">
+                <a:latin typeface="Courier New" pitchFamily="49" charset="0"/>
+                <a:cs typeface="Courier New" pitchFamily="49" charset="0"/>
+              </a:rPr>
+              <a:t>nodir</a:t>
+            </a:r>
+            <a:r>
+              <a:rPr lang="en-US" sz="1000" b="1" dirty="0" smtClean="0">
+                <a:latin typeface="Courier New" pitchFamily="49" charset="0"/>
+                <a:cs typeface="Courier New" pitchFamily="49" charset="0"/>
+              </a:rPr>
+              <a:t> 1</a:t>
+            </a:r>
+          </a:p>
+          <a:p>
+            <a:pPr>
+              <a:buNone/>
+            </a:pPr>
+            <a:r>
+              <a:rPr lang="en-US" sz="1000" b="1" dirty="0" smtClean="0">
+                <a:latin typeface="Courier New" pitchFamily="49" charset="0"/>
+                <a:cs typeface="Courier New" pitchFamily="49" charset="0"/>
+              </a:rPr>
+              <a:t>    domain </a:t>
+            </a:r>
+            <a:r>
+              <a:rPr lang="en-US" sz="1000" b="1" dirty="0" smtClean="0">
+                <a:latin typeface="Courier New" pitchFamily="49" charset="0"/>
+                <a:cs typeface="Courier New" pitchFamily="49" charset="0"/>
+              </a:rPr>
+              <a:t>/images/  {File images}  root [file join . </a:t>
+            </a:r>
+            <a:r>
+              <a:rPr lang="en-US" sz="1000" b="1" dirty="0" err="1" smtClean="0">
+                <a:latin typeface="Courier New" pitchFamily="49" charset="0"/>
+                <a:cs typeface="Courier New" pitchFamily="49" charset="0"/>
+              </a:rPr>
+              <a:t>docroot</a:t>
+            </a:r>
+            <a:r>
+              <a:rPr lang="en-US" sz="1000" b="1" dirty="0" smtClean="0">
+                <a:latin typeface="Courier New" pitchFamily="49" charset="0"/>
+                <a:cs typeface="Courier New" pitchFamily="49" charset="0"/>
+              </a:rPr>
+              <a:t> images]  expires "next week" </a:t>
+            </a:r>
+            <a:r>
+              <a:rPr lang="en-US" sz="1000" b="1" dirty="0" err="1" smtClean="0">
+                <a:latin typeface="Courier New" pitchFamily="49" charset="0"/>
+                <a:cs typeface="Courier New" pitchFamily="49" charset="0"/>
+              </a:rPr>
+              <a:t>nodir</a:t>
+            </a:r>
+            <a:r>
+              <a:rPr lang="en-US" sz="1000" b="1" dirty="0" smtClean="0">
+                <a:latin typeface="Courier New" pitchFamily="49" charset="0"/>
+                <a:cs typeface="Courier New" pitchFamily="49" charset="0"/>
+              </a:rPr>
+              <a:t> 1</a:t>
+            </a:r>
+          </a:p>
+          <a:p>
+            <a:pPr>
+              <a:buNone/>
+            </a:pPr>
+            <a:r>
+              <a:rPr lang="en-US" sz="1000" b="1" dirty="0" smtClean="0">
+                <a:latin typeface="Courier New" pitchFamily="49" charset="0"/>
+                <a:cs typeface="Courier New" pitchFamily="49" charset="0"/>
+              </a:rPr>
+              <a:t>    domain </a:t>
+            </a:r>
+            <a:r>
+              <a:rPr lang="en-US" sz="1000" b="1" dirty="0" smtClean="0">
+                <a:latin typeface="Courier New" pitchFamily="49" charset="0"/>
+                <a:cs typeface="Courier New" pitchFamily="49" charset="0"/>
+              </a:rPr>
+              <a:t>/scripts/ {File scripts} root [file join . </a:t>
+            </a:r>
+            <a:r>
+              <a:rPr lang="en-US" sz="1000" b="1" dirty="0" err="1" smtClean="0">
+                <a:latin typeface="Courier New" pitchFamily="49" charset="0"/>
+                <a:cs typeface="Courier New" pitchFamily="49" charset="0"/>
+              </a:rPr>
+              <a:t>docroot</a:t>
+            </a:r>
+            <a:r>
+              <a:rPr lang="en-US" sz="1000" b="1" dirty="0" smtClean="0">
+                <a:latin typeface="Courier New" pitchFamily="49" charset="0"/>
+                <a:cs typeface="Courier New" pitchFamily="49" charset="0"/>
+              </a:rPr>
+              <a:t> scripts] expires tomorrow    </a:t>
+            </a:r>
+            <a:r>
+              <a:rPr lang="en-US" sz="1000" b="1" dirty="0" err="1" smtClean="0">
+                <a:latin typeface="Courier New" pitchFamily="49" charset="0"/>
+                <a:cs typeface="Courier New" pitchFamily="49" charset="0"/>
+              </a:rPr>
+              <a:t>nodir</a:t>
+            </a:r>
+            <a:r>
+              <a:rPr lang="en-US" sz="1000" b="1" dirty="0" smtClean="0">
+                <a:latin typeface="Courier New" pitchFamily="49" charset="0"/>
+                <a:cs typeface="Courier New" pitchFamily="49" charset="0"/>
+              </a:rPr>
+              <a:t> 1</a:t>
+            </a:r>
+          </a:p>
+          <a:p>
+            <a:pPr>
+              <a:buNone/>
+            </a:pPr>
+            <a:r>
+              <a:rPr lang="en-US" sz="1000" b="1" dirty="0" smtClean="0">
+                <a:latin typeface="Courier New" pitchFamily="49" charset="0"/>
+                <a:cs typeface="Courier New" pitchFamily="49" charset="0"/>
+              </a:rPr>
+              <a:t>    domain </a:t>
+            </a:r>
+            <a:r>
+              <a:rPr lang="en-US" sz="1000" b="1" dirty="0" smtClean="0">
+                <a:latin typeface="Courier New" pitchFamily="49" charset="0"/>
+                <a:cs typeface="Courier New" pitchFamily="49" charset="0"/>
+              </a:rPr>
+              <a:t>/html/    {File html}    root [file join . </a:t>
+            </a:r>
+            <a:r>
+              <a:rPr lang="en-US" sz="1000" b="1" dirty="0" err="1" smtClean="0">
+                <a:latin typeface="Courier New" pitchFamily="49" charset="0"/>
+                <a:cs typeface="Courier New" pitchFamily="49" charset="0"/>
+              </a:rPr>
+              <a:t>docroot</a:t>
+            </a:r>
+            <a:r>
+              <a:rPr lang="en-US" sz="1000" b="1" dirty="0" smtClean="0">
+                <a:latin typeface="Courier New" pitchFamily="49" charset="0"/>
+                <a:cs typeface="Courier New" pitchFamily="49" charset="0"/>
+              </a:rPr>
+              <a:t> html]    expires tomorrow    </a:t>
+            </a:r>
+            <a:r>
+              <a:rPr lang="en-US" sz="1000" b="1" dirty="0" err="1" smtClean="0">
+                <a:latin typeface="Courier New" pitchFamily="49" charset="0"/>
+                <a:cs typeface="Courier New" pitchFamily="49" charset="0"/>
+              </a:rPr>
+              <a:t>nodir</a:t>
+            </a:r>
+            <a:r>
+              <a:rPr lang="en-US" sz="1000" b="1" dirty="0" smtClean="0">
+                <a:latin typeface="Courier New" pitchFamily="49" charset="0"/>
+                <a:cs typeface="Courier New" pitchFamily="49" charset="0"/>
+              </a:rPr>
+              <a:t> </a:t>
+            </a:r>
+            <a:r>
+              <a:rPr lang="en-US" sz="1000" b="1" dirty="0" smtClean="0">
+                <a:latin typeface="Courier New" pitchFamily="49" charset="0"/>
+                <a:cs typeface="Courier New" pitchFamily="49" charset="0"/>
+              </a:rPr>
+              <a:t>1</a:t>
+            </a:r>
+          </a:p>
+          <a:p>
+            <a:pPr>
+              <a:buNone/>
+            </a:pPr>
+            <a:r>
+              <a:rPr lang="en-US" sz="1000" b="1" dirty="0" smtClean="0">
+                <a:latin typeface="Courier New" pitchFamily="49" charset="0"/>
+                <a:cs typeface="Courier New" pitchFamily="49" charset="0"/>
+              </a:rPr>
+              <a:t>    domain /disk/ </a:t>
+            </a:r>
+            <a:r>
+              <a:rPr lang="en-US" sz="1000" b="1" dirty="0" smtClean="0">
+                <a:latin typeface="Courier New" pitchFamily="49" charset="0"/>
+                <a:cs typeface="Courier New" pitchFamily="49" charset="0"/>
+              </a:rPr>
+              <a:t>   {</a:t>
+            </a:r>
+            <a:r>
+              <a:rPr lang="en-US" sz="1000" b="1" dirty="0" smtClean="0">
+                <a:latin typeface="Courier New" pitchFamily="49" charset="0"/>
+                <a:cs typeface="Courier New" pitchFamily="49" charset="0"/>
+              </a:rPr>
+              <a:t>File disk} </a:t>
+            </a:r>
+            <a:r>
+              <a:rPr lang="en-US" sz="1000" b="1" dirty="0" smtClean="0">
+                <a:latin typeface="Courier New" pitchFamily="49" charset="0"/>
+                <a:cs typeface="Courier New" pitchFamily="49" charset="0"/>
+              </a:rPr>
+              <a:t>   root </a:t>
+            </a:r>
+            <a:r>
+              <a:rPr lang="en-US" sz="1000" b="1" dirty="0" smtClean="0">
+                <a:latin typeface="Courier New" pitchFamily="49" charset="0"/>
+                <a:cs typeface="Courier New" pitchFamily="49" charset="0"/>
+              </a:rPr>
+              <a:t>/ </a:t>
+            </a:r>
+            <a:r>
+              <a:rPr lang="en-US" sz="1000" b="1" dirty="0" smtClean="0">
+                <a:latin typeface="Courier New" pitchFamily="49" charset="0"/>
+                <a:cs typeface="Courier New" pitchFamily="49" charset="0"/>
+              </a:rPr>
+              <a:t>                            expires </a:t>
+            </a:r>
+            <a:r>
+              <a:rPr lang="en-US" sz="1000" b="1" dirty="0" smtClean="0">
+                <a:latin typeface="Courier New" pitchFamily="49" charset="0"/>
+                <a:cs typeface="Courier New" pitchFamily="49" charset="0"/>
+              </a:rPr>
+              <a:t>tomorrow</a:t>
+            </a:r>
+          </a:p>
+          <a:p>
+            <a:pPr>
+              <a:buNone/>
+            </a:pPr>
+            <a:endParaRPr lang="en-US" sz="1000" b="1" dirty="0" smtClean="0">
+              <a:latin typeface="Courier New" pitchFamily="49" charset="0"/>
+              <a:cs typeface="Courier New" pitchFamily="49" charset="0"/>
+            </a:endParaRPr>
+          </a:p>
+          <a:p>
+            <a:r>
+              <a:rPr lang="en-US" smtClean="0"/>
+              <a:t>Add Rewrite </a:t>
+            </a:r>
+            <a:r>
+              <a:rPr lang="en-US" smtClean="0"/>
+              <a:t>to ex.nub:</a:t>
+            </a:r>
+            <a:endParaRPr lang="en-US" dirty="0" smtClean="0"/>
+          </a:p>
+          <a:p>
+            <a:pPr>
+              <a:buNone/>
+            </a:pPr>
+            <a:r>
+              <a:rPr lang="en-US" sz="1000" dirty="0" smtClean="0">
+                <a:latin typeface="Courier New" pitchFamily="49" charset="0"/>
+                <a:cs typeface="Courier New" pitchFamily="49" charset="0"/>
+              </a:rPr>
+              <a:t>    </a:t>
+            </a:r>
+          </a:p>
+          <a:p>
+            <a:pPr>
+              <a:buNone/>
+            </a:pPr>
+            <a:r>
+              <a:rPr lang="en-US" sz="1000" dirty="0" smtClean="0">
+                <a:latin typeface="Courier New" pitchFamily="49" charset="0"/>
+                <a:cs typeface="Courier New" pitchFamily="49" charset="0"/>
+              </a:rPr>
+              <a:t> </a:t>
+            </a:r>
+            <a:r>
+              <a:rPr lang="en-US" sz="1000" dirty="0" smtClean="0">
+                <a:latin typeface="Courier New" pitchFamily="49" charset="0"/>
+                <a:cs typeface="Courier New" pitchFamily="49" charset="0"/>
+              </a:rPr>
+              <a:t>   rewrite </a:t>
+            </a:r>
+            <a:r>
+              <a:rPr lang="en-US" sz="1000" dirty="0" smtClean="0">
+                <a:latin typeface="Courier New" pitchFamily="49" charset="0"/>
+                <a:cs typeface="Courier New" pitchFamily="49" charset="0"/>
+              </a:rPr>
+              <a:t>{/[^/]+[.]html} {/html/[file tail [</a:t>
+            </a:r>
+            <a:r>
+              <a:rPr lang="en-US" sz="1000" dirty="0" err="1" smtClean="0">
+                <a:latin typeface="Courier New" pitchFamily="49" charset="0"/>
+                <a:cs typeface="Courier New" pitchFamily="49" charset="0"/>
+              </a:rPr>
+              <a:t>dict</a:t>
+            </a:r>
+            <a:r>
+              <a:rPr lang="en-US" sz="1000" dirty="0" smtClean="0">
+                <a:latin typeface="Courier New" pitchFamily="49" charset="0"/>
+                <a:cs typeface="Courier New" pitchFamily="49" charset="0"/>
+              </a:rPr>
+              <a:t> get $r -path</a:t>
+            </a:r>
+            <a:r>
+              <a:rPr lang="en-US" sz="1000" dirty="0" smtClean="0">
+                <a:latin typeface="Courier New" pitchFamily="49" charset="0"/>
+                <a:cs typeface="Courier New" pitchFamily="49" charset="0"/>
+              </a:rPr>
+              <a:t>]]}</a:t>
+            </a:r>
+          </a:p>
+          <a:p>
+            <a:pPr>
+              <a:buNone/>
+            </a:pPr>
+            <a:endParaRPr lang="en-US" sz="1000" dirty="0" smtClean="0">
+              <a:latin typeface="Courier New" pitchFamily="49" charset="0"/>
+              <a:cs typeface="Courier New" pitchFamily="49" charset="0"/>
+            </a:endParaRPr>
           </a:p>
         </p:txBody>
       </p:sp>
@@ -5263,6 +5780,13 @@
   <p:clrMapOvr>
     <a:masterClrMapping/>
   </p:clrMapOvr>
+  <p:timing>
+    <p:tnLst>
+      <p:par>
+        <p:cTn id="1" dur="indefinite" restart="never" nodeType="tmRoot"/>
+      </p:par>
+    </p:tnLst>
+  </p:timing>
 </p:sld>
 </file>
 
@@ -5461,7 +5985,7 @@
         <p:spPr/>
         <p:txBody>
           <a:bodyPr>
-            <a:normAutofit fontScale="92500" lnSpcReduction="10000"/>
+            <a:normAutofit fontScale="92500" lnSpcReduction="20000"/>
           </a:bodyPr>
           <a:lstStyle/>
           <a:p>
@@ -5474,6 +5998,12 @@
               <a:t>Webserver</a:t>
             </a:r>
             <a:endParaRPr lang="en-US" dirty="0" smtClean="0"/>
+          </a:p>
+          <a:p>
+            <a:r>
+              <a:rPr lang="en-US" dirty="0" smtClean="0"/>
+              <a:t>Written by Colin McCormack</a:t>
+            </a:r>
           </a:p>
           <a:p>
             <a:r>
@@ -6054,6 +6584,13 @@
   <p:clrMapOvr>
     <a:masterClrMapping/>
   </p:clrMapOvr>
+  <p:timing>
+    <p:tnLst>
+      <p:par>
+        <p:cTn id="1" dur="indefinite" restart="never" nodeType="tmRoot"/>
+      </p:par>
+    </p:tnLst>
+  </p:timing>
 </p:sld>
 </file>
 
@@ -6556,51 +7093,19 @@
                 <a:latin typeface="Courier New" pitchFamily="49" charset="0"/>
                 <a:cs typeface="Courier New" pitchFamily="49" charset="0"/>
               </a:rPr>
-              <a:t>    package </a:t>
-            </a:r>
+              <a:t>    package require Site</a:t>
+            </a:r>
+          </a:p>
+          <a:p>
+            <a:pPr>
+              <a:buNone/>
+            </a:pPr>
             <a:r>
               <a:rPr lang="en-US" sz="2000" b="1" dirty="0" smtClean="0">
                 <a:latin typeface="Courier New" pitchFamily="49" charset="0"/>
                 <a:cs typeface="Courier New" pitchFamily="49" charset="0"/>
               </a:rPr>
-              <a:t>require </a:t>
-            </a:r>
-            <a:r>
-              <a:rPr lang="en-US" sz="2000" b="1" dirty="0" smtClean="0">
-                <a:latin typeface="Courier New" pitchFamily="49" charset="0"/>
-                <a:cs typeface="Courier New" pitchFamily="49" charset="0"/>
-              </a:rPr>
-              <a:t>Site</a:t>
-            </a:r>
-            <a:endParaRPr lang="en-US" sz="2000" b="1" dirty="0" smtClean="0">
-              <a:latin typeface="Courier New" pitchFamily="49" charset="0"/>
-              <a:cs typeface="Courier New" pitchFamily="49" charset="0"/>
-            </a:endParaRPr>
-          </a:p>
-          <a:p>
-            <a:pPr>
-              <a:buNone/>
-            </a:pPr>
-            <a:r>
-              <a:rPr lang="en-US" sz="2000" b="1" dirty="0" smtClean="0">
-                <a:latin typeface="Courier New" pitchFamily="49" charset="0"/>
-                <a:cs typeface="Courier New" pitchFamily="49" charset="0"/>
-              </a:rPr>
-              <a:t>    Site </a:t>
-            </a:r>
-            <a:r>
-              <a:rPr lang="en-US" sz="2000" b="1" dirty="0" smtClean="0">
-                <a:latin typeface="Courier New" pitchFamily="49" charset="0"/>
-                <a:cs typeface="Courier New" pitchFamily="49" charset="0"/>
-              </a:rPr>
-              <a:t>start home </a:t>
-            </a:r>
-            <a:r>
-              <a:rPr lang="en-US" sz="2000" b="1" dirty="0" smtClean="0">
-                <a:latin typeface="Courier New" pitchFamily="49" charset="0"/>
-                <a:cs typeface="Courier New" pitchFamily="49" charset="0"/>
-              </a:rPr>
-              <a:t>.</a:t>
+              <a:t>    Site start home .</a:t>
             </a:r>
           </a:p>
           <a:p>
@@ -6654,6 +7159,13 @@
   <p:clrMapOvr>
     <a:masterClrMapping/>
   </p:clrMapOvr>
+  <p:timing>
+    <p:tnLst>
+      <p:par>
+        <p:cTn id="1" dur="indefinite" restart="never" nodeType="tmRoot"/>
+      </p:par>
+    </p:tnLst>
+  </p:timing>
 </p:sld>
 </file>
 

--- a/trunk/wubexamples/Lets_Wub.pptx
+++ b/trunk/wubexamples/Lets_Wub.pptx
@@ -5,7 +5,7 @@
     <p:sldMasterId id="2147483708" r:id="rId1"/>
   </p:sldMasterIdLst>
   <p:notesMasterIdLst>
-    <p:notesMasterId r:id="rId16"/>
+    <p:notesMasterId r:id="rId19"/>
   </p:notesMasterIdLst>
   <p:sldIdLst>
     <p:sldId id="256" r:id="rId2"/>
@@ -13,15 +13,18 @@
     <p:sldId id="259" r:id="rId4"/>
     <p:sldId id="258" r:id="rId5"/>
     <p:sldId id="263" r:id="rId6"/>
-    <p:sldId id="260" r:id="rId7"/>
-    <p:sldId id="262" r:id="rId8"/>
-    <p:sldId id="261" r:id="rId9"/>
-    <p:sldId id="264" r:id="rId10"/>
-    <p:sldId id="270" r:id="rId11"/>
-    <p:sldId id="265" r:id="rId12"/>
-    <p:sldId id="266" r:id="rId13"/>
-    <p:sldId id="267" r:id="rId14"/>
-    <p:sldId id="268" r:id="rId15"/>
+    <p:sldId id="271" r:id="rId7"/>
+    <p:sldId id="260" r:id="rId8"/>
+    <p:sldId id="262" r:id="rId9"/>
+    <p:sldId id="261" r:id="rId10"/>
+    <p:sldId id="264" r:id="rId11"/>
+    <p:sldId id="270" r:id="rId12"/>
+    <p:sldId id="265" r:id="rId13"/>
+    <p:sldId id="266" r:id="rId14"/>
+    <p:sldId id="272" r:id="rId15"/>
+    <p:sldId id="273" r:id="rId16"/>
+    <p:sldId id="267" r:id="rId17"/>
+    <p:sldId id="268" r:id="rId18"/>
   </p:sldIdLst>
   <p:sldSz cx="9144000" cy="6858000" type="screen4x3"/>
   <p:notesSz cx="6858000" cy="9144000"/>
@@ -206,7 +209,7 @@
             <a:fld id="{4DF4E2B3-4403-4393-BB8B-AE854F842FFB}" type="datetimeFigureOut">
               <a:rPr lang="en-US" smtClean="0"/>
               <a:pPr/>
-              <a:t>4/6/2009</a:t>
+              <a:t>4/15/2009</a:t>
             </a:fld>
             <a:endParaRPr lang="en-US"/>
           </a:p>
@@ -964,6 +967,252 @@
 </p:notes>
 </file>
 
+<file path=ppt/notesSlides/notesSlide15.xml><?xml version="1.0" encoding="utf-8"?>
+<p:notes xmlns:a="http://schemas.openxmlformats.org/drawingml/2006/main" xmlns:r="http://schemas.openxmlformats.org/officeDocument/2006/relationships" xmlns:p="http://schemas.openxmlformats.org/presentationml/2006/main">
+  <p:cSld>
+    <p:spTree>
+      <p:nvGrpSpPr>
+        <p:cNvPr id="1" name=""/>
+        <p:cNvGrpSpPr/>
+        <p:nvPr/>
+      </p:nvGrpSpPr>
+      <p:grpSpPr>
+        <a:xfrm>
+          <a:off x="0" y="0"/>
+          <a:ext cx="0" cy="0"/>
+          <a:chOff x="0" y="0"/>
+          <a:chExt cx="0" cy="0"/>
+        </a:xfrm>
+      </p:grpSpPr>
+      <p:sp>
+        <p:nvSpPr>
+          <p:cNvPr id="2" name="Slide Image Placeholder 1"/>
+          <p:cNvSpPr>
+            <a:spLocks noGrp="1" noRot="1" noChangeAspect="1"/>
+          </p:cNvSpPr>
+          <p:nvPr>
+            <p:ph type="sldImg"/>
+          </p:nvPr>
+        </p:nvSpPr>
+        <p:spPr/>
+      </p:sp>
+      <p:sp>
+        <p:nvSpPr>
+          <p:cNvPr id="3" name="Notes Placeholder 2"/>
+          <p:cNvSpPr>
+            <a:spLocks noGrp="1"/>
+          </p:cNvSpPr>
+          <p:nvPr>
+            <p:ph type="body" idx="1"/>
+          </p:nvPr>
+        </p:nvSpPr>
+        <p:spPr/>
+        <p:txBody>
+          <a:bodyPr>
+            <a:normAutofit/>
+          </a:bodyPr>
+          <a:lstStyle/>
+          <a:p>
+            <a:endParaRPr lang="en-US"/>
+          </a:p>
+        </p:txBody>
+      </p:sp>
+      <p:sp>
+        <p:nvSpPr>
+          <p:cNvPr id="4" name="Slide Number Placeholder 3"/>
+          <p:cNvSpPr>
+            <a:spLocks noGrp="1"/>
+          </p:cNvSpPr>
+          <p:nvPr>
+            <p:ph type="sldNum" sz="quarter" idx="10"/>
+          </p:nvPr>
+        </p:nvSpPr>
+        <p:spPr/>
+        <p:txBody>
+          <a:bodyPr/>
+          <a:lstStyle/>
+          <a:p>
+            <a:fld id="{4EE576B6-BA25-48A5-995A-4330F3F4AAF4}" type="slidenum">
+              <a:rPr lang="en-US" smtClean="0"/>
+              <a:pPr/>
+              <a:t>15</a:t>
+            </a:fld>
+            <a:endParaRPr lang="en-US"/>
+          </a:p>
+        </p:txBody>
+      </p:sp>
+    </p:spTree>
+  </p:cSld>
+  <p:clrMapOvr>
+    <a:masterClrMapping/>
+  </p:clrMapOvr>
+</p:notes>
+</file>
+
+<file path=ppt/notesSlides/notesSlide16.xml><?xml version="1.0" encoding="utf-8"?>
+<p:notes xmlns:a="http://schemas.openxmlformats.org/drawingml/2006/main" xmlns:r="http://schemas.openxmlformats.org/officeDocument/2006/relationships" xmlns:p="http://schemas.openxmlformats.org/presentationml/2006/main">
+  <p:cSld>
+    <p:spTree>
+      <p:nvGrpSpPr>
+        <p:cNvPr id="1" name=""/>
+        <p:cNvGrpSpPr/>
+        <p:nvPr/>
+      </p:nvGrpSpPr>
+      <p:grpSpPr>
+        <a:xfrm>
+          <a:off x="0" y="0"/>
+          <a:ext cx="0" cy="0"/>
+          <a:chOff x="0" y="0"/>
+          <a:chExt cx="0" cy="0"/>
+        </a:xfrm>
+      </p:grpSpPr>
+      <p:sp>
+        <p:nvSpPr>
+          <p:cNvPr id="2" name="Slide Image Placeholder 1"/>
+          <p:cNvSpPr>
+            <a:spLocks noGrp="1" noRot="1" noChangeAspect="1"/>
+          </p:cNvSpPr>
+          <p:nvPr>
+            <p:ph type="sldImg"/>
+          </p:nvPr>
+        </p:nvSpPr>
+        <p:spPr/>
+      </p:sp>
+      <p:sp>
+        <p:nvSpPr>
+          <p:cNvPr id="3" name="Notes Placeholder 2"/>
+          <p:cNvSpPr>
+            <a:spLocks noGrp="1"/>
+          </p:cNvSpPr>
+          <p:nvPr>
+            <p:ph type="body" idx="1"/>
+          </p:nvPr>
+        </p:nvSpPr>
+        <p:spPr/>
+        <p:txBody>
+          <a:bodyPr>
+            <a:normAutofit/>
+          </a:bodyPr>
+          <a:lstStyle/>
+          <a:p>
+            <a:endParaRPr lang="en-US"/>
+          </a:p>
+        </p:txBody>
+      </p:sp>
+      <p:sp>
+        <p:nvSpPr>
+          <p:cNvPr id="4" name="Slide Number Placeholder 3"/>
+          <p:cNvSpPr>
+            <a:spLocks noGrp="1"/>
+          </p:cNvSpPr>
+          <p:nvPr>
+            <p:ph type="sldNum" sz="quarter" idx="10"/>
+          </p:nvPr>
+        </p:nvSpPr>
+        <p:spPr/>
+        <p:txBody>
+          <a:bodyPr/>
+          <a:lstStyle/>
+          <a:p>
+            <a:fld id="{4EE576B6-BA25-48A5-995A-4330F3F4AAF4}" type="slidenum">
+              <a:rPr lang="en-US" smtClean="0"/>
+              <a:pPr/>
+              <a:t>16</a:t>
+            </a:fld>
+            <a:endParaRPr lang="en-US"/>
+          </a:p>
+        </p:txBody>
+      </p:sp>
+    </p:spTree>
+  </p:cSld>
+  <p:clrMapOvr>
+    <a:masterClrMapping/>
+  </p:clrMapOvr>
+</p:notes>
+</file>
+
+<file path=ppt/notesSlides/notesSlide17.xml><?xml version="1.0" encoding="utf-8"?>
+<p:notes xmlns:a="http://schemas.openxmlformats.org/drawingml/2006/main" xmlns:r="http://schemas.openxmlformats.org/officeDocument/2006/relationships" xmlns:p="http://schemas.openxmlformats.org/presentationml/2006/main">
+  <p:cSld>
+    <p:spTree>
+      <p:nvGrpSpPr>
+        <p:cNvPr id="1" name=""/>
+        <p:cNvGrpSpPr/>
+        <p:nvPr/>
+      </p:nvGrpSpPr>
+      <p:grpSpPr>
+        <a:xfrm>
+          <a:off x="0" y="0"/>
+          <a:ext cx="0" cy="0"/>
+          <a:chOff x="0" y="0"/>
+          <a:chExt cx="0" cy="0"/>
+        </a:xfrm>
+      </p:grpSpPr>
+      <p:sp>
+        <p:nvSpPr>
+          <p:cNvPr id="2" name="Slide Image Placeholder 1"/>
+          <p:cNvSpPr>
+            <a:spLocks noGrp="1" noRot="1" noChangeAspect="1"/>
+          </p:cNvSpPr>
+          <p:nvPr>
+            <p:ph type="sldImg"/>
+          </p:nvPr>
+        </p:nvSpPr>
+        <p:spPr/>
+      </p:sp>
+      <p:sp>
+        <p:nvSpPr>
+          <p:cNvPr id="3" name="Notes Placeholder 2"/>
+          <p:cNvSpPr>
+            <a:spLocks noGrp="1"/>
+          </p:cNvSpPr>
+          <p:nvPr>
+            <p:ph type="body" idx="1"/>
+          </p:nvPr>
+        </p:nvSpPr>
+        <p:spPr/>
+        <p:txBody>
+          <a:bodyPr>
+            <a:normAutofit/>
+          </a:bodyPr>
+          <a:lstStyle/>
+          <a:p>
+            <a:endParaRPr lang="en-US"/>
+          </a:p>
+        </p:txBody>
+      </p:sp>
+      <p:sp>
+        <p:nvSpPr>
+          <p:cNvPr id="4" name="Slide Number Placeholder 3"/>
+          <p:cNvSpPr>
+            <a:spLocks noGrp="1"/>
+          </p:cNvSpPr>
+          <p:nvPr>
+            <p:ph type="sldNum" sz="quarter" idx="10"/>
+          </p:nvPr>
+        </p:nvSpPr>
+        <p:spPr/>
+        <p:txBody>
+          <a:bodyPr/>
+          <a:lstStyle/>
+          <a:p>
+            <a:fld id="{4EE576B6-BA25-48A5-995A-4330F3F4AAF4}" type="slidenum">
+              <a:rPr lang="en-US" smtClean="0"/>
+              <a:pPr/>
+              <a:t>17</a:t>
+            </a:fld>
+            <a:endParaRPr lang="en-US"/>
+          </a:p>
+        </p:txBody>
+      </p:sp>
+    </p:spTree>
+  </p:cSld>
+  <p:clrMapOvr>
+    <a:masterClrMapping/>
+  </p:clrMapOvr>
+</p:notes>
+</file>
+
 <file path=ppt/notesSlides/notesSlide2.xml><?xml version="1.0" encoding="utf-8"?>
 <p:notes xmlns:a="http://schemas.openxmlformats.org/drawingml/2006/main" xmlns:r="http://schemas.openxmlformats.org/officeDocument/2006/relationships" xmlns:p="http://schemas.openxmlformats.org/presentationml/2006/main">
   <p:cSld>
@@ -1802,7 +2051,7 @@
             <a:fld id="{AD6CF7D0-54BE-4AFB-B0FC-FA5E364208B7}" type="datetimeFigureOut">
               <a:rPr lang="en-US" smtClean="0"/>
               <a:pPr/>
-              <a:t>4/6/2009</a:t>
+              <a:t>4/15/2009</a:t>
             </a:fld>
             <a:endParaRPr lang="en-US" dirty="0"/>
           </a:p>
@@ -1969,7 +2218,7 @@
             <a:fld id="{AD6CF7D0-54BE-4AFB-B0FC-FA5E364208B7}" type="datetimeFigureOut">
               <a:rPr lang="en-US" smtClean="0"/>
               <a:pPr/>
-              <a:t>4/6/2009</a:t>
+              <a:t>4/15/2009</a:t>
             </a:fld>
             <a:endParaRPr lang="en-US"/>
           </a:p>
@@ -2146,7 +2395,7 @@
             <a:fld id="{AD6CF7D0-54BE-4AFB-B0FC-FA5E364208B7}" type="datetimeFigureOut">
               <a:rPr lang="en-US" smtClean="0"/>
               <a:pPr/>
-              <a:t>4/6/2009</a:t>
+              <a:t>4/15/2009</a:t>
             </a:fld>
             <a:endParaRPr lang="en-US"/>
           </a:p>
@@ -2313,7 +2562,7 @@
             <a:fld id="{AD6CF7D0-54BE-4AFB-B0FC-FA5E364208B7}" type="datetimeFigureOut">
               <a:rPr lang="en-US" smtClean="0"/>
               <a:pPr/>
-              <a:t>4/6/2009</a:t>
+              <a:t>4/15/2009</a:t>
             </a:fld>
             <a:endParaRPr lang="en-US"/>
           </a:p>
@@ -2556,7 +2805,7 @@
             <a:fld id="{AD6CF7D0-54BE-4AFB-B0FC-FA5E364208B7}" type="datetimeFigureOut">
               <a:rPr lang="en-US" smtClean="0"/>
               <a:pPr/>
-              <a:t>4/6/2009</a:t>
+              <a:t>4/15/2009</a:t>
             </a:fld>
             <a:endParaRPr lang="en-US"/>
           </a:p>
@@ -2841,7 +3090,7 @@
             <a:fld id="{AD6CF7D0-54BE-4AFB-B0FC-FA5E364208B7}" type="datetimeFigureOut">
               <a:rPr lang="en-US" smtClean="0"/>
               <a:pPr/>
-              <a:t>4/6/2009</a:t>
+              <a:t>4/15/2009</a:t>
             </a:fld>
             <a:endParaRPr lang="en-US"/>
           </a:p>
@@ -3260,7 +3509,7 @@
             <a:fld id="{AD6CF7D0-54BE-4AFB-B0FC-FA5E364208B7}" type="datetimeFigureOut">
               <a:rPr lang="en-US" smtClean="0"/>
               <a:pPr/>
-              <a:t>4/6/2009</a:t>
+              <a:t>4/15/2009</a:t>
             </a:fld>
             <a:endParaRPr lang="en-US"/>
           </a:p>
@@ -3375,7 +3624,7 @@
             <a:fld id="{AD6CF7D0-54BE-4AFB-B0FC-FA5E364208B7}" type="datetimeFigureOut">
               <a:rPr lang="en-US" smtClean="0"/>
               <a:pPr/>
-              <a:t>4/6/2009</a:t>
+              <a:t>4/15/2009</a:t>
             </a:fld>
             <a:endParaRPr lang="en-US"/>
           </a:p>
@@ -3467,7 +3716,7 @@
             <a:fld id="{AD6CF7D0-54BE-4AFB-B0FC-FA5E364208B7}" type="datetimeFigureOut">
               <a:rPr lang="en-US" smtClean="0"/>
               <a:pPr/>
-              <a:t>4/6/2009</a:t>
+              <a:t>4/15/2009</a:t>
             </a:fld>
             <a:endParaRPr lang="en-US"/>
           </a:p>
@@ -3741,7 +3990,7 @@
             <a:fld id="{AD6CF7D0-54BE-4AFB-B0FC-FA5E364208B7}" type="datetimeFigureOut">
               <a:rPr lang="en-US" smtClean="0"/>
               <a:pPr/>
-              <a:t>4/6/2009</a:t>
+              <a:t>4/15/2009</a:t>
             </a:fld>
             <a:endParaRPr lang="en-US"/>
           </a:p>
@@ -3991,7 +4240,7 @@
             <a:fld id="{AD6CF7D0-54BE-4AFB-B0FC-FA5E364208B7}" type="datetimeFigureOut">
               <a:rPr lang="en-US" smtClean="0"/>
               <a:pPr/>
-              <a:t>4/6/2009</a:t>
+              <a:t>4/15/2009</a:t>
             </a:fld>
             <a:endParaRPr lang="en-US"/>
           </a:p>
@@ -4201,7 +4450,7 @@
             <a:fld id="{AD6CF7D0-54BE-4AFB-B0FC-FA5E364208B7}" type="datetimeFigureOut">
               <a:rPr lang="en-US" smtClean="0"/>
               <a:pPr/>
-              <a:t>4/6/2009</a:t>
+              <a:t>4/15/2009</a:t>
             </a:fld>
             <a:endParaRPr lang="en-US"/>
           </a:p>
@@ -4742,6 +4991,180 @@
         </p:nvSpPr>
         <p:spPr/>
         <p:txBody>
+          <a:bodyPr>
+            <a:normAutofit/>
+          </a:bodyPr>
+          <a:lstStyle/>
+          <a:p>
+            <a:r>
+              <a:rPr lang="en-US" dirty="0" smtClean="0"/>
+              <a:t>Example 1: </a:t>
+            </a:r>
+            <a:r>
+              <a:rPr lang="en-US" dirty="0" err="1" smtClean="0"/>
+              <a:t>Wub</a:t>
+            </a:r>
+            <a:r>
+              <a:rPr lang="en-US" dirty="0" smtClean="0"/>
+              <a:t> out-of-the-box</a:t>
+            </a:r>
+            <a:endParaRPr lang="en-US" dirty="0"/>
+          </a:p>
+        </p:txBody>
+      </p:sp>
+      <p:sp>
+        <p:nvSpPr>
+          <p:cNvPr id="3" name="Content Placeholder 2"/>
+          <p:cNvSpPr>
+            <a:spLocks noGrp="1"/>
+          </p:cNvSpPr>
+          <p:nvPr>
+            <p:ph idx="1"/>
+          </p:nvPr>
+        </p:nvSpPr>
+        <p:spPr/>
+        <p:txBody>
+          <a:bodyPr>
+            <a:normAutofit/>
+          </a:bodyPr>
+          <a:lstStyle/>
+          <a:p>
+            <a:r>
+              <a:rPr lang="en-US" dirty="0" smtClean="0"/>
+              <a:t>Running the default setup, start the </a:t>
+            </a:r>
+            <a:r>
+              <a:rPr lang="en-US" dirty="0" err="1" smtClean="0"/>
+              <a:t>webserver</a:t>
+            </a:r>
+            <a:r>
+              <a:rPr lang="en-US" dirty="0" smtClean="0"/>
+              <a:t> with these lines:</a:t>
+            </a:r>
+          </a:p>
+          <a:p>
+            <a:pPr>
+              <a:buNone/>
+            </a:pPr>
+            <a:endParaRPr lang="en-US" sz="2000" b="1" dirty="0" smtClean="0">
+              <a:latin typeface="Courier New" pitchFamily="49" charset="0"/>
+              <a:cs typeface="Courier New" pitchFamily="49" charset="0"/>
+            </a:endParaRPr>
+          </a:p>
+          <a:p>
+            <a:pPr>
+              <a:buNone/>
+            </a:pPr>
+            <a:r>
+              <a:rPr lang="en-US" sz="2000" b="1" dirty="0" smtClean="0">
+                <a:latin typeface="Courier New" pitchFamily="49" charset="0"/>
+                <a:cs typeface="Courier New" pitchFamily="49" charset="0"/>
+              </a:rPr>
+              <a:t>    package require Site</a:t>
+            </a:r>
+          </a:p>
+          <a:p>
+            <a:pPr>
+              <a:buNone/>
+            </a:pPr>
+            <a:r>
+              <a:rPr lang="en-US" sz="2000" b="1" dirty="0" smtClean="0">
+                <a:latin typeface="Courier New" pitchFamily="49" charset="0"/>
+                <a:cs typeface="Courier New" pitchFamily="49" charset="0"/>
+              </a:rPr>
+              <a:t>    Site start home .</a:t>
+            </a:r>
+          </a:p>
+          <a:p>
+            <a:pPr>
+              <a:buNone/>
+            </a:pPr>
+            <a:endParaRPr lang="en-US" sz="2000" b="1" dirty="0" smtClean="0">
+              <a:latin typeface="Courier New" pitchFamily="49" charset="0"/>
+              <a:cs typeface="Courier New" pitchFamily="49" charset="0"/>
+            </a:endParaRPr>
+          </a:p>
+          <a:p>
+            <a:r>
+              <a:rPr lang="en-US" dirty="0" smtClean="0"/>
+              <a:t>What’s being served?</a:t>
+            </a:r>
+          </a:p>
+          <a:p>
+            <a:pPr lvl="1"/>
+            <a:r>
+              <a:rPr lang="en-US" dirty="0" smtClean="0"/>
+              <a:t>Files from html, images, </a:t>
+            </a:r>
+            <a:r>
+              <a:rPr lang="en-US" dirty="0" err="1" smtClean="0"/>
+              <a:t>css</a:t>
+            </a:r>
+            <a:r>
+              <a:rPr lang="en-US" dirty="0" smtClean="0"/>
+              <a:t> and scripts subdirectories of ./</a:t>
+            </a:r>
+            <a:r>
+              <a:rPr lang="en-US" dirty="0" err="1" smtClean="0"/>
+              <a:t>docroot</a:t>
+            </a:r>
+            <a:endParaRPr lang="en-US" dirty="0" smtClean="0"/>
+          </a:p>
+          <a:p>
+            <a:endParaRPr lang="en-US" dirty="0" smtClean="0"/>
+          </a:p>
+          <a:p>
+            <a:pPr>
+              <a:buNone/>
+            </a:pPr>
+            <a:endParaRPr lang="en-US" dirty="0"/>
+          </a:p>
+        </p:txBody>
+      </p:sp>
+    </p:spTree>
+  </p:cSld>
+  <p:clrMapOvr>
+    <a:masterClrMapping/>
+  </p:clrMapOvr>
+  <p:timing>
+    <p:tnLst>
+      <p:par>
+        <p:cTn id="1" dur="indefinite" restart="never" nodeType="tmRoot"/>
+      </p:par>
+    </p:tnLst>
+  </p:timing>
+</p:sld>
+</file>
+
+<file path=ppt/slides/slide11.xml><?xml version="1.0" encoding="utf-8"?>
+<p:sld xmlns:a="http://schemas.openxmlformats.org/drawingml/2006/main" xmlns:r="http://schemas.openxmlformats.org/officeDocument/2006/relationships" xmlns:p="http://schemas.openxmlformats.org/presentationml/2006/main">
+  <p:cSld>
+    <p:spTree>
+      <p:nvGrpSpPr>
+        <p:cNvPr id="1" name=""/>
+        <p:cNvGrpSpPr/>
+        <p:nvPr/>
+      </p:nvGrpSpPr>
+      <p:grpSpPr>
+        <a:xfrm>
+          <a:off x="0" y="0"/>
+          <a:ext cx="0" cy="0"/>
+          <a:chOff x="0" y="0"/>
+          <a:chExt cx="0" cy="0"/>
+        </a:xfrm>
+      </p:grpSpPr>
+      <p:sp>
+        <p:nvSpPr>
+          <p:cNvPr id="2" name="Title 1"/>
+          <p:cNvSpPr>
+            <a:spLocks noGrp="1"/>
+          </p:cNvSpPr>
+          <p:nvPr>
+            <p:ph type="title"/>
+          </p:nvPr>
+        </p:nvSpPr>
+        <p:spPr/>
+        <p:txBody>
           <a:bodyPr/>
           <a:lstStyle/>
           <a:p>
@@ -4905,9 +5328,7 @@
                     <a:lstStyle/>
                     <a:p>
                       <a:r>
-                        <a:rPr lang="en-US" dirty="0" smtClean="0">
-                          <a:hlinkClick r:id="rId3"/>
-                        </a:rPr>
+                        <a:rPr lang="en-US" dirty="0" smtClean="0"/>
                         <a:t>http://myurl:8080/images/file.gif</a:t>
                       </a:r>
                       <a:endParaRPr lang="en-US" dirty="0"/>
@@ -4968,7 +5389,11 @@
                     <a:p>
                       <a:r>
                         <a:rPr lang="en-US" dirty="0" smtClean="0"/>
-                        <a:t>http://myurl:8080/file.css</a:t>
+                        <a:t>http://</a:t>
+                      </a:r>
+                      <a:r>
+                        <a:rPr lang="en-US" dirty="0" smtClean="0"/>
+                        <a:t>myurl:8080/css/file.css</a:t>
                       </a:r>
                       <a:endParaRPr lang="en-US" dirty="0"/>
                     </a:p>
@@ -5020,7 +5445,11 @@
                     <a:p>
                       <a:r>
                         <a:rPr lang="en-US" dirty="0" smtClean="0"/>
-                        <a:t>http://myurl:8080/file.js</a:t>
+                        <a:t>http://</a:t>
+                      </a:r>
+                      <a:r>
+                        <a:rPr lang="en-US" dirty="0" smtClean="0"/>
+                        <a:t>myurl:8080/scripts/file.js</a:t>
                       </a:r>
                       <a:endParaRPr lang="en-US" dirty="0"/>
                     </a:p>
@@ -5059,7 +5488,7 @@
         <p:spPr>
           <a:xfrm>
             <a:off x="457200" y="1600201"/>
-            <a:ext cx="8229600" cy="2895600"/>
+            <a:ext cx="8229600" cy="2666999"/>
           </a:xfrm>
         </p:spPr>
         <p:txBody>
@@ -5102,198 +5531,6 @@
           </a:p>
           <a:p>
             <a:endParaRPr lang="en-US" dirty="0"/>
-          </a:p>
-        </p:txBody>
-      </p:sp>
-    </p:spTree>
-  </p:cSld>
-  <p:clrMapOvr>
-    <a:masterClrMapping/>
-  </p:clrMapOvr>
-  <p:timing>
-    <p:tnLst>
-      <p:par>
-        <p:cTn id="1" dur="indefinite" restart="never" nodeType="tmRoot"/>
-      </p:par>
-    </p:tnLst>
-  </p:timing>
-</p:sld>
-</file>
-
-<file path=ppt/slides/slide11.xml><?xml version="1.0" encoding="utf-8"?>
-<p:sld xmlns:a="http://schemas.openxmlformats.org/drawingml/2006/main" xmlns:r="http://schemas.openxmlformats.org/officeDocument/2006/relationships" xmlns:p="http://schemas.openxmlformats.org/presentationml/2006/main">
-  <p:cSld>
-    <p:spTree>
-      <p:nvGrpSpPr>
-        <p:cNvPr id="1" name=""/>
-        <p:cNvGrpSpPr/>
-        <p:nvPr/>
-      </p:nvGrpSpPr>
-      <p:grpSpPr>
-        <a:xfrm>
-          <a:off x="0" y="0"/>
-          <a:ext cx="0" cy="0"/>
-          <a:chOff x="0" y="0"/>
-          <a:chExt cx="0" cy="0"/>
-        </a:xfrm>
-      </p:grpSpPr>
-      <p:sp>
-        <p:nvSpPr>
-          <p:cNvPr id="2" name="Title 1"/>
-          <p:cNvSpPr>
-            <a:spLocks noGrp="1"/>
-          </p:cNvSpPr>
-          <p:nvPr>
-            <p:ph type="title"/>
-          </p:nvPr>
-        </p:nvSpPr>
-        <p:spPr/>
-        <p:txBody>
-          <a:bodyPr/>
-          <a:lstStyle/>
-          <a:p>
-            <a:r>
-              <a:rPr lang="en-US" dirty="0" smtClean="0"/>
-              <a:t>Example 1a: adding some Nub</a:t>
-            </a:r>
-            <a:endParaRPr lang="en-US" dirty="0"/>
-          </a:p>
-        </p:txBody>
-      </p:sp>
-      <p:sp>
-        <p:nvSpPr>
-          <p:cNvPr id="3" name="Content Placeholder 2"/>
-          <p:cNvSpPr>
-            <a:spLocks noGrp="1"/>
-          </p:cNvSpPr>
-          <p:nvPr>
-            <p:ph idx="1"/>
-          </p:nvPr>
-        </p:nvSpPr>
-        <p:spPr/>
-        <p:txBody>
-          <a:bodyPr/>
-          <a:lstStyle/>
-          <a:p>
-            <a:r>
-              <a:rPr lang="en-US" dirty="0" smtClean="0"/>
-              <a:t>Nub is a configuration utility for </a:t>
-            </a:r>
-            <a:r>
-              <a:rPr lang="en-US" dirty="0" err="1" smtClean="0"/>
-              <a:t>Wub</a:t>
-            </a:r>
-            <a:endParaRPr lang="en-US" dirty="0" smtClean="0"/>
-          </a:p>
-          <a:p>
-            <a:r>
-              <a:rPr lang="en-US" dirty="0" smtClean="0"/>
-              <a:t>Specify redirect from </a:t>
-            </a:r>
-            <a:r>
-              <a:rPr lang="en-US" smtClean="0"/>
-              <a:t>plain root URL </a:t>
-            </a:r>
-            <a:r>
-              <a:rPr lang="en-US" dirty="0" smtClean="0"/>
-              <a:t>to html/ex.html in ex.nub:</a:t>
-            </a:r>
-          </a:p>
-          <a:p>
-            <a:pPr>
-              <a:buNone/>
-            </a:pPr>
-            <a:endParaRPr lang="en-US" sz="2000" b="1" dirty="0" smtClean="0">
-              <a:latin typeface="Courier New" pitchFamily="49" charset="0"/>
-              <a:cs typeface="Courier New" pitchFamily="49" charset="0"/>
-            </a:endParaRPr>
-          </a:p>
-          <a:p>
-            <a:pPr>
-              <a:buNone/>
-            </a:pPr>
-            <a:r>
-              <a:rPr lang="en-US" sz="2000" b="1" dirty="0" smtClean="0">
-                <a:latin typeface="Courier New" pitchFamily="49" charset="0"/>
-                <a:cs typeface="Courier New" pitchFamily="49" charset="0"/>
-              </a:rPr>
-              <a:t>    redirect / /html/ex.html</a:t>
-            </a:r>
-          </a:p>
-          <a:p>
-            <a:pPr>
-              <a:buNone/>
-            </a:pPr>
-            <a:endParaRPr lang="en-US" sz="2000" b="1" dirty="0" smtClean="0">
-              <a:latin typeface="Courier New" pitchFamily="49" charset="0"/>
-              <a:cs typeface="Courier New" pitchFamily="49" charset="0"/>
-            </a:endParaRPr>
-          </a:p>
-          <a:p>
-            <a:r>
-              <a:rPr lang="en-US" dirty="0" smtClean="0"/>
-              <a:t>Start </a:t>
-            </a:r>
-            <a:r>
-              <a:rPr lang="en-US" dirty="0" err="1" smtClean="0"/>
-              <a:t>Wub</a:t>
-            </a:r>
-            <a:r>
-              <a:rPr lang="en-US" dirty="0" smtClean="0"/>
-              <a:t> with these lines:</a:t>
-            </a:r>
-          </a:p>
-          <a:p>
-            <a:pPr>
-              <a:buNone/>
-            </a:pPr>
-            <a:endParaRPr lang="en-US" sz="2000" b="1" dirty="0" smtClean="0">
-              <a:latin typeface="Courier New" pitchFamily="49" charset="0"/>
-              <a:cs typeface="Courier New" pitchFamily="49" charset="0"/>
-            </a:endParaRPr>
-          </a:p>
-          <a:p>
-            <a:pPr>
-              <a:buNone/>
-            </a:pPr>
-            <a:r>
-              <a:rPr lang="en-US" sz="2000" b="1" dirty="0" smtClean="0">
-                <a:latin typeface="Courier New" pitchFamily="49" charset="0"/>
-                <a:cs typeface="Courier New" pitchFamily="49" charset="0"/>
-              </a:rPr>
-              <a:t>    package require Site</a:t>
-            </a:r>
-          </a:p>
-          <a:p>
-            <a:pPr>
-              <a:buNone/>
-            </a:pPr>
-            <a:r>
-              <a:rPr lang="en-US" sz="2000" b="1" dirty="0" smtClean="0">
-                <a:latin typeface="Courier New" pitchFamily="49" charset="0"/>
-                <a:cs typeface="Courier New" pitchFamily="49" charset="0"/>
-              </a:rPr>
-              <a:t>    Site start home . </a:t>
-            </a:r>
-            <a:r>
-              <a:rPr lang="en-US" sz="2000" b="1" dirty="0" smtClean="0">
-                <a:solidFill>
-                  <a:srgbClr val="FF0000"/>
-                </a:solidFill>
-                <a:latin typeface="Courier New" pitchFamily="49" charset="0"/>
-                <a:cs typeface="Courier New" pitchFamily="49" charset="0"/>
-              </a:rPr>
-              <a:t>nubs ex.nub</a:t>
-            </a:r>
-          </a:p>
-          <a:p>
-            <a:pPr>
-              <a:buNone/>
-            </a:pPr>
-            <a:endParaRPr lang="en-US" sz="2000" b="1" dirty="0">
-              <a:latin typeface="Courier New" pitchFamily="49" charset="0"/>
-              <a:cs typeface="Courier New" pitchFamily="49" charset="0"/>
-            </a:endParaRPr>
           </a:p>
         </p:txBody>
       </p:sp>
@@ -5346,11 +5583,7 @@
           <a:p>
             <a:r>
               <a:rPr lang="en-US" dirty="0" smtClean="0"/>
-              <a:t>Example 2</a:t>
-            </a:r>
-            <a:r>
-              <a:rPr lang="en-US" dirty="0" smtClean="0"/>
-              <a:t>: the File domain</a:t>
+              <a:t>Example 1a: adding some Nub</a:t>
             </a:r>
             <a:endParaRPr lang="en-US" dirty="0"/>
           </a:p>
@@ -5368,21 +5601,42 @@
         </p:nvSpPr>
         <p:spPr/>
         <p:txBody>
-          <a:bodyPr>
-            <a:normAutofit/>
-          </a:bodyPr>
-          <a:lstStyle/>
-          <a:p>
-            <a:r>
-              <a:rPr lang="en-US" dirty="0" smtClean="0"/>
-              <a:t>Add File domains to ex.nub:</a:t>
+          <a:bodyPr/>
+          <a:lstStyle/>
+          <a:p>
+            <a:r>
+              <a:rPr lang="en-US" dirty="0" smtClean="0"/>
+              <a:t>Nub is a configuration utility for </a:t>
+            </a:r>
+            <a:r>
+              <a:rPr lang="en-US" dirty="0" err="1" smtClean="0"/>
+              <a:t>Wub</a:t>
+            </a:r>
+            <a:endParaRPr lang="en-US" dirty="0" smtClean="0"/>
+          </a:p>
+          <a:p>
+            <a:r>
+              <a:rPr lang="en-US" dirty="0" smtClean="0"/>
+              <a:t>Specify redirect from root URL to ./</a:t>
+            </a:r>
+            <a:r>
+              <a:rPr lang="en-US" dirty="0" err="1" smtClean="0"/>
+              <a:t>docroot</a:t>
+            </a:r>
+            <a:r>
+              <a:rPr lang="en-US" smtClean="0"/>
+              <a:t>/html/ex.html </a:t>
+            </a:r>
+            <a:r>
+              <a:rPr lang="en-US" dirty="0" smtClean="0"/>
+              <a:t>in ex.nub:</a:t>
             </a:r>
           </a:p>
           <a:p>
             <a:pPr>
               <a:buNone/>
             </a:pPr>
-            <a:endParaRPr lang="en-US" sz="1000" b="1" dirty="0" smtClean="0">
+            <a:endParaRPr lang="en-US" sz="2000" b="1" dirty="0" smtClean="0">
               <a:latin typeface="Courier New" pitchFamily="49" charset="0"/>
               <a:cs typeface="Courier New" pitchFamily="49" charset="0"/>
             </a:endParaRPr>
@@ -5392,383 +5646,84 @@
               <a:buNone/>
             </a:pPr>
             <a:r>
-              <a:rPr lang="en-US" sz="1000" b="1" dirty="0" smtClean="0">
+              <a:rPr lang="en-US" sz="2000" b="1" dirty="0" smtClean="0">
                 <a:latin typeface="Courier New" pitchFamily="49" charset="0"/>
                 <a:cs typeface="Courier New" pitchFamily="49" charset="0"/>
               </a:rPr>
-              <a:t> </a:t>
-            </a:r>
-            <a:r>
-              <a:rPr lang="en-US" sz="1000" b="1" dirty="0" smtClean="0">
+              <a:t>    redirect / /html/ex.html</a:t>
+            </a:r>
+          </a:p>
+          <a:p>
+            <a:pPr>
+              <a:buNone/>
+            </a:pPr>
+            <a:endParaRPr lang="en-US" sz="2000" b="1" dirty="0" smtClean="0">
+              <a:latin typeface="Courier New" pitchFamily="49" charset="0"/>
+              <a:cs typeface="Courier New" pitchFamily="49" charset="0"/>
+            </a:endParaRPr>
+          </a:p>
+          <a:p>
+            <a:r>
+              <a:rPr lang="en-US" dirty="0" smtClean="0"/>
+              <a:t>Start </a:t>
+            </a:r>
+            <a:r>
+              <a:rPr lang="en-US" dirty="0" err="1" smtClean="0"/>
+              <a:t>Wub</a:t>
+            </a:r>
+            <a:r>
+              <a:rPr lang="en-US" dirty="0" smtClean="0"/>
+              <a:t> with these lines:</a:t>
+            </a:r>
+          </a:p>
+          <a:p>
+            <a:pPr>
+              <a:buNone/>
+            </a:pPr>
+            <a:endParaRPr lang="en-US" sz="2000" b="1" dirty="0" smtClean="0">
+              <a:latin typeface="Courier New" pitchFamily="49" charset="0"/>
+              <a:cs typeface="Courier New" pitchFamily="49" charset="0"/>
+            </a:endParaRPr>
+          </a:p>
+          <a:p>
+            <a:pPr>
+              <a:buNone/>
+            </a:pPr>
+            <a:r>
+              <a:rPr lang="en-US" sz="2000" b="1" dirty="0" smtClean="0">
                 <a:latin typeface="Courier New" pitchFamily="49" charset="0"/>
                 <a:cs typeface="Courier New" pitchFamily="49" charset="0"/>
               </a:rPr>
-              <a:t>   domain </a:t>
-            </a:r>
-            <a:r>
-              <a:rPr lang="en-US" sz="1000" b="1" dirty="0" smtClean="0">
+              <a:t>    package require Site</a:t>
+            </a:r>
+          </a:p>
+          <a:p>
+            <a:pPr>
+              <a:buNone/>
+            </a:pPr>
+            <a:r>
+              <a:rPr lang="en-US" sz="2000" b="1" dirty="0" smtClean="0">
                 <a:latin typeface="Courier New" pitchFamily="49" charset="0"/>
                 <a:cs typeface="Courier New" pitchFamily="49" charset="0"/>
               </a:rPr>
-              <a:t>/</a:t>
-            </a:r>
-            <a:r>
-              <a:rPr lang="en-US" sz="1000" b="1" dirty="0" err="1" smtClean="0">
+              <a:t>    Site start home . </a:t>
+            </a:r>
+            <a:r>
+              <a:rPr lang="en-US" sz="2000" b="1" dirty="0" smtClean="0">
+                <a:solidFill>
+                  <a:srgbClr val="FF0000"/>
+                </a:solidFill>
                 <a:latin typeface="Courier New" pitchFamily="49" charset="0"/>
                 <a:cs typeface="Courier New" pitchFamily="49" charset="0"/>
               </a:rPr>
-              <a:t>css</a:t>
-            </a:r>
-            <a:r>
-              <a:rPr lang="en-US" sz="1000" b="1" dirty="0" smtClean="0">
-                <a:latin typeface="Courier New" pitchFamily="49" charset="0"/>
-                <a:cs typeface="Courier New" pitchFamily="49" charset="0"/>
-              </a:rPr>
-              <a:t>/     {File </a:t>
-            </a:r>
-            <a:r>
-              <a:rPr lang="en-US" sz="1000" b="1" dirty="0" err="1" smtClean="0">
-                <a:latin typeface="Courier New" pitchFamily="49" charset="0"/>
-                <a:cs typeface="Courier New" pitchFamily="49" charset="0"/>
-              </a:rPr>
-              <a:t>css</a:t>
-            </a:r>
-            <a:r>
-              <a:rPr lang="en-US" sz="1000" b="1" dirty="0" smtClean="0">
-                <a:latin typeface="Courier New" pitchFamily="49" charset="0"/>
-                <a:cs typeface="Courier New" pitchFamily="49" charset="0"/>
-              </a:rPr>
-              <a:t>}     root [file join . </a:t>
-            </a:r>
-            <a:r>
-              <a:rPr lang="en-US" sz="1000" b="1" dirty="0" err="1" smtClean="0">
-                <a:latin typeface="Courier New" pitchFamily="49" charset="0"/>
-                <a:cs typeface="Courier New" pitchFamily="49" charset="0"/>
-              </a:rPr>
-              <a:t>docroot</a:t>
-            </a:r>
-            <a:r>
-              <a:rPr lang="en-US" sz="1000" b="1" dirty="0" smtClean="0">
-                <a:latin typeface="Courier New" pitchFamily="49" charset="0"/>
-                <a:cs typeface="Courier New" pitchFamily="49" charset="0"/>
-              </a:rPr>
-              <a:t> </a:t>
-            </a:r>
-            <a:r>
-              <a:rPr lang="en-US" sz="1000" b="1" dirty="0" err="1" smtClean="0">
-                <a:latin typeface="Courier New" pitchFamily="49" charset="0"/>
-                <a:cs typeface="Courier New" pitchFamily="49" charset="0"/>
-              </a:rPr>
-              <a:t>css</a:t>
-            </a:r>
-            <a:r>
-              <a:rPr lang="en-US" sz="1000" b="1" dirty="0" smtClean="0">
-                <a:latin typeface="Courier New" pitchFamily="49" charset="0"/>
-                <a:cs typeface="Courier New" pitchFamily="49" charset="0"/>
-              </a:rPr>
-              <a:t>]     expires tomorrow    </a:t>
-            </a:r>
-            <a:r>
-              <a:rPr lang="en-US" sz="1000" b="1" dirty="0" err="1" smtClean="0">
-                <a:latin typeface="Courier New" pitchFamily="49" charset="0"/>
-                <a:cs typeface="Courier New" pitchFamily="49" charset="0"/>
-              </a:rPr>
-              <a:t>nodir</a:t>
-            </a:r>
-            <a:r>
-              <a:rPr lang="en-US" sz="1000" b="1" dirty="0" smtClean="0">
-                <a:latin typeface="Courier New" pitchFamily="49" charset="0"/>
-                <a:cs typeface="Courier New" pitchFamily="49" charset="0"/>
-              </a:rPr>
-              <a:t> 1</a:t>
+              <a:t>nubs ex.nub</a:t>
             </a:r>
           </a:p>
           <a:p>
             <a:pPr>
               <a:buNone/>
             </a:pPr>
-            <a:r>
-              <a:rPr lang="en-US" sz="1000" b="1" dirty="0" smtClean="0">
-                <a:latin typeface="Courier New" pitchFamily="49" charset="0"/>
-                <a:cs typeface="Courier New" pitchFamily="49" charset="0"/>
-              </a:rPr>
-              <a:t>    domain </a:t>
-            </a:r>
-            <a:r>
-              <a:rPr lang="en-US" sz="1000" b="1" dirty="0" smtClean="0">
-                <a:latin typeface="Courier New" pitchFamily="49" charset="0"/>
-                <a:cs typeface="Courier New" pitchFamily="49" charset="0"/>
-              </a:rPr>
-              <a:t>/images/  {File images}  root [file join . </a:t>
-            </a:r>
-            <a:r>
-              <a:rPr lang="en-US" sz="1000" b="1" dirty="0" err="1" smtClean="0">
-                <a:latin typeface="Courier New" pitchFamily="49" charset="0"/>
-                <a:cs typeface="Courier New" pitchFamily="49" charset="0"/>
-              </a:rPr>
-              <a:t>docroot</a:t>
-            </a:r>
-            <a:r>
-              <a:rPr lang="en-US" sz="1000" b="1" dirty="0" smtClean="0">
-                <a:latin typeface="Courier New" pitchFamily="49" charset="0"/>
-                <a:cs typeface="Courier New" pitchFamily="49" charset="0"/>
-              </a:rPr>
-              <a:t> images]  expires "next week" </a:t>
-            </a:r>
-            <a:r>
-              <a:rPr lang="en-US" sz="1000" b="1" dirty="0" err="1" smtClean="0">
-                <a:latin typeface="Courier New" pitchFamily="49" charset="0"/>
-                <a:cs typeface="Courier New" pitchFamily="49" charset="0"/>
-              </a:rPr>
-              <a:t>nodir</a:t>
-            </a:r>
-            <a:r>
-              <a:rPr lang="en-US" sz="1000" b="1" dirty="0" smtClean="0">
-                <a:latin typeface="Courier New" pitchFamily="49" charset="0"/>
-                <a:cs typeface="Courier New" pitchFamily="49" charset="0"/>
-              </a:rPr>
-              <a:t> 1</a:t>
-            </a:r>
-          </a:p>
-          <a:p>
-            <a:pPr>
-              <a:buNone/>
-            </a:pPr>
-            <a:r>
-              <a:rPr lang="en-US" sz="1000" b="1" dirty="0" smtClean="0">
-                <a:latin typeface="Courier New" pitchFamily="49" charset="0"/>
-                <a:cs typeface="Courier New" pitchFamily="49" charset="0"/>
-              </a:rPr>
-              <a:t>    domain </a:t>
-            </a:r>
-            <a:r>
-              <a:rPr lang="en-US" sz="1000" b="1" dirty="0" smtClean="0">
-                <a:latin typeface="Courier New" pitchFamily="49" charset="0"/>
-                <a:cs typeface="Courier New" pitchFamily="49" charset="0"/>
-              </a:rPr>
-              <a:t>/scripts/ {File scripts} root [file join . </a:t>
-            </a:r>
-            <a:r>
-              <a:rPr lang="en-US" sz="1000" b="1" dirty="0" err="1" smtClean="0">
-                <a:latin typeface="Courier New" pitchFamily="49" charset="0"/>
-                <a:cs typeface="Courier New" pitchFamily="49" charset="0"/>
-              </a:rPr>
-              <a:t>docroot</a:t>
-            </a:r>
-            <a:r>
-              <a:rPr lang="en-US" sz="1000" b="1" dirty="0" smtClean="0">
-                <a:latin typeface="Courier New" pitchFamily="49" charset="0"/>
-                <a:cs typeface="Courier New" pitchFamily="49" charset="0"/>
-              </a:rPr>
-              <a:t> scripts] expires tomorrow    </a:t>
-            </a:r>
-            <a:r>
-              <a:rPr lang="en-US" sz="1000" b="1" dirty="0" err="1" smtClean="0">
-                <a:latin typeface="Courier New" pitchFamily="49" charset="0"/>
-                <a:cs typeface="Courier New" pitchFamily="49" charset="0"/>
-              </a:rPr>
-              <a:t>nodir</a:t>
-            </a:r>
-            <a:r>
-              <a:rPr lang="en-US" sz="1000" b="1" dirty="0" smtClean="0">
-                <a:latin typeface="Courier New" pitchFamily="49" charset="0"/>
-                <a:cs typeface="Courier New" pitchFamily="49" charset="0"/>
-              </a:rPr>
-              <a:t> 1</a:t>
-            </a:r>
-          </a:p>
-          <a:p>
-            <a:pPr>
-              <a:buNone/>
-            </a:pPr>
-            <a:r>
-              <a:rPr lang="en-US" sz="1000" b="1" dirty="0" smtClean="0">
-                <a:latin typeface="Courier New" pitchFamily="49" charset="0"/>
-                <a:cs typeface="Courier New" pitchFamily="49" charset="0"/>
-              </a:rPr>
-              <a:t>    domain </a:t>
-            </a:r>
-            <a:r>
-              <a:rPr lang="en-US" sz="1000" b="1" dirty="0" smtClean="0">
-                <a:latin typeface="Courier New" pitchFamily="49" charset="0"/>
-                <a:cs typeface="Courier New" pitchFamily="49" charset="0"/>
-              </a:rPr>
-              <a:t>/html/    {File html}    root [file join . </a:t>
-            </a:r>
-            <a:r>
-              <a:rPr lang="en-US" sz="1000" b="1" dirty="0" err="1" smtClean="0">
-                <a:latin typeface="Courier New" pitchFamily="49" charset="0"/>
-                <a:cs typeface="Courier New" pitchFamily="49" charset="0"/>
-              </a:rPr>
-              <a:t>docroot</a:t>
-            </a:r>
-            <a:r>
-              <a:rPr lang="en-US" sz="1000" b="1" dirty="0" smtClean="0">
-                <a:latin typeface="Courier New" pitchFamily="49" charset="0"/>
-                <a:cs typeface="Courier New" pitchFamily="49" charset="0"/>
-              </a:rPr>
-              <a:t> html]    expires tomorrow    </a:t>
-            </a:r>
-            <a:r>
-              <a:rPr lang="en-US" sz="1000" b="1" dirty="0" err="1" smtClean="0">
-                <a:latin typeface="Courier New" pitchFamily="49" charset="0"/>
-                <a:cs typeface="Courier New" pitchFamily="49" charset="0"/>
-              </a:rPr>
-              <a:t>nodir</a:t>
-            </a:r>
-            <a:r>
-              <a:rPr lang="en-US" sz="1000" b="1" dirty="0" smtClean="0">
-                <a:latin typeface="Courier New" pitchFamily="49" charset="0"/>
-                <a:cs typeface="Courier New" pitchFamily="49" charset="0"/>
-              </a:rPr>
-              <a:t> </a:t>
-            </a:r>
-            <a:r>
-              <a:rPr lang="en-US" sz="1000" b="1" dirty="0" smtClean="0">
-                <a:latin typeface="Courier New" pitchFamily="49" charset="0"/>
-                <a:cs typeface="Courier New" pitchFamily="49" charset="0"/>
-              </a:rPr>
-              <a:t>1</a:t>
-            </a:r>
-          </a:p>
-          <a:p>
-            <a:pPr>
-              <a:buNone/>
-            </a:pPr>
-            <a:r>
-              <a:rPr lang="en-US" sz="1000" b="1" dirty="0" smtClean="0">
-                <a:latin typeface="Courier New" pitchFamily="49" charset="0"/>
-                <a:cs typeface="Courier New" pitchFamily="49" charset="0"/>
-              </a:rPr>
-              <a:t>    domain /disk/ </a:t>
-            </a:r>
-            <a:r>
-              <a:rPr lang="en-US" sz="1000" b="1" dirty="0" smtClean="0">
-                <a:latin typeface="Courier New" pitchFamily="49" charset="0"/>
-                <a:cs typeface="Courier New" pitchFamily="49" charset="0"/>
-              </a:rPr>
-              <a:t>   {</a:t>
-            </a:r>
-            <a:r>
-              <a:rPr lang="en-US" sz="1000" b="1" dirty="0" smtClean="0">
-                <a:latin typeface="Courier New" pitchFamily="49" charset="0"/>
-                <a:cs typeface="Courier New" pitchFamily="49" charset="0"/>
-              </a:rPr>
-              <a:t>File disk} </a:t>
-            </a:r>
-            <a:r>
-              <a:rPr lang="en-US" sz="1000" b="1" dirty="0" smtClean="0">
-                <a:latin typeface="Courier New" pitchFamily="49" charset="0"/>
-                <a:cs typeface="Courier New" pitchFamily="49" charset="0"/>
-              </a:rPr>
-              <a:t>   root </a:t>
-            </a:r>
-            <a:r>
-              <a:rPr lang="en-US" sz="1000" b="1" dirty="0" smtClean="0">
-                <a:latin typeface="Courier New" pitchFamily="49" charset="0"/>
-                <a:cs typeface="Courier New" pitchFamily="49" charset="0"/>
-              </a:rPr>
-              <a:t>/ </a:t>
-            </a:r>
-            <a:r>
-              <a:rPr lang="en-US" sz="1000" b="1" dirty="0" smtClean="0">
-                <a:latin typeface="Courier New" pitchFamily="49" charset="0"/>
-                <a:cs typeface="Courier New" pitchFamily="49" charset="0"/>
-              </a:rPr>
-              <a:t>                            expires </a:t>
-            </a:r>
-            <a:r>
-              <a:rPr lang="en-US" sz="1000" b="1" dirty="0" smtClean="0">
-                <a:latin typeface="Courier New" pitchFamily="49" charset="0"/>
-                <a:cs typeface="Courier New" pitchFamily="49" charset="0"/>
-              </a:rPr>
-              <a:t>tomorrow</a:t>
-            </a:r>
-          </a:p>
-          <a:p>
-            <a:pPr>
-              <a:buNone/>
-            </a:pPr>
-            <a:endParaRPr lang="en-US" sz="1000" b="1" dirty="0" smtClean="0">
-              <a:latin typeface="Courier New" pitchFamily="49" charset="0"/>
-              <a:cs typeface="Courier New" pitchFamily="49" charset="0"/>
-            </a:endParaRPr>
-          </a:p>
-          <a:p>
-            <a:r>
-              <a:rPr lang="en-US" smtClean="0"/>
-              <a:t>Add Rewrite </a:t>
-            </a:r>
-            <a:r>
-              <a:rPr lang="en-US" smtClean="0"/>
-              <a:t>to ex.nub:</a:t>
-            </a:r>
-            <a:endParaRPr lang="en-US" dirty="0" smtClean="0"/>
-          </a:p>
-          <a:p>
-            <a:pPr>
-              <a:buNone/>
-            </a:pPr>
-            <a:r>
-              <a:rPr lang="en-US" sz="1000" dirty="0" smtClean="0">
-                <a:latin typeface="Courier New" pitchFamily="49" charset="0"/>
-                <a:cs typeface="Courier New" pitchFamily="49" charset="0"/>
-              </a:rPr>
-              <a:t>    </a:t>
-            </a:r>
-          </a:p>
-          <a:p>
-            <a:pPr>
-              <a:buNone/>
-            </a:pPr>
-            <a:r>
-              <a:rPr lang="en-US" sz="1000" dirty="0" smtClean="0">
-                <a:latin typeface="Courier New" pitchFamily="49" charset="0"/>
-                <a:cs typeface="Courier New" pitchFamily="49" charset="0"/>
-              </a:rPr>
-              <a:t> </a:t>
-            </a:r>
-            <a:r>
-              <a:rPr lang="en-US" sz="1000" dirty="0" smtClean="0">
-                <a:latin typeface="Courier New" pitchFamily="49" charset="0"/>
-                <a:cs typeface="Courier New" pitchFamily="49" charset="0"/>
-              </a:rPr>
-              <a:t>   rewrite </a:t>
-            </a:r>
-            <a:r>
-              <a:rPr lang="en-US" sz="1000" dirty="0" smtClean="0">
-                <a:latin typeface="Courier New" pitchFamily="49" charset="0"/>
-                <a:cs typeface="Courier New" pitchFamily="49" charset="0"/>
-              </a:rPr>
-              <a:t>{/[^/]+[.]html} {/html/[file tail [</a:t>
-            </a:r>
-            <a:r>
-              <a:rPr lang="en-US" sz="1000" dirty="0" err="1" smtClean="0">
-                <a:latin typeface="Courier New" pitchFamily="49" charset="0"/>
-                <a:cs typeface="Courier New" pitchFamily="49" charset="0"/>
-              </a:rPr>
-              <a:t>dict</a:t>
-            </a:r>
-            <a:r>
-              <a:rPr lang="en-US" sz="1000" dirty="0" smtClean="0">
-                <a:latin typeface="Courier New" pitchFamily="49" charset="0"/>
-                <a:cs typeface="Courier New" pitchFamily="49" charset="0"/>
-              </a:rPr>
-              <a:t> get $r -path</a:t>
-            </a:r>
-            <a:r>
-              <a:rPr lang="en-US" sz="1000" dirty="0" smtClean="0">
-                <a:latin typeface="Courier New" pitchFamily="49" charset="0"/>
-                <a:cs typeface="Courier New" pitchFamily="49" charset="0"/>
-              </a:rPr>
-              <a:t>]]}</a:t>
-            </a:r>
-          </a:p>
-          <a:p>
-            <a:pPr>
-              <a:buNone/>
-            </a:pPr>
-            <a:endParaRPr lang="en-US" sz="1000" dirty="0" smtClean="0">
+            <a:endParaRPr lang="en-US" sz="2000" b="1" dirty="0">
               <a:latin typeface="Courier New" pitchFamily="49" charset="0"/>
               <a:cs typeface="Courier New" pitchFamily="49" charset="0"/>
             </a:endParaRPr>
@@ -5824,7 +5779,7 @@
           <a:p>
             <a:r>
               <a:rPr lang="en-US" dirty="0" smtClean="0"/>
-              <a:t>Example 3: Mason domain</a:t>
+              <a:t>Example 2: the File domain</a:t>
             </a:r>
             <a:endParaRPr lang="en-US" dirty="0"/>
           </a:p>
@@ -5842,13 +5797,758 @@
         </p:nvSpPr>
         <p:spPr/>
         <p:txBody>
-          <a:bodyPr/>
-          <a:lstStyle/>
-          <a:p>
+          <a:bodyPr>
+            <a:normAutofit/>
+          </a:bodyPr>
+          <a:lstStyle/>
+          <a:p>
+            <a:r>
+              <a:rPr lang="en-US" dirty="0" smtClean="0"/>
+              <a:t>Making </a:t>
+            </a:r>
+            <a:r>
+              <a:rPr lang="en-US" dirty="0" smtClean="0"/>
+              <a:t>File </a:t>
+            </a:r>
+            <a:r>
+              <a:rPr lang="en-US" dirty="0" smtClean="0"/>
+              <a:t>domains </a:t>
+            </a:r>
+            <a:r>
+              <a:rPr lang="en-US" dirty="0" smtClean="0"/>
+              <a:t>explicit in </a:t>
+            </a:r>
+            <a:r>
+              <a:rPr lang="en-US" dirty="0" smtClean="0"/>
+              <a:t>ex.nub:</a:t>
+            </a:r>
+          </a:p>
+          <a:p>
+            <a:pPr>
+              <a:buNone/>
+            </a:pPr>
+            <a:endParaRPr lang="en-US" sz="1000" b="1" dirty="0" smtClean="0">
+              <a:latin typeface="Courier New" pitchFamily="49" charset="0"/>
+              <a:cs typeface="Courier New" pitchFamily="49" charset="0"/>
+            </a:endParaRPr>
+          </a:p>
+          <a:p>
+            <a:pPr>
+              <a:buNone/>
+            </a:pPr>
+            <a:r>
+              <a:rPr lang="en-US" sz="1000" b="1" dirty="0" smtClean="0">
+                <a:latin typeface="Courier New" pitchFamily="49" charset="0"/>
+                <a:cs typeface="Courier New" pitchFamily="49" charset="0"/>
+              </a:rPr>
+              <a:t>    domain /</a:t>
+            </a:r>
+            <a:r>
+              <a:rPr lang="en-US" sz="1000" b="1" dirty="0" err="1" smtClean="0">
+                <a:latin typeface="Courier New" pitchFamily="49" charset="0"/>
+                <a:cs typeface="Courier New" pitchFamily="49" charset="0"/>
+              </a:rPr>
+              <a:t>css</a:t>
+            </a:r>
+            <a:r>
+              <a:rPr lang="en-US" sz="1000" b="1" dirty="0" smtClean="0">
+                <a:latin typeface="Courier New" pitchFamily="49" charset="0"/>
+                <a:cs typeface="Courier New" pitchFamily="49" charset="0"/>
+              </a:rPr>
+              <a:t>/     {File </a:t>
+            </a:r>
+            <a:r>
+              <a:rPr lang="en-US" sz="1000" b="1" dirty="0" err="1" smtClean="0">
+                <a:latin typeface="Courier New" pitchFamily="49" charset="0"/>
+                <a:cs typeface="Courier New" pitchFamily="49" charset="0"/>
+              </a:rPr>
+              <a:t>css</a:t>
+            </a:r>
+            <a:r>
+              <a:rPr lang="en-US" sz="1000" b="1" dirty="0" smtClean="0">
+                <a:latin typeface="Courier New" pitchFamily="49" charset="0"/>
+                <a:cs typeface="Courier New" pitchFamily="49" charset="0"/>
+              </a:rPr>
+              <a:t>}     root [file join . </a:t>
+            </a:r>
+            <a:r>
+              <a:rPr lang="en-US" sz="1000" b="1" dirty="0" err="1" smtClean="0">
+                <a:latin typeface="Courier New" pitchFamily="49" charset="0"/>
+                <a:cs typeface="Courier New" pitchFamily="49" charset="0"/>
+              </a:rPr>
+              <a:t>docroot</a:t>
+            </a:r>
+            <a:r>
+              <a:rPr lang="en-US" sz="1000" b="1" dirty="0" smtClean="0">
+                <a:latin typeface="Courier New" pitchFamily="49" charset="0"/>
+                <a:cs typeface="Courier New" pitchFamily="49" charset="0"/>
+              </a:rPr>
+              <a:t> </a:t>
+            </a:r>
+            <a:r>
+              <a:rPr lang="en-US" sz="1000" b="1" dirty="0" err="1" smtClean="0">
+                <a:latin typeface="Courier New" pitchFamily="49" charset="0"/>
+                <a:cs typeface="Courier New" pitchFamily="49" charset="0"/>
+              </a:rPr>
+              <a:t>css</a:t>
+            </a:r>
+            <a:r>
+              <a:rPr lang="en-US" sz="1000" b="1" dirty="0" smtClean="0">
+                <a:latin typeface="Courier New" pitchFamily="49" charset="0"/>
+                <a:cs typeface="Courier New" pitchFamily="49" charset="0"/>
+              </a:rPr>
+              <a:t>]     expires tomorrow    </a:t>
+            </a:r>
+            <a:r>
+              <a:rPr lang="en-US" sz="1000" b="1" dirty="0" err="1" smtClean="0">
+                <a:latin typeface="Courier New" pitchFamily="49" charset="0"/>
+                <a:cs typeface="Courier New" pitchFamily="49" charset="0"/>
+              </a:rPr>
+              <a:t>nodir</a:t>
+            </a:r>
+            <a:r>
+              <a:rPr lang="en-US" sz="1000" b="1" dirty="0" smtClean="0">
+                <a:latin typeface="Courier New" pitchFamily="49" charset="0"/>
+                <a:cs typeface="Courier New" pitchFamily="49" charset="0"/>
+              </a:rPr>
+              <a:t> 1</a:t>
+            </a:r>
+          </a:p>
+          <a:p>
+            <a:pPr>
+              <a:buNone/>
+            </a:pPr>
+            <a:r>
+              <a:rPr lang="en-US" sz="1000" b="1" dirty="0" smtClean="0">
+                <a:latin typeface="Courier New" pitchFamily="49" charset="0"/>
+                <a:cs typeface="Courier New" pitchFamily="49" charset="0"/>
+              </a:rPr>
+              <a:t>    domain /images/  {File images}  root [file join . </a:t>
+            </a:r>
+            <a:r>
+              <a:rPr lang="en-US" sz="1000" b="1" dirty="0" err="1" smtClean="0">
+                <a:latin typeface="Courier New" pitchFamily="49" charset="0"/>
+                <a:cs typeface="Courier New" pitchFamily="49" charset="0"/>
+              </a:rPr>
+              <a:t>docroot</a:t>
+            </a:r>
+            <a:r>
+              <a:rPr lang="en-US" sz="1000" b="1" dirty="0" smtClean="0">
+                <a:latin typeface="Courier New" pitchFamily="49" charset="0"/>
+                <a:cs typeface="Courier New" pitchFamily="49" charset="0"/>
+              </a:rPr>
+              <a:t> images]  expires "next week" </a:t>
+            </a:r>
+            <a:r>
+              <a:rPr lang="en-US" sz="1000" b="1" dirty="0" err="1" smtClean="0">
+                <a:latin typeface="Courier New" pitchFamily="49" charset="0"/>
+                <a:cs typeface="Courier New" pitchFamily="49" charset="0"/>
+              </a:rPr>
+              <a:t>nodir</a:t>
+            </a:r>
+            <a:r>
+              <a:rPr lang="en-US" sz="1000" b="1" dirty="0" smtClean="0">
+                <a:latin typeface="Courier New" pitchFamily="49" charset="0"/>
+                <a:cs typeface="Courier New" pitchFamily="49" charset="0"/>
+              </a:rPr>
+              <a:t> 1</a:t>
+            </a:r>
+          </a:p>
+          <a:p>
+            <a:pPr>
+              <a:buNone/>
+            </a:pPr>
+            <a:r>
+              <a:rPr lang="en-US" sz="1000" b="1" dirty="0" smtClean="0">
+                <a:latin typeface="Courier New" pitchFamily="49" charset="0"/>
+                <a:cs typeface="Courier New" pitchFamily="49" charset="0"/>
+              </a:rPr>
+              <a:t>    domain /scripts/ {File scripts} root [file join . </a:t>
+            </a:r>
+            <a:r>
+              <a:rPr lang="en-US" sz="1000" b="1" dirty="0" err="1" smtClean="0">
+                <a:latin typeface="Courier New" pitchFamily="49" charset="0"/>
+                <a:cs typeface="Courier New" pitchFamily="49" charset="0"/>
+              </a:rPr>
+              <a:t>docroot</a:t>
+            </a:r>
+            <a:r>
+              <a:rPr lang="en-US" sz="1000" b="1" dirty="0" smtClean="0">
+                <a:latin typeface="Courier New" pitchFamily="49" charset="0"/>
+                <a:cs typeface="Courier New" pitchFamily="49" charset="0"/>
+              </a:rPr>
+              <a:t> scripts] expires tomorrow    </a:t>
+            </a:r>
+            <a:r>
+              <a:rPr lang="en-US" sz="1000" b="1" dirty="0" err="1" smtClean="0">
+                <a:latin typeface="Courier New" pitchFamily="49" charset="0"/>
+                <a:cs typeface="Courier New" pitchFamily="49" charset="0"/>
+              </a:rPr>
+              <a:t>nodir</a:t>
+            </a:r>
+            <a:r>
+              <a:rPr lang="en-US" sz="1000" b="1" dirty="0" smtClean="0">
+                <a:latin typeface="Courier New" pitchFamily="49" charset="0"/>
+                <a:cs typeface="Courier New" pitchFamily="49" charset="0"/>
+              </a:rPr>
+              <a:t> </a:t>
+            </a:r>
+            <a:r>
+              <a:rPr lang="en-US" sz="1000" b="1" dirty="0" smtClean="0">
+                <a:latin typeface="Courier New" pitchFamily="49" charset="0"/>
+                <a:cs typeface="Courier New" pitchFamily="49" charset="0"/>
+              </a:rPr>
+              <a:t>1</a:t>
+            </a:r>
+            <a:endParaRPr lang="en-US" sz="1000" b="1" dirty="0" smtClean="0">
+              <a:latin typeface="Courier New" pitchFamily="49" charset="0"/>
+              <a:cs typeface="Courier New" pitchFamily="49" charset="0"/>
+            </a:endParaRPr>
+          </a:p>
+          <a:p>
+            <a:pPr>
+              <a:buNone/>
+            </a:pPr>
+            <a:r>
+              <a:rPr lang="en-US" sz="1000" b="1" dirty="0" smtClean="0">
+                <a:latin typeface="Courier New" pitchFamily="49" charset="0"/>
+                <a:cs typeface="Courier New" pitchFamily="49" charset="0"/>
+              </a:rPr>
+              <a:t>    domain /html/    {File html}    root [file join . </a:t>
+            </a:r>
+            <a:r>
+              <a:rPr lang="en-US" sz="1000" b="1" dirty="0" err="1" smtClean="0">
+                <a:latin typeface="Courier New" pitchFamily="49" charset="0"/>
+                <a:cs typeface="Courier New" pitchFamily="49" charset="0"/>
+              </a:rPr>
+              <a:t>docroot</a:t>
+            </a:r>
+            <a:r>
+              <a:rPr lang="en-US" sz="1000" b="1" dirty="0" smtClean="0">
+                <a:latin typeface="Courier New" pitchFamily="49" charset="0"/>
+                <a:cs typeface="Courier New" pitchFamily="49" charset="0"/>
+              </a:rPr>
+              <a:t> html]    expires tomorrow    </a:t>
+            </a:r>
+            <a:r>
+              <a:rPr lang="en-US" sz="1000" b="1" dirty="0" err="1" smtClean="0">
+                <a:latin typeface="Courier New" pitchFamily="49" charset="0"/>
+                <a:cs typeface="Courier New" pitchFamily="49" charset="0"/>
+              </a:rPr>
+              <a:t>nodir</a:t>
+            </a:r>
+            <a:r>
+              <a:rPr lang="en-US" sz="1000" b="1" dirty="0" smtClean="0">
+                <a:latin typeface="Courier New" pitchFamily="49" charset="0"/>
+                <a:cs typeface="Courier New" pitchFamily="49" charset="0"/>
+              </a:rPr>
+              <a:t> </a:t>
+            </a:r>
+            <a:r>
+              <a:rPr lang="en-US" sz="1000" b="1" dirty="0" smtClean="0">
+                <a:latin typeface="Courier New" pitchFamily="49" charset="0"/>
+                <a:cs typeface="Courier New" pitchFamily="49" charset="0"/>
+              </a:rPr>
+              <a:t>1</a:t>
+            </a:r>
+            <a:endParaRPr lang="en-US" sz="1000" b="1" dirty="0" smtClean="0">
+              <a:latin typeface="Courier New" pitchFamily="49" charset="0"/>
+              <a:cs typeface="Courier New" pitchFamily="49" charset="0"/>
+            </a:endParaRPr>
+          </a:p>
+          <a:p>
+            <a:pPr>
+              <a:buNone/>
+            </a:pPr>
+            <a:endParaRPr lang="en-US" sz="1000" b="1" dirty="0" smtClean="0">
+              <a:latin typeface="Courier New" pitchFamily="49" charset="0"/>
+              <a:cs typeface="Courier New" pitchFamily="49" charset="0"/>
+            </a:endParaRPr>
+          </a:p>
+          <a:p>
+            <a:r>
+              <a:rPr lang="en-US" dirty="0" smtClean="0"/>
+              <a:t>Add new File domain:</a:t>
+            </a:r>
+          </a:p>
+          <a:p>
+            <a:pPr>
+              <a:buNone/>
+            </a:pPr>
+            <a:endParaRPr lang="en-US" sz="1000" b="1" dirty="0" smtClean="0">
+              <a:latin typeface="Courier New" pitchFamily="49" charset="0"/>
+              <a:cs typeface="Courier New" pitchFamily="49" charset="0"/>
+            </a:endParaRPr>
+          </a:p>
+          <a:p>
+            <a:pPr>
+              <a:buNone/>
+            </a:pPr>
+            <a:r>
+              <a:rPr lang="en-US" sz="1000" b="1" dirty="0" smtClean="0">
+                <a:latin typeface="Courier New" pitchFamily="49" charset="0"/>
+                <a:cs typeface="Courier New" pitchFamily="49" charset="0"/>
+              </a:rPr>
+              <a:t>    domain </a:t>
+            </a:r>
+            <a:r>
+              <a:rPr lang="en-US" sz="1000" b="1" dirty="0" smtClean="0">
+                <a:latin typeface="Courier New" pitchFamily="49" charset="0"/>
+                <a:cs typeface="Courier New" pitchFamily="49" charset="0"/>
+              </a:rPr>
+              <a:t>/disk/    {File disk}    root /                             expires </a:t>
+            </a:r>
+            <a:r>
+              <a:rPr lang="en-US" sz="1000" b="1" dirty="0" smtClean="0">
+                <a:latin typeface="Courier New" pitchFamily="49" charset="0"/>
+                <a:cs typeface="Courier New" pitchFamily="49" charset="0"/>
+              </a:rPr>
+              <a:t>tomorrow</a:t>
+            </a:r>
+          </a:p>
+          <a:p>
+            <a:pPr>
+              <a:buNone/>
+            </a:pPr>
+            <a:endParaRPr lang="en-US" sz="1000" dirty="0" smtClean="0"/>
+          </a:p>
+          <a:p>
+            <a:r>
+              <a:rPr lang="en-US" dirty="0" smtClean="0"/>
+              <a:t>Add </a:t>
+            </a:r>
+            <a:r>
+              <a:rPr lang="en-US" dirty="0" smtClean="0"/>
+              <a:t>Rewrite to ex.nub:</a:t>
+            </a:r>
+          </a:p>
+          <a:p>
+            <a:pPr>
+              <a:buNone/>
+            </a:pPr>
+            <a:r>
+              <a:rPr lang="en-US" sz="1000" dirty="0" smtClean="0">
+                <a:latin typeface="Courier New" pitchFamily="49" charset="0"/>
+                <a:cs typeface="Courier New" pitchFamily="49" charset="0"/>
+              </a:rPr>
+              <a:t>    </a:t>
+            </a:r>
+          </a:p>
+          <a:p>
+            <a:pPr>
+              <a:buNone/>
+            </a:pPr>
+            <a:r>
+              <a:rPr lang="en-US" sz="1000" dirty="0" smtClean="0">
+                <a:latin typeface="Courier New" pitchFamily="49" charset="0"/>
+                <a:cs typeface="Courier New" pitchFamily="49" charset="0"/>
+              </a:rPr>
+              <a:t>    rewrite {/[^/]+[.]html} {/html/[file tail [</a:t>
+            </a:r>
+            <a:r>
+              <a:rPr lang="en-US" sz="1000" dirty="0" err="1" smtClean="0">
+                <a:latin typeface="Courier New" pitchFamily="49" charset="0"/>
+                <a:cs typeface="Courier New" pitchFamily="49" charset="0"/>
+              </a:rPr>
+              <a:t>dict</a:t>
+            </a:r>
+            <a:r>
+              <a:rPr lang="en-US" sz="1000" dirty="0" smtClean="0">
+                <a:latin typeface="Courier New" pitchFamily="49" charset="0"/>
+                <a:cs typeface="Courier New" pitchFamily="49" charset="0"/>
+              </a:rPr>
+              <a:t> get $r -path]]}</a:t>
+            </a:r>
+          </a:p>
+          <a:p>
+            <a:pPr>
+              <a:buNone/>
+            </a:pPr>
+            <a:endParaRPr lang="en-US" sz="1000" dirty="0" smtClean="0">
+              <a:latin typeface="Courier New" pitchFamily="49" charset="0"/>
+              <a:cs typeface="Courier New" pitchFamily="49" charset="0"/>
+            </a:endParaRPr>
+          </a:p>
+        </p:txBody>
+      </p:sp>
+    </p:spTree>
+  </p:cSld>
+  <p:clrMapOvr>
+    <a:masterClrMapping/>
+  </p:clrMapOvr>
+  <p:timing>
+    <p:tnLst>
+      <p:par>
+        <p:cTn id="1" dur="indefinite" restart="never" nodeType="tmRoot"/>
+      </p:par>
+    </p:tnLst>
+  </p:timing>
+</p:sld>
+</file>
+
+<file path=ppt/slides/slide14.xml><?xml version="1.0" encoding="utf-8"?>
+<p:sld xmlns:a="http://schemas.openxmlformats.org/drawingml/2006/main" xmlns:r="http://schemas.openxmlformats.org/officeDocument/2006/relationships" xmlns:p="http://schemas.openxmlformats.org/presentationml/2006/main">
+  <p:cSld>
+    <p:spTree>
+      <p:nvGrpSpPr>
+        <p:cNvPr id="1" name=""/>
+        <p:cNvGrpSpPr/>
+        <p:nvPr/>
+      </p:nvGrpSpPr>
+      <p:grpSpPr>
+        <a:xfrm>
+          <a:off x="0" y="0"/>
+          <a:ext cx="0" cy="0"/>
+          <a:chOff x="0" y="0"/>
+          <a:chExt cx="0" cy="0"/>
+        </a:xfrm>
+      </p:grpSpPr>
+      <p:sp>
+        <p:nvSpPr>
+          <p:cNvPr id="2" name="Title 1"/>
+          <p:cNvSpPr>
+            <a:spLocks noGrp="1"/>
+          </p:cNvSpPr>
+          <p:nvPr>
+            <p:ph type="title"/>
+          </p:nvPr>
+        </p:nvSpPr>
+        <p:spPr/>
+        <p:txBody>
+          <a:bodyPr>
+            <a:normAutofit/>
+          </a:bodyPr>
+          <a:lstStyle/>
+          <a:p>
+            <a:r>
+              <a:rPr lang="en-US" dirty="0" smtClean="0"/>
+              <a:t>Example 2: Nub domain syntax</a:t>
+            </a:r>
             <a:endParaRPr lang="en-US" dirty="0"/>
           </a:p>
         </p:txBody>
       </p:sp>
+      <p:sp>
+        <p:nvSpPr>
+          <p:cNvPr id="3" name="Content Placeholder 2"/>
+          <p:cNvSpPr>
+            <a:spLocks noGrp="1"/>
+          </p:cNvSpPr>
+          <p:nvPr>
+            <p:ph idx="1"/>
+          </p:nvPr>
+        </p:nvSpPr>
+        <p:spPr>
+          <a:xfrm>
+            <a:off x="647700" y="1600200"/>
+            <a:ext cx="7848600" cy="4525963"/>
+          </a:xfrm>
+        </p:spPr>
+        <p:txBody>
+          <a:bodyPr>
+            <a:normAutofit/>
+          </a:bodyPr>
+          <a:lstStyle/>
+          <a:p>
+            <a:pPr>
+              <a:buNone/>
+            </a:pPr>
+            <a:r>
+              <a:rPr lang="en-US" sz="2000" dirty="0" smtClean="0">
+                <a:latin typeface="Courier New" pitchFamily="49" charset="0"/>
+                <a:cs typeface="Courier New" pitchFamily="49" charset="0"/>
+              </a:rPr>
+              <a:t>d</a:t>
+            </a:r>
+            <a:r>
+              <a:rPr lang="en-US" sz="2000" dirty="0" smtClean="0">
+                <a:latin typeface="Courier New" pitchFamily="49" charset="0"/>
+                <a:cs typeface="Courier New" pitchFamily="49" charset="0"/>
+              </a:rPr>
+              <a:t>omain &lt;</a:t>
+            </a:r>
+            <a:r>
+              <a:rPr lang="en-US" sz="2000" dirty="0" err="1" smtClean="0">
+                <a:latin typeface="Courier New" pitchFamily="49" charset="0"/>
+                <a:cs typeface="Courier New" pitchFamily="49" charset="0"/>
+              </a:rPr>
+              <a:t>url</a:t>
+            </a:r>
+            <a:r>
+              <a:rPr lang="en-US" sz="2000" dirty="0" smtClean="0">
+                <a:latin typeface="Courier New" pitchFamily="49" charset="0"/>
+                <a:cs typeface="Courier New" pitchFamily="49" charset="0"/>
+              </a:rPr>
+              <a:t>&gt; &lt;list of </a:t>
+            </a:r>
+            <a:r>
+              <a:rPr lang="en-US" sz="2000" dirty="0" err="1" smtClean="0">
+                <a:latin typeface="Courier New" pitchFamily="49" charset="0"/>
+                <a:cs typeface="Courier New" pitchFamily="49" charset="0"/>
+              </a:rPr>
+              <a:t>domain_name</a:t>
+            </a:r>
+            <a:r>
+              <a:rPr lang="en-US" sz="2000" dirty="0" smtClean="0">
+                <a:latin typeface="Courier New" pitchFamily="49" charset="0"/>
+                <a:cs typeface="Courier New" pitchFamily="49" charset="0"/>
+              </a:rPr>
+              <a:t> and name&gt; &lt;</a:t>
+            </a:r>
+            <a:r>
+              <a:rPr lang="en-US" sz="2000" dirty="0" err="1" smtClean="0">
+                <a:latin typeface="Courier New" pitchFamily="49" charset="0"/>
+                <a:cs typeface="Courier New" pitchFamily="49" charset="0"/>
+              </a:rPr>
+              <a:t>args</a:t>
+            </a:r>
+            <a:r>
+              <a:rPr lang="en-US" sz="2000" dirty="0" smtClean="0">
+                <a:latin typeface="Courier New" pitchFamily="49" charset="0"/>
+                <a:cs typeface="Courier New" pitchFamily="49" charset="0"/>
+              </a:rPr>
+              <a:t>&gt;</a:t>
+            </a:r>
+          </a:p>
+          <a:p>
+            <a:pPr>
+              <a:buNone/>
+            </a:pPr>
+            <a:endParaRPr lang="en-US" sz="2400" dirty="0" smtClean="0">
+              <a:latin typeface="Courier New" pitchFamily="49" charset="0"/>
+              <a:cs typeface="Courier New" pitchFamily="49" charset="0"/>
+            </a:endParaRPr>
+          </a:p>
+        </p:txBody>
+      </p:sp>
+      <p:graphicFrame>
+        <p:nvGraphicFramePr>
+          <p:cNvPr id="4" name="Table 3"/>
+          <p:cNvGraphicFramePr>
+            <a:graphicFrameLocks noGrp="1"/>
+          </p:cNvGraphicFramePr>
+          <p:nvPr/>
+        </p:nvGraphicFramePr>
+        <p:xfrm>
+          <a:off x="1524000" y="2514600"/>
+          <a:ext cx="6096000" cy="2392680"/>
+        </p:xfrm>
+        <a:graphic>
+          <a:graphicData uri="http://schemas.openxmlformats.org/drawingml/2006/table">
+            <a:tbl>
+              <a:tblPr firstRow="1" bandRow="1">
+                <a:tableStyleId>{5C22544A-7EE6-4342-B048-85BDC9FD1C3A}</a:tableStyleId>
+              </a:tblPr>
+              <a:tblGrid>
+                <a:gridCol w="1981200"/>
+                <a:gridCol w="4114800"/>
+              </a:tblGrid>
+              <a:tr h="370840">
+                <a:tc>
+                  <a:txBody>
+                    <a:bodyPr/>
+                    <a:lstStyle/>
+                    <a:p>
+                      <a:r>
+                        <a:rPr lang="en-US" dirty="0" smtClean="0">
+                          <a:latin typeface="Courier New" pitchFamily="49" charset="0"/>
+                          <a:cs typeface="Courier New" pitchFamily="49" charset="0"/>
+                        </a:rPr>
+                        <a:t>Argument</a:t>
+                      </a:r>
+                      <a:endParaRPr lang="en-US" dirty="0">
+                        <a:latin typeface="Courier New" pitchFamily="49" charset="0"/>
+                        <a:cs typeface="Courier New" pitchFamily="49" charset="0"/>
+                      </a:endParaRPr>
+                    </a:p>
+                  </a:txBody>
+                  <a:tcPr/>
+                </a:tc>
+                <a:tc>
+                  <a:txBody>
+                    <a:bodyPr/>
+                    <a:lstStyle/>
+                    <a:p>
+                      <a:r>
+                        <a:rPr lang="en-US" dirty="0" smtClean="0"/>
+                        <a:t>Description</a:t>
+                      </a:r>
+                      <a:endParaRPr lang="en-US" dirty="0"/>
+                    </a:p>
+                  </a:txBody>
+                  <a:tcPr/>
+                </a:tc>
+              </a:tr>
+              <a:tr h="370840">
+                <a:tc>
+                  <a:txBody>
+                    <a:bodyPr/>
+                    <a:lstStyle/>
+                    <a:p>
+                      <a:r>
+                        <a:rPr lang="en-US" dirty="0" err="1" smtClean="0">
+                          <a:latin typeface="Courier New" pitchFamily="49" charset="0"/>
+                          <a:cs typeface="Courier New" pitchFamily="49" charset="0"/>
+                        </a:rPr>
+                        <a:t>url</a:t>
+                      </a:r>
+                      <a:endParaRPr lang="en-US" dirty="0">
+                        <a:latin typeface="Courier New" pitchFamily="49" charset="0"/>
+                        <a:cs typeface="Courier New" pitchFamily="49" charset="0"/>
+                      </a:endParaRPr>
+                    </a:p>
+                  </a:txBody>
+                  <a:tcPr/>
+                </a:tc>
+                <a:tc>
+                  <a:txBody>
+                    <a:bodyPr/>
+                    <a:lstStyle/>
+                    <a:p>
+                      <a:r>
+                        <a:rPr lang="en-US" dirty="0" err="1" smtClean="0">
+                          <a:cs typeface="Courier New" pitchFamily="49" charset="0"/>
+                        </a:rPr>
+                        <a:t>Url</a:t>
+                      </a:r>
+                      <a:r>
+                        <a:rPr lang="en-US" dirty="0" smtClean="0">
+                          <a:cs typeface="Courier New" pitchFamily="49" charset="0"/>
+                        </a:rPr>
+                        <a:t> to be processed with the specified domain</a:t>
+                      </a:r>
+                      <a:endParaRPr lang="en-US" dirty="0"/>
+                    </a:p>
+                  </a:txBody>
+                  <a:tcPr/>
+                </a:tc>
+              </a:tr>
+              <a:tr h="370840">
+                <a:tc>
+                  <a:txBody>
+                    <a:bodyPr/>
+                    <a:lstStyle/>
+                    <a:p>
+                      <a:r>
+                        <a:rPr lang="en-US" dirty="0" err="1" smtClean="0">
+                          <a:latin typeface="Courier New" pitchFamily="49" charset="0"/>
+                          <a:cs typeface="Courier New" pitchFamily="49" charset="0"/>
+                        </a:rPr>
+                        <a:t>domain_name</a:t>
+                      </a:r>
+                      <a:endParaRPr lang="en-US" dirty="0">
+                        <a:latin typeface="Courier New" pitchFamily="49" charset="0"/>
+                        <a:cs typeface="Courier New" pitchFamily="49" charset="0"/>
+                      </a:endParaRPr>
+                    </a:p>
+                  </a:txBody>
+                  <a:tcPr/>
+                </a:tc>
+                <a:tc>
+                  <a:txBody>
+                    <a:bodyPr/>
+                    <a:lstStyle/>
+                    <a:p>
+                      <a:r>
+                        <a:rPr lang="en-US" dirty="0" smtClean="0">
+                          <a:cs typeface="Courier New" pitchFamily="49" charset="0"/>
+                        </a:rPr>
+                        <a:t>name of domain to use (File, Mason, Direct,  </a:t>
+                      </a:r>
+                      <a:r>
+                        <a:rPr lang="en-US" dirty="0" err="1" smtClean="0">
+                          <a:cs typeface="Courier New" pitchFamily="49" charset="0"/>
+                        </a:rPr>
+                        <a:t>jQ</a:t>
+                      </a:r>
+                      <a:r>
+                        <a:rPr lang="en-US" dirty="0" smtClean="0">
+                          <a:cs typeface="Courier New" pitchFamily="49" charset="0"/>
+                        </a:rPr>
+                        <a:t>,  …) </a:t>
+                      </a:r>
+                      <a:endParaRPr lang="en-US" dirty="0"/>
+                    </a:p>
+                  </a:txBody>
+                  <a:tcPr/>
+                </a:tc>
+              </a:tr>
+              <a:tr h="370840">
+                <a:tc>
+                  <a:txBody>
+                    <a:bodyPr/>
+                    <a:lstStyle/>
+                    <a:p>
+                      <a:r>
+                        <a:rPr lang="en-US" dirty="0" smtClean="0">
+                          <a:latin typeface="Courier New" pitchFamily="49" charset="0"/>
+                          <a:cs typeface="Courier New" pitchFamily="49" charset="0"/>
+                        </a:rPr>
+                        <a:t>name</a:t>
+                      </a:r>
+                      <a:endParaRPr lang="en-US" dirty="0">
+                        <a:latin typeface="Courier New" pitchFamily="49" charset="0"/>
+                        <a:cs typeface="Courier New" pitchFamily="49" charset="0"/>
+                      </a:endParaRPr>
+                    </a:p>
+                  </a:txBody>
+                  <a:tcPr/>
+                </a:tc>
+                <a:tc>
+                  <a:txBody>
+                    <a:bodyPr/>
+                    <a:lstStyle/>
+                    <a:p>
+                      <a:r>
+                        <a:rPr lang="en-US" dirty="0" smtClean="0"/>
+                        <a:t>Name of this domain usage</a:t>
+                      </a:r>
+                      <a:endParaRPr lang="en-US" dirty="0"/>
+                    </a:p>
+                  </a:txBody>
+                  <a:tcPr/>
+                </a:tc>
+              </a:tr>
+              <a:tr h="370840">
+                <a:tc>
+                  <a:txBody>
+                    <a:bodyPr/>
+                    <a:lstStyle/>
+                    <a:p>
+                      <a:r>
+                        <a:rPr lang="en-US" dirty="0" err="1" smtClean="0">
+                          <a:latin typeface="Courier New" pitchFamily="49" charset="0"/>
+                          <a:cs typeface="Courier New" pitchFamily="49" charset="0"/>
+                        </a:rPr>
+                        <a:t>args</a:t>
+                      </a:r>
+                      <a:endParaRPr lang="en-US" dirty="0">
+                        <a:latin typeface="Courier New" pitchFamily="49" charset="0"/>
+                        <a:cs typeface="Courier New" pitchFamily="49" charset="0"/>
+                      </a:endParaRPr>
+                    </a:p>
+                  </a:txBody>
+                  <a:tcPr/>
+                </a:tc>
+                <a:tc>
+                  <a:txBody>
+                    <a:bodyPr/>
+                    <a:lstStyle/>
+                    <a:p>
+                      <a:r>
+                        <a:rPr lang="en-US" dirty="0" smtClean="0"/>
+                        <a:t>Domain specific arguments</a:t>
+                      </a:r>
+                      <a:endParaRPr lang="en-US" dirty="0"/>
+                    </a:p>
+                  </a:txBody>
+                  <a:tcPr/>
+                </a:tc>
+              </a:tr>
+            </a:tbl>
+          </a:graphicData>
+        </a:graphic>
+      </p:graphicFrame>
     </p:spTree>
   </p:cSld>
   <p:clrMapOvr>
@@ -5857,7 +6557,474 @@
 </p:sld>
 </file>
 
-<file path=ppt/slides/slide14.xml><?xml version="1.0" encoding="utf-8"?>
+<file path=ppt/slides/slide15.xml><?xml version="1.0" encoding="utf-8"?>
+<p:sld xmlns:a="http://schemas.openxmlformats.org/drawingml/2006/main" xmlns:r="http://schemas.openxmlformats.org/officeDocument/2006/relationships" xmlns:p="http://schemas.openxmlformats.org/presentationml/2006/main">
+  <p:cSld>
+    <p:spTree>
+      <p:nvGrpSpPr>
+        <p:cNvPr id="1" name=""/>
+        <p:cNvGrpSpPr/>
+        <p:nvPr/>
+      </p:nvGrpSpPr>
+      <p:grpSpPr>
+        <a:xfrm>
+          <a:off x="0" y="0"/>
+          <a:ext cx="0" cy="0"/>
+          <a:chOff x="0" y="0"/>
+          <a:chExt cx="0" cy="0"/>
+        </a:xfrm>
+      </p:grpSpPr>
+      <p:sp>
+        <p:nvSpPr>
+          <p:cNvPr id="2" name="Title 1"/>
+          <p:cNvSpPr>
+            <a:spLocks noGrp="1"/>
+          </p:cNvSpPr>
+          <p:nvPr>
+            <p:ph type="title"/>
+          </p:nvPr>
+        </p:nvSpPr>
+        <p:spPr/>
+        <p:txBody>
+          <a:bodyPr/>
+          <a:lstStyle/>
+          <a:p>
+            <a:r>
+              <a:rPr lang="en-US" dirty="0" smtClean="0"/>
+              <a:t>Example 2: File domain arguments</a:t>
+            </a:r>
+            <a:endParaRPr lang="en-US" dirty="0"/>
+          </a:p>
+        </p:txBody>
+      </p:sp>
+      <p:graphicFrame>
+        <p:nvGraphicFramePr>
+          <p:cNvPr id="4" name="Table 3"/>
+          <p:cNvGraphicFramePr>
+            <a:graphicFrameLocks noGrp="1"/>
+          </p:cNvGraphicFramePr>
+          <p:nvPr/>
+        </p:nvGraphicFramePr>
+        <p:xfrm>
+          <a:off x="609600" y="1676400"/>
+          <a:ext cx="7924800" cy="4748349"/>
+        </p:xfrm>
+        <a:graphic>
+          <a:graphicData uri="http://schemas.openxmlformats.org/drawingml/2006/table">
+            <a:tbl>
+              <a:tblPr firstRow="1" bandRow="1">
+                <a:tableStyleId>{5C22544A-7EE6-4342-B048-85BDC9FD1C3A}</a:tableStyleId>
+              </a:tblPr>
+              <a:tblGrid>
+                <a:gridCol w="2476500"/>
+                <a:gridCol w="5448300"/>
+              </a:tblGrid>
+              <a:tr h="424543">
+                <a:tc>
+                  <a:txBody>
+                    <a:bodyPr/>
+                    <a:lstStyle/>
+                    <a:p>
+                      <a:r>
+                        <a:rPr lang="en-US" dirty="0" smtClean="0"/>
+                        <a:t>Argument</a:t>
+                      </a:r>
+                      <a:r>
+                        <a:rPr lang="en-US" baseline="0" dirty="0" smtClean="0"/>
+                        <a:t> name</a:t>
+                      </a:r>
+                      <a:endParaRPr lang="en-US" dirty="0"/>
+                    </a:p>
+                  </a:txBody>
+                  <a:tcPr/>
+                </a:tc>
+                <a:tc>
+                  <a:txBody>
+                    <a:bodyPr/>
+                    <a:lstStyle/>
+                    <a:p>
+                      <a:r>
+                        <a:rPr lang="en-US" dirty="0" smtClean="0"/>
+                        <a:t>Description</a:t>
+                      </a:r>
+                      <a:endParaRPr lang="en-US" dirty="0"/>
+                    </a:p>
+                  </a:txBody>
+                  <a:tcPr/>
+                </a:tc>
+              </a:tr>
+              <a:tr h="424543">
+                <a:tc>
+                  <a:txBody>
+                    <a:bodyPr/>
+                    <a:lstStyle/>
+                    <a:p>
+                      <a:r>
+                        <a:rPr lang="en-US" dirty="0" smtClean="0">
+                          <a:latin typeface="Courier New" pitchFamily="49" charset="0"/>
+                          <a:cs typeface="Courier New" pitchFamily="49" charset="0"/>
+                        </a:rPr>
+                        <a:t>root</a:t>
+                      </a:r>
+                      <a:endParaRPr lang="en-US" dirty="0">
+                        <a:latin typeface="Courier New" pitchFamily="49" charset="0"/>
+                        <a:cs typeface="Courier New" pitchFamily="49" charset="0"/>
+                      </a:endParaRPr>
+                    </a:p>
+                  </a:txBody>
+                  <a:tcPr/>
+                </a:tc>
+                <a:tc>
+                  <a:txBody>
+                    <a:bodyPr/>
+                    <a:lstStyle/>
+                    <a:p>
+                      <a:r>
+                        <a:rPr lang="en-US" dirty="0" smtClean="0"/>
+                        <a:t>File-system root directory of File domain.</a:t>
+                      </a:r>
+                      <a:endParaRPr lang="en-US" dirty="0"/>
+                    </a:p>
+                  </a:txBody>
+                  <a:tcPr/>
+                </a:tc>
+              </a:tr>
+              <a:tr h="522514">
+                <a:tc>
+                  <a:txBody>
+                    <a:bodyPr/>
+                    <a:lstStyle/>
+                    <a:p>
+                      <a:r>
+                        <a:rPr lang="en-US" dirty="0" err="1" smtClean="0">
+                          <a:latin typeface="Courier New" pitchFamily="49" charset="0"/>
+                          <a:cs typeface="Courier New" pitchFamily="49" charset="0"/>
+                        </a:rPr>
+                        <a:t>indexfile</a:t>
+                      </a:r>
+                      <a:endParaRPr lang="en-US" dirty="0">
+                        <a:latin typeface="Courier New" pitchFamily="49" charset="0"/>
+                        <a:cs typeface="Courier New" pitchFamily="49" charset="0"/>
+                      </a:endParaRPr>
+                    </a:p>
+                  </a:txBody>
+                  <a:tcPr/>
+                </a:tc>
+                <a:tc>
+                  <a:txBody>
+                    <a:bodyPr/>
+                    <a:lstStyle/>
+                    <a:p>
+                      <a:r>
+                        <a:rPr lang="en-US" dirty="0" smtClean="0"/>
+                        <a:t>Name of the file which stands for a directory, such as </a:t>
+                      </a:r>
+                      <a:r>
+                        <a:rPr lang="en-US" dirty="0" smtClean="0">
+                          <a:latin typeface="Courier New" pitchFamily="49" charset="0"/>
+                          <a:cs typeface="Courier New" pitchFamily="49" charset="0"/>
+                        </a:rPr>
+                        <a:t>index.html</a:t>
+                      </a:r>
+                      <a:r>
+                        <a:rPr lang="en-US" dirty="0" smtClean="0">
+                          <a:latin typeface="+mn-lt"/>
+                          <a:cs typeface="Courier New" pitchFamily="49" charset="0"/>
+                        </a:rPr>
+                        <a:t>.</a:t>
+                      </a:r>
+                      <a:r>
+                        <a:rPr lang="en-US" baseline="0" dirty="0" smtClean="0">
+                          <a:latin typeface="+mn-lt"/>
+                          <a:cs typeface="Courier New" pitchFamily="49" charset="0"/>
+                        </a:rPr>
+                        <a:t> The contents of that file will be returned in stead of the directory listing.</a:t>
+                      </a:r>
+                      <a:endParaRPr lang="en-US" dirty="0">
+                        <a:latin typeface="Courier New" pitchFamily="49" charset="0"/>
+                        <a:cs typeface="Courier New" pitchFamily="49" charset="0"/>
+                      </a:endParaRPr>
+                    </a:p>
+                  </a:txBody>
+                  <a:tcPr/>
+                </a:tc>
+              </a:tr>
+              <a:tr h="424543">
+                <a:tc>
+                  <a:txBody>
+                    <a:bodyPr/>
+                    <a:lstStyle/>
+                    <a:p>
+                      <a:r>
+                        <a:rPr lang="en-US" dirty="0" smtClean="0">
+                          <a:latin typeface="Courier New" pitchFamily="49" charset="0"/>
+                          <a:cs typeface="Courier New" pitchFamily="49" charset="0"/>
+                        </a:rPr>
+                        <a:t>hide</a:t>
+                      </a:r>
+                      <a:endParaRPr lang="en-US" dirty="0">
+                        <a:latin typeface="Courier New" pitchFamily="49" charset="0"/>
+                        <a:cs typeface="Courier New" pitchFamily="49" charset="0"/>
+                      </a:endParaRPr>
+                    </a:p>
+                  </a:txBody>
+                  <a:tcPr/>
+                </a:tc>
+                <a:tc>
+                  <a:txBody>
+                    <a:bodyPr/>
+                    <a:lstStyle/>
+                    <a:p>
+                      <a:r>
+                        <a:rPr lang="en-US" dirty="0" smtClean="0"/>
+                        <a:t>A regular expression to hide temp and other uninteresting files (default hides .* *~ and #*).</a:t>
+                      </a:r>
+                      <a:endParaRPr lang="en-US" dirty="0"/>
+                    </a:p>
+                  </a:txBody>
+                  <a:tcPr/>
+                </a:tc>
+              </a:tr>
+              <a:tr h="424543">
+                <a:tc>
+                  <a:txBody>
+                    <a:bodyPr/>
+                    <a:lstStyle/>
+                    <a:p>
+                      <a:r>
+                        <a:rPr lang="en-US" dirty="0" err="1" smtClean="0">
+                          <a:latin typeface="Courier New" pitchFamily="49" charset="0"/>
+                          <a:cs typeface="Courier New" pitchFamily="49" charset="0"/>
+                        </a:rPr>
+                        <a:t>redirdir</a:t>
+                      </a:r>
+                      <a:endParaRPr lang="en-US" dirty="0">
+                        <a:latin typeface="Courier New" pitchFamily="49" charset="0"/>
+                        <a:cs typeface="Courier New" pitchFamily="49" charset="0"/>
+                      </a:endParaRPr>
+                    </a:p>
+                  </a:txBody>
+                  <a:tcPr/>
+                </a:tc>
+                <a:tc>
+                  <a:txBody>
+                    <a:bodyPr/>
+                    <a:lstStyle/>
+                    <a:p>
+                      <a:r>
+                        <a:rPr lang="en-US" dirty="0" smtClean="0"/>
+                        <a:t>Should references to directories be required to have a trailing /?</a:t>
+                      </a:r>
+                      <a:endParaRPr lang="en-US" dirty="0"/>
+                    </a:p>
+                  </a:txBody>
+                  <a:tcPr/>
+                </a:tc>
+              </a:tr>
+              <a:tr h="424543">
+                <a:tc>
+                  <a:txBody>
+                    <a:bodyPr/>
+                    <a:lstStyle/>
+                    <a:p>
+                      <a:r>
+                        <a:rPr lang="en-US" dirty="0" smtClean="0">
+                          <a:latin typeface="Courier New" pitchFamily="49" charset="0"/>
+                          <a:cs typeface="Courier New" pitchFamily="49" charset="0"/>
+                        </a:rPr>
+                        <a:t>expires</a:t>
+                      </a:r>
+                      <a:endParaRPr lang="en-US" dirty="0">
+                        <a:latin typeface="Courier New" pitchFamily="49" charset="0"/>
+                        <a:cs typeface="Courier New" pitchFamily="49" charset="0"/>
+                      </a:endParaRPr>
+                    </a:p>
+                  </a:txBody>
+                  <a:tcPr/>
+                </a:tc>
+                <a:tc>
+                  <a:txBody>
+                    <a:bodyPr/>
+                    <a:lstStyle/>
+                    <a:p>
+                      <a:r>
+                        <a:rPr lang="en-US" dirty="0" smtClean="0"/>
+                        <a:t>A </a:t>
+                      </a:r>
+                      <a:r>
+                        <a:rPr lang="en-US" dirty="0" err="1" smtClean="0"/>
+                        <a:t>tcl</a:t>
+                      </a:r>
+                      <a:r>
+                        <a:rPr lang="en-US" dirty="0" smtClean="0"/>
+                        <a:t> clock expression indicating when contents expires.</a:t>
+                      </a:r>
+                      <a:endParaRPr lang="en-US" dirty="0"/>
+                    </a:p>
+                  </a:txBody>
+                  <a:tcPr/>
+                </a:tc>
+              </a:tr>
+              <a:tr h="424543">
+                <a:tc>
+                  <a:txBody>
+                    <a:bodyPr/>
+                    <a:lstStyle/>
+                    <a:p>
+                      <a:r>
+                        <a:rPr lang="en-US" dirty="0" err="1" smtClean="0">
+                          <a:latin typeface="Courier New" pitchFamily="49" charset="0"/>
+                          <a:cs typeface="Courier New" pitchFamily="49" charset="0"/>
+                        </a:rPr>
+                        <a:t>dateformat</a:t>
+                      </a:r>
+                      <a:endParaRPr lang="en-US" dirty="0">
+                        <a:latin typeface="Courier New" pitchFamily="49" charset="0"/>
+                        <a:cs typeface="Courier New" pitchFamily="49" charset="0"/>
+                      </a:endParaRPr>
+                    </a:p>
+                  </a:txBody>
+                  <a:tcPr/>
+                </a:tc>
+                <a:tc>
+                  <a:txBody>
+                    <a:bodyPr/>
+                    <a:lstStyle/>
+                    <a:p>
+                      <a:r>
+                        <a:rPr lang="en-US" dirty="0" smtClean="0"/>
+                        <a:t>A </a:t>
+                      </a:r>
+                      <a:r>
+                        <a:rPr lang="en-US" dirty="0" err="1" smtClean="0"/>
+                        <a:t>tcl</a:t>
+                      </a:r>
+                      <a:r>
+                        <a:rPr lang="en-US" dirty="0" smtClean="0"/>
+                        <a:t> clock format for displaying dates in directory listings.</a:t>
+                      </a:r>
+                      <a:endParaRPr lang="en-US" dirty="0"/>
+                    </a:p>
+                  </a:txBody>
+                  <a:tcPr/>
+                </a:tc>
+              </a:tr>
+              <a:tr h="424543">
+                <a:tc>
+                  <a:txBody>
+                    <a:bodyPr/>
+                    <a:lstStyle/>
+                    <a:p>
+                      <a:r>
+                        <a:rPr lang="en-US" dirty="0" err="1" smtClean="0">
+                          <a:latin typeface="Courier New" pitchFamily="49" charset="0"/>
+                          <a:cs typeface="Courier New" pitchFamily="49" charset="0"/>
+                        </a:rPr>
+                        <a:t>nodir</a:t>
+                      </a:r>
+                      <a:endParaRPr lang="en-US" dirty="0">
+                        <a:latin typeface="Courier New" pitchFamily="49" charset="0"/>
+                        <a:cs typeface="Courier New" pitchFamily="49" charset="0"/>
+                      </a:endParaRPr>
+                    </a:p>
+                  </a:txBody>
+                  <a:tcPr/>
+                </a:tc>
+                <a:tc>
+                  <a:txBody>
+                    <a:bodyPr/>
+                    <a:lstStyle/>
+                    <a:p>
+                      <a:r>
+                        <a:rPr lang="en-US" dirty="0" smtClean="0"/>
+                        <a:t>Don't allow the browsing of directories (default: 0 - browsing allowed).</a:t>
+                      </a:r>
+                      <a:endParaRPr lang="en-US" dirty="0"/>
+                    </a:p>
+                  </a:txBody>
+                  <a:tcPr/>
+                </a:tc>
+              </a:tr>
+            </a:tbl>
+          </a:graphicData>
+        </a:graphic>
+      </p:graphicFrame>
+    </p:spTree>
+  </p:cSld>
+  <p:clrMapOvr>
+    <a:masterClrMapping/>
+  </p:clrMapOvr>
+</p:sld>
+</file>
+
+<file path=ppt/slides/slide16.xml><?xml version="1.0" encoding="utf-8"?>
+<p:sld xmlns:a="http://schemas.openxmlformats.org/drawingml/2006/main" xmlns:r="http://schemas.openxmlformats.org/officeDocument/2006/relationships" xmlns:p="http://schemas.openxmlformats.org/presentationml/2006/main">
+  <p:cSld>
+    <p:spTree>
+      <p:nvGrpSpPr>
+        <p:cNvPr id="1" name=""/>
+        <p:cNvGrpSpPr/>
+        <p:nvPr/>
+      </p:nvGrpSpPr>
+      <p:grpSpPr>
+        <a:xfrm>
+          <a:off x="0" y="0"/>
+          <a:ext cx="0" cy="0"/>
+          <a:chOff x="0" y="0"/>
+          <a:chExt cx="0" cy="0"/>
+        </a:xfrm>
+      </p:grpSpPr>
+      <p:sp>
+        <p:nvSpPr>
+          <p:cNvPr id="2" name="Title 1"/>
+          <p:cNvSpPr>
+            <a:spLocks noGrp="1"/>
+          </p:cNvSpPr>
+          <p:nvPr>
+            <p:ph type="title"/>
+          </p:nvPr>
+        </p:nvSpPr>
+        <p:spPr/>
+        <p:txBody>
+          <a:bodyPr/>
+          <a:lstStyle/>
+          <a:p>
+            <a:r>
+              <a:rPr lang="en-US" dirty="0" smtClean="0"/>
+              <a:t>Example 3: Mason domain</a:t>
+            </a:r>
+            <a:endParaRPr lang="en-US" dirty="0"/>
+          </a:p>
+        </p:txBody>
+      </p:sp>
+      <p:sp>
+        <p:nvSpPr>
+          <p:cNvPr id="3" name="Content Placeholder 2"/>
+          <p:cNvSpPr>
+            <a:spLocks noGrp="1"/>
+          </p:cNvSpPr>
+          <p:nvPr>
+            <p:ph idx="1"/>
+          </p:nvPr>
+        </p:nvSpPr>
+        <p:spPr/>
+        <p:txBody>
+          <a:bodyPr/>
+          <a:lstStyle/>
+          <a:p>
+            <a:endParaRPr lang="en-US" dirty="0"/>
+          </a:p>
+        </p:txBody>
+      </p:sp>
+    </p:spTree>
+  </p:cSld>
+  <p:clrMapOvr>
+    <a:masterClrMapping/>
+  </p:clrMapOvr>
+</p:sld>
+</file>
+
+<file path=ppt/slides/slide17.xml><?xml version="1.0" encoding="utf-8"?>
 <p:sld xmlns:a="http://schemas.openxmlformats.org/drawingml/2006/main" xmlns:r="http://schemas.openxmlformats.org/officeDocument/2006/relationships" xmlns:p="http://schemas.openxmlformats.org/presentationml/2006/main">
   <p:cSld>
     <p:spTree>
@@ -6628,7 +7795,7 @@
           <a:p>
             <a:r>
               <a:rPr lang="en-US" dirty="0" smtClean="0"/>
-              <a:t>Tutorial goals</a:t>
+              <a:t>Documentation</a:t>
             </a:r>
             <a:endParaRPr lang="en-US" dirty="0"/>
           </a:p>
@@ -6650,38 +7817,69 @@
           <a:lstStyle/>
           <a:p>
             <a:r>
-              <a:rPr lang="en-US" dirty="0" smtClean="0"/>
-              <a:t>Overview different parts of </a:t>
-            </a:r>
-            <a:r>
               <a:rPr lang="en-US" dirty="0" err="1" smtClean="0"/>
+              <a:t>Wub’s</a:t>
+            </a:r>
+            <a:r>
+              <a:rPr lang="en-US" dirty="0" smtClean="0"/>
+              <a:t> wiki page:</a:t>
+            </a:r>
+          </a:p>
+          <a:p>
+            <a:pPr>
+              <a:buNone/>
+            </a:pPr>
+            <a:r>
+              <a:rPr lang="en-US" dirty="0" smtClean="0"/>
+              <a:t>    </a:t>
+            </a:r>
+            <a:r>
+              <a:rPr lang="en-US" dirty="0" smtClean="0">
+                <a:hlinkClick r:id="rId3"/>
+              </a:rPr>
+              <a:t>http://wiki.tcl.tk/15781</a:t>
+            </a:r>
+            <a:r>
+              <a:rPr lang="en-US" dirty="0" smtClean="0"/>
+              <a:t> </a:t>
+            </a:r>
+          </a:p>
+          <a:p>
+            <a:pPr>
+              <a:buNone/>
+            </a:pPr>
+            <a:endParaRPr lang="en-US" dirty="0" smtClean="0"/>
+          </a:p>
+          <a:p>
+            <a:r>
+              <a:rPr lang="en-US" smtClean="0"/>
               <a:t>Wub</a:t>
             </a:r>
-            <a:endParaRPr lang="en-US" dirty="0" smtClean="0"/>
-          </a:p>
-          <a:p>
-            <a:r>
-              <a:rPr lang="en-US" dirty="0" smtClean="0"/>
-              <a:t>Step-by-step introduction of File, Mason, Direct, Nub, Init and </a:t>
-            </a:r>
-            <a:r>
-              <a:rPr lang="en-US" dirty="0" err="1" smtClean="0"/>
-              <a:t>jQuery</a:t>
-            </a:r>
-            <a:r>
-              <a:rPr lang="en-US" dirty="0" smtClean="0"/>
-              <a:t> domains</a:t>
-            </a:r>
-          </a:p>
-          <a:p>
-            <a:r>
-              <a:rPr lang="en-US" dirty="0" err="1" smtClean="0"/>
-              <a:t>Wub</a:t>
-            </a:r>
-            <a:r>
-              <a:rPr lang="en-US" dirty="0" smtClean="0"/>
-              <a:t> API: utilities to generate HTML, cache, handle queries, convert response types</a:t>
-            </a:r>
+            <a:r>
+              <a:rPr lang="en-US" dirty="0" smtClean="0"/>
+              <a:t> documentation:</a:t>
+            </a:r>
+          </a:p>
+          <a:p>
+            <a:pPr>
+              <a:buNone/>
+            </a:pPr>
+            <a:r>
+              <a:rPr lang="en-US" dirty="0" smtClean="0"/>
+              <a:t>    </a:t>
+            </a:r>
+            <a:r>
+              <a:rPr lang="en-US" dirty="0" smtClean="0">
+                <a:hlinkClick r:id="rId4"/>
+              </a:rPr>
+              <a:t>http://wiki.tcl.tk/_wub/</a:t>
+            </a:r>
+            <a:r>
+              <a:rPr lang="en-US" dirty="0" smtClean="0"/>
+              <a:t> </a:t>
+            </a:r>
+          </a:p>
+          <a:p>
             <a:endParaRPr lang="en-US" dirty="0"/>
           </a:p>
         </p:txBody>
@@ -6734,12 +7932,8 @@
           <a:lstStyle/>
           <a:p>
             <a:r>
-              <a:rPr lang="en-US" dirty="0" err="1" smtClean="0"/>
-              <a:t>Wub’s</a:t>
-            </a:r>
-            <a:r>
-              <a:rPr lang="en-US" dirty="0" smtClean="0"/>
-              <a:t> architecture</a:t>
+              <a:rPr lang="en-US" dirty="0" smtClean="0"/>
+              <a:t>Tutorial goals</a:t>
             </a:r>
             <a:endParaRPr lang="en-US" dirty="0"/>
           </a:p>
@@ -6762,15 +7956,36 @@
           <a:p>
             <a:r>
               <a:rPr lang="en-US" dirty="0" smtClean="0"/>
-              <a:t>Put block diagram of </a:t>
+              <a:t>Overview different parts of </a:t>
             </a:r>
             <a:r>
               <a:rPr lang="en-US" dirty="0" err="1" smtClean="0"/>
               <a:t>Wub</a:t>
             </a:r>
-            <a:r>
-              <a:rPr lang="en-US" dirty="0" smtClean="0"/>
-              <a:t> here</a:t>
+            <a:endParaRPr lang="en-US" dirty="0" smtClean="0"/>
+          </a:p>
+          <a:p>
+            <a:r>
+              <a:rPr lang="en-US" dirty="0" smtClean="0"/>
+              <a:t>Step-by-step introduction of File, Mason, Direct, Nub, Init and </a:t>
+            </a:r>
+            <a:r>
+              <a:rPr lang="en-US" dirty="0" err="1" smtClean="0"/>
+              <a:t>jQuery</a:t>
+            </a:r>
+            <a:r>
+              <a:rPr lang="en-US" dirty="0" smtClean="0"/>
+              <a:t> domains</a:t>
+            </a:r>
+          </a:p>
+          <a:p>
+            <a:r>
+              <a:rPr lang="en-US" dirty="0" err="1" smtClean="0"/>
+              <a:t>Wub</a:t>
+            </a:r>
+            <a:r>
+              <a:rPr lang="en-US" dirty="0" smtClean="0"/>
+              <a:t> API: utilities to generate HTML, cache, handle queries, convert response types</a:t>
             </a:r>
             <a:endParaRPr lang="en-US" dirty="0"/>
           </a:p>
@@ -6829,157 +8044,38 @@
             </a:r>
             <a:r>
               <a:rPr lang="en-US" dirty="0" smtClean="0"/>
-              <a:t> dataflow</a:t>
+              <a:t> architecture</a:t>
             </a:r>
             <a:endParaRPr lang="en-US" dirty="0"/>
           </a:p>
         </p:txBody>
       </p:sp>
-      <p:sp>
-        <p:nvSpPr>
-          <p:cNvPr id="3" name="Content Placeholder 2"/>
-          <p:cNvSpPr>
-            <a:spLocks noGrp="1"/>
-          </p:cNvSpPr>
-          <p:nvPr>
-            <p:ph idx="1"/>
-          </p:nvPr>
-        </p:nvSpPr>
-        <p:spPr/>
-        <p:txBody>
-          <a:bodyPr>
-            <a:normAutofit lnSpcReduction="10000"/>
-          </a:bodyPr>
-          <a:lstStyle/>
-          <a:p>
-            <a:r>
-              <a:rPr lang="en-US" dirty="0" err="1" smtClean="0"/>
-              <a:t>Httpd</a:t>
-            </a:r>
-            <a:r>
-              <a:rPr lang="en-US" dirty="0" smtClean="0"/>
-              <a:t> module converts HTTP client request into </a:t>
-            </a:r>
-            <a:r>
-              <a:rPr lang="en-US" i="1" dirty="0" smtClean="0"/>
-              <a:t>request</a:t>
-            </a:r>
-            <a:r>
-              <a:rPr lang="en-US" dirty="0" smtClean="0"/>
-              <a:t> </a:t>
-            </a:r>
-            <a:r>
-              <a:rPr lang="en-US" dirty="0" err="1" smtClean="0"/>
-              <a:t>dicts</a:t>
-            </a:r>
-            <a:r>
-              <a:rPr lang="en-US" dirty="0" smtClean="0"/>
-              <a:t>.</a:t>
-            </a:r>
-          </a:p>
-          <a:p>
-            <a:r>
-              <a:rPr lang="en-US" dirty="0" smtClean="0"/>
-              <a:t>Caching and blocking based on </a:t>
-            </a:r>
-            <a:r>
-              <a:rPr lang="en-US" i="1" dirty="0" smtClean="0"/>
-              <a:t>request</a:t>
-            </a:r>
-            <a:r>
-              <a:rPr lang="en-US" dirty="0" smtClean="0"/>
-              <a:t> </a:t>
-            </a:r>
-            <a:r>
-              <a:rPr lang="en-US" dirty="0" err="1" smtClean="0"/>
-              <a:t>dict</a:t>
-            </a:r>
-            <a:endParaRPr lang="en-US" dirty="0" smtClean="0"/>
-          </a:p>
-          <a:p>
-            <a:r>
-              <a:rPr lang="en-US" i="1" dirty="0" smtClean="0"/>
-              <a:t>Request</a:t>
-            </a:r>
-            <a:r>
-              <a:rPr lang="en-US" dirty="0" smtClean="0"/>
-              <a:t> </a:t>
-            </a:r>
-            <a:r>
-              <a:rPr lang="en-US" dirty="0" err="1" smtClean="0"/>
-              <a:t>dicts</a:t>
-            </a:r>
-            <a:r>
-              <a:rPr lang="en-US" dirty="0" smtClean="0"/>
-              <a:t> are transformed into </a:t>
-            </a:r>
-            <a:r>
-              <a:rPr lang="en-US" i="1" dirty="0" smtClean="0"/>
-              <a:t>response</a:t>
-            </a:r>
-            <a:r>
-              <a:rPr lang="en-US" dirty="0" smtClean="0"/>
-              <a:t> </a:t>
-            </a:r>
-            <a:r>
-              <a:rPr lang="en-US" dirty="0" err="1" smtClean="0"/>
-              <a:t>dicts</a:t>
-            </a:r>
-            <a:r>
-              <a:rPr lang="en-US" dirty="0" smtClean="0"/>
-              <a:t>  by the web application using </a:t>
-            </a:r>
-            <a:r>
-              <a:rPr lang="en-US" dirty="0" err="1" smtClean="0"/>
-              <a:t>Wub</a:t>
-            </a:r>
-            <a:r>
-              <a:rPr lang="en-US" dirty="0" smtClean="0"/>
-              <a:t> utilities and domains.</a:t>
-            </a:r>
-          </a:p>
-          <a:p>
-            <a:r>
-              <a:rPr lang="en-US" i="1" dirty="0" smtClean="0"/>
-              <a:t>Response</a:t>
-            </a:r>
-            <a:r>
-              <a:rPr lang="en-US" dirty="0" smtClean="0"/>
-              <a:t> </a:t>
-            </a:r>
-            <a:r>
-              <a:rPr lang="en-US" dirty="0" err="1" smtClean="0"/>
-              <a:t>dicts</a:t>
-            </a:r>
-            <a:r>
-              <a:rPr lang="en-US" dirty="0" smtClean="0"/>
-              <a:t> are send back to the client by the </a:t>
-            </a:r>
-            <a:r>
-              <a:rPr lang="en-US" dirty="0" err="1" smtClean="0"/>
-              <a:t>Httpd</a:t>
-            </a:r>
-            <a:r>
-              <a:rPr lang="en-US" dirty="0" smtClean="0"/>
-              <a:t> module (protocol / non-protocol fields in </a:t>
-            </a:r>
-            <a:r>
-              <a:rPr lang="en-US" dirty="0" err="1" smtClean="0"/>
-              <a:t>dict</a:t>
-            </a:r>
-            <a:r>
-              <a:rPr lang="en-US" dirty="0" smtClean="0"/>
-              <a:t>)</a:t>
-            </a:r>
-          </a:p>
-          <a:p>
-            <a:pPr>
-              <a:buNone/>
-            </a:pPr>
-            <a:endParaRPr lang="en-US" dirty="0"/>
-          </a:p>
-        </p:txBody>
-      </p:sp>
+      <p:pic>
+        <p:nvPicPr>
+          <p:cNvPr id="16386" name="Picture 2" descr="http://wiki.tcl.tk/_repo/images/arch.png"/>
+          <p:cNvPicPr>
+            <a:picLocks noChangeAspect="1" noChangeArrowheads="1"/>
+          </p:cNvPicPr>
+          <p:nvPr/>
+        </p:nvPicPr>
+        <p:blipFill>
+          <a:blip r:embed="rId3"/>
+          <a:srcRect/>
+          <a:stretch>
+            <a:fillRect/>
+          </a:stretch>
+        </p:blipFill>
+        <p:spPr bwMode="auto">
+          <a:xfrm>
+            <a:off x="1562100" y="1295401"/>
+            <a:ext cx="6019800" cy="4985630"/>
+          </a:xfrm>
+          <a:prstGeom prst="rect">
+            <a:avLst/>
+          </a:prstGeom>
+          <a:noFill/>
+        </p:spPr>
+      </p:pic>
     </p:spTree>
   </p:cSld>
   <p:clrMapOvr>
@@ -7024,14 +8120,114 @@
         </p:nvSpPr>
         <p:spPr/>
         <p:txBody>
+          <a:bodyPr/>
+          <a:lstStyle/>
+          <a:p>
+            <a:r>
+              <a:rPr lang="en-US" dirty="0" err="1" smtClean="0"/>
+              <a:t>Wub’s</a:t>
+            </a:r>
+            <a:r>
+              <a:rPr lang="en-US" dirty="0" smtClean="0"/>
+              <a:t> dataflow</a:t>
+            </a:r>
+            <a:endParaRPr lang="en-US" dirty="0"/>
+          </a:p>
+        </p:txBody>
+      </p:sp>
+      <p:sp>
+        <p:nvSpPr>
+          <p:cNvPr id="3" name="Content Placeholder 2"/>
+          <p:cNvSpPr>
+            <a:spLocks noGrp="1"/>
+          </p:cNvSpPr>
+          <p:nvPr>
+            <p:ph idx="1"/>
+          </p:nvPr>
+        </p:nvSpPr>
+        <p:spPr/>
+        <p:txBody>
           <a:bodyPr>
-            <a:normAutofit/>
+            <a:normAutofit lnSpcReduction="10000"/>
           </a:bodyPr>
           <a:lstStyle/>
           <a:p>
             <a:r>
-              <a:rPr lang="en-US" dirty="0" smtClean="0"/>
-              <a:t>Example 1: </a:t>
+              <a:rPr lang="en-US" dirty="0" err="1" smtClean="0"/>
+              <a:t>Httpd</a:t>
+            </a:r>
+            <a:r>
+              <a:rPr lang="en-US" dirty="0" smtClean="0"/>
+              <a:t> module converts HTTP client request into </a:t>
+            </a:r>
+            <a:r>
+              <a:rPr lang="en-US" i="1" dirty="0" smtClean="0"/>
+              <a:t>request</a:t>
+            </a:r>
+            <a:r>
+              <a:rPr lang="en-US" dirty="0" smtClean="0"/>
+              <a:t> </a:t>
+            </a:r>
+            <a:r>
+              <a:rPr lang="en-US" dirty="0" err="1" smtClean="0"/>
+              <a:t>dicts</a:t>
+            </a:r>
+            <a:r>
+              <a:rPr lang="en-US" dirty="0" smtClean="0"/>
+              <a:t>.</a:t>
+            </a:r>
+          </a:p>
+          <a:p>
+            <a:r>
+              <a:rPr lang="en-US" dirty="0" smtClean="0"/>
+              <a:t>Caching and blocking based on </a:t>
+            </a:r>
+            <a:r>
+              <a:rPr lang="en-US" i="1" dirty="0" smtClean="0"/>
+              <a:t>request</a:t>
+            </a:r>
+            <a:r>
+              <a:rPr lang="en-US" dirty="0" smtClean="0"/>
+              <a:t> </a:t>
+            </a:r>
+            <a:r>
+              <a:rPr lang="en-US" dirty="0" err="1" smtClean="0"/>
+              <a:t>dict</a:t>
+            </a:r>
+            <a:endParaRPr lang="en-US" dirty="0" smtClean="0"/>
+          </a:p>
+          <a:p>
+            <a:r>
+              <a:rPr lang="en-US" i="1" dirty="0" smtClean="0"/>
+              <a:t>Request</a:t>
+            </a:r>
+            <a:r>
+              <a:rPr lang="en-US" dirty="0" smtClean="0"/>
+              <a:t> </a:t>
+            </a:r>
+            <a:r>
+              <a:rPr lang="en-US" dirty="0" err="1" smtClean="0"/>
+              <a:t>dicts</a:t>
+            </a:r>
+            <a:r>
+              <a:rPr lang="en-US" dirty="0" smtClean="0"/>
+              <a:t> are transformed into </a:t>
+            </a:r>
+            <a:r>
+              <a:rPr lang="en-US" i="1" dirty="0" smtClean="0"/>
+              <a:t>response</a:t>
+            </a:r>
+            <a:r>
+              <a:rPr lang="en-US" dirty="0" smtClean="0"/>
+              <a:t> </a:t>
+            </a:r>
+            <a:r>
+              <a:rPr lang="en-US" dirty="0" err="1" smtClean="0"/>
+              <a:t>dicts</a:t>
+            </a:r>
+            <a:r>
+              <a:rPr lang="en-US" dirty="0" smtClean="0"/>
+              <a:t>  by the web application using </a:t>
             </a:r>
             <a:r>
               <a:rPr lang="en-US" dirty="0" err="1" smtClean="0"/>
@@ -7039,112 +8235,42 @@
             </a:r>
             <a:r>
               <a:rPr lang="en-US" dirty="0" smtClean="0"/>
-              <a:t> out-of-the-box</a:t>
-            </a:r>
-            <a:endParaRPr lang="en-US" dirty="0"/>
-          </a:p>
-        </p:txBody>
-      </p:sp>
-      <p:sp>
-        <p:nvSpPr>
-          <p:cNvPr id="3" name="Content Placeholder 2"/>
-          <p:cNvSpPr>
-            <a:spLocks noGrp="1"/>
-          </p:cNvSpPr>
-          <p:nvPr>
-            <p:ph idx="1"/>
-          </p:nvPr>
-        </p:nvSpPr>
-        <p:spPr/>
-        <p:txBody>
-          <a:bodyPr>
-            <a:normAutofit/>
-          </a:bodyPr>
-          <a:lstStyle/>
-          <a:p>
-            <a:r>
-              <a:rPr lang="en-US" dirty="0" smtClean="0"/>
-              <a:t>Running the default setup, start the </a:t>
+              <a:t> utilities and domains.</a:t>
+            </a:r>
+          </a:p>
+          <a:p>
+            <a:r>
+              <a:rPr lang="en-US" i="1" dirty="0" smtClean="0"/>
+              <a:t>Response</a:t>
+            </a:r>
+            <a:r>
+              <a:rPr lang="en-US" dirty="0" smtClean="0"/>
+              <a:t> </a:t>
             </a:r>
             <a:r>
               <a:rPr lang="en-US" dirty="0" err="1" smtClean="0"/>
-              <a:t>webserver</a:t>
-            </a:r>
-            <a:r>
-              <a:rPr lang="en-US" dirty="0" smtClean="0"/>
-              <a:t> with these lines:</a:t>
-            </a:r>
-          </a:p>
-          <a:p>
-            <a:pPr>
-              <a:buNone/>
-            </a:pPr>
-            <a:endParaRPr lang="en-US" sz="2000" b="1" dirty="0" smtClean="0">
-              <a:latin typeface="Courier New" pitchFamily="49" charset="0"/>
-              <a:cs typeface="Courier New" pitchFamily="49" charset="0"/>
-            </a:endParaRPr>
-          </a:p>
-          <a:p>
-            <a:pPr>
-              <a:buNone/>
-            </a:pPr>
-            <a:r>
-              <a:rPr lang="en-US" sz="2000" b="1" dirty="0" smtClean="0">
-                <a:latin typeface="Courier New" pitchFamily="49" charset="0"/>
-                <a:cs typeface="Courier New" pitchFamily="49" charset="0"/>
-              </a:rPr>
-              <a:t>    package require Site</a:t>
-            </a:r>
-          </a:p>
-          <a:p>
-            <a:pPr>
-              <a:buNone/>
-            </a:pPr>
-            <a:r>
-              <a:rPr lang="en-US" sz="2000" b="1" dirty="0" smtClean="0">
-                <a:latin typeface="Courier New" pitchFamily="49" charset="0"/>
-                <a:cs typeface="Courier New" pitchFamily="49" charset="0"/>
-              </a:rPr>
-              <a:t>    Site start home .</a:t>
-            </a:r>
-          </a:p>
-          <a:p>
-            <a:pPr>
-              <a:buNone/>
-            </a:pPr>
-            <a:endParaRPr lang="en-US" sz="2000" b="1" dirty="0" smtClean="0">
-              <a:latin typeface="Courier New" pitchFamily="49" charset="0"/>
-              <a:cs typeface="Courier New" pitchFamily="49" charset="0"/>
-            </a:endParaRPr>
-          </a:p>
-          <a:p>
-            <a:r>
-              <a:rPr lang="en-US" dirty="0" smtClean="0"/>
-              <a:t>What’s being served?</a:t>
-            </a:r>
-          </a:p>
-          <a:p>
-            <a:pPr lvl="1"/>
-            <a:r>
-              <a:rPr lang="en-US" dirty="0" smtClean="0"/>
-              <a:t>Files from html, images, </a:t>
+              <a:t>dicts</a:t>
+            </a:r>
+            <a:r>
+              <a:rPr lang="en-US" dirty="0" smtClean="0"/>
+              <a:t> are send back to the client by the </a:t>
             </a:r>
             <a:r>
               <a:rPr lang="en-US" dirty="0" err="1" smtClean="0"/>
-              <a:t>css</a:t>
-            </a:r>
-            <a:r>
-              <a:rPr lang="en-US" dirty="0" smtClean="0"/>
-              <a:t> and scripts subdirectories of ./</a:t>
+              <a:t>Httpd</a:t>
+            </a:r>
+            <a:r>
+              <a:rPr lang="en-US" dirty="0" smtClean="0"/>
+              <a:t> module (protocol / non-protocol fields in </a:t>
             </a:r>
             <a:r>
               <a:rPr lang="en-US" dirty="0" err="1" smtClean="0"/>
-              <a:t>docroot</a:t>
-            </a:r>
-            <a:endParaRPr lang="en-US" dirty="0" smtClean="0"/>
-          </a:p>
-          <a:p>
-            <a:endParaRPr lang="en-US" dirty="0" smtClean="0"/>
+              <a:t>dict</a:t>
+            </a:r>
+            <a:r>
+              <a:rPr lang="en-US" dirty="0" smtClean="0"/>
+              <a:t>)</a:t>
+            </a:r>
           </a:p>
           <a:p>
             <a:pPr>

--- a/trunk/wubexamples/Lets_Wub.pptx
+++ b/trunk/wubexamples/Lets_Wub.pptx
@@ -5,7 +5,7 @@
     <p:sldMasterId id="2147483708" r:id="rId1"/>
   </p:sldMasterIdLst>
   <p:notesMasterIdLst>
-    <p:notesMasterId r:id="rId19"/>
+    <p:notesMasterId r:id="rId21"/>
   </p:notesMasterIdLst>
   <p:sldIdLst>
     <p:sldId id="256" r:id="rId2"/>
@@ -20,11 +20,13 @@
     <p:sldId id="264" r:id="rId11"/>
     <p:sldId id="270" r:id="rId12"/>
     <p:sldId id="265" r:id="rId13"/>
-    <p:sldId id="266" r:id="rId14"/>
-    <p:sldId id="272" r:id="rId15"/>
-    <p:sldId id="273" r:id="rId16"/>
-    <p:sldId id="267" r:id="rId17"/>
-    <p:sldId id="268" r:id="rId18"/>
+    <p:sldId id="275" r:id="rId14"/>
+    <p:sldId id="266" r:id="rId15"/>
+    <p:sldId id="272" r:id="rId16"/>
+    <p:sldId id="273" r:id="rId17"/>
+    <p:sldId id="274" r:id="rId18"/>
+    <p:sldId id="267" r:id="rId19"/>
+    <p:sldId id="268" r:id="rId20"/>
   </p:sldIdLst>
   <p:sldSz cx="9144000" cy="6858000" type="screen4x3"/>
   <p:notesSz cx="6858000" cy="9144000"/>
@@ -209,7 +211,7 @@
             <a:fld id="{4DF4E2B3-4403-4393-BB8B-AE854F842FFB}" type="datetimeFigureOut">
               <a:rPr lang="en-US" smtClean="0"/>
               <a:pPr/>
-              <a:t>4/15/2009</a:t>
+              <a:t>4/26/2009</a:t>
             </a:fld>
             <a:endParaRPr lang="en-US"/>
           </a:p>
@@ -1213,6 +1215,170 @@
 </p:notes>
 </file>
 
+<file path=ppt/notesSlides/notesSlide18.xml><?xml version="1.0" encoding="utf-8"?>
+<p:notes xmlns:a="http://schemas.openxmlformats.org/drawingml/2006/main" xmlns:r="http://schemas.openxmlformats.org/officeDocument/2006/relationships" xmlns:p="http://schemas.openxmlformats.org/presentationml/2006/main">
+  <p:cSld>
+    <p:spTree>
+      <p:nvGrpSpPr>
+        <p:cNvPr id="1" name=""/>
+        <p:cNvGrpSpPr/>
+        <p:nvPr/>
+      </p:nvGrpSpPr>
+      <p:grpSpPr>
+        <a:xfrm>
+          <a:off x="0" y="0"/>
+          <a:ext cx="0" cy="0"/>
+          <a:chOff x="0" y="0"/>
+          <a:chExt cx="0" cy="0"/>
+        </a:xfrm>
+      </p:grpSpPr>
+      <p:sp>
+        <p:nvSpPr>
+          <p:cNvPr id="2" name="Slide Image Placeholder 1"/>
+          <p:cNvSpPr>
+            <a:spLocks noGrp="1" noRot="1" noChangeAspect="1"/>
+          </p:cNvSpPr>
+          <p:nvPr>
+            <p:ph type="sldImg"/>
+          </p:nvPr>
+        </p:nvSpPr>
+        <p:spPr/>
+      </p:sp>
+      <p:sp>
+        <p:nvSpPr>
+          <p:cNvPr id="3" name="Notes Placeholder 2"/>
+          <p:cNvSpPr>
+            <a:spLocks noGrp="1"/>
+          </p:cNvSpPr>
+          <p:nvPr>
+            <p:ph type="body" idx="1"/>
+          </p:nvPr>
+        </p:nvSpPr>
+        <p:spPr/>
+        <p:txBody>
+          <a:bodyPr>
+            <a:normAutofit/>
+          </a:bodyPr>
+          <a:lstStyle/>
+          <a:p>
+            <a:endParaRPr lang="en-US"/>
+          </a:p>
+        </p:txBody>
+      </p:sp>
+      <p:sp>
+        <p:nvSpPr>
+          <p:cNvPr id="4" name="Slide Number Placeholder 3"/>
+          <p:cNvSpPr>
+            <a:spLocks noGrp="1"/>
+          </p:cNvSpPr>
+          <p:nvPr>
+            <p:ph type="sldNum" sz="quarter" idx="10"/>
+          </p:nvPr>
+        </p:nvSpPr>
+        <p:spPr/>
+        <p:txBody>
+          <a:bodyPr/>
+          <a:lstStyle/>
+          <a:p>
+            <a:fld id="{4EE576B6-BA25-48A5-995A-4330F3F4AAF4}" type="slidenum">
+              <a:rPr lang="en-US" smtClean="0"/>
+              <a:pPr/>
+              <a:t>18</a:t>
+            </a:fld>
+            <a:endParaRPr lang="en-US"/>
+          </a:p>
+        </p:txBody>
+      </p:sp>
+    </p:spTree>
+  </p:cSld>
+  <p:clrMapOvr>
+    <a:masterClrMapping/>
+  </p:clrMapOvr>
+</p:notes>
+</file>
+
+<file path=ppt/notesSlides/notesSlide19.xml><?xml version="1.0" encoding="utf-8"?>
+<p:notes xmlns:a="http://schemas.openxmlformats.org/drawingml/2006/main" xmlns:r="http://schemas.openxmlformats.org/officeDocument/2006/relationships" xmlns:p="http://schemas.openxmlformats.org/presentationml/2006/main">
+  <p:cSld>
+    <p:spTree>
+      <p:nvGrpSpPr>
+        <p:cNvPr id="1" name=""/>
+        <p:cNvGrpSpPr/>
+        <p:nvPr/>
+      </p:nvGrpSpPr>
+      <p:grpSpPr>
+        <a:xfrm>
+          <a:off x="0" y="0"/>
+          <a:ext cx="0" cy="0"/>
+          <a:chOff x="0" y="0"/>
+          <a:chExt cx="0" cy="0"/>
+        </a:xfrm>
+      </p:grpSpPr>
+      <p:sp>
+        <p:nvSpPr>
+          <p:cNvPr id="2" name="Slide Image Placeholder 1"/>
+          <p:cNvSpPr>
+            <a:spLocks noGrp="1" noRot="1" noChangeAspect="1"/>
+          </p:cNvSpPr>
+          <p:nvPr>
+            <p:ph type="sldImg"/>
+          </p:nvPr>
+        </p:nvSpPr>
+        <p:spPr/>
+      </p:sp>
+      <p:sp>
+        <p:nvSpPr>
+          <p:cNvPr id="3" name="Notes Placeholder 2"/>
+          <p:cNvSpPr>
+            <a:spLocks noGrp="1"/>
+          </p:cNvSpPr>
+          <p:nvPr>
+            <p:ph type="body" idx="1"/>
+          </p:nvPr>
+        </p:nvSpPr>
+        <p:spPr/>
+        <p:txBody>
+          <a:bodyPr>
+            <a:normAutofit/>
+          </a:bodyPr>
+          <a:lstStyle/>
+          <a:p>
+            <a:endParaRPr lang="en-US"/>
+          </a:p>
+        </p:txBody>
+      </p:sp>
+      <p:sp>
+        <p:nvSpPr>
+          <p:cNvPr id="4" name="Slide Number Placeholder 3"/>
+          <p:cNvSpPr>
+            <a:spLocks noGrp="1"/>
+          </p:cNvSpPr>
+          <p:nvPr>
+            <p:ph type="sldNum" sz="quarter" idx="10"/>
+          </p:nvPr>
+        </p:nvSpPr>
+        <p:spPr/>
+        <p:txBody>
+          <a:bodyPr/>
+          <a:lstStyle/>
+          <a:p>
+            <a:fld id="{4EE576B6-BA25-48A5-995A-4330F3F4AAF4}" type="slidenum">
+              <a:rPr lang="en-US" smtClean="0"/>
+              <a:pPr/>
+              <a:t>19</a:t>
+            </a:fld>
+            <a:endParaRPr lang="en-US"/>
+          </a:p>
+        </p:txBody>
+      </p:sp>
+    </p:spTree>
+  </p:cSld>
+  <p:clrMapOvr>
+    <a:masterClrMapping/>
+  </p:clrMapOvr>
+</p:notes>
+</file>
+
 <file path=ppt/notesSlides/notesSlide2.xml><?xml version="1.0" encoding="utf-8"?>
 <p:notes xmlns:a="http://schemas.openxmlformats.org/drawingml/2006/main" xmlns:r="http://schemas.openxmlformats.org/officeDocument/2006/relationships" xmlns:p="http://schemas.openxmlformats.org/presentationml/2006/main">
   <p:cSld>
@@ -2051,7 +2217,7 @@
             <a:fld id="{AD6CF7D0-54BE-4AFB-B0FC-FA5E364208B7}" type="datetimeFigureOut">
               <a:rPr lang="en-US" smtClean="0"/>
               <a:pPr/>
-              <a:t>4/15/2009</a:t>
+              <a:t>4/26/2009</a:t>
             </a:fld>
             <a:endParaRPr lang="en-US" dirty="0"/>
           </a:p>
@@ -2218,7 +2384,7 @@
             <a:fld id="{AD6CF7D0-54BE-4AFB-B0FC-FA5E364208B7}" type="datetimeFigureOut">
               <a:rPr lang="en-US" smtClean="0"/>
               <a:pPr/>
-              <a:t>4/15/2009</a:t>
+              <a:t>4/26/2009</a:t>
             </a:fld>
             <a:endParaRPr lang="en-US"/>
           </a:p>
@@ -2395,7 +2561,7 @@
             <a:fld id="{AD6CF7D0-54BE-4AFB-B0FC-FA5E364208B7}" type="datetimeFigureOut">
               <a:rPr lang="en-US" smtClean="0"/>
               <a:pPr/>
-              <a:t>4/15/2009</a:t>
+              <a:t>4/26/2009</a:t>
             </a:fld>
             <a:endParaRPr lang="en-US"/>
           </a:p>
@@ -2562,7 +2728,7 @@
             <a:fld id="{AD6CF7D0-54BE-4AFB-B0FC-FA5E364208B7}" type="datetimeFigureOut">
               <a:rPr lang="en-US" smtClean="0"/>
               <a:pPr/>
-              <a:t>4/15/2009</a:t>
+              <a:t>4/26/2009</a:t>
             </a:fld>
             <a:endParaRPr lang="en-US"/>
           </a:p>
@@ -2805,7 +2971,7 @@
             <a:fld id="{AD6CF7D0-54BE-4AFB-B0FC-FA5E364208B7}" type="datetimeFigureOut">
               <a:rPr lang="en-US" smtClean="0"/>
               <a:pPr/>
-              <a:t>4/15/2009</a:t>
+              <a:t>4/26/2009</a:t>
             </a:fld>
             <a:endParaRPr lang="en-US"/>
           </a:p>
@@ -3090,7 +3256,7 @@
             <a:fld id="{AD6CF7D0-54BE-4AFB-B0FC-FA5E364208B7}" type="datetimeFigureOut">
               <a:rPr lang="en-US" smtClean="0"/>
               <a:pPr/>
-              <a:t>4/15/2009</a:t>
+              <a:t>4/26/2009</a:t>
             </a:fld>
             <a:endParaRPr lang="en-US"/>
           </a:p>
@@ -3509,7 +3675,7 @@
             <a:fld id="{AD6CF7D0-54BE-4AFB-B0FC-FA5E364208B7}" type="datetimeFigureOut">
               <a:rPr lang="en-US" smtClean="0"/>
               <a:pPr/>
-              <a:t>4/15/2009</a:t>
+              <a:t>4/26/2009</a:t>
             </a:fld>
             <a:endParaRPr lang="en-US"/>
           </a:p>
@@ -3624,7 +3790,7 @@
             <a:fld id="{AD6CF7D0-54BE-4AFB-B0FC-FA5E364208B7}" type="datetimeFigureOut">
               <a:rPr lang="en-US" smtClean="0"/>
               <a:pPr/>
-              <a:t>4/15/2009</a:t>
+              <a:t>4/26/2009</a:t>
             </a:fld>
             <a:endParaRPr lang="en-US"/>
           </a:p>
@@ -3716,7 +3882,7 @@
             <a:fld id="{AD6CF7D0-54BE-4AFB-B0FC-FA5E364208B7}" type="datetimeFigureOut">
               <a:rPr lang="en-US" smtClean="0"/>
               <a:pPr/>
-              <a:t>4/15/2009</a:t>
+              <a:t>4/26/2009</a:t>
             </a:fld>
             <a:endParaRPr lang="en-US"/>
           </a:p>
@@ -3990,7 +4156,7 @@
             <a:fld id="{AD6CF7D0-54BE-4AFB-B0FC-FA5E364208B7}" type="datetimeFigureOut">
               <a:rPr lang="en-US" smtClean="0"/>
               <a:pPr/>
-              <a:t>4/15/2009</a:t>
+              <a:t>4/26/2009</a:t>
             </a:fld>
             <a:endParaRPr lang="en-US"/>
           </a:p>
@@ -4240,7 +4406,7 @@
             <a:fld id="{AD6CF7D0-54BE-4AFB-B0FC-FA5E364208B7}" type="datetimeFigureOut">
               <a:rPr lang="en-US" smtClean="0"/>
               <a:pPr/>
-              <a:t>4/15/2009</a:t>
+              <a:t>4/26/2009</a:t>
             </a:fld>
             <a:endParaRPr lang="en-US"/>
           </a:p>
@@ -4450,7 +4616,7 @@
             <a:fld id="{AD6CF7D0-54BE-4AFB-B0FC-FA5E364208B7}" type="datetimeFigureOut">
               <a:rPr lang="en-US" smtClean="0"/>
               <a:pPr/>
-              <a:t>4/15/2009</a:t>
+              <a:t>4/26/2009</a:t>
             </a:fld>
             <a:endParaRPr lang="en-US"/>
           </a:p>
@@ -5389,11 +5555,7 @@
                     <a:p>
                       <a:r>
                         <a:rPr lang="en-US" dirty="0" smtClean="0"/>
-                        <a:t>http://</a:t>
-                      </a:r>
-                      <a:r>
-                        <a:rPr lang="en-US" dirty="0" smtClean="0"/>
-                        <a:t>myurl:8080/css/file.css</a:t>
+                        <a:t>http://myurl:8080/css/file.css</a:t>
                       </a:r>
                       <a:endParaRPr lang="en-US" dirty="0"/>
                     </a:p>
@@ -5445,11 +5607,7 @@
                     <a:p>
                       <a:r>
                         <a:rPr lang="en-US" dirty="0" smtClean="0"/>
-                        <a:t>http://</a:t>
-                      </a:r>
-                      <a:r>
-                        <a:rPr lang="en-US" dirty="0" smtClean="0"/>
-                        <a:t>myurl:8080/scripts/file.js</a:t>
+                        <a:t>http://myurl:8080/scripts/file.js</a:t>
                       </a:r>
                       <a:endParaRPr lang="en-US" dirty="0"/>
                     </a:p>
@@ -5779,7 +5937,7 @@
           <a:p>
             <a:r>
               <a:rPr lang="en-US" dirty="0" smtClean="0"/>
-              <a:t>Example 2: the File domain</a:t>
+              <a:t>Example 1a: Nub redirect syntax</a:t>
             </a:r>
             <a:endParaRPr lang="en-US" dirty="0"/>
           </a:p>
@@ -5795,39 +5953,62 @@
             <p:ph idx="1"/>
           </p:nvPr>
         </p:nvSpPr>
-        <p:spPr/>
-        <p:txBody>
-          <a:bodyPr>
-            <a:normAutofit/>
-          </a:bodyPr>
-          <a:lstStyle/>
-          <a:p>
-            <a:r>
-              <a:rPr lang="en-US" dirty="0" smtClean="0"/>
-              <a:t>Making </a:t>
-            </a:r>
-            <a:r>
-              <a:rPr lang="en-US" dirty="0" smtClean="0"/>
-              <a:t>File </a:t>
-            </a:r>
-            <a:r>
-              <a:rPr lang="en-US" dirty="0" smtClean="0"/>
-              <a:t>domains </a:t>
-            </a:r>
-            <a:r>
-              <a:rPr lang="en-US" dirty="0" smtClean="0"/>
-              <a:t>explicit in </a:t>
-            </a:r>
-            <a:r>
-              <a:rPr lang="en-US" dirty="0" smtClean="0"/>
-              <a:t>ex.nub:</a:t>
-            </a:r>
-          </a:p>
-          <a:p>
-            <a:pPr>
+        <p:spPr>
+          <a:xfrm>
+            <a:off x="457200" y="2133600"/>
+            <a:ext cx="8229600" cy="4525963"/>
+          </a:xfrm>
+        </p:spPr>
+        <p:txBody>
+          <a:bodyPr/>
+          <a:lstStyle/>
+          <a:p>
+            <a:pPr algn="ctr">
               <a:buNone/>
             </a:pPr>
-            <a:endParaRPr lang="en-US" sz="1000" b="1" dirty="0" smtClean="0">
+            <a:r>
+              <a:rPr lang="en-US" dirty="0" smtClean="0">
+                <a:latin typeface="Courier New" pitchFamily="49" charset="0"/>
+                <a:cs typeface="Courier New" pitchFamily="49" charset="0"/>
+              </a:rPr>
+              <a:t>redirect &lt;from </a:t>
+            </a:r>
+            <a:r>
+              <a:rPr lang="en-US" dirty="0" err="1" smtClean="0">
+                <a:latin typeface="Courier New" pitchFamily="49" charset="0"/>
+                <a:cs typeface="Courier New" pitchFamily="49" charset="0"/>
+              </a:rPr>
+              <a:t>url</a:t>
+            </a:r>
+            <a:r>
+              <a:rPr lang="en-US" dirty="0" smtClean="0">
+                <a:latin typeface="Courier New" pitchFamily="49" charset="0"/>
+                <a:cs typeface="Courier New" pitchFamily="49" charset="0"/>
+              </a:rPr>
+              <a:t>&gt; </a:t>
+            </a:r>
+            <a:r>
+              <a:rPr lang="en-US" dirty="0" smtClean="0">
+                <a:latin typeface="Courier New" pitchFamily="49" charset="0"/>
+                <a:cs typeface="Courier New" pitchFamily="49" charset="0"/>
+              </a:rPr>
+              <a:t>&lt;to </a:t>
+            </a:r>
+            <a:r>
+              <a:rPr lang="en-US" dirty="0" err="1" smtClean="0">
+                <a:latin typeface="Courier New" pitchFamily="49" charset="0"/>
+                <a:cs typeface="Courier New" pitchFamily="49" charset="0"/>
+              </a:rPr>
+              <a:t>url</a:t>
+            </a:r>
+            <a:r>
+              <a:rPr lang="en-US" dirty="0" smtClean="0">
+                <a:latin typeface="Courier New" pitchFamily="49" charset="0"/>
+                <a:cs typeface="Courier New" pitchFamily="49" charset="0"/>
+              </a:rPr>
+              <a:t>&gt;</a:t>
+            </a:r>
+            <a:endParaRPr lang="en-US" dirty="0" smtClean="0">
               <a:latin typeface="Courier New" pitchFamily="49" charset="0"/>
               <a:cs typeface="Courier New" pitchFamily="49" charset="0"/>
             </a:endParaRPr>
@@ -5836,341 +6017,152 @@
             <a:pPr>
               <a:buNone/>
             </a:pPr>
-            <a:r>
-              <a:rPr lang="en-US" sz="1000" b="1" dirty="0" smtClean="0">
-                <a:latin typeface="Courier New" pitchFamily="49" charset="0"/>
-                <a:cs typeface="Courier New" pitchFamily="49" charset="0"/>
-              </a:rPr>
-              <a:t>    domain /</a:t>
-            </a:r>
-            <a:r>
-              <a:rPr lang="en-US" sz="1000" b="1" dirty="0" err="1" smtClean="0">
-                <a:latin typeface="Courier New" pitchFamily="49" charset="0"/>
-                <a:cs typeface="Courier New" pitchFamily="49" charset="0"/>
-              </a:rPr>
-              <a:t>css</a:t>
-            </a:r>
-            <a:r>
-              <a:rPr lang="en-US" sz="1000" b="1" dirty="0" smtClean="0">
-                <a:latin typeface="Courier New" pitchFamily="49" charset="0"/>
-                <a:cs typeface="Courier New" pitchFamily="49" charset="0"/>
-              </a:rPr>
-              <a:t>/     {File </a:t>
-            </a:r>
-            <a:r>
-              <a:rPr lang="en-US" sz="1000" b="1" dirty="0" err="1" smtClean="0">
-                <a:latin typeface="Courier New" pitchFamily="49" charset="0"/>
-                <a:cs typeface="Courier New" pitchFamily="49" charset="0"/>
-              </a:rPr>
-              <a:t>css</a:t>
-            </a:r>
-            <a:r>
-              <a:rPr lang="en-US" sz="1000" b="1" dirty="0" smtClean="0">
-                <a:latin typeface="Courier New" pitchFamily="49" charset="0"/>
-                <a:cs typeface="Courier New" pitchFamily="49" charset="0"/>
-              </a:rPr>
-              <a:t>}     root [file join . </a:t>
-            </a:r>
-            <a:r>
-              <a:rPr lang="en-US" sz="1000" b="1" dirty="0" err="1" smtClean="0">
-                <a:latin typeface="Courier New" pitchFamily="49" charset="0"/>
-                <a:cs typeface="Courier New" pitchFamily="49" charset="0"/>
-              </a:rPr>
-              <a:t>docroot</a:t>
-            </a:r>
-            <a:r>
-              <a:rPr lang="en-US" sz="1000" b="1" dirty="0" smtClean="0">
-                <a:latin typeface="Courier New" pitchFamily="49" charset="0"/>
-                <a:cs typeface="Courier New" pitchFamily="49" charset="0"/>
-              </a:rPr>
-              <a:t> </a:t>
-            </a:r>
-            <a:r>
-              <a:rPr lang="en-US" sz="1000" b="1" dirty="0" err="1" smtClean="0">
-                <a:latin typeface="Courier New" pitchFamily="49" charset="0"/>
-                <a:cs typeface="Courier New" pitchFamily="49" charset="0"/>
-              </a:rPr>
-              <a:t>css</a:t>
-            </a:r>
-            <a:r>
-              <a:rPr lang="en-US" sz="1000" b="1" dirty="0" smtClean="0">
-                <a:latin typeface="Courier New" pitchFamily="49" charset="0"/>
-                <a:cs typeface="Courier New" pitchFamily="49" charset="0"/>
-              </a:rPr>
-              <a:t>]     expires tomorrow    </a:t>
-            </a:r>
-            <a:r>
-              <a:rPr lang="en-US" sz="1000" b="1" dirty="0" err="1" smtClean="0">
-                <a:latin typeface="Courier New" pitchFamily="49" charset="0"/>
-                <a:cs typeface="Courier New" pitchFamily="49" charset="0"/>
-              </a:rPr>
-              <a:t>nodir</a:t>
-            </a:r>
-            <a:r>
-              <a:rPr lang="en-US" sz="1000" b="1" dirty="0" smtClean="0">
-                <a:latin typeface="Courier New" pitchFamily="49" charset="0"/>
-                <a:cs typeface="Courier New" pitchFamily="49" charset="0"/>
-              </a:rPr>
-              <a:t> 1</a:t>
-            </a:r>
-          </a:p>
-          <a:p>
-            <a:pPr>
-              <a:buNone/>
-            </a:pPr>
-            <a:r>
-              <a:rPr lang="en-US" sz="1000" b="1" dirty="0" smtClean="0">
-                <a:latin typeface="Courier New" pitchFamily="49" charset="0"/>
-                <a:cs typeface="Courier New" pitchFamily="49" charset="0"/>
-              </a:rPr>
-              <a:t>    domain /images/  {File images}  root [file join . </a:t>
-            </a:r>
-            <a:r>
-              <a:rPr lang="en-US" sz="1000" b="1" dirty="0" err="1" smtClean="0">
-                <a:latin typeface="Courier New" pitchFamily="49" charset="0"/>
-                <a:cs typeface="Courier New" pitchFamily="49" charset="0"/>
-              </a:rPr>
-              <a:t>docroot</a:t>
-            </a:r>
-            <a:r>
-              <a:rPr lang="en-US" sz="1000" b="1" dirty="0" smtClean="0">
-                <a:latin typeface="Courier New" pitchFamily="49" charset="0"/>
-                <a:cs typeface="Courier New" pitchFamily="49" charset="0"/>
-              </a:rPr>
-              <a:t> images]  expires "next week" </a:t>
-            </a:r>
-            <a:r>
-              <a:rPr lang="en-US" sz="1000" b="1" dirty="0" err="1" smtClean="0">
-                <a:latin typeface="Courier New" pitchFamily="49" charset="0"/>
-                <a:cs typeface="Courier New" pitchFamily="49" charset="0"/>
-              </a:rPr>
-              <a:t>nodir</a:t>
-            </a:r>
-            <a:r>
-              <a:rPr lang="en-US" sz="1000" b="1" dirty="0" smtClean="0">
-                <a:latin typeface="Courier New" pitchFamily="49" charset="0"/>
-                <a:cs typeface="Courier New" pitchFamily="49" charset="0"/>
-              </a:rPr>
-              <a:t> 1</a:t>
-            </a:r>
-          </a:p>
-          <a:p>
-            <a:pPr>
-              <a:buNone/>
-            </a:pPr>
-            <a:r>
-              <a:rPr lang="en-US" sz="1000" b="1" dirty="0" smtClean="0">
-                <a:latin typeface="Courier New" pitchFamily="49" charset="0"/>
-                <a:cs typeface="Courier New" pitchFamily="49" charset="0"/>
-              </a:rPr>
-              <a:t>    domain /scripts/ {File scripts} root [file join . </a:t>
-            </a:r>
-            <a:r>
-              <a:rPr lang="en-US" sz="1000" b="1" dirty="0" err="1" smtClean="0">
-                <a:latin typeface="Courier New" pitchFamily="49" charset="0"/>
-                <a:cs typeface="Courier New" pitchFamily="49" charset="0"/>
-              </a:rPr>
-              <a:t>docroot</a:t>
-            </a:r>
-            <a:r>
-              <a:rPr lang="en-US" sz="1000" b="1" dirty="0" smtClean="0">
-                <a:latin typeface="Courier New" pitchFamily="49" charset="0"/>
-                <a:cs typeface="Courier New" pitchFamily="49" charset="0"/>
-              </a:rPr>
-              <a:t> scripts] expires tomorrow    </a:t>
-            </a:r>
-            <a:r>
-              <a:rPr lang="en-US" sz="1000" b="1" dirty="0" err="1" smtClean="0">
-                <a:latin typeface="Courier New" pitchFamily="49" charset="0"/>
-                <a:cs typeface="Courier New" pitchFamily="49" charset="0"/>
-              </a:rPr>
-              <a:t>nodir</a:t>
-            </a:r>
-            <a:r>
-              <a:rPr lang="en-US" sz="1000" b="1" dirty="0" smtClean="0">
-                <a:latin typeface="Courier New" pitchFamily="49" charset="0"/>
-                <a:cs typeface="Courier New" pitchFamily="49" charset="0"/>
-              </a:rPr>
-              <a:t> </a:t>
-            </a:r>
-            <a:r>
-              <a:rPr lang="en-US" sz="1000" b="1" dirty="0" smtClean="0">
-                <a:latin typeface="Courier New" pitchFamily="49" charset="0"/>
-                <a:cs typeface="Courier New" pitchFamily="49" charset="0"/>
-              </a:rPr>
-              <a:t>1</a:t>
-            </a:r>
-            <a:endParaRPr lang="en-US" sz="1000" b="1" dirty="0" smtClean="0">
-              <a:latin typeface="Courier New" pitchFamily="49" charset="0"/>
-              <a:cs typeface="Courier New" pitchFamily="49" charset="0"/>
-            </a:endParaRPr>
-          </a:p>
-          <a:p>
-            <a:pPr>
-              <a:buNone/>
-            </a:pPr>
-            <a:r>
-              <a:rPr lang="en-US" sz="1000" b="1" dirty="0" smtClean="0">
-                <a:latin typeface="Courier New" pitchFamily="49" charset="0"/>
-                <a:cs typeface="Courier New" pitchFamily="49" charset="0"/>
-              </a:rPr>
-              <a:t>    domain /html/    {File html}    root [file join . </a:t>
-            </a:r>
-            <a:r>
-              <a:rPr lang="en-US" sz="1000" b="1" dirty="0" err="1" smtClean="0">
-                <a:latin typeface="Courier New" pitchFamily="49" charset="0"/>
-                <a:cs typeface="Courier New" pitchFamily="49" charset="0"/>
-              </a:rPr>
-              <a:t>docroot</a:t>
-            </a:r>
-            <a:r>
-              <a:rPr lang="en-US" sz="1000" b="1" dirty="0" smtClean="0">
-                <a:latin typeface="Courier New" pitchFamily="49" charset="0"/>
-                <a:cs typeface="Courier New" pitchFamily="49" charset="0"/>
-              </a:rPr>
-              <a:t> html]    expires tomorrow    </a:t>
-            </a:r>
-            <a:r>
-              <a:rPr lang="en-US" sz="1000" b="1" dirty="0" err="1" smtClean="0">
-                <a:latin typeface="Courier New" pitchFamily="49" charset="0"/>
-                <a:cs typeface="Courier New" pitchFamily="49" charset="0"/>
-              </a:rPr>
-              <a:t>nodir</a:t>
-            </a:r>
-            <a:r>
-              <a:rPr lang="en-US" sz="1000" b="1" dirty="0" smtClean="0">
-                <a:latin typeface="Courier New" pitchFamily="49" charset="0"/>
-                <a:cs typeface="Courier New" pitchFamily="49" charset="0"/>
-              </a:rPr>
-              <a:t> </a:t>
-            </a:r>
-            <a:r>
-              <a:rPr lang="en-US" sz="1000" b="1" dirty="0" smtClean="0">
-                <a:latin typeface="Courier New" pitchFamily="49" charset="0"/>
-                <a:cs typeface="Courier New" pitchFamily="49" charset="0"/>
-              </a:rPr>
-              <a:t>1</a:t>
-            </a:r>
-            <a:endParaRPr lang="en-US" sz="1000" b="1" dirty="0" smtClean="0">
-              <a:latin typeface="Courier New" pitchFamily="49" charset="0"/>
-              <a:cs typeface="Courier New" pitchFamily="49" charset="0"/>
-            </a:endParaRPr>
-          </a:p>
-          <a:p>
-            <a:pPr>
-              <a:buNone/>
-            </a:pPr>
-            <a:endParaRPr lang="en-US" sz="1000" b="1" dirty="0" smtClean="0">
-              <a:latin typeface="Courier New" pitchFamily="49" charset="0"/>
-              <a:cs typeface="Courier New" pitchFamily="49" charset="0"/>
-            </a:endParaRPr>
-          </a:p>
-          <a:p>
-            <a:r>
-              <a:rPr lang="en-US" dirty="0" smtClean="0"/>
-              <a:t>Add new File domain:</a:t>
-            </a:r>
-          </a:p>
-          <a:p>
-            <a:pPr>
-              <a:buNone/>
-            </a:pPr>
-            <a:endParaRPr lang="en-US" sz="1000" b="1" dirty="0" smtClean="0">
-              <a:latin typeface="Courier New" pitchFamily="49" charset="0"/>
-              <a:cs typeface="Courier New" pitchFamily="49" charset="0"/>
-            </a:endParaRPr>
-          </a:p>
-          <a:p>
-            <a:pPr>
-              <a:buNone/>
-            </a:pPr>
-            <a:r>
-              <a:rPr lang="en-US" sz="1000" b="1" dirty="0" smtClean="0">
-                <a:latin typeface="Courier New" pitchFamily="49" charset="0"/>
-                <a:cs typeface="Courier New" pitchFamily="49" charset="0"/>
-              </a:rPr>
-              <a:t>    domain </a:t>
-            </a:r>
-            <a:r>
-              <a:rPr lang="en-US" sz="1000" b="1" dirty="0" smtClean="0">
-                <a:latin typeface="Courier New" pitchFamily="49" charset="0"/>
-                <a:cs typeface="Courier New" pitchFamily="49" charset="0"/>
-              </a:rPr>
-              <a:t>/disk/    {File disk}    root /                             expires </a:t>
-            </a:r>
-            <a:r>
-              <a:rPr lang="en-US" sz="1000" b="1" dirty="0" smtClean="0">
-                <a:latin typeface="Courier New" pitchFamily="49" charset="0"/>
-                <a:cs typeface="Courier New" pitchFamily="49" charset="0"/>
-              </a:rPr>
-              <a:t>tomorrow</a:t>
-            </a:r>
-          </a:p>
-          <a:p>
-            <a:pPr>
-              <a:buNone/>
-            </a:pPr>
-            <a:endParaRPr lang="en-US" sz="1000" dirty="0" smtClean="0"/>
-          </a:p>
-          <a:p>
-            <a:r>
-              <a:rPr lang="en-US" dirty="0" smtClean="0"/>
-              <a:t>Add </a:t>
-            </a:r>
-            <a:r>
-              <a:rPr lang="en-US" dirty="0" smtClean="0"/>
-              <a:t>Rewrite to ex.nub:</a:t>
-            </a:r>
-          </a:p>
-          <a:p>
-            <a:pPr>
-              <a:buNone/>
-            </a:pPr>
-            <a:r>
-              <a:rPr lang="en-US" sz="1000" dirty="0" smtClean="0">
-                <a:latin typeface="Courier New" pitchFamily="49" charset="0"/>
-                <a:cs typeface="Courier New" pitchFamily="49" charset="0"/>
-              </a:rPr>
-              <a:t>    </a:t>
-            </a:r>
-          </a:p>
-          <a:p>
-            <a:pPr>
-              <a:buNone/>
-            </a:pPr>
-            <a:r>
-              <a:rPr lang="en-US" sz="1000" dirty="0" smtClean="0">
-                <a:latin typeface="Courier New" pitchFamily="49" charset="0"/>
-                <a:cs typeface="Courier New" pitchFamily="49" charset="0"/>
-              </a:rPr>
-              <a:t>    rewrite {/[^/]+[.]html} {/html/[file tail [</a:t>
-            </a:r>
-            <a:r>
-              <a:rPr lang="en-US" sz="1000" dirty="0" err="1" smtClean="0">
-                <a:latin typeface="Courier New" pitchFamily="49" charset="0"/>
-                <a:cs typeface="Courier New" pitchFamily="49" charset="0"/>
-              </a:rPr>
-              <a:t>dict</a:t>
-            </a:r>
-            <a:r>
-              <a:rPr lang="en-US" sz="1000" dirty="0" smtClean="0">
-                <a:latin typeface="Courier New" pitchFamily="49" charset="0"/>
-                <a:cs typeface="Courier New" pitchFamily="49" charset="0"/>
-              </a:rPr>
-              <a:t> get $r -path]]}</a:t>
-            </a:r>
-          </a:p>
-          <a:p>
-            <a:pPr>
-              <a:buNone/>
-            </a:pPr>
-            <a:endParaRPr lang="en-US" sz="1000" dirty="0" smtClean="0">
-              <a:latin typeface="Courier New" pitchFamily="49" charset="0"/>
-              <a:cs typeface="Courier New" pitchFamily="49" charset="0"/>
-            </a:endParaRPr>
-          </a:p>
-        </p:txBody>
-      </p:sp>
+            <a:endParaRPr lang="en-US" dirty="0"/>
+          </a:p>
+        </p:txBody>
+      </p:sp>
+      <p:graphicFrame>
+        <p:nvGraphicFramePr>
+          <p:cNvPr id="4" name="Table 3"/>
+          <p:cNvGraphicFramePr>
+            <a:graphicFrameLocks noGrp="1"/>
+          </p:cNvGraphicFramePr>
+          <p:nvPr/>
+        </p:nvGraphicFramePr>
+        <p:xfrm>
+          <a:off x="1524000" y="3352800"/>
+          <a:ext cx="6096000" cy="1112520"/>
+        </p:xfrm>
+        <a:graphic>
+          <a:graphicData uri="http://schemas.openxmlformats.org/drawingml/2006/table">
+            <a:tbl>
+              <a:tblPr firstRow="1" bandRow="1">
+                <a:tableStyleId>{5C22544A-7EE6-4342-B048-85BDC9FD1C3A}</a:tableStyleId>
+              </a:tblPr>
+              <a:tblGrid>
+                <a:gridCol w="1676400"/>
+                <a:gridCol w="4419600"/>
+              </a:tblGrid>
+              <a:tr h="370840">
+                <a:tc>
+                  <a:txBody>
+                    <a:bodyPr/>
+                    <a:lstStyle/>
+                    <a:p>
+                      <a:r>
+                        <a:rPr lang="en-US" dirty="0" smtClean="0"/>
+                        <a:t>Argument</a:t>
+                      </a:r>
+                      <a:endParaRPr lang="en-US" dirty="0"/>
+                    </a:p>
+                  </a:txBody>
+                  <a:tcPr/>
+                </a:tc>
+                <a:tc>
+                  <a:txBody>
+                    <a:bodyPr/>
+                    <a:lstStyle/>
+                    <a:p>
+                      <a:r>
+                        <a:rPr lang="en-US" dirty="0" smtClean="0"/>
+                        <a:t>Description</a:t>
+                      </a:r>
+                      <a:endParaRPr lang="en-US" dirty="0"/>
+                    </a:p>
+                  </a:txBody>
+                  <a:tcPr/>
+                </a:tc>
+              </a:tr>
+              <a:tr h="370840">
+                <a:tc>
+                  <a:txBody>
+                    <a:bodyPr/>
+                    <a:lstStyle/>
+                    <a:p>
+                      <a:r>
+                        <a:rPr lang="en-US" dirty="0" smtClean="0">
+                          <a:latin typeface="Courier New" pitchFamily="49" charset="0"/>
+                          <a:cs typeface="Courier New" pitchFamily="49" charset="0"/>
+                        </a:rPr>
+                        <a:t>from </a:t>
+                      </a:r>
+                      <a:r>
+                        <a:rPr lang="en-US" dirty="0" err="1" smtClean="0">
+                          <a:latin typeface="Courier New" pitchFamily="49" charset="0"/>
+                          <a:cs typeface="Courier New" pitchFamily="49" charset="0"/>
+                        </a:rPr>
+                        <a:t>url</a:t>
+                      </a:r>
+                      <a:endParaRPr lang="en-US" dirty="0">
+                        <a:latin typeface="Courier New" pitchFamily="49" charset="0"/>
+                        <a:cs typeface="Courier New" pitchFamily="49" charset="0"/>
+                      </a:endParaRPr>
+                    </a:p>
+                  </a:txBody>
+                  <a:tcPr/>
+                </a:tc>
+                <a:tc>
+                  <a:txBody>
+                    <a:bodyPr/>
+                    <a:lstStyle/>
+                    <a:p>
+                      <a:r>
+                        <a:rPr lang="en-US" dirty="0" smtClean="0"/>
+                        <a:t>URL for which to send a redirect.</a:t>
+                      </a:r>
+                      <a:endParaRPr lang="en-US" dirty="0"/>
+                    </a:p>
+                  </a:txBody>
+                  <a:tcPr/>
+                </a:tc>
+              </a:tr>
+              <a:tr h="370840">
+                <a:tc>
+                  <a:txBody>
+                    <a:bodyPr/>
+                    <a:lstStyle/>
+                    <a:p>
+                      <a:r>
+                        <a:rPr lang="en-US" dirty="0" smtClean="0">
+                          <a:latin typeface="Courier New" pitchFamily="49" charset="0"/>
+                          <a:cs typeface="Courier New" pitchFamily="49" charset="0"/>
+                        </a:rPr>
+                        <a:t>to </a:t>
+                      </a:r>
+                      <a:r>
+                        <a:rPr lang="en-US" dirty="0" err="1" smtClean="0">
+                          <a:latin typeface="Courier New" pitchFamily="49" charset="0"/>
+                          <a:cs typeface="Courier New" pitchFamily="49" charset="0"/>
+                        </a:rPr>
+                        <a:t>url</a:t>
+                      </a:r>
+                      <a:endParaRPr lang="en-US" dirty="0">
+                        <a:latin typeface="Courier New" pitchFamily="49" charset="0"/>
+                        <a:cs typeface="Courier New" pitchFamily="49" charset="0"/>
+                      </a:endParaRPr>
+                    </a:p>
+                  </a:txBody>
+                  <a:tcPr/>
+                </a:tc>
+                <a:tc>
+                  <a:txBody>
+                    <a:bodyPr/>
+                    <a:lstStyle/>
+                    <a:p>
+                      <a:r>
+                        <a:rPr lang="en-US" dirty="0" smtClean="0"/>
+                        <a:t>URL to redirect to</a:t>
+                      </a:r>
+                      <a:endParaRPr lang="en-US" dirty="0"/>
+                    </a:p>
+                  </a:txBody>
+                  <a:tcPr/>
+                </a:tc>
+              </a:tr>
+            </a:tbl>
+          </a:graphicData>
+        </a:graphic>
+      </p:graphicFrame>
     </p:spTree>
   </p:cSld>
   <p:clrMapOvr>
@@ -6215,6 +6207,538 @@
         </p:nvSpPr>
         <p:spPr/>
         <p:txBody>
+          <a:bodyPr/>
+          <a:lstStyle/>
+          <a:p>
+            <a:r>
+              <a:rPr lang="en-US" dirty="0" smtClean="0"/>
+              <a:t>Example 2: the File domain</a:t>
+            </a:r>
+            <a:endParaRPr lang="en-US" dirty="0"/>
+          </a:p>
+        </p:txBody>
+      </p:sp>
+      <p:sp>
+        <p:nvSpPr>
+          <p:cNvPr id="3" name="Content Placeholder 2"/>
+          <p:cNvSpPr>
+            <a:spLocks noGrp="1"/>
+          </p:cNvSpPr>
+          <p:nvPr>
+            <p:ph idx="1"/>
+          </p:nvPr>
+        </p:nvSpPr>
+        <p:spPr/>
+        <p:txBody>
+          <a:bodyPr>
+            <a:normAutofit fontScale="92500" lnSpcReduction="10000"/>
+          </a:bodyPr>
+          <a:lstStyle/>
+          <a:p>
+            <a:r>
+              <a:rPr lang="en-US" dirty="0" smtClean="0"/>
+              <a:t>Making File domains explicit in ex.nub:</a:t>
+            </a:r>
+          </a:p>
+          <a:p>
+            <a:pPr>
+              <a:buNone/>
+            </a:pPr>
+            <a:endParaRPr lang="en-US" sz="1000" b="1" dirty="0" smtClean="0">
+              <a:latin typeface="Courier New" pitchFamily="49" charset="0"/>
+              <a:cs typeface="Courier New" pitchFamily="49" charset="0"/>
+            </a:endParaRPr>
+          </a:p>
+          <a:p>
+            <a:pPr>
+              <a:buNone/>
+            </a:pPr>
+            <a:r>
+              <a:rPr lang="en-US" sz="1000" b="1" dirty="0" smtClean="0">
+                <a:latin typeface="Courier New" pitchFamily="49" charset="0"/>
+                <a:cs typeface="Courier New" pitchFamily="49" charset="0"/>
+              </a:rPr>
+              <a:t>    domain /</a:t>
+            </a:r>
+            <a:r>
+              <a:rPr lang="en-US" sz="1000" b="1" dirty="0" err="1" smtClean="0">
+                <a:latin typeface="Courier New" pitchFamily="49" charset="0"/>
+                <a:cs typeface="Courier New" pitchFamily="49" charset="0"/>
+              </a:rPr>
+              <a:t>css</a:t>
+            </a:r>
+            <a:r>
+              <a:rPr lang="en-US" sz="1000" b="1" dirty="0" smtClean="0">
+                <a:latin typeface="Courier New" pitchFamily="49" charset="0"/>
+                <a:cs typeface="Courier New" pitchFamily="49" charset="0"/>
+              </a:rPr>
+              <a:t>/     {File </a:t>
+            </a:r>
+            <a:r>
+              <a:rPr lang="en-US" sz="1000" b="1" dirty="0" err="1" smtClean="0">
+                <a:latin typeface="Courier New" pitchFamily="49" charset="0"/>
+                <a:cs typeface="Courier New" pitchFamily="49" charset="0"/>
+              </a:rPr>
+              <a:t>css</a:t>
+            </a:r>
+            <a:r>
+              <a:rPr lang="en-US" sz="1000" b="1" dirty="0" smtClean="0">
+                <a:latin typeface="Courier New" pitchFamily="49" charset="0"/>
+                <a:cs typeface="Courier New" pitchFamily="49" charset="0"/>
+              </a:rPr>
+              <a:t>}     root [file join . </a:t>
+            </a:r>
+            <a:r>
+              <a:rPr lang="en-US" sz="1000" b="1" dirty="0" err="1" smtClean="0">
+                <a:latin typeface="Courier New" pitchFamily="49" charset="0"/>
+                <a:cs typeface="Courier New" pitchFamily="49" charset="0"/>
+              </a:rPr>
+              <a:t>docroot</a:t>
+            </a:r>
+            <a:r>
+              <a:rPr lang="en-US" sz="1000" b="1" dirty="0" smtClean="0">
+                <a:latin typeface="Courier New" pitchFamily="49" charset="0"/>
+                <a:cs typeface="Courier New" pitchFamily="49" charset="0"/>
+              </a:rPr>
+              <a:t> </a:t>
+            </a:r>
+            <a:r>
+              <a:rPr lang="en-US" sz="1000" b="1" dirty="0" err="1" smtClean="0">
+                <a:latin typeface="Courier New" pitchFamily="49" charset="0"/>
+                <a:cs typeface="Courier New" pitchFamily="49" charset="0"/>
+              </a:rPr>
+              <a:t>css</a:t>
+            </a:r>
+            <a:r>
+              <a:rPr lang="en-US" sz="1000" b="1" dirty="0" smtClean="0">
+                <a:latin typeface="Courier New" pitchFamily="49" charset="0"/>
+                <a:cs typeface="Courier New" pitchFamily="49" charset="0"/>
+              </a:rPr>
+              <a:t>]     expires tomorrow    </a:t>
+            </a:r>
+            <a:r>
+              <a:rPr lang="en-US" sz="1000" b="1" dirty="0" err="1" smtClean="0">
+                <a:latin typeface="Courier New" pitchFamily="49" charset="0"/>
+                <a:cs typeface="Courier New" pitchFamily="49" charset="0"/>
+              </a:rPr>
+              <a:t>nodir</a:t>
+            </a:r>
+            <a:r>
+              <a:rPr lang="en-US" sz="1000" b="1" dirty="0" smtClean="0">
+                <a:latin typeface="Courier New" pitchFamily="49" charset="0"/>
+                <a:cs typeface="Courier New" pitchFamily="49" charset="0"/>
+              </a:rPr>
+              <a:t> 1</a:t>
+            </a:r>
+          </a:p>
+          <a:p>
+            <a:pPr>
+              <a:buNone/>
+            </a:pPr>
+            <a:r>
+              <a:rPr lang="en-US" sz="1000" b="1" dirty="0" smtClean="0">
+                <a:latin typeface="Courier New" pitchFamily="49" charset="0"/>
+                <a:cs typeface="Courier New" pitchFamily="49" charset="0"/>
+              </a:rPr>
+              <a:t>    domain /images/  {File images}  root [file join . </a:t>
+            </a:r>
+            <a:r>
+              <a:rPr lang="en-US" sz="1000" b="1" dirty="0" err="1" smtClean="0">
+                <a:latin typeface="Courier New" pitchFamily="49" charset="0"/>
+                <a:cs typeface="Courier New" pitchFamily="49" charset="0"/>
+              </a:rPr>
+              <a:t>docroot</a:t>
+            </a:r>
+            <a:r>
+              <a:rPr lang="en-US" sz="1000" b="1" dirty="0" smtClean="0">
+                <a:latin typeface="Courier New" pitchFamily="49" charset="0"/>
+                <a:cs typeface="Courier New" pitchFamily="49" charset="0"/>
+              </a:rPr>
+              <a:t> images]  expires "next week" </a:t>
+            </a:r>
+            <a:r>
+              <a:rPr lang="en-US" sz="1000" b="1" dirty="0" err="1" smtClean="0">
+                <a:latin typeface="Courier New" pitchFamily="49" charset="0"/>
+                <a:cs typeface="Courier New" pitchFamily="49" charset="0"/>
+              </a:rPr>
+              <a:t>nodir</a:t>
+            </a:r>
+            <a:r>
+              <a:rPr lang="en-US" sz="1000" b="1" dirty="0" smtClean="0">
+                <a:latin typeface="Courier New" pitchFamily="49" charset="0"/>
+                <a:cs typeface="Courier New" pitchFamily="49" charset="0"/>
+              </a:rPr>
+              <a:t> 1</a:t>
+            </a:r>
+          </a:p>
+          <a:p>
+            <a:pPr>
+              <a:buNone/>
+            </a:pPr>
+            <a:r>
+              <a:rPr lang="en-US" sz="1000" b="1" dirty="0" smtClean="0">
+                <a:latin typeface="Courier New" pitchFamily="49" charset="0"/>
+                <a:cs typeface="Courier New" pitchFamily="49" charset="0"/>
+              </a:rPr>
+              <a:t>    domain /scripts/ {File scripts} root [file join . </a:t>
+            </a:r>
+            <a:r>
+              <a:rPr lang="en-US" sz="1000" b="1" dirty="0" err="1" smtClean="0">
+                <a:latin typeface="Courier New" pitchFamily="49" charset="0"/>
+                <a:cs typeface="Courier New" pitchFamily="49" charset="0"/>
+              </a:rPr>
+              <a:t>docroot</a:t>
+            </a:r>
+            <a:r>
+              <a:rPr lang="en-US" sz="1000" b="1" dirty="0" smtClean="0">
+                <a:latin typeface="Courier New" pitchFamily="49" charset="0"/>
+                <a:cs typeface="Courier New" pitchFamily="49" charset="0"/>
+              </a:rPr>
+              <a:t> scripts] expires tomorrow    </a:t>
+            </a:r>
+            <a:r>
+              <a:rPr lang="en-US" sz="1000" b="1" dirty="0" err="1" smtClean="0">
+                <a:latin typeface="Courier New" pitchFamily="49" charset="0"/>
+                <a:cs typeface="Courier New" pitchFamily="49" charset="0"/>
+              </a:rPr>
+              <a:t>nodir</a:t>
+            </a:r>
+            <a:r>
+              <a:rPr lang="en-US" sz="1000" b="1" dirty="0" smtClean="0">
+                <a:latin typeface="Courier New" pitchFamily="49" charset="0"/>
+                <a:cs typeface="Courier New" pitchFamily="49" charset="0"/>
+              </a:rPr>
+              <a:t> 1</a:t>
+            </a:r>
+          </a:p>
+          <a:p>
+            <a:pPr>
+              <a:buNone/>
+            </a:pPr>
+            <a:r>
+              <a:rPr lang="en-US" sz="1000" b="1" dirty="0" smtClean="0">
+                <a:latin typeface="Courier New" pitchFamily="49" charset="0"/>
+                <a:cs typeface="Courier New" pitchFamily="49" charset="0"/>
+              </a:rPr>
+              <a:t>    domain /html/    {File html}    root [file join . </a:t>
+            </a:r>
+            <a:r>
+              <a:rPr lang="en-US" sz="1000" b="1" dirty="0" err="1" smtClean="0">
+                <a:latin typeface="Courier New" pitchFamily="49" charset="0"/>
+                <a:cs typeface="Courier New" pitchFamily="49" charset="0"/>
+              </a:rPr>
+              <a:t>docroot</a:t>
+            </a:r>
+            <a:r>
+              <a:rPr lang="en-US" sz="1000" b="1" dirty="0" smtClean="0">
+                <a:latin typeface="Courier New" pitchFamily="49" charset="0"/>
+                <a:cs typeface="Courier New" pitchFamily="49" charset="0"/>
+              </a:rPr>
+              <a:t> html]    expires tomorrow    </a:t>
+            </a:r>
+            <a:r>
+              <a:rPr lang="en-US" sz="1000" b="1" dirty="0" err="1" smtClean="0">
+                <a:latin typeface="Courier New" pitchFamily="49" charset="0"/>
+                <a:cs typeface="Courier New" pitchFamily="49" charset="0"/>
+              </a:rPr>
+              <a:t>nodir</a:t>
+            </a:r>
+            <a:r>
+              <a:rPr lang="en-US" sz="1000" b="1" dirty="0" smtClean="0">
+                <a:latin typeface="Courier New" pitchFamily="49" charset="0"/>
+                <a:cs typeface="Courier New" pitchFamily="49" charset="0"/>
+              </a:rPr>
+              <a:t> 1</a:t>
+            </a:r>
+          </a:p>
+          <a:p>
+            <a:pPr>
+              <a:buNone/>
+            </a:pPr>
+            <a:endParaRPr lang="en-US" sz="1000" b="1" dirty="0" smtClean="0">
+              <a:latin typeface="Courier New" pitchFamily="49" charset="0"/>
+              <a:cs typeface="Courier New" pitchFamily="49" charset="0"/>
+            </a:endParaRPr>
+          </a:p>
+          <a:p>
+            <a:r>
+              <a:rPr lang="en-US" dirty="0" smtClean="0"/>
+              <a:t>Add new File domain:</a:t>
+            </a:r>
+          </a:p>
+          <a:p>
+            <a:pPr>
+              <a:buNone/>
+            </a:pPr>
+            <a:endParaRPr lang="en-US" sz="1000" b="1" dirty="0" smtClean="0">
+              <a:latin typeface="Courier New" pitchFamily="49" charset="0"/>
+              <a:cs typeface="Courier New" pitchFamily="49" charset="0"/>
+            </a:endParaRPr>
+          </a:p>
+          <a:p>
+            <a:pPr>
+              <a:buNone/>
+            </a:pPr>
+            <a:r>
+              <a:rPr lang="en-US" sz="1000" b="1" dirty="0" smtClean="0">
+                <a:latin typeface="Courier New" pitchFamily="49" charset="0"/>
+                <a:cs typeface="Courier New" pitchFamily="49" charset="0"/>
+              </a:rPr>
+              <a:t>    </a:t>
+            </a:r>
+            <a:r>
+              <a:rPr lang="en-US" sz="1000" b="1" dirty="0" smtClean="0">
+                <a:latin typeface="Courier New" pitchFamily="49" charset="0"/>
+                <a:cs typeface="Courier New" pitchFamily="49" charset="0"/>
+              </a:rPr>
+              <a:t>domain /disk/ {File disk} \</a:t>
+            </a:r>
+          </a:p>
+          <a:p>
+            <a:pPr>
+              <a:buNone/>
+            </a:pPr>
+            <a:r>
+              <a:rPr lang="en-US" sz="1000" b="1" dirty="0" smtClean="0">
+                <a:latin typeface="Courier New" pitchFamily="49" charset="0"/>
+                <a:cs typeface="Courier New" pitchFamily="49" charset="0"/>
+              </a:rPr>
+              <a:t>       root       / \</a:t>
+            </a:r>
+          </a:p>
+          <a:p>
+            <a:pPr>
+              <a:buNone/>
+            </a:pPr>
+            <a:r>
+              <a:rPr lang="en-US" sz="1000" b="1" dirty="0" smtClean="0">
+                <a:latin typeface="Courier New" pitchFamily="49" charset="0"/>
+                <a:cs typeface="Courier New" pitchFamily="49" charset="0"/>
+              </a:rPr>
+              <a:t>       </a:t>
+            </a:r>
+            <a:r>
+              <a:rPr lang="en-US" sz="1000" b="1" dirty="0" err="1" smtClean="0">
+                <a:latin typeface="Courier New" pitchFamily="49" charset="0"/>
+                <a:cs typeface="Courier New" pitchFamily="49" charset="0"/>
+              </a:rPr>
+              <a:t>indexfile</a:t>
+            </a:r>
+            <a:r>
+              <a:rPr lang="en-US" sz="1000" b="1" dirty="0" smtClean="0">
+                <a:latin typeface="Courier New" pitchFamily="49" charset="0"/>
+                <a:cs typeface="Courier New" pitchFamily="49" charset="0"/>
+              </a:rPr>
+              <a:t>  index.* \</a:t>
+            </a:r>
+          </a:p>
+          <a:p>
+            <a:pPr>
+              <a:buNone/>
+            </a:pPr>
+            <a:r>
+              <a:rPr lang="en-US" sz="1000" b="1" dirty="0" smtClean="0">
+                <a:latin typeface="Courier New" pitchFamily="49" charset="0"/>
+                <a:cs typeface="Courier New" pitchFamily="49" charset="0"/>
+              </a:rPr>
+              <a:t>       hide       {^([.].*)|(.*~)|(\#.*)$} \</a:t>
+            </a:r>
+          </a:p>
+          <a:p>
+            <a:pPr>
+              <a:buNone/>
+            </a:pPr>
+            <a:r>
+              <a:rPr lang="en-US" sz="1000" b="1" dirty="0" smtClean="0">
+                <a:latin typeface="Courier New" pitchFamily="49" charset="0"/>
+                <a:cs typeface="Courier New" pitchFamily="49" charset="0"/>
+              </a:rPr>
+              <a:t>       </a:t>
+            </a:r>
+            <a:r>
+              <a:rPr lang="en-US" sz="1000" b="1" dirty="0" err="1" smtClean="0">
+                <a:latin typeface="Courier New" pitchFamily="49" charset="0"/>
+                <a:cs typeface="Courier New" pitchFamily="49" charset="0"/>
+              </a:rPr>
+              <a:t>redirdir</a:t>
+            </a:r>
+            <a:r>
+              <a:rPr lang="en-US" sz="1000" b="1" dirty="0" smtClean="0">
+                <a:latin typeface="Courier New" pitchFamily="49" charset="0"/>
+                <a:cs typeface="Courier New" pitchFamily="49" charset="0"/>
+              </a:rPr>
+              <a:t>   1 \</a:t>
+            </a:r>
+          </a:p>
+          <a:p>
+            <a:pPr>
+              <a:buNone/>
+            </a:pPr>
+            <a:r>
+              <a:rPr lang="en-US" sz="1000" b="1" dirty="0" smtClean="0">
+                <a:latin typeface="Courier New" pitchFamily="49" charset="0"/>
+                <a:cs typeface="Courier New" pitchFamily="49" charset="0"/>
+              </a:rPr>
+              <a:t>       expires    tomorrow \</a:t>
+            </a:r>
+          </a:p>
+          <a:p>
+            <a:pPr>
+              <a:buNone/>
+            </a:pPr>
+            <a:r>
+              <a:rPr lang="en-US" sz="1000" b="1" dirty="0" smtClean="0">
+                <a:latin typeface="Courier New" pitchFamily="49" charset="0"/>
+                <a:cs typeface="Courier New" pitchFamily="49" charset="0"/>
+              </a:rPr>
+              <a:t>       </a:t>
+            </a:r>
+            <a:r>
+              <a:rPr lang="en-US" sz="1000" b="1" dirty="0" err="1" smtClean="0">
+                <a:latin typeface="Courier New" pitchFamily="49" charset="0"/>
+                <a:cs typeface="Courier New" pitchFamily="49" charset="0"/>
+              </a:rPr>
+              <a:t>dateformat</a:t>
+            </a:r>
+            <a:r>
+              <a:rPr lang="en-US" sz="1000" b="1" dirty="0" smtClean="0">
+                <a:latin typeface="Courier New" pitchFamily="49" charset="0"/>
+                <a:cs typeface="Courier New" pitchFamily="49" charset="0"/>
+              </a:rPr>
+              <a:t> "%Y %b %d %T" \</a:t>
+            </a:r>
+          </a:p>
+          <a:p>
+            <a:pPr>
+              <a:buNone/>
+            </a:pPr>
+            <a:r>
+              <a:rPr lang="en-US" sz="1000" b="1" dirty="0" smtClean="0">
+                <a:latin typeface="Courier New" pitchFamily="49" charset="0"/>
+                <a:cs typeface="Courier New" pitchFamily="49" charset="0"/>
+              </a:rPr>
+              <a:t>       </a:t>
+            </a:r>
+            <a:r>
+              <a:rPr lang="en-US" sz="1000" b="1" dirty="0" err="1" smtClean="0">
+                <a:latin typeface="Courier New" pitchFamily="49" charset="0"/>
+                <a:cs typeface="Courier New" pitchFamily="49" charset="0"/>
+              </a:rPr>
+              <a:t>nodir</a:t>
+            </a:r>
+            <a:r>
+              <a:rPr lang="en-US" sz="1000" b="1" dirty="0" smtClean="0">
+                <a:latin typeface="Courier New" pitchFamily="49" charset="0"/>
+                <a:cs typeface="Courier New" pitchFamily="49" charset="0"/>
+              </a:rPr>
+              <a:t>      0</a:t>
+            </a:r>
+          </a:p>
+          <a:p>
+            <a:pPr>
+              <a:buNone/>
+            </a:pPr>
+            <a:endParaRPr lang="en-US" sz="1000" dirty="0" smtClean="0"/>
+          </a:p>
+          <a:p>
+            <a:r>
+              <a:rPr lang="en-US" dirty="0" smtClean="0"/>
+              <a:t>Add Rewrite to ex.nub:</a:t>
+            </a:r>
+          </a:p>
+          <a:p>
+            <a:pPr>
+              <a:buNone/>
+            </a:pPr>
+            <a:r>
+              <a:rPr lang="en-US" sz="1000" dirty="0" smtClean="0">
+                <a:latin typeface="Courier New" pitchFamily="49" charset="0"/>
+                <a:cs typeface="Courier New" pitchFamily="49" charset="0"/>
+              </a:rPr>
+              <a:t>    </a:t>
+            </a:r>
+          </a:p>
+          <a:p>
+            <a:pPr>
+              <a:buNone/>
+            </a:pPr>
+            <a:r>
+              <a:rPr lang="en-US" sz="1000" dirty="0" smtClean="0">
+                <a:latin typeface="Courier New" pitchFamily="49" charset="0"/>
+                <a:cs typeface="Courier New" pitchFamily="49" charset="0"/>
+              </a:rPr>
+              <a:t>    rewrite {/[^/]+[.]html} {/html/[file tail [</a:t>
+            </a:r>
+            <a:r>
+              <a:rPr lang="en-US" sz="1000" dirty="0" err="1" smtClean="0">
+                <a:latin typeface="Courier New" pitchFamily="49" charset="0"/>
+                <a:cs typeface="Courier New" pitchFamily="49" charset="0"/>
+              </a:rPr>
+              <a:t>dict</a:t>
+            </a:r>
+            <a:r>
+              <a:rPr lang="en-US" sz="1000" dirty="0" smtClean="0">
+                <a:latin typeface="Courier New" pitchFamily="49" charset="0"/>
+                <a:cs typeface="Courier New" pitchFamily="49" charset="0"/>
+              </a:rPr>
+              <a:t> get $r -path]]}</a:t>
+            </a:r>
+          </a:p>
+          <a:p>
+            <a:pPr>
+              <a:buNone/>
+            </a:pPr>
+            <a:endParaRPr lang="en-US" sz="1000" dirty="0" smtClean="0">
+              <a:latin typeface="Courier New" pitchFamily="49" charset="0"/>
+              <a:cs typeface="Courier New" pitchFamily="49" charset="0"/>
+            </a:endParaRPr>
+          </a:p>
+        </p:txBody>
+      </p:sp>
+    </p:spTree>
+  </p:cSld>
+  <p:clrMapOvr>
+    <a:masterClrMapping/>
+  </p:clrMapOvr>
+  <p:timing>
+    <p:tnLst>
+      <p:par>
+        <p:cTn id="1" dur="indefinite" restart="never" nodeType="tmRoot"/>
+      </p:par>
+    </p:tnLst>
+  </p:timing>
+</p:sld>
+</file>
+
+<file path=ppt/slides/slide15.xml><?xml version="1.0" encoding="utf-8"?>
+<p:sld xmlns:a="http://schemas.openxmlformats.org/drawingml/2006/main" xmlns:r="http://schemas.openxmlformats.org/officeDocument/2006/relationships" xmlns:p="http://schemas.openxmlformats.org/presentationml/2006/main">
+  <p:cSld>
+    <p:spTree>
+      <p:nvGrpSpPr>
+        <p:cNvPr id="1" name=""/>
+        <p:cNvGrpSpPr/>
+        <p:nvPr/>
+      </p:nvGrpSpPr>
+      <p:grpSpPr>
+        <a:xfrm>
+          <a:off x="0" y="0"/>
+          <a:ext cx="0" cy="0"/>
+          <a:chOff x="0" y="0"/>
+          <a:chExt cx="0" cy="0"/>
+        </a:xfrm>
+      </p:grpSpPr>
+      <p:sp>
+        <p:nvSpPr>
+          <p:cNvPr id="2" name="Title 1"/>
+          <p:cNvSpPr>
+            <a:spLocks noGrp="1"/>
+          </p:cNvSpPr>
+          <p:nvPr>
+            <p:ph type="title"/>
+          </p:nvPr>
+        </p:nvSpPr>
+        <p:spPr/>
+        <p:txBody>
           <a:bodyPr>
             <a:normAutofit/>
           </a:bodyPr>
@@ -6258,14 +6782,7 @@
                 <a:latin typeface="Courier New" pitchFamily="49" charset="0"/>
                 <a:cs typeface="Courier New" pitchFamily="49" charset="0"/>
               </a:rPr>
-              <a:t>d</a:t>
-            </a:r>
-            <a:r>
-              <a:rPr lang="en-US" sz="2000" dirty="0" smtClean="0">
-                <a:latin typeface="Courier New" pitchFamily="49" charset="0"/>
-                <a:cs typeface="Courier New" pitchFamily="49" charset="0"/>
-              </a:rPr>
-              <a:t>omain &lt;</a:t>
+              <a:t>domain &lt;</a:t>
             </a:r>
             <a:r>
               <a:rPr lang="en-US" sz="2000" dirty="0" err="1" smtClean="0">
@@ -6554,10 +7071,17 @@
   <p:clrMapOvr>
     <a:masterClrMapping/>
   </p:clrMapOvr>
+  <p:timing>
+    <p:tnLst>
+      <p:par>
+        <p:cTn id="1" dur="indefinite" restart="never" nodeType="tmRoot"/>
+      </p:par>
+    </p:tnLst>
+  </p:timing>
 </p:sld>
 </file>
 
-<file path=ppt/slides/slide15.xml><?xml version="1.0" encoding="utf-8"?>
+<file path=ppt/slides/slide16.xml><?xml version="1.0" encoding="utf-8"?>
 <p:sld xmlns:a="http://schemas.openxmlformats.org/drawingml/2006/main" xmlns:r="http://schemas.openxmlformats.org/officeDocument/2006/relationships" xmlns:p="http://schemas.openxmlformats.org/presentationml/2006/main">
   <p:cSld>
     <p:spTree>
@@ -6954,73 +7478,13 @@
   <p:clrMapOvr>
     <a:masterClrMapping/>
   </p:clrMapOvr>
-</p:sld>
-</file>
-
-<file path=ppt/slides/slide16.xml><?xml version="1.0" encoding="utf-8"?>
-<p:sld xmlns:a="http://schemas.openxmlformats.org/drawingml/2006/main" xmlns:r="http://schemas.openxmlformats.org/officeDocument/2006/relationships" xmlns:p="http://schemas.openxmlformats.org/presentationml/2006/main">
-  <p:cSld>
-    <p:spTree>
-      <p:nvGrpSpPr>
-        <p:cNvPr id="1" name=""/>
-        <p:cNvGrpSpPr/>
-        <p:nvPr/>
-      </p:nvGrpSpPr>
-      <p:grpSpPr>
-        <a:xfrm>
-          <a:off x="0" y="0"/>
-          <a:ext cx="0" cy="0"/>
-          <a:chOff x="0" y="0"/>
-          <a:chExt cx="0" cy="0"/>
-        </a:xfrm>
-      </p:grpSpPr>
-      <p:sp>
-        <p:nvSpPr>
-          <p:cNvPr id="2" name="Title 1"/>
-          <p:cNvSpPr>
-            <a:spLocks noGrp="1"/>
-          </p:cNvSpPr>
-          <p:nvPr>
-            <p:ph type="title"/>
-          </p:nvPr>
-        </p:nvSpPr>
-        <p:spPr/>
-        <p:txBody>
-          <a:bodyPr/>
-          <a:lstStyle/>
-          <a:p>
-            <a:r>
-              <a:rPr lang="en-US" dirty="0" smtClean="0"/>
-              <a:t>Example 3: Mason domain</a:t>
-            </a:r>
-            <a:endParaRPr lang="en-US" dirty="0"/>
-          </a:p>
-        </p:txBody>
-      </p:sp>
-      <p:sp>
-        <p:nvSpPr>
-          <p:cNvPr id="3" name="Content Placeholder 2"/>
-          <p:cNvSpPr>
-            <a:spLocks noGrp="1"/>
-          </p:cNvSpPr>
-          <p:nvPr>
-            <p:ph idx="1"/>
-          </p:nvPr>
-        </p:nvSpPr>
-        <p:spPr/>
-        <p:txBody>
-          <a:bodyPr/>
-          <a:lstStyle/>
-          <a:p>
-            <a:endParaRPr lang="en-US" dirty="0"/>
-          </a:p>
-        </p:txBody>
-      </p:sp>
-    </p:spTree>
-  </p:cSld>
-  <p:clrMapOvr>
-    <a:masterClrMapping/>
-  </p:clrMapOvr>
+  <p:timing>
+    <p:tnLst>
+      <p:par>
+        <p:cTn id="1" dur="indefinite" restart="never" nodeType="tmRoot"/>
+      </p:par>
+    </p:tnLst>
+  </p:timing>
 </p:sld>
 </file>
 
@@ -7058,7 +7522,7 @@
           <a:p>
             <a:r>
               <a:rPr lang="en-US" dirty="0" smtClean="0"/>
-              <a:t>Example 4: Direct domain</a:t>
+              <a:t>Example 2: Nub rewrite syntax</a:t>
             </a:r>
             <a:endParaRPr lang="en-US" dirty="0"/>
           </a:p>
@@ -7074,20 +7538,349 @@
             <p:ph idx="1"/>
           </p:nvPr>
         </p:nvSpPr>
-        <p:spPr/>
+        <p:spPr>
+          <a:xfrm>
+            <a:off x="685800" y="2057400"/>
+            <a:ext cx="8229600" cy="4525963"/>
+          </a:xfrm>
+        </p:spPr>
         <p:txBody>
           <a:bodyPr/>
           <a:lstStyle/>
           <a:p>
-            <a:endParaRPr lang="en-US"/>
-          </a:p>
-        </p:txBody>
-      </p:sp>
+            <a:pPr algn="ctr">
+              <a:buNone/>
+            </a:pPr>
+            <a:r>
+              <a:rPr lang="en-US" sz="3600" dirty="0" smtClean="0">
+                <a:latin typeface="Courier New" pitchFamily="49" charset="0"/>
+                <a:cs typeface="Courier New" pitchFamily="49" charset="0"/>
+              </a:rPr>
+              <a:t>rewrite &lt;</a:t>
+            </a:r>
+            <a:r>
+              <a:rPr lang="en-US" sz="3600" dirty="0" err="1" smtClean="0">
+                <a:latin typeface="Courier New" pitchFamily="49" charset="0"/>
+                <a:cs typeface="Courier New" pitchFamily="49" charset="0"/>
+              </a:rPr>
+              <a:t>regexp</a:t>
+            </a:r>
+            <a:r>
+              <a:rPr lang="en-US" sz="3600" dirty="0" smtClean="0">
+                <a:latin typeface="Courier New" pitchFamily="49" charset="0"/>
+                <a:cs typeface="Courier New" pitchFamily="49" charset="0"/>
+              </a:rPr>
+              <a:t>&gt; &lt;script&gt;</a:t>
+            </a:r>
+            <a:endParaRPr lang="en-US" sz="3600" dirty="0" smtClean="0">
+              <a:latin typeface="Courier New" pitchFamily="49" charset="0"/>
+              <a:cs typeface="Courier New" pitchFamily="49" charset="0"/>
+            </a:endParaRPr>
+          </a:p>
+          <a:p>
+            <a:pPr algn="ctr">
+              <a:buNone/>
+            </a:pPr>
+            <a:endParaRPr lang="en-US" dirty="0" smtClean="0"/>
+          </a:p>
+        </p:txBody>
+      </p:sp>
+      <p:graphicFrame>
+        <p:nvGraphicFramePr>
+          <p:cNvPr id="4" name="Table 3"/>
+          <p:cNvGraphicFramePr>
+            <a:graphicFrameLocks noGrp="1"/>
+          </p:cNvGraphicFramePr>
+          <p:nvPr/>
+        </p:nvGraphicFramePr>
+        <p:xfrm>
+          <a:off x="914400" y="3352800"/>
+          <a:ext cx="7620000" cy="1381760"/>
+        </p:xfrm>
+        <a:graphic>
+          <a:graphicData uri="http://schemas.openxmlformats.org/drawingml/2006/table">
+            <a:tbl>
+              <a:tblPr firstRow="1" bandRow="1">
+                <a:tableStyleId>{5C22544A-7EE6-4342-B048-85BDC9FD1C3A}</a:tableStyleId>
+              </a:tblPr>
+              <a:tblGrid>
+                <a:gridCol w="1600200"/>
+                <a:gridCol w="6019800"/>
+              </a:tblGrid>
+              <a:tr h="370840">
+                <a:tc>
+                  <a:txBody>
+                    <a:bodyPr/>
+                    <a:lstStyle/>
+                    <a:p>
+                      <a:r>
+                        <a:rPr lang="en-US" dirty="0" smtClean="0"/>
+                        <a:t>Argument</a:t>
+                      </a:r>
+                      <a:endParaRPr lang="en-US" dirty="0"/>
+                    </a:p>
+                  </a:txBody>
+                  <a:tcPr/>
+                </a:tc>
+                <a:tc>
+                  <a:txBody>
+                    <a:bodyPr/>
+                    <a:lstStyle/>
+                    <a:p>
+                      <a:r>
+                        <a:rPr lang="en-US" dirty="0" smtClean="0"/>
+                        <a:t>Description</a:t>
+                      </a:r>
+                      <a:endParaRPr lang="en-US" dirty="0"/>
+                    </a:p>
+                  </a:txBody>
+                  <a:tcPr/>
+                </a:tc>
+              </a:tr>
+              <a:tr h="370840">
+                <a:tc>
+                  <a:txBody>
+                    <a:bodyPr/>
+                    <a:lstStyle/>
+                    <a:p>
+                      <a:r>
+                        <a:rPr lang="en-US" dirty="0" err="1" smtClean="0">
+                          <a:latin typeface="Courier New" pitchFamily="49" charset="0"/>
+                          <a:cs typeface="Courier New" pitchFamily="49" charset="0"/>
+                        </a:rPr>
+                        <a:t>regexp</a:t>
+                      </a:r>
+                      <a:endParaRPr lang="en-US" dirty="0">
+                        <a:latin typeface="Courier New" pitchFamily="49" charset="0"/>
+                        <a:cs typeface="Courier New" pitchFamily="49" charset="0"/>
+                      </a:endParaRPr>
+                    </a:p>
+                  </a:txBody>
+                  <a:tcPr/>
+                </a:tc>
+                <a:tc>
+                  <a:txBody>
+                    <a:bodyPr/>
+                    <a:lstStyle/>
+                    <a:p>
+                      <a:r>
+                        <a:rPr lang="en-US" dirty="0" smtClean="0"/>
+                        <a:t>Regular expression to select an URL to be transformed</a:t>
+                      </a:r>
+                      <a:endParaRPr lang="en-US" dirty="0"/>
+                    </a:p>
+                  </a:txBody>
+                  <a:tcPr/>
+                </a:tc>
+              </a:tr>
+              <a:tr h="370840">
+                <a:tc>
+                  <a:txBody>
+                    <a:bodyPr/>
+                    <a:lstStyle/>
+                    <a:p>
+                      <a:r>
+                        <a:rPr lang="en-US" dirty="0" smtClean="0">
+                          <a:latin typeface="Courier New" pitchFamily="49" charset="0"/>
+                          <a:cs typeface="Courier New" pitchFamily="49" charset="0"/>
+                        </a:rPr>
+                        <a:t>script</a:t>
+                      </a:r>
+                      <a:endParaRPr lang="en-US" dirty="0">
+                        <a:latin typeface="Courier New" pitchFamily="49" charset="0"/>
+                        <a:cs typeface="Courier New" pitchFamily="49" charset="0"/>
+                      </a:endParaRPr>
+                    </a:p>
+                  </a:txBody>
+                  <a:tcPr/>
+                </a:tc>
+                <a:tc>
+                  <a:txBody>
+                    <a:bodyPr/>
+                    <a:lstStyle/>
+                    <a:p>
+                      <a:r>
+                        <a:rPr lang="en-US" dirty="0" smtClean="0"/>
+                        <a:t>Script to be called to transform the URL (evaluated in</a:t>
+                      </a:r>
+                      <a:r>
+                        <a:rPr lang="en-US" baseline="0" dirty="0" smtClean="0"/>
+                        <a:t> Nub namespace)</a:t>
+                      </a:r>
+                      <a:r>
+                        <a:rPr lang="en-US" dirty="0" smtClean="0"/>
+                        <a:t> </a:t>
+                      </a:r>
+                      <a:endParaRPr lang="en-US" dirty="0"/>
+                    </a:p>
+                  </a:txBody>
+                  <a:tcPr/>
+                </a:tc>
+              </a:tr>
+            </a:tbl>
+          </a:graphicData>
+        </a:graphic>
+      </p:graphicFrame>
     </p:spTree>
   </p:cSld>
   <p:clrMapOvr>
     <a:masterClrMapping/>
   </p:clrMapOvr>
+  <p:timing>
+    <p:tnLst>
+      <p:par>
+        <p:cTn id="1" dur="indefinite" restart="never" nodeType="tmRoot"/>
+      </p:par>
+    </p:tnLst>
+  </p:timing>
+</p:sld>
+</file>
+
+<file path=ppt/slides/slide18.xml><?xml version="1.0" encoding="utf-8"?>
+<p:sld xmlns:a="http://schemas.openxmlformats.org/drawingml/2006/main" xmlns:r="http://schemas.openxmlformats.org/officeDocument/2006/relationships" xmlns:p="http://schemas.openxmlformats.org/presentationml/2006/main">
+  <p:cSld>
+    <p:spTree>
+      <p:nvGrpSpPr>
+        <p:cNvPr id="1" name=""/>
+        <p:cNvGrpSpPr/>
+        <p:nvPr/>
+      </p:nvGrpSpPr>
+      <p:grpSpPr>
+        <a:xfrm>
+          <a:off x="0" y="0"/>
+          <a:ext cx="0" cy="0"/>
+          <a:chOff x="0" y="0"/>
+          <a:chExt cx="0" cy="0"/>
+        </a:xfrm>
+      </p:grpSpPr>
+      <p:sp>
+        <p:nvSpPr>
+          <p:cNvPr id="2" name="Title 1"/>
+          <p:cNvSpPr>
+            <a:spLocks noGrp="1"/>
+          </p:cNvSpPr>
+          <p:nvPr>
+            <p:ph type="title"/>
+          </p:nvPr>
+        </p:nvSpPr>
+        <p:spPr/>
+        <p:txBody>
+          <a:bodyPr/>
+          <a:lstStyle/>
+          <a:p>
+            <a:r>
+              <a:rPr lang="en-US" dirty="0" smtClean="0"/>
+              <a:t>Example 3: Mason domain</a:t>
+            </a:r>
+            <a:endParaRPr lang="en-US" dirty="0"/>
+          </a:p>
+        </p:txBody>
+      </p:sp>
+      <p:sp>
+        <p:nvSpPr>
+          <p:cNvPr id="3" name="Content Placeholder 2"/>
+          <p:cNvSpPr>
+            <a:spLocks noGrp="1"/>
+          </p:cNvSpPr>
+          <p:nvPr>
+            <p:ph idx="1"/>
+          </p:nvPr>
+        </p:nvSpPr>
+        <p:spPr/>
+        <p:txBody>
+          <a:bodyPr/>
+          <a:lstStyle/>
+          <a:p>
+            <a:endParaRPr lang="en-US" dirty="0"/>
+          </a:p>
+        </p:txBody>
+      </p:sp>
+    </p:spTree>
+  </p:cSld>
+  <p:clrMapOvr>
+    <a:masterClrMapping/>
+  </p:clrMapOvr>
+  <p:timing>
+    <p:tnLst>
+      <p:par>
+        <p:cTn id="1" dur="indefinite" restart="never" nodeType="tmRoot"/>
+      </p:par>
+    </p:tnLst>
+  </p:timing>
+</p:sld>
+</file>
+
+<file path=ppt/slides/slide19.xml><?xml version="1.0" encoding="utf-8"?>
+<p:sld xmlns:a="http://schemas.openxmlformats.org/drawingml/2006/main" xmlns:r="http://schemas.openxmlformats.org/officeDocument/2006/relationships" xmlns:p="http://schemas.openxmlformats.org/presentationml/2006/main">
+  <p:cSld>
+    <p:spTree>
+      <p:nvGrpSpPr>
+        <p:cNvPr id="1" name=""/>
+        <p:cNvGrpSpPr/>
+        <p:nvPr/>
+      </p:nvGrpSpPr>
+      <p:grpSpPr>
+        <a:xfrm>
+          <a:off x="0" y="0"/>
+          <a:ext cx="0" cy="0"/>
+          <a:chOff x="0" y="0"/>
+          <a:chExt cx="0" cy="0"/>
+        </a:xfrm>
+      </p:grpSpPr>
+      <p:sp>
+        <p:nvSpPr>
+          <p:cNvPr id="2" name="Title 1"/>
+          <p:cNvSpPr>
+            <a:spLocks noGrp="1"/>
+          </p:cNvSpPr>
+          <p:nvPr>
+            <p:ph type="title"/>
+          </p:nvPr>
+        </p:nvSpPr>
+        <p:spPr/>
+        <p:txBody>
+          <a:bodyPr/>
+          <a:lstStyle/>
+          <a:p>
+            <a:r>
+              <a:rPr lang="en-US" dirty="0" smtClean="0"/>
+              <a:t>Example 4: Direct domain</a:t>
+            </a:r>
+            <a:endParaRPr lang="en-US" dirty="0"/>
+          </a:p>
+        </p:txBody>
+      </p:sp>
+      <p:sp>
+        <p:nvSpPr>
+          <p:cNvPr id="3" name="Content Placeholder 2"/>
+          <p:cNvSpPr>
+            <a:spLocks noGrp="1"/>
+          </p:cNvSpPr>
+          <p:nvPr>
+            <p:ph idx="1"/>
+          </p:nvPr>
+        </p:nvSpPr>
+        <p:spPr/>
+        <p:txBody>
+          <a:bodyPr/>
+          <a:lstStyle/>
+          <a:p>
+            <a:endParaRPr lang="en-US"/>
+          </a:p>
+        </p:txBody>
+      </p:sp>
+    </p:spTree>
+  </p:cSld>
+  <p:clrMapOvr>
+    <a:masterClrMapping/>
+  </p:clrMapOvr>
+  <p:timing>
+    <p:tnLst>
+      <p:par>
+        <p:cTn id="1" dur="indefinite" restart="never" nodeType="tmRoot"/>
+      </p:par>
+    </p:tnLst>
+  </p:timing>
 </p:sld>
 </file>
 

--- a/trunk/wubexamples/Lets_Wub.pptx
+++ b/trunk/wubexamples/Lets_Wub.pptx
@@ -5,7 +5,7 @@
     <p:sldMasterId id="2147483708" r:id="rId1"/>
   </p:sldMasterIdLst>
   <p:notesMasterIdLst>
-    <p:notesMasterId r:id="rId21"/>
+    <p:notesMasterId r:id="rId36"/>
   </p:notesMasterIdLst>
   <p:sldIdLst>
     <p:sldId id="256" r:id="rId2"/>
@@ -15,18 +15,33 @@
     <p:sldId id="263" r:id="rId6"/>
     <p:sldId id="271" r:id="rId7"/>
     <p:sldId id="260" r:id="rId8"/>
-    <p:sldId id="262" r:id="rId9"/>
-    <p:sldId id="261" r:id="rId10"/>
-    <p:sldId id="264" r:id="rId11"/>
-    <p:sldId id="270" r:id="rId12"/>
-    <p:sldId id="265" r:id="rId13"/>
-    <p:sldId id="275" r:id="rId14"/>
-    <p:sldId id="266" r:id="rId15"/>
-    <p:sldId id="272" r:id="rId16"/>
-    <p:sldId id="273" r:id="rId17"/>
-    <p:sldId id="274" r:id="rId18"/>
-    <p:sldId id="267" r:id="rId19"/>
-    <p:sldId id="268" r:id="rId20"/>
+    <p:sldId id="286" r:id="rId9"/>
+    <p:sldId id="262" r:id="rId10"/>
+    <p:sldId id="261" r:id="rId11"/>
+    <p:sldId id="264" r:id="rId12"/>
+    <p:sldId id="270" r:id="rId13"/>
+    <p:sldId id="265" r:id="rId14"/>
+    <p:sldId id="275" r:id="rId15"/>
+    <p:sldId id="266" r:id="rId16"/>
+    <p:sldId id="272" r:id="rId17"/>
+    <p:sldId id="273" r:id="rId18"/>
+    <p:sldId id="274" r:id="rId19"/>
+    <p:sldId id="267" r:id="rId20"/>
+    <p:sldId id="287" r:id="rId21"/>
+    <p:sldId id="288" r:id="rId22"/>
+    <p:sldId id="289" r:id="rId23"/>
+    <p:sldId id="290" r:id="rId24"/>
+    <p:sldId id="268" r:id="rId25"/>
+    <p:sldId id="276" r:id="rId26"/>
+    <p:sldId id="277" r:id="rId27"/>
+    <p:sldId id="278" r:id="rId28"/>
+    <p:sldId id="279" r:id="rId29"/>
+    <p:sldId id="280" r:id="rId30"/>
+    <p:sldId id="281" r:id="rId31"/>
+    <p:sldId id="282" r:id="rId32"/>
+    <p:sldId id="283" r:id="rId33"/>
+    <p:sldId id="284" r:id="rId34"/>
+    <p:sldId id="285" r:id="rId35"/>
   </p:sldIdLst>
   <p:sldSz cx="9144000" cy="6858000" type="screen4x3"/>
   <p:notesSz cx="6858000" cy="9144000"/>
@@ -211,7 +226,7 @@
             <a:fld id="{4DF4E2B3-4403-4393-BB8B-AE854F842FFB}" type="datetimeFigureOut">
               <a:rPr lang="en-US" smtClean="0"/>
               <a:pPr/>
-              <a:t>4/26/2009</a:t>
+              <a:t>5/17/2009</a:t>
             </a:fld>
             <a:endParaRPr lang="en-US"/>
           </a:p>
@@ -1461,6 +1476,826 @@
 </p:notes>
 </file>
 
+<file path=ppt/notesSlides/notesSlide20.xml><?xml version="1.0" encoding="utf-8"?>
+<p:notes xmlns:a="http://schemas.openxmlformats.org/drawingml/2006/main" xmlns:r="http://schemas.openxmlformats.org/officeDocument/2006/relationships" xmlns:p="http://schemas.openxmlformats.org/presentationml/2006/main">
+  <p:cSld>
+    <p:spTree>
+      <p:nvGrpSpPr>
+        <p:cNvPr id="1" name=""/>
+        <p:cNvGrpSpPr/>
+        <p:nvPr/>
+      </p:nvGrpSpPr>
+      <p:grpSpPr>
+        <a:xfrm>
+          <a:off x="0" y="0"/>
+          <a:ext cx="0" cy="0"/>
+          <a:chOff x="0" y="0"/>
+          <a:chExt cx="0" cy="0"/>
+        </a:xfrm>
+      </p:grpSpPr>
+      <p:sp>
+        <p:nvSpPr>
+          <p:cNvPr id="2" name="Slide Image Placeholder 1"/>
+          <p:cNvSpPr>
+            <a:spLocks noGrp="1" noRot="1" noChangeAspect="1"/>
+          </p:cNvSpPr>
+          <p:nvPr>
+            <p:ph type="sldImg"/>
+          </p:nvPr>
+        </p:nvSpPr>
+        <p:spPr/>
+      </p:sp>
+      <p:sp>
+        <p:nvSpPr>
+          <p:cNvPr id="3" name="Notes Placeholder 2"/>
+          <p:cNvSpPr>
+            <a:spLocks noGrp="1"/>
+          </p:cNvSpPr>
+          <p:nvPr>
+            <p:ph type="body" idx="1"/>
+          </p:nvPr>
+        </p:nvSpPr>
+        <p:spPr/>
+        <p:txBody>
+          <a:bodyPr>
+            <a:normAutofit/>
+          </a:bodyPr>
+          <a:lstStyle/>
+          <a:p>
+            <a:endParaRPr lang="en-US"/>
+          </a:p>
+        </p:txBody>
+      </p:sp>
+      <p:sp>
+        <p:nvSpPr>
+          <p:cNvPr id="4" name="Slide Number Placeholder 3"/>
+          <p:cNvSpPr>
+            <a:spLocks noGrp="1"/>
+          </p:cNvSpPr>
+          <p:nvPr>
+            <p:ph type="sldNum" sz="quarter" idx="10"/>
+          </p:nvPr>
+        </p:nvSpPr>
+        <p:spPr/>
+        <p:txBody>
+          <a:bodyPr/>
+          <a:lstStyle/>
+          <a:p>
+            <a:fld id="{4EE576B6-BA25-48A5-995A-4330F3F4AAF4}" type="slidenum">
+              <a:rPr lang="en-US" smtClean="0"/>
+              <a:pPr/>
+              <a:t>20</a:t>
+            </a:fld>
+            <a:endParaRPr lang="en-US"/>
+          </a:p>
+        </p:txBody>
+      </p:sp>
+    </p:spTree>
+  </p:cSld>
+  <p:clrMapOvr>
+    <a:masterClrMapping/>
+  </p:clrMapOvr>
+</p:notes>
+</file>
+
+<file path=ppt/notesSlides/notesSlide21.xml><?xml version="1.0" encoding="utf-8"?>
+<p:notes xmlns:a="http://schemas.openxmlformats.org/drawingml/2006/main" xmlns:r="http://schemas.openxmlformats.org/officeDocument/2006/relationships" xmlns:p="http://schemas.openxmlformats.org/presentationml/2006/main">
+  <p:cSld>
+    <p:spTree>
+      <p:nvGrpSpPr>
+        <p:cNvPr id="1" name=""/>
+        <p:cNvGrpSpPr/>
+        <p:nvPr/>
+      </p:nvGrpSpPr>
+      <p:grpSpPr>
+        <a:xfrm>
+          <a:off x="0" y="0"/>
+          <a:ext cx="0" cy="0"/>
+          <a:chOff x="0" y="0"/>
+          <a:chExt cx="0" cy="0"/>
+        </a:xfrm>
+      </p:grpSpPr>
+      <p:sp>
+        <p:nvSpPr>
+          <p:cNvPr id="2" name="Slide Image Placeholder 1"/>
+          <p:cNvSpPr>
+            <a:spLocks noGrp="1" noRot="1" noChangeAspect="1"/>
+          </p:cNvSpPr>
+          <p:nvPr>
+            <p:ph type="sldImg"/>
+          </p:nvPr>
+        </p:nvSpPr>
+        <p:spPr/>
+      </p:sp>
+      <p:sp>
+        <p:nvSpPr>
+          <p:cNvPr id="3" name="Notes Placeholder 2"/>
+          <p:cNvSpPr>
+            <a:spLocks noGrp="1"/>
+          </p:cNvSpPr>
+          <p:nvPr>
+            <p:ph type="body" idx="1"/>
+          </p:nvPr>
+        </p:nvSpPr>
+        <p:spPr/>
+        <p:txBody>
+          <a:bodyPr>
+            <a:normAutofit/>
+          </a:bodyPr>
+          <a:lstStyle/>
+          <a:p>
+            <a:endParaRPr lang="en-US"/>
+          </a:p>
+        </p:txBody>
+      </p:sp>
+      <p:sp>
+        <p:nvSpPr>
+          <p:cNvPr id="4" name="Slide Number Placeholder 3"/>
+          <p:cNvSpPr>
+            <a:spLocks noGrp="1"/>
+          </p:cNvSpPr>
+          <p:nvPr>
+            <p:ph type="sldNum" sz="quarter" idx="10"/>
+          </p:nvPr>
+        </p:nvSpPr>
+        <p:spPr/>
+        <p:txBody>
+          <a:bodyPr/>
+          <a:lstStyle/>
+          <a:p>
+            <a:fld id="{4EE576B6-BA25-48A5-995A-4330F3F4AAF4}" type="slidenum">
+              <a:rPr lang="en-US" smtClean="0"/>
+              <a:pPr/>
+              <a:t>21</a:t>
+            </a:fld>
+            <a:endParaRPr lang="en-US"/>
+          </a:p>
+        </p:txBody>
+      </p:sp>
+    </p:spTree>
+  </p:cSld>
+  <p:clrMapOvr>
+    <a:masterClrMapping/>
+  </p:clrMapOvr>
+</p:notes>
+</file>
+
+<file path=ppt/notesSlides/notesSlide22.xml><?xml version="1.0" encoding="utf-8"?>
+<p:notes xmlns:a="http://schemas.openxmlformats.org/drawingml/2006/main" xmlns:r="http://schemas.openxmlformats.org/officeDocument/2006/relationships" xmlns:p="http://schemas.openxmlformats.org/presentationml/2006/main">
+  <p:cSld>
+    <p:spTree>
+      <p:nvGrpSpPr>
+        <p:cNvPr id="1" name=""/>
+        <p:cNvGrpSpPr/>
+        <p:nvPr/>
+      </p:nvGrpSpPr>
+      <p:grpSpPr>
+        <a:xfrm>
+          <a:off x="0" y="0"/>
+          <a:ext cx="0" cy="0"/>
+          <a:chOff x="0" y="0"/>
+          <a:chExt cx="0" cy="0"/>
+        </a:xfrm>
+      </p:grpSpPr>
+      <p:sp>
+        <p:nvSpPr>
+          <p:cNvPr id="2" name="Slide Image Placeholder 1"/>
+          <p:cNvSpPr>
+            <a:spLocks noGrp="1" noRot="1" noChangeAspect="1"/>
+          </p:cNvSpPr>
+          <p:nvPr>
+            <p:ph type="sldImg"/>
+          </p:nvPr>
+        </p:nvSpPr>
+        <p:spPr/>
+      </p:sp>
+      <p:sp>
+        <p:nvSpPr>
+          <p:cNvPr id="3" name="Notes Placeholder 2"/>
+          <p:cNvSpPr>
+            <a:spLocks noGrp="1"/>
+          </p:cNvSpPr>
+          <p:nvPr>
+            <p:ph type="body" idx="1"/>
+          </p:nvPr>
+        </p:nvSpPr>
+        <p:spPr/>
+        <p:txBody>
+          <a:bodyPr>
+            <a:normAutofit/>
+          </a:bodyPr>
+          <a:lstStyle/>
+          <a:p>
+            <a:endParaRPr lang="en-US"/>
+          </a:p>
+        </p:txBody>
+      </p:sp>
+      <p:sp>
+        <p:nvSpPr>
+          <p:cNvPr id="4" name="Slide Number Placeholder 3"/>
+          <p:cNvSpPr>
+            <a:spLocks noGrp="1"/>
+          </p:cNvSpPr>
+          <p:nvPr>
+            <p:ph type="sldNum" sz="quarter" idx="10"/>
+          </p:nvPr>
+        </p:nvSpPr>
+        <p:spPr/>
+        <p:txBody>
+          <a:bodyPr/>
+          <a:lstStyle/>
+          <a:p>
+            <a:fld id="{4EE576B6-BA25-48A5-995A-4330F3F4AAF4}" type="slidenum">
+              <a:rPr lang="en-US" smtClean="0"/>
+              <a:pPr/>
+              <a:t>22</a:t>
+            </a:fld>
+            <a:endParaRPr lang="en-US"/>
+          </a:p>
+        </p:txBody>
+      </p:sp>
+    </p:spTree>
+  </p:cSld>
+  <p:clrMapOvr>
+    <a:masterClrMapping/>
+  </p:clrMapOvr>
+</p:notes>
+</file>
+
+<file path=ppt/notesSlides/notesSlide23.xml><?xml version="1.0" encoding="utf-8"?>
+<p:notes xmlns:a="http://schemas.openxmlformats.org/drawingml/2006/main" xmlns:r="http://schemas.openxmlformats.org/officeDocument/2006/relationships" xmlns:p="http://schemas.openxmlformats.org/presentationml/2006/main">
+  <p:cSld>
+    <p:spTree>
+      <p:nvGrpSpPr>
+        <p:cNvPr id="1" name=""/>
+        <p:cNvGrpSpPr/>
+        <p:nvPr/>
+      </p:nvGrpSpPr>
+      <p:grpSpPr>
+        <a:xfrm>
+          <a:off x="0" y="0"/>
+          <a:ext cx="0" cy="0"/>
+          <a:chOff x="0" y="0"/>
+          <a:chExt cx="0" cy="0"/>
+        </a:xfrm>
+      </p:grpSpPr>
+      <p:sp>
+        <p:nvSpPr>
+          <p:cNvPr id="2" name="Slide Image Placeholder 1"/>
+          <p:cNvSpPr>
+            <a:spLocks noGrp="1" noRot="1" noChangeAspect="1"/>
+          </p:cNvSpPr>
+          <p:nvPr>
+            <p:ph type="sldImg"/>
+          </p:nvPr>
+        </p:nvSpPr>
+        <p:spPr/>
+      </p:sp>
+      <p:sp>
+        <p:nvSpPr>
+          <p:cNvPr id="3" name="Notes Placeholder 2"/>
+          <p:cNvSpPr>
+            <a:spLocks noGrp="1"/>
+          </p:cNvSpPr>
+          <p:nvPr>
+            <p:ph type="body" idx="1"/>
+          </p:nvPr>
+        </p:nvSpPr>
+        <p:spPr/>
+        <p:txBody>
+          <a:bodyPr>
+            <a:normAutofit/>
+          </a:bodyPr>
+          <a:lstStyle/>
+          <a:p>
+            <a:endParaRPr lang="en-US"/>
+          </a:p>
+        </p:txBody>
+      </p:sp>
+      <p:sp>
+        <p:nvSpPr>
+          <p:cNvPr id="4" name="Slide Number Placeholder 3"/>
+          <p:cNvSpPr>
+            <a:spLocks noGrp="1"/>
+          </p:cNvSpPr>
+          <p:nvPr>
+            <p:ph type="sldNum" sz="quarter" idx="10"/>
+          </p:nvPr>
+        </p:nvSpPr>
+        <p:spPr/>
+        <p:txBody>
+          <a:bodyPr/>
+          <a:lstStyle/>
+          <a:p>
+            <a:fld id="{4EE576B6-BA25-48A5-995A-4330F3F4AAF4}" type="slidenum">
+              <a:rPr lang="en-US" smtClean="0"/>
+              <a:pPr/>
+              <a:t>23</a:t>
+            </a:fld>
+            <a:endParaRPr lang="en-US"/>
+          </a:p>
+        </p:txBody>
+      </p:sp>
+    </p:spTree>
+  </p:cSld>
+  <p:clrMapOvr>
+    <a:masterClrMapping/>
+  </p:clrMapOvr>
+</p:notes>
+</file>
+
+<file path=ppt/notesSlides/notesSlide24.xml><?xml version="1.0" encoding="utf-8"?>
+<p:notes xmlns:a="http://schemas.openxmlformats.org/drawingml/2006/main" xmlns:r="http://schemas.openxmlformats.org/officeDocument/2006/relationships" xmlns:p="http://schemas.openxmlformats.org/presentationml/2006/main">
+  <p:cSld>
+    <p:spTree>
+      <p:nvGrpSpPr>
+        <p:cNvPr id="1" name=""/>
+        <p:cNvGrpSpPr/>
+        <p:nvPr/>
+      </p:nvGrpSpPr>
+      <p:grpSpPr>
+        <a:xfrm>
+          <a:off x="0" y="0"/>
+          <a:ext cx="0" cy="0"/>
+          <a:chOff x="0" y="0"/>
+          <a:chExt cx="0" cy="0"/>
+        </a:xfrm>
+      </p:grpSpPr>
+      <p:sp>
+        <p:nvSpPr>
+          <p:cNvPr id="2" name="Slide Image Placeholder 1"/>
+          <p:cNvSpPr>
+            <a:spLocks noGrp="1" noRot="1" noChangeAspect="1"/>
+          </p:cNvSpPr>
+          <p:nvPr>
+            <p:ph type="sldImg"/>
+          </p:nvPr>
+        </p:nvSpPr>
+        <p:spPr/>
+      </p:sp>
+      <p:sp>
+        <p:nvSpPr>
+          <p:cNvPr id="3" name="Notes Placeholder 2"/>
+          <p:cNvSpPr>
+            <a:spLocks noGrp="1"/>
+          </p:cNvSpPr>
+          <p:nvPr>
+            <p:ph type="body" idx="1"/>
+          </p:nvPr>
+        </p:nvSpPr>
+        <p:spPr/>
+        <p:txBody>
+          <a:bodyPr>
+            <a:normAutofit/>
+          </a:bodyPr>
+          <a:lstStyle/>
+          <a:p>
+            <a:endParaRPr lang="en-US"/>
+          </a:p>
+        </p:txBody>
+      </p:sp>
+      <p:sp>
+        <p:nvSpPr>
+          <p:cNvPr id="4" name="Slide Number Placeholder 3"/>
+          <p:cNvSpPr>
+            <a:spLocks noGrp="1"/>
+          </p:cNvSpPr>
+          <p:nvPr>
+            <p:ph type="sldNum" sz="quarter" idx="10"/>
+          </p:nvPr>
+        </p:nvSpPr>
+        <p:spPr/>
+        <p:txBody>
+          <a:bodyPr/>
+          <a:lstStyle/>
+          <a:p>
+            <a:fld id="{4EE576B6-BA25-48A5-995A-4330F3F4AAF4}" type="slidenum">
+              <a:rPr lang="en-US" smtClean="0"/>
+              <a:pPr/>
+              <a:t>24</a:t>
+            </a:fld>
+            <a:endParaRPr lang="en-US"/>
+          </a:p>
+        </p:txBody>
+      </p:sp>
+    </p:spTree>
+  </p:cSld>
+  <p:clrMapOvr>
+    <a:masterClrMapping/>
+  </p:clrMapOvr>
+</p:notes>
+</file>
+
+<file path=ppt/notesSlides/notesSlide25.xml><?xml version="1.0" encoding="utf-8"?>
+<p:notes xmlns:a="http://schemas.openxmlformats.org/drawingml/2006/main" xmlns:r="http://schemas.openxmlformats.org/officeDocument/2006/relationships" xmlns:p="http://schemas.openxmlformats.org/presentationml/2006/main">
+  <p:cSld>
+    <p:spTree>
+      <p:nvGrpSpPr>
+        <p:cNvPr id="1" name=""/>
+        <p:cNvGrpSpPr/>
+        <p:nvPr/>
+      </p:nvGrpSpPr>
+      <p:grpSpPr>
+        <a:xfrm>
+          <a:off x="0" y="0"/>
+          <a:ext cx="0" cy="0"/>
+          <a:chOff x="0" y="0"/>
+          <a:chExt cx="0" cy="0"/>
+        </a:xfrm>
+      </p:grpSpPr>
+      <p:sp>
+        <p:nvSpPr>
+          <p:cNvPr id="2" name="Slide Image Placeholder 1"/>
+          <p:cNvSpPr>
+            <a:spLocks noGrp="1" noRot="1" noChangeAspect="1"/>
+          </p:cNvSpPr>
+          <p:nvPr>
+            <p:ph type="sldImg"/>
+          </p:nvPr>
+        </p:nvSpPr>
+        <p:spPr/>
+      </p:sp>
+      <p:sp>
+        <p:nvSpPr>
+          <p:cNvPr id="3" name="Notes Placeholder 2"/>
+          <p:cNvSpPr>
+            <a:spLocks noGrp="1"/>
+          </p:cNvSpPr>
+          <p:nvPr>
+            <p:ph type="body" idx="1"/>
+          </p:nvPr>
+        </p:nvSpPr>
+        <p:spPr/>
+        <p:txBody>
+          <a:bodyPr>
+            <a:normAutofit/>
+          </a:bodyPr>
+          <a:lstStyle/>
+          <a:p>
+            <a:endParaRPr lang="en-US"/>
+          </a:p>
+        </p:txBody>
+      </p:sp>
+      <p:sp>
+        <p:nvSpPr>
+          <p:cNvPr id="4" name="Slide Number Placeholder 3"/>
+          <p:cNvSpPr>
+            <a:spLocks noGrp="1"/>
+          </p:cNvSpPr>
+          <p:nvPr>
+            <p:ph type="sldNum" sz="quarter" idx="10"/>
+          </p:nvPr>
+        </p:nvSpPr>
+        <p:spPr/>
+        <p:txBody>
+          <a:bodyPr/>
+          <a:lstStyle/>
+          <a:p>
+            <a:fld id="{4EE576B6-BA25-48A5-995A-4330F3F4AAF4}" type="slidenum">
+              <a:rPr lang="en-US" smtClean="0"/>
+              <a:pPr/>
+              <a:t>25</a:t>
+            </a:fld>
+            <a:endParaRPr lang="en-US"/>
+          </a:p>
+        </p:txBody>
+      </p:sp>
+    </p:spTree>
+  </p:cSld>
+  <p:clrMapOvr>
+    <a:masterClrMapping/>
+  </p:clrMapOvr>
+</p:notes>
+</file>
+
+<file path=ppt/notesSlides/notesSlide26.xml><?xml version="1.0" encoding="utf-8"?>
+<p:notes xmlns:a="http://schemas.openxmlformats.org/drawingml/2006/main" xmlns:r="http://schemas.openxmlformats.org/officeDocument/2006/relationships" xmlns:p="http://schemas.openxmlformats.org/presentationml/2006/main">
+  <p:cSld>
+    <p:spTree>
+      <p:nvGrpSpPr>
+        <p:cNvPr id="1" name=""/>
+        <p:cNvGrpSpPr/>
+        <p:nvPr/>
+      </p:nvGrpSpPr>
+      <p:grpSpPr>
+        <a:xfrm>
+          <a:off x="0" y="0"/>
+          <a:ext cx="0" cy="0"/>
+          <a:chOff x="0" y="0"/>
+          <a:chExt cx="0" cy="0"/>
+        </a:xfrm>
+      </p:grpSpPr>
+      <p:sp>
+        <p:nvSpPr>
+          <p:cNvPr id="2" name="Slide Image Placeholder 1"/>
+          <p:cNvSpPr>
+            <a:spLocks noGrp="1" noRot="1" noChangeAspect="1"/>
+          </p:cNvSpPr>
+          <p:nvPr>
+            <p:ph type="sldImg"/>
+          </p:nvPr>
+        </p:nvSpPr>
+        <p:spPr/>
+      </p:sp>
+      <p:sp>
+        <p:nvSpPr>
+          <p:cNvPr id="3" name="Notes Placeholder 2"/>
+          <p:cNvSpPr>
+            <a:spLocks noGrp="1"/>
+          </p:cNvSpPr>
+          <p:nvPr>
+            <p:ph type="body" idx="1"/>
+          </p:nvPr>
+        </p:nvSpPr>
+        <p:spPr/>
+        <p:txBody>
+          <a:bodyPr>
+            <a:normAutofit/>
+          </a:bodyPr>
+          <a:lstStyle/>
+          <a:p>
+            <a:endParaRPr lang="en-US"/>
+          </a:p>
+        </p:txBody>
+      </p:sp>
+      <p:sp>
+        <p:nvSpPr>
+          <p:cNvPr id="4" name="Slide Number Placeholder 3"/>
+          <p:cNvSpPr>
+            <a:spLocks noGrp="1"/>
+          </p:cNvSpPr>
+          <p:nvPr>
+            <p:ph type="sldNum" sz="quarter" idx="10"/>
+          </p:nvPr>
+        </p:nvSpPr>
+        <p:spPr/>
+        <p:txBody>
+          <a:bodyPr/>
+          <a:lstStyle/>
+          <a:p>
+            <a:fld id="{4EE576B6-BA25-48A5-995A-4330F3F4AAF4}" type="slidenum">
+              <a:rPr lang="en-US" smtClean="0"/>
+              <a:pPr/>
+              <a:t>26</a:t>
+            </a:fld>
+            <a:endParaRPr lang="en-US"/>
+          </a:p>
+        </p:txBody>
+      </p:sp>
+    </p:spTree>
+  </p:cSld>
+  <p:clrMapOvr>
+    <a:masterClrMapping/>
+  </p:clrMapOvr>
+</p:notes>
+</file>
+
+<file path=ppt/notesSlides/notesSlide27.xml><?xml version="1.0" encoding="utf-8"?>
+<p:notes xmlns:a="http://schemas.openxmlformats.org/drawingml/2006/main" xmlns:r="http://schemas.openxmlformats.org/officeDocument/2006/relationships" xmlns:p="http://schemas.openxmlformats.org/presentationml/2006/main">
+  <p:cSld>
+    <p:spTree>
+      <p:nvGrpSpPr>
+        <p:cNvPr id="1" name=""/>
+        <p:cNvGrpSpPr/>
+        <p:nvPr/>
+      </p:nvGrpSpPr>
+      <p:grpSpPr>
+        <a:xfrm>
+          <a:off x="0" y="0"/>
+          <a:ext cx="0" cy="0"/>
+          <a:chOff x="0" y="0"/>
+          <a:chExt cx="0" cy="0"/>
+        </a:xfrm>
+      </p:grpSpPr>
+      <p:sp>
+        <p:nvSpPr>
+          <p:cNvPr id="2" name="Slide Image Placeholder 1"/>
+          <p:cNvSpPr>
+            <a:spLocks noGrp="1" noRot="1" noChangeAspect="1"/>
+          </p:cNvSpPr>
+          <p:nvPr>
+            <p:ph type="sldImg"/>
+          </p:nvPr>
+        </p:nvSpPr>
+        <p:spPr/>
+      </p:sp>
+      <p:sp>
+        <p:nvSpPr>
+          <p:cNvPr id="3" name="Notes Placeholder 2"/>
+          <p:cNvSpPr>
+            <a:spLocks noGrp="1"/>
+          </p:cNvSpPr>
+          <p:nvPr>
+            <p:ph type="body" idx="1"/>
+          </p:nvPr>
+        </p:nvSpPr>
+        <p:spPr/>
+        <p:txBody>
+          <a:bodyPr>
+            <a:normAutofit/>
+          </a:bodyPr>
+          <a:lstStyle/>
+          <a:p>
+            <a:endParaRPr lang="en-US"/>
+          </a:p>
+        </p:txBody>
+      </p:sp>
+      <p:sp>
+        <p:nvSpPr>
+          <p:cNvPr id="4" name="Slide Number Placeholder 3"/>
+          <p:cNvSpPr>
+            <a:spLocks noGrp="1"/>
+          </p:cNvSpPr>
+          <p:nvPr>
+            <p:ph type="sldNum" sz="quarter" idx="10"/>
+          </p:nvPr>
+        </p:nvSpPr>
+        <p:spPr/>
+        <p:txBody>
+          <a:bodyPr/>
+          <a:lstStyle/>
+          <a:p>
+            <a:fld id="{4EE576B6-BA25-48A5-995A-4330F3F4AAF4}" type="slidenum">
+              <a:rPr lang="en-US" smtClean="0"/>
+              <a:pPr/>
+              <a:t>27</a:t>
+            </a:fld>
+            <a:endParaRPr lang="en-US"/>
+          </a:p>
+        </p:txBody>
+      </p:sp>
+    </p:spTree>
+  </p:cSld>
+  <p:clrMapOvr>
+    <a:masterClrMapping/>
+  </p:clrMapOvr>
+</p:notes>
+</file>
+
+<file path=ppt/notesSlides/notesSlide28.xml><?xml version="1.0" encoding="utf-8"?>
+<p:notes xmlns:a="http://schemas.openxmlformats.org/drawingml/2006/main" xmlns:r="http://schemas.openxmlformats.org/officeDocument/2006/relationships" xmlns:p="http://schemas.openxmlformats.org/presentationml/2006/main">
+  <p:cSld>
+    <p:spTree>
+      <p:nvGrpSpPr>
+        <p:cNvPr id="1" name=""/>
+        <p:cNvGrpSpPr/>
+        <p:nvPr/>
+      </p:nvGrpSpPr>
+      <p:grpSpPr>
+        <a:xfrm>
+          <a:off x="0" y="0"/>
+          <a:ext cx="0" cy="0"/>
+          <a:chOff x="0" y="0"/>
+          <a:chExt cx="0" cy="0"/>
+        </a:xfrm>
+      </p:grpSpPr>
+      <p:sp>
+        <p:nvSpPr>
+          <p:cNvPr id="2" name="Slide Image Placeholder 1"/>
+          <p:cNvSpPr>
+            <a:spLocks noGrp="1" noRot="1" noChangeAspect="1"/>
+          </p:cNvSpPr>
+          <p:nvPr>
+            <p:ph type="sldImg"/>
+          </p:nvPr>
+        </p:nvSpPr>
+        <p:spPr/>
+      </p:sp>
+      <p:sp>
+        <p:nvSpPr>
+          <p:cNvPr id="3" name="Notes Placeholder 2"/>
+          <p:cNvSpPr>
+            <a:spLocks noGrp="1"/>
+          </p:cNvSpPr>
+          <p:nvPr>
+            <p:ph type="body" idx="1"/>
+          </p:nvPr>
+        </p:nvSpPr>
+        <p:spPr/>
+        <p:txBody>
+          <a:bodyPr>
+            <a:normAutofit/>
+          </a:bodyPr>
+          <a:lstStyle/>
+          <a:p>
+            <a:endParaRPr lang="en-US"/>
+          </a:p>
+        </p:txBody>
+      </p:sp>
+      <p:sp>
+        <p:nvSpPr>
+          <p:cNvPr id="4" name="Slide Number Placeholder 3"/>
+          <p:cNvSpPr>
+            <a:spLocks noGrp="1"/>
+          </p:cNvSpPr>
+          <p:nvPr>
+            <p:ph type="sldNum" sz="quarter" idx="10"/>
+          </p:nvPr>
+        </p:nvSpPr>
+        <p:spPr/>
+        <p:txBody>
+          <a:bodyPr/>
+          <a:lstStyle/>
+          <a:p>
+            <a:fld id="{4EE576B6-BA25-48A5-995A-4330F3F4AAF4}" type="slidenum">
+              <a:rPr lang="en-US" smtClean="0"/>
+              <a:pPr/>
+              <a:t>28</a:t>
+            </a:fld>
+            <a:endParaRPr lang="en-US"/>
+          </a:p>
+        </p:txBody>
+      </p:sp>
+    </p:spTree>
+  </p:cSld>
+  <p:clrMapOvr>
+    <a:masterClrMapping/>
+  </p:clrMapOvr>
+</p:notes>
+</file>
+
+<file path=ppt/notesSlides/notesSlide29.xml><?xml version="1.0" encoding="utf-8"?>
+<p:notes xmlns:a="http://schemas.openxmlformats.org/drawingml/2006/main" xmlns:r="http://schemas.openxmlformats.org/officeDocument/2006/relationships" xmlns:p="http://schemas.openxmlformats.org/presentationml/2006/main">
+  <p:cSld>
+    <p:spTree>
+      <p:nvGrpSpPr>
+        <p:cNvPr id="1" name=""/>
+        <p:cNvGrpSpPr/>
+        <p:nvPr/>
+      </p:nvGrpSpPr>
+      <p:grpSpPr>
+        <a:xfrm>
+          <a:off x="0" y="0"/>
+          <a:ext cx="0" cy="0"/>
+          <a:chOff x="0" y="0"/>
+          <a:chExt cx="0" cy="0"/>
+        </a:xfrm>
+      </p:grpSpPr>
+      <p:sp>
+        <p:nvSpPr>
+          <p:cNvPr id="2" name="Slide Image Placeholder 1"/>
+          <p:cNvSpPr>
+            <a:spLocks noGrp="1" noRot="1" noChangeAspect="1"/>
+          </p:cNvSpPr>
+          <p:nvPr>
+            <p:ph type="sldImg"/>
+          </p:nvPr>
+        </p:nvSpPr>
+        <p:spPr/>
+      </p:sp>
+      <p:sp>
+        <p:nvSpPr>
+          <p:cNvPr id="3" name="Notes Placeholder 2"/>
+          <p:cNvSpPr>
+            <a:spLocks noGrp="1"/>
+          </p:cNvSpPr>
+          <p:nvPr>
+            <p:ph type="body" idx="1"/>
+          </p:nvPr>
+        </p:nvSpPr>
+        <p:spPr/>
+        <p:txBody>
+          <a:bodyPr>
+            <a:normAutofit/>
+          </a:bodyPr>
+          <a:lstStyle/>
+          <a:p>
+            <a:endParaRPr lang="en-US"/>
+          </a:p>
+        </p:txBody>
+      </p:sp>
+      <p:sp>
+        <p:nvSpPr>
+          <p:cNvPr id="4" name="Slide Number Placeholder 3"/>
+          <p:cNvSpPr>
+            <a:spLocks noGrp="1"/>
+          </p:cNvSpPr>
+          <p:nvPr>
+            <p:ph type="sldNum" sz="quarter" idx="10"/>
+          </p:nvPr>
+        </p:nvSpPr>
+        <p:spPr/>
+        <p:txBody>
+          <a:bodyPr/>
+          <a:lstStyle/>
+          <a:p>
+            <a:fld id="{4EE576B6-BA25-48A5-995A-4330F3F4AAF4}" type="slidenum">
+              <a:rPr lang="en-US" smtClean="0"/>
+              <a:pPr/>
+              <a:t>29</a:t>
+            </a:fld>
+            <a:endParaRPr lang="en-US"/>
+          </a:p>
+        </p:txBody>
+      </p:sp>
+    </p:spTree>
+  </p:cSld>
+  <p:clrMapOvr>
+    <a:masterClrMapping/>
+  </p:clrMapOvr>
+</p:notes>
+</file>
+
 <file path=ppt/notesSlides/notesSlide3.xml><?xml version="1.0" encoding="utf-8"?>
 <p:notes xmlns:a="http://schemas.openxmlformats.org/drawingml/2006/main" xmlns:r="http://schemas.openxmlformats.org/officeDocument/2006/relationships" xmlns:p="http://schemas.openxmlformats.org/presentationml/2006/main">
   <p:cSld>
@@ -1530,6 +2365,416 @@
               <a:rPr lang="en-US" smtClean="0"/>
               <a:pPr/>
               <a:t>3</a:t>
+            </a:fld>
+            <a:endParaRPr lang="en-US"/>
+          </a:p>
+        </p:txBody>
+      </p:sp>
+    </p:spTree>
+  </p:cSld>
+  <p:clrMapOvr>
+    <a:masterClrMapping/>
+  </p:clrMapOvr>
+</p:notes>
+</file>
+
+<file path=ppt/notesSlides/notesSlide30.xml><?xml version="1.0" encoding="utf-8"?>
+<p:notes xmlns:a="http://schemas.openxmlformats.org/drawingml/2006/main" xmlns:r="http://schemas.openxmlformats.org/officeDocument/2006/relationships" xmlns:p="http://schemas.openxmlformats.org/presentationml/2006/main">
+  <p:cSld>
+    <p:spTree>
+      <p:nvGrpSpPr>
+        <p:cNvPr id="1" name=""/>
+        <p:cNvGrpSpPr/>
+        <p:nvPr/>
+      </p:nvGrpSpPr>
+      <p:grpSpPr>
+        <a:xfrm>
+          <a:off x="0" y="0"/>
+          <a:ext cx="0" cy="0"/>
+          <a:chOff x="0" y="0"/>
+          <a:chExt cx="0" cy="0"/>
+        </a:xfrm>
+      </p:grpSpPr>
+      <p:sp>
+        <p:nvSpPr>
+          <p:cNvPr id="2" name="Slide Image Placeholder 1"/>
+          <p:cNvSpPr>
+            <a:spLocks noGrp="1" noRot="1" noChangeAspect="1"/>
+          </p:cNvSpPr>
+          <p:nvPr>
+            <p:ph type="sldImg"/>
+          </p:nvPr>
+        </p:nvSpPr>
+        <p:spPr/>
+      </p:sp>
+      <p:sp>
+        <p:nvSpPr>
+          <p:cNvPr id="3" name="Notes Placeholder 2"/>
+          <p:cNvSpPr>
+            <a:spLocks noGrp="1"/>
+          </p:cNvSpPr>
+          <p:nvPr>
+            <p:ph type="body" idx="1"/>
+          </p:nvPr>
+        </p:nvSpPr>
+        <p:spPr/>
+        <p:txBody>
+          <a:bodyPr>
+            <a:normAutofit/>
+          </a:bodyPr>
+          <a:lstStyle/>
+          <a:p>
+            <a:endParaRPr lang="en-US"/>
+          </a:p>
+        </p:txBody>
+      </p:sp>
+      <p:sp>
+        <p:nvSpPr>
+          <p:cNvPr id="4" name="Slide Number Placeholder 3"/>
+          <p:cNvSpPr>
+            <a:spLocks noGrp="1"/>
+          </p:cNvSpPr>
+          <p:nvPr>
+            <p:ph type="sldNum" sz="quarter" idx="10"/>
+          </p:nvPr>
+        </p:nvSpPr>
+        <p:spPr/>
+        <p:txBody>
+          <a:bodyPr/>
+          <a:lstStyle/>
+          <a:p>
+            <a:fld id="{4EE576B6-BA25-48A5-995A-4330F3F4AAF4}" type="slidenum">
+              <a:rPr lang="en-US" smtClean="0"/>
+              <a:pPr/>
+              <a:t>30</a:t>
+            </a:fld>
+            <a:endParaRPr lang="en-US"/>
+          </a:p>
+        </p:txBody>
+      </p:sp>
+    </p:spTree>
+  </p:cSld>
+  <p:clrMapOvr>
+    <a:masterClrMapping/>
+  </p:clrMapOvr>
+</p:notes>
+</file>
+
+<file path=ppt/notesSlides/notesSlide31.xml><?xml version="1.0" encoding="utf-8"?>
+<p:notes xmlns:a="http://schemas.openxmlformats.org/drawingml/2006/main" xmlns:r="http://schemas.openxmlformats.org/officeDocument/2006/relationships" xmlns:p="http://schemas.openxmlformats.org/presentationml/2006/main">
+  <p:cSld>
+    <p:spTree>
+      <p:nvGrpSpPr>
+        <p:cNvPr id="1" name=""/>
+        <p:cNvGrpSpPr/>
+        <p:nvPr/>
+      </p:nvGrpSpPr>
+      <p:grpSpPr>
+        <a:xfrm>
+          <a:off x="0" y="0"/>
+          <a:ext cx="0" cy="0"/>
+          <a:chOff x="0" y="0"/>
+          <a:chExt cx="0" cy="0"/>
+        </a:xfrm>
+      </p:grpSpPr>
+      <p:sp>
+        <p:nvSpPr>
+          <p:cNvPr id="2" name="Slide Image Placeholder 1"/>
+          <p:cNvSpPr>
+            <a:spLocks noGrp="1" noRot="1" noChangeAspect="1"/>
+          </p:cNvSpPr>
+          <p:nvPr>
+            <p:ph type="sldImg"/>
+          </p:nvPr>
+        </p:nvSpPr>
+        <p:spPr/>
+      </p:sp>
+      <p:sp>
+        <p:nvSpPr>
+          <p:cNvPr id="3" name="Notes Placeholder 2"/>
+          <p:cNvSpPr>
+            <a:spLocks noGrp="1"/>
+          </p:cNvSpPr>
+          <p:nvPr>
+            <p:ph type="body" idx="1"/>
+          </p:nvPr>
+        </p:nvSpPr>
+        <p:spPr/>
+        <p:txBody>
+          <a:bodyPr>
+            <a:normAutofit/>
+          </a:bodyPr>
+          <a:lstStyle/>
+          <a:p>
+            <a:endParaRPr lang="en-US"/>
+          </a:p>
+        </p:txBody>
+      </p:sp>
+      <p:sp>
+        <p:nvSpPr>
+          <p:cNvPr id="4" name="Slide Number Placeholder 3"/>
+          <p:cNvSpPr>
+            <a:spLocks noGrp="1"/>
+          </p:cNvSpPr>
+          <p:nvPr>
+            <p:ph type="sldNum" sz="quarter" idx="10"/>
+          </p:nvPr>
+        </p:nvSpPr>
+        <p:spPr/>
+        <p:txBody>
+          <a:bodyPr/>
+          <a:lstStyle/>
+          <a:p>
+            <a:fld id="{4EE576B6-BA25-48A5-995A-4330F3F4AAF4}" type="slidenum">
+              <a:rPr lang="en-US" smtClean="0"/>
+              <a:pPr/>
+              <a:t>31</a:t>
+            </a:fld>
+            <a:endParaRPr lang="en-US"/>
+          </a:p>
+        </p:txBody>
+      </p:sp>
+    </p:spTree>
+  </p:cSld>
+  <p:clrMapOvr>
+    <a:masterClrMapping/>
+  </p:clrMapOvr>
+</p:notes>
+</file>
+
+<file path=ppt/notesSlides/notesSlide32.xml><?xml version="1.0" encoding="utf-8"?>
+<p:notes xmlns:a="http://schemas.openxmlformats.org/drawingml/2006/main" xmlns:r="http://schemas.openxmlformats.org/officeDocument/2006/relationships" xmlns:p="http://schemas.openxmlformats.org/presentationml/2006/main">
+  <p:cSld>
+    <p:spTree>
+      <p:nvGrpSpPr>
+        <p:cNvPr id="1" name=""/>
+        <p:cNvGrpSpPr/>
+        <p:nvPr/>
+      </p:nvGrpSpPr>
+      <p:grpSpPr>
+        <a:xfrm>
+          <a:off x="0" y="0"/>
+          <a:ext cx="0" cy="0"/>
+          <a:chOff x="0" y="0"/>
+          <a:chExt cx="0" cy="0"/>
+        </a:xfrm>
+      </p:grpSpPr>
+      <p:sp>
+        <p:nvSpPr>
+          <p:cNvPr id="2" name="Slide Image Placeholder 1"/>
+          <p:cNvSpPr>
+            <a:spLocks noGrp="1" noRot="1" noChangeAspect="1"/>
+          </p:cNvSpPr>
+          <p:nvPr>
+            <p:ph type="sldImg"/>
+          </p:nvPr>
+        </p:nvSpPr>
+        <p:spPr/>
+      </p:sp>
+      <p:sp>
+        <p:nvSpPr>
+          <p:cNvPr id="3" name="Notes Placeholder 2"/>
+          <p:cNvSpPr>
+            <a:spLocks noGrp="1"/>
+          </p:cNvSpPr>
+          <p:nvPr>
+            <p:ph type="body" idx="1"/>
+          </p:nvPr>
+        </p:nvSpPr>
+        <p:spPr/>
+        <p:txBody>
+          <a:bodyPr>
+            <a:normAutofit/>
+          </a:bodyPr>
+          <a:lstStyle/>
+          <a:p>
+            <a:endParaRPr lang="en-US"/>
+          </a:p>
+        </p:txBody>
+      </p:sp>
+      <p:sp>
+        <p:nvSpPr>
+          <p:cNvPr id="4" name="Slide Number Placeholder 3"/>
+          <p:cNvSpPr>
+            <a:spLocks noGrp="1"/>
+          </p:cNvSpPr>
+          <p:nvPr>
+            <p:ph type="sldNum" sz="quarter" idx="10"/>
+          </p:nvPr>
+        </p:nvSpPr>
+        <p:spPr/>
+        <p:txBody>
+          <a:bodyPr/>
+          <a:lstStyle/>
+          <a:p>
+            <a:fld id="{4EE576B6-BA25-48A5-995A-4330F3F4AAF4}" type="slidenum">
+              <a:rPr lang="en-US" smtClean="0"/>
+              <a:pPr/>
+              <a:t>32</a:t>
+            </a:fld>
+            <a:endParaRPr lang="en-US"/>
+          </a:p>
+        </p:txBody>
+      </p:sp>
+    </p:spTree>
+  </p:cSld>
+  <p:clrMapOvr>
+    <a:masterClrMapping/>
+  </p:clrMapOvr>
+</p:notes>
+</file>
+
+<file path=ppt/notesSlides/notesSlide33.xml><?xml version="1.0" encoding="utf-8"?>
+<p:notes xmlns:a="http://schemas.openxmlformats.org/drawingml/2006/main" xmlns:r="http://schemas.openxmlformats.org/officeDocument/2006/relationships" xmlns:p="http://schemas.openxmlformats.org/presentationml/2006/main">
+  <p:cSld>
+    <p:spTree>
+      <p:nvGrpSpPr>
+        <p:cNvPr id="1" name=""/>
+        <p:cNvGrpSpPr/>
+        <p:nvPr/>
+      </p:nvGrpSpPr>
+      <p:grpSpPr>
+        <a:xfrm>
+          <a:off x="0" y="0"/>
+          <a:ext cx="0" cy="0"/>
+          <a:chOff x="0" y="0"/>
+          <a:chExt cx="0" cy="0"/>
+        </a:xfrm>
+      </p:grpSpPr>
+      <p:sp>
+        <p:nvSpPr>
+          <p:cNvPr id="2" name="Slide Image Placeholder 1"/>
+          <p:cNvSpPr>
+            <a:spLocks noGrp="1" noRot="1" noChangeAspect="1"/>
+          </p:cNvSpPr>
+          <p:nvPr>
+            <p:ph type="sldImg"/>
+          </p:nvPr>
+        </p:nvSpPr>
+        <p:spPr/>
+      </p:sp>
+      <p:sp>
+        <p:nvSpPr>
+          <p:cNvPr id="3" name="Notes Placeholder 2"/>
+          <p:cNvSpPr>
+            <a:spLocks noGrp="1"/>
+          </p:cNvSpPr>
+          <p:nvPr>
+            <p:ph type="body" idx="1"/>
+          </p:nvPr>
+        </p:nvSpPr>
+        <p:spPr/>
+        <p:txBody>
+          <a:bodyPr>
+            <a:normAutofit/>
+          </a:bodyPr>
+          <a:lstStyle/>
+          <a:p>
+            <a:endParaRPr lang="en-US"/>
+          </a:p>
+        </p:txBody>
+      </p:sp>
+      <p:sp>
+        <p:nvSpPr>
+          <p:cNvPr id="4" name="Slide Number Placeholder 3"/>
+          <p:cNvSpPr>
+            <a:spLocks noGrp="1"/>
+          </p:cNvSpPr>
+          <p:nvPr>
+            <p:ph type="sldNum" sz="quarter" idx="10"/>
+          </p:nvPr>
+        </p:nvSpPr>
+        <p:spPr/>
+        <p:txBody>
+          <a:bodyPr/>
+          <a:lstStyle/>
+          <a:p>
+            <a:fld id="{4EE576B6-BA25-48A5-995A-4330F3F4AAF4}" type="slidenum">
+              <a:rPr lang="en-US" smtClean="0"/>
+              <a:pPr/>
+              <a:t>33</a:t>
+            </a:fld>
+            <a:endParaRPr lang="en-US"/>
+          </a:p>
+        </p:txBody>
+      </p:sp>
+    </p:spTree>
+  </p:cSld>
+  <p:clrMapOvr>
+    <a:masterClrMapping/>
+  </p:clrMapOvr>
+</p:notes>
+</file>
+
+<file path=ppt/notesSlides/notesSlide34.xml><?xml version="1.0" encoding="utf-8"?>
+<p:notes xmlns:a="http://schemas.openxmlformats.org/drawingml/2006/main" xmlns:r="http://schemas.openxmlformats.org/officeDocument/2006/relationships" xmlns:p="http://schemas.openxmlformats.org/presentationml/2006/main">
+  <p:cSld>
+    <p:spTree>
+      <p:nvGrpSpPr>
+        <p:cNvPr id="1" name=""/>
+        <p:cNvGrpSpPr/>
+        <p:nvPr/>
+      </p:nvGrpSpPr>
+      <p:grpSpPr>
+        <a:xfrm>
+          <a:off x="0" y="0"/>
+          <a:ext cx="0" cy="0"/>
+          <a:chOff x="0" y="0"/>
+          <a:chExt cx="0" cy="0"/>
+        </a:xfrm>
+      </p:grpSpPr>
+      <p:sp>
+        <p:nvSpPr>
+          <p:cNvPr id="2" name="Slide Image Placeholder 1"/>
+          <p:cNvSpPr>
+            <a:spLocks noGrp="1" noRot="1" noChangeAspect="1"/>
+          </p:cNvSpPr>
+          <p:nvPr>
+            <p:ph type="sldImg"/>
+          </p:nvPr>
+        </p:nvSpPr>
+        <p:spPr/>
+      </p:sp>
+      <p:sp>
+        <p:nvSpPr>
+          <p:cNvPr id="3" name="Notes Placeholder 2"/>
+          <p:cNvSpPr>
+            <a:spLocks noGrp="1"/>
+          </p:cNvSpPr>
+          <p:nvPr>
+            <p:ph type="body" idx="1"/>
+          </p:nvPr>
+        </p:nvSpPr>
+        <p:spPr/>
+        <p:txBody>
+          <a:bodyPr>
+            <a:normAutofit/>
+          </a:bodyPr>
+          <a:lstStyle/>
+          <a:p>
+            <a:endParaRPr lang="en-US"/>
+          </a:p>
+        </p:txBody>
+      </p:sp>
+      <p:sp>
+        <p:nvSpPr>
+          <p:cNvPr id="4" name="Slide Number Placeholder 3"/>
+          <p:cNvSpPr>
+            <a:spLocks noGrp="1"/>
+          </p:cNvSpPr>
+          <p:nvPr>
+            <p:ph type="sldNum" sz="quarter" idx="10"/>
+          </p:nvPr>
+        </p:nvSpPr>
+        <p:spPr/>
+        <p:txBody>
+          <a:bodyPr/>
+          <a:lstStyle/>
+          <a:p>
+            <a:fld id="{4EE576B6-BA25-48A5-995A-4330F3F4AAF4}" type="slidenum">
+              <a:rPr lang="en-US" smtClean="0"/>
+              <a:pPr/>
+              <a:t>34</a:t>
             </a:fld>
             <a:endParaRPr lang="en-US"/>
           </a:p>
@@ -2217,7 +3462,7 @@
             <a:fld id="{AD6CF7D0-54BE-4AFB-B0FC-FA5E364208B7}" type="datetimeFigureOut">
               <a:rPr lang="en-US" smtClean="0"/>
               <a:pPr/>
-              <a:t>4/26/2009</a:t>
+              <a:t>5/17/2009</a:t>
             </a:fld>
             <a:endParaRPr lang="en-US" dirty="0"/>
           </a:p>
@@ -2384,7 +3629,7 @@
             <a:fld id="{AD6CF7D0-54BE-4AFB-B0FC-FA5E364208B7}" type="datetimeFigureOut">
               <a:rPr lang="en-US" smtClean="0"/>
               <a:pPr/>
-              <a:t>4/26/2009</a:t>
+              <a:t>5/17/2009</a:t>
             </a:fld>
             <a:endParaRPr lang="en-US"/>
           </a:p>
@@ -2561,7 +3806,7 @@
             <a:fld id="{AD6CF7D0-54BE-4AFB-B0FC-FA5E364208B7}" type="datetimeFigureOut">
               <a:rPr lang="en-US" smtClean="0"/>
               <a:pPr/>
-              <a:t>4/26/2009</a:t>
+              <a:t>5/17/2009</a:t>
             </a:fld>
             <a:endParaRPr lang="en-US"/>
           </a:p>
@@ -2728,7 +3973,7 @@
             <a:fld id="{AD6CF7D0-54BE-4AFB-B0FC-FA5E364208B7}" type="datetimeFigureOut">
               <a:rPr lang="en-US" smtClean="0"/>
               <a:pPr/>
-              <a:t>4/26/2009</a:t>
+              <a:t>5/17/2009</a:t>
             </a:fld>
             <a:endParaRPr lang="en-US"/>
           </a:p>
@@ -2971,7 +4216,7 @@
             <a:fld id="{AD6CF7D0-54BE-4AFB-B0FC-FA5E364208B7}" type="datetimeFigureOut">
               <a:rPr lang="en-US" smtClean="0"/>
               <a:pPr/>
-              <a:t>4/26/2009</a:t>
+              <a:t>5/17/2009</a:t>
             </a:fld>
             <a:endParaRPr lang="en-US"/>
           </a:p>
@@ -3256,7 +4501,7 @@
             <a:fld id="{AD6CF7D0-54BE-4AFB-B0FC-FA5E364208B7}" type="datetimeFigureOut">
               <a:rPr lang="en-US" smtClean="0"/>
               <a:pPr/>
-              <a:t>4/26/2009</a:t>
+              <a:t>5/17/2009</a:t>
             </a:fld>
             <a:endParaRPr lang="en-US"/>
           </a:p>
@@ -3675,7 +4920,7 @@
             <a:fld id="{AD6CF7D0-54BE-4AFB-B0FC-FA5E364208B7}" type="datetimeFigureOut">
               <a:rPr lang="en-US" smtClean="0"/>
               <a:pPr/>
-              <a:t>4/26/2009</a:t>
+              <a:t>5/17/2009</a:t>
             </a:fld>
             <a:endParaRPr lang="en-US"/>
           </a:p>
@@ -3790,7 +5035,7 @@
             <a:fld id="{AD6CF7D0-54BE-4AFB-B0FC-FA5E364208B7}" type="datetimeFigureOut">
               <a:rPr lang="en-US" smtClean="0"/>
               <a:pPr/>
-              <a:t>4/26/2009</a:t>
+              <a:t>5/17/2009</a:t>
             </a:fld>
             <a:endParaRPr lang="en-US"/>
           </a:p>
@@ -3882,7 +5127,7 @@
             <a:fld id="{AD6CF7D0-54BE-4AFB-B0FC-FA5E364208B7}" type="datetimeFigureOut">
               <a:rPr lang="en-US" smtClean="0"/>
               <a:pPr/>
-              <a:t>4/26/2009</a:t>
+              <a:t>5/17/2009</a:t>
             </a:fld>
             <a:endParaRPr lang="en-US"/>
           </a:p>
@@ -4156,7 +5401,7 @@
             <a:fld id="{AD6CF7D0-54BE-4AFB-B0FC-FA5E364208B7}" type="datetimeFigureOut">
               <a:rPr lang="en-US" smtClean="0"/>
               <a:pPr/>
-              <a:t>4/26/2009</a:t>
+              <a:t>5/17/2009</a:t>
             </a:fld>
             <a:endParaRPr lang="en-US"/>
           </a:p>
@@ -4406,7 +5651,7 @@
             <a:fld id="{AD6CF7D0-54BE-4AFB-B0FC-FA5E364208B7}" type="datetimeFigureOut">
               <a:rPr lang="en-US" smtClean="0"/>
               <a:pPr/>
-              <a:t>4/26/2009</a:t>
+              <a:t>5/17/2009</a:t>
             </a:fld>
             <a:endParaRPr lang="en-US"/>
           </a:p>
@@ -4616,7 +5861,7 @@
             <a:fld id="{AD6CF7D0-54BE-4AFB-B0FC-FA5E364208B7}" type="datetimeFigureOut">
               <a:rPr lang="en-US" smtClean="0"/>
               <a:pPr/>
-              <a:t>4/26/2009</a:t>
+              <a:t>5/17/2009</a:t>
             </a:fld>
             <a:endParaRPr lang="en-US"/>
           </a:p>
@@ -4710,7 +5955,7 @@
           <p:nvPr userDrawn="1"/>
         </p:nvPicPr>
         <p:blipFill>
-          <a:blip r:embed="rId13"/>
+          <a:blip r:embed="rId13" cstate="print"/>
           <a:srcRect/>
           <a:stretch>
             <a:fillRect/>
@@ -5096,7 +6341,7 @@
           <p:nvPr/>
         </p:nvPicPr>
         <p:blipFill>
-          <a:blip r:embed="rId4"/>
+          <a:blip r:embed="rId4" cstate="print"/>
           <a:srcRect/>
           <a:stretch>
             <a:fillRect/>
@@ -5157,14 +6402,114 @@
         </p:nvSpPr>
         <p:spPr/>
         <p:txBody>
+          <a:bodyPr/>
+          <a:lstStyle/>
+          <a:p>
+            <a:r>
+              <a:rPr lang="en-US" dirty="0" err="1" smtClean="0"/>
+              <a:t>Wub’s</a:t>
+            </a:r>
+            <a:r>
+              <a:rPr lang="en-US" dirty="0" smtClean="0"/>
+              <a:t> dataflow</a:t>
+            </a:r>
+            <a:endParaRPr lang="en-US" dirty="0"/>
+          </a:p>
+        </p:txBody>
+      </p:sp>
+      <p:sp>
+        <p:nvSpPr>
+          <p:cNvPr id="3" name="Content Placeholder 2"/>
+          <p:cNvSpPr>
+            <a:spLocks noGrp="1"/>
+          </p:cNvSpPr>
+          <p:nvPr>
+            <p:ph idx="1"/>
+          </p:nvPr>
+        </p:nvSpPr>
+        <p:spPr/>
+        <p:txBody>
           <a:bodyPr>
-            <a:normAutofit/>
+            <a:normAutofit lnSpcReduction="10000"/>
           </a:bodyPr>
           <a:lstStyle/>
           <a:p>
             <a:r>
-              <a:rPr lang="en-US" dirty="0" smtClean="0"/>
-              <a:t>Example 1: </a:t>
+              <a:rPr lang="en-US" dirty="0" err="1" smtClean="0"/>
+              <a:t>Httpd</a:t>
+            </a:r>
+            <a:r>
+              <a:rPr lang="en-US" dirty="0" smtClean="0"/>
+              <a:t> module converts HTTP client request into </a:t>
+            </a:r>
+            <a:r>
+              <a:rPr lang="en-US" i="1" dirty="0" smtClean="0"/>
+              <a:t>request</a:t>
+            </a:r>
+            <a:r>
+              <a:rPr lang="en-US" dirty="0" smtClean="0"/>
+              <a:t> </a:t>
+            </a:r>
+            <a:r>
+              <a:rPr lang="en-US" dirty="0" err="1" smtClean="0"/>
+              <a:t>dicts</a:t>
+            </a:r>
+            <a:r>
+              <a:rPr lang="en-US" dirty="0" smtClean="0"/>
+              <a:t>.</a:t>
+            </a:r>
+          </a:p>
+          <a:p>
+            <a:r>
+              <a:rPr lang="en-US" dirty="0" smtClean="0"/>
+              <a:t>Caching and blocking based on </a:t>
+            </a:r>
+            <a:r>
+              <a:rPr lang="en-US" i="1" dirty="0" smtClean="0"/>
+              <a:t>request</a:t>
+            </a:r>
+            <a:r>
+              <a:rPr lang="en-US" dirty="0" smtClean="0"/>
+              <a:t> </a:t>
+            </a:r>
+            <a:r>
+              <a:rPr lang="en-US" dirty="0" err="1" smtClean="0"/>
+              <a:t>dict</a:t>
+            </a:r>
+            <a:endParaRPr lang="en-US" dirty="0" smtClean="0"/>
+          </a:p>
+          <a:p>
+            <a:r>
+              <a:rPr lang="en-US" i="1" dirty="0" smtClean="0"/>
+              <a:t>Request</a:t>
+            </a:r>
+            <a:r>
+              <a:rPr lang="en-US" dirty="0" smtClean="0"/>
+              <a:t> </a:t>
+            </a:r>
+            <a:r>
+              <a:rPr lang="en-US" dirty="0" err="1" smtClean="0"/>
+              <a:t>dicts</a:t>
+            </a:r>
+            <a:r>
+              <a:rPr lang="en-US" dirty="0" smtClean="0"/>
+              <a:t> are transformed into </a:t>
+            </a:r>
+            <a:r>
+              <a:rPr lang="en-US" i="1" dirty="0" smtClean="0"/>
+              <a:t>response</a:t>
+            </a:r>
+            <a:r>
+              <a:rPr lang="en-US" dirty="0" smtClean="0"/>
+              <a:t> </a:t>
+            </a:r>
+            <a:r>
+              <a:rPr lang="en-US" dirty="0" err="1" smtClean="0"/>
+              <a:t>dicts</a:t>
+            </a:r>
+            <a:r>
+              <a:rPr lang="en-US" dirty="0" smtClean="0"/>
+              <a:t>  by the web application using </a:t>
             </a:r>
             <a:r>
               <a:rPr lang="en-US" dirty="0" err="1" smtClean="0"/>
@@ -5172,112 +6517,42 @@
             </a:r>
             <a:r>
               <a:rPr lang="en-US" dirty="0" smtClean="0"/>
-              <a:t> out-of-the-box</a:t>
-            </a:r>
-            <a:endParaRPr lang="en-US" dirty="0"/>
-          </a:p>
-        </p:txBody>
-      </p:sp>
-      <p:sp>
-        <p:nvSpPr>
-          <p:cNvPr id="3" name="Content Placeholder 2"/>
-          <p:cNvSpPr>
-            <a:spLocks noGrp="1"/>
-          </p:cNvSpPr>
-          <p:nvPr>
-            <p:ph idx="1"/>
-          </p:nvPr>
-        </p:nvSpPr>
-        <p:spPr/>
-        <p:txBody>
-          <a:bodyPr>
-            <a:normAutofit/>
-          </a:bodyPr>
-          <a:lstStyle/>
-          <a:p>
-            <a:r>
-              <a:rPr lang="en-US" dirty="0" smtClean="0"/>
-              <a:t>Running the default setup, start the </a:t>
+              <a:t> utilities and domains.</a:t>
+            </a:r>
+          </a:p>
+          <a:p>
+            <a:r>
+              <a:rPr lang="en-US" i="1" dirty="0" smtClean="0"/>
+              <a:t>Response</a:t>
+            </a:r>
+            <a:r>
+              <a:rPr lang="en-US" dirty="0" smtClean="0"/>
+              <a:t> </a:t>
             </a:r>
             <a:r>
               <a:rPr lang="en-US" dirty="0" err="1" smtClean="0"/>
-              <a:t>webserver</a:t>
-            </a:r>
-            <a:r>
-              <a:rPr lang="en-US" dirty="0" smtClean="0"/>
-              <a:t> with these lines:</a:t>
-            </a:r>
-          </a:p>
-          <a:p>
-            <a:pPr>
-              <a:buNone/>
-            </a:pPr>
-            <a:endParaRPr lang="en-US" sz="2000" b="1" dirty="0" smtClean="0">
-              <a:latin typeface="Courier New" pitchFamily="49" charset="0"/>
-              <a:cs typeface="Courier New" pitchFamily="49" charset="0"/>
-            </a:endParaRPr>
-          </a:p>
-          <a:p>
-            <a:pPr>
-              <a:buNone/>
-            </a:pPr>
-            <a:r>
-              <a:rPr lang="en-US" sz="2000" b="1" dirty="0" smtClean="0">
-                <a:latin typeface="Courier New" pitchFamily="49" charset="0"/>
-                <a:cs typeface="Courier New" pitchFamily="49" charset="0"/>
-              </a:rPr>
-              <a:t>    package require Site</a:t>
-            </a:r>
-          </a:p>
-          <a:p>
-            <a:pPr>
-              <a:buNone/>
-            </a:pPr>
-            <a:r>
-              <a:rPr lang="en-US" sz="2000" b="1" dirty="0" smtClean="0">
-                <a:latin typeface="Courier New" pitchFamily="49" charset="0"/>
-                <a:cs typeface="Courier New" pitchFamily="49" charset="0"/>
-              </a:rPr>
-              <a:t>    Site start home .</a:t>
-            </a:r>
-          </a:p>
-          <a:p>
-            <a:pPr>
-              <a:buNone/>
-            </a:pPr>
-            <a:endParaRPr lang="en-US" sz="2000" b="1" dirty="0" smtClean="0">
-              <a:latin typeface="Courier New" pitchFamily="49" charset="0"/>
-              <a:cs typeface="Courier New" pitchFamily="49" charset="0"/>
-            </a:endParaRPr>
-          </a:p>
-          <a:p>
-            <a:r>
-              <a:rPr lang="en-US" dirty="0" smtClean="0"/>
-              <a:t>What’s being served?</a:t>
-            </a:r>
-          </a:p>
-          <a:p>
-            <a:pPr lvl="1"/>
-            <a:r>
-              <a:rPr lang="en-US" dirty="0" smtClean="0"/>
-              <a:t>Files from html, images, </a:t>
+              <a:t>dicts</a:t>
+            </a:r>
+            <a:r>
+              <a:rPr lang="en-US" dirty="0" smtClean="0"/>
+              <a:t> are send back to the client by the </a:t>
             </a:r>
             <a:r>
               <a:rPr lang="en-US" dirty="0" err="1" smtClean="0"/>
-              <a:t>css</a:t>
-            </a:r>
-            <a:r>
-              <a:rPr lang="en-US" dirty="0" smtClean="0"/>
-              <a:t> and scripts subdirectories of ./</a:t>
+              <a:t>Httpd</a:t>
+            </a:r>
+            <a:r>
+              <a:rPr lang="en-US" dirty="0" smtClean="0"/>
+              <a:t> module (protocol / non-protocol fields in </a:t>
             </a:r>
             <a:r>
               <a:rPr lang="en-US" dirty="0" err="1" smtClean="0"/>
-              <a:t>docroot</a:t>
-            </a:r>
-            <a:endParaRPr lang="en-US" dirty="0" smtClean="0"/>
-          </a:p>
-          <a:p>
-            <a:endParaRPr lang="en-US" dirty="0" smtClean="0"/>
+              <a:t>dict</a:t>
+            </a:r>
+            <a:r>
+              <a:rPr lang="en-US" dirty="0" smtClean="0"/>
+              <a:t>)</a:t>
+            </a:r>
           </a:p>
           <a:p>
             <a:pPr>
@@ -5331,311 +6606,30 @@
         </p:nvSpPr>
         <p:spPr/>
         <p:txBody>
-          <a:bodyPr/>
-          <a:lstStyle/>
-          <a:p>
-            <a:r>
-              <a:rPr lang="en-US" dirty="0" smtClean="0"/>
-              <a:t>Example 1 (continued)</a:t>
+          <a:bodyPr>
+            <a:normAutofit/>
+          </a:bodyPr>
+          <a:lstStyle/>
+          <a:p>
+            <a:r>
+              <a:rPr lang="en-US" dirty="0" smtClean="0"/>
+              <a:t>Example 1: </a:t>
+            </a:r>
+            <a:r>
+              <a:rPr lang="en-US" dirty="0" err="1" smtClean="0"/>
+              <a:t>Wub</a:t>
+            </a:r>
+            <a:r>
+              <a:rPr lang="en-US" dirty="0" smtClean="0"/>
+              <a:t> out-of-the-box</a:t>
             </a:r>
             <a:endParaRPr lang="en-US" dirty="0"/>
           </a:p>
         </p:txBody>
       </p:sp>
-      <p:graphicFrame>
-        <p:nvGraphicFramePr>
-          <p:cNvPr id="5" name="Table 4"/>
-          <p:cNvGraphicFramePr>
-            <a:graphicFrameLocks noGrp="1"/>
-          </p:cNvGraphicFramePr>
-          <p:nvPr/>
-        </p:nvGraphicFramePr>
-        <p:xfrm>
-          <a:off x="762000" y="4343400"/>
-          <a:ext cx="7924799" cy="1854200"/>
-        </p:xfrm>
-        <a:graphic>
-          <a:graphicData uri="http://schemas.openxmlformats.org/drawingml/2006/table">
-            <a:tbl>
-              <a:tblPr firstRow="1" bandRow="1">
-                <a:tableStyleId>{5C22544A-7EE6-4342-B048-85BDC9FD1C3A}</a:tableStyleId>
-              </a:tblPr>
-              <a:tblGrid>
-                <a:gridCol w="2590800"/>
-                <a:gridCol w="3352800"/>
-                <a:gridCol w="1981199"/>
-              </a:tblGrid>
-              <a:tr h="370840">
-                <a:tc>
-                  <a:txBody>
-                    <a:bodyPr/>
-                    <a:lstStyle/>
-                    <a:p>
-                      <a:r>
-                        <a:rPr lang="en-US" dirty="0" smtClean="0"/>
-                        <a:t>On</a:t>
-                      </a:r>
-                      <a:r>
-                        <a:rPr lang="en-US" baseline="0" dirty="0" smtClean="0"/>
-                        <a:t> server</a:t>
-                      </a:r>
-                      <a:endParaRPr lang="en-US" dirty="0"/>
-                    </a:p>
-                  </a:txBody>
-                  <a:tcPr/>
-                </a:tc>
-                <a:tc>
-                  <a:txBody>
-                    <a:bodyPr/>
-                    <a:lstStyle/>
-                    <a:p>
-                      <a:r>
-                        <a:rPr lang="en-US" dirty="0" smtClean="0"/>
-                        <a:t>On client</a:t>
-                      </a:r>
-                      <a:endParaRPr lang="en-US" dirty="0"/>
-                    </a:p>
-                  </a:txBody>
-                  <a:tcPr/>
-                </a:tc>
-                <a:tc>
-                  <a:txBody>
-                    <a:bodyPr/>
-                    <a:lstStyle/>
-                    <a:p>
-                      <a:r>
-                        <a:rPr lang="en-US" dirty="0" smtClean="0"/>
-                        <a:t>Expires</a:t>
-                      </a:r>
-                      <a:endParaRPr lang="en-US" dirty="0"/>
-                    </a:p>
-                  </a:txBody>
-                  <a:tcPr/>
-                </a:tc>
-              </a:tr>
-              <a:tr h="370840">
-                <a:tc>
-                  <a:txBody>
-                    <a:bodyPr/>
-                    <a:lstStyle/>
-                    <a:p>
-                      <a:r>
-                        <a:rPr lang="en-US" dirty="0" smtClean="0"/>
-                        <a:t>./</a:t>
-                      </a:r>
-                      <a:r>
-                        <a:rPr lang="en-US" dirty="0" err="1" smtClean="0"/>
-                        <a:t>docroot</a:t>
-                      </a:r>
-                      <a:r>
-                        <a:rPr lang="en-US" dirty="0" smtClean="0"/>
-                        <a:t>/html/file.html</a:t>
-                      </a:r>
-                      <a:endParaRPr lang="en-US" dirty="0"/>
-                    </a:p>
-                  </a:txBody>
-                  <a:tcPr/>
-                </a:tc>
-                <a:tc>
-                  <a:txBody>
-                    <a:bodyPr/>
-                    <a:lstStyle/>
-                    <a:p>
-                      <a:r>
-                        <a:rPr lang="en-US" dirty="0" smtClean="0"/>
-                        <a:t>http://myurl:8080/html/file.html</a:t>
-                      </a:r>
-                      <a:endParaRPr lang="en-US" dirty="0"/>
-                    </a:p>
-                  </a:txBody>
-                  <a:tcPr/>
-                </a:tc>
-                <a:tc>
-                  <a:txBody>
-                    <a:bodyPr/>
-                    <a:lstStyle/>
-                    <a:p>
-                      <a:r>
-                        <a:rPr lang="en-US" dirty="0" smtClean="0"/>
-                        <a:t>tomorrow</a:t>
-                      </a:r>
-                      <a:endParaRPr lang="en-US" dirty="0"/>
-                    </a:p>
-                  </a:txBody>
-                  <a:tcPr/>
-                </a:tc>
-              </a:tr>
-              <a:tr h="370840">
-                <a:tc>
-                  <a:txBody>
-                    <a:bodyPr/>
-                    <a:lstStyle/>
-                    <a:p>
-                      <a:r>
-                        <a:rPr lang="en-US" dirty="0" smtClean="0"/>
-                        <a:t>./</a:t>
-                      </a:r>
-                      <a:r>
-                        <a:rPr lang="en-US" dirty="0" err="1" smtClean="0"/>
-                        <a:t>docroot</a:t>
-                      </a:r>
-                      <a:r>
-                        <a:rPr lang="en-US" dirty="0" smtClean="0"/>
-                        <a:t>/images/file.gif</a:t>
-                      </a:r>
-                      <a:endParaRPr lang="en-US" dirty="0"/>
-                    </a:p>
-                  </a:txBody>
-                  <a:tcPr/>
-                </a:tc>
-                <a:tc>
-                  <a:txBody>
-                    <a:bodyPr/>
-                    <a:lstStyle/>
-                    <a:p>
-                      <a:r>
-                        <a:rPr lang="en-US" dirty="0" smtClean="0"/>
-                        <a:t>http://myurl:8080/images/file.gif</a:t>
-                      </a:r>
-                      <a:endParaRPr lang="en-US" dirty="0"/>
-                    </a:p>
-                  </a:txBody>
-                  <a:tcPr/>
-                </a:tc>
-                <a:tc>
-                  <a:txBody>
-                    <a:bodyPr/>
-                    <a:lstStyle/>
-                    <a:p>
-                      <a:r>
-                        <a:rPr lang="en-US" dirty="0" smtClean="0"/>
-                        <a:t>next week</a:t>
-                      </a:r>
-                      <a:endParaRPr lang="en-US" dirty="0"/>
-                    </a:p>
-                  </a:txBody>
-                  <a:tcPr/>
-                </a:tc>
-              </a:tr>
-              <a:tr h="370840">
-                <a:tc>
-                  <a:txBody>
-                    <a:bodyPr/>
-                    <a:lstStyle/>
-                    <a:p>
-                      <a:r>
-                        <a:rPr lang="en-US" dirty="0" smtClean="0"/>
-                        <a:t>./</a:t>
-                      </a:r>
-                      <a:r>
-                        <a:rPr lang="en-US" dirty="0" err="1" smtClean="0"/>
-                        <a:t>docroot</a:t>
-                      </a:r>
-                      <a:r>
-                        <a:rPr lang="en-US" dirty="0" smtClean="0"/>
-                        <a:t>/</a:t>
-                      </a:r>
-                      <a:r>
-                        <a:rPr lang="en-US" dirty="0" err="1" smtClean="0"/>
-                        <a:t>css</a:t>
-                      </a:r>
-                      <a:r>
-                        <a:rPr lang="en-US" dirty="0" smtClean="0"/>
-                        <a:t>/file.css</a:t>
-                      </a:r>
-                      <a:endParaRPr lang="en-US" dirty="0"/>
-                    </a:p>
-                  </a:txBody>
-                  <a:tcPr/>
-                </a:tc>
-                <a:tc>
-                  <a:txBody>
-                    <a:bodyPr/>
-                    <a:lstStyle/>
-                    <a:p>
-                      <a:r>
-                        <a:rPr lang="en-US" dirty="0" smtClean="0"/>
-                        <a:t>http://myurl:8080/css/file.css</a:t>
-                      </a:r>
-                      <a:endParaRPr lang="en-US" dirty="0"/>
-                    </a:p>
-                  </a:txBody>
-                  <a:tcPr/>
-                </a:tc>
-                <a:tc>
-                  <a:txBody>
-                    <a:bodyPr/>
-                    <a:lstStyle/>
-                    <a:p>
-                      <a:r>
-                        <a:rPr lang="en-US" dirty="0" smtClean="0"/>
-                        <a:t>tomorrow</a:t>
-                      </a:r>
-                      <a:endParaRPr lang="en-US" dirty="0"/>
-                    </a:p>
-                  </a:txBody>
-                  <a:tcPr/>
-                </a:tc>
-              </a:tr>
-              <a:tr h="370840">
-                <a:tc>
-                  <a:txBody>
-                    <a:bodyPr/>
-                    <a:lstStyle/>
-                    <a:p>
-                      <a:r>
-                        <a:rPr lang="en-US" dirty="0" smtClean="0"/>
-                        <a:t>./</a:t>
-                      </a:r>
-                      <a:r>
-                        <a:rPr lang="en-US" dirty="0" err="1" smtClean="0"/>
-                        <a:t>docroot</a:t>
-                      </a:r>
-                      <a:r>
-                        <a:rPr lang="en-US" dirty="0" smtClean="0"/>
-                        <a:t>/scripts/file.js</a:t>
-                      </a:r>
-                      <a:endParaRPr lang="en-US" dirty="0"/>
-                    </a:p>
-                  </a:txBody>
-                  <a:tcPr/>
-                </a:tc>
-                <a:tc>
-                  <a:txBody>
-                    <a:bodyPr/>
-                    <a:lstStyle/>
-                    <a:p>
-                      <a:r>
-                        <a:rPr lang="en-US" dirty="0" smtClean="0"/>
-                        <a:t>http://myurl:8080/scripts/file.js</a:t>
-                      </a:r>
-                      <a:endParaRPr lang="en-US" dirty="0"/>
-                    </a:p>
-                  </a:txBody>
-                  <a:tcPr/>
-                </a:tc>
-                <a:tc>
-                  <a:txBody>
-                    <a:bodyPr/>
-                    <a:lstStyle/>
-                    <a:p>
-                      <a:r>
-                        <a:rPr lang="en-US" dirty="0" smtClean="0"/>
-                        <a:t>tomorrow</a:t>
-                      </a:r>
-                      <a:endParaRPr lang="en-US" dirty="0"/>
-                    </a:p>
-                  </a:txBody>
-                  <a:tcPr/>
-                </a:tc>
-              </a:tr>
-            </a:tbl>
-          </a:graphicData>
-        </a:graphic>
-      </p:graphicFrame>
-      <p:sp>
-        <p:nvSpPr>
-          <p:cNvPr id="6" name="Content Placeholder 5"/>
+      <p:sp>
+        <p:nvSpPr>
+          <p:cNvPr id="3" name="Content Placeholder 2"/>
           <p:cNvSpPr>
             <a:spLocks noGrp="1"/>
           </p:cNvSpPr>
@@ -5643,40 +6637,79 @@
             <p:ph idx="1"/>
           </p:nvPr>
         </p:nvSpPr>
-        <p:spPr>
-          <a:xfrm>
-            <a:off x="457200" y="1600201"/>
-            <a:ext cx="8229600" cy="2666999"/>
-          </a:xfrm>
-        </p:spPr>
-        <p:txBody>
-          <a:bodyPr/>
-          <a:lstStyle/>
-          <a:p>
-            <a:r>
-              <a:rPr lang="en-US" dirty="0" smtClean="0"/>
-              <a:t>How are these file served:</a:t>
+        <p:spPr/>
+        <p:txBody>
+          <a:bodyPr>
+            <a:normAutofit/>
+          </a:bodyPr>
+          <a:lstStyle/>
+          <a:p>
+            <a:r>
+              <a:rPr lang="en-US" dirty="0" smtClean="0"/>
+              <a:t>Running the default setup, start the </a:t>
+            </a:r>
+            <a:r>
+              <a:rPr lang="en-US" dirty="0" err="1" smtClean="0"/>
+              <a:t>webserver</a:t>
+            </a:r>
+            <a:r>
+              <a:rPr lang="en-US" dirty="0" smtClean="0"/>
+              <a:t> with these lines:</a:t>
+            </a:r>
+          </a:p>
+          <a:p>
+            <a:pPr>
+              <a:buNone/>
+            </a:pPr>
+            <a:endParaRPr lang="en-US" sz="2000" b="1" dirty="0" smtClean="0">
+              <a:latin typeface="Courier New" pitchFamily="49" charset="0"/>
+              <a:cs typeface="Courier New" pitchFamily="49" charset="0"/>
+            </a:endParaRPr>
+          </a:p>
+          <a:p>
+            <a:pPr>
+              <a:buNone/>
+            </a:pPr>
+            <a:r>
+              <a:rPr lang="en-US" sz="2000" b="1" dirty="0" smtClean="0">
+                <a:latin typeface="Courier New" pitchFamily="49" charset="0"/>
+                <a:cs typeface="Courier New" pitchFamily="49" charset="0"/>
+              </a:rPr>
+              <a:t>    package require Site</a:t>
+            </a:r>
+          </a:p>
+          <a:p>
+            <a:pPr>
+              <a:buNone/>
+            </a:pPr>
+            <a:r>
+              <a:rPr lang="en-US" sz="2000" b="1" dirty="0" smtClean="0">
+                <a:latin typeface="Courier New" pitchFamily="49" charset="0"/>
+                <a:cs typeface="Courier New" pitchFamily="49" charset="0"/>
+              </a:rPr>
+              <a:t>    Site start home .</a:t>
+            </a:r>
+          </a:p>
+          <a:p>
+            <a:pPr>
+              <a:buNone/>
+            </a:pPr>
+            <a:endParaRPr lang="en-US" sz="2000" b="1" dirty="0" smtClean="0">
+              <a:latin typeface="Courier New" pitchFamily="49" charset="0"/>
+              <a:cs typeface="Courier New" pitchFamily="49" charset="0"/>
+            </a:endParaRPr>
+          </a:p>
+          <a:p>
+            <a:r>
+              <a:rPr lang="en-US" dirty="0" smtClean="0"/>
+              <a:t>What’s being served?</a:t>
             </a:r>
           </a:p>
           <a:p>
             <a:pPr lvl="1"/>
             <a:r>
               <a:rPr lang="en-US" dirty="0" smtClean="0"/>
-              <a:t>On port 8080</a:t>
-            </a:r>
-          </a:p>
-          <a:p>
-            <a:pPr lvl="1"/>
-            <a:r>
-              <a:rPr lang="en-US" dirty="0" smtClean="0"/>
-              <a:t>Using caching</a:t>
-            </a:r>
-          </a:p>
-          <a:p>
-            <a:pPr lvl="1"/>
-            <a:r>
-              <a:rPr lang="en-US" dirty="0" smtClean="0"/>
-              <a:t>The html, images, </a:t>
+              <a:t>Files from html, images, </a:t>
             </a:r>
             <a:r>
               <a:rPr lang="en-US" dirty="0" err="1" smtClean="0"/>
@@ -5684,10 +6717,21 @@
             </a:r>
             <a:r>
               <a:rPr lang="en-US" dirty="0" smtClean="0"/>
-              <a:t> and scripts subdirectories are served as root in the URL </a:t>
-            </a:r>
-          </a:p>
-          <a:p>
+              <a:t> and scripts subdirectories of ./</a:t>
+            </a:r>
+            <a:r>
+              <a:rPr lang="en-US" dirty="0" err="1" smtClean="0"/>
+              <a:t>docroot</a:t>
+            </a:r>
+            <a:endParaRPr lang="en-US" dirty="0" smtClean="0"/>
+          </a:p>
+          <a:p>
+            <a:endParaRPr lang="en-US" dirty="0" smtClean="0"/>
+          </a:p>
+          <a:p>
+            <a:pPr>
+              <a:buNone/>
+            </a:pPr>
             <a:endParaRPr lang="en-US" dirty="0"/>
           </a:p>
         </p:txBody>
@@ -5741,15 +6785,306 @@
           <a:p>
             <a:r>
               <a:rPr lang="en-US" dirty="0" smtClean="0"/>
-              <a:t>Example 1a: adding some Nub</a:t>
+              <a:t>Example 1 (continued)</a:t>
             </a:r>
             <a:endParaRPr lang="en-US" dirty="0"/>
           </a:p>
         </p:txBody>
       </p:sp>
-      <p:sp>
-        <p:nvSpPr>
-          <p:cNvPr id="3" name="Content Placeholder 2"/>
+      <p:graphicFrame>
+        <p:nvGraphicFramePr>
+          <p:cNvPr id="5" name="Table 4"/>
+          <p:cNvGraphicFramePr>
+            <a:graphicFrameLocks noGrp="1"/>
+          </p:cNvGraphicFramePr>
+          <p:nvPr/>
+        </p:nvGraphicFramePr>
+        <p:xfrm>
+          <a:off x="762000" y="4343400"/>
+          <a:ext cx="7924799" cy="1854200"/>
+        </p:xfrm>
+        <a:graphic>
+          <a:graphicData uri="http://schemas.openxmlformats.org/drawingml/2006/table">
+            <a:tbl>
+              <a:tblPr firstRow="1" bandRow="1">
+                <a:tableStyleId>{5C22544A-7EE6-4342-B048-85BDC9FD1C3A}</a:tableStyleId>
+              </a:tblPr>
+              <a:tblGrid>
+                <a:gridCol w="2590800"/>
+                <a:gridCol w="3352800"/>
+                <a:gridCol w="1981199"/>
+              </a:tblGrid>
+              <a:tr h="370840">
+                <a:tc>
+                  <a:txBody>
+                    <a:bodyPr/>
+                    <a:lstStyle/>
+                    <a:p>
+                      <a:r>
+                        <a:rPr lang="en-US" dirty="0" smtClean="0"/>
+                        <a:t>On</a:t>
+                      </a:r>
+                      <a:r>
+                        <a:rPr lang="en-US" baseline="0" dirty="0" smtClean="0"/>
+                        <a:t> server</a:t>
+                      </a:r>
+                      <a:endParaRPr lang="en-US" dirty="0"/>
+                    </a:p>
+                  </a:txBody>
+                  <a:tcPr/>
+                </a:tc>
+                <a:tc>
+                  <a:txBody>
+                    <a:bodyPr/>
+                    <a:lstStyle/>
+                    <a:p>
+                      <a:r>
+                        <a:rPr lang="en-US" dirty="0" smtClean="0"/>
+                        <a:t>On client</a:t>
+                      </a:r>
+                      <a:endParaRPr lang="en-US" dirty="0"/>
+                    </a:p>
+                  </a:txBody>
+                  <a:tcPr/>
+                </a:tc>
+                <a:tc>
+                  <a:txBody>
+                    <a:bodyPr/>
+                    <a:lstStyle/>
+                    <a:p>
+                      <a:r>
+                        <a:rPr lang="en-US" dirty="0" smtClean="0"/>
+                        <a:t>Expires</a:t>
+                      </a:r>
+                      <a:endParaRPr lang="en-US" dirty="0"/>
+                    </a:p>
+                  </a:txBody>
+                  <a:tcPr/>
+                </a:tc>
+              </a:tr>
+              <a:tr h="370840">
+                <a:tc>
+                  <a:txBody>
+                    <a:bodyPr/>
+                    <a:lstStyle/>
+                    <a:p>
+                      <a:r>
+                        <a:rPr lang="en-US" dirty="0" smtClean="0"/>
+                        <a:t>./</a:t>
+                      </a:r>
+                      <a:r>
+                        <a:rPr lang="en-US" dirty="0" err="1" smtClean="0"/>
+                        <a:t>docroot</a:t>
+                      </a:r>
+                      <a:r>
+                        <a:rPr lang="en-US" dirty="0" smtClean="0"/>
+                        <a:t>/html/file.html</a:t>
+                      </a:r>
+                      <a:endParaRPr lang="en-US" dirty="0"/>
+                    </a:p>
+                  </a:txBody>
+                  <a:tcPr/>
+                </a:tc>
+                <a:tc>
+                  <a:txBody>
+                    <a:bodyPr/>
+                    <a:lstStyle/>
+                    <a:p>
+                      <a:r>
+                        <a:rPr lang="en-US" dirty="0" smtClean="0"/>
+                        <a:t>http://myurl:8080/html/file.html</a:t>
+                      </a:r>
+                      <a:endParaRPr lang="en-US" dirty="0"/>
+                    </a:p>
+                  </a:txBody>
+                  <a:tcPr/>
+                </a:tc>
+                <a:tc>
+                  <a:txBody>
+                    <a:bodyPr/>
+                    <a:lstStyle/>
+                    <a:p>
+                      <a:r>
+                        <a:rPr lang="en-US" dirty="0" smtClean="0"/>
+                        <a:t>tomorrow</a:t>
+                      </a:r>
+                      <a:endParaRPr lang="en-US" dirty="0"/>
+                    </a:p>
+                  </a:txBody>
+                  <a:tcPr/>
+                </a:tc>
+              </a:tr>
+              <a:tr h="370840">
+                <a:tc>
+                  <a:txBody>
+                    <a:bodyPr/>
+                    <a:lstStyle/>
+                    <a:p>
+                      <a:r>
+                        <a:rPr lang="en-US" dirty="0" smtClean="0"/>
+                        <a:t>./</a:t>
+                      </a:r>
+                      <a:r>
+                        <a:rPr lang="en-US" dirty="0" err="1" smtClean="0"/>
+                        <a:t>docroot</a:t>
+                      </a:r>
+                      <a:r>
+                        <a:rPr lang="en-US" dirty="0" smtClean="0"/>
+                        <a:t>/images/file.gif</a:t>
+                      </a:r>
+                      <a:endParaRPr lang="en-US" dirty="0"/>
+                    </a:p>
+                  </a:txBody>
+                  <a:tcPr/>
+                </a:tc>
+                <a:tc>
+                  <a:txBody>
+                    <a:bodyPr/>
+                    <a:lstStyle/>
+                    <a:p>
+                      <a:r>
+                        <a:rPr lang="en-US" dirty="0" smtClean="0"/>
+                        <a:t>http://myurl:8080/images/file.gif</a:t>
+                      </a:r>
+                      <a:endParaRPr lang="en-US" dirty="0"/>
+                    </a:p>
+                  </a:txBody>
+                  <a:tcPr/>
+                </a:tc>
+                <a:tc>
+                  <a:txBody>
+                    <a:bodyPr/>
+                    <a:lstStyle/>
+                    <a:p>
+                      <a:r>
+                        <a:rPr lang="en-US" dirty="0" smtClean="0"/>
+                        <a:t>next week</a:t>
+                      </a:r>
+                      <a:endParaRPr lang="en-US" dirty="0"/>
+                    </a:p>
+                  </a:txBody>
+                  <a:tcPr/>
+                </a:tc>
+              </a:tr>
+              <a:tr h="370840">
+                <a:tc>
+                  <a:txBody>
+                    <a:bodyPr/>
+                    <a:lstStyle/>
+                    <a:p>
+                      <a:r>
+                        <a:rPr lang="en-US" dirty="0" smtClean="0"/>
+                        <a:t>./</a:t>
+                      </a:r>
+                      <a:r>
+                        <a:rPr lang="en-US" dirty="0" err="1" smtClean="0"/>
+                        <a:t>docroot</a:t>
+                      </a:r>
+                      <a:r>
+                        <a:rPr lang="en-US" dirty="0" smtClean="0"/>
+                        <a:t>/</a:t>
+                      </a:r>
+                      <a:r>
+                        <a:rPr lang="en-US" dirty="0" err="1" smtClean="0"/>
+                        <a:t>css</a:t>
+                      </a:r>
+                      <a:r>
+                        <a:rPr lang="en-US" dirty="0" smtClean="0"/>
+                        <a:t>/file.css</a:t>
+                      </a:r>
+                      <a:endParaRPr lang="en-US" dirty="0"/>
+                    </a:p>
+                  </a:txBody>
+                  <a:tcPr/>
+                </a:tc>
+                <a:tc>
+                  <a:txBody>
+                    <a:bodyPr/>
+                    <a:lstStyle/>
+                    <a:p>
+                      <a:r>
+                        <a:rPr lang="en-US" dirty="0" smtClean="0"/>
+                        <a:t>http://myurl:8080/css/file.css</a:t>
+                      </a:r>
+                      <a:endParaRPr lang="en-US" dirty="0"/>
+                    </a:p>
+                  </a:txBody>
+                  <a:tcPr/>
+                </a:tc>
+                <a:tc>
+                  <a:txBody>
+                    <a:bodyPr/>
+                    <a:lstStyle/>
+                    <a:p>
+                      <a:r>
+                        <a:rPr lang="en-US" dirty="0" smtClean="0"/>
+                        <a:t>tomorrow</a:t>
+                      </a:r>
+                      <a:endParaRPr lang="en-US" dirty="0"/>
+                    </a:p>
+                  </a:txBody>
+                  <a:tcPr/>
+                </a:tc>
+              </a:tr>
+              <a:tr h="370840">
+                <a:tc>
+                  <a:txBody>
+                    <a:bodyPr/>
+                    <a:lstStyle/>
+                    <a:p>
+                      <a:r>
+                        <a:rPr lang="en-US" dirty="0" smtClean="0"/>
+                        <a:t>./</a:t>
+                      </a:r>
+                      <a:r>
+                        <a:rPr lang="en-US" dirty="0" err="1" smtClean="0"/>
+                        <a:t>docroot</a:t>
+                      </a:r>
+                      <a:r>
+                        <a:rPr lang="en-US" dirty="0" smtClean="0"/>
+                        <a:t>/scripts/file.js</a:t>
+                      </a:r>
+                      <a:endParaRPr lang="en-US" dirty="0"/>
+                    </a:p>
+                  </a:txBody>
+                  <a:tcPr/>
+                </a:tc>
+                <a:tc>
+                  <a:txBody>
+                    <a:bodyPr/>
+                    <a:lstStyle/>
+                    <a:p>
+                      <a:r>
+                        <a:rPr lang="en-US" dirty="0" smtClean="0"/>
+                        <a:t>http://myurl:8080/scripts/file.js</a:t>
+                      </a:r>
+                      <a:endParaRPr lang="en-US" dirty="0"/>
+                    </a:p>
+                  </a:txBody>
+                  <a:tcPr/>
+                </a:tc>
+                <a:tc>
+                  <a:txBody>
+                    <a:bodyPr/>
+                    <a:lstStyle/>
+                    <a:p>
+                      <a:r>
+                        <a:rPr lang="en-US" dirty="0" smtClean="0"/>
+                        <a:t>tomorrow</a:t>
+                      </a:r>
+                      <a:endParaRPr lang="en-US" dirty="0"/>
+                    </a:p>
+                  </a:txBody>
+                  <a:tcPr/>
+                </a:tc>
+              </a:tr>
+            </a:tbl>
+          </a:graphicData>
+        </a:graphic>
+      </p:graphicFrame>
+      <p:sp>
+        <p:nvSpPr>
+          <p:cNvPr id="6" name="Content Placeholder 5"/>
           <p:cNvSpPr>
             <a:spLocks noGrp="1"/>
           </p:cNvSpPr>
@@ -5757,134 +7092,52 @@
             <p:ph idx="1"/>
           </p:nvPr>
         </p:nvSpPr>
-        <p:spPr/>
-        <p:txBody>
-          <a:bodyPr/>
-          <a:lstStyle/>
-          <a:p>
-            <a:r>
-              <a:rPr lang="en-US" dirty="0" smtClean="0"/>
-              <a:t>Nub is a configuration utility for </a:t>
+        <p:spPr>
+          <a:xfrm>
+            <a:off x="457200" y="1600201"/>
+            <a:ext cx="8229600" cy="2666999"/>
+          </a:xfrm>
+        </p:spPr>
+        <p:txBody>
+          <a:bodyPr/>
+          <a:lstStyle/>
+          <a:p>
+            <a:r>
+              <a:rPr lang="en-US" dirty="0" smtClean="0"/>
+              <a:t>How are these file served:</a:t>
+            </a:r>
+          </a:p>
+          <a:p>
+            <a:pPr lvl="1"/>
+            <a:r>
+              <a:rPr lang="en-US" dirty="0" smtClean="0"/>
+              <a:t>On port 8080</a:t>
+            </a:r>
+          </a:p>
+          <a:p>
+            <a:pPr lvl="1"/>
+            <a:r>
+              <a:rPr lang="en-US" dirty="0" smtClean="0"/>
+              <a:t>Using caching</a:t>
+            </a:r>
+          </a:p>
+          <a:p>
+            <a:pPr lvl="1"/>
+            <a:r>
+              <a:rPr lang="en-US" dirty="0" smtClean="0"/>
+              <a:t>The html, images, </a:t>
             </a:r>
             <a:r>
               <a:rPr lang="en-US" dirty="0" err="1" smtClean="0"/>
-              <a:t>Wub</a:t>
-            </a:r>
-            <a:endParaRPr lang="en-US" dirty="0" smtClean="0"/>
-          </a:p>
-          <a:p>
-            <a:r>
-              <a:rPr lang="en-US" dirty="0" smtClean="0"/>
-              <a:t>Specify redirect from root URL to ./</a:t>
-            </a:r>
-            <a:r>
-              <a:rPr lang="en-US" dirty="0" err="1" smtClean="0"/>
-              <a:t>docroot</a:t>
-            </a:r>
-            <a:r>
-              <a:rPr lang="en-US" smtClean="0"/>
-              <a:t>/html/ex.html </a:t>
-            </a:r>
-            <a:r>
-              <a:rPr lang="en-US" dirty="0" smtClean="0"/>
-              <a:t>in ex.nub:</a:t>
-            </a:r>
-          </a:p>
-          <a:p>
-            <a:pPr>
-              <a:buNone/>
-            </a:pPr>
-            <a:endParaRPr lang="en-US" sz="2000" b="1" dirty="0" smtClean="0">
-              <a:latin typeface="Courier New" pitchFamily="49" charset="0"/>
-              <a:cs typeface="Courier New" pitchFamily="49" charset="0"/>
-            </a:endParaRPr>
-          </a:p>
-          <a:p>
-            <a:pPr>
-              <a:buNone/>
-            </a:pPr>
-            <a:r>
-              <a:rPr lang="en-US" sz="2000" b="1" dirty="0" smtClean="0">
-                <a:latin typeface="Courier New" pitchFamily="49" charset="0"/>
-                <a:cs typeface="Courier New" pitchFamily="49" charset="0"/>
-              </a:rPr>
-              <a:t>    redirect / /html/ex.html</a:t>
-            </a:r>
-          </a:p>
-          <a:p>
-            <a:pPr>
-              <a:buNone/>
-            </a:pPr>
-            <a:endParaRPr lang="en-US" sz="2000" b="1" dirty="0" smtClean="0">
-              <a:latin typeface="Courier New" pitchFamily="49" charset="0"/>
-              <a:cs typeface="Courier New" pitchFamily="49" charset="0"/>
-            </a:endParaRPr>
-          </a:p>
-          <a:p>
-            <a:r>
-              <a:rPr lang="en-US" dirty="0" smtClean="0"/>
-              <a:t>Start </a:t>
-            </a:r>
-            <a:r>
-              <a:rPr lang="en-US" dirty="0" err="1" smtClean="0"/>
-              <a:t>Wub</a:t>
-            </a:r>
-            <a:r>
-              <a:rPr lang="en-US" dirty="0" smtClean="0"/>
-              <a:t> with these lines:</a:t>
-            </a:r>
-          </a:p>
-          <a:p>
-            <a:pPr>
-              <a:buNone/>
-            </a:pPr>
-            <a:endParaRPr lang="en-US" sz="2000" b="1" dirty="0" smtClean="0">
-              <a:latin typeface="Courier New" pitchFamily="49" charset="0"/>
-              <a:cs typeface="Courier New" pitchFamily="49" charset="0"/>
-            </a:endParaRPr>
-          </a:p>
-          <a:p>
-            <a:pPr>
-              <a:buNone/>
-            </a:pPr>
-            <a:r>
-              <a:rPr lang="en-US" sz="2000" b="1" dirty="0" smtClean="0">
-                <a:latin typeface="Courier New" pitchFamily="49" charset="0"/>
-                <a:cs typeface="Courier New" pitchFamily="49" charset="0"/>
-              </a:rPr>
-              <a:t>    package require Site</a:t>
-            </a:r>
-          </a:p>
-          <a:p>
-            <a:pPr>
-              <a:buNone/>
-            </a:pPr>
-            <a:r>
-              <a:rPr lang="en-US" sz="2000" b="1" dirty="0" smtClean="0">
-                <a:latin typeface="Courier New" pitchFamily="49" charset="0"/>
-                <a:cs typeface="Courier New" pitchFamily="49" charset="0"/>
-              </a:rPr>
-              <a:t>    Site start home . </a:t>
-            </a:r>
-            <a:r>
-              <a:rPr lang="en-US" sz="2000" b="1" dirty="0" smtClean="0">
-                <a:solidFill>
-                  <a:srgbClr val="FF0000"/>
-                </a:solidFill>
-                <a:latin typeface="Courier New" pitchFamily="49" charset="0"/>
-                <a:cs typeface="Courier New" pitchFamily="49" charset="0"/>
-              </a:rPr>
-              <a:t>nubs ex.nub</a:t>
-            </a:r>
-          </a:p>
-          <a:p>
-            <a:pPr>
-              <a:buNone/>
-            </a:pPr>
-            <a:endParaRPr lang="en-US" sz="2000" b="1" dirty="0">
-              <a:latin typeface="Courier New" pitchFamily="49" charset="0"/>
-              <a:cs typeface="Courier New" pitchFamily="49" charset="0"/>
-            </a:endParaRPr>
+              <a:t>css</a:t>
+            </a:r>
+            <a:r>
+              <a:rPr lang="en-US" dirty="0" smtClean="0"/>
+              <a:t> and scripts subdirectories are served as root in the URL </a:t>
+            </a:r>
+          </a:p>
+          <a:p>
+            <a:endParaRPr lang="en-US" dirty="0"/>
           </a:p>
         </p:txBody>
       </p:sp>
@@ -5937,7 +7190,7 @@
           <a:p>
             <a:r>
               <a:rPr lang="en-US" dirty="0" smtClean="0"/>
-              <a:t>Example 1a: Nub redirect syntax</a:t>
+              <a:t>Example 1a: adding some Nub</a:t>
             </a:r>
             <a:endParaRPr lang="en-US" dirty="0"/>
           </a:p>
@@ -5953,216 +7206,137 @@
             <p:ph idx="1"/>
           </p:nvPr>
         </p:nvSpPr>
-        <p:spPr>
-          <a:xfrm>
-            <a:off x="457200" y="2133600"/>
-            <a:ext cx="8229600" cy="4525963"/>
-          </a:xfrm>
-        </p:spPr>
-        <p:txBody>
-          <a:bodyPr/>
-          <a:lstStyle/>
-          <a:p>
-            <a:pPr algn="ctr">
+        <p:spPr/>
+        <p:txBody>
+          <a:bodyPr/>
+          <a:lstStyle/>
+          <a:p>
+            <a:r>
+              <a:rPr lang="en-US" dirty="0" smtClean="0"/>
+              <a:t>Nub is a configuration utility for </a:t>
+            </a:r>
+            <a:r>
+              <a:rPr lang="en-US" dirty="0" err="1" smtClean="0"/>
+              <a:t>Wub</a:t>
+            </a:r>
+            <a:endParaRPr lang="en-US" dirty="0" smtClean="0"/>
+          </a:p>
+          <a:p>
+            <a:r>
+              <a:rPr lang="en-US" dirty="0" smtClean="0"/>
+              <a:t>Specify redirect from root URL to ./</a:t>
+            </a:r>
+            <a:r>
+              <a:rPr lang="en-US" dirty="0" err="1" smtClean="0"/>
+              <a:t>docroot</a:t>
+            </a:r>
+            <a:r>
+              <a:rPr lang="en-US" smtClean="0"/>
+              <a:t>/html/ex.html </a:t>
+            </a:r>
+            <a:r>
+              <a:rPr lang="en-US" dirty="0" smtClean="0"/>
+              <a:t>in ex.nub:</a:t>
+            </a:r>
+          </a:p>
+          <a:p>
+            <a:pPr>
               <a:buNone/>
             </a:pPr>
-            <a:r>
-              <a:rPr lang="en-US" dirty="0" smtClean="0">
+            <a:endParaRPr lang="en-US" sz="2000" b="1" dirty="0" smtClean="0">
+              <a:latin typeface="Courier New" pitchFamily="49" charset="0"/>
+              <a:cs typeface="Courier New" pitchFamily="49" charset="0"/>
+            </a:endParaRPr>
+          </a:p>
+          <a:p>
+            <a:pPr>
+              <a:buNone/>
+            </a:pPr>
+            <a:r>
+              <a:rPr lang="en-US" sz="2000" b="1" dirty="0" smtClean="0">
                 <a:latin typeface="Courier New" pitchFamily="49" charset="0"/>
                 <a:cs typeface="Courier New" pitchFamily="49" charset="0"/>
               </a:rPr>
-              <a:t>redirect &lt;from </a:t>
-            </a:r>
-            <a:r>
-              <a:rPr lang="en-US" dirty="0" err="1" smtClean="0">
+              <a:t>    redirect / /html/ex.html</a:t>
+            </a:r>
+          </a:p>
+          <a:p>
+            <a:pPr>
+              <a:buNone/>
+            </a:pPr>
+            <a:endParaRPr lang="en-US" sz="2000" b="1" dirty="0" smtClean="0">
+              <a:latin typeface="Courier New" pitchFamily="49" charset="0"/>
+              <a:cs typeface="Courier New" pitchFamily="49" charset="0"/>
+            </a:endParaRPr>
+          </a:p>
+          <a:p>
+            <a:r>
+              <a:rPr lang="en-US" dirty="0" smtClean="0"/>
+              <a:t>Start </a:t>
+            </a:r>
+            <a:r>
+              <a:rPr lang="en-US" dirty="0" err="1" smtClean="0"/>
+              <a:t>Wub</a:t>
+            </a:r>
+            <a:r>
+              <a:rPr lang="en-US" dirty="0" smtClean="0"/>
+              <a:t> with these lines:</a:t>
+            </a:r>
+          </a:p>
+          <a:p>
+            <a:pPr>
+              <a:buNone/>
+            </a:pPr>
+            <a:endParaRPr lang="en-US" sz="2000" b="1" dirty="0" smtClean="0">
+              <a:latin typeface="Courier New" pitchFamily="49" charset="0"/>
+              <a:cs typeface="Courier New" pitchFamily="49" charset="0"/>
+            </a:endParaRPr>
+          </a:p>
+          <a:p>
+            <a:pPr>
+              <a:buNone/>
+            </a:pPr>
+            <a:r>
+              <a:rPr lang="en-US" sz="2000" b="1" dirty="0" smtClean="0">
                 <a:latin typeface="Courier New" pitchFamily="49" charset="0"/>
                 <a:cs typeface="Courier New" pitchFamily="49" charset="0"/>
               </a:rPr>
-              <a:t>url</a:t>
-            </a:r>
-            <a:r>
-              <a:rPr lang="en-US" dirty="0" smtClean="0">
+              <a:t>    package require Site</a:t>
+            </a:r>
+          </a:p>
+          <a:p>
+            <a:pPr>
+              <a:buNone/>
+            </a:pPr>
+            <a:r>
+              <a:rPr lang="en-US" sz="2000" b="1" dirty="0" smtClean="0">
                 <a:latin typeface="Courier New" pitchFamily="49" charset="0"/>
                 <a:cs typeface="Courier New" pitchFamily="49" charset="0"/>
               </a:rPr>
-              <a:t>&gt; </a:t>
-            </a:r>
-            <a:r>
-              <a:rPr lang="en-US" dirty="0" smtClean="0">
+              <a:t>    Site start home . </a:t>
+            </a:r>
+            <a:r>
+              <a:rPr lang="en-US" sz="2000" b="1" dirty="0" smtClean="0">
+                <a:solidFill>
+                  <a:srgbClr val="FF0000"/>
+                </a:solidFill>
                 <a:latin typeface="Courier New" pitchFamily="49" charset="0"/>
                 <a:cs typeface="Courier New" pitchFamily="49" charset="0"/>
               </a:rPr>
-              <a:t>&lt;to </a:t>
-            </a:r>
-            <a:r>
-              <a:rPr lang="en-US" dirty="0" err="1" smtClean="0">
-                <a:latin typeface="Courier New" pitchFamily="49" charset="0"/>
-                <a:cs typeface="Courier New" pitchFamily="49" charset="0"/>
-              </a:rPr>
-              <a:t>url</a:t>
-            </a:r>
-            <a:r>
-              <a:rPr lang="en-US" dirty="0" smtClean="0">
-                <a:latin typeface="Courier New" pitchFamily="49" charset="0"/>
-                <a:cs typeface="Courier New" pitchFamily="49" charset="0"/>
-              </a:rPr>
-              <a:t>&gt;</a:t>
-            </a:r>
-            <a:endParaRPr lang="en-US" dirty="0" smtClean="0">
+              <a:t>nubs ex.nub</a:t>
+            </a:r>
+          </a:p>
+          <a:p>
+            <a:pPr>
+              <a:buNone/>
+            </a:pPr>
+            <a:endParaRPr lang="en-US" sz="2000" b="1" dirty="0">
               <a:latin typeface="Courier New" pitchFamily="49" charset="0"/>
               <a:cs typeface="Courier New" pitchFamily="49" charset="0"/>
             </a:endParaRPr>
           </a:p>
-          <a:p>
-            <a:pPr>
-              <a:buNone/>
-            </a:pPr>
-            <a:endParaRPr lang="en-US" dirty="0"/>
-          </a:p>
-        </p:txBody>
-      </p:sp>
-      <p:graphicFrame>
-        <p:nvGraphicFramePr>
-          <p:cNvPr id="4" name="Table 3"/>
-          <p:cNvGraphicFramePr>
-            <a:graphicFrameLocks noGrp="1"/>
-          </p:cNvGraphicFramePr>
-          <p:nvPr/>
-        </p:nvGraphicFramePr>
-        <p:xfrm>
-          <a:off x="1524000" y="3352800"/>
-          <a:ext cx="6096000" cy="1112520"/>
-        </p:xfrm>
-        <a:graphic>
-          <a:graphicData uri="http://schemas.openxmlformats.org/drawingml/2006/table">
-            <a:tbl>
-              <a:tblPr firstRow="1" bandRow="1">
-                <a:tableStyleId>{5C22544A-7EE6-4342-B048-85BDC9FD1C3A}</a:tableStyleId>
-              </a:tblPr>
-              <a:tblGrid>
-                <a:gridCol w="1676400"/>
-                <a:gridCol w="4419600"/>
-              </a:tblGrid>
-              <a:tr h="370840">
-                <a:tc>
-                  <a:txBody>
-                    <a:bodyPr/>
-                    <a:lstStyle/>
-                    <a:p>
-                      <a:r>
-                        <a:rPr lang="en-US" dirty="0" smtClean="0"/>
-                        <a:t>Argument</a:t>
-                      </a:r>
-                      <a:endParaRPr lang="en-US" dirty="0"/>
-                    </a:p>
-                  </a:txBody>
-                  <a:tcPr/>
-                </a:tc>
-                <a:tc>
-                  <a:txBody>
-                    <a:bodyPr/>
-                    <a:lstStyle/>
-                    <a:p>
-                      <a:r>
-                        <a:rPr lang="en-US" dirty="0" smtClean="0"/>
-                        <a:t>Description</a:t>
-                      </a:r>
-                      <a:endParaRPr lang="en-US" dirty="0"/>
-                    </a:p>
-                  </a:txBody>
-                  <a:tcPr/>
-                </a:tc>
-              </a:tr>
-              <a:tr h="370840">
-                <a:tc>
-                  <a:txBody>
-                    <a:bodyPr/>
-                    <a:lstStyle/>
-                    <a:p>
-                      <a:r>
-                        <a:rPr lang="en-US" dirty="0" smtClean="0">
-                          <a:latin typeface="Courier New" pitchFamily="49" charset="0"/>
-                          <a:cs typeface="Courier New" pitchFamily="49" charset="0"/>
-                        </a:rPr>
-                        <a:t>from </a:t>
-                      </a:r>
-                      <a:r>
-                        <a:rPr lang="en-US" dirty="0" err="1" smtClean="0">
-                          <a:latin typeface="Courier New" pitchFamily="49" charset="0"/>
-                          <a:cs typeface="Courier New" pitchFamily="49" charset="0"/>
-                        </a:rPr>
-                        <a:t>url</a:t>
-                      </a:r>
-                      <a:endParaRPr lang="en-US" dirty="0">
-                        <a:latin typeface="Courier New" pitchFamily="49" charset="0"/>
-                        <a:cs typeface="Courier New" pitchFamily="49" charset="0"/>
-                      </a:endParaRPr>
-                    </a:p>
-                  </a:txBody>
-                  <a:tcPr/>
-                </a:tc>
-                <a:tc>
-                  <a:txBody>
-                    <a:bodyPr/>
-                    <a:lstStyle/>
-                    <a:p>
-                      <a:r>
-                        <a:rPr lang="en-US" dirty="0" smtClean="0"/>
-                        <a:t>URL for which to send a redirect.</a:t>
-                      </a:r>
-                      <a:endParaRPr lang="en-US" dirty="0"/>
-                    </a:p>
-                  </a:txBody>
-                  <a:tcPr/>
-                </a:tc>
-              </a:tr>
-              <a:tr h="370840">
-                <a:tc>
-                  <a:txBody>
-                    <a:bodyPr/>
-                    <a:lstStyle/>
-                    <a:p>
-                      <a:r>
-                        <a:rPr lang="en-US" dirty="0" smtClean="0">
-                          <a:latin typeface="Courier New" pitchFamily="49" charset="0"/>
-                          <a:cs typeface="Courier New" pitchFamily="49" charset="0"/>
-                        </a:rPr>
-                        <a:t>to </a:t>
-                      </a:r>
-                      <a:r>
-                        <a:rPr lang="en-US" dirty="0" err="1" smtClean="0">
-                          <a:latin typeface="Courier New" pitchFamily="49" charset="0"/>
-                          <a:cs typeface="Courier New" pitchFamily="49" charset="0"/>
-                        </a:rPr>
-                        <a:t>url</a:t>
-                      </a:r>
-                      <a:endParaRPr lang="en-US" dirty="0">
-                        <a:latin typeface="Courier New" pitchFamily="49" charset="0"/>
-                        <a:cs typeface="Courier New" pitchFamily="49" charset="0"/>
-                      </a:endParaRPr>
-                    </a:p>
-                  </a:txBody>
-                  <a:tcPr/>
-                </a:tc>
-                <a:tc>
-                  <a:txBody>
-                    <a:bodyPr/>
-                    <a:lstStyle/>
-                    <a:p>
-                      <a:r>
-                        <a:rPr lang="en-US" dirty="0" smtClean="0"/>
-                        <a:t>URL to redirect to</a:t>
-                      </a:r>
-                      <a:endParaRPr lang="en-US" dirty="0"/>
-                    </a:p>
-                  </a:txBody>
-                  <a:tcPr/>
-                </a:tc>
-              </a:tr>
-            </a:tbl>
-          </a:graphicData>
-        </a:graphic>
-      </p:graphicFrame>
+        </p:txBody>
+      </p:sp>
     </p:spTree>
   </p:cSld>
   <p:clrMapOvr>
@@ -6212,7 +7386,7 @@
           <a:p>
             <a:r>
               <a:rPr lang="en-US" dirty="0" smtClean="0"/>
-              <a:t>Example 2: the File domain</a:t>
+              <a:t>Example 1a: Nub redirect syntax</a:t>
             </a:r>
             <a:endParaRPr lang="en-US" dirty="0"/>
           </a:p>
@@ -6228,473 +7402,205 @@
             <p:ph idx="1"/>
           </p:nvPr>
         </p:nvSpPr>
-        <p:spPr/>
-        <p:txBody>
-          <a:bodyPr>
-            <a:normAutofit fontScale="92500" lnSpcReduction="10000"/>
-          </a:bodyPr>
-          <a:lstStyle/>
-          <a:p>
-            <a:r>
-              <a:rPr lang="en-US" dirty="0" smtClean="0"/>
-              <a:t>Making File domains explicit in ex.nub:</a:t>
+        <p:spPr>
+          <a:xfrm>
+            <a:off x="457200" y="2133600"/>
+            <a:ext cx="8229600" cy="4525963"/>
+          </a:xfrm>
+        </p:spPr>
+        <p:txBody>
+          <a:bodyPr/>
+          <a:lstStyle/>
+          <a:p>
+            <a:pPr algn="ctr">
+              <a:buNone/>
+            </a:pPr>
+            <a:r>
+              <a:rPr lang="en-US" dirty="0" smtClean="0">
+                <a:latin typeface="Courier New" pitchFamily="49" charset="0"/>
+                <a:cs typeface="Courier New" pitchFamily="49" charset="0"/>
+              </a:rPr>
+              <a:t>redirect &lt;from </a:t>
+            </a:r>
+            <a:r>
+              <a:rPr lang="en-US" dirty="0" err="1" smtClean="0">
+                <a:latin typeface="Courier New" pitchFamily="49" charset="0"/>
+                <a:cs typeface="Courier New" pitchFamily="49" charset="0"/>
+              </a:rPr>
+              <a:t>url</a:t>
+            </a:r>
+            <a:r>
+              <a:rPr lang="en-US" dirty="0" smtClean="0">
+                <a:latin typeface="Courier New" pitchFamily="49" charset="0"/>
+                <a:cs typeface="Courier New" pitchFamily="49" charset="0"/>
+              </a:rPr>
+              <a:t>&gt; &lt;to </a:t>
+            </a:r>
+            <a:r>
+              <a:rPr lang="en-US" dirty="0" err="1" smtClean="0">
+                <a:latin typeface="Courier New" pitchFamily="49" charset="0"/>
+                <a:cs typeface="Courier New" pitchFamily="49" charset="0"/>
+              </a:rPr>
+              <a:t>url</a:t>
+            </a:r>
+            <a:r>
+              <a:rPr lang="en-US" dirty="0" smtClean="0">
+                <a:latin typeface="Courier New" pitchFamily="49" charset="0"/>
+                <a:cs typeface="Courier New" pitchFamily="49" charset="0"/>
+              </a:rPr>
+              <a:t>&gt;</a:t>
             </a:r>
           </a:p>
           <a:p>
             <a:pPr>
               <a:buNone/>
             </a:pPr>
-            <a:endParaRPr lang="en-US" sz="1000" b="1" dirty="0" smtClean="0">
-              <a:latin typeface="Courier New" pitchFamily="49" charset="0"/>
-              <a:cs typeface="Courier New" pitchFamily="49" charset="0"/>
-            </a:endParaRPr>
-          </a:p>
-          <a:p>
-            <a:pPr>
-              <a:buNone/>
-            </a:pPr>
-            <a:r>
-              <a:rPr lang="en-US" sz="1000" b="1" dirty="0" smtClean="0">
-                <a:latin typeface="Courier New" pitchFamily="49" charset="0"/>
-                <a:cs typeface="Courier New" pitchFamily="49" charset="0"/>
-              </a:rPr>
-              <a:t>    domain /</a:t>
-            </a:r>
-            <a:r>
-              <a:rPr lang="en-US" sz="1000" b="1" dirty="0" err="1" smtClean="0">
-                <a:latin typeface="Courier New" pitchFamily="49" charset="0"/>
-                <a:cs typeface="Courier New" pitchFamily="49" charset="0"/>
-              </a:rPr>
-              <a:t>css</a:t>
-            </a:r>
-            <a:r>
-              <a:rPr lang="en-US" sz="1000" b="1" dirty="0" smtClean="0">
-                <a:latin typeface="Courier New" pitchFamily="49" charset="0"/>
-                <a:cs typeface="Courier New" pitchFamily="49" charset="0"/>
-              </a:rPr>
-              <a:t>/     {File </a:t>
-            </a:r>
-            <a:r>
-              <a:rPr lang="en-US" sz="1000" b="1" dirty="0" err="1" smtClean="0">
-                <a:latin typeface="Courier New" pitchFamily="49" charset="0"/>
-                <a:cs typeface="Courier New" pitchFamily="49" charset="0"/>
-              </a:rPr>
-              <a:t>css</a:t>
-            </a:r>
-            <a:r>
-              <a:rPr lang="en-US" sz="1000" b="1" dirty="0" smtClean="0">
-                <a:latin typeface="Courier New" pitchFamily="49" charset="0"/>
-                <a:cs typeface="Courier New" pitchFamily="49" charset="0"/>
-              </a:rPr>
-              <a:t>}     root [file join . </a:t>
-            </a:r>
-            <a:r>
-              <a:rPr lang="en-US" sz="1000" b="1" dirty="0" err="1" smtClean="0">
-                <a:latin typeface="Courier New" pitchFamily="49" charset="0"/>
-                <a:cs typeface="Courier New" pitchFamily="49" charset="0"/>
-              </a:rPr>
-              <a:t>docroot</a:t>
-            </a:r>
-            <a:r>
-              <a:rPr lang="en-US" sz="1000" b="1" dirty="0" smtClean="0">
-                <a:latin typeface="Courier New" pitchFamily="49" charset="0"/>
-                <a:cs typeface="Courier New" pitchFamily="49" charset="0"/>
-              </a:rPr>
-              <a:t> </a:t>
-            </a:r>
-            <a:r>
-              <a:rPr lang="en-US" sz="1000" b="1" dirty="0" err="1" smtClean="0">
-                <a:latin typeface="Courier New" pitchFamily="49" charset="0"/>
-                <a:cs typeface="Courier New" pitchFamily="49" charset="0"/>
-              </a:rPr>
-              <a:t>css</a:t>
-            </a:r>
-            <a:r>
-              <a:rPr lang="en-US" sz="1000" b="1" dirty="0" smtClean="0">
-                <a:latin typeface="Courier New" pitchFamily="49" charset="0"/>
-                <a:cs typeface="Courier New" pitchFamily="49" charset="0"/>
-              </a:rPr>
-              <a:t>]     expires tomorrow    </a:t>
-            </a:r>
-            <a:r>
-              <a:rPr lang="en-US" sz="1000" b="1" dirty="0" err="1" smtClean="0">
-                <a:latin typeface="Courier New" pitchFamily="49" charset="0"/>
-                <a:cs typeface="Courier New" pitchFamily="49" charset="0"/>
-              </a:rPr>
-              <a:t>nodir</a:t>
-            </a:r>
-            <a:r>
-              <a:rPr lang="en-US" sz="1000" b="1" dirty="0" smtClean="0">
-                <a:latin typeface="Courier New" pitchFamily="49" charset="0"/>
-                <a:cs typeface="Courier New" pitchFamily="49" charset="0"/>
-              </a:rPr>
-              <a:t> 1</a:t>
-            </a:r>
-          </a:p>
-          <a:p>
-            <a:pPr>
-              <a:buNone/>
-            </a:pPr>
-            <a:r>
-              <a:rPr lang="en-US" sz="1000" b="1" dirty="0" smtClean="0">
-                <a:latin typeface="Courier New" pitchFamily="49" charset="0"/>
-                <a:cs typeface="Courier New" pitchFamily="49" charset="0"/>
-              </a:rPr>
-              <a:t>    domain /images/  {File images}  root [file join . </a:t>
-            </a:r>
-            <a:r>
-              <a:rPr lang="en-US" sz="1000" b="1" dirty="0" err="1" smtClean="0">
-                <a:latin typeface="Courier New" pitchFamily="49" charset="0"/>
-                <a:cs typeface="Courier New" pitchFamily="49" charset="0"/>
-              </a:rPr>
-              <a:t>docroot</a:t>
-            </a:r>
-            <a:r>
-              <a:rPr lang="en-US" sz="1000" b="1" dirty="0" smtClean="0">
-                <a:latin typeface="Courier New" pitchFamily="49" charset="0"/>
-                <a:cs typeface="Courier New" pitchFamily="49" charset="0"/>
-              </a:rPr>
-              <a:t> images]  expires "next week" </a:t>
-            </a:r>
-            <a:r>
-              <a:rPr lang="en-US" sz="1000" b="1" dirty="0" err="1" smtClean="0">
-                <a:latin typeface="Courier New" pitchFamily="49" charset="0"/>
-                <a:cs typeface="Courier New" pitchFamily="49" charset="0"/>
-              </a:rPr>
-              <a:t>nodir</a:t>
-            </a:r>
-            <a:r>
-              <a:rPr lang="en-US" sz="1000" b="1" dirty="0" smtClean="0">
-                <a:latin typeface="Courier New" pitchFamily="49" charset="0"/>
-                <a:cs typeface="Courier New" pitchFamily="49" charset="0"/>
-              </a:rPr>
-              <a:t> 1</a:t>
-            </a:r>
-          </a:p>
-          <a:p>
-            <a:pPr>
-              <a:buNone/>
-            </a:pPr>
-            <a:r>
-              <a:rPr lang="en-US" sz="1000" b="1" dirty="0" smtClean="0">
-                <a:latin typeface="Courier New" pitchFamily="49" charset="0"/>
-                <a:cs typeface="Courier New" pitchFamily="49" charset="0"/>
-              </a:rPr>
-              <a:t>    domain /scripts/ {File scripts} root [file join . </a:t>
-            </a:r>
-            <a:r>
-              <a:rPr lang="en-US" sz="1000" b="1" dirty="0" err="1" smtClean="0">
-                <a:latin typeface="Courier New" pitchFamily="49" charset="0"/>
-                <a:cs typeface="Courier New" pitchFamily="49" charset="0"/>
-              </a:rPr>
-              <a:t>docroot</a:t>
-            </a:r>
-            <a:r>
-              <a:rPr lang="en-US" sz="1000" b="1" dirty="0" smtClean="0">
-                <a:latin typeface="Courier New" pitchFamily="49" charset="0"/>
-                <a:cs typeface="Courier New" pitchFamily="49" charset="0"/>
-              </a:rPr>
-              <a:t> scripts] expires tomorrow    </a:t>
-            </a:r>
-            <a:r>
-              <a:rPr lang="en-US" sz="1000" b="1" dirty="0" err="1" smtClean="0">
-                <a:latin typeface="Courier New" pitchFamily="49" charset="0"/>
-                <a:cs typeface="Courier New" pitchFamily="49" charset="0"/>
-              </a:rPr>
-              <a:t>nodir</a:t>
-            </a:r>
-            <a:r>
-              <a:rPr lang="en-US" sz="1000" b="1" dirty="0" smtClean="0">
-                <a:latin typeface="Courier New" pitchFamily="49" charset="0"/>
-                <a:cs typeface="Courier New" pitchFamily="49" charset="0"/>
-              </a:rPr>
-              <a:t> 1</a:t>
-            </a:r>
-          </a:p>
-          <a:p>
-            <a:pPr>
-              <a:buNone/>
-            </a:pPr>
-            <a:r>
-              <a:rPr lang="en-US" sz="1000" b="1" dirty="0" smtClean="0">
-                <a:latin typeface="Courier New" pitchFamily="49" charset="0"/>
-                <a:cs typeface="Courier New" pitchFamily="49" charset="0"/>
-              </a:rPr>
-              <a:t>    domain /html/    {File html}    root [file join . </a:t>
-            </a:r>
-            <a:r>
-              <a:rPr lang="en-US" sz="1000" b="1" dirty="0" err="1" smtClean="0">
-                <a:latin typeface="Courier New" pitchFamily="49" charset="0"/>
-                <a:cs typeface="Courier New" pitchFamily="49" charset="0"/>
-              </a:rPr>
-              <a:t>docroot</a:t>
-            </a:r>
-            <a:r>
-              <a:rPr lang="en-US" sz="1000" b="1" dirty="0" smtClean="0">
-                <a:latin typeface="Courier New" pitchFamily="49" charset="0"/>
-                <a:cs typeface="Courier New" pitchFamily="49" charset="0"/>
-              </a:rPr>
-              <a:t> html]    expires tomorrow    </a:t>
-            </a:r>
-            <a:r>
-              <a:rPr lang="en-US" sz="1000" b="1" dirty="0" err="1" smtClean="0">
-                <a:latin typeface="Courier New" pitchFamily="49" charset="0"/>
-                <a:cs typeface="Courier New" pitchFamily="49" charset="0"/>
-              </a:rPr>
-              <a:t>nodir</a:t>
-            </a:r>
-            <a:r>
-              <a:rPr lang="en-US" sz="1000" b="1" dirty="0" smtClean="0">
-                <a:latin typeface="Courier New" pitchFamily="49" charset="0"/>
-                <a:cs typeface="Courier New" pitchFamily="49" charset="0"/>
-              </a:rPr>
-              <a:t> 1</a:t>
-            </a:r>
-          </a:p>
-          <a:p>
-            <a:pPr>
-              <a:buNone/>
-            </a:pPr>
-            <a:endParaRPr lang="en-US" sz="1000" b="1" dirty="0" smtClean="0">
-              <a:latin typeface="Courier New" pitchFamily="49" charset="0"/>
-              <a:cs typeface="Courier New" pitchFamily="49" charset="0"/>
-            </a:endParaRPr>
-          </a:p>
-          <a:p>
-            <a:r>
-              <a:rPr lang="en-US" dirty="0" smtClean="0"/>
-              <a:t>Add new File domain:</a:t>
-            </a:r>
-          </a:p>
-          <a:p>
-            <a:pPr>
-              <a:buNone/>
-            </a:pPr>
-            <a:endParaRPr lang="en-US" sz="1000" b="1" dirty="0" smtClean="0">
-              <a:latin typeface="Courier New" pitchFamily="49" charset="0"/>
-              <a:cs typeface="Courier New" pitchFamily="49" charset="0"/>
-            </a:endParaRPr>
-          </a:p>
-          <a:p>
-            <a:pPr>
-              <a:buNone/>
-            </a:pPr>
-            <a:r>
-              <a:rPr lang="en-US" sz="1000" b="1" dirty="0" smtClean="0">
-                <a:latin typeface="Courier New" pitchFamily="49" charset="0"/>
-                <a:cs typeface="Courier New" pitchFamily="49" charset="0"/>
-              </a:rPr>
-              <a:t>    </a:t>
-            </a:r>
-            <a:r>
-              <a:rPr lang="en-US" sz="1000" b="1" dirty="0" smtClean="0">
-                <a:latin typeface="Courier New" pitchFamily="49" charset="0"/>
-                <a:cs typeface="Courier New" pitchFamily="49" charset="0"/>
-              </a:rPr>
-              <a:t>domain /disk/ {File disk} \</a:t>
-            </a:r>
-          </a:p>
-          <a:p>
-            <a:pPr>
-              <a:buNone/>
-            </a:pPr>
-            <a:r>
-              <a:rPr lang="en-US" sz="1000" b="1" dirty="0" smtClean="0">
-                <a:latin typeface="Courier New" pitchFamily="49" charset="0"/>
-                <a:cs typeface="Courier New" pitchFamily="49" charset="0"/>
-              </a:rPr>
-              <a:t>       root       / \</a:t>
-            </a:r>
-          </a:p>
-          <a:p>
-            <a:pPr>
-              <a:buNone/>
-            </a:pPr>
-            <a:r>
-              <a:rPr lang="en-US" sz="1000" b="1" dirty="0" smtClean="0">
-                <a:latin typeface="Courier New" pitchFamily="49" charset="0"/>
-                <a:cs typeface="Courier New" pitchFamily="49" charset="0"/>
-              </a:rPr>
-              <a:t>       </a:t>
-            </a:r>
-            <a:r>
-              <a:rPr lang="en-US" sz="1000" b="1" dirty="0" err="1" smtClean="0">
-                <a:latin typeface="Courier New" pitchFamily="49" charset="0"/>
-                <a:cs typeface="Courier New" pitchFamily="49" charset="0"/>
-              </a:rPr>
-              <a:t>indexfile</a:t>
-            </a:r>
-            <a:r>
-              <a:rPr lang="en-US" sz="1000" b="1" dirty="0" smtClean="0">
-                <a:latin typeface="Courier New" pitchFamily="49" charset="0"/>
-                <a:cs typeface="Courier New" pitchFamily="49" charset="0"/>
-              </a:rPr>
-              <a:t>  index.* \</a:t>
-            </a:r>
-          </a:p>
-          <a:p>
-            <a:pPr>
-              <a:buNone/>
-            </a:pPr>
-            <a:r>
-              <a:rPr lang="en-US" sz="1000" b="1" dirty="0" smtClean="0">
-                <a:latin typeface="Courier New" pitchFamily="49" charset="0"/>
-                <a:cs typeface="Courier New" pitchFamily="49" charset="0"/>
-              </a:rPr>
-              <a:t>       hide       {^([.].*)|(.*~)|(\#.*)$} \</a:t>
-            </a:r>
-          </a:p>
-          <a:p>
-            <a:pPr>
-              <a:buNone/>
-            </a:pPr>
-            <a:r>
-              <a:rPr lang="en-US" sz="1000" b="1" dirty="0" smtClean="0">
-                <a:latin typeface="Courier New" pitchFamily="49" charset="0"/>
-                <a:cs typeface="Courier New" pitchFamily="49" charset="0"/>
-              </a:rPr>
-              <a:t>       </a:t>
-            </a:r>
-            <a:r>
-              <a:rPr lang="en-US" sz="1000" b="1" dirty="0" err="1" smtClean="0">
-                <a:latin typeface="Courier New" pitchFamily="49" charset="0"/>
-                <a:cs typeface="Courier New" pitchFamily="49" charset="0"/>
-              </a:rPr>
-              <a:t>redirdir</a:t>
-            </a:r>
-            <a:r>
-              <a:rPr lang="en-US" sz="1000" b="1" dirty="0" smtClean="0">
-                <a:latin typeface="Courier New" pitchFamily="49" charset="0"/>
-                <a:cs typeface="Courier New" pitchFamily="49" charset="0"/>
-              </a:rPr>
-              <a:t>   1 \</a:t>
-            </a:r>
-          </a:p>
-          <a:p>
-            <a:pPr>
-              <a:buNone/>
-            </a:pPr>
-            <a:r>
-              <a:rPr lang="en-US" sz="1000" b="1" dirty="0" smtClean="0">
-                <a:latin typeface="Courier New" pitchFamily="49" charset="0"/>
-                <a:cs typeface="Courier New" pitchFamily="49" charset="0"/>
-              </a:rPr>
-              <a:t>       expires    tomorrow \</a:t>
-            </a:r>
-          </a:p>
-          <a:p>
-            <a:pPr>
-              <a:buNone/>
-            </a:pPr>
-            <a:r>
-              <a:rPr lang="en-US" sz="1000" b="1" dirty="0" smtClean="0">
-                <a:latin typeface="Courier New" pitchFamily="49" charset="0"/>
-                <a:cs typeface="Courier New" pitchFamily="49" charset="0"/>
-              </a:rPr>
-              <a:t>       </a:t>
-            </a:r>
-            <a:r>
-              <a:rPr lang="en-US" sz="1000" b="1" dirty="0" err="1" smtClean="0">
-                <a:latin typeface="Courier New" pitchFamily="49" charset="0"/>
-                <a:cs typeface="Courier New" pitchFamily="49" charset="0"/>
-              </a:rPr>
-              <a:t>dateformat</a:t>
-            </a:r>
-            <a:r>
-              <a:rPr lang="en-US" sz="1000" b="1" dirty="0" smtClean="0">
-                <a:latin typeface="Courier New" pitchFamily="49" charset="0"/>
-                <a:cs typeface="Courier New" pitchFamily="49" charset="0"/>
-              </a:rPr>
-              <a:t> "%Y %b %d %T" \</a:t>
-            </a:r>
-          </a:p>
-          <a:p>
-            <a:pPr>
-              <a:buNone/>
-            </a:pPr>
-            <a:r>
-              <a:rPr lang="en-US" sz="1000" b="1" dirty="0" smtClean="0">
-                <a:latin typeface="Courier New" pitchFamily="49" charset="0"/>
-                <a:cs typeface="Courier New" pitchFamily="49" charset="0"/>
-              </a:rPr>
-              <a:t>       </a:t>
-            </a:r>
-            <a:r>
-              <a:rPr lang="en-US" sz="1000" b="1" dirty="0" err="1" smtClean="0">
-                <a:latin typeface="Courier New" pitchFamily="49" charset="0"/>
-                <a:cs typeface="Courier New" pitchFamily="49" charset="0"/>
-              </a:rPr>
-              <a:t>nodir</a:t>
-            </a:r>
-            <a:r>
-              <a:rPr lang="en-US" sz="1000" b="1" dirty="0" smtClean="0">
-                <a:latin typeface="Courier New" pitchFamily="49" charset="0"/>
-                <a:cs typeface="Courier New" pitchFamily="49" charset="0"/>
-              </a:rPr>
-              <a:t>      0</a:t>
-            </a:r>
-          </a:p>
-          <a:p>
-            <a:pPr>
-              <a:buNone/>
-            </a:pPr>
-            <a:endParaRPr lang="en-US" sz="1000" dirty="0" smtClean="0"/>
-          </a:p>
-          <a:p>
-            <a:r>
-              <a:rPr lang="en-US" dirty="0" smtClean="0"/>
-              <a:t>Add Rewrite to ex.nub:</a:t>
-            </a:r>
-          </a:p>
-          <a:p>
-            <a:pPr>
-              <a:buNone/>
-            </a:pPr>
-            <a:r>
-              <a:rPr lang="en-US" sz="1000" dirty="0" smtClean="0">
-                <a:latin typeface="Courier New" pitchFamily="49" charset="0"/>
-                <a:cs typeface="Courier New" pitchFamily="49" charset="0"/>
-              </a:rPr>
-              <a:t>    </a:t>
-            </a:r>
-          </a:p>
-          <a:p>
-            <a:pPr>
-              <a:buNone/>
-            </a:pPr>
-            <a:r>
-              <a:rPr lang="en-US" sz="1000" dirty="0" smtClean="0">
-                <a:latin typeface="Courier New" pitchFamily="49" charset="0"/>
-                <a:cs typeface="Courier New" pitchFamily="49" charset="0"/>
-              </a:rPr>
-              <a:t>    rewrite {/[^/]+[.]html} {/html/[file tail [</a:t>
-            </a:r>
-            <a:r>
-              <a:rPr lang="en-US" sz="1000" dirty="0" err="1" smtClean="0">
-                <a:latin typeface="Courier New" pitchFamily="49" charset="0"/>
-                <a:cs typeface="Courier New" pitchFamily="49" charset="0"/>
-              </a:rPr>
-              <a:t>dict</a:t>
-            </a:r>
-            <a:r>
-              <a:rPr lang="en-US" sz="1000" dirty="0" smtClean="0">
-                <a:latin typeface="Courier New" pitchFamily="49" charset="0"/>
-                <a:cs typeface="Courier New" pitchFamily="49" charset="0"/>
-              </a:rPr>
-              <a:t> get $r -path]]}</a:t>
-            </a:r>
-          </a:p>
-          <a:p>
-            <a:pPr>
-              <a:buNone/>
-            </a:pPr>
-            <a:endParaRPr lang="en-US" sz="1000" dirty="0" smtClean="0">
-              <a:latin typeface="Courier New" pitchFamily="49" charset="0"/>
-              <a:cs typeface="Courier New" pitchFamily="49" charset="0"/>
-            </a:endParaRPr>
-          </a:p>
-        </p:txBody>
-      </p:sp>
+            <a:endParaRPr lang="en-US" dirty="0"/>
+          </a:p>
+        </p:txBody>
+      </p:sp>
+      <p:graphicFrame>
+        <p:nvGraphicFramePr>
+          <p:cNvPr id="4" name="Table 3"/>
+          <p:cNvGraphicFramePr>
+            <a:graphicFrameLocks noGrp="1"/>
+          </p:cNvGraphicFramePr>
+          <p:nvPr/>
+        </p:nvGraphicFramePr>
+        <p:xfrm>
+          <a:off x="1524000" y="3352800"/>
+          <a:ext cx="6096000" cy="1112520"/>
+        </p:xfrm>
+        <a:graphic>
+          <a:graphicData uri="http://schemas.openxmlformats.org/drawingml/2006/table">
+            <a:tbl>
+              <a:tblPr firstRow="1" bandRow="1">
+                <a:tableStyleId>{5C22544A-7EE6-4342-B048-85BDC9FD1C3A}</a:tableStyleId>
+              </a:tblPr>
+              <a:tblGrid>
+                <a:gridCol w="1676400"/>
+                <a:gridCol w="4419600"/>
+              </a:tblGrid>
+              <a:tr h="370840">
+                <a:tc>
+                  <a:txBody>
+                    <a:bodyPr/>
+                    <a:lstStyle/>
+                    <a:p>
+                      <a:r>
+                        <a:rPr lang="en-US" dirty="0" smtClean="0"/>
+                        <a:t>Argument</a:t>
+                      </a:r>
+                      <a:endParaRPr lang="en-US" dirty="0"/>
+                    </a:p>
+                  </a:txBody>
+                  <a:tcPr/>
+                </a:tc>
+                <a:tc>
+                  <a:txBody>
+                    <a:bodyPr/>
+                    <a:lstStyle/>
+                    <a:p>
+                      <a:r>
+                        <a:rPr lang="en-US" dirty="0" smtClean="0"/>
+                        <a:t>Description</a:t>
+                      </a:r>
+                      <a:endParaRPr lang="en-US" dirty="0"/>
+                    </a:p>
+                  </a:txBody>
+                  <a:tcPr/>
+                </a:tc>
+              </a:tr>
+              <a:tr h="370840">
+                <a:tc>
+                  <a:txBody>
+                    <a:bodyPr/>
+                    <a:lstStyle/>
+                    <a:p>
+                      <a:r>
+                        <a:rPr lang="en-US" dirty="0" smtClean="0">
+                          <a:latin typeface="Courier New" pitchFamily="49" charset="0"/>
+                          <a:cs typeface="Courier New" pitchFamily="49" charset="0"/>
+                        </a:rPr>
+                        <a:t>from </a:t>
+                      </a:r>
+                      <a:r>
+                        <a:rPr lang="en-US" dirty="0" err="1" smtClean="0">
+                          <a:latin typeface="Courier New" pitchFamily="49" charset="0"/>
+                          <a:cs typeface="Courier New" pitchFamily="49" charset="0"/>
+                        </a:rPr>
+                        <a:t>url</a:t>
+                      </a:r>
+                      <a:endParaRPr lang="en-US" dirty="0">
+                        <a:latin typeface="Courier New" pitchFamily="49" charset="0"/>
+                        <a:cs typeface="Courier New" pitchFamily="49" charset="0"/>
+                      </a:endParaRPr>
+                    </a:p>
+                  </a:txBody>
+                  <a:tcPr/>
+                </a:tc>
+                <a:tc>
+                  <a:txBody>
+                    <a:bodyPr/>
+                    <a:lstStyle/>
+                    <a:p>
+                      <a:r>
+                        <a:rPr lang="en-US" dirty="0" smtClean="0"/>
+                        <a:t>URL for which to send a redirect.</a:t>
+                      </a:r>
+                      <a:endParaRPr lang="en-US" dirty="0"/>
+                    </a:p>
+                  </a:txBody>
+                  <a:tcPr/>
+                </a:tc>
+              </a:tr>
+              <a:tr h="370840">
+                <a:tc>
+                  <a:txBody>
+                    <a:bodyPr/>
+                    <a:lstStyle/>
+                    <a:p>
+                      <a:r>
+                        <a:rPr lang="en-US" dirty="0" smtClean="0">
+                          <a:latin typeface="Courier New" pitchFamily="49" charset="0"/>
+                          <a:cs typeface="Courier New" pitchFamily="49" charset="0"/>
+                        </a:rPr>
+                        <a:t>to </a:t>
+                      </a:r>
+                      <a:r>
+                        <a:rPr lang="en-US" dirty="0" err="1" smtClean="0">
+                          <a:latin typeface="Courier New" pitchFamily="49" charset="0"/>
+                          <a:cs typeface="Courier New" pitchFamily="49" charset="0"/>
+                        </a:rPr>
+                        <a:t>url</a:t>
+                      </a:r>
+                      <a:endParaRPr lang="en-US" dirty="0">
+                        <a:latin typeface="Courier New" pitchFamily="49" charset="0"/>
+                        <a:cs typeface="Courier New" pitchFamily="49" charset="0"/>
+                      </a:endParaRPr>
+                    </a:p>
+                  </a:txBody>
+                  <a:tcPr/>
+                </a:tc>
+                <a:tc>
+                  <a:txBody>
+                    <a:bodyPr/>
+                    <a:lstStyle/>
+                    <a:p>
+                      <a:r>
+                        <a:rPr lang="en-US" dirty="0" smtClean="0"/>
+                        <a:t>URL to redirect to</a:t>
+                      </a:r>
+                      <a:endParaRPr lang="en-US" dirty="0"/>
+                    </a:p>
+                  </a:txBody>
+                  <a:tcPr/>
+                </a:tc>
+              </a:tr>
+            </a:tbl>
+          </a:graphicData>
+        </a:graphic>
+      </p:graphicFrame>
     </p:spTree>
   </p:cSld>
   <p:clrMapOvr>
@@ -6739,333 +7645,497 @@
         </p:nvSpPr>
         <p:spPr/>
         <p:txBody>
+          <a:bodyPr/>
+          <a:lstStyle/>
+          <a:p>
+            <a:r>
+              <a:rPr lang="en-US" dirty="0" smtClean="0"/>
+              <a:t>Example 2: the File domain</a:t>
+            </a:r>
+            <a:endParaRPr lang="en-US" dirty="0"/>
+          </a:p>
+        </p:txBody>
+      </p:sp>
+      <p:sp>
+        <p:nvSpPr>
+          <p:cNvPr id="3" name="Content Placeholder 2"/>
+          <p:cNvSpPr>
+            <a:spLocks noGrp="1"/>
+          </p:cNvSpPr>
+          <p:nvPr>
+            <p:ph idx="1"/>
+          </p:nvPr>
+        </p:nvSpPr>
+        <p:spPr/>
+        <p:txBody>
           <a:bodyPr>
-            <a:normAutofit/>
+            <a:normAutofit fontScale="92500" lnSpcReduction="20000"/>
           </a:bodyPr>
           <a:lstStyle/>
           <a:p>
             <a:r>
               <a:rPr lang="en-US" dirty="0" smtClean="0"/>
-              <a:t>Example 2: Nub domain syntax</a:t>
-            </a:r>
-            <a:endParaRPr lang="en-US" dirty="0"/>
-          </a:p>
-        </p:txBody>
-      </p:sp>
-      <p:sp>
-        <p:nvSpPr>
-          <p:cNvPr id="3" name="Content Placeholder 2"/>
-          <p:cNvSpPr>
-            <a:spLocks noGrp="1"/>
-          </p:cNvSpPr>
-          <p:nvPr>
-            <p:ph idx="1"/>
-          </p:nvPr>
-        </p:nvSpPr>
-        <p:spPr>
-          <a:xfrm>
-            <a:off x="647700" y="1600200"/>
-            <a:ext cx="7848600" cy="4525963"/>
-          </a:xfrm>
-        </p:spPr>
-        <p:txBody>
-          <a:bodyPr>
-            <a:normAutofit/>
-          </a:bodyPr>
-          <a:lstStyle/>
+              <a:t>Map URL’s to file system hierarchy</a:t>
+            </a:r>
+          </a:p>
+          <a:p>
+            <a:r>
+              <a:rPr lang="en-US" dirty="0" smtClean="0"/>
+              <a:t>Making </a:t>
+            </a:r>
+            <a:r>
+              <a:rPr lang="en-US" dirty="0" smtClean="0"/>
+              <a:t>File domains explicit in ex.nub:</a:t>
+            </a:r>
+          </a:p>
           <a:p>
             <a:pPr>
               <a:buNone/>
             </a:pPr>
-            <a:r>
-              <a:rPr lang="en-US" sz="2000" dirty="0" smtClean="0">
+            <a:endParaRPr lang="en-US" sz="1000" b="1" dirty="0" smtClean="0">
+              <a:latin typeface="Courier New" pitchFamily="49" charset="0"/>
+              <a:cs typeface="Courier New" pitchFamily="49" charset="0"/>
+            </a:endParaRPr>
+          </a:p>
+          <a:p>
+            <a:pPr>
+              <a:buNone/>
+            </a:pPr>
+            <a:r>
+              <a:rPr lang="en-US" sz="1000" b="1" dirty="0" smtClean="0">
                 <a:latin typeface="Courier New" pitchFamily="49" charset="0"/>
                 <a:cs typeface="Courier New" pitchFamily="49" charset="0"/>
               </a:rPr>
-              <a:t>domain &lt;</a:t>
-            </a:r>
-            <a:r>
-              <a:rPr lang="en-US" sz="2000" dirty="0" err="1" smtClean="0">
+              <a:t>    domain /</a:t>
+            </a:r>
+            <a:r>
+              <a:rPr lang="en-US" sz="1000" b="1" dirty="0" err="1" smtClean="0">
                 <a:latin typeface="Courier New" pitchFamily="49" charset="0"/>
                 <a:cs typeface="Courier New" pitchFamily="49" charset="0"/>
               </a:rPr>
-              <a:t>url</a:t>
-            </a:r>
-            <a:r>
-              <a:rPr lang="en-US" sz="2000" dirty="0" smtClean="0">
+              <a:t>css</a:t>
+            </a:r>
+            <a:r>
+              <a:rPr lang="en-US" sz="1000" b="1" dirty="0" smtClean="0">
                 <a:latin typeface="Courier New" pitchFamily="49" charset="0"/>
                 <a:cs typeface="Courier New" pitchFamily="49" charset="0"/>
               </a:rPr>
-              <a:t>&gt; &lt;list of </a:t>
-            </a:r>
-            <a:r>
-              <a:rPr lang="en-US" sz="2000" dirty="0" err="1" smtClean="0">
+              <a:t>/     {File </a:t>
+            </a:r>
+            <a:r>
+              <a:rPr lang="en-US" sz="1000" b="1" dirty="0" err="1" smtClean="0">
                 <a:latin typeface="Courier New" pitchFamily="49" charset="0"/>
                 <a:cs typeface="Courier New" pitchFamily="49" charset="0"/>
               </a:rPr>
-              <a:t>domain_name</a:t>
-            </a:r>
-            <a:r>
-              <a:rPr lang="en-US" sz="2000" dirty="0" smtClean="0">
+              <a:t>css</a:t>
+            </a:r>
+            <a:r>
+              <a:rPr lang="en-US" sz="1000" b="1" dirty="0" smtClean="0">
                 <a:latin typeface="Courier New" pitchFamily="49" charset="0"/>
                 <a:cs typeface="Courier New" pitchFamily="49" charset="0"/>
               </a:rPr>
-              <a:t> and name&gt; &lt;</a:t>
-            </a:r>
-            <a:r>
-              <a:rPr lang="en-US" sz="2000" dirty="0" err="1" smtClean="0">
+              <a:t>}     root [file join . </a:t>
+            </a:r>
+            <a:r>
+              <a:rPr lang="en-US" sz="1000" b="1" dirty="0" err="1" smtClean="0">
                 <a:latin typeface="Courier New" pitchFamily="49" charset="0"/>
                 <a:cs typeface="Courier New" pitchFamily="49" charset="0"/>
               </a:rPr>
-              <a:t>args</a:t>
-            </a:r>
-            <a:r>
-              <a:rPr lang="en-US" sz="2000" dirty="0" smtClean="0">
+              <a:t>docroot</a:t>
+            </a:r>
+            <a:r>
+              <a:rPr lang="en-US" sz="1000" b="1" dirty="0" smtClean="0">
                 <a:latin typeface="Courier New" pitchFamily="49" charset="0"/>
                 <a:cs typeface="Courier New" pitchFamily="49" charset="0"/>
               </a:rPr>
-              <a:t>&gt;</a:t>
+              <a:t> </a:t>
+            </a:r>
+            <a:r>
+              <a:rPr lang="en-US" sz="1000" b="1" dirty="0" err="1" smtClean="0">
+                <a:latin typeface="Courier New" pitchFamily="49" charset="0"/>
+                <a:cs typeface="Courier New" pitchFamily="49" charset="0"/>
+              </a:rPr>
+              <a:t>css</a:t>
+            </a:r>
+            <a:r>
+              <a:rPr lang="en-US" sz="1000" b="1" dirty="0" smtClean="0">
+                <a:latin typeface="Courier New" pitchFamily="49" charset="0"/>
+                <a:cs typeface="Courier New" pitchFamily="49" charset="0"/>
+              </a:rPr>
+              <a:t>]     expires tomorrow    </a:t>
+            </a:r>
+            <a:r>
+              <a:rPr lang="en-US" sz="1000" b="1" dirty="0" err="1" smtClean="0">
+                <a:latin typeface="Courier New" pitchFamily="49" charset="0"/>
+                <a:cs typeface="Courier New" pitchFamily="49" charset="0"/>
+              </a:rPr>
+              <a:t>nodir</a:t>
+            </a:r>
+            <a:r>
+              <a:rPr lang="en-US" sz="1000" b="1" dirty="0" smtClean="0">
+                <a:latin typeface="Courier New" pitchFamily="49" charset="0"/>
+                <a:cs typeface="Courier New" pitchFamily="49" charset="0"/>
+              </a:rPr>
+              <a:t> 1</a:t>
             </a:r>
           </a:p>
           <a:p>
             <a:pPr>
               <a:buNone/>
             </a:pPr>
-            <a:endParaRPr lang="en-US" sz="2400" dirty="0" smtClean="0">
+            <a:r>
+              <a:rPr lang="en-US" sz="1000" b="1" dirty="0" smtClean="0">
+                <a:latin typeface="Courier New" pitchFamily="49" charset="0"/>
+                <a:cs typeface="Courier New" pitchFamily="49" charset="0"/>
+              </a:rPr>
+              <a:t>    domain /images/  {File images}  root [file join . </a:t>
+            </a:r>
+            <a:r>
+              <a:rPr lang="en-US" sz="1000" b="1" dirty="0" err="1" smtClean="0">
+                <a:latin typeface="Courier New" pitchFamily="49" charset="0"/>
+                <a:cs typeface="Courier New" pitchFamily="49" charset="0"/>
+              </a:rPr>
+              <a:t>docroot</a:t>
+            </a:r>
+            <a:r>
+              <a:rPr lang="en-US" sz="1000" b="1" dirty="0" smtClean="0">
+                <a:latin typeface="Courier New" pitchFamily="49" charset="0"/>
+                <a:cs typeface="Courier New" pitchFamily="49" charset="0"/>
+              </a:rPr>
+              <a:t> images]  expires "next week" </a:t>
+            </a:r>
+            <a:r>
+              <a:rPr lang="en-US" sz="1000" b="1" dirty="0" err="1" smtClean="0">
+                <a:latin typeface="Courier New" pitchFamily="49" charset="0"/>
+                <a:cs typeface="Courier New" pitchFamily="49" charset="0"/>
+              </a:rPr>
+              <a:t>nodir</a:t>
+            </a:r>
+            <a:r>
+              <a:rPr lang="en-US" sz="1000" b="1" dirty="0" smtClean="0">
+                <a:latin typeface="Courier New" pitchFamily="49" charset="0"/>
+                <a:cs typeface="Courier New" pitchFamily="49" charset="0"/>
+              </a:rPr>
+              <a:t> 1</a:t>
+            </a:r>
+          </a:p>
+          <a:p>
+            <a:pPr>
+              <a:buNone/>
+            </a:pPr>
+            <a:r>
+              <a:rPr lang="en-US" sz="1000" b="1" dirty="0" smtClean="0">
+                <a:latin typeface="Courier New" pitchFamily="49" charset="0"/>
+                <a:cs typeface="Courier New" pitchFamily="49" charset="0"/>
+              </a:rPr>
+              <a:t>    domain /scripts/ {File scripts} root [file join . </a:t>
+            </a:r>
+            <a:r>
+              <a:rPr lang="en-US" sz="1000" b="1" dirty="0" err="1" smtClean="0">
+                <a:latin typeface="Courier New" pitchFamily="49" charset="0"/>
+                <a:cs typeface="Courier New" pitchFamily="49" charset="0"/>
+              </a:rPr>
+              <a:t>docroot</a:t>
+            </a:r>
+            <a:r>
+              <a:rPr lang="en-US" sz="1000" b="1" dirty="0" smtClean="0">
+                <a:latin typeface="Courier New" pitchFamily="49" charset="0"/>
+                <a:cs typeface="Courier New" pitchFamily="49" charset="0"/>
+              </a:rPr>
+              <a:t> scripts] expires tomorrow    </a:t>
+            </a:r>
+            <a:r>
+              <a:rPr lang="en-US" sz="1000" b="1" dirty="0" err="1" smtClean="0">
+                <a:latin typeface="Courier New" pitchFamily="49" charset="0"/>
+                <a:cs typeface="Courier New" pitchFamily="49" charset="0"/>
+              </a:rPr>
+              <a:t>nodir</a:t>
+            </a:r>
+            <a:r>
+              <a:rPr lang="en-US" sz="1000" b="1" dirty="0" smtClean="0">
+                <a:latin typeface="Courier New" pitchFamily="49" charset="0"/>
+                <a:cs typeface="Courier New" pitchFamily="49" charset="0"/>
+              </a:rPr>
+              <a:t> 1</a:t>
+            </a:r>
+          </a:p>
+          <a:p>
+            <a:pPr>
+              <a:buNone/>
+            </a:pPr>
+            <a:r>
+              <a:rPr lang="en-US" sz="1000" b="1" dirty="0" smtClean="0">
+                <a:latin typeface="Courier New" pitchFamily="49" charset="0"/>
+                <a:cs typeface="Courier New" pitchFamily="49" charset="0"/>
+              </a:rPr>
+              <a:t>    domain /html/    {File html}    root [file join . </a:t>
+            </a:r>
+            <a:r>
+              <a:rPr lang="en-US" sz="1000" b="1" dirty="0" err="1" smtClean="0">
+                <a:latin typeface="Courier New" pitchFamily="49" charset="0"/>
+                <a:cs typeface="Courier New" pitchFamily="49" charset="0"/>
+              </a:rPr>
+              <a:t>docroot</a:t>
+            </a:r>
+            <a:r>
+              <a:rPr lang="en-US" sz="1000" b="1" dirty="0" smtClean="0">
+                <a:latin typeface="Courier New" pitchFamily="49" charset="0"/>
+                <a:cs typeface="Courier New" pitchFamily="49" charset="0"/>
+              </a:rPr>
+              <a:t> html]    expires tomorrow    </a:t>
+            </a:r>
+            <a:r>
+              <a:rPr lang="en-US" sz="1000" b="1" dirty="0" err="1" smtClean="0">
+                <a:latin typeface="Courier New" pitchFamily="49" charset="0"/>
+                <a:cs typeface="Courier New" pitchFamily="49" charset="0"/>
+              </a:rPr>
+              <a:t>nodir</a:t>
+            </a:r>
+            <a:r>
+              <a:rPr lang="en-US" sz="1000" b="1" dirty="0" smtClean="0">
+                <a:latin typeface="Courier New" pitchFamily="49" charset="0"/>
+                <a:cs typeface="Courier New" pitchFamily="49" charset="0"/>
+              </a:rPr>
+              <a:t> 1</a:t>
+            </a:r>
+          </a:p>
+          <a:p>
+            <a:pPr>
+              <a:buNone/>
+            </a:pPr>
+            <a:endParaRPr lang="en-US" sz="1000" b="1" dirty="0" smtClean="0">
               <a:latin typeface="Courier New" pitchFamily="49" charset="0"/>
               <a:cs typeface="Courier New" pitchFamily="49" charset="0"/>
             </a:endParaRPr>
           </a:p>
-        </p:txBody>
-      </p:sp>
-      <p:graphicFrame>
-        <p:nvGraphicFramePr>
-          <p:cNvPr id="4" name="Table 3"/>
-          <p:cNvGraphicFramePr>
-            <a:graphicFrameLocks noGrp="1"/>
-          </p:cNvGraphicFramePr>
-          <p:nvPr/>
-        </p:nvGraphicFramePr>
-        <p:xfrm>
-          <a:off x="1524000" y="2514600"/>
-          <a:ext cx="6096000" cy="2392680"/>
-        </p:xfrm>
-        <a:graphic>
-          <a:graphicData uri="http://schemas.openxmlformats.org/drawingml/2006/table">
-            <a:tbl>
-              <a:tblPr firstRow="1" bandRow="1">
-                <a:tableStyleId>{5C22544A-7EE6-4342-B048-85BDC9FD1C3A}</a:tableStyleId>
-              </a:tblPr>
-              <a:tblGrid>
-                <a:gridCol w="1981200"/>
-                <a:gridCol w="4114800"/>
-              </a:tblGrid>
-              <a:tr h="370840">
-                <a:tc>
-                  <a:txBody>
-                    <a:bodyPr/>
-                    <a:lstStyle/>
-                    <a:p>
-                      <a:r>
-                        <a:rPr lang="en-US" dirty="0" smtClean="0">
-                          <a:latin typeface="Courier New" pitchFamily="49" charset="0"/>
-                          <a:cs typeface="Courier New" pitchFamily="49" charset="0"/>
-                        </a:rPr>
-                        <a:t>Argument</a:t>
-                      </a:r>
-                      <a:endParaRPr lang="en-US" dirty="0">
-                        <a:latin typeface="Courier New" pitchFamily="49" charset="0"/>
-                        <a:cs typeface="Courier New" pitchFamily="49" charset="0"/>
-                      </a:endParaRPr>
-                    </a:p>
-                  </a:txBody>
-                  <a:tcPr/>
-                </a:tc>
-                <a:tc>
-                  <a:txBody>
-                    <a:bodyPr/>
-                    <a:lstStyle/>
-                    <a:p>
-                      <a:r>
-                        <a:rPr lang="en-US" dirty="0" smtClean="0"/>
-                        <a:t>Description</a:t>
-                      </a:r>
-                      <a:endParaRPr lang="en-US" dirty="0"/>
-                    </a:p>
-                  </a:txBody>
-                  <a:tcPr/>
-                </a:tc>
-              </a:tr>
-              <a:tr h="370840">
-                <a:tc>
-                  <a:txBody>
-                    <a:bodyPr/>
-                    <a:lstStyle/>
-                    <a:p>
-                      <a:r>
-                        <a:rPr lang="en-US" dirty="0" err="1" smtClean="0">
-                          <a:latin typeface="Courier New" pitchFamily="49" charset="0"/>
-                          <a:cs typeface="Courier New" pitchFamily="49" charset="0"/>
-                        </a:rPr>
-                        <a:t>url</a:t>
-                      </a:r>
-                      <a:endParaRPr lang="en-US" dirty="0">
-                        <a:latin typeface="Courier New" pitchFamily="49" charset="0"/>
-                        <a:cs typeface="Courier New" pitchFamily="49" charset="0"/>
-                      </a:endParaRPr>
-                    </a:p>
-                  </a:txBody>
-                  <a:tcPr/>
-                </a:tc>
-                <a:tc>
-                  <a:txBody>
-                    <a:bodyPr/>
-                    <a:lstStyle/>
-                    <a:p>
-                      <a:r>
-                        <a:rPr lang="en-US" dirty="0" err="1" smtClean="0">
-                          <a:cs typeface="Courier New" pitchFamily="49" charset="0"/>
-                        </a:rPr>
-                        <a:t>Url</a:t>
-                      </a:r>
-                      <a:r>
-                        <a:rPr lang="en-US" dirty="0" smtClean="0">
-                          <a:cs typeface="Courier New" pitchFamily="49" charset="0"/>
-                        </a:rPr>
-                        <a:t> to be processed with the specified domain</a:t>
-                      </a:r>
-                      <a:endParaRPr lang="en-US" dirty="0"/>
-                    </a:p>
-                  </a:txBody>
-                  <a:tcPr/>
-                </a:tc>
-              </a:tr>
-              <a:tr h="370840">
-                <a:tc>
-                  <a:txBody>
-                    <a:bodyPr/>
-                    <a:lstStyle/>
-                    <a:p>
-                      <a:r>
-                        <a:rPr lang="en-US" dirty="0" err="1" smtClean="0">
-                          <a:latin typeface="Courier New" pitchFamily="49" charset="0"/>
-                          <a:cs typeface="Courier New" pitchFamily="49" charset="0"/>
-                        </a:rPr>
-                        <a:t>domain_name</a:t>
-                      </a:r>
-                      <a:endParaRPr lang="en-US" dirty="0">
-                        <a:latin typeface="Courier New" pitchFamily="49" charset="0"/>
-                        <a:cs typeface="Courier New" pitchFamily="49" charset="0"/>
-                      </a:endParaRPr>
-                    </a:p>
-                  </a:txBody>
-                  <a:tcPr/>
-                </a:tc>
-                <a:tc>
-                  <a:txBody>
-                    <a:bodyPr/>
-                    <a:lstStyle/>
-                    <a:p>
-                      <a:r>
-                        <a:rPr lang="en-US" dirty="0" smtClean="0">
-                          <a:cs typeface="Courier New" pitchFamily="49" charset="0"/>
-                        </a:rPr>
-                        <a:t>name of domain to use (File, Mason, Direct,  </a:t>
-                      </a:r>
-                      <a:r>
-                        <a:rPr lang="en-US" dirty="0" err="1" smtClean="0">
-                          <a:cs typeface="Courier New" pitchFamily="49" charset="0"/>
-                        </a:rPr>
-                        <a:t>jQ</a:t>
-                      </a:r>
-                      <a:r>
-                        <a:rPr lang="en-US" dirty="0" smtClean="0">
-                          <a:cs typeface="Courier New" pitchFamily="49" charset="0"/>
-                        </a:rPr>
-                        <a:t>,  …) </a:t>
-                      </a:r>
-                      <a:endParaRPr lang="en-US" dirty="0"/>
-                    </a:p>
-                  </a:txBody>
-                  <a:tcPr/>
-                </a:tc>
-              </a:tr>
-              <a:tr h="370840">
-                <a:tc>
-                  <a:txBody>
-                    <a:bodyPr/>
-                    <a:lstStyle/>
-                    <a:p>
-                      <a:r>
-                        <a:rPr lang="en-US" dirty="0" smtClean="0">
-                          <a:latin typeface="Courier New" pitchFamily="49" charset="0"/>
-                          <a:cs typeface="Courier New" pitchFamily="49" charset="0"/>
-                        </a:rPr>
-                        <a:t>name</a:t>
-                      </a:r>
-                      <a:endParaRPr lang="en-US" dirty="0">
-                        <a:latin typeface="Courier New" pitchFamily="49" charset="0"/>
-                        <a:cs typeface="Courier New" pitchFamily="49" charset="0"/>
-                      </a:endParaRPr>
-                    </a:p>
-                  </a:txBody>
-                  <a:tcPr/>
-                </a:tc>
-                <a:tc>
-                  <a:txBody>
-                    <a:bodyPr/>
-                    <a:lstStyle/>
-                    <a:p>
-                      <a:r>
-                        <a:rPr lang="en-US" dirty="0" smtClean="0"/>
-                        <a:t>Name of this domain usage</a:t>
-                      </a:r>
-                      <a:endParaRPr lang="en-US" dirty="0"/>
-                    </a:p>
-                  </a:txBody>
-                  <a:tcPr/>
-                </a:tc>
-              </a:tr>
-              <a:tr h="370840">
-                <a:tc>
-                  <a:txBody>
-                    <a:bodyPr/>
-                    <a:lstStyle/>
-                    <a:p>
-                      <a:r>
-                        <a:rPr lang="en-US" dirty="0" err="1" smtClean="0">
-                          <a:latin typeface="Courier New" pitchFamily="49" charset="0"/>
-                          <a:cs typeface="Courier New" pitchFamily="49" charset="0"/>
-                        </a:rPr>
-                        <a:t>args</a:t>
-                      </a:r>
-                      <a:endParaRPr lang="en-US" dirty="0">
-                        <a:latin typeface="Courier New" pitchFamily="49" charset="0"/>
-                        <a:cs typeface="Courier New" pitchFamily="49" charset="0"/>
-                      </a:endParaRPr>
-                    </a:p>
-                  </a:txBody>
-                  <a:tcPr/>
-                </a:tc>
-                <a:tc>
-                  <a:txBody>
-                    <a:bodyPr/>
-                    <a:lstStyle/>
-                    <a:p>
-                      <a:r>
-                        <a:rPr lang="en-US" dirty="0" smtClean="0"/>
-                        <a:t>Domain specific arguments</a:t>
-                      </a:r>
-                      <a:endParaRPr lang="en-US" dirty="0"/>
-                    </a:p>
-                  </a:txBody>
-                  <a:tcPr/>
-                </a:tc>
-              </a:tr>
-            </a:tbl>
-          </a:graphicData>
-        </a:graphic>
-      </p:graphicFrame>
+          <a:p>
+            <a:r>
+              <a:rPr lang="en-US" dirty="0" smtClean="0"/>
+              <a:t>Add new File domain:</a:t>
+            </a:r>
+          </a:p>
+          <a:p>
+            <a:pPr>
+              <a:buNone/>
+            </a:pPr>
+            <a:endParaRPr lang="en-US" sz="1000" b="1" dirty="0" smtClean="0">
+              <a:latin typeface="Courier New" pitchFamily="49" charset="0"/>
+              <a:cs typeface="Courier New" pitchFamily="49" charset="0"/>
+            </a:endParaRPr>
+          </a:p>
+          <a:p>
+            <a:pPr>
+              <a:buNone/>
+            </a:pPr>
+            <a:r>
+              <a:rPr lang="en-US" sz="1000" b="1" dirty="0" smtClean="0">
+                <a:latin typeface="Courier New" pitchFamily="49" charset="0"/>
+                <a:cs typeface="Courier New" pitchFamily="49" charset="0"/>
+              </a:rPr>
+              <a:t>    domain /disk/ {File disk} \</a:t>
+            </a:r>
+          </a:p>
+          <a:p>
+            <a:pPr>
+              <a:buNone/>
+            </a:pPr>
+            <a:r>
+              <a:rPr lang="en-US" sz="1000" b="1" dirty="0" smtClean="0">
+                <a:latin typeface="Courier New" pitchFamily="49" charset="0"/>
+                <a:cs typeface="Courier New" pitchFamily="49" charset="0"/>
+              </a:rPr>
+              <a:t>       root       / \</a:t>
+            </a:r>
+          </a:p>
+          <a:p>
+            <a:pPr>
+              <a:buNone/>
+            </a:pPr>
+            <a:r>
+              <a:rPr lang="en-US" sz="1000" b="1" dirty="0" smtClean="0">
+                <a:latin typeface="Courier New" pitchFamily="49" charset="0"/>
+                <a:cs typeface="Courier New" pitchFamily="49" charset="0"/>
+              </a:rPr>
+              <a:t>       </a:t>
+            </a:r>
+            <a:r>
+              <a:rPr lang="en-US" sz="1000" b="1" dirty="0" err="1" smtClean="0">
+                <a:latin typeface="Courier New" pitchFamily="49" charset="0"/>
+                <a:cs typeface="Courier New" pitchFamily="49" charset="0"/>
+              </a:rPr>
+              <a:t>indexfile</a:t>
+            </a:r>
+            <a:r>
+              <a:rPr lang="en-US" sz="1000" b="1" dirty="0" smtClean="0">
+                <a:latin typeface="Courier New" pitchFamily="49" charset="0"/>
+                <a:cs typeface="Courier New" pitchFamily="49" charset="0"/>
+              </a:rPr>
+              <a:t>  index.* \</a:t>
+            </a:r>
+          </a:p>
+          <a:p>
+            <a:pPr>
+              <a:buNone/>
+            </a:pPr>
+            <a:r>
+              <a:rPr lang="en-US" sz="1000" b="1" dirty="0" smtClean="0">
+                <a:latin typeface="Courier New" pitchFamily="49" charset="0"/>
+                <a:cs typeface="Courier New" pitchFamily="49" charset="0"/>
+              </a:rPr>
+              <a:t>       hide       {^([.].*)|(.*~)|(\#.*)$} \</a:t>
+            </a:r>
+          </a:p>
+          <a:p>
+            <a:pPr>
+              <a:buNone/>
+            </a:pPr>
+            <a:r>
+              <a:rPr lang="en-US" sz="1000" b="1" dirty="0" smtClean="0">
+                <a:latin typeface="Courier New" pitchFamily="49" charset="0"/>
+                <a:cs typeface="Courier New" pitchFamily="49" charset="0"/>
+              </a:rPr>
+              <a:t>       </a:t>
+            </a:r>
+            <a:r>
+              <a:rPr lang="en-US" sz="1000" b="1" dirty="0" err="1" smtClean="0">
+                <a:latin typeface="Courier New" pitchFamily="49" charset="0"/>
+                <a:cs typeface="Courier New" pitchFamily="49" charset="0"/>
+              </a:rPr>
+              <a:t>redirdir</a:t>
+            </a:r>
+            <a:r>
+              <a:rPr lang="en-US" sz="1000" b="1" dirty="0" smtClean="0">
+                <a:latin typeface="Courier New" pitchFamily="49" charset="0"/>
+                <a:cs typeface="Courier New" pitchFamily="49" charset="0"/>
+              </a:rPr>
+              <a:t>   1 \</a:t>
+            </a:r>
+          </a:p>
+          <a:p>
+            <a:pPr>
+              <a:buNone/>
+            </a:pPr>
+            <a:r>
+              <a:rPr lang="en-US" sz="1000" b="1" dirty="0" smtClean="0">
+                <a:latin typeface="Courier New" pitchFamily="49" charset="0"/>
+                <a:cs typeface="Courier New" pitchFamily="49" charset="0"/>
+              </a:rPr>
+              <a:t>       expires    tomorrow \</a:t>
+            </a:r>
+          </a:p>
+          <a:p>
+            <a:pPr>
+              <a:buNone/>
+            </a:pPr>
+            <a:r>
+              <a:rPr lang="en-US" sz="1000" b="1" dirty="0" smtClean="0">
+                <a:latin typeface="Courier New" pitchFamily="49" charset="0"/>
+                <a:cs typeface="Courier New" pitchFamily="49" charset="0"/>
+              </a:rPr>
+              <a:t>       </a:t>
+            </a:r>
+            <a:r>
+              <a:rPr lang="en-US" sz="1000" b="1" dirty="0" err="1" smtClean="0">
+                <a:latin typeface="Courier New" pitchFamily="49" charset="0"/>
+                <a:cs typeface="Courier New" pitchFamily="49" charset="0"/>
+              </a:rPr>
+              <a:t>dateformat</a:t>
+            </a:r>
+            <a:r>
+              <a:rPr lang="en-US" sz="1000" b="1" dirty="0" smtClean="0">
+                <a:latin typeface="Courier New" pitchFamily="49" charset="0"/>
+                <a:cs typeface="Courier New" pitchFamily="49" charset="0"/>
+              </a:rPr>
+              <a:t> "%Y %b %d %T" \</a:t>
+            </a:r>
+          </a:p>
+          <a:p>
+            <a:pPr>
+              <a:buNone/>
+            </a:pPr>
+            <a:r>
+              <a:rPr lang="en-US" sz="1000" b="1" dirty="0" smtClean="0">
+                <a:latin typeface="Courier New" pitchFamily="49" charset="0"/>
+                <a:cs typeface="Courier New" pitchFamily="49" charset="0"/>
+              </a:rPr>
+              <a:t>       </a:t>
+            </a:r>
+            <a:r>
+              <a:rPr lang="en-US" sz="1000" b="1" dirty="0" err="1" smtClean="0">
+                <a:latin typeface="Courier New" pitchFamily="49" charset="0"/>
+                <a:cs typeface="Courier New" pitchFamily="49" charset="0"/>
+              </a:rPr>
+              <a:t>nodir</a:t>
+            </a:r>
+            <a:r>
+              <a:rPr lang="en-US" sz="1000" b="1" dirty="0" smtClean="0">
+                <a:latin typeface="Courier New" pitchFamily="49" charset="0"/>
+                <a:cs typeface="Courier New" pitchFamily="49" charset="0"/>
+              </a:rPr>
+              <a:t>      0</a:t>
+            </a:r>
+          </a:p>
+          <a:p>
+            <a:pPr>
+              <a:buNone/>
+            </a:pPr>
+            <a:endParaRPr lang="en-US" sz="1000" dirty="0" smtClean="0"/>
+          </a:p>
+          <a:p>
+            <a:r>
+              <a:rPr lang="en-US" dirty="0" smtClean="0"/>
+              <a:t>Add Rewrite to ex.nub:</a:t>
+            </a:r>
+          </a:p>
+          <a:p>
+            <a:pPr>
+              <a:buNone/>
+            </a:pPr>
+            <a:r>
+              <a:rPr lang="en-US" sz="1000" dirty="0" smtClean="0">
+                <a:latin typeface="Courier New" pitchFamily="49" charset="0"/>
+                <a:cs typeface="Courier New" pitchFamily="49" charset="0"/>
+              </a:rPr>
+              <a:t>    </a:t>
+            </a:r>
+          </a:p>
+          <a:p>
+            <a:pPr>
+              <a:buNone/>
+            </a:pPr>
+            <a:r>
+              <a:rPr lang="en-US" sz="1000" dirty="0" smtClean="0">
+                <a:latin typeface="Courier New" pitchFamily="49" charset="0"/>
+                <a:cs typeface="Courier New" pitchFamily="49" charset="0"/>
+              </a:rPr>
+              <a:t>    rewrite {/[^/]+[.]html} {/html/[file tail [</a:t>
+            </a:r>
+            <a:r>
+              <a:rPr lang="en-US" sz="1000" dirty="0" err="1" smtClean="0">
+                <a:latin typeface="Courier New" pitchFamily="49" charset="0"/>
+                <a:cs typeface="Courier New" pitchFamily="49" charset="0"/>
+              </a:rPr>
+              <a:t>dict</a:t>
+            </a:r>
+            <a:r>
+              <a:rPr lang="en-US" sz="1000" dirty="0" smtClean="0">
+                <a:latin typeface="Courier New" pitchFamily="49" charset="0"/>
+                <a:cs typeface="Courier New" pitchFamily="49" charset="0"/>
+              </a:rPr>
+              <a:t> get $r -path]]}</a:t>
+            </a:r>
+          </a:p>
+          <a:p>
+            <a:pPr>
+              <a:buNone/>
+            </a:pPr>
+            <a:endParaRPr lang="en-US" sz="1000" dirty="0" smtClean="0">
+              <a:latin typeface="Courier New" pitchFamily="49" charset="0"/>
+              <a:cs typeface="Courier New" pitchFamily="49" charset="0"/>
+            </a:endParaRPr>
+          </a:p>
+        </p:txBody>
+      </p:sp>
     </p:spTree>
   </p:cSld>
   <p:clrMapOvr>
@@ -7110,14 +8180,102 @@
         </p:nvSpPr>
         <p:spPr/>
         <p:txBody>
-          <a:bodyPr/>
-          <a:lstStyle/>
-          <a:p>
-            <a:r>
-              <a:rPr lang="en-US" dirty="0" smtClean="0"/>
-              <a:t>Example 2: File domain arguments</a:t>
+          <a:bodyPr>
+            <a:normAutofit/>
+          </a:bodyPr>
+          <a:lstStyle/>
+          <a:p>
+            <a:r>
+              <a:rPr lang="en-US" dirty="0" smtClean="0"/>
+              <a:t>Example 2: Nub domain syntax</a:t>
             </a:r>
             <a:endParaRPr lang="en-US" dirty="0"/>
+          </a:p>
+        </p:txBody>
+      </p:sp>
+      <p:sp>
+        <p:nvSpPr>
+          <p:cNvPr id="3" name="Content Placeholder 2"/>
+          <p:cNvSpPr>
+            <a:spLocks noGrp="1"/>
+          </p:cNvSpPr>
+          <p:nvPr>
+            <p:ph idx="1"/>
+          </p:nvPr>
+        </p:nvSpPr>
+        <p:spPr>
+          <a:xfrm>
+            <a:off x="647700" y="1600200"/>
+            <a:ext cx="7848600" cy="4525963"/>
+          </a:xfrm>
+        </p:spPr>
+        <p:txBody>
+          <a:bodyPr>
+            <a:normAutofit/>
+          </a:bodyPr>
+          <a:lstStyle/>
+          <a:p>
+            <a:pPr>
+              <a:buNone/>
+            </a:pPr>
+            <a:r>
+              <a:rPr lang="en-US" sz="2000" dirty="0" smtClean="0">
+                <a:latin typeface="Courier New" pitchFamily="49" charset="0"/>
+                <a:cs typeface="Courier New" pitchFamily="49" charset="0"/>
+              </a:rPr>
+              <a:t>domain &lt;</a:t>
+            </a:r>
+            <a:r>
+              <a:rPr lang="en-US" sz="2000" dirty="0" err="1" smtClean="0">
+                <a:latin typeface="Courier New" pitchFamily="49" charset="0"/>
+                <a:cs typeface="Courier New" pitchFamily="49" charset="0"/>
+              </a:rPr>
+              <a:t>url</a:t>
+            </a:r>
+            <a:r>
+              <a:rPr lang="en-US" sz="2000" dirty="0" smtClean="0">
+                <a:latin typeface="Courier New" pitchFamily="49" charset="0"/>
+                <a:cs typeface="Courier New" pitchFamily="49" charset="0"/>
+              </a:rPr>
+              <a:t>&gt; &lt;list of </a:t>
+            </a:r>
+            <a:r>
+              <a:rPr lang="en-US" sz="2000" dirty="0" err="1" smtClean="0">
+                <a:latin typeface="Courier New" pitchFamily="49" charset="0"/>
+                <a:cs typeface="Courier New" pitchFamily="49" charset="0"/>
+              </a:rPr>
+              <a:t>domain_name</a:t>
+            </a:r>
+            <a:r>
+              <a:rPr lang="en-US" sz="2000" dirty="0" smtClean="0">
+                <a:latin typeface="Courier New" pitchFamily="49" charset="0"/>
+                <a:cs typeface="Courier New" pitchFamily="49" charset="0"/>
+              </a:rPr>
+              <a:t> and name&gt; &lt;</a:t>
+            </a:r>
+            <a:r>
+              <a:rPr lang="en-US" sz="2000" dirty="0" err="1" smtClean="0">
+                <a:latin typeface="Courier New" pitchFamily="49" charset="0"/>
+                <a:cs typeface="Courier New" pitchFamily="49" charset="0"/>
+              </a:rPr>
+              <a:t>args</a:t>
+            </a:r>
+            <a:r>
+              <a:rPr lang="en-US" sz="2000" dirty="0" smtClean="0">
+                <a:latin typeface="Courier New" pitchFamily="49" charset="0"/>
+                <a:cs typeface="Courier New" pitchFamily="49" charset="0"/>
+              </a:rPr>
+              <a:t>&gt;</a:t>
+            </a:r>
+          </a:p>
+          <a:p>
+            <a:pPr>
+              <a:buNone/>
+            </a:pPr>
+            <a:endParaRPr lang="en-US" sz="2400" dirty="0" smtClean="0">
+              <a:latin typeface="Courier New" pitchFamily="49" charset="0"/>
+              <a:cs typeface="Courier New" pitchFamily="49" charset="0"/>
+            </a:endParaRPr>
           </a:p>
         </p:txBody>
       </p:sp>
@@ -7130,8 +8288,8 @@
           <p:nvPr/>
         </p:nvGraphicFramePr>
         <p:xfrm>
-          <a:off x="609600" y="1676400"/>
-          <a:ext cx="7924800" cy="4748349"/>
+          <a:off x="1524000" y="2514600"/>
+          <a:ext cx="6096000" cy="2392680"/>
         </p:xfrm>
         <a:graphic>
           <a:graphicData uri="http://schemas.openxmlformats.org/drawingml/2006/table">
@@ -7140,55 +8298,21 @@
                 <a:tableStyleId>{5C22544A-7EE6-4342-B048-85BDC9FD1C3A}</a:tableStyleId>
               </a:tblPr>
               <a:tblGrid>
-                <a:gridCol w="2476500"/>
-                <a:gridCol w="5448300"/>
+                <a:gridCol w="1981200"/>
+                <a:gridCol w="4114800"/>
               </a:tblGrid>
-              <a:tr h="424543">
+              <a:tr h="370840">
                 <a:tc>
                   <a:txBody>
                     <a:bodyPr/>
                     <a:lstStyle/>
                     <a:p>
                       <a:r>
-                        <a:rPr lang="en-US" dirty="0" smtClean="0"/>
-                        <a:t>Argument</a:t>
-                      </a:r>
-                      <a:r>
-                        <a:rPr lang="en-US" baseline="0" dirty="0" smtClean="0"/>
-                        <a:t> name</a:t>
-                      </a:r>
-                      <a:endParaRPr lang="en-US" dirty="0"/>
-                    </a:p>
-                  </a:txBody>
-                  <a:tcPr/>
-                </a:tc>
-                <a:tc>
-                  <a:txBody>
-                    <a:bodyPr/>
-                    <a:lstStyle/>
-                    <a:p>
-                      <a:r>
-                        <a:rPr lang="en-US" dirty="0" smtClean="0"/>
-                        <a:t>Description</a:t>
-                      </a:r>
-                      <a:endParaRPr lang="en-US" dirty="0"/>
-                    </a:p>
-                  </a:txBody>
-                  <a:tcPr/>
-                </a:tc>
-              </a:tr>
-              <a:tr h="424543">
-                <a:tc>
-                  <a:txBody>
-                    <a:bodyPr/>
-                    <a:lstStyle/>
-                    <a:p>
-                      <a:r>
                         <a:rPr lang="en-US" dirty="0" smtClean="0">
                           <a:latin typeface="Courier New" pitchFamily="49" charset="0"/>
                           <a:cs typeface="Courier New" pitchFamily="49" charset="0"/>
                         </a:rPr>
-                        <a:t>root</a:t>
+                        <a:t>Argument</a:t>
                       </a:r>
                       <a:endParaRPr lang="en-US" dirty="0">
                         <a:latin typeface="Courier New" pitchFamily="49" charset="0"/>
@@ -7205,7 +8329,7 @@
                     <a:p>
                       <a:r>
                         <a:rPr lang="en-US" dirty="0" smtClean="0"/>
-                        <a:t>File-system root directory of File domain.</a:t>
+                        <a:t>Description</a:t>
                       </a:r>
                       <a:endParaRPr lang="en-US" dirty="0"/>
                     </a:p>
@@ -7213,7 +8337,7 @@
                   <a:tcPr/>
                 </a:tc>
               </a:tr>
-              <a:tr h="522514">
+              <a:tr h="370840">
                 <a:tc>
                   <a:txBody>
                     <a:bodyPr/>
@@ -7224,7 +8348,7 @@
                           <a:latin typeface="Courier New" pitchFamily="49" charset="0"/>
                           <a:cs typeface="Courier New" pitchFamily="49" charset="0"/>
                         </a:rPr>
-                        <a:t>indexfile</a:t>
+                        <a:t>url</a:t>
                       </a:r>
                       <a:endParaRPr lang="en-US" dirty="0">
                         <a:latin typeface="Courier New" pitchFamily="49" charset="0"/>
@@ -7240,51 +8364,35 @@
                     <a:lstStyle/>
                     <a:p>
                       <a:r>
-                        <a:rPr lang="en-US" dirty="0" smtClean="0"/>
-                        <a:t>Name of the file which stands for a directory, such as </a:t>
-                      </a:r>
-                      <a:r>
-                        <a:rPr lang="en-US" dirty="0" smtClean="0">
-                          <a:latin typeface="Courier New" pitchFamily="49" charset="0"/>
+                        <a:rPr lang="en-US" dirty="0" err="1" smtClean="0">
                           <a:cs typeface="Courier New" pitchFamily="49" charset="0"/>
                         </a:rPr>
-                        <a:t>index.html</a:t>
+                        <a:t>Url</a:t>
                       </a:r>
                       <a:r>
                         <a:rPr lang="en-US" dirty="0" smtClean="0">
-                          <a:latin typeface="+mn-lt"/>
                           <a:cs typeface="Courier New" pitchFamily="49" charset="0"/>
                         </a:rPr>
-                        <a:t>.</a:t>
-                      </a:r>
-                      <a:r>
-                        <a:rPr lang="en-US" baseline="0" dirty="0" smtClean="0">
-                          <a:latin typeface="+mn-lt"/>
-                          <a:cs typeface="Courier New" pitchFamily="49" charset="0"/>
-                        </a:rPr>
-                        <a:t> The contents of that file will be returned in stead of the directory listing.</a:t>
-                      </a:r>
-                      <a:endParaRPr lang="en-US" dirty="0">
-                        <a:latin typeface="Courier New" pitchFamily="49" charset="0"/>
-                        <a:cs typeface="Courier New" pitchFamily="49" charset="0"/>
-                      </a:endParaRPr>
+                        <a:t> to be processed with the specified domain</a:t>
+                      </a:r>
+                      <a:endParaRPr lang="en-US" dirty="0"/>
                     </a:p>
                   </a:txBody>
                   <a:tcPr/>
                 </a:tc>
               </a:tr>
-              <a:tr h="424543">
+              <a:tr h="370840">
                 <a:tc>
                   <a:txBody>
                     <a:bodyPr/>
                     <a:lstStyle/>
                     <a:p>
                       <a:r>
-                        <a:rPr lang="en-US" dirty="0" smtClean="0">
+                        <a:rPr lang="en-US" dirty="0" err="1" smtClean="0">
                           <a:latin typeface="Courier New" pitchFamily="49" charset="0"/>
                           <a:cs typeface="Courier New" pitchFamily="49" charset="0"/>
                         </a:rPr>
-                        <a:t>hide</a:t>
+                        <a:t>domain_name</a:t>
                       </a:r>
                       <a:endParaRPr lang="en-US" dirty="0">
                         <a:latin typeface="Courier New" pitchFamily="49" charset="0"/>
@@ -7300,8 +8408,22 @@
                     <a:lstStyle/>
                     <a:p>
                       <a:r>
-                        <a:rPr lang="en-US" dirty="0" smtClean="0"/>
-                        <a:t>A regular expression to hide temp and other uninteresting files (default hides .* *~ and #*).</a:t>
+                        <a:rPr lang="en-US" dirty="0" smtClean="0">
+                          <a:cs typeface="Courier New" pitchFamily="49" charset="0"/>
+                        </a:rPr>
+                        <a:t>name of domain to use (File, Mason, Direct,  </a:t>
+                      </a:r>
+                      <a:r>
+                        <a:rPr lang="en-US" dirty="0" err="1" smtClean="0">
+                          <a:cs typeface="Courier New" pitchFamily="49" charset="0"/>
+                        </a:rPr>
+                        <a:t>jQ</a:t>
+                      </a:r>
+                      <a:r>
+                        <a:rPr lang="en-US" dirty="0" smtClean="0">
+                          <a:cs typeface="Courier New" pitchFamily="49" charset="0"/>
+                        </a:rPr>
+                        <a:t>,  …) </a:t>
                       </a:r>
                       <a:endParaRPr lang="en-US" dirty="0"/>
                     </a:p>
@@ -7309,18 +8431,18 @@
                   <a:tcPr/>
                 </a:tc>
               </a:tr>
-              <a:tr h="424543">
+              <a:tr h="370840">
                 <a:tc>
                   <a:txBody>
                     <a:bodyPr/>
                     <a:lstStyle/>
                     <a:p>
                       <a:r>
-                        <a:rPr lang="en-US" dirty="0" err="1" smtClean="0">
+                        <a:rPr lang="en-US" dirty="0" smtClean="0">
                           <a:latin typeface="Courier New" pitchFamily="49" charset="0"/>
                           <a:cs typeface="Courier New" pitchFamily="49" charset="0"/>
                         </a:rPr>
-                        <a:t>redirdir</a:t>
+                        <a:t>name</a:t>
                       </a:r>
                       <a:endParaRPr lang="en-US" dirty="0">
                         <a:latin typeface="Courier New" pitchFamily="49" charset="0"/>
@@ -7337,7 +8459,7 @@
                     <a:p>
                       <a:r>
                         <a:rPr lang="en-US" dirty="0" smtClean="0"/>
-                        <a:t>Should references to directories be required to have a trailing /?</a:t>
+                        <a:t>Name of this domain usage</a:t>
                       </a:r>
                       <a:endParaRPr lang="en-US" dirty="0"/>
                     </a:p>
@@ -7345,18 +8467,18 @@
                   <a:tcPr/>
                 </a:tc>
               </a:tr>
-              <a:tr h="424543">
+              <a:tr h="370840">
                 <a:tc>
                   <a:txBody>
                     <a:bodyPr/>
                     <a:lstStyle/>
                     <a:p>
                       <a:r>
-                        <a:rPr lang="en-US" dirty="0" smtClean="0">
+                        <a:rPr lang="en-US" dirty="0" err="1" smtClean="0">
                           <a:latin typeface="Courier New" pitchFamily="49" charset="0"/>
                           <a:cs typeface="Courier New" pitchFamily="49" charset="0"/>
                         </a:rPr>
-                        <a:t>expires</a:t>
+                        <a:t>args</a:t>
                       </a:r>
                       <a:endParaRPr lang="en-US" dirty="0">
                         <a:latin typeface="Courier New" pitchFamily="49" charset="0"/>
@@ -7373,95 +8495,7 @@
                     <a:p>
                       <a:r>
                         <a:rPr lang="en-US" dirty="0" smtClean="0"/>
-                        <a:t>A </a:t>
-                      </a:r>
-                      <a:r>
-                        <a:rPr lang="en-US" dirty="0" err="1" smtClean="0"/>
-                        <a:t>tcl</a:t>
-                      </a:r>
-                      <a:r>
-                        <a:rPr lang="en-US" dirty="0" smtClean="0"/>
-                        <a:t> clock expression indicating when contents expires.</a:t>
-                      </a:r>
-                      <a:endParaRPr lang="en-US" dirty="0"/>
-                    </a:p>
-                  </a:txBody>
-                  <a:tcPr/>
-                </a:tc>
-              </a:tr>
-              <a:tr h="424543">
-                <a:tc>
-                  <a:txBody>
-                    <a:bodyPr/>
-                    <a:lstStyle/>
-                    <a:p>
-                      <a:r>
-                        <a:rPr lang="en-US" dirty="0" err="1" smtClean="0">
-                          <a:latin typeface="Courier New" pitchFamily="49" charset="0"/>
-                          <a:cs typeface="Courier New" pitchFamily="49" charset="0"/>
-                        </a:rPr>
-                        <a:t>dateformat</a:t>
-                      </a:r>
-                      <a:endParaRPr lang="en-US" dirty="0">
-                        <a:latin typeface="Courier New" pitchFamily="49" charset="0"/>
-                        <a:cs typeface="Courier New" pitchFamily="49" charset="0"/>
-                      </a:endParaRPr>
-                    </a:p>
-                  </a:txBody>
-                  <a:tcPr/>
-                </a:tc>
-                <a:tc>
-                  <a:txBody>
-                    <a:bodyPr/>
-                    <a:lstStyle/>
-                    <a:p>
-                      <a:r>
-                        <a:rPr lang="en-US" dirty="0" smtClean="0"/>
-                        <a:t>A </a:t>
-                      </a:r>
-                      <a:r>
-                        <a:rPr lang="en-US" dirty="0" err="1" smtClean="0"/>
-                        <a:t>tcl</a:t>
-                      </a:r>
-                      <a:r>
-                        <a:rPr lang="en-US" dirty="0" smtClean="0"/>
-                        <a:t> clock format for displaying dates in directory listings.</a:t>
-                      </a:r>
-                      <a:endParaRPr lang="en-US" dirty="0"/>
-                    </a:p>
-                  </a:txBody>
-                  <a:tcPr/>
-                </a:tc>
-              </a:tr>
-              <a:tr h="424543">
-                <a:tc>
-                  <a:txBody>
-                    <a:bodyPr/>
-                    <a:lstStyle/>
-                    <a:p>
-                      <a:r>
-                        <a:rPr lang="en-US" dirty="0" err="1" smtClean="0">
-                          <a:latin typeface="Courier New" pitchFamily="49" charset="0"/>
-                          <a:cs typeface="Courier New" pitchFamily="49" charset="0"/>
-                        </a:rPr>
-                        <a:t>nodir</a:t>
-                      </a:r>
-                      <a:endParaRPr lang="en-US" dirty="0">
-                        <a:latin typeface="Courier New" pitchFamily="49" charset="0"/>
-                        <a:cs typeface="Courier New" pitchFamily="49" charset="0"/>
-                      </a:endParaRPr>
-                    </a:p>
-                  </a:txBody>
-                  <a:tcPr/>
-                </a:tc>
-                <a:tc>
-                  <a:txBody>
-                    <a:bodyPr/>
-                    <a:lstStyle/>
-                    <a:p>
-                      <a:r>
-                        <a:rPr lang="en-US" dirty="0" smtClean="0"/>
-                        <a:t>Don't allow the browsing of directories (default: 0 - browsing allowed).</a:t>
+                        <a:t>Domain specific arguments</a:t>
                       </a:r>
                       <a:endParaRPr lang="en-US" dirty="0"/>
                     </a:p>
@@ -7522,66 +8556,9 @@
           <a:p>
             <a:r>
               <a:rPr lang="en-US" dirty="0" smtClean="0"/>
-              <a:t>Example 2: Nub rewrite syntax</a:t>
+              <a:t>Example 2: File domain arguments</a:t>
             </a:r>
             <a:endParaRPr lang="en-US" dirty="0"/>
-          </a:p>
-        </p:txBody>
-      </p:sp>
-      <p:sp>
-        <p:nvSpPr>
-          <p:cNvPr id="3" name="Content Placeholder 2"/>
-          <p:cNvSpPr>
-            <a:spLocks noGrp="1"/>
-          </p:cNvSpPr>
-          <p:nvPr>
-            <p:ph idx="1"/>
-          </p:nvPr>
-        </p:nvSpPr>
-        <p:spPr>
-          <a:xfrm>
-            <a:off x="685800" y="2057400"/>
-            <a:ext cx="8229600" cy="4525963"/>
-          </a:xfrm>
-        </p:spPr>
-        <p:txBody>
-          <a:bodyPr/>
-          <a:lstStyle/>
-          <a:p>
-            <a:pPr algn="ctr">
-              <a:buNone/>
-            </a:pPr>
-            <a:r>
-              <a:rPr lang="en-US" sz="3600" dirty="0" smtClean="0">
-                <a:latin typeface="Courier New" pitchFamily="49" charset="0"/>
-                <a:cs typeface="Courier New" pitchFamily="49" charset="0"/>
-              </a:rPr>
-              <a:t>rewrite &lt;</a:t>
-            </a:r>
-            <a:r>
-              <a:rPr lang="en-US" sz="3600" dirty="0" err="1" smtClean="0">
-                <a:latin typeface="Courier New" pitchFamily="49" charset="0"/>
-                <a:cs typeface="Courier New" pitchFamily="49" charset="0"/>
-              </a:rPr>
-              <a:t>regexp</a:t>
-            </a:r>
-            <a:r>
-              <a:rPr lang="en-US" sz="3600" dirty="0" smtClean="0">
-                <a:latin typeface="Courier New" pitchFamily="49" charset="0"/>
-                <a:cs typeface="Courier New" pitchFamily="49" charset="0"/>
-              </a:rPr>
-              <a:t>&gt; &lt;script&gt;</a:t>
-            </a:r>
-            <a:endParaRPr lang="en-US" sz="3600" dirty="0" smtClean="0">
-              <a:latin typeface="Courier New" pitchFamily="49" charset="0"/>
-              <a:cs typeface="Courier New" pitchFamily="49" charset="0"/>
-            </a:endParaRPr>
-          </a:p>
-          <a:p>
-            <a:pPr algn="ctr">
-              <a:buNone/>
-            </a:pPr>
-            <a:endParaRPr lang="en-US" dirty="0" smtClean="0"/>
           </a:p>
         </p:txBody>
       </p:sp>
@@ -7594,8 +8571,8 @@
           <p:nvPr/>
         </p:nvGraphicFramePr>
         <p:xfrm>
-          <a:off x="914400" y="3352800"/>
-          <a:ext cx="7620000" cy="1381760"/>
+          <a:off x="609600" y="1676400"/>
+          <a:ext cx="7924800" cy="4748349"/>
         </p:xfrm>
         <a:graphic>
           <a:graphicData uri="http://schemas.openxmlformats.org/drawingml/2006/table">
@@ -7604,10 +8581,10 @@
                 <a:tableStyleId>{5C22544A-7EE6-4342-B048-85BDC9FD1C3A}</a:tableStyleId>
               </a:tblPr>
               <a:tblGrid>
-                <a:gridCol w="1600200"/>
-                <a:gridCol w="6019800"/>
+                <a:gridCol w="2476500"/>
+                <a:gridCol w="5448300"/>
               </a:tblGrid>
-              <a:tr h="370840">
+              <a:tr h="424543">
                 <a:tc>
                   <a:txBody>
                     <a:bodyPr/>
@@ -7616,6 +8593,10 @@
                       <a:r>
                         <a:rPr lang="en-US" dirty="0" smtClean="0"/>
                         <a:t>Argument</a:t>
+                      </a:r>
+                      <a:r>
+                        <a:rPr lang="en-US" baseline="0" dirty="0" smtClean="0"/>
+                        <a:t> name</a:t>
                       </a:r>
                       <a:endParaRPr lang="en-US" dirty="0"/>
                     </a:p>
@@ -7637,18 +8618,18 @@
                   <a:tcPr/>
                 </a:tc>
               </a:tr>
-              <a:tr h="370840">
+              <a:tr h="424543">
                 <a:tc>
                   <a:txBody>
                     <a:bodyPr/>
                     <a:lstStyle/>
                     <a:p>
                       <a:r>
-                        <a:rPr lang="en-US" dirty="0" err="1" smtClean="0">
+                        <a:rPr lang="en-US" dirty="0" smtClean="0">
                           <a:latin typeface="Courier New" pitchFamily="49" charset="0"/>
                           <a:cs typeface="Courier New" pitchFamily="49" charset="0"/>
                         </a:rPr>
-                        <a:t>regexp</a:t>
+                        <a:t>root</a:t>
                       </a:r>
                       <a:endParaRPr lang="en-US" dirty="0">
                         <a:latin typeface="Courier New" pitchFamily="49" charset="0"/>
@@ -7665,7 +8646,7 @@
                     <a:p>
                       <a:r>
                         <a:rPr lang="en-US" dirty="0" smtClean="0"/>
-                        <a:t>Regular expression to select an URL to be transformed</a:t>
+                        <a:t>File-system root directory of File domain.</a:t>
                       </a:r>
                       <a:endParaRPr lang="en-US" dirty="0"/>
                     </a:p>
@@ -7673,18 +8654,18 @@
                   <a:tcPr/>
                 </a:tc>
               </a:tr>
-              <a:tr h="370840">
+              <a:tr h="522514">
                 <a:tc>
                   <a:txBody>
                     <a:bodyPr/>
                     <a:lstStyle/>
                     <a:p>
                       <a:r>
-                        <a:rPr lang="en-US" dirty="0" smtClean="0">
+                        <a:rPr lang="en-US" dirty="0" err="1" smtClean="0">
                           <a:latin typeface="Courier New" pitchFamily="49" charset="0"/>
                           <a:cs typeface="Courier New" pitchFamily="49" charset="0"/>
                         </a:rPr>
-                        <a:t>script</a:t>
+                        <a:t>indexfile</a:t>
                       </a:r>
                       <a:endParaRPr lang="en-US" dirty="0">
                         <a:latin typeface="Courier New" pitchFamily="49" charset="0"/>
@@ -7701,15 +8682,227 @@
                     <a:p>
                       <a:r>
                         <a:rPr lang="en-US" dirty="0" smtClean="0"/>
-                        <a:t>Script to be called to transform the URL (evaluated in</a:t>
-                      </a:r>
-                      <a:r>
-                        <a:rPr lang="en-US" baseline="0" dirty="0" smtClean="0"/>
-                        <a:t> Nub namespace)</a:t>
-                      </a:r>
+                        <a:t>Name of the file which stands for a directory, such as </a:t>
+                      </a:r>
+                      <a:r>
+                        <a:rPr lang="en-US" dirty="0" smtClean="0">
+                          <a:latin typeface="Courier New" pitchFamily="49" charset="0"/>
+                          <a:cs typeface="Courier New" pitchFamily="49" charset="0"/>
+                        </a:rPr>
+                        <a:t>index.html</a:t>
+                      </a:r>
+                      <a:r>
+                        <a:rPr lang="en-US" dirty="0" smtClean="0">
+                          <a:latin typeface="+mn-lt"/>
+                          <a:cs typeface="Courier New" pitchFamily="49" charset="0"/>
+                        </a:rPr>
+                        <a:t>.</a:t>
+                      </a:r>
+                      <a:r>
+                        <a:rPr lang="en-US" baseline="0" dirty="0" smtClean="0">
+                          <a:latin typeface="+mn-lt"/>
+                          <a:cs typeface="Courier New" pitchFamily="49" charset="0"/>
+                        </a:rPr>
+                        <a:t> The contents of that file will be returned in stead of the directory listing.</a:t>
+                      </a:r>
+                      <a:endParaRPr lang="en-US" dirty="0">
+                        <a:latin typeface="Courier New" pitchFamily="49" charset="0"/>
+                        <a:cs typeface="Courier New" pitchFamily="49" charset="0"/>
+                      </a:endParaRPr>
+                    </a:p>
+                  </a:txBody>
+                  <a:tcPr/>
+                </a:tc>
+              </a:tr>
+              <a:tr h="424543">
+                <a:tc>
+                  <a:txBody>
+                    <a:bodyPr/>
+                    <a:lstStyle/>
+                    <a:p>
+                      <a:r>
+                        <a:rPr lang="en-US" dirty="0" smtClean="0">
+                          <a:latin typeface="Courier New" pitchFamily="49" charset="0"/>
+                          <a:cs typeface="Courier New" pitchFamily="49" charset="0"/>
+                        </a:rPr>
+                        <a:t>hide</a:t>
+                      </a:r>
+                      <a:endParaRPr lang="en-US" dirty="0">
+                        <a:latin typeface="Courier New" pitchFamily="49" charset="0"/>
+                        <a:cs typeface="Courier New" pitchFamily="49" charset="0"/>
+                      </a:endParaRPr>
+                    </a:p>
+                  </a:txBody>
+                  <a:tcPr/>
+                </a:tc>
+                <a:tc>
+                  <a:txBody>
+                    <a:bodyPr/>
+                    <a:lstStyle/>
+                    <a:p>
                       <a:r>
                         <a:rPr lang="en-US" dirty="0" smtClean="0"/>
-                        <a:t> </a:t>
+                        <a:t>A regular expression to hide temp and other uninteresting files (default hides .* *~ and #*).</a:t>
+                      </a:r>
+                      <a:endParaRPr lang="en-US" dirty="0"/>
+                    </a:p>
+                  </a:txBody>
+                  <a:tcPr/>
+                </a:tc>
+              </a:tr>
+              <a:tr h="424543">
+                <a:tc>
+                  <a:txBody>
+                    <a:bodyPr/>
+                    <a:lstStyle/>
+                    <a:p>
+                      <a:r>
+                        <a:rPr lang="en-US" dirty="0" err="1" smtClean="0">
+                          <a:latin typeface="Courier New" pitchFamily="49" charset="0"/>
+                          <a:cs typeface="Courier New" pitchFamily="49" charset="0"/>
+                        </a:rPr>
+                        <a:t>redirdir</a:t>
+                      </a:r>
+                      <a:endParaRPr lang="en-US" dirty="0">
+                        <a:latin typeface="Courier New" pitchFamily="49" charset="0"/>
+                        <a:cs typeface="Courier New" pitchFamily="49" charset="0"/>
+                      </a:endParaRPr>
+                    </a:p>
+                  </a:txBody>
+                  <a:tcPr/>
+                </a:tc>
+                <a:tc>
+                  <a:txBody>
+                    <a:bodyPr/>
+                    <a:lstStyle/>
+                    <a:p>
+                      <a:r>
+                        <a:rPr lang="en-US" dirty="0" smtClean="0"/>
+                        <a:t>Should references to directories be required to have a trailing /?</a:t>
+                      </a:r>
+                      <a:endParaRPr lang="en-US" dirty="0"/>
+                    </a:p>
+                  </a:txBody>
+                  <a:tcPr/>
+                </a:tc>
+              </a:tr>
+              <a:tr h="424543">
+                <a:tc>
+                  <a:txBody>
+                    <a:bodyPr/>
+                    <a:lstStyle/>
+                    <a:p>
+                      <a:r>
+                        <a:rPr lang="en-US" dirty="0" smtClean="0">
+                          <a:latin typeface="Courier New" pitchFamily="49" charset="0"/>
+                          <a:cs typeface="Courier New" pitchFamily="49" charset="0"/>
+                        </a:rPr>
+                        <a:t>expires</a:t>
+                      </a:r>
+                      <a:endParaRPr lang="en-US" dirty="0">
+                        <a:latin typeface="Courier New" pitchFamily="49" charset="0"/>
+                        <a:cs typeface="Courier New" pitchFamily="49" charset="0"/>
+                      </a:endParaRPr>
+                    </a:p>
+                  </a:txBody>
+                  <a:tcPr/>
+                </a:tc>
+                <a:tc>
+                  <a:txBody>
+                    <a:bodyPr/>
+                    <a:lstStyle/>
+                    <a:p>
+                      <a:r>
+                        <a:rPr lang="en-US" dirty="0" smtClean="0"/>
+                        <a:t>A </a:t>
+                      </a:r>
+                      <a:r>
+                        <a:rPr lang="en-US" dirty="0" err="1" smtClean="0"/>
+                        <a:t>tcl</a:t>
+                      </a:r>
+                      <a:r>
+                        <a:rPr lang="en-US" dirty="0" smtClean="0"/>
+                        <a:t> clock expression indicating when contents expires.</a:t>
+                      </a:r>
+                      <a:endParaRPr lang="en-US" dirty="0"/>
+                    </a:p>
+                  </a:txBody>
+                  <a:tcPr/>
+                </a:tc>
+              </a:tr>
+              <a:tr h="424543">
+                <a:tc>
+                  <a:txBody>
+                    <a:bodyPr/>
+                    <a:lstStyle/>
+                    <a:p>
+                      <a:r>
+                        <a:rPr lang="en-US" dirty="0" err="1" smtClean="0">
+                          <a:latin typeface="Courier New" pitchFamily="49" charset="0"/>
+                          <a:cs typeface="Courier New" pitchFamily="49" charset="0"/>
+                        </a:rPr>
+                        <a:t>dateformat</a:t>
+                      </a:r>
+                      <a:endParaRPr lang="en-US" dirty="0">
+                        <a:latin typeface="Courier New" pitchFamily="49" charset="0"/>
+                        <a:cs typeface="Courier New" pitchFamily="49" charset="0"/>
+                      </a:endParaRPr>
+                    </a:p>
+                  </a:txBody>
+                  <a:tcPr/>
+                </a:tc>
+                <a:tc>
+                  <a:txBody>
+                    <a:bodyPr/>
+                    <a:lstStyle/>
+                    <a:p>
+                      <a:r>
+                        <a:rPr lang="en-US" dirty="0" smtClean="0"/>
+                        <a:t>A </a:t>
+                      </a:r>
+                      <a:r>
+                        <a:rPr lang="en-US" dirty="0" err="1" smtClean="0"/>
+                        <a:t>tcl</a:t>
+                      </a:r>
+                      <a:r>
+                        <a:rPr lang="en-US" dirty="0" smtClean="0"/>
+                        <a:t> clock format for displaying dates in directory listings.</a:t>
+                      </a:r>
+                      <a:endParaRPr lang="en-US" dirty="0"/>
+                    </a:p>
+                  </a:txBody>
+                  <a:tcPr/>
+                </a:tc>
+              </a:tr>
+              <a:tr h="424543">
+                <a:tc>
+                  <a:txBody>
+                    <a:bodyPr/>
+                    <a:lstStyle/>
+                    <a:p>
+                      <a:r>
+                        <a:rPr lang="en-US" dirty="0" err="1" smtClean="0">
+                          <a:latin typeface="Courier New" pitchFamily="49" charset="0"/>
+                          <a:cs typeface="Courier New" pitchFamily="49" charset="0"/>
+                        </a:rPr>
+                        <a:t>nodir</a:t>
+                      </a:r>
+                      <a:endParaRPr lang="en-US" dirty="0">
+                        <a:latin typeface="Courier New" pitchFamily="49" charset="0"/>
+                        <a:cs typeface="Courier New" pitchFamily="49" charset="0"/>
+                      </a:endParaRPr>
+                    </a:p>
+                  </a:txBody>
+                  <a:tcPr/>
+                </a:tc>
+                <a:tc>
+                  <a:txBody>
+                    <a:bodyPr/>
+                    <a:lstStyle/>
+                    <a:p>
+                      <a:r>
+                        <a:rPr lang="en-US" dirty="0" smtClean="0"/>
+                        <a:t>Don't allow the browsing of directories (default: 0 - browsing allowed).</a:t>
                       </a:r>
                       <a:endParaRPr lang="en-US" dirty="0"/>
                     </a:p>
@@ -7770,7 +8963,7 @@
           <a:p>
             <a:r>
               <a:rPr lang="en-US" dirty="0" smtClean="0"/>
-              <a:t>Example 3: Mason domain</a:t>
+              <a:t>Example 2: Nub rewrite syntax</a:t>
             </a:r>
             <a:endParaRPr lang="en-US" dirty="0"/>
           </a:p>
@@ -7786,15 +8979,185 @@
             <p:ph idx="1"/>
           </p:nvPr>
         </p:nvSpPr>
-        <p:spPr/>
-        <p:txBody>
-          <a:bodyPr/>
-          <a:lstStyle/>
-          <a:p>
-            <a:endParaRPr lang="en-US" dirty="0"/>
-          </a:p>
-        </p:txBody>
-      </p:sp>
+        <p:spPr>
+          <a:xfrm>
+            <a:off x="685800" y="2057400"/>
+            <a:ext cx="8229600" cy="4525963"/>
+          </a:xfrm>
+        </p:spPr>
+        <p:txBody>
+          <a:bodyPr/>
+          <a:lstStyle/>
+          <a:p>
+            <a:pPr algn="ctr">
+              <a:buNone/>
+            </a:pPr>
+            <a:r>
+              <a:rPr lang="en-US" sz="3600" dirty="0" smtClean="0">
+                <a:latin typeface="Courier New" pitchFamily="49" charset="0"/>
+                <a:cs typeface="Courier New" pitchFamily="49" charset="0"/>
+              </a:rPr>
+              <a:t>rewrite &lt;</a:t>
+            </a:r>
+            <a:r>
+              <a:rPr lang="en-US" sz="3600" dirty="0" err="1" smtClean="0">
+                <a:latin typeface="Courier New" pitchFamily="49" charset="0"/>
+                <a:cs typeface="Courier New" pitchFamily="49" charset="0"/>
+              </a:rPr>
+              <a:t>regexp</a:t>
+            </a:r>
+            <a:r>
+              <a:rPr lang="en-US" sz="3600" dirty="0" smtClean="0">
+                <a:latin typeface="Courier New" pitchFamily="49" charset="0"/>
+                <a:cs typeface="Courier New" pitchFamily="49" charset="0"/>
+              </a:rPr>
+              <a:t>&gt; &lt;script&gt;</a:t>
+            </a:r>
+          </a:p>
+          <a:p>
+            <a:pPr algn="ctr">
+              <a:buNone/>
+            </a:pPr>
+            <a:endParaRPr lang="en-US" dirty="0" smtClean="0"/>
+          </a:p>
+        </p:txBody>
+      </p:sp>
+      <p:graphicFrame>
+        <p:nvGraphicFramePr>
+          <p:cNvPr id="4" name="Table 3"/>
+          <p:cNvGraphicFramePr>
+            <a:graphicFrameLocks noGrp="1"/>
+          </p:cNvGraphicFramePr>
+          <p:nvPr/>
+        </p:nvGraphicFramePr>
+        <p:xfrm>
+          <a:off x="914400" y="3352800"/>
+          <a:ext cx="7620000" cy="1381760"/>
+        </p:xfrm>
+        <a:graphic>
+          <a:graphicData uri="http://schemas.openxmlformats.org/drawingml/2006/table">
+            <a:tbl>
+              <a:tblPr firstRow="1" bandRow="1">
+                <a:tableStyleId>{5C22544A-7EE6-4342-B048-85BDC9FD1C3A}</a:tableStyleId>
+              </a:tblPr>
+              <a:tblGrid>
+                <a:gridCol w="1600200"/>
+                <a:gridCol w="6019800"/>
+              </a:tblGrid>
+              <a:tr h="370840">
+                <a:tc>
+                  <a:txBody>
+                    <a:bodyPr/>
+                    <a:lstStyle/>
+                    <a:p>
+                      <a:r>
+                        <a:rPr lang="en-US" dirty="0" smtClean="0"/>
+                        <a:t>Argument</a:t>
+                      </a:r>
+                      <a:endParaRPr lang="en-US" dirty="0"/>
+                    </a:p>
+                  </a:txBody>
+                  <a:tcPr/>
+                </a:tc>
+                <a:tc>
+                  <a:txBody>
+                    <a:bodyPr/>
+                    <a:lstStyle/>
+                    <a:p>
+                      <a:r>
+                        <a:rPr lang="en-US" dirty="0" smtClean="0"/>
+                        <a:t>Description</a:t>
+                      </a:r>
+                      <a:endParaRPr lang="en-US" dirty="0"/>
+                    </a:p>
+                  </a:txBody>
+                  <a:tcPr/>
+                </a:tc>
+              </a:tr>
+              <a:tr h="370840">
+                <a:tc>
+                  <a:txBody>
+                    <a:bodyPr/>
+                    <a:lstStyle/>
+                    <a:p>
+                      <a:r>
+                        <a:rPr lang="en-US" dirty="0" err="1" smtClean="0">
+                          <a:latin typeface="Courier New" pitchFamily="49" charset="0"/>
+                          <a:cs typeface="Courier New" pitchFamily="49" charset="0"/>
+                        </a:rPr>
+                        <a:t>regexp</a:t>
+                      </a:r>
+                      <a:endParaRPr lang="en-US" dirty="0">
+                        <a:latin typeface="Courier New" pitchFamily="49" charset="0"/>
+                        <a:cs typeface="Courier New" pitchFamily="49" charset="0"/>
+                      </a:endParaRPr>
+                    </a:p>
+                  </a:txBody>
+                  <a:tcPr/>
+                </a:tc>
+                <a:tc>
+                  <a:txBody>
+                    <a:bodyPr/>
+                    <a:lstStyle/>
+                    <a:p>
+                      <a:r>
+                        <a:rPr lang="en-US" dirty="0" smtClean="0"/>
+                        <a:t>Regular expression to select an URL to be transformed</a:t>
+                      </a:r>
+                      <a:endParaRPr lang="en-US" dirty="0"/>
+                    </a:p>
+                  </a:txBody>
+                  <a:tcPr/>
+                </a:tc>
+              </a:tr>
+              <a:tr h="370840">
+                <a:tc>
+                  <a:txBody>
+                    <a:bodyPr/>
+                    <a:lstStyle/>
+                    <a:p>
+                      <a:r>
+                        <a:rPr lang="en-US" dirty="0" smtClean="0">
+                          <a:latin typeface="Courier New" pitchFamily="49" charset="0"/>
+                          <a:cs typeface="Courier New" pitchFamily="49" charset="0"/>
+                        </a:rPr>
+                        <a:t>script</a:t>
+                      </a:r>
+                      <a:endParaRPr lang="en-US" dirty="0">
+                        <a:latin typeface="Courier New" pitchFamily="49" charset="0"/>
+                        <a:cs typeface="Courier New" pitchFamily="49" charset="0"/>
+                      </a:endParaRPr>
+                    </a:p>
+                  </a:txBody>
+                  <a:tcPr/>
+                </a:tc>
+                <a:tc>
+                  <a:txBody>
+                    <a:bodyPr/>
+                    <a:lstStyle/>
+                    <a:p>
+                      <a:r>
+                        <a:rPr lang="en-US" dirty="0" smtClean="0"/>
+                        <a:t>Script to be called to transform the URL (evaluated in</a:t>
+                      </a:r>
+                      <a:r>
+                        <a:rPr lang="en-US" baseline="0" dirty="0" smtClean="0"/>
+                        <a:t> Nub namespace)</a:t>
+                      </a:r>
+                      <a:r>
+                        <a:rPr lang="en-US" dirty="0" smtClean="0"/>
+                        <a:t> </a:t>
+                      </a:r>
+                      <a:endParaRPr lang="en-US" dirty="0"/>
+                    </a:p>
+                  </a:txBody>
+                  <a:tcPr/>
+                </a:tc>
+              </a:tr>
+            </a:tbl>
+          </a:graphicData>
+        </a:graphic>
+      </p:graphicFrame>
     </p:spTree>
   </p:cSld>
   <p:clrMapOvr>
@@ -7844,7 +9207,7 @@
           <a:p>
             <a:r>
               <a:rPr lang="en-US" dirty="0" smtClean="0"/>
-              <a:t>Example 4: Direct domain</a:t>
+              <a:t>Example 3: Mason domain</a:t>
             </a:r>
             <a:endParaRPr lang="en-US" dirty="0"/>
           </a:p>
@@ -7862,10 +9225,163 @@
         </p:nvSpPr>
         <p:spPr/>
         <p:txBody>
-          <a:bodyPr/>
-          <a:lstStyle/>
-          <a:p>
-            <a:endParaRPr lang="en-US"/>
+          <a:bodyPr>
+            <a:normAutofit/>
+          </a:bodyPr>
+          <a:lstStyle/>
+          <a:p>
+            <a:r>
+              <a:rPr lang="en-US" dirty="0" smtClean="0"/>
+              <a:t>A File like domain</a:t>
+            </a:r>
+          </a:p>
+          <a:p>
+            <a:r>
+              <a:rPr lang="en-US" dirty="0" smtClean="0"/>
+              <a:t>Mapping URL’s to file system hierarchy</a:t>
+            </a:r>
+          </a:p>
+          <a:p>
+            <a:r>
+              <a:rPr lang="en-US" dirty="0" smtClean="0"/>
+              <a:t>Provides </a:t>
+            </a:r>
+            <a:r>
+              <a:rPr lang="en-US" dirty="0" err="1" smtClean="0"/>
+              <a:t>templating</a:t>
+            </a:r>
+            <a:r>
+              <a:rPr lang="en-US" dirty="0" smtClean="0"/>
+              <a:t> by applying [</a:t>
+            </a:r>
+            <a:r>
+              <a:rPr lang="en-US" dirty="0" err="1" smtClean="0"/>
+              <a:t>subst</a:t>
+            </a:r>
+            <a:r>
+              <a:rPr lang="en-US" dirty="0" smtClean="0"/>
+              <a:t>] on .</a:t>
+            </a:r>
+            <a:r>
+              <a:rPr lang="en-US" dirty="0" err="1" smtClean="0"/>
+              <a:t>tml</a:t>
+            </a:r>
+            <a:r>
+              <a:rPr lang="en-US" dirty="0" smtClean="0"/>
+              <a:t> files</a:t>
+            </a:r>
+          </a:p>
+          <a:p>
+            <a:r>
+              <a:rPr lang="en-US" dirty="0" smtClean="0"/>
+              <a:t>P</a:t>
+            </a:r>
+            <a:r>
+              <a:rPr lang="en-US" dirty="0" smtClean="0"/>
+              <a:t>re/post filtering of request and responses</a:t>
+            </a:r>
+          </a:p>
+          <a:p>
+            <a:r>
+              <a:rPr lang="en-US" dirty="0" smtClean="0"/>
+              <a:t>Adding Mason domain to ex.nub</a:t>
+            </a:r>
+          </a:p>
+          <a:p>
+            <a:pPr>
+              <a:buNone/>
+            </a:pPr>
+            <a:r>
+              <a:rPr lang="en-US" sz="1700" dirty="0" smtClean="0">
+                <a:latin typeface="Courier New" pitchFamily="49" charset="0"/>
+                <a:cs typeface="Courier New" pitchFamily="49" charset="0"/>
+              </a:rPr>
+              <a:t>  </a:t>
+            </a:r>
+          </a:p>
+          <a:p>
+            <a:pPr>
+              <a:buNone/>
+            </a:pPr>
+            <a:r>
+              <a:rPr lang="en-US" sz="1700" dirty="0" smtClean="0">
+                <a:latin typeface="Courier New" pitchFamily="49" charset="0"/>
+                <a:cs typeface="Courier New" pitchFamily="49" charset="0"/>
+              </a:rPr>
+              <a:t> </a:t>
+            </a:r>
+            <a:r>
+              <a:rPr lang="en-US" sz="1700" dirty="0" smtClean="0">
+                <a:latin typeface="Courier New" pitchFamily="49" charset="0"/>
+                <a:cs typeface="Courier New" pitchFamily="49" charset="0"/>
+              </a:rPr>
+              <a:t>  </a:t>
+            </a:r>
+            <a:r>
+              <a:rPr lang="en-US" sz="1600" dirty="0" smtClean="0">
+                <a:latin typeface="Courier New" pitchFamily="49" charset="0"/>
+                <a:cs typeface="Courier New" pitchFamily="49" charset="0"/>
+              </a:rPr>
+              <a:t>domain </a:t>
+            </a:r>
+            <a:r>
+              <a:rPr lang="en-US" sz="1600" dirty="0" smtClean="0">
+                <a:latin typeface="Courier New" pitchFamily="49" charset="0"/>
+                <a:cs typeface="Courier New" pitchFamily="49" charset="0"/>
+              </a:rPr>
+              <a:t>/</a:t>
+            </a:r>
+            <a:r>
+              <a:rPr lang="en-US" sz="1600" dirty="0" smtClean="0">
+                <a:latin typeface="Courier New" pitchFamily="49" charset="0"/>
+                <a:cs typeface="Courier New" pitchFamily="49" charset="0"/>
+              </a:rPr>
+              <a:t>mason/ {Mason </a:t>
+            </a:r>
+            <a:r>
+              <a:rPr lang="en-US" sz="1600" dirty="0" err="1" smtClean="0">
+                <a:latin typeface="Courier New" pitchFamily="49" charset="0"/>
+                <a:cs typeface="Courier New" pitchFamily="49" charset="0"/>
+              </a:rPr>
+              <a:t>mason</a:t>
+            </a:r>
+            <a:r>
+              <a:rPr lang="en-US" sz="1600" dirty="0" smtClean="0">
+                <a:latin typeface="Courier New" pitchFamily="49" charset="0"/>
+                <a:cs typeface="Courier New" pitchFamily="49" charset="0"/>
+              </a:rPr>
+              <a:t>} root </a:t>
+            </a:r>
+            <a:r>
+              <a:rPr lang="en-US" sz="1600" dirty="0" smtClean="0">
+                <a:latin typeface="Courier New" pitchFamily="49" charset="0"/>
+                <a:cs typeface="Courier New" pitchFamily="49" charset="0"/>
+              </a:rPr>
+              <a:t>[file join . </a:t>
+            </a:r>
+            <a:r>
+              <a:rPr lang="en-US" sz="1600" dirty="0" err="1" smtClean="0">
+                <a:latin typeface="Courier New" pitchFamily="49" charset="0"/>
+                <a:cs typeface="Courier New" pitchFamily="49" charset="0"/>
+              </a:rPr>
+              <a:t>docroot</a:t>
+            </a:r>
+            <a:r>
+              <a:rPr lang="en-US" sz="1600" dirty="0" smtClean="0">
+                <a:latin typeface="Courier New" pitchFamily="49" charset="0"/>
+                <a:cs typeface="Courier New" pitchFamily="49" charset="0"/>
+              </a:rPr>
+              <a:t> mason]</a:t>
+            </a:r>
+          </a:p>
+          <a:p>
+            <a:pPr>
+              <a:buNone/>
+            </a:pPr>
+            <a:endParaRPr lang="en-US" dirty="0" smtClean="0"/>
+          </a:p>
+          <a:p>
+            <a:endParaRPr lang="en-US" dirty="0"/>
           </a:p>
         </p:txBody>
       </p:sp>
@@ -8070,6 +9586,1639 @@
 </p:sld>
 </file>
 
+<file path=ppt/slides/slide20.xml><?xml version="1.0" encoding="utf-8"?>
+<p:sld xmlns:a="http://schemas.openxmlformats.org/drawingml/2006/main" xmlns:r="http://schemas.openxmlformats.org/officeDocument/2006/relationships" xmlns:p="http://schemas.openxmlformats.org/presentationml/2006/main">
+  <p:cSld>
+    <p:spTree>
+      <p:nvGrpSpPr>
+        <p:cNvPr id="1" name=""/>
+        <p:cNvGrpSpPr/>
+        <p:nvPr/>
+      </p:nvGrpSpPr>
+      <p:grpSpPr>
+        <a:xfrm>
+          <a:off x="0" y="0"/>
+          <a:ext cx="0" cy="0"/>
+          <a:chOff x="0" y="0"/>
+          <a:chExt cx="0" cy="0"/>
+        </a:xfrm>
+      </p:grpSpPr>
+      <p:sp>
+        <p:nvSpPr>
+          <p:cNvPr id="2" name="Title 1"/>
+          <p:cNvSpPr>
+            <a:spLocks noGrp="1"/>
+          </p:cNvSpPr>
+          <p:nvPr>
+            <p:ph type="title"/>
+          </p:nvPr>
+        </p:nvSpPr>
+        <p:spPr/>
+        <p:txBody>
+          <a:bodyPr/>
+          <a:lstStyle/>
+          <a:p>
+            <a:r>
+              <a:rPr lang="en-US" dirty="0" smtClean="0"/>
+              <a:t>Example 3: Mason arguments</a:t>
+            </a:r>
+            <a:endParaRPr lang="en-US" dirty="0"/>
+          </a:p>
+        </p:txBody>
+      </p:sp>
+      <p:graphicFrame>
+        <p:nvGraphicFramePr>
+          <p:cNvPr id="4" name="Content Placeholder 3"/>
+          <p:cNvGraphicFramePr>
+            <a:graphicFrameLocks noGrp="1"/>
+          </p:cNvGraphicFramePr>
+          <p:nvPr>
+            <p:ph idx="1"/>
+          </p:nvPr>
+        </p:nvGraphicFramePr>
+        <p:xfrm>
+          <a:off x="609600" y="1371600"/>
+          <a:ext cx="8229599" cy="4861560"/>
+        </p:xfrm>
+        <a:graphic>
+          <a:graphicData uri="http://schemas.openxmlformats.org/drawingml/2006/table">
+            <a:tbl>
+              <a:tblPr firstRow="1" bandRow="1">
+                <a:tableStyleId>{5C22544A-7EE6-4342-B048-85BDC9FD1C3A}</a:tableStyleId>
+              </a:tblPr>
+              <a:tblGrid>
+                <a:gridCol w="1752600"/>
+                <a:gridCol w="4267200"/>
+                <a:gridCol w="2209799"/>
+              </a:tblGrid>
+              <a:tr h="370840">
+                <a:tc>
+                  <a:txBody>
+                    <a:bodyPr/>
+                    <a:lstStyle/>
+                    <a:p>
+                      <a:r>
+                        <a:rPr lang="en-US" dirty="0" err="1" smtClean="0"/>
+                        <a:t>Argumment</a:t>
+                      </a:r>
+                      <a:r>
+                        <a:rPr lang="en-US" baseline="0" dirty="0" smtClean="0"/>
+                        <a:t> name</a:t>
+                      </a:r>
+                      <a:endParaRPr lang="en-US" dirty="0"/>
+                    </a:p>
+                  </a:txBody>
+                  <a:tcPr/>
+                </a:tc>
+                <a:tc>
+                  <a:txBody>
+                    <a:bodyPr/>
+                    <a:lstStyle/>
+                    <a:p>
+                      <a:r>
+                        <a:rPr lang="en-US" dirty="0" smtClean="0"/>
+                        <a:t>Description</a:t>
+                      </a:r>
+                      <a:endParaRPr lang="en-US" dirty="0"/>
+                    </a:p>
+                  </a:txBody>
+                  <a:tcPr/>
+                </a:tc>
+                <a:tc>
+                  <a:txBody>
+                    <a:bodyPr/>
+                    <a:lstStyle/>
+                    <a:p>
+                      <a:endParaRPr lang="en-US" dirty="0"/>
+                    </a:p>
+                  </a:txBody>
+                  <a:tcPr/>
+                </a:tc>
+              </a:tr>
+              <a:tr h="370840">
+                <a:tc>
+                  <a:txBody>
+                    <a:bodyPr/>
+                    <a:lstStyle/>
+                    <a:p>
+                      <a:r>
+                        <a:rPr lang="en-US" dirty="0" smtClean="0">
+                          <a:latin typeface="Courier New" pitchFamily="49" charset="0"/>
+                          <a:cs typeface="Courier New" pitchFamily="49" charset="0"/>
+                        </a:rPr>
+                        <a:t>root</a:t>
+                      </a:r>
+                      <a:endParaRPr lang="en-US" dirty="0">
+                        <a:latin typeface="Courier New" pitchFamily="49" charset="0"/>
+                        <a:cs typeface="Courier New" pitchFamily="49" charset="0"/>
+                      </a:endParaRPr>
+                    </a:p>
+                  </a:txBody>
+                  <a:tcPr/>
+                </a:tc>
+                <a:tc>
+                  <a:txBody>
+                    <a:bodyPr/>
+                    <a:lstStyle/>
+                    <a:p>
+                      <a:r>
+                        <a:rPr lang="en-US" dirty="0" smtClean="0"/>
+                        <a:t>File-system root for Mason domain.</a:t>
+                      </a:r>
+                      <a:endParaRPr lang="en-US" dirty="0"/>
+                    </a:p>
+                  </a:txBody>
+                  <a:tcPr/>
+                </a:tc>
+                <a:tc>
+                  <a:txBody>
+                    <a:bodyPr/>
+                    <a:lstStyle/>
+                    <a:p>
+                      <a:endParaRPr lang="en-US" dirty="0"/>
+                    </a:p>
+                  </a:txBody>
+                  <a:tcPr/>
+                </a:tc>
+              </a:tr>
+              <a:tr h="370840">
+                <a:tc>
+                  <a:txBody>
+                    <a:bodyPr/>
+                    <a:lstStyle/>
+                    <a:p>
+                      <a:r>
+                        <a:rPr lang="en-US" dirty="0" err="1" smtClean="0">
+                          <a:latin typeface="Courier New" pitchFamily="49" charset="0"/>
+                          <a:cs typeface="Courier New" pitchFamily="49" charset="0"/>
+                        </a:rPr>
+                        <a:t>ctype</a:t>
+                      </a:r>
+                      <a:endParaRPr lang="en-US" dirty="0">
+                        <a:latin typeface="Courier New" pitchFamily="49" charset="0"/>
+                        <a:cs typeface="Courier New" pitchFamily="49" charset="0"/>
+                      </a:endParaRPr>
+                    </a:p>
+                  </a:txBody>
+                  <a:tcPr/>
+                </a:tc>
+                <a:tc>
+                  <a:txBody>
+                    <a:bodyPr/>
+                    <a:lstStyle/>
+                    <a:p>
+                      <a:r>
+                        <a:rPr lang="en-US" dirty="0" smtClean="0"/>
+                        <a:t>Default</a:t>
+                      </a:r>
+                      <a:r>
+                        <a:rPr lang="en-US" baseline="0" dirty="0" smtClean="0"/>
+                        <a:t> content type of returned values.</a:t>
+                      </a:r>
+                      <a:endParaRPr lang="en-US" dirty="0"/>
+                    </a:p>
+                  </a:txBody>
+                  <a:tcPr/>
+                </a:tc>
+                <a:tc>
+                  <a:txBody>
+                    <a:bodyPr/>
+                    <a:lstStyle/>
+                    <a:p>
+                      <a:r>
+                        <a:rPr lang="en-US" dirty="0" smtClean="0"/>
+                        <a:t>x-text/html-fragment</a:t>
+                      </a:r>
+                      <a:endParaRPr lang="en-US" dirty="0"/>
+                    </a:p>
+                  </a:txBody>
+                  <a:tcPr/>
+                </a:tc>
+              </a:tr>
+              <a:tr h="370840">
+                <a:tc>
+                  <a:txBody>
+                    <a:bodyPr/>
+                    <a:lstStyle/>
+                    <a:p>
+                      <a:r>
+                        <a:rPr lang="en-US" dirty="0" smtClean="0">
+                          <a:latin typeface="Courier New" pitchFamily="49" charset="0"/>
+                          <a:cs typeface="Courier New" pitchFamily="49" charset="0"/>
+                        </a:rPr>
+                        <a:t>hide</a:t>
+                      </a:r>
+                      <a:endParaRPr lang="en-US" dirty="0">
+                        <a:latin typeface="Courier New" pitchFamily="49" charset="0"/>
+                        <a:cs typeface="Courier New" pitchFamily="49" charset="0"/>
+                      </a:endParaRPr>
+                    </a:p>
+                  </a:txBody>
+                  <a:tcPr/>
+                </a:tc>
+                <a:tc>
+                  <a:txBody>
+                    <a:bodyPr/>
+                    <a:lstStyle/>
+                    <a:p>
+                      <a:r>
+                        <a:rPr lang="en-US" dirty="0" smtClean="0"/>
+                        <a:t>Regular </a:t>
+                      </a:r>
+                      <a:r>
+                        <a:rPr lang="en-US" dirty="0" err="1" smtClean="0"/>
+                        <a:t>expresion</a:t>
+                      </a:r>
+                      <a:r>
+                        <a:rPr lang="en-US" dirty="0" smtClean="0"/>
+                        <a:t> to detect files to hide.</a:t>
+                      </a:r>
+                      <a:endParaRPr lang="en-US" dirty="0"/>
+                    </a:p>
+                  </a:txBody>
+                  <a:tcPr/>
+                </a:tc>
+                <a:tc>
+                  <a:txBody>
+                    <a:bodyPr/>
+                    <a:lstStyle/>
+                    <a:p>
+                      <a:r>
+                        <a:rPr lang="en-US" dirty="0" smtClean="0"/>
+                        <a:t>^([.].*)|(.*~)$</a:t>
+                      </a:r>
+                      <a:endParaRPr lang="en-US" dirty="0"/>
+                    </a:p>
+                  </a:txBody>
+                  <a:tcPr/>
+                </a:tc>
+              </a:tr>
+              <a:tr h="370840">
+                <a:tc>
+                  <a:txBody>
+                    <a:bodyPr/>
+                    <a:lstStyle/>
+                    <a:p>
+                      <a:r>
+                        <a:rPr lang="en-US" dirty="0" err="1" smtClean="0">
+                          <a:latin typeface="Courier New" pitchFamily="49" charset="0"/>
+                          <a:cs typeface="Courier New" pitchFamily="49" charset="0"/>
+                        </a:rPr>
+                        <a:t>indexfile</a:t>
+                      </a:r>
+                      <a:endParaRPr lang="en-US" dirty="0">
+                        <a:latin typeface="Courier New" pitchFamily="49" charset="0"/>
+                        <a:cs typeface="Courier New" pitchFamily="49" charset="0"/>
+                      </a:endParaRPr>
+                    </a:p>
+                  </a:txBody>
+                  <a:tcPr/>
+                </a:tc>
+                <a:tc>
+                  <a:txBody>
+                    <a:bodyPr/>
+                    <a:lstStyle/>
+                    <a:p>
+                      <a:pPr marL="0" marR="0" indent="0" algn="l" defTabSz="914400" rtl="0" eaLnBrk="1" fontAlgn="auto" latinLnBrk="0" hangingPunct="1">
+                        <a:lnSpc>
+                          <a:spcPct val="100000"/>
+                        </a:lnSpc>
+                        <a:spcBef>
+                          <a:spcPts val="0"/>
+                        </a:spcBef>
+                        <a:spcAft>
+                          <a:spcPts val="0"/>
+                        </a:spcAft>
+                        <a:buClrTx/>
+                        <a:buSzTx/>
+                        <a:buFontTx/>
+                        <a:buNone/>
+                        <a:tabLst/>
+                        <a:defRPr/>
+                      </a:pPr>
+                      <a:r>
+                        <a:rPr lang="en-US" dirty="0" smtClean="0"/>
+                        <a:t>Name of the file which stands for a directory, such as </a:t>
+                      </a:r>
+                      <a:r>
+                        <a:rPr lang="en-US" dirty="0" smtClean="0">
+                          <a:latin typeface="Courier New" pitchFamily="49" charset="0"/>
+                          <a:cs typeface="Courier New" pitchFamily="49" charset="0"/>
+                        </a:rPr>
+                        <a:t>index.html</a:t>
+                      </a:r>
+                      <a:r>
+                        <a:rPr lang="en-US" dirty="0" smtClean="0">
+                          <a:latin typeface="+mn-lt"/>
+                          <a:cs typeface="Courier New" pitchFamily="49" charset="0"/>
+                        </a:rPr>
+                        <a:t>.</a:t>
+                      </a:r>
+                      <a:r>
+                        <a:rPr lang="en-US" baseline="0" dirty="0" smtClean="0">
+                          <a:latin typeface="+mn-lt"/>
+                          <a:cs typeface="Courier New" pitchFamily="49" charset="0"/>
+                        </a:rPr>
+                        <a:t> The contents of that file will be returned in stead of the directory listing.</a:t>
+                      </a:r>
+                      <a:endParaRPr lang="en-US" dirty="0" smtClean="0">
+                        <a:latin typeface="Courier New" pitchFamily="49" charset="0"/>
+                        <a:cs typeface="Courier New" pitchFamily="49" charset="0"/>
+                      </a:endParaRPr>
+                    </a:p>
+                  </a:txBody>
+                  <a:tcPr/>
+                </a:tc>
+                <a:tc>
+                  <a:txBody>
+                    <a:bodyPr/>
+                    <a:lstStyle/>
+                    <a:p>
+                      <a:pPr marL="0" marR="0" indent="0" algn="l" defTabSz="914400" rtl="0" eaLnBrk="1" fontAlgn="auto" latinLnBrk="0" hangingPunct="1">
+                        <a:lnSpc>
+                          <a:spcPct val="100000"/>
+                        </a:lnSpc>
+                        <a:spcBef>
+                          <a:spcPts val="0"/>
+                        </a:spcBef>
+                        <a:spcAft>
+                          <a:spcPts val="0"/>
+                        </a:spcAft>
+                        <a:buClrTx/>
+                        <a:buSzTx/>
+                        <a:buFontTx/>
+                        <a:buNone/>
+                        <a:tabLst/>
+                        <a:defRPr/>
+                      </a:pPr>
+                      <a:r>
+                        <a:rPr lang="en-US" dirty="0" smtClean="0">
+                          <a:latin typeface="Courier New" pitchFamily="49" charset="0"/>
+                          <a:cs typeface="Courier New" pitchFamily="49" charset="0"/>
+                        </a:rPr>
+                        <a:t>index.html</a:t>
+                      </a:r>
+                    </a:p>
+                  </a:txBody>
+                  <a:tcPr/>
+                </a:tc>
+              </a:tr>
+              <a:tr h="370840">
+                <a:tc>
+                  <a:txBody>
+                    <a:bodyPr/>
+                    <a:lstStyle/>
+                    <a:p>
+                      <a:r>
+                        <a:rPr lang="en-US" dirty="0" smtClean="0">
+                          <a:latin typeface="Courier New" pitchFamily="49" charset="0"/>
+                          <a:cs typeface="Courier New" pitchFamily="49" charset="0"/>
+                        </a:rPr>
+                        <a:t>expires</a:t>
+                      </a:r>
+                      <a:endParaRPr lang="en-US" dirty="0">
+                        <a:latin typeface="Courier New" pitchFamily="49" charset="0"/>
+                        <a:cs typeface="Courier New" pitchFamily="49" charset="0"/>
+                      </a:endParaRPr>
+                    </a:p>
+                  </a:txBody>
+                  <a:tcPr/>
+                </a:tc>
+                <a:tc>
+                  <a:txBody>
+                    <a:bodyPr/>
+                    <a:lstStyle/>
+                    <a:p>
+                      <a:pPr marL="0" marR="0" indent="0" algn="l" defTabSz="914400" rtl="0" eaLnBrk="1" fontAlgn="auto" latinLnBrk="0" hangingPunct="1">
+                        <a:lnSpc>
+                          <a:spcPct val="100000"/>
+                        </a:lnSpc>
+                        <a:spcBef>
+                          <a:spcPts val="0"/>
+                        </a:spcBef>
+                        <a:spcAft>
+                          <a:spcPts val="0"/>
+                        </a:spcAft>
+                        <a:buClrTx/>
+                        <a:buSzTx/>
+                        <a:buFontTx/>
+                        <a:buNone/>
+                        <a:tabLst/>
+                        <a:defRPr/>
+                      </a:pPr>
+                      <a:r>
+                        <a:rPr lang="en-US" dirty="0" smtClean="0"/>
+                        <a:t>A </a:t>
+                      </a:r>
+                      <a:r>
+                        <a:rPr lang="en-US" dirty="0" err="1" smtClean="0"/>
+                        <a:t>tcl</a:t>
+                      </a:r>
+                      <a:r>
+                        <a:rPr lang="en-US" dirty="0" smtClean="0"/>
+                        <a:t> clock expression indicating when contents expires.</a:t>
+                      </a:r>
+                    </a:p>
+                  </a:txBody>
+                  <a:tcPr/>
+                </a:tc>
+                <a:tc>
+                  <a:txBody>
+                    <a:bodyPr/>
+                    <a:lstStyle/>
+                    <a:p>
+                      <a:pPr marL="0" marR="0" indent="0" algn="l" defTabSz="914400" rtl="0" eaLnBrk="1" fontAlgn="auto" latinLnBrk="0" hangingPunct="1">
+                        <a:lnSpc>
+                          <a:spcPct val="100000"/>
+                        </a:lnSpc>
+                        <a:spcBef>
+                          <a:spcPts val="0"/>
+                        </a:spcBef>
+                        <a:spcAft>
+                          <a:spcPts val="0"/>
+                        </a:spcAft>
+                        <a:buClrTx/>
+                        <a:buSzTx/>
+                        <a:buFontTx/>
+                        <a:buNone/>
+                        <a:tabLst/>
+                        <a:defRPr/>
+                      </a:pPr>
+                      <a:endParaRPr lang="en-US" dirty="0" smtClean="0"/>
+                    </a:p>
+                  </a:txBody>
+                  <a:tcPr/>
+                </a:tc>
+              </a:tr>
+              <a:tr h="370840">
+                <a:tc>
+                  <a:txBody>
+                    <a:bodyPr/>
+                    <a:lstStyle/>
+                    <a:p>
+                      <a:r>
+                        <a:rPr lang="en-US" dirty="0" smtClean="0">
+                          <a:latin typeface="Courier New" pitchFamily="49" charset="0"/>
+                          <a:cs typeface="Courier New" pitchFamily="49" charset="0"/>
+                        </a:rPr>
+                        <a:t>functional</a:t>
+                      </a:r>
+                    </a:p>
+                  </a:txBody>
+                  <a:tcPr/>
+                </a:tc>
+                <a:tc>
+                  <a:txBody>
+                    <a:bodyPr/>
+                    <a:lstStyle/>
+                    <a:p>
+                      <a:r>
+                        <a:rPr lang="en-US" dirty="0" smtClean="0"/>
+                        <a:t>File extension indicating</a:t>
+                      </a:r>
+                      <a:r>
+                        <a:rPr lang="en-US" baseline="0" dirty="0" smtClean="0"/>
+                        <a:t> which files will be evaluated.</a:t>
+                      </a:r>
+                      <a:endParaRPr lang="en-US" dirty="0"/>
+                    </a:p>
+                  </a:txBody>
+                  <a:tcPr/>
+                </a:tc>
+                <a:tc>
+                  <a:txBody>
+                    <a:bodyPr/>
+                    <a:lstStyle/>
+                    <a:p>
+                      <a:r>
+                        <a:rPr lang="en-US" dirty="0" smtClean="0"/>
+                        <a:t>.</a:t>
+                      </a:r>
+                      <a:r>
+                        <a:rPr lang="en-US" dirty="0" err="1" smtClean="0"/>
+                        <a:t>tml</a:t>
+                      </a:r>
+                      <a:endParaRPr lang="en-US" dirty="0"/>
+                    </a:p>
+                  </a:txBody>
+                  <a:tcPr/>
+                </a:tc>
+              </a:tr>
+              <a:tr h="370840">
+                <a:tc>
+                  <a:txBody>
+                    <a:bodyPr/>
+                    <a:lstStyle/>
+                    <a:p>
+                      <a:r>
+                        <a:rPr lang="en-US" dirty="0" err="1" smtClean="0">
+                          <a:latin typeface="Courier New" pitchFamily="49" charset="0"/>
+                          <a:cs typeface="Courier New" pitchFamily="49" charset="0"/>
+                        </a:rPr>
+                        <a:t>notfound</a:t>
+                      </a:r>
+                      <a:endParaRPr lang="en-US" dirty="0" smtClean="0">
+                        <a:latin typeface="Courier New" pitchFamily="49" charset="0"/>
+                        <a:cs typeface="Courier New" pitchFamily="49" charset="0"/>
+                      </a:endParaRPr>
+                    </a:p>
+                  </a:txBody>
+                  <a:tcPr/>
+                </a:tc>
+                <a:tc>
+                  <a:txBody>
+                    <a:bodyPr/>
+                    <a:lstStyle/>
+                    <a:p>
+                      <a:r>
+                        <a:rPr lang="en-US" dirty="0" smtClean="0"/>
+                        <a:t>Template to be evaluated when requested</a:t>
+                      </a:r>
+                      <a:r>
+                        <a:rPr lang="en-US" baseline="0" dirty="0" smtClean="0"/>
+                        <a:t> file can’t be found.</a:t>
+                      </a:r>
+                      <a:endParaRPr lang="en-US" dirty="0"/>
+                    </a:p>
+                  </a:txBody>
+                  <a:tcPr/>
+                </a:tc>
+                <a:tc>
+                  <a:txBody>
+                    <a:bodyPr/>
+                    <a:lstStyle/>
+                    <a:p>
+                      <a:r>
+                        <a:rPr lang="en-US" dirty="0" smtClean="0"/>
+                        <a:t>.</a:t>
+                      </a:r>
+                      <a:r>
+                        <a:rPr lang="en-US" dirty="0" err="1" smtClean="0"/>
+                        <a:t>notfound</a:t>
+                      </a:r>
+                      <a:endParaRPr lang="en-US" dirty="0"/>
+                    </a:p>
+                  </a:txBody>
+                  <a:tcPr/>
+                </a:tc>
+              </a:tr>
+            </a:tbl>
+          </a:graphicData>
+        </a:graphic>
+      </p:graphicFrame>
+    </p:spTree>
+  </p:cSld>
+  <p:clrMapOvr>
+    <a:masterClrMapping/>
+  </p:clrMapOvr>
+</p:sld>
+</file>
+
+<file path=ppt/slides/slide21.xml><?xml version="1.0" encoding="utf-8"?>
+<p:sld xmlns:a="http://schemas.openxmlformats.org/drawingml/2006/main" xmlns:r="http://schemas.openxmlformats.org/officeDocument/2006/relationships" xmlns:p="http://schemas.openxmlformats.org/presentationml/2006/main">
+  <p:cSld>
+    <p:spTree>
+      <p:nvGrpSpPr>
+        <p:cNvPr id="1" name=""/>
+        <p:cNvGrpSpPr/>
+        <p:nvPr/>
+      </p:nvGrpSpPr>
+      <p:grpSpPr>
+        <a:xfrm>
+          <a:off x="0" y="0"/>
+          <a:ext cx="0" cy="0"/>
+          <a:chOff x="0" y="0"/>
+          <a:chExt cx="0" cy="0"/>
+        </a:xfrm>
+      </p:grpSpPr>
+      <p:sp>
+        <p:nvSpPr>
+          <p:cNvPr id="2" name="Title 1"/>
+          <p:cNvSpPr>
+            <a:spLocks noGrp="1"/>
+          </p:cNvSpPr>
+          <p:nvPr>
+            <p:ph type="title"/>
+          </p:nvPr>
+        </p:nvSpPr>
+        <p:spPr/>
+        <p:txBody>
+          <a:bodyPr>
+            <a:normAutofit fontScale="90000"/>
+          </a:bodyPr>
+          <a:lstStyle/>
+          <a:p>
+            <a:r>
+              <a:rPr lang="en-US" dirty="0" smtClean="0"/>
+              <a:t>Example 3: Mason arguments (cont.)</a:t>
+            </a:r>
+            <a:endParaRPr lang="en-US" dirty="0"/>
+          </a:p>
+        </p:txBody>
+      </p:sp>
+      <p:graphicFrame>
+        <p:nvGraphicFramePr>
+          <p:cNvPr id="4" name="Content Placeholder 3"/>
+          <p:cNvGraphicFramePr>
+            <a:graphicFrameLocks noGrp="1"/>
+          </p:cNvGraphicFramePr>
+          <p:nvPr>
+            <p:ph idx="1"/>
+          </p:nvPr>
+        </p:nvGraphicFramePr>
+        <p:xfrm>
+          <a:off x="609600" y="1371600"/>
+          <a:ext cx="8229599" cy="2931160"/>
+        </p:xfrm>
+        <a:graphic>
+          <a:graphicData uri="http://schemas.openxmlformats.org/drawingml/2006/table">
+            <a:tbl>
+              <a:tblPr firstRow="1" bandRow="1">
+                <a:tableStyleId>{5C22544A-7EE6-4342-B048-85BDC9FD1C3A}</a:tableStyleId>
+              </a:tblPr>
+              <a:tblGrid>
+                <a:gridCol w="1752600"/>
+                <a:gridCol w="4267200"/>
+                <a:gridCol w="2209799"/>
+              </a:tblGrid>
+              <a:tr h="370840">
+                <a:tc>
+                  <a:txBody>
+                    <a:bodyPr/>
+                    <a:lstStyle/>
+                    <a:p>
+                      <a:r>
+                        <a:rPr lang="en-US" dirty="0" err="1" smtClean="0"/>
+                        <a:t>Argumment</a:t>
+                      </a:r>
+                      <a:r>
+                        <a:rPr lang="en-US" baseline="0" dirty="0" smtClean="0"/>
+                        <a:t> name</a:t>
+                      </a:r>
+                      <a:endParaRPr lang="en-US" dirty="0"/>
+                    </a:p>
+                  </a:txBody>
+                  <a:tcPr/>
+                </a:tc>
+                <a:tc>
+                  <a:txBody>
+                    <a:bodyPr/>
+                    <a:lstStyle/>
+                    <a:p>
+                      <a:r>
+                        <a:rPr lang="en-US" dirty="0" smtClean="0"/>
+                        <a:t>Description</a:t>
+                      </a:r>
+                      <a:endParaRPr lang="en-US" dirty="0"/>
+                    </a:p>
+                  </a:txBody>
+                  <a:tcPr/>
+                </a:tc>
+                <a:tc>
+                  <a:txBody>
+                    <a:bodyPr/>
+                    <a:lstStyle/>
+                    <a:p>
+                      <a:endParaRPr lang="en-US" dirty="0"/>
+                    </a:p>
+                  </a:txBody>
+                  <a:tcPr/>
+                </a:tc>
+              </a:tr>
+              <a:tr h="370840">
+                <a:tc>
+                  <a:txBody>
+                    <a:bodyPr/>
+                    <a:lstStyle/>
+                    <a:p>
+                      <a:r>
+                        <a:rPr lang="en-US" dirty="0" smtClean="0">
+                          <a:latin typeface="Courier New" pitchFamily="49" charset="0"/>
+                          <a:cs typeface="Courier New" pitchFamily="49" charset="0"/>
+                        </a:rPr>
+                        <a:t>wrapper</a:t>
+                      </a:r>
+                    </a:p>
+                  </a:txBody>
+                  <a:tcPr/>
+                </a:tc>
+                <a:tc>
+                  <a:txBody>
+                    <a:bodyPr/>
+                    <a:lstStyle/>
+                    <a:p>
+                      <a:r>
+                        <a:rPr lang="en-US" dirty="0" smtClean="0"/>
+                        <a:t>Template to be evaluated </a:t>
+                      </a:r>
+                      <a:r>
+                        <a:rPr lang="en-US" dirty="0" err="1" smtClean="0"/>
+                        <a:t>whith</a:t>
+                      </a:r>
+                      <a:r>
+                        <a:rPr lang="en-US" baseline="0" dirty="0" smtClean="0"/>
+                        <a:t> successful response.</a:t>
+                      </a:r>
+                      <a:endParaRPr lang="en-US" dirty="0"/>
+                    </a:p>
+                  </a:txBody>
+                  <a:tcPr/>
+                </a:tc>
+                <a:tc>
+                  <a:txBody>
+                    <a:bodyPr/>
+                    <a:lstStyle/>
+                    <a:p>
+                      <a:r>
+                        <a:rPr lang="en-US" dirty="0" smtClean="0"/>
+                        <a:t>.wrapper</a:t>
+                      </a:r>
+                      <a:endParaRPr lang="en-US" dirty="0"/>
+                    </a:p>
+                  </a:txBody>
+                  <a:tcPr/>
+                </a:tc>
+              </a:tr>
+              <a:tr h="370840">
+                <a:tc>
+                  <a:txBody>
+                    <a:bodyPr/>
+                    <a:lstStyle/>
+                    <a:p>
+                      <a:r>
+                        <a:rPr lang="en-US" dirty="0" smtClean="0">
+                          <a:latin typeface="Courier New" pitchFamily="49" charset="0"/>
+                          <a:cs typeface="Courier New" pitchFamily="49" charset="0"/>
+                        </a:rPr>
+                        <a:t>auth</a:t>
+                      </a:r>
+                    </a:p>
+                  </a:txBody>
+                  <a:tcPr/>
+                </a:tc>
+                <a:tc>
+                  <a:txBody>
+                    <a:bodyPr/>
+                    <a:lstStyle/>
+                    <a:p>
+                      <a:r>
+                        <a:rPr lang="en-US" dirty="0" smtClean="0"/>
+                        <a:t>Template to be evaluated before processing requested file.</a:t>
+                      </a:r>
+                      <a:endParaRPr lang="en-US" dirty="0"/>
+                    </a:p>
+                  </a:txBody>
+                  <a:tcPr/>
+                </a:tc>
+                <a:tc>
+                  <a:txBody>
+                    <a:bodyPr/>
+                    <a:lstStyle/>
+                    <a:p>
+                      <a:r>
+                        <a:rPr lang="en-US" dirty="0" smtClean="0"/>
+                        <a:t>.auth</a:t>
+                      </a:r>
+                      <a:endParaRPr lang="en-US" dirty="0"/>
+                    </a:p>
+                  </a:txBody>
+                  <a:tcPr/>
+                </a:tc>
+              </a:tr>
+              <a:tr h="370840">
+                <a:tc>
+                  <a:txBody>
+                    <a:bodyPr/>
+                    <a:lstStyle/>
+                    <a:p>
+                      <a:r>
+                        <a:rPr lang="en-US" dirty="0" err="1" smtClean="0">
+                          <a:latin typeface="Courier New" pitchFamily="49" charset="0"/>
+                          <a:cs typeface="Courier New" pitchFamily="49" charset="0"/>
+                        </a:rPr>
+                        <a:t>nodir</a:t>
+                      </a:r>
+                      <a:endParaRPr lang="en-US" dirty="0" smtClean="0">
+                        <a:latin typeface="Courier New" pitchFamily="49" charset="0"/>
+                        <a:cs typeface="Courier New" pitchFamily="49" charset="0"/>
+                      </a:endParaRPr>
+                    </a:p>
+                  </a:txBody>
+                  <a:tcPr/>
+                </a:tc>
+                <a:tc>
+                  <a:txBody>
+                    <a:bodyPr/>
+                    <a:lstStyle/>
+                    <a:p>
+                      <a:pPr marL="0" marR="0" indent="0" algn="l" defTabSz="914400" rtl="0" eaLnBrk="1" fontAlgn="auto" latinLnBrk="0" hangingPunct="1">
+                        <a:lnSpc>
+                          <a:spcPct val="100000"/>
+                        </a:lnSpc>
+                        <a:spcBef>
+                          <a:spcPts val="0"/>
+                        </a:spcBef>
+                        <a:spcAft>
+                          <a:spcPts val="0"/>
+                        </a:spcAft>
+                        <a:buClrTx/>
+                        <a:buSzTx/>
+                        <a:buFontTx/>
+                        <a:buNone/>
+                        <a:tabLst/>
+                        <a:defRPr/>
+                      </a:pPr>
+                      <a:r>
+                        <a:rPr lang="en-US" dirty="0" smtClean="0"/>
+                        <a:t>Don't allow the browsing of</a:t>
+                      </a:r>
+                      <a:endParaRPr lang="en-US" dirty="0"/>
+                    </a:p>
+                  </a:txBody>
+                  <a:tcPr/>
+                </a:tc>
+                <a:tc>
+                  <a:txBody>
+                    <a:bodyPr/>
+                    <a:lstStyle/>
+                    <a:p>
+                      <a:pPr marL="0" marR="0" indent="0" algn="l" defTabSz="914400" rtl="0" eaLnBrk="1" fontAlgn="auto" latinLnBrk="0" hangingPunct="1">
+                        <a:lnSpc>
+                          <a:spcPct val="100000"/>
+                        </a:lnSpc>
+                        <a:spcBef>
+                          <a:spcPts val="0"/>
+                        </a:spcBef>
+                        <a:spcAft>
+                          <a:spcPts val="0"/>
+                        </a:spcAft>
+                        <a:buClrTx/>
+                        <a:buSzTx/>
+                        <a:buFontTx/>
+                        <a:buNone/>
+                        <a:tabLst/>
+                        <a:defRPr/>
+                      </a:pPr>
+                      <a:r>
+                        <a:rPr lang="en-US" dirty="0" smtClean="0"/>
+                        <a:t>0</a:t>
+                      </a:r>
+                      <a:endParaRPr lang="en-US" dirty="0"/>
+                    </a:p>
+                  </a:txBody>
+                  <a:tcPr/>
+                </a:tc>
+              </a:tr>
+              <a:tr h="370840">
+                <a:tc>
+                  <a:txBody>
+                    <a:bodyPr/>
+                    <a:lstStyle/>
+                    <a:p>
+                      <a:r>
+                        <a:rPr lang="en-US" dirty="0" err="1" smtClean="0">
+                          <a:latin typeface="Courier New" pitchFamily="49" charset="0"/>
+                          <a:cs typeface="Courier New" pitchFamily="49" charset="0"/>
+                        </a:rPr>
+                        <a:t>dateformat</a:t>
+                      </a:r>
+                      <a:endParaRPr lang="en-US" dirty="0" smtClean="0">
+                        <a:latin typeface="Courier New" pitchFamily="49" charset="0"/>
+                        <a:cs typeface="Courier New" pitchFamily="49" charset="0"/>
+                      </a:endParaRPr>
+                    </a:p>
+                  </a:txBody>
+                  <a:tcPr/>
+                </a:tc>
+                <a:tc>
+                  <a:txBody>
+                    <a:bodyPr/>
+                    <a:lstStyle/>
+                    <a:p>
+                      <a:pPr marL="0" marR="0" indent="0" algn="l" defTabSz="914400" rtl="0" eaLnBrk="1" fontAlgn="auto" latinLnBrk="0" hangingPunct="1">
+                        <a:lnSpc>
+                          <a:spcPct val="100000"/>
+                        </a:lnSpc>
+                        <a:spcBef>
+                          <a:spcPts val="0"/>
+                        </a:spcBef>
+                        <a:spcAft>
+                          <a:spcPts val="0"/>
+                        </a:spcAft>
+                        <a:buClrTx/>
+                        <a:buSzTx/>
+                        <a:buFontTx/>
+                        <a:buNone/>
+                        <a:tabLst/>
+                        <a:defRPr/>
+                      </a:pPr>
+                      <a:r>
+                        <a:rPr lang="en-US" dirty="0" smtClean="0"/>
+                        <a:t>A </a:t>
+                      </a:r>
+                      <a:r>
+                        <a:rPr lang="en-US" dirty="0" err="1" smtClean="0"/>
+                        <a:t>tcl</a:t>
+                      </a:r>
+                      <a:r>
+                        <a:rPr lang="en-US" dirty="0" smtClean="0"/>
+                        <a:t> clock format for displaying dates in directory listings.</a:t>
+                      </a:r>
+                    </a:p>
+                  </a:txBody>
+                  <a:tcPr/>
+                </a:tc>
+                <a:tc>
+                  <a:txBody>
+                    <a:bodyPr/>
+                    <a:lstStyle/>
+                    <a:p>
+                      <a:pPr marL="0" marR="0" indent="0" algn="l" defTabSz="914400" rtl="0" eaLnBrk="1" fontAlgn="auto" latinLnBrk="0" hangingPunct="1">
+                        <a:lnSpc>
+                          <a:spcPct val="100000"/>
+                        </a:lnSpc>
+                        <a:spcBef>
+                          <a:spcPts val="0"/>
+                        </a:spcBef>
+                        <a:spcAft>
+                          <a:spcPts val="0"/>
+                        </a:spcAft>
+                        <a:buClrTx/>
+                        <a:buSzTx/>
+                        <a:buFontTx/>
+                        <a:buNone/>
+                        <a:tabLst/>
+                        <a:defRPr/>
+                      </a:pPr>
+                      <a:r>
+                        <a:rPr lang="en-US" dirty="0" smtClean="0"/>
+                        <a:t>%Y %b %d %T</a:t>
+                      </a:r>
+                    </a:p>
+                  </a:txBody>
+                  <a:tcPr/>
+                </a:tc>
+              </a:tr>
+            </a:tbl>
+          </a:graphicData>
+        </a:graphic>
+      </p:graphicFrame>
+    </p:spTree>
+  </p:cSld>
+  <p:clrMapOvr>
+    <a:masterClrMapping/>
+  </p:clrMapOvr>
+</p:sld>
+</file>
+
+<file path=ppt/slides/slide22.xml><?xml version="1.0" encoding="utf-8"?>
+<p:sld xmlns:a="http://schemas.openxmlformats.org/drawingml/2006/main" xmlns:r="http://schemas.openxmlformats.org/officeDocument/2006/relationships" xmlns:p="http://schemas.openxmlformats.org/presentationml/2006/main">
+  <p:cSld>
+    <p:spTree>
+      <p:nvGrpSpPr>
+        <p:cNvPr id="1" name=""/>
+        <p:cNvGrpSpPr/>
+        <p:nvPr/>
+      </p:nvGrpSpPr>
+      <p:grpSpPr>
+        <a:xfrm>
+          <a:off x="0" y="0"/>
+          <a:ext cx="0" cy="0"/>
+          <a:chOff x="0" y="0"/>
+          <a:chExt cx="0" cy="0"/>
+        </a:xfrm>
+      </p:grpSpPr>
+      <p:sp>
+        <p:nvSpPr>
+          <p:cNvPr id="2" name="Title 1"/>
+          <p:cNvSpPr>
+            <a:spLocks noGrp="1"/>
+          </p:cNvSpPr>
+          <p:nvPr>
+            <p:ph type="title"/>
+          </p:nvPr>
+        </p:nvSpPr>
+        <p:spPr/>
+        <p:txBody>
+          <a:bodyPr/>
+          <a:lstStyle/>
+          <a:p>
+            <a:r>
+              <a:rPr lang="en-US" dirty="0" smtClean="0"/>
+              <a:t>Example 3: template file</a:t>
+            </a:r>
+            <a:endParaRPr lang="en-US" dirty="0"/>
+          </a:p>
+        </p:txBody>
+      </p:sp>
+      <p:sp>
+        <p:nvSpPr>
+          <p:cNvPr id="3" name="Content Placeholder 2"/>
+          <p:cNvSpPr>
+            <a:spLocks noGrp="1"/>
+          </p:cNvSpPr>
+          <p:nvPr>
+            <p:ph idx="1"/>
+          </p:nvPr>
+        </p:nvSpPr>
+        <p:spPr/>
+        <p:txBody>
+          <a:bodyPr/>
+          <a:lstStyle/>
+          <a:p>
+            <a:r>
+              <a:rPr lang="en-US" dirty="0" smtClean="0"/>
+              <a:t>Is evaluated using [</a:t>
+            </a:r>
+            <a:r>
+              <a:rPr lang="en-US" dirty="0" err="1" smtClean="0"/>
+              <a:t>subst</a:t>
+            </a:r>
+            <a:r>
+              <a:rPr lang="en-US" dirty="0" smtClean="0"/>
+              <a:t>]</a:t>
+            </a:r>
+          </a:p>
+          <a:p>
+            <a:r>
+              <a:rPr lang="en-US" dirty="0" smtClean="0"/>
+              <a:t>Result of evaluation is returned as content</a:t>
+            </a:r>
+          </a:p>
+          <a:p>
+            <a:r>
+              <a:rPr lang="en-US" dirty="0" smtClean="0"/>
+              <a:t>Alternatively set –content field of response </a:t>
+            </a:r>
+            <a:r>
+              <a:rPr lang="en-US" dirty="0" err="1" smtClean="0"/>
+              <a:t>dict</a:t>
+            </a:r>
+            <a:r>
+              <a:rPr lang="en-US" dirty="0" smtClean="0"/>
+              <a:t> available in variable response</a:t>
+            </a:r>
+          </a:p>
+          <a:p>
+            <a:r>
+              <a:rPr lang="en-US" dirty="0" smtClean="0"/>
+              <a:t>Use the response </a:t>
+            </a:r>
+            <a:r>
+              <a:rPr lang="en-US" dirty="0" err="1" smtClean="0"/>
+              <a:t>dict</a:t>
+            </a:r>
+            <a:r>
+              <a:rPr lang="en-US" dirty="0" smtClean="0"/>
+              <a:t> to access the request </a:t>
+            </a:r>
+            <a:r>
+              <a:rPr lang="en-US" dirty="0" err="1" smtClean="0"/>
+              <a:t>infomation</a:t>
+            </a:r>
+            <a:endParaRPr lang="en-US" dirty="0"/>
+          </a:p>
+        </p:txBody>
+      </p:sp>
+    </p:spTree>
+  </p:cSld>
+  <p:clrMapOvr>
+    <a:masterClrMapping/>
+  </p:clrMapOvr>
+</p:sld>
+</file>
+
+<file path=ppt/slides/slide23.xml><?xml version="1.0" encoding="utf-8"?>
+<p:sld xmlns:a="http://schemas.openxmlformats.org/drawingml/2006/main" xmlns:r="http://schemas.openxmlformats.org/officeDocument/2006/relationships" xmlns:p="http://schemas.openxmlformats.org/presentationml/2006/main">
+  <p:cSld>
+    <p:spTree>
+      <p:nvGrpSpPr>
+        <p:cNvPr id="1" name=""/>
+        <p:cNvGrpSpPr/>
+        <p:nvPr/>
+      </p:nvGrpSpPr>
+      <p:grpSpPr>
+        <a:xfrm>
+          <a:off x="0" y="0"/>
+          <a:ext cx="0" cy="0"/>
+          <a:chOff x="0" y="0"/>
+          <a:chExt cx="0" cy="0"/>
+        </a:xfrm>
+      </p:grpSpPr>
+      <p:sp>
+        <p:nvSpPr>
+          <p:cNvPr id="2" name="Title 1"/>
+          <p:cNvSpPr>
+            <a:spLocks noGrp="1"/>
+          </p:cNvSpPr>
+          <p:nvPr>
+            <p:ph type="title"/>
+          </p:nvPr>
+        </p:nvSpPr>
+        <p:spPr/>
+        <p:txBody>
+          <a:bodyPr>
+            <a:normAutofit fontScale="90000"/>
+          </a:bodyPr>
+          <a:lstStyle/>
+          <a:p>
+            <a:r>
+              <a:rPr lang="en-US" dirty="0" smtClean="0"/>
+              <a:t>Example 3: Pre/Post/Not found filter</a:t>
+            </a:r>
+            <a:endParaRPr lang="en-US" dirty="0"/>
+          </a:p>
+        </p:txBody>
+      </p:sp>
+      <p:sp>
+        <p:nvSpPr>
+          <p:cNvPr id="3" name="Content Placeholder 2"/>
+          <p:cNvSpPr>
+            <a:spLocks noGrp="1"/>
+          </p:cNvSpPr>
+          <p:nvPr>
+            <p:ph idx="1"/>
+          </p:nvPr>
+        </p:nvSpPr>
+        <p:spPr/>
+        <p:txBody>
+          <a:bodyPr/>
+          <a:lstStyle/>
+          <a:p>
+            <a:r>
+              <a:rPr lang="en-US" dirty="0" smtClean="0"/>
+              <a:t>Pre filter (.auth): return code != 200 or set response </a:t>
+            </a:r>
+            <a:r>
+              <a:rPr lang="en-US" dirty="0" err="1" smtClean="0"/>
+              <a:t>dict</a:t>
+            </a:r>
+            <a:r>
+              <a:rPr lang="en-US" dirty="0" smtClean="0"/>
+              <a:t> –code to value != 200 to deny access</a:t>
+            </a:r>
+          </a:p>
+          <a:p>
+            <a:r>
+              <a:rPr lang="en-US" dirty="0" smtClean="0"/>
+              <a:t>Post filter (.wrapper): transforms responses after they have been processed (e.g. set content type)</a:t>
+            </a:r>
+          </a:p>
+          <a:p>
+            <a:r>
+              <a:rPr lang="en-US" dirty="0" smtClean="0"/>
+              <a:t>Not found (.</a:t>
+            </a:r>
+            <a:r>
+              <a:rPr lang="en-US" dirty="0" err="1" smtClean="0"/>
+              <a:t>notfound</a:t>
+            </a:r>
+            <a:r>
+              <a:rPr lang="en-US" dirty="0" smtClean="0"/>
+              <a:t>): is rand when request can’t be resolved</a:t>
+            </a:r>
+          </a:p>
+          <a:p>
+            <a:endParaRPr lang="en-US" dirty="0"/>
+          </a:p>
+        </p:txBody>
+      </p:sp>
+    </p:spTree>
+  </p:cSld>
+  <p:clrMapOvr>
+    <a:masterClrMapping/>
+  </p:clrMapOvr>
+</p:sld>
+</file>
+
+<file path=ppt/slides/slide24.xml><?xml version="1.0" encoding="utf-8"?>
+<p:sld xmlns:a="http://schemas.openxmlformats.org/drawingml/2006/main" xmlns:r="http://schemas.openxmlformats.org/officeDocument/2006/relationships" xmlns:p="http://schemas.openxmlformats.org/presentationml/2006/main">
+  <p:cSld>
+    <p:spTree>
+      <p:nvGrpSpPr>
+        <p:cNvPr id="1" name=""/>
+        <p:cNvGrpSpPr/>
+        <p:nvPr/>
+      </p:nvGrpSpPr>
+      <p:grpSpPr>
+        <a:xfrm>
+          <a:off x="0" y="0"/>
+          <a:ext cx="0" cy="0"/>
+          <a:chOff x="0" y="0"/>
+          <a:chExt cx="0" cy="0"/>
+        </a:xfrm>
+      </p:grpSpPr>
+      <p:sp>
+        <p:nvSpPr>
+          <p:cNvPr id="2" name="Title 1"/>
+          <p:cNvSpPr>
+            <a:spLocks noGrp="1"/>
+          </p:cNvSpPr>
+          <p:nvPr>
+            <p:ph type="title"/>
+          </p:nvPr>
+        </p:nvSpPr>
+        <p:spPr/>
+        <p:txBody>
+          <a:bodyPr/>
+          <a:lstStyle/>
+          <a:p>
+            <a:r>
+              <a:rPr lang="en-US" dirty="0" smtClean="0"/>
+              <a:t>Example 4: Direct domain</a:t>
+            </a:r>
+            <a:endParaRPr lang="en-US" dirty="0"/>
+          </a:p>
+        </p:txBody>
+      </p:sp>
+      <p:sp>
+        <p:nvSpPr>
+          <p:cNvPr id="3" name="Content Placeholder 2"/>
+          <p:cNvSpPr>
+            <a:spLocks noGrp="1"/>
+          </p:cNvSpPr>
+          <p:nvPr>
+            <p:ph idx="1"/>
+          </p:nvPr>
+        </p:nvSpPr>
+        <p:spPr/>
+        <p:txBody>
+          <a:bodyPr/>
+          <a:lstStyle/>
+          <a:p>
+            <a:endParaRPr lang="en-US"/>
+          </a:p>
+        </p:txBody>
+      </p:sp>
+    </p:spTree>
+  </p:cSld>
+  <p:clrMapOvr>
+    <a:masterClrMapping/>
+  </p:clrMapOvr>
+  <p:timing>
+    <p:tnLst>
+      <p:par>
+        <p:cTn id="1" dur="indefinite" restart="never" nodeType="tmRoot"/>
+      </p:par>
+    </p:tnLst>
+  </p:timing>
+</p:sld>
+</file>
+
+<file path=ppt/slides/slide25.xml><?xml version="1.0" encoding="utf-8"?>
+<p:sld xmlns:a="http://schemas.openxmlformats.org/drawingml/2006/main" xmlns:r="http://schemas.openxmlformats.org/officeDocument/2006/relationships" xmlns:p="http://schemas.openxmlformats.org/presentationml/2006/main">
+  <p:cSld>
+    <p:spTree>
+      <p:nvGrpSpPr>
+        <p:cNvPr id="1" name=""/>
+        <p:cNvGrpSpPr/>
+        <p:nvPr/>
+      </p:nvGrpSpPr>
+      <p:grpSpPr>
+        <a:xfrm>
+          <a:off x="0" y="0"/>
+          <a:ext cx="0" cy="0"/>
+          <a:chOff x="0" y="0"/>
+          <a:chExt cx="0" cy="0"/>
+        </a:xfrm>
+      </p:grpSpPr>
+      <p:sp>
+        <p:nvSpPr>
+          <p:cNvPr id="2" name="Title 1"/>
+          <p:cNvSpPr>
+            <a:spLocks noGrp="1"/>
+          </p:cNvSpPr>
+          <p:nvPr>
+            <p:ph type="title"/>
+          </p:nvPr>
+        </p:nvSpPr>
+        <p:spPr>
+          <a:xfrm>
+            <a:off x="304800" y="274638"/>
+            <a:ext cx="8534400" cy="1143000"/>
+          </a:xfrm>
+        </p:spPr>
+        <p:txBody>
+          <a:bodyPr>
+            <a:normAutofit fontScale="90000"/>
+          </a:bodyPr>
+          <a:lstStyle/>
+          <a:p>
+            <a:r>
+              <a:rPr lang="en-US" dirty="0" smtClean="0"/>
+              <a:t>Example 5: Http commands and caching</a:t>
+            </a:r>
+            <a:endParaRPr lang="en-US" dirty="0"/>
+          </a:p>
+        </p:txBody>
+      </p:sp>
+      <p:sp>
+        <p:nvSpPr>
+          <p:cNvPr id="3" name="Content Placeholder 2"/>
+          <p:cNvSpPr>
+            <a:spLocks noGrp="1"/>
+          </p:cNvSpPr>
+          <p:nvPr>
+            <p:ph idx="1"/>
+          </p:nvPr>
+        </p:nvSpPr>
+        <p:spPr/>
+        <p:txBody>
+          <a:bodyPr/>
+          <a:lstStyle/>
+          <a:p>
+            <a:endParaRPr lang="en-US"/>
+          </a:p>
+        </p:txBody>
+      </p:sp>
+    </p:spTree>
+  </p:cSld>
+  <p:clrMapOvr>
+    <a:masterClrMapping/>
+  </p:clrMapOvr>
+</p:sld>
+</file>
+
+<file path=ppt/slides/slide26.xml><?xml version="1.0" encoding="utf-8"?>
+<p:sld xmlns:a="http://schemas.openxmlformats.org/drawingml/2006/main" xmlns:r="http://schemas.openxmlformats.org/officeDocument/2006/relationships" xmlns:p="http://schemas.openxmlformats.org/presentationml/2006/main">
+  <p:cSld>
+    <p:spTree>
+      <p:nvGrpSpPr>
+        <p:cNvPr id="1" name=""/>
+        <p:cNvGrpSpPr/>
+        <p:nvPr/>
+      </p:nvGrpSpPr>
+      <p:grpSpPr>
+        <a:xfrm>
+          <a:off x="0" y="0"/>
+          <a:ext cx="0" cy="0"/>
+          <a:chOff x="0" y="0"/>
+          <a:chExt cx="0" cy="0"/>
+        </a:xfrm>
+      </p:grpSpPr>
+      <p:sp>
+        <p:nvSpPr>
+          <p:cNvPr id="2" name="Title 1"/>
+          <p:cNvSpPr>
+            <a:spLocks noGrp="1"/>
+          </p:cNvSpPr>
+          <p:nvPr>
+            <p:ph type="title"/>
+          </p:nvPr>
+        </p:nvSpPr>
+        <p:spPr/>
+        <p:txBody>
+          <a:bodyPr/>
+          <a:lstStyle/>
+          <a:p>
+            <a:r>
+              <a:rPr lang="en-US" dirty="0" smtClean="0"/>
+              <a:t>Example 6: Forms</a:t>
+            </a:r>
+            <a:endParaRPr lang="en-US" dirty="0"/>
+          </a:p>
+        </p:txBody>
+      </p:sp>
+      <p:sp>
+        <p:nvSpPr>
+          <p:cNvPr id="3" name="Content Placeholder 2"/>
+          <p:cNvSpPr>
+            <a:spLocks noGrp="1"/>
+          </p:cNvSpPr>
+          <p:nvPr>
+            <p:ph idx="1"/>
+          </p:nvPr>
+        </p:nvSpPr>
+        <p:spPr/>
+        <p:txBody>
+          <a:bodyPr/>
+          <a:lstStyle/>
+          <a:p>
+            <a:endParaRPr lang="en-US"/>
+          </a:p>
+        </p:txBody>
+      </p:sp>
+    </p:spTree>
+  </p:cSld>
+  <p:clrMapOvr>
+    <a:masterClrMapping/>
+  </p:clrMapOvr>
+</p:sld>
+</file>
+
+<file path=ppt/slides/slide27.xml><?xml version="1.0" encoding="utf-8"?>
+<p:sld xmlns:a="http://schemas.openxmlformats.org/drawingml/2006/main" xmlns:r="http://schemas.openxmlformats.org/officeDocument/2006/relationships" xmlns:p="http://schemas.openxmlformats.org/presentationml/2006/main">
+  <p:cSld>
+    <p:spTree>
+      <p:nvGrpSpPr>
+        <p:cNvPr id="1" name=""/>
+        <p:cNvGrpSpPr/>
+        <p:nvPr/>
+      </p:nvGrpSpPr>
+      <p:grpSpPr>
+        <a:xfrm>
+          <a:off x="0" y="0"/>
+          <a:ext cx="0" cy="0"/>
+          <a:chOff x="0" y="0"/>
+          <a:chExt cx="0" cy="0"/>
+        </a:xfrm>
+      </p:grpSpPr>
+      <p:sp>
+        <p:nvSpPr>
+          <p:cNvPr id="2" name="Title 1"/>
+          <p:cNvSpPr>
+            <a:spLocks noGrp="1"/>
+          </p:cNvSpPr>
+          <p:nvPr>
+            <p:ph type="title"/>
+          </p:nvPr>
+        </p:nvSpPr>
+        <p:spPr/>
+        <p:txBody>
+          <a:bodyPr/>
+          <a:lstStyle/>
+          <a:p>
+            <a:r>
+              <a:rPr lang="en-US" dirty="0" smtClean="0"/>
+              <a:t>Example 7: </a:t>
+            </a:r>
+            <a:r>
+              <a:rPr lang="en-US" dirty="0" err="1" smtClean="0"/>
+              <a:t>jQuery</a:t>
+            </a:r>
+            <a:endParaRPr lang="en-US" dirty="0"/>
+          </a:p>
+        </p:txBody>
+      </p:sp>
+      <p:sp>
+        <p:nvSpPr>
+          <p:cNvPr id="3" name="Content Placeholder 2"/>
+          <p:cNvSpPr>
+            <a:spLocks noGrp="1"/>
+          </p:cNvSpPr>
+          <p:nvPr>
+            <p:ph idx="1"/>
+          </p:nvPr>
+        </p:nvSpPr>
+        <p:spPr/>
+        <p:txBody>
+          <a:bodyPr/>
+          <a:lstStyle/>
+          <a:p>
+            <a:endParaRPr lang="en-US"/>
+          </a:p>
+        </p:txBody>
+      </p:sp>
+    </p:spTree>
+  </p:cSld>
+  <p:clrMapOvr>
+    <a:masterClrMapping/>
+  </p:clrMapOvr>
+</p:sld>
+</file>
+
+<file path=ppt/slides/slide28.xml><?xml version="1.0" encoding="utf-8"?>
+<p:sld xmlns:a="http://schemas.openxmlformats.org/drawingml/2006/main" xmlns:r="http://schemas.openxmlformats.org/officeDocument/2006/relationships" xmlns:p="http://schemas.openxmlformats.org/presentationml/2006/main">
+  <p:cSld>
+    <p:spTree>
+      <p:nvGrpSpPr>
+        <p:cNvPr id="1" name=""/>
+        <p:cNvGrpSpPr/>
+        <p:nvPr/>
+      </p:nvGrpSpPr>
+      <p:grpSpPr>
+        <a:xfrm>
+          <a:off x="0" y="0"/>
+          <a:ext cx="0" cy="0"/>
+          <a:chOff x="0" y="0"/>
+          <a:chExt cx="0" cy="0"/>
+        </a:xfrm>
+      </p:grpSpPr>
+      <p:sp>
+        <p:nvSpPr>
+          <p:cNvPr id="2" name="Title 1"/>
+          <p:cNvSpPr>
+            <a:spLocks noGrp="1"/>
+          </p:cNvSpPr>
+          <p:nvPr>
+            <p:ph type="title"/>
+          </p:nvPr>
+        </p:nvSpPr>
+        <p:spPr/>
+        <p:txBody>
+          <a:bodyPr/>
+          <a:lstStyle/>
+          <a:p>
+            <a:r>
+              <a:rPr lang="en-US" dirty="0" smtClean="0"/>
+              <a:t>Example 8: </a:t>
+            </a:r>
+            <a:r>
+              <a:rPr lang="en-US" dirty="0" err="1" smtClean="0"/>
+              <a:t>ini</a:t>
+            </a:r>
+            <a:r>
+              <a:rPr lang="en-US" dirty="0" smtClean="0"/>
+              <a:t> parameters</a:t>
+            </a:r>
+            <a:endParaRPr lang="en-US" dirty="0"/>
+          </a:p>
+        </p:txBody>
+      </p:sp>
+      <p:sp>
+        <p:nvSpPr>
+          <p:cNvPr id="3" name="Content Placeholder 2"/>
+          <p:cNvSpPr>
+            <a:spLocks noGrp="1"/>
+          </p:cNvSpPr>
+          <p:nvPr>
+            <p:ph idx="1"/>
+          </p:nvPr>
+        </p:nvSpPr>
+        <p:spPr/>
+        <p:txBody>
+          <a:bodyPr/>
+          <a:lstStyle/>
+          <a:p>
+            <a:endParaRPr lang="en-US"/>
+          </a:p>
+        </p:txBody>
+      </p:sp>
+    </p:spTree>
+  </p:cSld>
+  <p:clrMapOvr>
+    <a:masterClrMapping/>
+  </p:clrMapOvr>
+</p:sld>
+</file>
+
+<file path=ppt/slides/slide29.xml><?xml version="1.0" encoding="utf-8"?>
+<p:sld xmlns:a="http://schemas.openxmlformats.org/drawingml/2006/main" xmlns:r="http://schemas.openxmlformats.org/officeDocument/2006/relationships" xmlns:p="http://schemas.openxmlformats.org/presentationml/2006/main">
+  <p:cSld>
+    <p:spTree>
+      <p:nvGrpSpPr>
+        <p:cNvPr id="1" name=""/>
+        <p:cNvGrpSpPr/>
+        <p:nvPr/>
+      </p:nvGrpSpPr>
+      <p:grpSpPr>
+        <a:xfrm>
+          <a:off x="0" y="0"/>
+          <a:ext cx="0" cy="0"/>
+          <a:chOff x="0" y="0"/>
+          <a:chExt cx="0" cy="0"/>
+        </a:xfrm>
+      </p:grpSpPr>
+      <p:sp>
+        <p:nvSpPr>
+          <p:cNvPr id="2" name="Title 1"/>
+          <p:cNvSpPr>
+            <a:spLocks noGrp="1"/>
+          </p:cNvSpPr>
+          <p:nvPr>
+            <p:ph type="title"/>
+          </p:nvPr>
+        </p:nvSpPr>
+        <p:spPr/>
+        <p:txBody>
+          <a:bodyPr/>
+          <a:lstStyle/>
+          <a:p>
+            <a:r>
+              <a:rPr lang="en-US" dirty="0" smtClean="0"/>
+              <a:t>Example 9: Nub</a:t>
+            </a:r>
+            <a:endParaRPr lang="en-US" dirty="0"/>
+          </a:p>
+        </p:txBody>
+      </p:sp>
+      <p:sp>
+        <p:nvSpPr>
+          <p:cNvPr id="3" name="Content Placeholder 2"/>
+          <p:cNvSpPr>
+            <a:spLocks noGrp="1"/>
+          </p:cNvSpPr>
+          <p:nvPr>
+            <p:ph idx="1"/>
+          </p:nvPr>
+        </p:nvSpPr>
+        <p:spPr/>
+        <p:txBody>
+          <a:bodyPr/>
+          <a:lstStyle/>
+          <a:p>
+            <a:endParaRPr lang="en-US"/>
+          </a:p>
+        </p:txBody>
+      </p:sp>
+    </p:spTree>
+  </p:cSld>
+  <p:clrMapOvr>
+    <a:masterClrMapping/>
+  </p:clrMapOvr>
+</p:sld>
+</file>
+
 <file path=ppt/slides/slide3.xml><?xml version="1.0" encoding="utf-8"?>
 <p:sld xmlns:a="http://schemas.openxmlformats.org/drawingml/2006/main" xmlns:r="http://schemas.openxmlformats.org/officeDocument/2006/relationships" xmlns:p="http://schemas.openxmlformats.org/presentationml/2006/main">
   <p:cSld>
@@ -8225,6 +11374,322 @@
       </p:par>
     </p:tnLst>
   </p:timing>
+</p:sld>
+</file>
+
+<file path=ppt/slides/slide30.xml><?xml version="1.0" encoding="utf-8"?>
+<p:sld xmlns:a="http://schemas.openxmlformats.org/drawingml/2006/main" xmlns:r="http://schemas.openxmlformats.org/officeDocument/2006/relationships" xmlns:p="http://schemas.openxmlformats.org/presentationml/2006/main">
+  <p:cSld>
+    <p:spTree>
+      <p:nvGrpSpPr>
+        <p:cNvPr id="1" name=""/>
+        <p:cNvGrpSpPr/>
+        <p:nvPr/>
+      </p:nvGrpSpPr>
+      <p:grpSpPr>
+        <a:xfrm>
+          <a:off x="0" y="0"/>
+          <a:ext cx="0" cy="0"/>
+          <a:chOff x="0" y="0"/>
+          <a:chExt cx="0" cy="0"/>
+        </a:xfrm>
+      </p:grpSpPr>
+      <p:sp>
+        <p:nvSpPr>
+          <p:cNvPr id="2" name="Title 1"/>
+          <p:cNvSpPr>
+            <a:spLocks noGrp="1"/>
+          </p:cNvSpPr>
+          <p:nvPr>
+            <p:ph type="title"/>
+          </p:nvPr>
+        </p:nvSpPr>
+        <p:spPr/>
+        <p:txBody>
+          <a:bodyPr/>
+          <a:lstStyle/>
+          <a:p>
+            <a:r>
+              <a:rPr lang="en-US" dirty="0" smtClean="0"/>
+              <a:t>Example 10: Suspend/Resume</a:t>
+            </a:r>
+            <a:endParaRPr lang="en-US" dirty="0"/>
+          </a:p>
+        </p:txBody>
+      </p:sp>
+      <p:sp>
+        <p:nvSpPr>
+          <p:cNvPr id="3" name="Content Placeholder 2"/>
+          <p:cNvSpPr>
+            <a:spLocks noGrp="1"/>
+          </p:cNvSpPr>
+          <p:nvPr>
+            <p:ph idx="1"/>
+          </p:nvPr>
+        </p:nvSpPr>
+        <p:spPr/>
+        <p:txBody>
+          <a:bodyPr/>
+          <a:lstStyle/>
+          <a:p>
+            <a:endParaRPr lang="en-US"/>
+          </a:p>
+        </p:txBody>
+      </p:sp>
+    </p:spTree>
+  </p:cSld>
+  <p:clrMapOvr>
+    <a:masterClrMapping/>
+  </p:clrMapOvr>
+</p:sld>
+</file>
+
+<file path=ppt/slides/slide31.xml><?xml version="1.0" encoding="utf-8"?>
+<p:sld xmlns:a="http://schemas.openxmlformats.org/drawingml/2006/main" xmlns:r="http://schemas.openxmlformats.org/officeDocument/2006/relationships" xmlns:p="http://schemas.openxmlformats.org/presentationml/2006/main">
+  <p:cSld>
+    <p:spTree>
+      <p:nvGrpSpPr>
+        <p:cNvPr id="1" name=""/>
+        <p:cNvGrpSpPr/>
+        <p:nvPr/>
+      </p:nvGrpSpPr>
+      <p:grpSpPr>
+        <a:xfrm>
+          <a:off x="0" y="0"/>
+          <a:ext cx="0" cy="0"/>
+          <a:chOff x="0" y="0"/>
+          <a:chExt cx="0" cy="0"/>
+        </a:xfrm>
+      </p:grpSpPr>
+      <p:sp>
+        <p:nvSpPr>
+          <p:cNvPr id="2" name="Title 1"/>
+          <p:cNvSpPr>
+            <a:spLocks noGrp="1"/>
+          </p:cNvSpPr>
+          <p:nvPr>
+            <p:ph type="title"/>
+          </p:nvPr>
+        </p:nvSpPr>
+        <p:spPr/>
+        <p:txBody>
+          <a:bodyPr/>
+          <a:lstStyle/>
+          <a:p>
+            <a:r>
+              <a:rPr lang="en-US" dirty="0" smtClean="0"/>
+              <a:t>Example 11: Cookies</a:t>
+            </a:r>
+            <a:endParaRPr lang="en-US" dirty="0"/>
+          </a:p>
+        </p:txBody>
+      </p:sp>
+      <p:sp>
+        <p:nvSpPr>
+          <p:cNvPr id="3" name="Content Placeholder 2"/>
+          <p:cNvSpPr>
+            <a:spLocks noGrp="1"/>
+          </p:cNvSpPr>
+          <p:nvPr>
+            <p:ph idx="1"/>
+          </p:nvPr>
+        </p:nvSpPr>
+        <p:spPr/>
+        <p:txBody>
+          <a:bodyPr/>
+          <a:lstStyle/>
+          <a:p>
+            <a:endParaRPr lang="en-US"/>
+          </a:p>
+        </p:txBody>
+      </p:sp>
+    </p:spTree>
+  </p:cSld>
+  <p:clrMapOvr>
+    <a:masterClrMapping/>
+  </p:clrMapOvr>
+</p:sld>
+</file>
+
+<file path=ppt/slides/slide32.xml><?xml version="1.0" encoding="utf-8"?>
+<p:sld xmlns:a="http://schemas.openxmlformats.org/drawingml/2006/main" xmlns:r="http://schemas.openxmlformats.org/officeDocument/2006/relationships" xmlns:p="http://schemas.openxmlformats.org/presentationml/2006/main">
+  <p:cSld>
+    <p:spTree>
+      <p:nvGrpSpPr>
+        <p:cNvPr id="1" name=""/>
+        <p:cNvGrpSpPr/>
+        <p:nvPr/>
+      </p:nvGrpSpPr>
+      <p:grpSpPr>
+        <a:xfrm>
+          <a:off x="0" y="0"/>
+          <a:ext cx="0" cy="0"/>
+          <a:chOff x="0" y="0"/>
+          <a:chExt cx="0" cy="0"/>
+        </a:xfrm>
+      </p:grpSpPr>
+      <p:sp>
+        <p:nvSpPr>
+          <p:cNvPr id="2" name="Title 1"/>
+          <p:cNvSpPr>
+            <a:spLocks noGrp="1"/>
+          </p:cNvSpPr>
+          <p:nvPr>
+            <p:ph type="title"/>
+          </p:nvPr>
+        </p:nvSpPr>
+        <p:spPr/>
+        <p:txBody>
+          <a:bodyPr/>
+          <a:lstStyle/>
+          <a:p>
+            <a:r>
+              <a:rPr lang="en-US" dirty="0" smtClean="0"/>
+              <a:t>Example 12: Command port</a:t>
+            </a:r>
+            <a:endParaRPr lang="en-US" dirty="0"/>
+          </a:p>
+        </p:txBody>
+      </p:sp>
+      <p:sp>
+        <p:nvSpPr>
+          <p:cNvPr id="3" name="Content Placeholder 2"/>
+          <p:cNvSpPr>
+            <a:spLocks noGrp="1"/>
+          </p:cNvSpPr>
+          <p:nvPr>
+            <p:ph idx="1"/>
+          </p:nvPr>
+        </p:nvSpPr>
+        <p:spPr/>
+        <p:txBody>
+          <a:bodyPr/>
+          <a:lstStyle/>
+          <a:p>
+            <a:endParaRPr lang="en-US"/>
+          </a:p>
+        </p:txBody>
+      </p:sp>
+    </p:spTree>
+  </p:cSld>
+  <p:clrMapOvr>
+    <a:masterClrMapping/>
+  </p:clrMapOvr>
+</p:sld>
+</file>
+
+<file path=ppt/slides/slide33.xml><?xml version="1.0" encoding="utf-8"?>
+<p:sld xmlns:a="http://schemas.openxmlformats.org/drawingml/2006/main" xmlns:r="http://schemas.openxmlformats.org/officeDocument/2006/relationships" xmlns:p="http://schemas.openxmlformats.org/presentationml/2006/main">
+  <p:cSld>
+    <p:spTree>
+      <p:nvGrpSpPr>
+        <p:cNvPr id="1" name=""/>
+        <p:cNvGrpSpPr/>
+        <p:nvPr/>
+      </p:nvGrpSpPr>
+      <p:grpSpPr>
+        <a:xfrm>
+          <a:off x="0" y="0"/>
+          <a:ext cx="0" cy="0"/>
+          <a:chOff x="0" y="0"/>
+          <a:chExt cx="0" cy="0"/>
+        </a:xfrm>
+      </p:grpSpPr>
+      <p:sp>
+        <p:nvSpPr>
+          <p:cNvPr id="2" name="Title 1"/>
+          <p:cNvSpPr>
+            <a:spLocks noGrp="1"/>
+          </p:cNvSpPr>
+          <p:nvPr>
+            <p:ph type="title"/>
+          </p:nvPr>
+        </p:nvSpPr>
+        <p:spPr/>
+        <p:txBody>
+          <a:bodyPr/>
+          <a:lstStyle/>
+          <a:p>
+            <a:r>
+              <a:rPr lang="en-US" dirty="0" smtClean="0"/>
+              <a:t>Conclusion</a:t>
+            </a:r>
+            <a:endParaRPr lang="en-US" dirty="0"/>
+          </a:p>
+        </p:txBody>
+      </p:sp>
+      <p:sp>
+        <p:nvSpPr>
+          <p:cNvPr id="3" name="Content Placeholder 2"/>
+          <p:cNvSpPr>
+            <a:spLocks noGrp="1"/>
+          </p:cNvSpPr>
+          <p:nvPr>
+            <p:ph idx="1"/>
+          </p:nvPr>
+        </p:nvSpPr>
+        <p:spPr/>
+        <p:txBody>
+          <a:bodyPr/>
+          <a:lstStyle/>
+          <a:p>
+            <a:endParaRPr lang="en-US"/>
+          </a:p>
+        </p:txBody>
+      </p:sp>
+    </p:spTree>
+  </p:cSld>
+  <p:clrMapOvr>
+    <a:masterClrMapping/>
+  </p:clrMapOvr>
+</p:sld>
+</file>
+
+<file path=ppt/slides/slide34.xml><?xml version="1.0" encoding="utf-8"?>
+<p:sld xmlns:a="http://schemas.openxmlformats.org/drawingml/2006/main" xmlns:r="http://schemas.openxmlformats.org/officeDocument/2006/relationships" xmlns:p="http://schemas.openxmlformats.org/presentationml/2006/main">
+  <p:cSld>
+    <p:spTree>
+      <p:nvGrpSpPr>
+        <p:cNvPr id="1" name=""/>
+        <p:cNvGrpSpPr/>
+        <p:nvPr/>
+      </p:nvGrpSpPr>
+      <p:grpSpPr>
+        <a:xfrm>
+          <a:off x="0" y="0"/>
+          <a:ext cx="0" cy="0"/>
+          <a:chOff x="0" y="0"/>
+          <a:chExt cx="0" cy="0"/>
+        </a:xfrm>
+      </p:grpSpPr>
+      <p:sp>
+        <p:nvSpPr>
+          <p:cNvPr id="2" name="Title 1"/>
+          <p:cNvSpPr>
+            <a:spLocks noGrp="1"/>
+          </p:cNvSpPr>
+          <p:nvPr>
+            <p:ph type="title"/>
+          </p:nvPr>
+        </p:nvSpPr>
+        <p:spPr/>
+        <p:txBody>
+          <a:bodyPr/>
+          <a:lstStyle/>
+          <a:p>
+            <a:r>
+              <a:rPr lang="en-US" dirty="0" smtClean="0"/>
+              <a:t>Questions?</a:t>
+            </a:r>
+            <a:endParaRPr lang="en-US" dirty="0"/>
+          </a:p>
+        </p:txBody>
+      </p:sp>
+    </p:spTree>
+  </p:cSld>
+  <p:clrMapOvr>
+    <a:masterClrMapping/>
+  </p:clrMapOvr>
 </p:sld>
 </file>
 
@@ -8630,12 +12095,19 @@
               <a:rPr lang="en-US" dirty="0" smtClean="0">
                 <a:hlinkClick r:id="rId3"/>
               </a:rPr>
-              <a:t>http://wiki.tcl.tk/15781</a:t>
-            </a:r>
-            <a:r>
-              <a:rPr lang="en-US" dirty="0" smtClean="0"/>
+              <a:t>http</a:t>
+            </a:r>
+            <a:r>
+              <a:rPr lang="en-US" smtClean="0">
+                <a:hlinkClick r:id="rId3"/>
+              </a:rPr>
+              <a:t>://wiki.tcl.tk/Wub</a:t>
+            </a:r>
+            <a:r>
+              <a:rPr lang="en-US" smtClean="0"/>
               <a:t> </a:t>
             </a:r>
+            <a:endParaRPr lang="en-US" dirty="0" smtClean="0"/>
           </a:p>
           <a:p>
             <a:pPr>
@@ -8645,7 +12117,7 @@
           </a:p>
           <a:p>
             <a:r>
-              <a:rPr lang="en-US" smtClean="0"/>
+              <a:rPr lang="en-US" dirty="0" err="1" smtClean="0"/>
               <a:t>Wub</a:t>
             </a:r>
             <a:r>
@@ -8832,55 +12304,143 @@
           <a:lstStyle/>
           <a:p>
             <a:r>
+              <a:rPr lang="en-US" dirty="0" smtClean="0"/>
+              <a:t>Tutorials examples</a:t>
+            </a:r>
+            <a:endParaRPr lang="en-US" dirty="0"/>
+          </a:p>
+        </p:txBody>
+      </p:sp>
+      <p:sp>
+        <p:nvSpPr>
+          <p:cNvPr id="3" name="Content Placeholder 2"/>
+          <p:cNvSpPr>
+            <a:spLocks noGrp="1"/>
+          </p:cNvSpPr>
+          <p:nvPr>
+            <p:ph idx="1"/>
+          </p:nvPr>
+        </p:nvSpPr>
+        <p:spPr/>
+        <p:txBody>
+          <a:bodyPr>
+            <a:normAutofit fontScale="77500" lnSpcReduction="20000"/>
+          </a:bodyPr>
+          <a:lstStyle/>
+          <a:p>
+            <a:r>
+              <a:rPr lang="en-US" dirty="0" smtClean="0"/>
+              <a:t>Get examples at:</a:t>
+            </a:r>
+          </a:p>
+          <a:p>
+            <a:pPr>
+              <a:buNone/>
+            </a:pPr>
+            <a:r>
+              <a:rPr lang="en-US" dirty="0" smtClean="0">
+                <a:hlinkClick r:id="rId3"/>
+              </a:rPr>
+              <a:t>   http</a:t>
+            </a:r>
+            <a:r>
+              <a:rPr lang="en-US" dirty="0" smtClean="0">
+                <a:hlinkClick r:id="rId3"/>
+              </a:rPr>
+              <a:t>://code.google.com/p/wubwikit/source/browse/#svn/trunk/wubexamples</a:t>
+            </a:r>
+            <a:r>
+              <a:rPr lang="en-US" dirty="0" smtClean="0"/>
+              <a:t> </a:t>
+            </a:r>
+            <a:endParaRPr lang="en-US" dirty="0" smtClean="0"/>
+          </a:p>
+          <a:p>
+            <a:pPr>
+              <a:buNone/>
+            </a:pPr>
+            <a:endParaRPr lang="en-US" dirty="0" smtClean="0"/>
+          </a:p>
+          <a:p>
+            <a:r>
+              <a:rPr lang="en-US" dirty="0" smtClean="0"/>
+              <a:t>Run as:</a:t>
+            </a:r>
+          </a:p>
+          <a:p>
+            <a:endParaRPr lang="en-US" dirty="0" smtClean="0"/>
+          </a:p>
+          <a:p>
+            <a:pPr>
+              <a:buNone/>
+            </a:pPr>
+            <a:r>
+              <a:rPr lang="en-US" dirty="0" smtClean="0"/>
+              <a:t>    </a:t>
+            </a:r>
+            <a:r>
               <a:rPr lang="en-US" dirty="0" err="1" smtClean="0"/>
-              <a:t>Wub’s</a:t>
-            </a:r>
-            <a:r>
-              <a:rPr lang="en-US" dirty="0" smtClean="0"/>
-              <a:t> architecture</a:t>
-            </a:r>
-            <a:endParaRPr lang="en-US" dirty="0"/>
-          </a:p>
-        </p:txBody>
-      </p:sp>
-      <p:pic>
-        <p:nvPicPr>
-          <p:cNvPr id="16386" name="Picture 2" descr="http://wiki.tcl.tk/_repo/images/arch.png"/>
-          <p:cNvPicPr>
-            <a:picLocks noChangeAspect="1" noChangeArrowheads="1"/>
-          </p:cNvPicPr>
-          <p:nvPr/>
-        </p:nvPicPr>
-        <p:blipFill>
-          <a:blip r:embed="rId3"/>
-          <a:srcRect/>
-          <a:stretch>
-            <a:fillRect/>
-          </a:stretch>
-        </p:blipFill>
-        <p:spPr bwMode="auto">
-          <a:xfrm>
-            <a:off x="1562100" y="1295401"/>
-            <a:ext cx="6019800" cy="4985630"/>
-          </a:xfrm>
-          <a:prstGeom prst="rect">
-            <a:avLst/>
-          </a:prstGeom>
-          <a:noFill/>
-        </p:spPr>
-      </p:pic>
+              <a:t>tclsh</a:t>
+            </a:r>
+            <a:r>
+              <a:rPr lang="en-US" dirty="0" smtClean="0"/>
+              <a:t> ex.tcl</a:t>
+            </a:r>
+          </a:p>
+          <a:p>
+            <a:pPr>
+              <a:buNone/>
+            </a:pPr>
+            <a:endParaRPr lang="en-US" dirty="0" smtClean="0"/>
+          </a:p>
+          <a:p>
+            <a:r>
+              <a:rPr lang="en-US" dirty="0" smtClean="0"/>
+              <a:t>Point browser to:</a:t>
+            </a:r>
+          </a:p>
+          <a:p>
+            <a:pPr>
+              <a:buNone/>
+            </a:pPr>
+            <a:r>
+              <a:rPr lang="en-US" dirty="0" smtClean="0"/>
+              <a:t>    </a:t>
+            </a:r>
+          </a:p>
+          <a:p>
+            <a:pPr>
+              <a:buNone/>
+            </a:pPr>
+            <a:r>
+              <a:rPr lang="en-US" dirty="0" smtClean="0"/>
+              <a:t> </a:t>
+            </a:r>
+            <a:r>
+              <a:rPr lang="en-US" dirty="0" smtClean="0"/>
+              <a:t>   </a:t>
+            </a:r>
+            <a:r>
+              <a:rPr lang="en-US" dirty="0" smtClean="0">
+                <a:hlinkClick r:id="rId4"/>
+              </a:rPr>
+              <a:t>http://localhost:8080</a:t>
+            </a:r>
+            <a:endParaRPr lang="en-US" dirty="0" smtClean="0"/>
+          </a:p>
+          <a:p>
+            <a:pPr>
+              <a:buNone/>
+            </a:pPr>
+            <a:endParaRPr lang="en-US" dirty="0" smtClean="0"/>
+          </a:p>
+        </p:txBody>
+      </p:sp>
     </p:spTree>
   </p:cSld>
   <p:clrMapOvr>
     <a:masterClrMapping/>
   </p:clrMapOvr>
-  <p:timing>
-    <p:tnLst>
-      <p:par>
-        <p:cTn id="1" dur="indefinite" restart="never" nodeType="tmRoot"/>
-      </p:par>
-    </p:tnLst>
-  </p:timing>
 </p:sld>
 </file>
 
@@ -8922,157 +12482,38 @@
             </a:r>
             <a:r>
               <a:rPr lang="en-US" dirty="0" smtClean="0"/>
-              <a:t> dataflow</a:t>
+              <a:t> architecture</a:t>
             </a:r>
             <a:endParaRPr lang="en-US" dirty="0"/>
           </a:p>
         </p:txBody>
       </p:sp>
-      <p:sp>
-        <p:nvSpPr>
-          <p:cNvPr id="3" name="Content Placeholder 2"/>
-          <p:cNvSpPr>
-            <a:spLocks noGrp="1"/>
-          </p:cNvSpPr>
-          <p:nvPr>
-            <p:ph idx="1"/>
-          </p:nvPr>
-        </p:nvSpPr>
-        <p:spPr/>
-        <p:txBody>
-          <a:bodyPr>
-            <a:normAutofit lnSpcReduction="10000"/>
-          </a:bodyPr>
-          <a:lstStyle/>
-          <a:p>
-            <a:r>
-              <a:rPr lang="en-US" dirty="0" err="1" smtClean="0"/>
-              <a:t>Httpd</a:t>
-            </a:r>
-            <a:r>
-              <a:rPr lang="en-US" dirty="0" smtClean="0"/>
-              <a:t> module converts HTTP client request into </a:t>
-            </a:r>
-            <a:r>
-              <a:rPr lang="en-US" i="1" dirty="0" smtClean="0"/>
-              <a:t>request</a:t>
-            </a:r>
-            <a:r>
-              <a:rPr lang="en-US" dirty="0" smtClean="0"/>
-              <a:t> </a:t>
-            </a:r>
-            <a:r>
-              <a:rPr lang="en-US" dirty="0" err="1" smtClean="0"/>
-              <a:t>dicts</a:t>
-            </a:r>
-            <a:r>
-              <a:rPr lang="en-US" dirty="0" smtClean="0"/>
-              <a:t>.</a:t>
-            </a:r>
-          </a:p>
-          <a:p>
-            <a:r>
-              <a:rPr lang="en-US" dirty="0" smtClean="0"/>
-              <a:t>Caching and blocking based on </a:t>
-            </a:r>
-            <a:r>
-              <a:rPr lang="en-US" i="1" dirty="0" smtClean="0"/>
-              <a:t>request</a:t>
-            </a:r>
-            <a:r>
-              <a:rPr lang="en-US" dirty="0" smtClean="0"/>
-              <a:t> </a:t>
-            </a:r>
-            <a:r>
-              <a:rPr lang="en-US" dirty="0" err="1" smtClean="0"/>
-              <a:t>dict</a:t>
-            </a:r>
-            <a:endParaRPr lang="en-US" dirty="0" smtClean="0"/>
-          </a:p>
-          <a:p>
-            <a:r>
-              <a:rPr lang="en-US" i="1" dirty="0" smtClean="0"/>
-              <a:t>Request</a:t>
-            </a:r>
-            <a:r>
-              <a:rPr lang="en-US" dirty="0" smtClean="0"/>
-              <a:t> </a:t>
-            </a:r>
-            <a:r>
-              <a:rPr lang="en-US" dirty="0" err="1" smtClean="0"/>
-              <a:t>dicts</a:t>
-            </a:r>
-            <a:r>
-              <a:rPr lang="en-US" dirty="0" smtClean="0"/>
-              <a:t> are transformed into </a:t>
-            </a:r>
-            <a:r>
-              <a:rPr lang="en-US" i="1" dirty="0" smtClean="0"/>
-              <a:t>response</a:t>
-            </a:r>
-            <a:r>
-              <a:rPr lang="en-US" dirty="0" smtClean="0"/>
-              <a:t> </a:t>
-            </a:r>
-            <a:r>
-              <a:rPr lang="en-US" dirty="0" err="1" smtClean="0"/>
-              <a:t>dicts</a:t>
-            </a:r>
-            <a:r>
-              <a:rPr lang="en-US" dirty="0" smtClean="0"/>
-              <a:t>  by the web application using </a:t>
-            </a:r>
-            <a:r>
-              <a:rPr lang="en-US" dirty="0" err="1" smtClean="0"/>
-              <a:t>Wub</a:t>
-            </a:r>
-            <a:r>
-              <a:rPr lang="en-US" dirty="0" smtClean="0"/>
-              <a:t> utilities and domains.</a:t>
-            </a:r>
-          </a:p>
-          <a:p>
-            <a:r>
-              <a:rPr lang="en-US" i="1" dirty="0" smtClean="0"/>
-              <a:t>Response</a:t>
-            </a:r>
-            <a:r>
-              <a:rPr lang="en-US" dirty="0" smtClean="0"/>
-              <a:t> </a:t>
-            </a:r>
-            <a:r>
-              <a:rPr lang="en-US" dirty="0" err="1" smtClean="0"/>
-              <a:t>dicts</a:t>
-            </a:r>
-            <a:r>
-              <a:rPr lang="en-US" dirty="0" smtClean="0"/>
-              <a:t> are send back to the client by the </a:t>
-            </a:r>
-            <a:r>
-              <a:rPr lang="en-US" dirty="0" err="1" smtClean="0"/>
-              <a:t>Httpd</a:t>
-            </a:r>
-            <a:r>
-              <a:rPr lang="en-US" dirty="0" smtClean="0"/>
-              <a:t> module (protocol / non-protocol fields in </a:t>
-            </a:r>
-            <a:r>
-              <a:rPr lang="en-US" dirty="0" err="1" smtClean="0"/>
-              <a:t>dict</a:t>
-            </a:r>
-            <a:r>
-              <a:rPr lang="en-US" dirty="0" smtClean="0"/>
-              <a:t>)</a:t>
-            </a:r>
-          </a:p>
-          <a:p>
-            <a:pPr>
-              <a:buNone/>
-            </a:pPr>
-            <a:endParaRPr lang="en-US" dirty="0"/>
-          </a:p>
-        </p:txBody>
-      </p:sp>
+      <p:pic>
+        <p:nvPicPr>
+          <p:cNvPr id="16386" name="Picture 2" descr="http://wiki.tcl.tk/_repo/images/arch.png"/>
+          <p:cNvPicPr>
+            <a:picLocks noChangeAspect="1" noChangeArrowheads="1"/>
+          </p:cNvPicPr>
+          <p:nvPr/>
+        </p:nvPicPr>
+        <p:blipFill>
+          <a:blip r:embed="rId3" cstate="print"/>
+          <a:srcRect/>
+          <a:stretch>
+            <a:fillRect/>
+          </a:stretch>
+        </p:blipFill>
+        <p:spPr bwMode="auto">
+          <a:xfrm>
+            <a:off x="1562100" y="1295401"/>
+            <a:ext cx="6019800" cy="4985630"/>
+          </a:xfrm>
+          <a:prstGeom prst="rect">
+            <a:avLst/>
+          </a:prstGeom>
+          <a:noFill/>
+        </p:spPr>
+      </p:pic>
     </p:spTree>
   </p:cSld>
   <p:clrMapOvr>

--- a/trunk/wubexamples/Lets_Wub.pptx
+++ b/trunk/wubexamples/Lets_Wub.pptx
@@ -5,7 +5,7 @@
     <p:sldMasterId id="2147483708" r:id="rId1"/>
   </p:sldMasterIdLst>
   <p:notesMasterIdLst>
-    <p:notesMasterId r:id="rId36"/>
+    <p:notesMasterId r:id="rId46"/>
   </p:notesMasterIdLst>
   <p:sldIdLst>
     <p:sldId id="256" r:id="rId2"/>
@@ -32,16 +32,26 @@
     <p:sldId id="289" r:id="rId23"/>
     <p:sldId id="290" r:id="rId24"/>
     <p:sldId id="268" r:id="rId25"/>
-    <p:sldId id="276" r:id="rId26"/>
-    <p:sldId id="277" r:id="rId27"/>
-    <p:sldId id="278" r:id="rId28"/>
-    <p:sldId id="279" r:id="rId29"/>
-    <p:sldId id="280" r:id="rId30"/>
-    <p:sldId id="281" r:id="rId31"/>
-    <p:sldId id="282" r:id="rId32"/>
-    <p:sldId id="283" r:id="rId33"/>
-    <p:sldId id="284" r:id="rId34"/>
-    <p:sldId id="285" r:id="rId35"/>
+    <p:sldId id="291" r:id="rId26"/>
+    <p:sldId id="292" r:id="rId27"/>
+    <p:sldId id="293" r:id="rId28"/>
+    <p:sldId id="294" r:id="rId29"/>
+    <p:sldId id="295" r:id="rId30"/>
+    <p:sldId id="296" r:id="rId31"/>
+    <p:sldId id="298" r:id="rId32"/>
+    <p:sldId id="297" r:id="rId33"/>
+    <p:sldId id="299" r:id="rId34"/>
+    <p:sldId id="300" r:id="rId35"/>
+    <p:sldId id="276" r:id="rId36"/>
+    <p:sldId id="277" r:id="rId37"/>
+    <p:sldId id="278" r:id="rId38"/>
+    <p:sldId id="279" r:id="rId39"/>
+    <p:sldId id="280" r:id="rId40"/>
+    <p:sldId id="281" r:id="rId41"/>
+    <p:sldId id="282" r:id="rId42"/>
+    <p:sldId id="283" r:id="rId43"/>
+    <p:sldId id="284" r:id="rId44"/>
+    <p:sldId id="285" r:id="rId45"/>
   </p:sldIdLst>
   <p:sldSz cx="9144000" cy="6858000" type="screen4x3"/>
   <p:notesSz cx="6858000" cy="9144000"/>
@@ -226,7 +236,7 @@
             <a:fld id="{4DF4E2B3-4403-4393-BB8B-AE854F842FFB}" type="datetimeFigureOut">
               <a:rPr lang="en-US" smtClean="0"/>
               <a:pPr/>
-              <a:t>5/17/2009</a:t>
+              <a:t>5/19/2009</a:t>
             </a:fld>
             <a:endParaRPr lang="en-US"/>
           </a:p>
@@ -2788,6 +2798,416 @@
 </p:notes>
 </file>
 
+<file path=ppt/notesSlides/notesSlide35.xml><?xml version="1.0" encoding="utf-8"?>
+<p:notes xmlns:a="http://schemas.openxmlformats.org/drawingml/2006/main" xmlns:r="http://schemas.openxmlformats.org/officeDocument/2006/relationships" xmlns:p="http://schemas.openxmlformats.org/presentationml/2006/main">
+  <p:cSld>
+    <p:spTree>
+      <p:nvGrpSpPr>
+        <p:cNvPr id="1" name=""/>
+        <p:cNvGrpSpPr/>
+        <p:nvPr/>
+      </p:nvGrpSpPr>
+      <p:grpSpPr>
+        <a:xfrm>
+          <a:off x="0" y="0"/>
+          <a:ext cx="0" cy="0"/>
+          <a:chOff x="0" y="0"/>
+          <a:chExt cx="0" cy="0"/>
+        </a:xfrm>
+      </p:grpSpPr>
+      <p:sp>
+        <p:nvSpPr>
+          <p:cNvPr id="2" name="Slide Image Placeholder 1"/>
+          <p:cNvSpPr>
+            <a:spLocks noGrp="1" noRot="1" noChangeAspect="1"/>
+          </p:cNvSpPr>
+          <p:nvPr>
+            <p:ph type="sldImg"/>
+          </p:nvPr>
+        </p:nvSpPr>
+        <p:spPr/>
+      </p:sp>
+      <p:sp>
+        <p:nvSpPr>
+          <p:cNvPr id="3" name="Notes Placeholder 2"/>
+          <p:cNvSpPr>
+            <a:spLocks noGrp="1"/>
+          </p:cNvSpPr>
+          <p:nvPr>
+            <p:ph type="body" idx="1"/>
+          </p:nvPr>
+        </p:nvSpPr>
+        <p:spPr/>
+        <p:txBody>
+          <a:bodyPr>
+            <a:normAutofit/>
+          </a:bodyPr>
+          <a:lstStyle/>
+          <a:p>
+            <a:endParaRPr lang="en-US"/>
+          </a:p>
+        </p:txBody>
+      </p:sp>
+      <p:sp>
+        <p:nvSpPr>
+          <p:cNvPr id="4" name="Slide Number Placeholder 3"/>
+          <p:cNvSpPr>
+            <a:spLocks noGrp="1"/>
+          </p:cNvSpPr>
+          <p:nvPr>
+            <p:ph type="sldNum" sz="quarter" idx="10"/>
+          </p:nvPr>
+        </p:nvSpPr>
+        <p:spPr/>
+        <p:txBody>
+          <a:bodyPr/>
+          <a:lstStyle/>
+          <a:p>
+            <a:fld id="{4EE576B6-BA25-48A5-995A-4330F3F4AAF4}" type="slidenum">
+              <a:rPr lang="en-US" smtClean="0"/>
+              <a:pPr/>
+              <a:t>35</a:t>
+            </a:fld>
+            <a:endParaRPr lang="en-US"/>
+          </a:p>
+        </p:txBody>
+      </p:sp>
+    </p:spTree>
+  </p:cSld>
+  <p:clrMapOvr>
+    <a:masterClrMapping/>
+  </p:clrMapOvr>
+</p:notes>
+</file>
+
+<file path=ppt/notesSlides/notesSlide36.xml><?xml version="1.0" encoding="utf-8"?>
+<p:notes xmlns:a="http://schemas.openxmlformats.org/drawingml/2006/main" xmlns:r="http://schemas.openxmlformats.org/officeDocument/2006/relationships" xmlns:p="http://schemas.openxmlformats.org/presentationml/2006/main">
+  <p:cSld>
+    <p:spTree>
+      <p:nvGrpSpPr>
+        <p:cNvPr id="1" name=""/>
+        <p:cNvGrpSpPr/>
+        <p:nvPr/>
+      </p:nvGrpSpPr>
+      <p:grpSpPr>
+        <a:xfrm>
+          <a:off x="0" y="0"/>
+          <a:ext cx="0" cy="0"/>
+          <a:chOff x="0" y="0"/>
+          <a:chExt cx="0" cy="0"/>
+        </a:xfrm>
+      </p:grpSpPr>
+      <p:sp>
+        <p:nvSpPr>
+          <p:cNvPr id="2" name="Slide Image Placeholder 1"/>
+          <p:cNvSpPr>
+            <a:spLocks noGrp="1" noRot="1" noChangeAspect="1"/>
+          </p:cNvSpPr>
+          <p:nvPr>
+            <p:ph type="sldImg"/>
+          </p:nvPr>
+        </p:nvSpPr>
+        <p:spPr/>
+      </p:sp>
+      <p:sp>
+        <p:nvSpPr>
+          <p:cNvPr id="3" name="Notes Placeholder 2"/>
+          <p:cNvSpPr>
+            <a:spLocks noGrp="1"/>
+          </p:cNvSpPr>
+          <p:nvPr>
+            <p:ph type="body" idx="1"/>
+          </p:nvPr>
+        </p:nvSpPr>
+        <p:spPr/>
+        <p:txBody>
+          <a:bodyPr>
+            <a:normAutofit/>
+          </a:bodyPr>
+          <a:lstStyle/>
+          <a:p>
+            <a:endParaRPr lang="en-US"/>
+          </a:p>
+        </p:txBody>
+      </p:sp>
+      <p:sp>
+        <p:nvSpPr>
+          <p:cNvPr id="4" name="Slide Number Placeholder 3"/>
+          <p:cNvSpPr>
+            <a:spLocks noGrp="1"/>
+          </p:cNvSpPr>
+          <p:nvPr>
+            <p:ph type="sldNum" sz="quarter" idx="10"/>
+          </p:nvPr>
+        </p:nvSpPr>
+        <p:spPr/>
+        <p:txBody>
+          <a:bodyPr/>
+          <a:lstStyle/>
+          <a:p>
+            <a:fld id="{4EE576B6-BA25-48A5-995A-4330F3F4AAF4}" type="slidenum">
+              <a:rPr lang="en-US" smtClean="0"/>
+              <a:pPr/>
+              <a:t>36</a:t>
+            </a:fld>
+            <a:endParaRPr lang="en-US"/>
+          </a:p>
+        </p:txBody>
+      </p:sp>
+    </p:spTree>
+  </p:cSld>
+  <p:clrMapOvr>
+    <a:masterClrMapping/>
+  </p:clrMapOvr>
+</p:notes>
+</file>
+
+<file path=ppt/notesSlides/notesSlide37.xml><?xml version="1.0" encoding="utf-8"?>
+<p:notes xmlns:a="http://schemas.openxmlformats.org/drawingml/2006/main" xmlns:r="http://schemas.openxmlformats.org/officeDocument/2006/relationships" xmlns:p="http://schemas.openxmlformats.org/presentationml/2006/main">
+  <p:cSld>
+    <p:spTree>
+      <p:nvGrpSpPr>
+        <p:cNvPr id="1" name=""/>
+        <p:cNvGrpSpPr/>
+        <p:nvPr/>
+      </p:nvGrpSpPr>
+      <p:grpSpPr>
+        <a:xfrm>
+          <a:off x="0" y="0"/>
+          <a:ext cx="0" cy="0"/>
+          <a:chOff x="0" y="0"/>
+          <a:chExt cx="0" cy="0"/>
+        </a:xfrm>
+      </p:grpSpPr>
+      <p:sp>
+        <p:nvSpPr>
+          <p:cNvPr id="2" name="Slide Image Placeholder 1"/>
+          <p:cNvSpPr>
+            <a:spLocks noGrp="1" noRot="1" noChangeAspect="1"/>
+          </p:cNvSpPr>
+          <p:nvPr>
+            <p:ph type="sldImg"/>
+          </p:nvPr>
+        </p:nvSpPr>
+        <p:spPr/>
+      </p:sp>
+      <p:sp>
+        <p:nvSpPr>
+          <p:cNvPr id="3" name="Notes Placeholder 2"/>
+          <p:cNvSpPr>
+            <a:spLocks noGrp="1"/>
+          </p:cNvSpPr>
+          <p:nvPr>
+            <p:ph type="body" idx="1"/>
+          </p:nvPr>
+        </p:nvSpPr>
+        <p:spPr/>
+        <p:txBody>
+          <a:bodyPr>
+            <a:normAutofit/>
+          </a:bodyPr>
+          <a:lstStyle/>
+          <a:p>
+            <a:endParaRPr lang="en-US"/>
+          </a:p>
+        </p:txBody>
+      </p:sp>
+      <p:sp>
+        <p:nvSpPr>
+          <p:cNvPr id="4" name="Slide Number Placeholder 3"/>
+          <p:cNvSpPr>
+            <a:spLocks noGrp="1"/>
+          </p:cNvSpPr>
+          <p:nvPr>
+            <p:ph type="sldNum" sz="quarter" idx="10"/>
+          </p:nvPr>
+        </p:nvSpPr>
+        <p:spPr/>
+        <p:txBody>
+          <a:bodyPr/>
+          <a:lstStyle/>
+          <a:p>
+            <a:fld id="{4EE576B6-BA25-48A5-995A-4330F3F4AAF4}" type="slidenum">
+              <a:rPr lang="en-US" smtClean="0"/>
+              <a:pPr/>
+              <a:t>37</a:t>
+            </a:fld>
+            <a:endParaRPr lang="en-US"/>
+          </a:p>
+        </p:txBody>
+      </p:sp>
+    </p:spTree>
+  </p:cSld>
+  <p:clrMapOvr>
+    <a:masterClrMapping/>
+  </p:clrMapOvr>
+</p:notes>
+</file>
+
+<file path=ppt/notesSlides/notesSlide38.xml><?xml version="1.0" encoding="utf-8"?>
+<p:notes xmlns:a="http://schemas.openxmlformats.org/drawingml/2006/main" xmlns:r="http://schemas.openxmlformats.org/officeDocument/2006/relationships" xmlns:p="http://schemas.openxmlformats.org/presentationml/2006/main">
+  <p:cSld>
+    <p:spTree>
+      <p:nvGrpSpPr>
+        <p:cNvPr id="1" name=""/>
+        <p:cNvGrpSpPr/>
+        <p:nvPr/>
+      </p:nvGrpSpPr>
+      <p:grpSpPr>
+        <a:xfrm>
+          <a:off x="0" y="0"/>
+          <a:ext cx="0" cy="0"/>
+          <a:chOff x="0" y="0"/>
+          <a:chExt cx="0" cy="0"/>
+        </a:xfrm>
+      </p:grpSpPr>
+      <p:sp>
+        <p:nvSpPr>
+          <p:cNvPr id="2" name="Slide Image Placeholder 1"/>
+          <p:cNvSpPr>
+            <a:spLocks noGrp="1" noRot="1" noChangeAspect="1"/>
+          </p:cNvSpPr>
+          <p:nvPr>
+            <p:ph type="sldImg"/>
+          </p:nvPr>
+        </p:nvSpPr>
+        <p:spPr/>
+      </p:sp>
+      <p:sp>
+        <p:nvSpPr>
+          <p:cNvPr id="3" name="Notes Placeholder 2"/>
+          <p:cNvSpPr>
+            <a:spLocks noGrp="1"/>
+          </p:cNvSpPr>
+          <p:nvPr>
+            <p:ph type="body" idx="1"/>
+          </p:nvPr>
+        </p:nvSpPr>
+        <p:spPr/>
+        <p:txBody>
+          <a:bodyPr>
+            <a:normAutofit/>
+          </a:bodyPr>
+          <a:lstStyle/>
+          <a:p>
+            <a:endParaRPr lang="en-US"/>
+          </a:p>
+        </p:txBody>
+      </p:sp>
+      <p:sp>
+        <p:nvSpPr>
+          <p:cNvPr id="4" name="Slide Number Placeholder 3"/>
+          <p:cNvSpPr>
+            <a:spLocks noGrp="1"/>
+          </p:cNvSpPr>
+          <p:nvPr>
+            <p:ph type="sldNum" sz="quarter" idx="10"/>
+          </p:nvPr>
+        </p:nvSpPr>
+        <p:spPr/>
+        <p:txBody>
+          <a:bodyPr/>
+          <a:lstStyle/>
+          <a:p>
+            <a:fld id="{4EE576B6-BA25-48A5-995A-4330F3F4AAF4}" type="slidenum">
+              <a:rPr lang="en-US" smtClean="0"/>
+              <a:pPr/>
+              <a:t>38</a:t>
+            </a:fld>
+            <a:endParaRPr lang="en-US"/>
+          </a:p>
+        </p:txBody>
+      </p:sp>
+    </p:spTree>
+  </p:cSld>
+  <p:clrMapOvr>
+    <a:masterClrMapping/>
+  </p:clrMapOvr>
+</p:notes>
+</file>
+
+<file path=ppt/notesSlides/notesSlide39.xml><?xml version="1.0" encoding="utf-8"?>
+<p:notes xmlns:a="http://schemas.openxmlformats.org/drawingml/2006/main" xmlns:r="http://schemas.openxmlformats.org/officeDocument/2006/relationships" xmlns:p="http://schemas.openxmlformats.org/presentationml/2006/main">
+  <p:cSld>
+    <p:spTree>
+      <p:nvGrpSpPr>
+        <p:cNvPr id="1" name=""/>
+        <p:cNvGrpSpPr/>
+        <p:nvPr/>
+      </p:nvGrpSpPr>
+      <p:grpSpPr>
+        <a:xfrm>
+          <a:off x="0" y="0"/>
+          <a:ext cx="0" cy="0"/>
+          <a:chOff x="0" y="0"/>
+          <a:chExt cx="0" cy="0"/>
+        </a:xfrm>
+      </p:grpSpPr>
+      <p:sp>
+        <p:nvSpPr>
+          <p:cNvPr id="2" name="Slide Image Placeholder 1"/>
+          <p:cNvSpPr>
+            <a:spLocks noGrp="1" noRot="1" noChangeAspect="1"/>
+          </p:cNvSpPr>
+          <p:nvPr>
+            <p:ph type="sldImg"/>
+          </p:nvPr>
+        </p:nvSpPr>
+        <p:spPr/>
+      </p:sp>
+      <p:sp>
+        <p:nvSpPr>
+          <p:cNvPr id="3" name="Notes Placeholder 2"/>
+          <p:cNvSpPr>
+            <a:spLocks noGrp="1"/>
+          </p:cNvSpPr>
+          <p:nvPr>
+            <p:ph type="body" idx="1"/>
+          </p:nvPr>
+        </p:nvSpPr>
+        <p:spPr/>
+        <p:txBody>
+          <a:bodyPr>
+            <a:normAutofit/>
+          </a:bodyPr>
+          <a:lstStyle/>
+          <a:p>
+            <a:endParaRPr lang="en-US"/>
+          </a:p>
+        </p:txBody>
+      </p:sp>
+      <p:sp>
+        <p:nvSpPr>
+          <p:cNvPr id="4" name="Slide Number Placeholder 3"/>
+          <p:cNvSpPr>
+            <a:spLocks noGrp="1"/>
+          </p:cNvSpPr>
+          <p:nvPr>
+            <p:ph type="sldNum" sz="quarter" idx="10"/>
+          </p:nvPr>
+        </p:nvSpPr>
+        <p:spPr/>
+        <p:txBody>
+          <a:bodyPr/>
+          <a:lstStyle/>
+          <a:p>
+            <a:fld id="{4EE576B6-BA25-48A5-995A-4330F3F4AAF4}" type="slidenum">
+              <a:rPr lang="en-US" smtClean="0"/>
+              <a:pPr/>
+              <a:t>39</a:t>
+            </a:fld>
+            <a:endParaRPr lang="en-US"/>
+          </a:p>
+        </p:txBody>
+      </p:sp>
+    </p:spTree>
+  </p:cSld>
+  <p:clrMapOvr>
+    <a:masterClrMapping/>
+  </p:clrMapOvr>
+</p:notes>
+</file>
+
 <file path=ppt/notesSlides/notesSlide4.xml><?xml version="1.0" encoding="utf-8"?>
 <p:notes xmlns:a="http://schemas.openxmlformats.org/drawingml/2006/main" xmlns:r="http://schemas.openxmlformats.org/officeDocument/2006/relationships" xmlns:p="http://schemas.openxmlformats.org/presentationml/2006/main">
   <p:cSld>
@@ -2857,6 +3277,416 @@
               <a:rPr lang="en-US" smtClean="0"/>
               <a:pPr/>
               <a:t>4</a:t>
+            </a:fld>
+            <a:endParaRPr lang="en-US"/>
+          </a:p>
+        </p:txBody>
+      </p:sp>
+    </p:spTree>
+  </p:cSld>
+  <p:clrMapOvr>
+    <a:masterClrMapping/>
+  </p:clrMapOvr>
+</p:notes>
+</file>
+
+<file path=ppt/notesSlides/notesSlide40.xml><?xml version="1.0" encoding="utf-8"?>
+<p:notes xmlns:a="http://schemas.openxmlformats.org/drawingml/2006/main" xmlns:r="http://schemas.openxmlformats.org/officeDocument/2006/relationships" xmlns:p="http://schemas.openxmlformats.org/presentationml/2006/main">
+  <p:cSld>
+    <p:spTree>
+      <p:nvGrpSpPr>
+        <p:cNvPr id="1" name=""/>
+        <p:cNvGrpSpPr/>
+        <p:nvPr/>
+      </p:nvGrpSpPr>
+      <p:grpSpPr>
+        <a:xfrm>
+          <a:off x="0" y="0"/>
+          <a:ext cx="0" cy="0"/>
+          <a:chOff x="0" y="0"/>
+          <a:chExt cx="0" cy="0"/>
+        </a:xfrm>
+      </p:grpSpPr>
+      <p:sp>
+        <p:nvSpPr>
+          <p:cNvPr id="2" name="Slide Image Placeholder 1"/>
+          <p:cNvSpPr>
+            <a:spLocks noGrp="1" noRot="1" noChangeAspect="1"/>
+          </p:cNvSpPr>
+          <p:nvPr>
+            <p:ph type="sldImg"/>
+          </p:nvPr>
+        </p:nvSpPr>
+        <p:spPr/>
+      </p:sp>
+      <p:sp>
+        <p:nvSpPr>
+          <p:cNvPr id="3" name="Notes Placeholder 2"/>
+          <p:cNvSpPr>
+            <a:spLocks noGrp="1"/>
+          </p:cNvSpPr>
+          <p:nvPr>
+            <p:ph type="body" idx="1"/>
+          </p:nvPr>
+        </p:nvSpPr>
+        <p:spPr/>
+        <p:txBody>
+          <a:bodyPr>
+            <a:normAutofit/>
+          </a:bodyPr>
+          <a:lstStyle/>
+          <a:p>
+            <a:endParaRPr lang="en-US"/>
+          </a:p>
+        </p:txBody>
+      </p:sp>
+      <p:sp>
+        <p:nvSpPr>
+          <p:cNvPr id="4" name="Slide Number Placeholder 3"/>
+          <p:cNvSpPr>
+            <a:spLocks noGrp="1"/>
+          </p:cNvSpPr>
+          <p:nvPr>
+            <p:ph type="sldNum" sz="quarter" idx="10"/>
+          </p:nvPr>
+        </p:nvSpPr>
+        <p:spPr/>
+        <p:txBody>
+          <a:bodyPr/>
+          <a:lstStyle/>
+          <a:p>
+            <a:fld id="{4EE576B6-BA25-48A5-995A-4330F3F4AAF4}" type="slidenum">
+              <a:rPr lang="en-US" smtClean="0"/>
+              <a:pPr/>
+              <a:t>40</a:t>
+            </a:fld>
+            <a:endParaRPr lang="en-US"/>
+          </a:p>
+        </p:txBody>
+      </p:sp>
+    </p:spTree>
+  </p:cSld>
+  <p:clrMapOvr>
+    <a:masterClrMapping/>
+  </p:clrMapOvr>
+</p:notes>
+</file>
+
+<file path=ppt/notesSlides/notesSlide41.xml><?xml version="1.0" encoding="utf-8"?>
+<p:notes xmlns:a="http://schemas.openxmlformats.org/drawingml/2006/main" xmlns:r="http://schemas.openxmlformats.org/officeDocument/2006/relationships" xmlns:p="http://schemas.openxmlformats.org/presentationml/2006/main">
+  <p:cSld>
+    <p:spTree>
+      <p:nvGrpSpPr>
+        <p:cNvPr id="1" name=""/>
+        <p:cNvGrpSpPr/>
+        <p:nvPr/>
+      </p:nvGrpSpPr>
+      <p:grpSpPr>
+        <a:xfrm>
+          <a:off x="0" y="0"/>
+          <a:ext cx="0" cy="0"/>
+          <a:chOff x="0" y="0"/>
+          <a:chExt cx="0" cy="0"/>
+        </a:xfrm>
+      </p:grpSpPr>
+      <p:sp>
+        <p:nvSpPr>
+          <p:cNvPr id="2" name="Slide Image Placeholder 1"/>
+          <p:cNvSpPr>
+            <a:spLocks noGrp="1" noRot="1" noChangeAspect="1"/>
+          </p:cNvSpPr>
+          <p:nvPr>
+            <p:ph type="sldImg"/>
+          </p:nvPr>
+        </p:nvSpPr>
+        <p:spPr/>
+      </p:sp>
+      <p:sp>
+        <p:nvSpPr>
+          <p:cNvPr id="3" name="Notes Placeholder 2"/>
+          <p:cNvSpPr>
+            <a:spLocks noGrp="1"/>
+          </p:cNvSpPr>
+          <p:nvPr>
+            <p:ph type="body" idx="1"/>
+          </p:nvPr>
+        </p:nvSpPr>
+        <p:spPr/>
+        <p:txBody>
+          <a:bodyPr>
+            <a:normAutofit/>
+          </a:bodyPr>
+          <a:lstStyle/>
+          <a:p>
+            <a:endParaRPr lang="en-US"/>
+          </a:p>
+        </p:txBody>
+      </p:sp>
+      <p:sp>
+        <p:nvSpPr>
+          <p:cNvPr id="4" name="Slide Number Placeholder 3"/>
+          <p:cNvSpPr>
+            <a:spLocks noGrp="1"/>
+          </p:cNvSpPr>
+          <p:nvPr>
+            <p:ph type="sldNum" sz="quarter" idx="10"/>
+          </p:nvPr>
+        </p:nvSpPr>
+        <p:spPr/>
+        <p:txBody>
+          <a:bodyPr/>
+          <a:lstStyle/>
+          <a:p>
+            <a:fld id="{4EE576B6-BA25-48A5-995A-4330F3F4AAF4}" type="slidenum">
+              <a:rPr lang="en-US" smtClean="0"/>
+              <a:pPr/>
+              <a:t>41</a:t>
+            </a:fld>
+            <a:endParaRPr lang="en-US"/>
+          </a:p>
+        </p:txBody>
+      </p:sp>
+    </p:spTree>
+  </p:cSld>
+  <p:clrMapOvr>
+    <a:masterClrMapping/>
+  </p:clrMapOvr>
+</p:notes>
+</file>
+
+<file path=ppt/notesSlides/notesSlide42.xml><?xml version="1.0" encoding="utf-8"?>
+<p:notes xmlns:a="http://schemas.openxmlformats.org/drawingml/2006/main" xmlns:r="http://schemas.openxmlformats.org/officeDocument/2006/relationships" xmlns:p="http://schemas.openxmlformats.org/presentationml/2006/main">
+  <p:cSld>
+    <p:spTree>
+      <p:nvGrpSpPr>
+        <p:cNvPr id="1" name=""/>
+        <p:cNvGrpSpPr/>
+        <p:nvPr/>
+      </p:nvGrpSpPr>
+      <p:grpSpPr>
+        <a:xfrm>
+          <a:off x="0" y="0"/>
+          <a:ext cx="0" cy="0"/>
+          <a:chOff x="0" y="0"/>
+          <a:chExt cx="0" cy="0"/>
+        </a:xfrm>
+      </p:grpSpPr>
+      <p:sp>
+        <p:nvSpPr>
+          <p:cNvPr id="2" name="Slide Image Placeholder 1"/>
+          <p:cNvSpPr>
+            <a:spLocks noGrp="1" noRot="1" noChangeAspect="1"/>
+          </p:cNvSpPr>
+          <p:nvPr>
+            <p:ph type="sldImg"/>
+          </p:nvPr>
+        </p:nvSpPr>
+        <p:spPr/>
+      </p:sp>
+      <p:sp>
+        <p:nvSpPr>
+          <p:cNvPr id="3" name="Notes Placeholder 2"/>
+          <p:cNvSpPr>
+            <a:spLocks noGrp="1"/>
+          </p:cNvSpPr>
+          <p:nvPr>
+            <p:ph type="body" idx="1"/>
+          </p:nvPr>
+        </p:nvSpPr>
+        <p:spPr/>
+        <p:txBody>
+          <a:bodyPr>
+            <a:normAutofit/>
+          </a:bodyPr>
+          <a:lstStyle/>
+          <a:p>
+            <a:endParaRPr lang="en-US"/>
+          </a:p>
+        </p:txBody>
+      </p:sp>
+      <p:sp>
+        <p:nvSpPr>
+          <p:cNvPr id="4" name="Slide Number Placeholder 3"/>
+          <p:cNvSpPr>
+            <a:spLocks noGrp="1"/>
+          </p:cNvSpPr>
+          <p:nvPr>
+            <p:ph type="sldNum" sz="quarter" idx="10"/>
+          </p:nvPr>
+        </p:nvSpPr>
+        <p:spPr/>
+        <p:txBody>
+          <a:bodyPr/>
+          <a:lstStyle/>
+          <a:p>
+            <a:fld id="{4EE576B6-BA25-48A5-995A-4330F3F4AAF4}" type="slidenum">
+              <a:rPr lang="en-US" smtClean="0"/>
+              <a:pPr/>
+              <a:t>42</a:t>
+            </a:fld>
+            <a:endParaRPr lang="en-US"/>
+          </a:p>
+        </p:txBody>
+      </p:sp>
+    </p:spTree>
+  </p:cSld>
+  <p:clrMapOvr>
+    <a:masterClrMapping/>
+  </p:clrMapOvr>
+</p:notes>
+</file>
+
+<file path=ppt/notesSlides/notesSlide43.xml><?xml version="1.0" encoding="utf-8"?>
+<p:notes xmlns:a="http://schemas.openxmlformats.org/drawingml/2006/main" xmlns:r="http://schemas.openxmlformats.org/officeDocument/2006/relationships" xmlns:p="http://schemas.openxmlformats.org/presentationml/2006/main">
+  <p:cSld>
+    <p:spTree>
+      <p:nvGrpSpPr>
+        <p:cNvPr id="1" name=""/>
+        <p:cNvGrpSpPr/>
+        <p:nvPr/>
+      </p:nvGrpSpPr>
+      <p:grpSpPr>
+        <a:xfrm>
+          <a:off x="0" y="0"/>
+          <a:ext cx="0" cy="0"/>
+          <a:chOff x="0" y="0"/>
+          <a:chExt cx="0" cy="0"/>
+        </a:xfrm>
+      </p:grpSpPr>
+      <p:sp>
+        <p:nvSpPr>
+          <p:cNvPr id="2" name="Slide Image Placeholder 1"/>
+          <p:cNvSpPr>
+            <a:spLocks noGrp="1" noRot="1" noChangeAspect="1"/>
+          </p:cNvSpPr>
+          <p:nvPr>
+            <p:ph type="sldImg"/>
+          </p:nvPr>
+        </p:nvSpPr>
+        <p:spPr/>
+      </p:sp>
+      <p:sp>
+        <p:nvSpPr>
+          <p:cNvPr id="3" name="Notes Placeholder 2"/>
+          <p:cNvSpPr>
+            <a:spLocks noGrp="1"/>
+          </p:cNvSpPr>
+          <p:nvPr>
+            <p:ph type="body" idx="1"/>
+          </p:nvPr>
+        </p:nvSpPr>
+        <p:spPr/>
+        <p:txBody>
+          <a:bodyPr>
+            <a:normAutofit/>
+          </a:bodyPr>
+          <a:lstStyle/>
+          <a:p>
+            <a:endParaRPr lang="en-US"/>
+          </a:p>
+        </p:txBody>
+      </p:sp>
+      <p:sp>
+        <p:nvSpPr>
+          <p:cNvPr id="4" name="Slide Number Placeholder 3"/>
+          <p:cNvSpPr>
+            <a:spLocks noGrp="1"/>
+          </p:cNvSpPr>
+          <p:nvPr>
+            <p:ph type="sldNum" sz="quarter" idx="10"/>
+          </p:nvPr>
+        </p:nvSpPr>
+        <p:spPr/>
+        <p:txBody>
+          <a:bodyPr/>
+          <a:lstStyle/>
+          <a:p>
+            <a:fld id="{4EE576B6-BA25-48A5-995A-4330F3F4AAF4}" type="slidenum">
+              <a:rPr lang="en-US" smtClean="0"/>
+              <a:pPr/>
+              <a:t>43</a:t>
+            </a:fld>
+            <a:endParaRPr lang="en-US"/>
+          </a:p>
+        </p:txBody>
+      </p:sp>
+    </p:spTree>
+  </p:cSld>
+  <p:clrMapOvr>
+    <a:masterClrMapping/>
+  </p:clrMapOvr>
+</p:notes>
+</file>
+
+<file path=ppt/notesSlides/notesSlide44.xml><?xml version="1.0" encoding="utf-8"?>
+<p:notes xmlns:a="http://schemas.openxmlformats.org/drawingml/2006/main" xmlns:r="http://schemas.openxmlformats.org/officeDocument/2006/relationships" xmlns:p="http://schemas.openxmlformats.org/presentationml/2006/main">
+  <p:cSld>
+    <p:spTree>
+      <p:nvGrpSpPr>
+        <p:cNvPr id="1" name=""/>
+        <p:cNvGrpSpPr/>
+        <p:nvPr/>
+      </p:nvGrpSpPr>
+      <p:grpSpPr>
+        <a:xfrm>
+          <a:off x="0" y="0"/>
+          <a:ext cx="0" cy="0"/>
+          <a:chOff x="0" y="0"/>
+          <a:chExt cx="0" cy="0"/>
+        </a:xfrm>
+      </p:grpSpPr>
+      <p:sp>
+        <p:nvSpPr>
+          <p:cNvPr id="2" name="Slide Image Placeholder 1"/>
+          <p:cNvSpPr>
+            <a:spLocks noGrp="1" noRot="1" noChangeAspect="1"/>
+          </p:cNvSpPr>
+          <p:nvPr>
+            <p:ph type="sldImg"/>
+          </p:nvPr>
+        </p:nvSpPr>
+        <p:spPr/>
+      </p:sp>
+      <p:sp>
+        <p:nvSpPr>
+          <p:cNvPr id="3" name="Notes Placeholder 2"/>
+          <p:cNvSpPr>
+            <a:spLocks noGrp="1"/>
+          </p:cNvSpPr>
+          <p:nvPr>
+            <p:ph type="body" idx="1"/>
+          </p:nvPr>
+        </p:nvSpPr>
+        <p:spPr/>
+        <p:txBody>
+          <a:bodyPr>
+            <a:normAutofit/>
+          </a:bodyPr>
+          <a:lstStyle/>
+          <a:p>
+            <a:endParaRPr lang="en-US"/>
+          </a:p>
+        </p:txBody>
+      </p:sp>
+      <p:sp>
+        <p:nvSpPr>
+          <p:cNvPr id="4" name="Slide Number Placeholder 3"/>
+          <p:cNvSpPr>
+            <a:spLocks noGrp="1"/>
+          </p:cNvSpPr>
+          <p:nvPr>
+            <p:ph type="sldNum" sz="quarter" idx="10"/>
+          </p:nvPr>
+        </p:nvSpPr>
+        <p:spPr/>
+        <p:txBody>
+          <a:bodyPr/>
+          <a:lstStyle/>
+          <a:p>
+            <a:fld id="{4EE576B6-BA25-48A5-995A-4330F3F4AAF4}" type="slidenum">
+              <a:rPr lang="en-US" smtClean="0"/>
+              <a:pPr/>
+              <a:t>44</a:t>
             </a:fld>
             <a:endParaRPr lang="en-US"/>
           </a:p>
@@ -3462,7 +4292,7 @@
             <a:fld id="{AD6CF7D0-54BE-4AFB-B0FC-FA5E364208B7}" type="datetimeFigureOut">
               <a:rPr lang="en-US" smtClean="0"/>
               <a:pPr/>
-              <a:t>5/17/2009</a:t>
+              <a:t>5/19/2009</a:t>
             </a:fld>
             <a:endParaRPr lang="en-US" dirty="0"/>
           </a:p>
@@ -3629,7 +4459,7 @@
             <a:fld id="{AD6CF7D0-54BE-4AFB-B0FC-FA5E364208B7}" type="datetimeFigureOut">
               <a:rPr lang="en-US" smtClean="0"/>
               <a:pPr/>
-              <a:t>5/17/2009</a:t>
+              <a:t>5/19/2009</a:t>
             </a:fld>
             <a:endParaRPr lang="en-US"/>
           </a:p>
@@ -3806,7 +4636,7 @@
             <a:fld id="{AD6CF7D0-54BE-4AFB-B0FC-FA5E364208B7}" type="datetimeFigureOut">
               <a:rPr lang="en-US" smtClean="0"/>
               <a:pPr/>
-              <a:t>5/17/2009</a:t>
+              <a:t>5/19/2009</a:t>
             </a:fld>
             <a:endParaRPr lang="en-US"/>
           </a:p>
@@ -3973,7 +4803,7 @@
             <a:fld id="{AD6CF7D0-54BE-4AFB-B0FC-FA5E364208B7}" type="datetimeFigureOut">
               <a:rPr lang="en-US" smtClean="0"/>
               <a:pPr/>
-              <a:t>5/17/2009</a:t>
+              <a:t>5/19/2009</a:t>
             </a:fld>
             <a:endParaRPr lang="en-US"/>
           </a:p>
@@ -4216,7 +5046,7 @@
             <a:fld id="{AD6CF7D0-54BE-4AFB-B0FC-FA5E364208B7}" type="datetimeFigureOut">
               <a:rPr lang="en-US" smtClean="0"/>
               <a:pPr/>
-              <a:t>5/17/2009</a:t>
+              <a:t>5/19/2009</a:t>
             </a:fld>
             <a:endParaRPr lang="en-US"/>
           </a:p>
@@ -4501,7 +5331,7 @@
             <a:fld id="{AD6CF7D0-54BE-4AFB-B0FC-FA5E364208B7}" type="datetimeFigureOut">
               <a:rPr lang="en-US" smtClean="0"/>
               <a:pPr/>
-              <a:t>5/17/2009</a:t>
+              <a:t>5/19/2009</a:t>
             </a:fld>
             <a:endParaRPr lang="en-US"/>
           </a:p>
@@ -4920,7 +5750,7 @@
             <a:fld id="{AD6CF7D0-54BE-4AFB-B0FC-FA5E364208B7}" type="datetimeFigureOut">
               <a:rPr lang="en-US" smtClean="0"/>
               <a:pPr/>
-              <a:t>5/17/2009</a:t>
+              <a:t>5/19/2009</a:t>
             </a:fld>
             <a:endParaRPr lang="en-US"/>
           </a:p>
@@ -5035,7 +5865,7 @@
             <a:fld id="{AD6CF7D0-54BE-4AFB-B0FC-FA5E364208B7}" type="datetimeFigureOut">
               <a:rPr lang="en-US" smtClean="0"/>
               <a:pPr/>
-              <a:t>5/17/2009</a:t>
+              <a:t>5/19/2009</a:t>
             </a:fld>
             <a:endParaRPr lang="en-US"/>
           </a:p>
@@ -5127,7 +5957,7 @@
             <a:fld id="{AD6CF7D0-54BE-4AFB-B0FC-FA5E364208B7}" type="datetimeFigureOut">
               <a:rPr lang="en-US" smtClean="0"/>
               <a:pPr/>
-              <a:t>5/17/2009</a:t>
+              <a:t>5/19/2009</a:t>
             </a:fld>
             <a:endParaRPr lang="en-US"/>
           </a:p>
@@ -5401,7 +6231,7 @@
             <a:fld id="{AD6CF7D0-54BE-4AFB-B0FC-FA5E364208B7}" type="datetimeFigureOut">
               <a:rPr lang="en-US" smtClean="0"/>
               <a:pPr/>
-              <a:t>5/17/2009</a:t>
+              <a:t>5/19/2009</a:t>
             </a:fld>
             <a:endParaRPr lang="en-US"/>
           </a:p>
@@ -5651,7 +6481,7 @@
             <a:fld id="{AD6CF7D0-54BE-4AFB-B0FC-FA5E364208B7}" type="datetimeFigureOut">
               <a:rPr lang="en-US" smtClean="0"/>
               <a:pPr/>
-              <a:t>5/17/2009</a:t>
+              <a:t>5/19/2009</a:t>
             </a:fld>
             <a:endParaRPr lang="en-US"/>
           </a:p>
@@ -5861,7 +6691,7 @@
             <a:fld id="{AD6CF7D0-54BE-4AFB-B0FC-FA5E364208B7}" type="datetimeFigureOut">
               <a:rPr lang="en-US" smtClean="0"/>
               <a:pPr/>
-              <a:t>5/17/2009</a:t>
+              <a:t>5/19/2009</a:t>
             </a:fld>
             <a:endParaRPr lang="en-US"/>
           </a:p>
@@ -7681,11 +8511,7 @@
           <a:p>
             <a:r>
               <a:rPr lang="en-US" dirty="0" smtClean="0"/>
-              <a:t>Making </a:t>
-            </a:r>
-            <a:r>
-              <a:rPr lang="en-US" dirty="0" smtClean="0"/>
-              <a:t>File domains explicit in ex.nub:</a:t>
+              <a:t>Making File domains explicit in ex.nub:</a:t>
             </a:r>
           </a:p>
           <a:p>
@@ -8571,8 +9397,8 @@
           <p:nvPr/>
         </p:nvGraphicFramePr>
         <p:xfrm>
-          <a:off x="609600" y="1676400"/>
-          <a:ext cx="7924800" cy="4748349"/>
+          <a:off x="609600" y="1219200"/>
+          <a:ext cx="7924800" cy="5453743"/>
         </p:xfrm>
         <a:graphic>
           <a:graphicData uri="http://schemas.openxmlformats.org/drawingml/2006/table">
@@ -8581,8 +9407,9 @@
                 <a:tableStyleId>{5C22544A-7EE6-4342-B048-85BDC9FD1C3A}</a:tableStyleId>
               </a:tblPr>
               <a:tblGrid>
-                <a:gridCol w="2476500"/>
-                <a:gridCol w="5448300"/>
+                <a:gridCol w="1600200"/>
+                <a:gridCol w="4572000"/>
+                <a:gridCol w="1752600"/>
               </a:tblGrid>
               <a:tr h="424543">
                 <a:tc>
@@ -8611,6 +9438,20 @@
                       <a:r>
                         <a:rPr lang="en-US" dirty="0" smtClean="0"/>
                         <a:t>Description</a:t>
+                      </a:r>
+                      <a:endParaRPr lang="en-US" dirty="0"/>
+                    </a:p>
+                  </a:txBody>
+                  <a:tcPr/>
+                </a:tc>
+                <a:tc>
+                  <a:txBody>
+                    <a:bodyPr/>
+                    <a:lstStyle/>
+                    <a:p>
+                      <a:r>
+                        <a:rPr lang="en-US" dirty="0" smtClean="0"/>
+                        <a:t>Default value</a:t>
                       </a:r>
                       <a:endParaRPr lang="en-US" dirty="0"/>
                     </a:p>
@@ -8653,6 +9494,16 @@
                   </a:txBody>
                   <a:tcPr/>
                 </a:tc>
+                <a:tc>
+                  <a:txBody>
+                    <a:bodyPr/>
+                    <a:lstStyle/>
+                    <a:p>
+                      <a:endParaRPr lang="en-US" dirty="0"/>
+                    </a:p>
+                  </a:txBody>
+                  <a:tcPr/>
+                </a:tc>
               </a:tr>
               <a:tr h="522514">
                 <a:tc>
@@ -8704,6 +9555,26 @@
                           <a:cs typeface="Courier New" pitchFamily="49" charset="0"/>
                         </a:rPr>
                         <a:t> The contents of that file will be returned in stead of the directory listing.</a:t>
+                      </a:r>
+                      <a:endParaRPr lang="en-US" dirty="0">
+                        <a:latin typeface="Courier New" pitchFamily="49" charset="0"/>
+                        <a:cs typeface="Courier New" pitchFamily="49" charset="0"/>
+                      </a:endParaRPr>
+                    </a:p>
+                  </a:txBody>
+                  <a:tcPr/>
+                </a:tc>
+                <a:tc>
+                  <a:txBody>
+                    <a:bodyPr/>
+                    <a:lstStyle/>
+                    <a:p>
+                      <a:r>
+                        <a:rPr lang="en-US" dirty="0" smtClean="0">
+                          <a:latin typeface="Courier New" pitchFamily="49" charset="0"/>
+                          <a:cs typeface="Courier New" pitchFamily="49" charset="0"/>
+                        </a:rPr>
+                        <a:t>index.*</a:t>
                       </a:r>
                       <a:endParaRPr lang="en-US" dirty="0">
                         <a:latin typeface="Courier New" pitchFamily="49" charset="0"/>
@@ -8749,6 +9620,39 @@
                   </a:txBody>
                   <a:tcPr/>
                 </a:tc>
+                <a:tc>
+                  <a:txBody>
+                    <a:bodyPr/>
+                    <a:lstStyle/>
+                    <a:p>
+                      <a:pPr marL="0" marR="0" indent="0" algn="l" defTabSz="914400" rtl="0" eaLnBrk="1" fontAlgn="auto" latinLnBrk="0" hangingPunct="1">
+                        <a:lnSpc>
+                          <a:spcPct val="100000"/>
+                        </a:lnSpc>
+                        <a:spcBef>
+                          <a:spcPts val="0"/>
+                        </a:spcBef>
+                        <a:spcAft>
+                          <a:spcPts val="0"/>
+                        </a:spcAft>
+                        <a:buClrTx/>
+                        <a:buSzTx/>
+                        <a:buFontTx/>
+                        <a:buNone/>
+                        <a:tabLst/>
+                        <a:defRPr/>
+                      </a:pPr>
+                      <a:r>
+                        <a:rPr lang="en-US" dirty="0" smtClean="0">
+                          <a:latin typeface="Courier New" pitchFamily="49" charset="0"/>
+                          <a:cs typeface="Courier New" pitchFamily="49" charset="0"/>
+                        </a:rPr>
+                        <a:t>^([.].*)|(.*~)$</a:t>
+                      </a:r>
+                    </a:p>
+                  </a:txBody>
+                  <a:tcPr/>
+                </a:tc>
               </a:tr>
               <a:tr h="424543">
                 <a:tc>
@@ -8785,6 +9689,20 @@
                   </a:txBody>
                   <a:tcPr/>
                 </a:tc>
+                <a:tc>
+                  <a:txBody>
+                    <a:bodyPr/>
+                    <a:lstStyle/>
+                    <a:p>
+                      <a:r>
+                        <a:rPr lang="en-US" dirty="0" smtClean="0"/>
+                        <a:t>1</a:t>
+                      </a:r>
+                      <a:endParaRPr lang="en-US" dirty="0"/>
+                    </a:p>
+                  </a:txBody>
+                  <a:tcPr/>
+                </a:tc>
               </a:tr>
               <a:tr h="424543">
                 <a:tc>
@@ -8829,6 +9747,20 @@
                   </a:txBody>
                   <a:tcPr/>
                 </a:tc>
+                <a:tc>
+                  <a:txBody>
+                    <a:bodyPr/>
+                    <a:lstStyle/>
+                    <a:p>
+                      <a:r>
+                        <a:rPr lang="en-US" dirty="0" smtClean="0"/>
+                        <a:t>0</a:t>
+                      </a:r>
+                      <a:endParaRPr lang="en-US" dirty="0"/>
+                    </a:p>
+                  </a:txBody>
+                  <a:tcPr/>
+                </a:tc>
               </a:tr>
               <a:tr h="424543">
                 <a:tc>
@@ -8873,6 +9805,39 @@
                   </a:txBody>
                   <a:tcPr/>
                 </a:tc>
+                <a:tc>
+                  <a:txBody>
+                    <a:bodyPr/>
+                    <a:lstStyle/>
+                    <a:p>
+                      <a:pPr marL="0" marR="0" indent="0" algn="l" defTabSz="914400" rtl="0" eaLnBrk="1" fontAlgn="auto" latinLnBrk="0" hangingPunct="1">
+                        <a:lnSpc>
+                          <a:spcPct val="100000"/>
+                        </a:lnSpc>
+                        <a:spcBef>
+                          <a:spcPts val="0"/>
+                        </a:spcBef>
+                        <a:spcAft>
+                          <a:spcPts val="0"/>
+                        </a:spcAft>
+                        <a:buClrTx/>
+                        <a:buSzTx/>
+                        <a:buFontTx/>
+                        <a:buNone/>
+                        <a:tabLst/>
+                        <a:defRPr/>
+                      </a:pPr>
+                      <a:r>
+                        <a:rPr lang="en-US" dirty="0" smtClean="0">
+                          <a:latin typeface="Courier New" pitchFamily="49" charset="0"/>
+                          <a:cs typeface="Courier New" pitchFamily="49" charset="0"/>
+                        </a:rPr>
+                        <a:t>%Y %b %d %T</a:t>
+                      </a:r>
+                    </a:p>
+                  </a:txBody>
+                  <a:tcPr/>
+                </a:tc>
               </a:tr>
               <a:tr h="424543">
                 <a:tc>
@@ -8903,6 +9868,20 @@
                       <a:r>
                         <a:rPr lang="en-US" dirty="0" smtClean="0"/>
                         <a:t>Don't allow the browsing of directories (default: 0 - browsing allowed).</a:t>
+                      </a:r>
+                      <a:endParaRPr lang="en-US" dirty="0"/>
+                    </a:p>
+                  </a:txBody>
+                  <a:tcPr/>
+                </a:tc>
+                <a:tc>
+                  <a:txBody>
+                    <a:bodyPr/>
+                    <a:lstStyle/>
+                    <a:p>
+                      <a:r>
+                        <a:rPr lang="en-US" dirty="0" smtClean="0"/>
+                        <a:t>0</a:t>
                       </a:r>
                       <a:endParaRPr lang="en-US" dirty="0"/>
                     </a:p>
@@ -9274,11 +10253,7 @@
           <a:p>
             <a:r>
               <a:rPr lang="en-US" dirty="0" smtClean="0"/>
-              <a:t>P</a:t>
-            </a:r>
-            <a:r>
-              <a:rPr lang="en-US" dirty="0" smtClean="0"/>
-              <a:t>re/post filtering of request and responses</a:t>
+              <a:t>Pre/post filtering of request and responses</a:t>
             </a:r>
           </a:p>
           <a:p>
@@ -9308,56 +10283,28 @@
                 <a:latin typeface="Courier New" pitchFamily="49" charset="0"/>
                 <a:cs typeface="Courier New" pitchFamily="49" charset="0"/>
               </a:rPr>
-              <a:t> </a:t>
-            </a:r>
-            <a:r>
-              <a:rPr lang="en-US" sz="1700" dirty="0" smtClean="0">
-                <a:latin typeface="Courier New" pitchFamily="49" charset="0"/>
-                <a:cs typeface="Courier New" pitchFamily="49" charset="0"/>
-              </a:rPr>
-              <a:t>  </a:t>
+              <a:t>   </a:t>
             </a:r>
             <a:r>
               <a:rPr lang="en-US" sz="1600" dirty="0" smtClean="0">
                 <a:latin typeface="Courier New" pitchFamily="49" charset="0"/>
                 <a:cs typeface="Courier New" pitchFamily="49" charset="0"/>
               </a:rPr>
-              <a:t>domain </a:t>
+              <a:t>domain /mason/ {Mason </a:t>
+            </a:r>
+            <a:r>
+              <a:rPr lang="en-US" sz="1600" dirty="0" err="1" smtClean="0">
+                <a:latin typeface="Courier New" pitchFamily="49" charset="0"/>
+                <a:cs typeface="Courier New" pitchFamily="49" charset="0"/>
+              </a:rPr>
+              <a:t>mason</a:t>
             </a:r>
             <a:r>
               <a:rPr lang="en-US" sz="1600" dirty="0" smtClean="0">
                 <a:latin typeface="Courier New" pitchFamily="49" charset="0"/>
                 <a:cs typeface="Courier New" pitchFamily="49" charset="0"/>
               </a:rPr>
-              <a:t>/</a:t>
-            </a:r>
-            <a:r>
-              <a:rPr lang="en-US" sz="1600" dirty="0" smtClean="0">
-                <a:latin typeface="Courier New" pitchFamily="49" charset="0"/>
-                <a:cs typeface="Courier New" pitchFamily="49" charset="0"/>
-              </a:rPr>
-              <a:t>mason/ {Mason </a:t>
-            </a:r>
-            <a:r>
-              <a:rPr lang="en-US" sz="1600" dirty="0" err="1" smtClean="0">
-                <a:latin typeface="Courier New" pitchFamily="49" charset="0"/>
-                <a:cs typeface="Courier New" pitchFamily="49" charset="0"/>
-              </a:rPr>
-              <a:t>mason</a:t>
-            </a:r>
-            <a:r>
-              <a:rPr lang="en-US" sz="1600" dirty="0" smtClean="0">
-                <a:latin typeface="Courier New" pitchFamily="49" charset="0"/>
-                <a:cs typeface="Courier New" pitchFamily="49" charset="0"/>
-              </a:rPr>
-              <a:t>} root </a:t>
-            </a:r>
-            <a:r>
-              <a:rPr lang="en-US" sz="1600" dirty="0" smtClean="0">
-                <a:latin typeface="Courier New" pitchFamily="49" charset="0"/>
-                <a:cs typeface="Courier New" pitchFamily="49" charset="0"/>
-              </a:rPr>
-              <a:t>[file join . </a:t>
+              <a:t>} root [file join . </a:t>
             </a:r>
             <a:r>
               <a:rPr lang="en-US" sz="1600" dirty="0" err="1" smtClean="0">
@@ -9638,7 +10585,7 @@
         </p:nvGraphicFramePr>
         <p:xfrm>
           <a:off x="609600" y="1371600"/>
-          <a:ext cx="8229599" cy="4861560"/>
+          <a:ext cx="8229599" cy="5125720"/>
         </p:xfrm>
         <a:graphic>
           <a:graphicData uri="http://schemas.openxmlformats.org/drawingml/2006/table">
@@ -9648,8 +10595,8 @@
               </a:tblPr>
               <a:tblGrid>
                 <a:gridCol w="1752600"/>
-                <a:gridCol w="4267200"/>
-                <a:gridCol w="2209799"/>
+                <a:gridCol w="4648200"/>
+                <a:gridCol w="1828799"/>
               </a:tblGrid>
               <a:tr h="370840">
                 <a:tc>
@@ -9678,6 +10625,60 @@
                       <a:r>
                         <a:rPr lang="en-US" dirty="0" smtClean="0"/>
                         <a:t>Description</a:t>
+                      </a:r>
+                      <a:endParaRPr lang="en-US" dirty="0"/>
+                    </a:p>
+                  </a:txBody>
+                  <a:tcPr/>
+                </a:tc>
+                <a:tc>
+                  <a:txBody>
+                    <a:bodyPr/>
+                    <a:lstStyle/>
+                    <a:p>
+                      <a:r>
+                        <a:rPr lang="en-US" dirty="0" smtClean="0"/>
+                        <a:t>Default</a:t>
+                      </a:r>
+                      <a:r>
+                        <a:rPr lang="en-US" baseline="0" dirty="0" smtClean="0"/>
+                        <a:t> value</a:t>
+                      </a:r>
+                      <a:endParaRPr lang="en-US" dirty="0"/>
+                    </a:p>
+                  </a:txBody>
+                  <a:tcPr/>
+                </a:tc>
+              </a:tr>
+              <a:tr h="370840">
+                <a:tc>
+                  <a:txBody>
+                    <a:bodyPr/>
+                    <a:lstStyle/>
+                    <a:p>
+                      <a:r>
+                        <a:rPr lang="en-US" dirty="0" smtClean="0">
+                          <a:latin typeface="Courier New" pitchFamily="49" charset="0"/>
+                          <a:cs typeface="Courier New" pitchFamily="49" charset="0"/>
+                        </a:rPr>
+                        <a:t>root</a:t>
+                      </a:r>
+                      <a:endParaRPr lang="en-US" dirty="0">
+                        <a:latin typeface="Courier New" pitchFamily="49" charset="0"/>
+                        <a:cs typeface="Courier New" pitchFamily="49" charset="0"/>
+                      </a:endParaRPr>
+                    </a:p>
+                  </a:txBody>
+                  <a:tcPr/>
+                </a:tc>
+                <a:tc>
+                  <a:txBody>
+                    <a:bodyPr/>
+                    <a:lstStyle/>
+                    <a:p>
+                      <a:r>
+                        <a:rPr lang="en-US" dirty="0" smtClean="0"/>
+                        <a:t>File-system root for Mason domain.</a:t>
                       </a:r>
                       <a:endParaRPr lang="en-US" dirty="0"/>
                     </a:p>
@@ -9702,11 +10703,11 @@
                     <a:lstStyle/>
                     <a:p>
                       <a:r>
-                        <a:rPr lang="en-US" dirty="0" smtClean="0">
+                        <a:rPr lang="en-US" dirty="0" err="1" smtClean="0">
                           <a:latin typeface="Courier New" pitchFamily="49" charset="0"/>
                           <a:cs typeface="Courier New" pitchFamily="49" charset="0"/>
                         </a:rPr>
-                        <a:t>root</a:t>
+                        <a:t>ctype</a:t>
                       </a:r>
                       <a:endParaRPr lang="en-US" dirty="0">
                         <a:latin typeface="Courier New" pitchFamily="49" charset="0"/>
@@ -9723,7 +10724,11 @@
                     <a:p>
                       <a:r>
                         <a:rPr lang="en-US" dirty="0" smtClean="0"/>
-                        <a:t>File-system root for Mason domain.</a:t>
+                        <a:t>Default</a:t>
+                      </a:r>
+                      <a:r>
+                        <a:rPr lang="en-US" baseline="0" dirty="0" smtClean="0"/>
+                        <a:t> content type of returned values.</a:t>
                       </a:r>
                       <a:endParaRPr lang="en-US" dirty="0"/>
                     </a:p>
@@ -9735,7 +10740,17 @@
                     <a:bodyPr/>
                     <a:lstStyle/>
                     <a:p>
-                      <a:endParaRPr lang="en-US" dirty="0"/>
+                      <a:r>
+                        <a:rPr lang="en-US" dirty="0" smtClean="0">
+                          <a:latin typeface="Courier New" pitchFamily="49" charset="0"/>
+                          <a:cs typeface="Courier New" pitchFamily="49" charset="0"/>
+                        </a:rPr>
+                        <a:t>x-text/html-fragment</a:t>
+                      </a:r>
+                      <a:endParaRPr lang="en-US" dirty="0">
+                        <a:latin typeface="Courier New" pitchFamily="49" charset="0"/>
+                        <a:cs typeface="Courier New" pitchFamily="49" charset="0"/>
+                      </a:endParaRPr>
                     </a:p>
                   </a:txBody>
                   <a:tcPr/>
@@ -9748,11 +10763,11 @@
                     <a:lstStyle/>
                     <a:p>
                       <a:r>
-                        <a:rPr lang="en-US" dirty="0" err="1" smtClean="0">
+                        <a:rPr lang="en-US" dirty="0" smtClean="0">
                           <a:latin typeface="Courier New" pitchFamily="49" charset="0"/>
                           <a:cs typeface="Courier New" pitchFamily="49" charset="0"/>
                         </a:rPr>
-                        <a:t>ctype</a:t>
+                        <a:t>hide</a:t>
                       </a:r>
                       <a:endParaRPr lang="en-US" dirty="0">
                         <a:latin typeface="Courier New" pitchFamily="49" charset="0"/>
@@ -9769,11 +10784,15 @@
                     <a:p>
                       <a:r>
                         <a:rPr lang="en-US" dirty="0" smtClean="0"/>
-                        <a:t>Default</a:t>
-                      </a:r>
-                      <a:r>
-                        <a:rPr lang="en-US" baseline="0" dirty="0" smtClean="0"/>
-                        <a:t> content type of returned values.</a:t>
+                        <a:t>Regular </a:t>
+                      </a:r>
+                      <a:r>
+                        <a:rPr lang="en-US" dirty="0" err="1" smtClean="0"/>
+                        <a:t>expresion</a:t>
+                      </a:r>
+                      <a:r>
+                        <a:rPr lang="en-US" dirty="0" smtClean="0"/>
+                        <a:t> to detect files to hide.</a:t>
                       </a:r>
                       <a:endParaRPr lang="en-US" dirty="0"/>
                     </a:p>
@@ -9786,68 +10805,16 @@
                     <a:lstStyle/>
                     <a:p>
                       <a:r>
-                        <a:rPr lang="en-US" dirty="0" smtClean="0"/>
-                        <a:t>x-text/html-fragment</a:t>
-                      </a:r>
-                      <a:endParaRPr lang="en-US" dirty="0"/>
-                    </a:p>
-                  </a:txBody>
-                  <a:tcPr/>
-                </a:tc>
-              </a:tr>
-              <a:tr h="370840">
-                <a:tc>
-                  <a:txBody>
-                    <a:bodyPr/>
-                    <a:lstStyle/>
-                    <a:p>
-                      <a:r>
                         <a:rPr lang="en-US" dirty="0" smtClean="0">
                           <a:latin typeface="Courier New" pitchFamily="49" charset="0"/>
                           <a:cs typeface="Courier New" pitchFamily="49" charset="0"/>
                         </a:rPr>
-                        <a:t>hide</a:t>
+                        <a:t>^([.].*)|(.*~)$</a:t>
                       </a:r>
                       <a:endParaRPr lang="en-US" dirty="0">
                         <a:latin typeface="Courier New" pitchFamily="49" charset="0"/>
                         <a:cs typeface="Courier New" pitchFamily="49" charset="0"/>
                       </a:endParaRPr>
-                    </a:p>
-                  </a:txBody>
-                  <a:tcPr/>
-                </a:tc>
-                <a:tc>
-                  <a:txBody>
-                    <a:bodyPr/>
-                    <a:lstStyle/>
-                    <a:p>
-                      <a:r>
-                        <a:rPr lang="en-US" dirty="0" smtClean="0"/>
-                        <a:t>Regular </a:t>
-                      </a:r>
-                      <a:r>
-                        <a:rPr lang="en-US" dirty="0" err="1" smtClean="0"/>
-                        <a:t>expresion</a:t>
-                      </a:r>
-                      <a:r>
-                        <a:rPr lang="en-US" dirty="0" smtClean="0"/>
-                        <a:t> to detect files to hide.</a:t>
-                      </a:r>
-                      <a:endParaRPr lang="en-US" dirty="0"/>
-                    </a:p>
-                  </a:txBody>
-                  <a:tcPr/>
-                </a:tc>
-                <a:tc>
-                  <a:txBody>
-                    <a:bodyPr/>
-                    <a:lstStyle/>
-                    <a:p>
-                      <a:r>
-                        <a:rPr lang="en-US" dirty="0" smtClean="0"/>
-                        <a:t>^([.].*)|(.*~)$</a:t>
-                      </a:r>
-                      <a:endParaRPr lang="en-US" dirty="0"/>
                     </a:p>
                   </a:txBody>
                   <a:tcPr/>
@@ -10044,7 +11011,10 @@
                         <a:tabLst/>
                         <a:defRPr/>
                       </a:pPr>
-                      <a:endParaRPr lang="en-US" dirty="0" smtClean="0"/>
+                      <a:endParaRPr lang="en-US" dirty="0" smtClean="0">
+                        <a:latin typeface="Courier New" pitchFamily="49" charset="0"/>
+                        <a:cs typeface="Courier New" pitchFamily="49" charset="0"/>
+                      </a:endParaRPr>
                     </a:p>
                   </a:txBody>
                   <a:tcPr/>
@@ -10091,14 +11061,23 @@
                     <a:lstStyle/>
                     <a:p>
                       <a:r>
-                        <a:rPr lang="en-US" dirty="0" smtClean="0"/>
+                        <a:rPr lang="en-US" dirty="0" smtClean="0">
+                          <a:latin typeface="Courier New" pitchFamily="49" charset="0"/>
+                          <a:cs typeface="Courier New" pitchFamily="49" charset="0"/>
+                        </a:rPr>
                         <a:t>.</a:t>
                       </a:r>
                       <a:r>
-                        <a:rPr lang="en-US" dirty="0" err="1" smtClean="0"/>
+                        <a:rPr lang="en-US" dirty="0" err="1" smtClean="0">
+                          <a:latin typeface="Courier New" pitchFamily="49" charset="0"/>
+                          <a:cs typeface="Courier New" pitchFamily="49" charset="0"/>
+                        </a:rPr>
                         <a:t>tml</a:t>
                       </a:r>
-                      <a:endParaRPr lang="en-US" dirty="0"/>
+                      <a:endParaRPr lang="en-US" dirty="0">
+                        <a:latin typeface="Courier New" pitchFamily="49" charset="0"/>
+                        <a:cs typeface="Courier New" pitchFamily="49" charset="0"/>
+                      </a:endParaRPr>
                     </a:p>
                   </a:txBody>
                   <a:tcPr/>
@@ -10149,14 +11128,23 @@
                     <a:lstStyle/>
                     <a:p>
                       <a:r>
-                        <a:rPr lang="en-US" dirty="0" smtClean="0"/>
+                        <a:rPr lang="en-US" dirty="0" smtClean="0">
+                          <a:latin typeface="Courier New" pitchFamily="49" charset="0"/>
+                          <a:cs typeface="Courier New" pitchFamily="49" charset="0"/>
+                        </a:rPr>
                         <a:t>.</a:t>
                       </a:r>
                       <a:r>
-                        <a:rPr lang="en-US" dirty="0" err="1" smtClean="0"/>
+                        <a:rPr lang="en-US" dirty="0" err="1" smtClean="0">
+                          <a:latin typeface="Courier New" pitchFamily="49" charset="0"/>
+                          <a:cs typeface="Courier New" pitchFamily="49" charset="0"/>
+                        </a:rPr>
                         <a:t>notfound</a:t>
                       </a:r>
-                      <a:endParaRPr lang="en-US" dirty="0"/>
+                      <a:endParaRPr lang="en-US" dirty="0">
+                        <a:latin typeface="Courier New" pitchFamily="49" charset="0"/>
+                        <a:cs typeface="Courier New" pitchFamily="49" charset="0"/>
+                      </a:endParaRPr>
                     </a:p>
                   </a:txBody>
                   <a:tcPr/>
@@ -10330,10 +11318,16 @@
                     <a:lstStyle/>
                     <a:p>
                       <a:r>
-                        <a:rPr lang="en-US" dirty="0" smtClean="0"/>
+                        <a:rPr lang="en-US" dirty="0" smtClean="0">
+                          <a:latin typeface="Courier New" pitchFamily="49" charset="0"/>
+                          <a:cs typeface="Courier New" pitchFamily="49" charset="0"/>
+                        </a:rPr>
                         <a:t>.wrapper</a:t>
                       </a:r>
-                      <a:endParaRPr lang="en-US" dirty="0"/>
+                      <a:endParaRPr lang="en-US" dirty="0">
+                        <a:latin typeface="Courier New" pitchFamily="49" charset="0"/>
+                        <a:cs typeface="Courier New" pitchFamily="49" charset="0"/>
+                      </a:endParaRPr>
                     </a:p>
                   </a:txBody>
                   <a:tcPr/>
@@ -10376,10 +11370,16 @@
                     <a:lstStyle/>
                     <a:p>
                       <a:r>
-                        <a:rPr lang="en-US" dirty="0" smtClean="0"/>
+                        <a:rPr lang="en-US" dirty="0" smtClean="0">
+                          <a:latin typeface="Courier New" pitchFamily="49" charset="0"/>
+                          <a:cs typeface="Courier New" pitchFamily="49" charset="0"/>
+                        </a:rPr>
                         <a:t>.auth</a:t>
                       </a:r>
-                      <a:endParaRPr lang="en-US" dirty="0"/>
+                      <a:endParaRPr lang="en-US" dirty="0">
+                        <a:latin typeface="Courier New" pitchFamily="49" charset="0"/>
+                        <a:cs typeface="Courier New" pitchFamily="49" charset="0"/>
+                      </a:endParaRPr>
                     </a:p>
                   </a:txBody>
                   <a:tcPr/>
@@ -10460,10 +11460,16 @@
                         <a:defRPr/>
                       </a:pPr>
                       <a:r>
-                        <a:rPr lang="en-US" dirty="0" smtClean="0"/>
+                        <a:rPr lang="en-US" dirty="0" smtClean="0">
+                          <a:latin typeface="Courier New" pitchFamily="49" charset="0"/>
+                          <a:cs typeface="Courier New" pitchFamily="49" charset="0"/>
+                        </a:rPr>
                         <a:t>0</a:t>
                       </a:r>
-                      <a:endParaRPr lang="en-US" dirty="0"/>
+                      <a:endParaRPr lang="en-US" dirty="0">
+                        <a:latin typeface="Courier New" pitchFamily="49" charset="0"/>
+                        <a:cs typeface="Courier New" pitchFamily="49" charset="0"/>
+                      </a:endParaRPr>
                     </a:p>
                   </a:txBody>
                   <a:tcPr/>
@@ -10551,7 +11557,10 @@
                         <a:defRPr/>
                       </a:pPr>
                       <a:r>
-                        <a:rPr lang="en-US" dirty="0" smtClean="0"/>
+                        <a:rPr lang="en-US" dirty="0" smtClean="0">
+                          <a:latin typeface="Courier New" pitchFamily="49" charset="0"/>
+                          <a:cs typeface="Courier New" pitchFamily="49" charset="0"/>
+                        </a:rPr>
                         <a:t>%Y %b %d %T</a:t>
                       </a:r>
                     </a:p>
@@ -10623,7 +11632,9 @@
         </p:nvSpPr>
         <p:spPr/>
         <p:txBody>
-          <a:bodyPr/>
+          <a:bodyPr>
+            <a:normAutofit fontScale="92500" lnSpcReduction="20000"/>
+          </a:bodyPr>
           <a:lstStyle/>
           <a:p>
             <a:r>
@@ -10670,11 +11681,13 @@
             </a:r>
             <a:r>
               <a:rPr lang="en-US" dirty="0" smtClean="0"/>
-              <a:t> to access the request </a:t>
-            </a:r>
-            <a:r>
-              <a:rPr lang="en-US" dirty="0" err="1" smtClean="0"/>
-              <a:t>infomation</a:t>
+              <a:t> to access the request information (e.g. query information)</a:t>
+            </a:r>
+          </a:p>
+          <a:p>
+            <a:r>
+              <a:rPr lang="en-US" dirty="0" smtClean="0"/>
+              <a:t>Other files with same name but different extension are also matched to template file, which allows for one template file to provide multiple formats (e.g. test.html, test.txt and test.tml)</a:t>
             </a:r>
             <a:endParaRPr lang="en-US" dirty="0"/>
           </a:p>
@@ -10742,7 +11755,9 @@
         </p:nvSpPr>
         <p:spPr/>
         <p:txBody>
-          <a:bodyPr/>
+          <a:bodyPr>
+            <a:normAutofit fontScale="92500" lnSpcReduction="10000"/>
+          </a:bodyPr>
           <a:lstStyle/>
           <a:p>
             <a:r>
@@ -10776,6 +11791,12 @@
             <a:r>
               <a:rPr lang="en-US" dirty="0" smtClean="0"/>
               <a:t>): is rand when request can’t be resolved</a:t>
+            </a:r>
+          </a:p>
+          <a:p>
+            <a:r>
+              <a:rPr lang="en-US" dirty="0" smtClean="0"/>
+              <a:t>If no filter file found in requested directory, Mason goes up in file system hierarchy until it finds one.</a:t>
             </a:r>
           </a:p>
           <a:p>
@@ -10843,10 +11864,141 @@
         </p:nvSpPr>
         <p:spPr/>
         <p:txBody>
-          <a:bodyPr/>
-          <a:lstStyle/>
-          <a:p>
-            <a:endParaRPr lang="en-US"/>
+          <a:bodyPr>
+            <a:normAutofit/>
+          </a:bodyPr>
+          <a:lstStyle/>
+          <a:p>
+            <a:r>
+              <a:rPr lang="en-US" dirty="0" smtClean="0"/>
+              <a:t>Dispatch a URL request to:</a:t>
+            </a:r>
+          </a:p>
+          <a:p>
+            <a:pPr lvl="1"/>
+            <a:r>
+              <a:rPr lang="en-US" dirty="0" smtClean="0"/>
+              <a:t>Commands within a namespace</a:t>
+            </a:r>
+          </a:p>
+          <a:p>
+            <a:pPr>
+              <a:buNone/>
+            </a:pPr>
+            <a:r>
+              <a:rPr lang="en-US" dirty="0" smtClean="0"/>
+              <a:t>    or</a:t>
+            </a:r>
+          </a:p>
+          <a:p>
+            <a:pPr lvl="1"/>
+            <a:r>
+              <a:rPr lang="en-US" dirty="0" smtClean="0"/>
+              <a:t>Methods within an </a:t>
+            </a:r>
+            <a:r>
+              <a:rPr lang="en-US" dirty="0" err="1" smtClean="0"/>
+              <a:t>TclOO</a:t>
+            </a:r>
+            <a:r>
+              <a:rPr lang="en-US" dirty="0" smtClean="0"/>
+              <a:t> object</a:t>
+            </a:r>
+          </a:p>
+          <a:p>
+            <a:r>
+              <a:rPr lang="en-US" dirty="0" smtClean="0"/>
+              <a:t>Adding direct domain to nub:</a:t>
+            </a:r>
+          </a:p>
+          <a:p>
+            <a:pPr>
+              <a:buNone/>
+            </a:pPr>
+            <a:endParaRPr lang="en-US" sz="2000" dirty="0" smtClean="0">
+              <a:latin typeface="Courier New" pitchFamily="49" charset="0"/>
+              <a:cs typeface="Courier New" pitchFamily="49" charset="0"/>
+            </a:endParaRPr>
+          </a:p>
+          <a:p>
+            <a:pPr>
+              <a:buNone/>
+            </a:pPr>
+            <a:r>
+              <a:rPr lang="en-US" sz="2000" dirty="0" smtClean="0">
+                <a:latin typeface="Courier New" pitchFamily="49" charset="0"/>
+                <a:cs typeface="Courier New" pitchFamily="49" charset="0"/>
+              </a:rPr>
+              <a:t>  domain /</a:t>
+            </a:r>
+            <a:r>
+              <a:rPr lang="en-US" sz="2000" dirty="0" err="1" smtClean="0">
+                <a:latin typeface="Courier New" pitchFamily="49" charset="0"/>
+                <a:cs typeface="Courier New" pitchFamily="49" charset="0"/>
+              </a:rPr>
+              <a:t>directns</a:t>
+            </a:r>
+            <a:r>
+              <a:rPr lang="en-US" sz="2000" dirty="0" smtClean="0">
+                <a:latin typeface="Courier New" pitchFamily="49" charset="0"/>
+                <a:cs typeface="Courier New" pitchFamily="49" charset="0"/>
+              </a:rPr>
+              <a:t>/  Direct namespace </a:t>
+            </a:r>
+            <a:r>
+              <a:rPr lang="en-US" sz="2000" dirty="0" err="1" smtClean="0">
+                <a:latin typeface="Courier New" pitchFamily="49" charset="0"/>
+                <a:cs typeface="Courier New" pitchFamily="49" charset="0"/>
+              </a:rPr>
+              <a:t>MyDirectDomain</a:t>
+            </a:r>
+            <a:endParaRPr lang="en-US" sz="2000" dirty="0" smtClean="0">
+              <a:latin typeface="Courier New" pitchFamily="49" charset="0"/>
+              <a:cs typeface="Courier New" pitchFamily="49" charset="0"/>
+            </a:endParaRPr>
+          </a:p>
+          <a:p>
+            <a:pPr>
+              <a:buNone/>
+            </a:pPr>
+            <a:r>
+              <a:rPr lang="en-US" sz="2000" dirty="0" smtClean="0">
+                <a:latin typeface="Courier New" pitchFamily="49" charset="0"/>
+                <a:cs typeface="Courier New" pitchFamily="49" charset="0"/>
+              </a:rPr>
+              <a:t>  domain /</a:t>
+            </a:r>
+            <a:r>
+              <a:rPr lang="en-US" sz="2000" dirty="0" err="1" smtClean="0">
+                <a:latin typeface="Courier New" pitchFamily="49" charset="0"/>
+                <a:cs typeface="Courier New" pitchFamily="49" charset="0"/>
+              </a:rPr>
+              <a:t>directoo</a:t>
+            </a:r>
+            <a:r>
+              <a:rPr lang="en-US" sz="2000" dirty="0" smtClean="0">
+                <a:latin typeface="Courier New" pitchFamily="49" charset="0"/>
+                <a:cs typeface="Courier New" pitchFamily="49" charset="0"/>
+              </a:rPr>
+              <a:t>/  Direct object    $::</a:t>
+            </a:r>
+            <a:r>
+              <a:rPr lang="en-US" sz="2000" dirty="0" err="1" smtClean="0">
+                <a:latin typeface="Courier New" pitchFamily="49" charset="0"/>
+                <a:cs typeface="Courier New" pitchFamily="49" charset="0"/>
+              </a:rPr>
+              <a:t>oodomain</a:t>
+            </a:r>
+            <a:endParaRPr lang="en-US" sz="2000" dirty="0" smtClean="0">
+              <a:latin typeface="Courier New" pitchFamily="49" charset="0"/>
+              <a:cs typeface="Courier New" pitchFamily="49" charset="0"/>
+            </a:endParaRPr>
+          </a:p>
+          <a:p>
+            <a:pPr>
+              <a:buNone/>
+            </a:pPr>
+            <a:endParaRPr lang="en-US" dirty="0" smtClean="0"/>
           </a:p>
         </p:txBody>
       </p:sp>
@@ -10892,50 +12044,228 @@
             <p:ph type="title"/>
           </p:nvPr>
         </p:nvSpPr>
-        <p:spPr>
-          <a:xfrm>
-            <a:off x="304800" y="274638"/>
-            <a:ext cx="8534400" cy="1143000"/>
-          </a:xfrm>
-        </p:spPr>
-        <p:txBody>
-          <a:bodyPr>
-            <a:normAutofit fontScale="90000"/>
-          </a:bodyPr>
-          <a:lstStyle/>
-          <a:p>
-            <a:r>
-              <a:rPr lang="en-US" dirty="0" smtClean="0"/>
-              <a:t>Example 5: Http commands and caching</a:t>
+        <p:spPr/>
+        <p:txBody>
+          <a:bodyPr/>
+          <a:lstStyle/>
+          <a:p>
+            <a:r>
+              <a:rPr lang="en-US" dirty="0" smtClean="0"/>
+              <a:t>Example 4: Direct arguments</a:t>
             </a:r>
             <a:endParaRPr lang="en-US" dirty="0"/>
           </a:p>
         </p:txBody>
       </p:sp>
-      <p:sp>
-        <p:nvSpPr>
-          <p:cNvPr id="3" name="Content Placeholder 2"/>
-          <p:cNvSpPr>
-            <a:spLocks noGrp="1"/>
-          </p:cNvSpPr>
+      <p:graphicFrame>
+        <p:nvGraphicFramePr>
+          <p:cNvPr id="4" name="Content Placeholder 3"/>
+          <p:cNvGraphicFramePr>
+            <a:graphicFrameLocks noGrp="1"/>
+          </p:cNvGraphicFramePr>
           <p:nvPr>
             <p:ph idx="1"/>
           </p:nvPr>
-        </p:nvSpPr>
-        <p:spPr/>
-        <p:txBody>
-          <a:bodyPr/>
-          <a:lstStyle/>
-          <a:p>
-            <a:endParaRPr lang="en-US"/>
-          </a:p>
-        </p:txBody>
-      </p:sp>
+        </p:nvGraphicFramePr>
+        <p:xfrm>
+          <a:off x="457200" y="1600200"/>
+          <a:ext cx="8229600" cy="1381760"/>
+        </p:xfrm>
+        <a:graphic>
+          <a:graphicData uri="http://schemas.openxmlformats.org/drawingml/2006/table">
+            <a:tbl>
+              <a:tblPr firstRow="1" bandRow="1">
+                <a:tableStyleId>{5C22544A-7EE6-4342-B048-85BDC9FD1C3A}</a:tableStyleId>
+              </a:tblPr>
+              <a:tblGrid>
+                <a:gridCol w="1752600"/>
+                <a:gridCol w="4648200"/>
+                <a:gridCol w="1828800"/>
+              </a:tblGrid>
+              <a:tr h="370840">
+                <a:tc>
+                  <a:txBody>
+                    <a:bodyPr/>
+                    <a:lstStyle/>
+                    <a:p>
+                      <a:r>
+                        <a:rPr lang="en-US" dirty="0" smtClean="0"/>
+                        <a:t>Argument name</a:t>
+                      </a:r>
+                      <a:endParaRPr lang="en-US" dirty="0"/>
+                    </a:p>
+                  </a:txBody>
+                  <a:tcPr/>
+                </a:tc>
+                <a:tc>
+                  <a:txBody>
+                    <a:bodyPr/>
+                    <a:lstStyle/>
+                    <a:p>
+                      <a:r>
+                        <a:rPr lang="en-US" dirty="0" smtClean="0"/>
+                        <a:t>Description</a:t>
+                      </a:r>
+                      <a:endParaRPr lang="en-US" dirty="0"/>
+                    </a:p>
+                  </a:txBody>
+                  <a:tcPr/>
+                </a:tc>
+                <a:tc>
+                  <a:txBody>
+                    <a:bodyPr/>
+                    <a:lstStyle/>
+                    <a:p>
+                      <a:r>
+                        <a:rPr lang="en-US" dirty="0" smtClean="0"/>
+                        <a:t>Default value</a:t>
+                      </a:r>
+                      <a:endParaRPr lang="en-US" dirty="0"/>
+                    </a:p>
+                  </a:txBody>
+                  <a:tcPr/>
+                </a:tc>
+              </a:tr>
+              <a:tr h="370840">
+                <a:tc>
+                  <a:txBody>
+                    <a:bodyPr/>
+                    <a:lstStyle/>
+                    <a:p>
+                      <a:r>
+                        <a:rPr lang="en-US" dirty="0" err="1" smtClean="0">
+                          <a:latin typeface="Courier New" pitchFamily="49" charset="0"/>
+                          <a:cs typeface="Courier New" pitchFamily="49" charset="0"/>
+                        </a:rPr>
+                        <a:t>ctype</a:t>
+                      </a:r>
+                      <a:endParaRPr lang="en-US" dirty="0">
+                        <a:latin typeface="Courier New" pitchFamily="49" charset="0"/>
+                        <a:cs typeface="Courier New" pitchFamily="49" charset="0"/>
+                      </a:endParaRPr>
+                    </a:p>
+                  </a:txBody>
+                  <a:tcPr/>
+                </a:tc>
+                <a:tc>
+                  <a:txBody>
+                    <a:bodyPr/>
+                    <a:lstStyle/>
+                    <a:p>
+                      <a:r>
+                        <a:rPr lang="en-US" dirty="0" smtClean="0"/>
+                        <a:t>Default content type of returned values</a:t>
+                      </a:r>
+                      <a:endParaRPr lang="en-US" dirty="0"/>
+                    </a:p>
+                  </a:txBody>
+                  <a:tcPr/>
+                </a:tc>
+                <a:tc>
+                  <a:txBody>
+                    <a:bodyPr/>
+                    <a:lstStyle/>
+                    <a:p>
+                      <a:r>
+                        <a:rPr lang="en-US" dirty="0" smtClean="0">
+                          <a:latin typeface="Courier New" pitchFamily="49" charset="0"/>
+                          <a:cs typeface="Courier New" pitchFamily="49" charset="0"/>
+                        </a:rPr>
+                        <a:t>text/html</a:t>
+                      </a:r>
+                      <a:endParaRPr lang="en-US" dirty="0">
+                        <a:latin typeface="Courier New" pitchFamily="49" charset="0"/>
+                        <a:cs typeface="Courier New" pitchFamily="49" charset="0"/>
+                      </a:endParaRPr>
+                    </a:p>
+                  </a:txBody>
+                  <a:tcPr/>
+                </a:tc>
+              </a:tr>
+              <a:tr h="370840">
+                <a:tc>
+                  <a:txBody>
+                    <a:bodyPr/>
+                    <a:lstStyle/>
+                    <a:p>
+                      <a:r>
+                        <a:rPr lang="en-US" dirty="0" smtClean="0">
+                          <a:latin typeface="Courier New" pitchFamily="49" charset="0"/>
+                          <a:cs typeface="Courier New" pitchFamily="49" charset="0"/>
+                        </a:rPr>
+                        <a:t>wildcard</a:t>
+                      </a:r>
+                      <a:endParaRPr lang="en-US" dirty="0">
+                        <a:latin typeface="Courier New" pitchFamily="49" charset="0"/>
+                        <a:cs typeface="Courier New" pitchFamily="49" charset="0"/>
+                      </a:endParaRPr>
+                    </a:p>
+                  </a:txBody>
+                  <a:tcPr/>
+                </a:tc>
+                <a:tc>
+                  <a:txBody>
+                    <a:bodyPr/>
+                    <a:lstStyle/>
+                    <a:p>
+                      <a:r>
+                        <a:rPr lang="en-US" dirty="0" smtClean="0"/>
+                        <a:t>A proc/method to</a:t>
+                      </a:r>
+                      <a:r>
+                        <a:rPr lang="en-US" baseline="0" dirty="0" smtClean="0"/>
+                        <a:t> be used when the request URL  doesn’t match any of the </a:t>
+                      </a:r>
+                      <a:r>
+                        <a:rPr lang="en-US" baseline="0" dirty="0" err="1" smtClean="0"/>
+                        <a:t>proc’s</a:t>
+                      </a:r>
+                      <a:r>
+                        <a:rPr lang="en-US" baseline="0" dirty="0" smtClean="0"/>
+                        <a:t>/methods</a:t>
+                      </a:r>
+                      <a:endParaRPr lang="en-US" dirty="0"/>
+                    </a:p>
+                  </a:txBody>
+                  <a:tcPr/>
+                </a:tc>
+                <a:tc>
+                  <a:txBody>
+                    <a:bodyPr/>
+                    <a:lstStyle/>
+                    <a:p>
+                      <a:r>
+                        <a:rPr lang="en-US" dirty="0" smtClean="0">
+                          <a:latin typeface="Courier New" pitchFamily="49" charset="0"/>
+                          <a:cs typeface="Courier New" pitchFamily="49" charset="0"/>
+                        </a:rPr>
+                        <a:t>/default</a:t>
+                      </a:r>
+                      <a:endParaRPr lang="en-US" dirty="0">
+                        <a:latin typeface="Courier New" pitchFamily="49" charset="0"/>
+                        <a:cs typeface="Courier New" pitchFamily="49" charset="0"/>
+                      </a:endParaRPr>
+                    </a:p>
+                  </a:txBody>
+                  <a:tcPr/>
+                </a:tc>
+              </a:tr>
+            </a:tbl>
+          </a:graphicData>
+        </a:graphic>
+      </p:graphicFrame>
     </p:spTree>
   </p:cSld>
   <p:clrMapOvr>
     <a:masterClrMapping/>
   </p:clrMapOvr>
+  <p:timing>
+    <p:tnLst>
+      <p:par>
+        <p:cTn id="1" dur="indefinite" restart="never" nodeType="tmRoot"/>
+      </p:par>
+    </p:tnLst>
+  </p:timing>
 </p:sld>
 </file>
 
@@ -10973,7 +12303,7 @@
           <a:p>
             <a:r>
               <a:rPr lang="en-US" dirty="0" smtClean="0"/>
-              <a:t>Example 6: Forms</a:t>
+              <a:t>Example 4: basic Direct proc</a:t>
             </a:r>
             <a:endParaRPr lang="en-US" dirty="0"/>
           </a:p>
@@ -10991,10 +12321,277 @@
         </p:nvSpPr>
         <p:spPr/>
         <p:txBody>
-          <a:bodyPr/>
-          <a:lstStyle/>
-          <a:p>
-            <a:endParaRPr lang="en-US"/>
+          <a:bodyPr>
+            <a:normAutofit/>
+          </a:bodyPr>
+          <a:lstStyle/>
+          <a:p>
+            <a:pPr>
+              <a:buNone/>
+            </a:pPr>
+            <a:r>
+              <a:rPr lang="en-US" sz="1800" dirty="0" smtClean="0">
+                <a:latin typeface="Courier New" pitchFamily="49" charset="0"/>
+                <a:cs typeface="Courier New" pitchFamily="49" charset="0"/>
+              </a:rPr>
+              <a:t>namespace </a:t>
+            </a:r>
+            <a:r>
+              <a:rPr lang="en-US" sz="1800" dirty="0" err="1" smtClean="0">
+                <a:latin typeface="Courier New" pitchFamily="49" charset="0"/>
+                <a:cs typeface="Courier New" pitchFamily="49" charset="0"/>
+              </a:rPr>
+              <a:t>eval</a:t>
+            </a:r>
+            <a:r>
+              <a:rPr lang="en-US" sz="1800" dirty="0" smtClean="0">
+                <a:latin typeface="Courier New" pitchFamily="49" charset="0"/>
+                <a:cs typeface="Courier New" pitchFamily="49" charset="0"/>
+              </a:rPr>
+              <a:t> </a:t>
+            </a:r>
+            <a:r>
+              <a:rPr lang="en-US" sz="1800" dirty="0" err="1" smtClean="0">
+                <a:latin typeface="Courier New" pitchFamily="49" charset="0"/>
+                <a:cs typeface="Courier New" pitchFamily="49" charset="0"/>
+              </a:rPr>
+              <a:t>MyDirectDomain</a:t>
+            </a:r>
+            <a:r>
+              <a:rPr lang="en-US" sz="1800" dirty="0" smtClean="0">
+                <a:latin typeface="Courier New" pitchFamily="49" charset="0"/>
+                <a:cs typeface="Courier New" pitchFamily="49" charset="0"/>
+              </a:rPr>
+              <a:t> {</a:t>
+            </a:r>
+          </a:p>
+          <a:p>
+            <a:pPr>
+              <a:buNone/>
+            </a:pPr>
+            <a:r>
+              <a:rPr lang="en-US" sz="1800" dirty="0" smtClean="0">
+                <a:latin typeface="Courier New" pitchFamily="49" charset="0"/>
+                <a:cs typeface="Courier New" pitchFamily="49" charset="0"/>
+              </a:rPr>
+              <a:t>  proc /test { </a:t>
+            </a:r>
+            <a:r>
+              <a:rPr lang="en-US" sz="1800" dirty="0" err="1" smtClean="0">
+                <a:latin typeface="Courier New" pitchFamily="49" charset="0"/>
+                <a:cs typeface="Courier New" pitchFamily="49" charset="0"/>
+              </a:rPr>
+              <a:t>req</a:t>
+            </a:r>
+            <a:r>
+              <a:rPr lang="en-US" sz="1800" dirty="0" smtClean="0">
+                <a:latin typeface="Courier New" pitchFamily="49" charset="0"/>
+                <a:cs typeface="Courier New" pitchFamily="49" charset="0"/>
+              </a:rPr>
+              <a:t> } {</a:t>
+            </a:r>
+          </a:p>
+          <a:p>
+            <a:pPr>
+              <a:buNone/>
+            </a:pPr>
+            <a:r>
+              <a:rPr lang="en-US" sz="1800" dirty="0" smtClean="0">
+                <a:latin typeface="Courier New" pitchFamily="49" charset="0"/>
+                <a:cs typeface="Courier New" pitchFamily="49" charset="0"/>
+              </a:rPr>
+              <a:t>    </a:t>
+            </a:r>
+            <a:r>
+              <a:rPr lang="en-US" sz="1800" dirty="0" err="1" smtClean="0">
+                <a:latin typeface="Courier New" pitchFamily="49" charset="0"/>
+                <a:cs typeface="Courier New" pitchFamily="49" charset="0"/>
+              </a:rPr>
+              <a:t>dict</a:t>
+            </a:r>
+            <a:r>
+              <a:rPr lang="en-US" sz="1800" dirty="0" smtClean="0">
+                <a:latin typeface="Courier New" pitchFamily="49" charset="0"/>
+                <a:cs typeface="Courier New" pitchFamily="49" charset="0"/>
+              </a:rPr>
+              <a:t> set </a:t>
+            </a:r>
+            <a:r>
+              <a:rPr lang="en-US" sz="1800" dirty="0" err="1" smtClean="0">
+                <a:latin typeface="Courier New" pitchFamily="49" charset="0"/>
+                <a:cs typeface="Courier New" pitchFamily="49" charset="0"/>
+              </a:rPr>
+              <a:t>req</a:t>
+            </a:r>
+            <a:r>
+              <a:rPr lang="en-US" sz="1800" dirty="0" smtClean="0">
+                <a:latin typeface="Courier New" pitchFamily="49" charset="0"/>
+                <a:cs typeface="Courier New" pitchFamily="49" charset="0"/>
+              </a:rPr>
+              <a:t> -content "Test for </a:t>
+            </a:r>
+            <a:r>
+              <a:rPr lang="en-US" sz="1800" dirty="0" err="1" smtClean="0">
+                <a:latin typeface="Courier New" pitchFamily="49" charset="0"/>
+                <a:cs typeface="Courier New" pitchFamily="49" charset="0"/>
+              </a:rPr>
+              <a:t>MyDirectDomain</a:t>
+            </a:r>
+            <a:r>
+              <a:rPr lang="en-US" sz="1800" dirty="0" smtClean="0">
+                <a:latin typeface="Courier New" pitchFamily="49" charset="0"/>
+                <a:cs typeface="Courier New" pitchFamily="49" charset="0"/>
+              </a:rPr>
+              <a:t>“</a:t>
+            </a:r>
+          </a:p>
+          <a:p>
+            <a:pPr>
+              <a:buNone/>
+            </a:pPr>
+            <a:r>
+              <a:rPr lang="en-US" sz="1800" dirty="0" smtClean="0">
+                <a:latin typeface="Courier New" pitchFamily="49" charset="0"/>
+                <a:cs typeface="Courier New" pitchFamily="49" charset="0"/>
+              </a:rPr>
+              <a:t>    </a:t>
+            </a:r>
+            <a:r>
+              <a:rPr lang="en-US" sz="1800" dirty="0" err="1" smtClean="0">
+                <a:latin typeface="Courier New" pitchFamily="49" charset="0"/>
+                <a:cs typeface="Courier New" pitchFamily="49" charset="0"/>
+              </a:rPr>
+              <a:t>dict</a:t>
+            </a:r>
+            <a:r>
+              <a:rPr lang="en-US" sz="1800" dirty="0" smtClean="0">
+                <a:latin typeface="Courier New" pitchFamily="49" charset="0"/>
+                <a:cs typeface="Courier New" pitchFamily="49" charset="0"/>
+              </a:rPr>
+              <a:t> set </a:t>
+            </a:r>
+            <a:r>
+              <a:rPr lang="en-US" sz="1800" dirty="0" err="1" smtClean="0">
+                <a:latin typeface="Courier New" pitchFamily="49" charset="0"/>
+                <a:cs typeface="Courier New" pitchFamily="49" charset="0"/>
+              </a:rPr>
+              <a:t>req</a:t>
+            </a:r>
+            <a:r>
+              <a:rPr lang="en-US" sz="1800" dirty="0" smtClean="0">
+                <a:latin typeface="Courier New" pitchFamily="49" charset="0"/>
+                <a:cs typeface="Courier New" pitchFamily="49" charset="0"/>
+              </a:rPr>
+              <a:t> content-type x-text/html-fragment</a:t>
+            </a:r>
+          </a:p>
+          <a:p>
+            <a:pPr>
+              <a:buNone/>
+            </a:pPr>
+            <a:r>
+              <a:rPr lang="en-US" sz="1800" dirty="0" smtClean="0">
+                <a:latin typeface="Courier New" pitchFamily="49" charset="0"/>
+                <a:cs typeface="Courier New" pitchFamily="49" charset="0"/>
+              </a:rPr>
+              <a:t>    </a:t>
+            </a:r>
+            <a:r>
+              <a:rPr lang="en-US" sz="1800" dirty="0" err="1" smtClean="0">
+                <a:latin typeface="Courier New" pitchFamily="49" charset="0"/>
+                <a:cs typeface="Courier New" pitchFamily="49" charset="0"/>
+              </a:rPr>
+              <a:t>dict</a:t>
+            </a:r>
+            <a:r>
+              <a:rPr lang="en-US" sz="1800" dirty="0" smtClean="0">
+                <a:latin typeface="Courier New" pitchFamily="49" charset="0"/>
+                <a:cs typeface="Courier New" pitchFamily="49" charset="0"/>
+              </a:rPr>
+              <a:t> set </a:t>
+            </a:r>
+            <a:r>
+              <a:rPr lang="en-US" sz="1800" dirty="0" err="1" smtClean="0">
+                <a:latin typeface="Courier New" pitchFamily="49" charset="0"/>
+                <a:cs typeface="Courier New" pitchFamily="49" charset="0"/>
+              </a:rPr>
+              <a:t>req</a:t>
+            </a:r>
+            <a:r>
+              <a:rPr lang="en-US" sz="1800" dirty="0" smtClean="0">
+                <a:latin typeface="Courier New" pitchFamily="49" charset="0"/>
+                <a:cs typeface="Courier New" pitchFamily="49" charset="0"/>
+              </a:rPr>
+              <a:t> -title "</a:t>
+            </a:r>
+            <a:r>
+              <a:rPr lang="en-US" sz="1800" dirty="0" err="1" smtClean="0">
+                <a:latin typeface="Courier New" pitchFamily="49" charset="0"/>
+                <a:cs typeface="Courier New" pitchFamily="49" charset="0"/>
+              </a:rPr>
+              <a:t>MyDirectDomain</a:t>
+            </a:r>
+            <a:r>
+              <a:rPr lang="en-US" sz="1800" dirty="0" smtClean="0">
+                <a:latin typeface="Courier New" pitchFamily="49" charset="0"/>
+                <a:cs typeface="Courier New" pitchFamily="49" charset="0"/>
+              </a:rPr>
+              <a:t>: test with query“</a:t>
+            </a:r>
+          </a:p>
+          <a:p>
+            <a:pPr>
+              <a:buNone/>
+            </a:pPr>
+            <a:r>
+              <a:rPr lang="en-US" sz="1800" dirty="0" smtClean="0">
+                <a:latin typeface="Courier New" pitchFamily="49" charset="0"/>
+                <a:cs typeface="Courier New" pitchFamily="49" charset="0"/>
+              </a:rPr>
+              <a:t>    return $</a:t>
+            </a:r>
+            <a:r>
+              <a:rPr lang="en-US" sz="1800" dirty="0" err="1" smtClean="0">
+                <a:latin typeface="Courier New" pitchFamily="49" charset="0"/>
+                <a:cs typeface="Courier New" pitchFamily="49" charset="0"/>
+              </a:rPr>
+              <a:t>req</a:t>
+            </a:r>
+            <a:r>
+              <a:rPr lang="en-US" sz="1800" dirty="0" smtClean="0">
+                <a:latin typeface="Courier New" pitchFamily="49" charset="0"/>
+                <a:cs typeface="Courier New" pitchFamily="49" charset="0"/>
+              </a:rPr>
+              <a:t>	</a:t>
+            </a:r>
+          </a:p>
+          <a:p>
+            <a:pPr>
+              <a:buNone/>
+            </a:pPr>
+            <a:r>
+              <a:rPr lang="en-US" sz="1800" dirty="0" smtClean="0">
+                <a:latin typeface="Courier New" pitchFamily="49" charset="0"/>
+                <a:cs typeface="Courier New" pitchFamily="49" charset="0"/>
+              </a:rPr>
+              <a:t>  }</a:t>
+            </a:r>
+          </a:p>
+          <a:p>
+            <a:pPr>
+              <a:buNone/>
+            </a:pPr>
+            <a:r>
+              <a:rPr lang="en-US" sz="1800" dirty="0" smtClean="0">
+                <a:latin typeface="Courier New" pitchFamily="49" charset="0"/>
+                <a:cs typeface="Courier New" pitchFamily="49" charset="0"/>
+              </a:rPr>
+              <a:t>}</a:t>
+            </a:r>
+            <a:endParaRPr lang="en-US" sz="1800" dirty="0">
+              <a:latin typeface="Courier New" pitchFamily="49" charset="0"/>
+              <a:cs typeface="Courier New" pitchFamily="49" charset="0"/>
+            </a:endParaRPr>
           </a:p>
         </p:txBody>
       </p:sp>
@@ -11003,6 +12600,13 @@
   <p:clrMapOvr>
     <a:masterClrMapping/>
   </p:clrMapOvr>
+  <p:timing>
+    <p:tnLst>
+      <p:par>
+        <p:cTn id="1" dur="indefinite" restart="never" nodeType="tmRoot"/>
+      </p:par>
+    </p:tnLst>
+  </p:timing>
 </p:sld>
 </file>
 
@@ -11040,11 +12644,7 @@
           <a:p>
             <a:r>
               <a:rPr lang="en-US" dirty="0" smtClean="0"/>
-              <a:t>Example 7: </a:t>
-            </a:r>
-            <a:r>
-              <a:rPr lang="en-US" dirty="0" err="1" smtClean="0"/>
-              <a:t>jQuery</a:t>
+              <a:t>Example 4: basic Direct method</a:t>
             </a:r>
             <a:endParaRPr lang="en-US" dirty="0"/>
           </a:p>
@@ -11062,10 +12662,361 @@
         </p:nvSpPr>
         <p:spPr/>
         <p:txBody>
-          <a:bodyPr/>
-          <a:lstStyle/>
-          <a:p>
-            <a:endParaRPr lang="en-US"/>
+          <a:bodyPr>
+            <a:normAutofit/>
+          </a:bodyPr>
+          <a:lstStyle/>
+          <a:p>
+            <a:pPr>
+              <a:buNone/>
+            </a:pPr>
+            <a:r>
+              <a:rPr lang="en-US" sz="1800" dirty="0" err="1" smtClean="0">
+                <a:latin typeface="Courier New" pitchFamily="49" charset="0"/>
+                <a:cs typeface="Courier New" pitchFamily="49" charset="0"/>
+              </a:rPr>
+              <a:t>oo</a:t>
+            </a:r>
+            <a:r>
+              <a:rPr lang="en-US" sz="1800" dirty="0" smtClean="0">
+                <a:latin typeface="Courier New" pitchFamily="49" charset="0"/>
+                <a:cs typeface="Courier New" pitchFamily="49" charset="0"/>
+              </a:rPr>
+              <a:t>::class create </a:t>
+            </a:r>
+            <a:r>
+              <a:rPr lang="en-US" sz="1800" dirty="0" err="1" smtClean="0">
+                <a:latin typeface="Courier New" pitchFamily="49" charset="0"/>
+                <a:cs typeface="Courier New" pitchFamily="49" charset="0"/>
+              </a:rPr>
+              <a:t>MyOODomain</a:t>
+            </a:r>
+            <a:r>
+              <a:rPr lang="en-US" sz="1800" dirty="0" smtClean="0">
+                <a:latin typeface="Courier New" pitchFamily="49" charset="0"/>
+                <a:cs typeface="Courier New" pitchFamily="49" charset="0"/>
+              </a:rPr>
+              <a:t> {</a:t>
+            </a:r>
+          </a:p>
+          <a:p>
+            <a:pPr>
+              <a:buNone/>
+            </a:pPr>
+            <a:r>
+              <a:rPr lang="en-US" sz="1800" dirty="0" smtClean="0">
+                <a:latin typeface="Courier New" pitchFamily="49" charset="0"/>
+                <a:cs typeface="Courier New" pitchFamily="49" charset="0"/>
+              </a:rPr>
+              <a:t>  constructor {</a:t>
+            </a:r>
+            <a:r>
+              <a:rPr lang="en-US" sz="1800" dirty="0" err="1" smtClean="0">
+                <a:latin typeface="Courier New" pitchFamily="49" charset="0"/>
+                <a:cs typeface="Courier New" pitchFamily="49" charset="0"/>
+              </a:rPr>
+              <a:t>args</a:t>
+            </a:r>
+            <a:r>
+              <a:rPr lang="en-US" sz="1800" dirty="0" smtClean="0">
+                <a:latin typeface="Courier New" pitchFamily="49" charset="0"/>
+                <a:cs typeface="Courier New" pitchFamily="49" charset="0"/>
+              </a:rPr>
+              <a:t>} {}</a:t>
+            </a:r>
+          </a:p>
+          <a:p>
+            <a:pPr>
+              <a:buNone/>
+            </a:pPr>
+            <a:r>
+              <a:rPr lang="en-US" sz="1800" dirty="0" smtClean="0">
+                <a:latin typeface="Courier New" pitchFamily="49" charset="0"/>
+                <a:cs typeface="Courier New" pitchFamily="49" charset="0"/>
+              </a:rPr>
+              <a:t>  method /test {</a:t>
+            </a:r>
+            <a:r>
+              <a:rPr lang="en-US" sz="1800" dirty="0" err="1" smtClean="0">
+                <a:latin typeface="Courier New" pitchFamily="49" charset="0"/>
+                <a:cs typeface="Courier New" pitchFamily="49" charset="0"/>
+              </a:rPr>
+              <a:t>req</a:t>
+            </a:r>
+            <a:r>
+              <a:rPr lang="en-US" sz="1800" dirty="0" smtClean="0">
+                <a:latin typeface="Courier New" pitchFamily="49" charset="0"/>
+                <a:cs typeface="Courier New" pitchFamily="49" charset="0"/>
+              </a:rPr>
+              <a:t> </a:t>
+            </a:r>
+            <a:r>
+              <a:rPr lang="en-US" sz="1800" dirty="0" err="1" smtClean="0">
+                <a:latin typeface="Courier New" pitchFamily="49" charset="0"/>
+                <a:cs typeface="Courier New" pitchFamily="49" charset="0"/>
+              </a:rPr>
+              <a:t>args</a:t>
+            </a:r>
+            <a:r>
+              <a:rPr lang="en-US" sz="1800" dirty="0" smtClean="0">
+                <a:latin typeface="Courier New" pitchFamily="49" charset="0"/>
+                <a:cs typeface="Courier New" pitchFamily="49" charset="0"/>
+              </a:rPr>
+              <a:t>} {</a:t>
+            </a:r>
+          </a:p>
+          <a:p>
+            <a:pPr>
+              <a:buNone/>
+            </a:pPr>
+            <a:r>
+              <a:rPr lang="en-US" sz="1800" dirty="0" smtClean="0">
+                <a:latin typeface="Courier New" pitchFamily="49" charset="0"/>
+                <a:cs typeface="Courier New" pitchFamily="49" charset="0"/>
+              </a:rPr>
+              <a:t>    </a:t>
+            </a:r>
+            <a:r>
+              <a:rPr lang="en-US" sz="1800" dirty="0" err="1" smtClean="0">
+                <a:latin typeface="Courier New" pitchFamily="49" charset="0"/>
+                <a:cs typeface="Courier New" pitchFamily="49" charset="0"/>
+              </a:rPr>
+              <a:t>dict</a:t>
+            </a:r>
+            <a:r>
+              <a:rPr lang="en-US" sz="1800" dirty="0" smtClean="0">
+                <a:latin typeface="Courier New" pitchFamily="49" charset="0"/>
+                <a:cs typeface="Courier New" pitchFamily="49" charset="0"/>
+              </a:rPr>
+              <a:t> set </a:t>
+            </a:r>
+            <a:r>
+              <a:rPr lang="en-US" sz="1800" dirty="0" err="1" smtClean="0">
+                <a:latin typeface="Courier New" pitchFamily="49" charset="0"/>
+                <a:cs typeface="Courier New" pitchFamily="49" charset="0"/>
+              </a:rPr>
+              <a:t>req</a:t>
+            </a:r>
+            <a:r>
+              <a:rPr lang="en-US" sz="1800" dirty="0" smtClean="0">
+                <a:latin typeface="Courier New" pitchFamily="49" charset="0"/>
+                <a:cs typeface="Courier New" pitchFamily="49" charset="0"/>
+              </a:rPr>
+              <a:t> -content "Test for </a:t>
+            </a:r>
+            <a:r>
+              <a:rPr lang="en-US" sz="1800" dirty="0" err="1" smtClean="0">
+                <a:latin typeface="Courier New" pitchFamily="49" charset="0"/>
+                <a:cs typeface="Courier New" pitchFamily="49" charset="0"/>
+              </a:rPr>
+              <a:t>MyOODomain</a:t>
+            </a:r>
+            <a:r>
+              <a:rPr lang="en-US" sz="1800" dirty="0" smtClean="0">
+                <a:latin typeface="Courier New" pitchFamily="49" charset="0"/>
+                <a:cs typeface="Courier New" pitchFamily="49" charset="0"/>
+              </a:rPr>
+              <a:t>“</a:t>
+            </a:r>
+          </a:p>
+          <a:p>
+            <a:pPr>
+              <a:buNone/>
+            </a:pPr>
+            <a:r>
+              <a:rPr lang="en-US" sz="1800" dirty="0" smtClean="0">
+                <a:latin typeface="Courier New" pitchFamily="49" charset="0"/>
+                <a:cs typeface="Courier New" pitchFamily="49" charset="0"/>
+              </a:rPr>
+              <a:t>    </a:t>
+            </a:r>
+            <a:r>
+              <a:rPr lang="en-US" sz="1800" dirty="0" err="1" smtClean="0">
+                <a:latin typeface="Courier New" pitchFamily="49" charset="0"/>
+                <a:cs typeface="Courier New" pitchFamily="49" charset="0"/>
+              </a:rPr>
+              <a:t>dict</a:t>
+            </a:r>
+            <a:r>
+              <a:rPr lang="en-US" sz="1800" dirty="0" smtClean="0">
+                <a:latin typeface="Courier New" pitchFamily="49" charset="0"/>
+                <a:cs typeface="Courier New" pitchFamily="49" charset="0"/>
+              </a:rPr>
+              <a:t> set </a:t>
+            </a:r>
+            <a:r>
+              <a:rPr lang="en-US" sz="1800" dirty="0" err="1" smtClean="0">
+                <a:latin typeface="Courier New" pitchFamily="49" charset="0"/>
+                <a:cs typeface="Courier New" pitchFamily="49" charset="0"/>
+              </a:rPr>
+              <a:t>req</a:t>
+            </a:r>
+            <a:r>
+              <a:rPr lang="en-US" sz="1800" dirty="0" smtClean="0">
+                <a:latin typeface="Courier New" pitchFamily="49" charset="0"/>
+                <a:cs typeface="Courier New" pitchFamily="49" charset="0"/>
+              </a:rPr>
+              <a:t> content-type x-text/html-fragment</a:t>
+            </a:r>
+          </a:p>
+          <a:p>
+            <a:pPr>
+              <a:buNone/>
+            </a:pPr>
+            <a:r>
+              <a:rPr lang="en-US" sz="1800" dirty="0" smtClean="0">
+                <a:latin typeface="Courier New" pitchFamily="49" charset="0"/>
+                <a:cs typeface="Courier New" pitchFamily="49" charset="0"/>
+              </a:rPr>
+              <a:t>    </a:t>
+            </a:r>
+            <a:r>
+              <a:rPr lang="en-US" sz="1800" dirty="0" err="1" smtClean="0">
+                <a:latin typeface="Courier New" pitchFamily="49" charset="0"/>
+                <a:cs typeface="Courier New" pitchFamily="49" charset="0"/>
+              </a:rPr>
+              <a:t>dict</a:t>
+            </a:r>
+            <a:r>
+              <a:rPr lang="en-US" sz="1800" dirty="0" smtClean="0">
+                <a:latin typeface="Courier New" pitchFamily="49" charset="0"/>
+                <a:cs typeface="Courier New" pitchFamily="49" charset="0"/>
+              </a:rPr>
+              <a:t> set </a:t>
+            </a:r>
+            <a:r>
+              <a:rPr lang="en-US" sz="1800" dirty="0" err="1" smtClean="0">
+                <a:latin typeface="Courier New" pitchFamily="49" charset="0"/>
+                <a:cs typeface="Courier New" pitchFamily="49" charset="0"/>
+              </a:rPr>
+              <a:t>req</a:t>
+            </a:r>
+            <a:r>
+              <a:rPr lang="en-US" sz="1800" dirty="0" smtClean="0">
+                <a:latin typeface="Courier New" pitchFamily="49" charset="0"/>
+                <a:cs typeface="Courier New" pitchFamily="49" charset="0"/>
+              </a:rPr>
+              <a:t> -title "</a:t>
+            </a:r>
+            <a:r>
+              <a:rPr lang="en-US" sz="1800" dirty="0" err="1" smtClean="0">
+                <a:latin typeface="Courier New" pitchFamily="49" charset="0"/>
+                <a:cs typeface="Courier New" pitchFamily="49" charset="0"/>
+              </a:rPr>
+              <a:t>MyOODomain</a:t>
+            </a:r>
+            <a:r>
+              <a:rPr lang="en-US" sz="1800" dirty="0" smtClean="0">
+                <a:latin typeface="Courier New" pitchFamily="49" charset="0"/>
+                <a:cs typeface="Courier New" pitchFamily="49" charset="0"/>
+              </a:rPr>
+              <a:t>: test"</a:t>
+            </a:r>
+          </a:p>
+          <a:p>
+            <a:pPr>
+              <a:buNone/>
+            </a:pPr>
+            <a:r>
+              <a:rPr lang="en-US" sz="1800" dirty="0" smtClean="0">
+                <a:latin typeface="Courier New" pitchFamily="49" charset="0"/>
+                <a:cs typeface="Courier New" pitchFamily="49" charset="0"/>
+              </a:rPr>
+              <a:t>    return $</a:t>
+            </a:r>
+            <a:r>
+              <a:rPr lang="en-US" sz="1800" dirty="0" err="1" smtClean="0">
+                <a:latin typeface="Courier New" pitchFamily="49" charset="0"/>
+                <a:cs typeface="Courier New" pitchFamily="49" charset="0"/>
+              </a:rPr>
+              <a:t>req</a:t>
+            </a:r>
+            <a:r>
+              <a:rPr lang="en-US" sz="1800" dirty="0" smtClean="0">
+                <a:latin typeface="Courier New" pitchFamily="49" charset="0"/>
+                <a:cs typeface="Courier New" pitchFamily="49" charset="0"/>
+              </a:rPr>
+              <a:t>	</a:t>
+            </a:r>
+          </a:p>
+          <a:p>
+            <a:pPr>
+              <a:buNone/>
+            </a:pPr>
+            <a:r>
+              <a:rPr lang="en-US" sz="1800" dirty="0" smtClean="0">
+                <a:latin typeface="Courier New" pitchFamily="49" charset="0"/>
+                <a:cs typeface="Courier New" pitchFamily="49" charset="0"/>
+              </a:rPr>
+              <a:t>  }</a:t>
+            </a:r>
+          </a:p>
+          <a:p>
+            <a:pPr>
+              <a:buNone/>
+            </a:pPr>
+            <a:r>
+              <a:rPr lang="en-US" sz="1800" dirty="0" smtClean="0">
+                <a:latin typeface="Courier New" pitchFamily="49" charset="0"/>
+                <a:cs typeface="Courier New" pitchFamily="49" charset="0"/>
+              </a:rPr>
+              <a:t>}</a:t>
+            </a:r>
+          </a:p>
+          <a:p>
+            <a:pPr>
+              <a:buNone/>
+            </a:pPr>
+            <a:endParaRPr lang="en-US" sz="1800" dirty="0" smtClean="0">
+              <a:latin typeface="Courier New" pitchFamily="49" charset="0"/>
+              <a:cs typeface="Courier New" pitchFamily="49" charset="0"/>
+            </a:endParaRPr>
+          </a:p>
+          <a:p>
+            <a:pPr>
+              <a:buNone/>
+            </a:pPr>
+            <a:r>
+              <a:rPr lang="en-US" sz="1800" dirty="0" smtClean="0">
+                <a:latin typeface="Courier New" pitchFamily="49" charset="0"/>
+                <a:cs typeface="Courier New" pitchFamily="49" charset="0"/>
+              </a:rPr>
+              <a:t>set </a:t>
+            </a:r>
+            <a:r>
+              <a:rPr lang="en-US" sz="1800" dirty="0" err="1" smtClean="0">
+                <a:latin typeface="Courier New" pitchFamily="49" charset="0"/>
+                <a:cs typeface="Courier New" pitchFamily="49" charset="0"/>
+              </a:rPr>
+              <a:t>oodomain</a:t>
+            </a:r>
+            <a:r>
+              <a:rPr lang="en-US" sz="1800" dirty="0" smtClean="0">
+                <a:latin typeface="Courier New" pitchFamily="49" charset="0"/>
+                <a:cs typeface="Courier New" pitchFamily="49" charset="0"/>
+              </a:rPr>
+              <a:t> [</a:t>
+            </a:r>
+            <a:r>
+              <a:rPr lang="en-US" sz="1800" dirty="0" err="1" smtClean="0">
+                <a:latin typeface="Courier New" pitchFamily="49" charset="0"/>
+                <a:cs typeface="Courier New" pitchFamily="49" charset="0"/>
+              </a:rPr>
+              <a:t>MyOODomain</a:t>
+            </a:r>
+            <a:r>
+              <a:rPr lang="en-US" sz="1800" dirty="0" smtClean="0">
+                <a:latin typeface="Courier New" pitchFamily="49" charset="0"/>
+                <a:cs typeface="Courier New" pitchFamily="49" charset="0"/>
+              </a:rPr>
+              <a:t> new]</a:t>
+            </a:r>
+          </a:p>
+          <a:p>
+            <a:pPr>
+              <a:buNone/>
+            </a:pPr>
+            <a:endParaRPr lang="en-US" dirty="0"/>
           </a:p>
         </p:txBody>
       </p:sp>
@@ -11074,6 +13025,13 @@
   <p:clrMapOvr>
     <a:masterClrMapping/>
   </p:clrMapOvr>
+  <p:timing>
+    <p:tnLst>
+      <p:par>
+        <p:cTn id="1" dur="indefinite" restart="never" nodeType="tmRoot"/>
+      </p:par>
+    </p:tnLst>
+  </p:timing>
 </p:sld>
 </file>
 
@@ -11111,36 +13069,47 @@
           <a:p>
             <a:r>
               <a:rPr lang="en-US" dirty="0" smtClean="0"/>
-              <a:t>Example 8: </a:t>
-            </a:r>
+              <a:t>Example 4: Query arguments</a:t>
+            </a:r>
+            <a:endParaRPr lang="en-US" dirty="0"/>
+          </a:p>
+        </p:txBody>
+      </p:sp>
+      <p:sp>
+        <p:nvSpPr>
+          <p:cNvPr id="3" name="Content Placeholder 2"/>
+          <p:cNvSpPr>
+            <a:spLocks noGrp="1"/>
+          </p:cNvSpPr>
+          <p:nvPr>
+            <p:ph idx="1"/>
+          </p:nvPr>
+        </p:nvSpPr>
+        <p:spPr/>
+        <p:txBody>
+          <a:bodyPr/>
+          <a:lstStyle/>
+          <a:p>
+            <a:r>
+              <a:rPr lang="en-US" dirty="0" smtClean="0"/>
+              <a:t>Specify query arguments as proc/method arguments with same name as used in the query</a:t>
+            </a:r>
+          </a:p>
+          <a:p>
             <a:r>
               <a:rPr lang="en-US" dirty="0" err="1" smtClean="0"/>
-              <a:t>ini</a:t>
-            </a:r>
-            <a:r>
-              <a:rPr lang="en-US" dirty="0" smtClean="0"/>
-              <a:t> parameters</a:t>
-            </a:r>
-            <a:endParaRPr lang="en-US" dirty="0"/>
-          </a:p>
-        </p:txBody>
-      </p:sp>
-      <p:sp>
-        <p:nvSpPr>
-          <p:cNvPr id="3" name="Content Placeholder 2"/>
-          <p:cNvSpPr>
-            <a:spLocks noGrp="1"/>
-          </p:cNvSpPr>
-          <p:nvPr>
-            <p:ph idx="1"/>
-          </p:nvPr>
-        </p:nvSpPr>
-        <p:spPr/>
-        <p:txBody>
-          <a:bodyPr/>
-          <a:lstStyle/>
-          <a:p>
-            <a:endParaRPr lang="en-US"/>
+              <a:t>Wub</a:t>
+            </a:r>
+            <a:r>
+              <a:rPr lang="en-US" dirty="0" smtClean="0"/>
+              <a:t> will decode and assign the query arguments. </a:t>
+            </a:r>
+          </a:p>
+          <a:p>
+            <a:r>
+              <a:rPr lang="en-US" dirty="0" smtClean="0"/>
+              <a:t>Arguments missing  in the request passed as empty string</a:t>
+            </a:r>
           </a:p>
         </p:txBody>
       </p:sp>
@@ -11181,33 +13150,74 @@
         </p:nvSpPr>
         <p:spPr/>
         <p:txBody>
+          <a:bodyPr>
+            <a:normAutofit/>
+          </a:bodyPr>
+          <a:lstStyle/>
+          <a:p>
+            <a:r>
+              <a:rPr lang="en-US" dirty="0" smtClean="0"/>
+              <a:t>Example 4: </a:t>
+            </a:r>
+            <a:r>
+              <a:rPr lang="en-US" dirty="0" err="1" smtClean="0"/>
+              <a:t>armouring</a:t>
+            </a:r>
+            <a:endParaRPr lang="en-US" dirty="0"/>
+          </a:p>
+        </p:txBody>
+      </p:sp>
+      <p:sp>
+        <p:nvSpPr>
+          <p:cNvPr id="3" name="Content Placeholder 2"/>
+          <p:cNvSpPr>
+            <a:spLocks noGrp="1"/>
+          </p:cNvSpPr>
+          <p:nvPr>
+            <p:ph idx="1"/>
+          </p:nvPr>
+        </p:nvSpPr>
+        <p:spPr/>
+        <p:txBody>
           <a:bodyPr/>
           <a:lstStyle/>
           <a:p>
             <a:r>
               <a:rPr lang="en-US" dirty="0" smtClean="0"/>
-              <a:t>Example 9: Nub</a:t>
-            </a:r>
-            <a:endParaRPr lang="en-US" dirty="0"/>
-          </a:p>
-        </p:txBody>
-      </p:sp>
-      <p:sp>
-        <p:nvSpPr>
-          <p:cNvPr id="3" name="Content Placeholder 2"/>
-          <p:cNvSpPr>
-            <a:spLocks noGrp="1"/>
-          </p:cNvSpPr>
-          <p:nvPr>
-            <p:ph idx="1"/>
-          </p:nvPr>
-        </p:nvSpPr>
-        <p:spPr/>
-        <p:txBody>
-          <a:bodyPr/>
-          <a:lstStyle/>
-          <a:p>
-            <a:endParaRPr lang="en-US"/>
+              <a:t>HTML special characters (&lt;, ‘, …) need to be </a:t>
+            </a:r>
+            <a:r>
+              <a:rPr lang="en-US" dirty="0" err="1" smtClean="0"/>
+              <a:t>armoured</a:t>
+            </a:r>
+            <a:r>
+              <a:rPr lang="en-US" dirty="0" smtClean="0"/>
+              <a:t>.</a:t>
+            </a:r>
+          </a:p>
+          <a:p>
+            <a:r>
+              <a:rPr lang="en-US" dirty="0" smtClean="0"/>
+              <a:t>Use built-in command </a:t>
+            </a:r>
+            <a:r>
+              <a:rPr lang="en-US" dirty="0" err="1" smtClean="0">
+                <a:latin typeface="Courier New" pitchFamily="49" charset="0"/>
+                <a:cs typeface="Courier New" pitchFamily="49" charset="0"/>
+              </a:rPr>
+              <a:t>armour</a:t>
+            </a:r>
+            <a:r>
+              <a:rPr lang="en-US" dirty="0" smtClean="0">
+                <a:latin typeface="Courier New" pitchFamily="49" charset="0"/>
+                <a:cs typeface="Courier New" pitchFamily="49" charset="0"/>
+              </a:rPr>
+              <a:t>.</a:t>
+            </a:r>
+            <a:endParaRPr lang="en-US" dirty="0">
+              <a:latin typeface="Courier New" pitchFamily="49" charset="0"/>
+              <a:cs typeface="Courier New" pitchFamily="49" charset="0"/>
+            </a:endParaRPr>
           </a:p>
         </p:txBody>
       </p:sp>
@@ -11411,7 +13421,7 @@
           <a:p>
             <a:r>
               <a:rPr lang="en-US" dirty="0" smtClean="0"/>
-              <a:t>Example 10: Suspend/Resume</a:t>
+              <a:t>Example 4: conversions</a:t>
             </a:r>
             <a:endParaRPr lang="en-US" dirty="0"/>
           </a:p>
@@ -11429,10 +13439,81 @@
         </p:nvSpPr>
         <p:spPr/>
         <p:txBody>
-          <a:bodyPr/>
-          <a:lstStyle/>
-          <a:p>
-            <a:endParaRPr lang="en-US"/>
+          <a:bodyPr>
+            <a:normAutofit fontScale="92500" lnSpcReduction="10000"/>
+          </a:bodyPr>
+          <a:lstStyle/>
+          <a:p>
+            <a:r>
+              <a:rPr lang="en-US" dirty="0" err="1" smtClean="0"/>
+              <a:t>Wub</a:t>
+            </a:r>
+            <a:r>
+              <a:rPr lang="en-US" dirty="0" smtClean="0"/>
+              <a:t> converts all content to something permitted by the accept request field (e.g. test/html, text/plain, …)</a:t>
+            </a:r>
+          </a:p>
+          <a:p>
+            <a:r>
+              <a:rPr lang="en-US" dirty="0" smtClean="0"/>
+              <a:t>The Convert domain has a table of possible conversions</a:t>
+            </a:r>
+          </a:p>
+          <a:p>
+            <a:r>
+              <a:rPr lang="en-US" dirty="0" smtClean="0"/>
+              <a:t>Conversion notation:</a:t>
+            </a:r>
+          </a:p>
+          <a:p>
+            <a:pPr>
+              <a:buNone/>
+            </a:pPr>
+            <a:r>
+              <a:rPr lang="en-US" dirty="0" smtClean="0">
+                <a:latin typeface="Courier New" pitchFamily="49" charset="0"/>
+                <a:cs typeface="Courier New" pitchFamily="49" charset="0"/>
+              </a:rPr>
+              <a:t>  .&lt;from&gt;.&lt;to&gt;</a:t>
+            </a:r>
+          </a:p>
+          <a:p>
+            <a:r>
+              <a:rPr lang="en-US" dirty="0" smtClean="0">
+                <a:cs typeface="Courier New" pitchFamily="49" charset="0"/>
+              </a:rPr>
+              <a:t>Basic built-in conversion:</a:t>
+            </a:r>
+          </a:p>
+          <a:p>
+            <a:pPr>
+              <a:buNone/>
+            </a:pPr>
+            <a:r>
+              <a:rPr lang="en-US" dirty="0" smtClean="0">
+                <a:latin typeface="Courier New" pitchFamily="49" charset="0"/>
+                <a:cs typeface="Courier New" pitchFamily="49" charset="0"/>
+              </a:rPr>
+              <a:t>  .x-text/html-</a:t>
+            </a:r>
+            <a:r>
+              <a:rPr lang="en-US" dirty="0" err="1" smtClean="0">
+                <a:latin typeface="Courier New" pitchFamily="49" charset="0"/>
+                <a:cs typeface="Courier New" pitchFamily="49" charset="0"/>
+              </a:rPr>
+              <a:t>fragment.text</a:t>
+            </a:r>
+            <a:r>
+              <a:rPr lang="en-US" dirty="0" smtClean="0">
+                <a:latin typeface="Courier New" pitchFamily="49" charset="0"/>
+                <a:cs typeface="Courier New" pitchFamily="49" charset="0"/>
+              </a:rPr>
+              <a:t>/html</a:t>
+            </a:r>
+            <a:endParaRPr lang="en-US" dirty="0">
+              <a:latin typeface="Courier New" pitchFamily="49" charset="0"/>
+              <a:cs typeface="Courier New" pitchFamily="49" charset="0"/>
+            </a:endParaRPr>
           </a:p>
         </p:txBody>
       </p:sp>
@@ -11478,7 +13559,7 @@
           <a:p>
             <a:r>
               <a:rPr lang="en-US" dirty="0" smtClean="0"/>
-              <a:t>Example 11: Cookies</a:t>
+              <a:t>Example 4: custom conversions</a:t>
             </a:r>
             <a:endParaRPr lang="en-US" dirty="0"/>
           </a:p>
@@ -11496,10 +13577,413 @@
         </p:nvSpPr>
         <p:spPr/>
         <p:txBody>
-          <a:bodyPr/>
-          <a:lstStyle/>
-          <a:p>
-            <a:endParaRPr lang="en-US"/>
+          <a:bodyPr>
+            <a:normAutofit fontScale="85000" lnSpcReduction="10000"/>
+          </a:bodyPr>
+          <a:lstStyle/>
+          <a:p>
+            <a:r>
+              <a:rPr lang="en-US" dirty="0" smtClean="0"/>
+              <a:t>Add proc in </a:t>
+            </a:r>
+            <a:r>
+              <a:rPr lang="en-US" dirty="0" smtClean="0">
+                <a:latin typeface="Courier New" pitchFamily="49" charset="0"/>
+                <a:cs typeface="Courier New" pitchFamily="49" charset="0"/>
+              </a:rPr>
+              <a:t>conversions</a:t>
+            </a:r>
+            <a:r>
+              <a:rPr lang="en-US" dirty="0" smtClean="0"/>
+              <a:t> namespace</a:t>
+            </a:r>
+          </a:p>
+          <a:p>
+            <a:r>
+              <a:rPr lang="en-US" dirty="0" smtClean="0"/>
+              <a:t>Name contains content type from which conversion starts and content type it generates: .&lt;from&gt;.&lt;to&gt;</a:t>
+            </a:r>
+          </a:p>
+          <a:p>
+            <a:pPr>
+              <a:buNone/>
+            </a:pPr>
+            <a:endParaRPr lang="en-US" dirty="0" smtClean="0"/>
+          </a:p>
+          <a:p>
+            <a:pPr>
+              <a:buNone/>
+            </a:pPr>
+            <a:r>
+              <a:rPr lang="en-US" sz="1500" dirty="0" smtClean="0">
+                <a:latin typeface="Courier New" pitchFamily="49" charset="0"/>
+                <a:cs typeface="Courier New" pitchFamily="49" charset="0"/>
+              </a:rPr>
+              <a:t>namespace </a:t>
+            </a:r>
+            <a:r>
+              <a:rPr lang="en-US" sz="1500" dirty="0" err="1" smtClean="0">
+                <a:latin typeface="Courier New" pitchFamily="49" charset="0"/>
+                <a:cs typeface="Courier New" pitchFamily="49" charset="0"/>
+              </a:rPr>
+              <a:t>eval</a:t>
+            </a:r>
+            <a:r>
+              <a:rPr lang="en-US" sz="1500" dirty="0" smtClean="0">
+                <a:latin typeface="Courier New" pitchFamily="49" charset="0"/>
+                <a:cs typeface="Courier New" pitchFamily="49" charset="0"/>
+              </a:rPr>
+              <a:t> ::conversions {</a:t>
+            </a:r>
+          </a:p>
+          <a:p>
+            <a:pPr>
+              <a:buNone/>
+            </a:pPr>
+            <a:r>
+              <a:rPr lang="en-US" sz="1500" dirty="0" smtClean="0">
+                <a:latin typeface="Courier New" pitchFamily="49" charset="0"/>
+                <a:cs typeface="Courier New" pitchFamily="49" charset="0"/>
+              </a:rPr>
+              <a:t>  proc </a:t>
+            </a:r>
+            <a:r>
+              <a:rPr lang="en-US" sz="1500" dirty="0" smtClean="0">
+                <a:latin typeface="Courier New" pitchFamily="49" charset="0"/>
+                <a:cs typeface="Courier New" pitchFamily="49" charset="0"/>
+              </a:rPr>
+              <a:t>.x-</a:t>
+            </a:r>
+            <a:r>
+              <a:rPr lang="en-US" sz="1500" dirty="0" err="1" smtClean="0">
+                <a:latin typeface="Courier New" pitchFamily="49" charset="0"/>
+                <a:cs typeface="Courier New" pitchFamily="49" charset="0"/>
+              </a:rPr>
+              <a:t>unarmoured</a:t>
+            </a:r>
+            <a:r>
+              <a:rPr lang="en-US" sz="1500" dirty="0" smtClean="0">
+                <a:latin typeface="Courier New" pitchFamily="49" charset="0"/>
+                <a:cs typeface="Courier New" pitchFamily="49" charset="0"/>
+              </a:rPr>
+              <a:t>-text/html-</a:t>
+            </a:r>
+            <a:r>
+              <a:rPr lang="en-US" sz="1500" dirty="0" err="1" smtClean="0">
+                <a:latin typeface="Courier New" pitchFamily="49" charset="0"/>
+                <a:cs typeface="Courier New" pitchFamily="49" charset="0"/>
+              </a:rPr>
+              <a:t>fragment.x</a:t>
+            </a:r>
+            <a:r>
+              <a:rPr lang="en-US" sz="1500" dirty="0" smtClean="0">
+                <a:latin typeface="Courier New" pitchFamily="49" charset="0"/>
+                <a:cs typeface="Courier New" pitchFamily="49" charset="0"/>
+              </a:rPr>
+              <a:t>-text/html-fragment { </a:t>
+            </a:r>
+            <a:r>
+              <a:rPr lang="en-US" sz="1500" dirty="0" err="1" smtClean="0">
+                <a:latin typeface="Courier New" pitchFamily="49" charset="0"/>
+                <a:cs typeface="Courier New" pitchFamily="49" charset="0"/>
+              </a:rPr>
+              <a:t>rsp</a:t>
+            </a:r>
+            <a:r>
+              <a:rPr lang="en-US" sz="1500" dirty="0" smtClean="0">
+                <a:latin typeface="Courier New" pitchFamily="49" charset="0"/>
+                <a:cs typeface="Courier New" pitchFamily="49" charset="0"/>
+              </a:rPr>
+              <a:t> } { </a:t>
+            </a:r>
+          </a:p>
+          <a:p>
+            <a:pPr>
+              <a:buNone/>
+            </a:pPr>
+            <a:r>
+              <a:rPr lang="en-US" sz="1500" dirty="0" smtClean="0">
+                <a:latin typeface="Courier New" pitchFamily="49" charset="0"/>
+                <a:cs typeface="Courier New" pitchFamily="49" charset="0"/>
+              </a:rPr>
+              <a:t>    set </a:t>
+            </a:r>
+            <a:r>
+              <a:rPr lang="en-US" sz="1500" dirty="0" err="1" smtClean="0">
+                <a:latin typeface="Courier New" pitchFamily="49" charset="0"/>
+                <a:cs typeface="Courier New" pitchFamily="49" charset="0"/>
+              </a:rPr>
+              <a:t>rspcontent</a:t>
+            </a:r>
+            <a:r>
+              <a:rPr lang="en-US" sz="1500" dirty="0" smtClean="0">
+                <a:latin typeface="Courier New" pitchFamily="49" charset="0"/>
+                <a:cs typeface="Courier New" pitchFamily="49" charset="0"/>
+              </a:rPr>
+              <a:t> [</a:t>
+            </a:r>
+            <a:r>
+              <a:rPr lang="en-US" sz="1500" dirty="0" err="1" smtClean="0">
+                <a:latin typeface="Courier New" pitchFamily="49" charset="0"/>
+                <a:cs typeface="Courier New" pitchFamily="49" charset="0"/>
+              </a:rPr>
+              <a:t>dict</a:t>
+            </a:r>
+            <a:r>
+              <a:rPr lang="en-US" sz="1500" dirty="0" smtClean="0">
+                <a:latin typeface="Courier New" pitchFamily="49" charset="0"/>
+                <a:cs typeface="Courier New" pitchFamily="49" charset="0"/>
+              </a:rPr>
+              <a:t> get $</a:t>
+            </a:r>
+            <a:r>
+              <a:rPr lang="en-US" sz="1500" dirty="0" err="1" smtClean="0">
+                <a:latin typeface="Courier New" pitchFamily="49" charset="0"/>
+                <a:cs typeface="Courier New" pitchFamily="49" charset="0"/>
+              </a:rPr>
+              <a:t>rsp</a:t>
+            </a:r>
+            <a:r>
+              <a:rPr lang="en-US" sz="1500" dirty="0" smtClean="0">
+                <a:latin typeface="Courier New" pitchFamily="49" charset="0"/>
+                <a:cs typeface="Courier New" pitchFamily="49" charset="0"/>
+              </a:rPr>
+              <a:t> -content]</a:t>
+            </a:r>
+          </a:p>
+          <a:p>
+            <a:pPr>
+              <a:buNone/>
+            </a:pPr>
+            <a:r>
+              <a:rPr lang="en-US" sz="1500" dirty="0" smtClean="0">
+                <a:latin typeface="Courier New" pitchFamily="49" charset="0"/>
+                <a:cs typeface="Courier New" pitchFamily="49" charset="0"/>
+              </a:rPr>
+              <a:t>    if </a:t>
+            </a:r>
+            <a:r>
+              <a:rPr lang="en-US" sz="1500" dirty="0" smtClean="0">
+                <a:latin typeface="Courier New" pitchFamily="49" charset="0"/>
+                <a:cs typeface="Courier New" pitchFamily="49" charset="0"/>
+              </a:rPr>
+              <a:t>{[string match "&lt;!DOCTYPE*" $</a:t>
+            </a:r>
+            <a:r>
+              <a:rPr lang="en-US" sz="1500" dirty="0" err="1" smtClean="0">
+                <a:latin typeface="Courier New" pitchFamily="49" charset="0"/>
+                <a:cs typeface="Courier New" pitchFamily="49" charset="0"/>
+              </a:rPr>
+              <a:t>rspcontent</a:t>
+            </a:r>
+            <a:r>
+              <a:rPr lang="en-US" sz="1500" dirty="0" smtClean="0">
+                <a:latin typeface="Courier New" pitchFamily="49" charset="0"/>
+                <a:cs typeface="Courier New" pitchFamily="49" charset="0"/>
+              </a:rPr>
+              <a:t>]} {</a:t>
+            </a:r>
+          </a:p>
+          <a:p>
+            <a:pPr>
+              <a:buNone/>
+            </a:pPr>
+            <a:r>
+              <a:rPr lang="en-US" sz="1500" dirty="0" smtClean="0">
+                <a:latin typeface="Courier New" pitchFamily="49" charset="0"/>
+                <a:cs typeface="Courier New" pitchFamily="49" charset="0"/>
+              </a:rPr>
+              <a:t>      # </a:t>
+            </a:r>
+            <a:r>
+              <a:rPr lang="en-US" sz="1500" dirty="0" smtClean="0">
+                <a:latin typeface="Courier New" pitchFamily="49" charset="0"/>
+                <a:cs typeface="Courier New" pitchFamily="49" charset="0"/>
+              </a:rPr>
+              <a:t>the content is already fully HTML</a:t>
+            </a:r>
+          </a:p>
+          <a:p>
+            <a:pPr>
+              <a:buNone/>
+            </a:pPr>
+            <a:r>
+              <a:rPr lang="en-US" sz="1500" dirty="0" smtClean="0">
+                <a:latin typeface="Courier New" pitchFamily="49" charset="0"/>
+                <a:cs typeface="Courier New" pitchFamily="49" charset="0"/>
+              </a:rPr>
+              <a:t>      set </a:t>
+            </a:r>
+            <a:r>
+              <a:rPr lang="en-US" sz="1500" dirty="0" smtClean="0">
+                <a:latin typeface="Courier New" pitchFamily="49" charset="0"/>
+                <a:cs typeface="Courier New" pitchFamily="49" charset="0"/>
+              </a:rPr>
+              <a:t>content $</a:t>
+            </a:r>
+            <a:r>
+              <a:rPr lang="en-US" sz="1500" dirty="0" err="1" smtClean="0">
+                <a:latin typeface="Courier New" pitchFamily="49" charset="0"/>
+                <a:cs typeface="Courier New" pitchFamily="49" charset="0"/>
+              </a:rPr>
+              <a:t>rspcontent</a:t>
+            </a:r>
+            <a:endParaRPr lang="en-US" sz="1500" dirty="0" smtClean="0">
+              <a:latin typeface="Courier New" pitchFamily="49" charset="0"/>
+              <a:cs typeface="Courier New" pitchFamily="49" charset="0"/>
+            </a:endParaRPr>
+          </a:p>
+          <a:p>
+            <a:pPr>
+              <a:buNone/>
+            </a:pPr>
+            <a:r>
+              <a:rPr lang="en-US" sz="1500" dirty="0" smtClean="0">
+                <a:latin typeface="Courier New" pitchFamily="49" charset="0"/>
+                <a:cs typeface="Courier New" pitchFamily="49" charset="0"/>
+              </a:rPr>
+              <a:t>    } </a:t>
+            </a:r>
+            <a:r>
+              <a:rPr lang="en-US" sz="1500" dirty="0" smtClean="0">
+                <a:latin typeface="Courier New" pitchFamily="49" charset="0"/>
+                <a:cs typeface="Courier New" pitchFamily="49" charset="0"/>
+              </a:rPr>
+              <a:t>else {</a:t>
+            </a:r>
+          </a:p>
+          <a:p>
+            <a:pPr>
+              <a:buNone/>
+            </a:pPr>
+            <a:r>
+              <a:rPr lang="en-US" sz="1500" dirty="0" smtClean="0">
+                <a:latin typeface="Courier New" pitchFamily="49" charset="0"/>
+                <a:cs typeface="Courier New" pitchFamily="49" charset="0"/>
+              </a:rPr>
+              <a:t>      set </a:t>
+            </a:r>
+            <a:r>
+              <a:rPr lang="en-US" sz="1500" dirty="0" smtClean="0">
+                <a:latin typeface="Courier New" pitchFamily="49" charset="0"/>
+                <a:cs typeface="Courier New" pitchFamily="49" charset="0"/>
+              </a:rPr>
+              <a:t>content [</a:t>
+            </a:r>
+            <a:r>
+              <a:rPr lang="en-US" sz="1500" dirty="0" err="1" smtClean="0">
+                <a:latin typeface="Courier New" pitchFamily="49" charset="0"/>
+                <a:cs typeface="Courier New" pitchFamily="49" charset="0"/>
+              </a:rPr>
+              <a:t>armour</a:t>
+            </a:r>
+            <a:r>
+              <a:rPr lang="en-US" sz="1500" dirty="0" smtClean="0">
+                <a:latin typeface="Courier New" pitchFamily="49" charset="0"/>
+                <a:cs typeface="Courier New" pitchFamily="49" charset="0"/>
+              </a:rPr>
+              <a:t> $</a:t>
+            </a:r>
+            <a:r>
+              <a:rPr lang="en-US" sz="1500" dirty="0" err="1" smtClean="0">
+                <a:latin typeface="Courier New" pitchFamily="49" charset="0"/>
+                <a:cs typeface="Courier New" pitchFamily="49" charset="0"/>
+              </a:rPr>
+              <a:t>rspcontent</a:t>
+            </a:r>
+            <a:r>
+              <a:rPr lang="en-US" sz="1500" dirty="0" smtClean="0">
+                <a:latin typeface="Courier New" pitchFamily="49" charset="0"/>
+                <a:cs typeface="Courier New" pitchFamily="49" charset="0"/>
+              </a:rPr>
+              <a:t>]</a:t>
+            </a:r>
+          </a:p>
+          <a:p>
+            <a:pPr>
+              <a:buNone/>
+            </a:pPr>
+            <a:r>
+              <a:rPr lang="en-US" sz="1500" dirty="0" smtClean="0">
+                <a:latin typeface="Courier New" pitchFamily="49" charset="0"/>
+                <a:cs typeface="Courier New" pitchFamily="49" charset="0"/>
+              </a:rPr>
+              <a:t>    }</a:t>
+            </a:r>
+            <a:r>
+              <a:rPr lang="en-US" sz="1500" dirty="0" smtClean="0">
+                <a:latin typeface="Courier New" pitchFamily="49" charset="0"/>
+                <a:cs typeface="Courier New" pitchFamily="49" charset="0"/>
+              </a:rPr>
+              <a:t>	</a:t>
+            </a:r>
+          </a:p>
+          <a:p>
+            <a:pPr>
+              <a:buNone/>
+            </a:pPr>
+            <a:r>
+              <a:rPr lang="en-US" sz="1500" dirty="0" smtClean="0">
+                <a:latin typeface="Courier New" pitchFamily="49" charset="0"/>
+                <a:cs typeface="Courier New" pitchFamily="49" charset="0"/>
+              </a:rPr>
+              <a:t>    return </a:t>
+            </a:r>
+            <a:r>
+              <a:rPr lang="en-US" sz="1500" dirty="0" smtClean="0">
+                <a:latin typeface="Courier New" pitchFamily="49" charset="0"/>
+                <a:cs typeface="Courier New" pitchFamily="49" charset="0"/>
+              </a:rPr>
+              <a:t>[Http Ok $</a:t>
+            </a:r>
+            <a:r>
+              <a:rPr lang="en-US" sz="1500" dirty="0" err="1" smtClean="0">
+                <a:latin typeface="Courier New" pitchFamily="49" charset="0"/>
+                <a:cs typeface="Courier New" pitchFamily="49" charset="0"/>
+              </a:rPr>
+              <a:t>rsp</a:t>
+            </a:r>
+            <a:r>
+              <a:rPr lang="en-US" sz="1500" dirty="0" smtClean="0">
+                <a:latin typeface="Courier New" pitchFamily="49" charset="0"/>
+                <a:cs typeface="Courier New" pitchFamily="49" charset="0"/>
+              </a:rPr>
+              <a:t> $content x-text/html-fragment]	</a:t>
+            </a:r>
+          </a:p>
+          <a:p>
+            <a:pPr>
+              <a:buNone/>
+            </a:pPr>
+            <a:r>
+              <a:rPr lang="en-US" sz="1500" dirty="0" smtClean="0">
+                <a:latin typeface="Courier New" pitchFamily="49" charset="0"/>
+                <a:cs typeface="Courier New" pitchFamily="49" charset="0"/>
+              </a:rPr>
+              <a:t>  }</a:t>
+            </a:r>
+            <a:endParaRPr lang="en-US" sz="1500" dirty="0" smtClean="0">
+              <a:latin typeface="Courier New" pitchFamily="49" charset="0"/>
+              <a:cs typeface="Courier New" pitchFamily="49" charset="0"/>
+            </a:endParaRPr>
+          </a:p>
+          <a:p>
+            <a:pPr>
+              <a:buNone/>
+            </a:pPr>
+            <a:r>
+              <a:rPr lang="en-US" sz="1500" dirty="0" smtClean="0">
+                <a:latin typeface="Courier New" pitchFamily="49" charset="0"/>
+                <a:cs typeface="Courier New" pitchFamily="49" charset="0"/>
+              </a:rPr>
+              <a:t>}</a:t>
+            </a:r>
+          </a:p>
+          <a:p>
+            <a:pPr>
+              <a:buNone/>
+            </a:pPr>
+            <a:endParaRPr lang="en-US" dirty="0"/>
           </a:p>
         </p:txBody>
       </p:sp>
@@ -11540,36 +14024,518 @@
         </p:nvSpPr>
         <p:spPr/>
         <p:txBody>
-          <a:bodyPr/>
-          <a:lstStyle/>
-          <a:p>
-            <a:r>
-              <a:rPr lang="en-US" dirty="0" smtClean="0"/>
-              <a:t>Example 12: Command port</a:t>
+          <a:bodyPr>
+            <a:normAutofit fontScale="90000"/>
+          </a:bodyPr>
+          <a:lstStyle/>
+          <a:p>
+            <a:r>
+              <a:rPr lang="en-US" dirty="0" smtClean="0"/>
+              <a:t>Example 4: </a:t>
+            </a:r>
+            <a:r>
+              <a:rPr lang="en-US" dirty="0" smtClean="0"/>
+              <a:t>Content </a:t>
+            </a:r>
+            <a:r>
+              <a:rPr lang="en-US" dirty="0" smtClean="0"/>
+              <a:t>type x-text/html-fragment</a:t>
             </a:r>
             <a:endParaRPr lang="en-US" dirty="0"/>
           </a:p>
         </p:txBody>
       </p:sp>
-      <p:sp>
-        <p:nvSpPr>
-          <p:cNvPr id="3" name="Content Placeholder 2"/>
-          <p:cNvSpPr>
-            <a:spLocks noGrp="1"/>
-          </p:cNvSpPr>
+      <p:graphicFrame>
+        <p:nvGraphicFramePr>
+          <p:cNvPr id="4" name="Content Placeholder 3"/>
+          <p:cNvGraphicFramePr>
+            <a:graphicFrameLocks noGrp="1"/>
+          </p:cNvGraphicFramePr>
           <p:nvPr>
             <p:ph idx="1"/>
           </p:nvPr>
-        </p:nvSpPr>
-        <p:spPr/>
-        <p:txBody>
-          <a:bodyPr/>
-          <a:lstStyle/>
-          <a:p>
-            <a:endParaRPr lang="en-US"/>
-          </a:p>
-        </p:txBody>
-      </p:sp>
+        </p:nvGraphicFramePr>
+        <p:xfrm>
+          <a:off x="457200" y="1600200"/>
+          <a:ext cx="8229600" cy="4145280"/>
+        </p:xfrm>
+        <a:graphic>
+          <a:graphicData uri="http://schemas.openxmlformats.org/drawingml/2006/table">
+            <a:tbl>
+              <a:tblPr firstRow="1" bandRow="1">
+                <a:tableStyleId>{5C22544A-7EE6-4342-B048-85BDC9FD1C3A}</a:tableStyleId>
+              </a:tblPr>
+              <a:tblGrid>
+                <a:gridCol w="1905000"/>
+                <a:gridCol w="6324600"/>
+              </a:tblGrid>
+              <a:tr h="370840">
+                <a:tc>
+                  <a:txBody>
+                    <a:bodyPr/>
+                    <a:lstStyle/>
+                    <a:p>
+                      <a:r>
+                        <a:rPr lang="en-US" dirty="0" smtClean="0"/>
+                        <a:t>Response</a:t>
+                      </a:r>
+                      <a:r>
+                        <a:rPr lang="en-US" baseline="0" dirty="0" smtClean="0"/>
+                        <a:t> </a:t>
+                      </a:r>
+                      <a:r>
+                        <a:rPr lang="en-US" baseline="0" dirty="0" err="1" smtClean="0"/>
+                        <a:t>dict</a:t>
+                      </a:r>
+                      <a:r>
+                        <a:rPr lang="en-US" baseline="0" dirty="0" smtClean="0"/>
+                        <a:t> key</a:t>
+                      </a:r>
+                      <a:endParaRPr lang="en-US" dirty="0"/>
+                    </a:p>
+                  </a:txBody>
+                  <a:tcPr/>
+                </a:tc>
+                <a:tc>
+                  <a:txBody>
+                    <a:bodyPr/>
+                    <a:lstStyle/>
+                    <a:p>
+                      <a:r>
+                        <a:rPr lang="en-US" dirty="0" smtClean="0"/>
+                        <a:t>Description</a:t>
+                      </a:r>
+                      <a:endParaRPr lang="en-US" dirty="0"/>
+                    </a:p>
+                  </a:txBody>
+                  <a:tcPr/>
+                </a:tc>
+              </a:tr>
+              <a:tr h="370840">
+                <a:tc>
+                  <a:txBody>
+                    <a:bodyPr/>
+                    <a:lstStyle/>
+                    <a:p>
+                      <a:r>
+                        <a:rPr lang="en-US" dirty="0" smtClean="0">
+                          <a:latin typeface="Courier New" pitchFamily="49" charset="0"/>
+                          <a:cs typeface="Courier New" pitchFamily="49" charset="0"/>
+                        </a:rPr>
+                        <a:t>-content </a:t>
+                      </a:r>
+                      <a:endParaRPr lang="en-US" dirty="0">
+                        <a:latin typeface="Courier New" pitchFamily="49" charset="0"/>
+                        <a:cs typeface="Courier New" pitchFamily="49" charset="0"/>
+                      </a:endParaRPr>
+                    </a:p>
+                  </a:txBody>
+                  <a:tcPr/>
+                </a:tc>
+                <a:tc>
+                  <a:txBody>
+                    <a:bodyPr/>
+                    <a:lstStyle/>
+                    <a:p>
+                      <a:r>
+                        <a:rPr lang="en-US" dirty="0" smtClean="0"/>
+                        <a:t>Content to be sent to client</a:t>
+                      </a:r>
+                      <a:endParaRPr lang="en-US" dirty="0"/>
+                    </a:p>
+                  </a:txBody>
+                  <a:tcPr/>
+                </a:tc>
+              </a:tr>
+              <a:tr h="370840">
+                <a:tc>
+                  <a:txBody>
+                    <a:bodyPr/>
+                    <a:lstStyle/>
+                    <a:p>
+                      <a:r>
+                        <a:rPr lang="en-US" dirty="0" smtClean="0">
+                          <a:latin typeface="Courier New" pitchFamily="49" charset="0"/>
+                          <a:cs typeface="Courier New" pitchFamily="49" charset="0"/>
+                        </a:rPr>
+                        <a:t>-</a:t>
+                      </a:r>
+                      <a:r>
+                        <a:rPr lang="en-US" dirty="0" smtClean="0">
+                          <a:latin typeface="Courier New" pitchFamily="49" charset="0"/>
+                          <a:cs typeface="Courier New" pitchFamily="49" charset="0"/>
+                        </a:rPr>
+                        <a:t>title</a:t>
+                      </a:r>
+                      <a:endParaRPr lang="en-US" dirty="0">
+                        <a:latin typeface="Courier New" pitchFamily="49" charset="0"/>
+                        <a:cs typeface="Courier New" pitchFamily="49" charset="0"/>
+                      </a:endParaRPr>
+                    </a:p>
+                  </a:txBody>
+                  <a:tcPr/>
+                </a:tc>
+                <a:tc>
+                  <a:txBody>
+                    <a:bodyPr/>
+                    <a:lstStyle/>
+                    <a:p>
+                      <a:r>
+                        <a:rPr lang="en-US" dirty="0" smtClean="0"/>
+                        <a:t>Title field in header</a:t>
+                      </a:r>
+                      <a:endParaRPr lang="en-US" dirty="0"/>
+                    </a:p>
+                  </a:txBody>
+                  <a:tcPr/>
+                </a:tc>
+              </a:tr>
+              <a:tr h="370840">
+                <a:tc>
+                  <a:txBody>
+                    <a:bodyPr/>
+                    <a:lstStyle/>
+                    <a:p>
+                      <a:r>
+                        <a:rPr lang="en-US" dirty="0" smtClean="0">
+                          <a:latin typeface="Courier New" pitchFamily="49" charset="0"/>
+                          <a:cs typeface="Courier New" pitchFamily="49" charset="0"/>
+                        </a:rPr>
+                        <a:t>-headers</a:t>
+                      </a:r>
+                      <a:endParaRPr lang="en-US" dirty="0">
+                        <a:latin typeface="Courier New" pitchFamily="49" charset="0"/>
+                        <a:cs typeface="Courier New" pitchFamily="49" charset="0"/>
+                      </a:endParaRPr>
+                    </a:p>
+                  </a:txBody>
+                  <a:tcPr/>
+                </a:tc>
+                <a:tc>
+                  <a:txBody>
+                    <a:bodyPr/>
+                    <a:lstStyle/>
+                    <a:p>
+                      <a:r>
+                        <a:rPr lang="en-US" dirty="0" smtClean="0"/>
+                        <a:t>List of HTML statements puts verbatim in header</a:t>
+                      </a:r>
+                      <a:endParaRPr lang="en-US" dirty="0"/>
+                    </a:p>
+                  </a:txBody>
+                  <a:tcPr/>
+                </a:tc>
+              </a:tr>
+              <a:tr h="370840">
+                <a:tc>
+                  <a:txBody>
+                    <a:bodyPr/>
+                    <a:lstStyle/>
+                    <a:p>
+                      <a:r>
+                        <a:rPr lang="en-US" dirty="0" smtClean="0">
+                          <a:latin typeface="Courier New" pitchFamily="49" charset="0"/>
+                          <a:cs typeface="Courier New" pitchFamily="49" charset="0"/>
+                        </a:rPr>
+                        <a:t>-script</a:t>
+                      </a:r>
+                      <a:endParaRPr lang="en-US" dirty="0">
+                        <a:latin typeface="Courier New" pitchFamily="49" charset="0"/>
+                        <a:cs typeface="Courier New" pitchFamily="49" charset="0"/>
+                      </a:endParaRPr>
+                    </a:p>
+                  </a:txBody>
+                  <a:tcPr/>
+                </a:tc>
+                <a:tc>
+                  <a:txBody>
+                    <a:bodyPr/>
+                    <a:lstStyle/>
+                    <a:p>
+                      <a:r>
+                        <a:rPr lang="en-US" dirty="0" smtClean="0"/>
+                        <a:t>List of script source and</a:t>
+                      </a:r>
+                      <a:r>
+                        <a:rPr lang="en-US" baseline="0" dirty="0" smtClean="0"/>
+                        <a:t> script arguments, converted into </a:t>
+                      </a:r>
+                      <a:r>
+                        <a:rPr lang="en-US" baseline="0" dirty="0" smtClean="0">
+                          <a:latin typeface="Courier New" pitchFamily="49" charset="0"/>
+                          <a:cs typeface="Courier New" pitchFamily="49" charset="0"/>
+                        </a:rPr>
+                        <a:t>&lt;script&gt; </a:t>
+                      </a:r>
+                      <a:r>
+                        <a:rPr lang="en-US" baseline="0" dirty="0" smtClean="0"/>
+                        <a:t>statements and placed in the header </a:t>
+                      </a:r>
+                      <a:endParaRPr lang="en-US" dirty="0"/>
+                    </a:p>
+                  </a:txBody>
+                  <a:tcPr/>
+                </a:tc>
+              </a:tr>
+              <a:tr h="370840">
+                <a:tc>
+                  <a:txBody>
+                    <a:bodyPr/>
+                    <a:lstStyle/>
+                    <a:p>
+                      <a:r>
+                        <a:rPr lang="en-US" dirty="0" smtClean="0">
+                          <a:latin typeface="Courier New" pitchFamily="49" charset="0"/>
+                          <a:cs typeface="Courier New" pitchFamily="49" charset="0"/>
+                        </a:rPr>
+                        <a:t>-style</a:t>
+                      </a:r>
+                      <a:endParaRPr lang="en-US" dirty="0">
+                        <a:latin typeface="Courier New" pitchFamily="49" charset="0"/>
+                        <a:cs typeface="Courier New" pitchFamily="49" charset="0"/>
+                      </a:endParaRPr>
+                    </a:p>
+                  </a:txBody>
+                  <a:tcPr/>
+                </a:tc>
+                <a:tc>
+                  <a:txBody>
+                    <a:bodyPr/>
+                    <a:lstStyle/>
+                    <a:p>
+                      <a:r>
+                        <a:rPr lang="en-US" dirty="0" smtClean="0"/>
+                        <a:t>List of style source</a:t>
+                      </a:r>
+                      <a:r>
+                        <a:rPr lang="en-US" baseline="0" dirty="0" smtClean="0"/>
+                        <a:t> and style arguments, converted into </a:t>
+                      </a:r>
+                      <a:r>
+                        <a:rPr lang="en-US" baseline="0" dirty="0" smtClean="0">
+                          <a:latin typeface="Courier New" pitchFamily="49" charset="0"/>
+                          <a:cs typeface="Courier New" pitchFamily="49" charset="0"/>
+                        </a:rPr>
+                        <a:t>&lt;</a:t>
+                      </a:r>
+                      <a:r>
+                        <a:rPr lang="en-US" baseline="0" dirty="0" err="1" smtClean="0">
+                          <a:latin typeface="Courier New" pitchFamily="49" charset="0"/>
+                          <a:cs typeface="Courier New" pitchFamily="49" charset="0"/>
+                        </a:rPr>
+                        <a:t>stylesheet</a:t>
+                      </a:r>
+                      <a:r>
+                        <a:rPr lang="en-US" baseline="0" dirty="0" smtClean="0">
+                          <a:latin typeface="Courier New" pitchFamily="49" charset="0"/>
+                          <a:cs typeface="Courier New" pitchFamily="49" charset="0"/>
+                        </a:rPr>
+                        <a:t>&gt; </a:t>
+                      </a:r>
+                      <a:r>
+                        <a:rPr lang="en-US" baseline="0" dirty="0" smtClean="0"/>
+                        <a:t>statements and placed in the header</a:t>
+                      </a:r>
+                      <a:endParaRPr lang="en-US" dirty="0"/>
+                    </a:p>
+                  </a:txBody>
+                  <a:tcPr/>
+                </a:tc>
+              </a:tr>
+              <a:tr h="370840">
+                <a:tc>
+                  <a:txBody>
+                    <a:bodyPr/>
+                    <a:lstStyle/>
+                    <a:p>
+                      <a:r>
+                        <a:rPr lang="en-US" dirty="0" smtClean="0">
+                          <a:latin typeface="Courier New" pitchFamily="49" charset="0"/>
+                          <a:cs typeface="Courier New" pitchFamily="49" charset="0"/>
+                        </a:rPr>
+                        <a:t>-preload</a:t>
+                      </a:r>
+                      <a:endParaRPr lang="en-US" dirty="0">
+                        <a:latin typeface="Courier New" pitchFamily="49" charset="0"/>
+                        <a:cs typeface="Courier New" pitchFamily="49" charset="0"/>
+                      </a:endParaRPr>
+                    </a:p>
+                  </a:txBody>
+                  <a:tcPr/>
+                </a:tc>
+                <a:tc>
+                  <a:txBody>
+                    <a:bodyPr/>
+                    <a:lstStyle/>
+                    <a:p>
+                      <a:r>
+                        <a:rPr lang="en-US" dirty="0" smtClean="0"/>
+                        <a:t>List of HTML </a:t>
+                      </a:r>
+                      <a:r>
+                        <a:rPr lang="en-US" dirty="0" smtClean="0">
+                          <a:latin typeface="Courier New" pitchFamily="49" charset="0"/>
+                          <a:cs typeface="Courier New" pitchFamily="49" charset="0"/>
+                        </a:rPr>
+                        <a:t>&lt;script&gt; </a:t>
+                      </a:r>
+                      <a:r>
+                        <a:rPr lang="en-US" dirty="0" smtClean="0"/>
+                        <a:t>statement to be put in header</a:t>
+                      </a:r>
+                      <a:endParaRPr lang="en-US" dirty="0"/>
+                    </a:p>
+                  </a:txBody>
+                  <a:tcPr/>
+                </a:tc>
+              </a:tr>
+              <a:tr h="370840">
+                <a:tc>
+                  <a:txBody>
+                    <a:bodyPr/>
+                    <a:lstStyle/>
+                    <a:p>
+                      <a:r>
+                        <a:rPr lang="en-US" dirty="0" smtClean="0">
+                          <a:latin typeface="Courier New" pitchFamily="49" charset="0"/>
+                          <a:cs typeface="Courier New" pitchFamily="49" charset="0"/>
+                        </a:rPr>
+                        <a:t>-postscript</a:t>
+                      </a:r>
+                      <a:endParaRPr lang="en-US" dirty="0">
+                        <a:latin typeface="Courier New" pitchFamily="49" charset="0"/>
+                        <a:cs typeface="Courier New" pitchFamily="49" charset="0"/>
+                      </a:endParaRPr>
+                    </a:p>
+                  </a:txBody>
+                  <a:tcPr/>
+                </a:tc>
+                <a:tc>
+                  <a:txBody>
+                    <a:bodyPr/>
+                    <a:lstStyle/>
+                    <a:p>
+                      <a:pPr marL="0" marR="0" indent="0" algn="l" defTabSz="914400" rtl="0" eaLnBrk="1" fontAlgn="auto" latinLnBrk="0" hangingPunct="1">
+                        <a:lnSpc>
+                          <a:spcPct val="100000"/>
+                        </a:lnSpc>
+                        <a:spcBef>
+                          <a:spcPts val="0"/>
+                        </a:spcBef>
+                        <a:spcAft>
+                          <a:spcPts val="0"/>
+                        </a:spcAft>
+                        <a:buClrTx/>
+                        <a:buSzTx/>
+                        <a:buFontTx/>
+                        <a:buNone/>
+                        <a:tabLst/>
+                        <a:defRPr/>
+                      </a:pPr>
+                      <a:r>
+                        <a:rPr lang="en-US" dirty="0" smtClean="0"/>
+                        <a:t>List of script source and</a:t>
+                      </a:r>
+                      <a:r>
+                        <a:rPr lang="en-US" baseline="0" dirty="0" smtClean="0"/>
+                        <a:t> script arguments, converted into </a:t>
+                      </a:r>
+                      <a:r>
+                        <a:rPr lang="en-US" baseline="0" dirty="0" smtClean="0">
+                          <a:latin typeface="Courier New" pitchFamily="49" charset="0"/>
+                          <a:cs typeface="Courier New" pitchFamily="49" charset="0"/>
+                        </a:rPr>
+                        <a:t>&lt;script&gt; </a:t>
+                      </a:r>
+                      <a:r>
+                        <a:rPr lang="en-US" baseline="0" dirty="0" smtClean="0"/>
+                        <a:t>statements and placed at end of body</a:t>
+                      </a:r>
+                      <a:endParaRPr lang="en-US" dirty="0" smtClean="0"/>
+                    </a:p>
+                  </a:txBody>
+                  <a:tcPr/>
+                </a:tc>
+              </a:tr>
+              <a:tr h="370840">
+                <a:tc>
+                  <a:txBody>
+                    <a:bodyPr/>
+                    <a:lstStyle/>
+                    <a:p>
+                      <a:r>
+                        <a:rPr lang="en-US" dirty="0" smtClean="0">
+                          <a:latin typeface="Courier New" pitchFamily="49" charset="0"/>
+                          <a:cs typeface="Courier New" pitchFamily="49" charset="0"/>
+                        </a:rPr>
+                        <a:t>-</a:t>
+                      </a:r>
+                      <a:r>
+                        <a:rPr lang="en-US" dirty="0" err="1" smtClean="0">
+                          <a:latin typeface="Courier New" pitchFamily="49" charset="0"/>
+                          <a:cs typeface="Courier New" pitchFamily="49" charset="0"/>
+                        </a:rPr>
+                        <a:t>postload</a:t>
+                      </a:r>
+                      <a:endParaRPr lang="en-US" dirty="0">
+                        <a:latin typeface="Courier New" pitchFamily="49" charset="0"/>
+                        <a:cs typeface="Courier New" pitchFamily="49" charset="0"/>
+                      </a:endParaRPr>
+                    </a:p>
+                  </a:txBody>
+                  <a:tcPr/>
+                </a:tc>
+                <a:tc>
+                  <a:txBody>
+                    <a:bodyPr/>
+                    <a:lstStyle/>
+                    <a:p>
+                      <a:pPr marL="0" marR="0" indent="0" algn="l" defTabSz="914400" rtl="0" eaLnBrk="1" fontAlgn="auto" latinLnBrk="0" hangingPunct="1">
+                        <a:lnSpc>
+                          <a:spcPct val="100000"/>
+                        </a:lnSpc>
+                        <a:spcBef>
+                          <a:spcPts val="0"/>
+                        </a:spcBef>
+                        <a:spcAft>
+                          <a:spcPts val="0"/>
+                        </a:spcAft>
+                        <a:buClrTx/>
+                        <a:buSzTx/>
+                        <a:buFontTx/>
+                        <a:buNone/>
+                        <a:tabLst/>
+                        <a:defRPr/>
+                      </a:pPr>
+                      <a:r>
+                        <a:rPr lang="en-US" dirty="0" smtClean="0"/>
+                        <a:t>List of HTML </a:t>
+                      </a:r>
+                      <a:r>
+                        <a:rPr lang="en-US" dirty="0" smtClean="0">
+                          <a:latin typeface="Courier New" pitchFamily="49" charset="0"/>
+                          <a:cs typeface="Courier New" pitchFamily="49" charset="0"/>
+                        </a:rPr>
+                        <a:t>&lt;script&gt; </a:t>
+                      </a:r>
+                      <a:r>
+                        <a:rPr lang="en-US" dirty="0" smtClean="0"/>
+                        <a:t>statement to be put at</a:t>
+                      </a:r>
+                      <a:r>
+                        <a:rPr lang="en-US" baseline="0" dirty="0" smtClean="0"/>
+                        <a:t> end of body</a:t>
+                      </a:r>
+                      <a:endParaRPr lang="en-US" dirty="0" smtClean="0"/>
+                    </a:p>
+                  </a:txBody>
+                  <a:tcPr/>
+                </a:tc>
+              </a:tr>
+            </a:tbl>
+          </a:graphicData>
+        </a:graphic>
+      </p:graphicFrame>
     </p:spTree>
   </p:cSld>
   <p:clrMapOvr>
@@ -11612,7 +14578,7 @@
           <a:p>
             <a:r>
               <a:rPr lang="en-US" dirty="0" smtClean="0"/>
-              <a:t>Conclusion</a:t>
+              <a:t>Example 4: other content types</a:t>
             </a:r>
             <a:endParaRPr lang="en-US" dirty="0"/>
           </a:p>
@@ -11633,7 +14599,72 @@
           <a:bodyPr/>
           <a:lstStyle/>
           <a:p>
-            <a:endParaRPr lang="en-US"/>
+            <a:r>
+              <a:rPr lang="en-US" dirty="0" smtClean="0"/>
+              <a:t>Other content types can be returned by setting the </a:t>
+            </a:r>
+            <a:r>
+              <a:rPr lang="en-US" dirty="0" smtClean="0">
+                <a:latin typeface="Courier New" pitchFamily="49" charset="0"/>
+                <a:cs typeface="Courier New" pitchFamily="49" charset="0"/>
+              </a:rPr>
+              <a:t>content-type</a:t>
+            </a:r>
+            <a:r>
+              <a:rPr lang="en-US" dirty="0" smtClean="0"/>
+              <a:t> response </a:t>
+            </a:r>
+            <a:r>
+              <a:rPr lang="en-US" dirty="0" err="1" smtClean="0"/>
+              <a:t>dict</a:t>
+            </a:r>
+            <a:r>
+              <a:rPr lang="en-US" dirty="0" smtClean="0"/>
+              <a:t> value</a:t>
+            </a:r>
+          </a:p>
+          <a:p>
+            <a:pPr>
+              <a:buNone/>
+            </a:pPr>
+            <a:endParaRPr lang="en-US" dirty="0" smtClean="0"/>
+          </a:p>
+          <a:p>
+            <a:pPr>
+              <a:buNone/>
+            </a:pPr>
+            <a:r>
+              <a:rPr lang="en-US" sz="2800" dirty="0" err="1" smtClean="0">
+                <a:latin typeface="Courier New" pitchFamily="49" charset="0"/>
+                <a:cs typeface="Courier New" pitchFamily="49" charset="0"/>
+              </a:rPr>
+              <a:t>dict</a:t>
+            </a:r>
+            <a:r>
+              <a:rPr lang="en-US" sz="2800" dirty="0" smtClean="0">
+                <a:latin typeface="Courier New" pitchFamily="49" charset="0"/>
+                <a:cs typeface="Courier New" pitchFamily="49" charset="0"/>
+              </a:rPr>
+              <a:t> set </a:t>
+            </a:r>
+            <a:r>
+              <a:rPr lang="en-US" sz="2800" dirty="0" err="1" smtClean="0">
+                <a:latin typeface="Courier New" pitchFamily="49" charset="0"/>
+                <a:cs typeface="Courier New" pitchFamily="49" charset="0"/>
+              </a:rPr>
+              <a:t>req</a:t>
+            </a:r>
+            <a:r>
+              <a:rPr lang="en-US" sz="2800" dirty="0" smtClean="0">
+                <a:latin typeface="Courier New" pitchFamily="49" charset="0"/>
+                <a:cs typeface="Courier New" pitchFamily="49" charset="0"/>
+              </a:rPr>
+              <a:t> content-type text/plain</a:t>
+            </a:r>
+            <a:endParaRPr lang="en-US" sz="2800" dirty="0">
+              <a:latin typeface="Courier New" pitchFamily="49" charset="0"/>
+              <a:cs typeface="Courier New" pitchFamily="49" charset="0"/>
+            </a:endParaRPr>
           </a:p>
         </p:txBody>
       </p:sp>
@@ -11679,9 +14710,892 @@
           <a:p>
             <a:r>
               <a:rPr lang="en-US" dirty="0" smtClean="0"/>
-              <a:t>Questions?</a:t>
+              <a:t>Example 4: generating html</a:t>
             </a:r>
             <a:endParaRPr lang="en-US" dirty="0"/>
+          </a:p>
+        </p:txBody>
+      </p:sp>
+      <p:sp>
+        <p:nvSpPr>
+          <p:cNvPr id="3" name="Content Placeholder 2"/>
+          <p:cNvSpPr>
+            <a:spLocks noGrp="1"/>
+          </p:cNvSpPr>
+          <p:nvPr>
+            <p:ph idx="1"/>
+          </p:nvPr>
+        </p:nvSpPr>
+        <p:spPr/>
+        <p:txBody>
+          <a:bodyPr/>
+          <a:lstStyle/>
+          <a:p>
+            <a:r>
+              <a:rPr lang="en-US" dirty="0" err="1" smtClean="0"/>
+              <a:t>Wub</a:t>
+            </a:r>
+            <a:r>
+              <a:rPr lang="en-US" dirty="0" smtClean="0"/>
+              <a:t> offers HTML generation commands:</a:t>
+            </a:r>
+          </a:p>
+          <a:p>
+            <a:pPr>
+              <a:buNone/>
+            </a:pPr>
+            <a:r>
+              <a:rPr lang="en-US" sz="2400" dirty="0" smtClean="0">
+                <a:latin typeface="Courier New" pitchFamily="49" charset="0"/>
+                <a:cs typeface="Courier New" pitchFamily="49" charset="0"/>
+              </a:rPr>
+              <a:t>  &lt;command&gt; ?key value …? Contents</a:t>
+            </a:r>
+            <a:endParaRPr lang="en-US" dirty="0" smtClean="0"/>
+          </a:p>
+          <a:p>
+            <a:r>
+              <a:rPr lang="en-US" dirty="0" smtClean="0"/>
+              <a:t>Is converted into:</a:t>
+            </a:r>
+          </a:p>
+          <a:p>
+            <a:pPr>
+              <a:buNone/>
+            </a:pPr>
+            <a:r>
+              <a:rPr lang="en-US" sz="2400" dirty="0" smtClean="0">
+                <a:latin typeface="Courier New" pitchFamily="49" charset="0"/>
+                <a:cs typeface="Courier New" pitchFamily="49" charset="0"/>
+              </a:rPr>
+              <a:t>  &lt;command key=‘value’ key2=‘value2’ …&gt; contents</a:t>
+            </a:r>
+          </a:p>
+          <a:p>
+            <a:pPr>
+              <a:buNone/>
+            </a:pPr>
+            <a:r>
+              <a:rPr lang="en-US" sz="2400" dirty="0" smtClean="0">
+                <a:latin typeface="Courier New" pitchFamily="49" charset="0"/>
+                <a:cs typeface="Courier New" pitchFamily="49" charset="0"/>
+              </a:rPr>
+              <a:t> </a:t>
+            </a:r>
+            <a:r>
+              <a:rPr lang="en-US" sz="2400" dirty="0" smtClean="0">
+                <a:latin typeface="Courier New" pitchFamily="49" charset="0"/>
+                <a:cs typeface="Courier New" pitchFamily="49" charset="0"/>
+              </a:rPr>
+              <a:t> &lt;/command&gt;</a:t>
+            </a:r>
+            <a:endParaRPr lang="en-US" sz="2400" dirty="0" smtClean="0">
+              <a:latin typeface="Courier New" pitchFamily="49" charset="0"/>
+              <a:cs typeface="Courier New" pitchFamily="49" charset="0"/>
+            </a:endParaRPr>
+          </a:p>
+          <a:p>
+            <a:pPr>
+              <a:buNone/>
+            </a:pPr>
+            <a:endParaRPr lang="en-US" dirty="0"/>
+          </a:p>
+        </p:txBody>
+      </p:sp>
+      <p:graphicFrame>
+        <p:nvGraphicFramePr>
+          <p:cNvPr id="4" name="Table 3"/>
+          <p:cNvGraphicFramePr>
+            <a:graphicFrameLocks noGrp="1"/>
+          </p:cNvGraphicFramePr>
+          <p:nvPr/>
+        </p:nvGraphicFramePr>
+        <p:xfrm>
+          <a:off x="3200400" y="4038600"/>
+          <a:ext cx="5608320" cy="2219960"/>
+        </p:xfrm>
+        <a:graphic>
+          <a:graphicData uri="http://schemas.openxmlformats.org/drawingml/2006/table">
+            <a:tbl>
+              <a:tblPr firstRow="1" bandRow="1">
+                <a:tableStyleId>{5C22544A-7EE6-4342-B048-85BDC9FD1C3A}</a:tableStyleId>
+              </a:tblPr>
+              <a:tblGrid>
+                <a:gridCol w="1295400"/>
+                <a:gridCol w="1508760"/>
+                <a:gridCol w="1402080"/>
+                <a:gridCol w="1402080"/>
+              </a:tblGrid>
+              <a:tr h="137160">
+                <a:tc>
+                  <a:txBody>
+                    <a:bodyPr/>
+                    <a:lstStyle/>
+                    <a:p>
+                      <a:r>
+                        <a:rPr lang="en-US" dirty="0" smtClean="0"/>
+                        <a:t>&lt;h1&gt;</a:t>
+                      </a:r>
+                      <a:endParaRPr lang="en-US" dirty="0"/>
+                    </a:p>
+                  </a:txBody>
+                  <a:tcPr/>
+                </a:tc>
+                <a:tc>
+                  <a:txBody>
+                    <a:bodyPr/>
+                    <a:lstStyle/>
+                    <a:p>
+                      <a:r>
+                        <a:rPr lang="en-US" dirty="0" smtClean="0"/>
+                        <a:t>&lt;h2&gt;</a:t>
+                      </a:r>
+                      <a:endParaRPr lang="en-US" dirty="0"/>
+                    </a:p>
+                  </a:txBody>
+                  <a:tcPr/>
+                </a:tc>
+                <a:tc>
+                  <a:txBody>
+                    <a:bodyPr/>
+                    <a:lstStyle/>
+                    <a:p>
+                      <a:r>
+                        <a:rPr lang="en-US" dirty="0" smtClean="0"/>
+                        <a:t>&lt;h3&gt;</a:t>
+                      </a:r>
+                      <a:endParaRPr lang="en-US" dirty="0"/>
+                    </a:p>
+                  </a:txBody>
+                  <a:tcPr/>
+                </a:tc>
+                <a:tc>
+                  <a:txBody>
+                    <a:bodyPr/>
+                    <a:lstStyle/>
+                    <a:p>
+                      <a:r>
+                        <a:rPr lang="en-US" dirty="0" smtClean="0"/>
+                        <a:t>&lt;h4&gt;</a:t>
+                      </a:r>
+                      <a:endParaRPr lang="en-US" dirty="0"/>
+                    </a:p>
+                  </a:txBody>
+                  <a:tcPr/>
+                </a:tc>
+              </a:tr>
+              <a:tr h="370840">
+                <a:tc>
+                  <a:txBody>
+                    <a:bodyPr/>
+                    <a:lstStyle/>
+                    <a:p>
+                      <a:r>
+                        <a:rPr lang="en-US" dirty="0" smtClean="0"/>
+                        <a:t>&lt;p&gt;</a:t>
+                      </a:r>
+                      <a:endParaRPr lang="en-US" dirty="0"/>
+                    </a:p>
+                  </a:txBody>
+                  <a:tcPr/>
+                </a:tc>
+                <a:tc>
+                  <a:txBody>
+                    <a:bodyPr/>
+                    <a:lstStyle/>
+                    <a:p>
+                      <a:r>
+                        <a:rPr lang="en-US" dirty="0" smtClean="0"/>
+                        <a:t>&lt;b&gt;</a:t>
+                      </a:r>
+                      <a:endParaRPr lang="en-US" dirty="0"/>
+                    </a:p>
+                  </a:txBody>
+                  <a:tcPr/>
+                </a:tc>
+                <a:tc>
+                  <a:txBody>
+                    <a:bodyPr/>
+                    <a:lstStyle/>
+                    <a:p>
+                      <a:r>
+                        <a:rPr lang="en-US" dirty="0" smtClean="0"/>
+                        <a:t>&lt;</a:t>
+                      </a:r>
+                      <a:r>
+                        <a:rPr lang="en-US" dirty="0" err="1" smtClean="0"/>
+                        <a:t>i</a:t>
+                      </a:r>
+                      <a:r>
+                        <a:rPr lang="en-US" dirty="0" smtClean="0"/>
+                        <a:t>&gt;</a:t>
+                      </a:r>
+                      <a:endParaRPr lang="en-US" dirty="0"/>
+                    </a:p>
+                  </a:txBody>
+                  <a:tcPr/>
+                </a:tc>
+                <a:tc>
+                  <a:txBody>
+                    <a:bodyPr/>
+                    <a:lstStyle/>
+                    <a:p>
+                      <a:r>
+                        <a:rPr lang="en-US" dirty="0" smtClean="0"/>
+                        <a:t>&lt;</a:t>
+                      </a:r>
+                      <a:r>
+                        <a:rPr lang="en-US" dirty="0" err="1" smtClean="0"/>
+                        <a:t>tt</a:t>
+                      </a:r>
+                      <a:r>
+                        <a:rPr lang="en-US" dirty="0" smtClean="0"/>
+                        <a:t>&gt;</a:t>
+                      </a:r>
+                      <a:endParaRPr lang="en-US" dirty="0"/>
+                    </a:p>
+                  </a:txBody>
+                  <a:tcPr/>
+                </a:tc>
+              </a:tr>
+              <a:tr h="370840">
+                <a:tc>
+                  <a:txBody>
+                    <a:bodyPr/>
+                    <a:lstStyle/>
+                    <a:p>
+                      <a:r>
+                        <a:rPr lang="en-US" dirty="0" smtClean="0"/>
+                        <a:t>&lt;</a:t>
+                      </a:r>
+                      <a:r>
+                        <a:rPr lang="en-US" dirty="0" err="1" smtClean="0"/>
+                        <a:t>ul</a:t>
+                      </a:r>
+                      <a:r>
+                        <a:rPr lang="en-US" dirty="0" smtClean="0"/>
+                        <a:t>&gt;</a:t>
+                      </a:r>
+                      <a:endParaRPr lang="en-US" dirty="0"/>
+                    </a:p>
+                  </a:txBody>
+                  <a:tcPr/>
+                </a:tc>
+                <a:tc>
+                  <a:txBody>
+                    <a:bodyPr/>
+                    <a:lstStyle/>
+                    <a:p>
+                      <a:r>
+                        <a:rPr lang="en-US" dirty="0" smtClean="0"/>
+                        <a:t>&lt;</a:t>
+                      </a:r>
+                      <a:r>
+                        <a:rPr lang="en-US" dirty="0" err="1" smtClean="0"/>
+                        <a:t>ol</a:t>
+                      </a:r>
+                      <a:r>
+                        <a:rPr lang="en-US" dirty="0" smtClean="0"/>
+                        <a:t>&gt;</a:t>
+                      </a:r>
+                      <a:endParaRPr lang="en-US" dirty="0"/>
+                    </a:p>
+                  </a:txBody>
+                  <a:tcPr/>
+                </a:tc>
+                <a:tc>
+                  <a:txBody>
+                    <a:bodyPr/>
+                    <a:lstStyle/>
+                    <a:p>
+                      <a:r>
+                        <a:rPr lang="en-US" dirty="0" smtClean="0"/>
+                        <a:t>&lt;</a:t>
+                      </a:r>
+                      <a:r>
+                        <a:rPr lang="en-US" dirty="0" err="1" smtClean="0"/>
+                        <a:t>li</a:t>
+                      </a:r>
+                      <a:r>
+                        <a:rPr lang="en-US" dirty="0" smtClean="0"/>
+                        <a:t>&gt;</a:t>
+                      </a:r>
+                      <a:endParaRPr lang="en-US" dirty="0"/>
+                    </a:p>
+                  </a:txBody>
+                  <a:tcPr/>
+                </a:tc>
+                <a:tc>
+                  <a:txBody>
+                    <a:bodyPr/>
+                    <a:lstStyle/>
+                    <a:p>
+                      <a:r>
+                        <a:rPr lang="en-US" dirty="0" smtClean="0"/>
+                        <a:t>&lt;span&gt;</a:t>
+                      </a:r>
+                      <a:endParaRPr lang="en-US" dirty="0"/>
+                    </a:p>
+                  </a:txBody>
+                  <a:tcPr/>
+                </a:tc>
+              </a:tr>
+              <a:tr h="370840">
+                <a:tc>
+                  <a:txBody>
+                    <a:bodyPr/>
+                    <a:lstStyle/>
+                    <a:p>
+                      <a:r>
+                        <a:rPr lang="en-US" dirty="0" smtClean="0"/>
+                        <a:t>&lt;table&gt;</a:t>
+                      </a:r>
+                      <a:endParaRPr lang="en-US" dirty="0"/>
+                    </a:p>
+                  </a:txBody>
+                  <a:tcPr/>
+                </a:tc>
+                <a:tc>
+                  <a:txBody>
+                    <a:bodyPr/>
+                    <a:lstStyle/>
+                    <a:p>
+                      <a:r>
+                        <a:rPr lang="en-US" dirty="0" smtClean="0"/>
+                        <a:t>&lt;</a:t>
+                      </a:r>
+                      <a:r>
+                        <a:rPr lang="en-US" dirty="0" err="1" smtClean="0"/>
+                        <a:t>tr</a:t>
+                      </a:r>
+                      <a:r>
+                        <a:rPr lang="en-US" dirty="0" smtClean="0"/>
+                        <a:t>&gt;</a:t>
+                      </a:r>
+                      <a:endParaRPr lang="en-US" dirty="0"/>
+                    </a:p>
+                  </a:txBody>
+                  <a:tcPr/>
+                </a:tc>
+                <a:tc>
+                  <a:txBody>
+                    <a:bodyPr/>
+                    <a:lstStyle/>
+                    <a:p>
+                      <a:r>
+                        <a:rPr lang="en-US" dirty="0" smtClean="0"/>
+                        <a:t>&lt;td&gt;</a:t>
+                      </a:r>
+                      <a:endParaRPr lang="en-US" dirty="0"/>
+                    </a:p>
+                  </a:txBody>
+                  <a:tcPr/>
+                </a:tc>
+                <a:tc>
+                  <a:txBody>
+                    <a:bodyPr/>
+                    <a:lstStyle/>
+                    <a:p>
+                      <a:r>
+                        <a:rPr lang="en-US" dirty="0" smtClean="0"/>
+                        <a:t>&lt;div&gt;</a:t>
+                      </a:r>
+                      <a:endParaRPr lang="en-US" dirty="0"/>
+                    </a:p>
+                  </a:txBody>
+                  <a:tcPr/>
+                </a:tc>
+              </a:tr>
+              <a:tr h="370840">
+                <a:tc>
+                  <a:txBody>
+                    <a:bodyPr/>
+                    <a:lstStyle/>
+                    <a:p>
+                      <a:r>
+                        <a:rPr lang="en-US" dirty="0" smtClean="0"/>
+                        <a:t>&lt;author&gt;</a:t>
+                      </a:r>
+                      <a:endParaRPr lang="en-US" dirty="0"/>
+                    </a:p>
+                  </a:txBody>
+                  <a:tcPr/>
+                </a:tc>
+                <a:tc>
+                  <a:txBody>
+                    <a:bodyPr/>
+                    <a:lstStyle/>
+                    <a:p>
+                      <a:r>
+                        <a:rPr lang="en-US" dirty="0" smtClean="0"/>
+                        <a:t>&lt;description&gt;</a:t>
+                      </a:r>
+                      <a:endParaRPr lang="en-US" dirty="0"/>
+                    </a:p>
+                  </a:txBody>
+                  <a:tcPr/>
+                </a:tc>
+                <a:tc>
+                  <a:txBody>
+                    <a:bodyPr/>
+                    <a:lstStyle/>
+                    <a:p>
+                      <a:r>
+                        <a:rPr lang="en-US" dirty="0" smtClean="0"/>
+                        <a:t>&lt;copyright&gt;</a:t>
+                      </a:r>
+                      <a:endParaRPr lang="en-US" dirty="0"/>
+                    </a:p>
+                  </a:txBody>
+                  <a:tcPr/>
+                </a:tc>
+                <a:tc>
+                  <a:txBody>
+                    <a:bodyPr/>
+                    <a:lstStyle/>
+                    <a:p>
+                      <a:r>
+                        <a:rPr lang="en-US" dirty="0" smtClean="0"/>
+                        <a:t>&lt;generator&gt;</a:t>
+                      </a:r>
+                    </a:p>
+                  </a:txBody>
+                  <a:tcPr/>
+                </a:tc>
+              </a:tr>
+              <a:tr h="370840">
+                <a:tc>
+                  <a:txBody>
+                    <a:bodyPr/>
+                    <a:lstStyle/>
+                    <a:p>
+                      <a:r>
+                        <a:rPr lang="en-US" dirty="0" smtClean="0"/>
+                        <a:t>&lt;keywords&gt;</a:t>
+                      </a:r>
+                      <a:endParaRPr lang="en-US" dirty="0"/>
+                    </a:p>
+                  </a:txBody>
+                  <a:tcPr/>
+                </a:tc>
+                <a:tc>
+                  <a:txBody>
+                    <a:bodyPr/>
+                    <a:lstStyle/>
+                    <a:p>
+                      <a:r>
+                        <a:rPr lang="en-US" dirty="0" smtClean="0"/>
+                        <a:t>&lt;meta&gt;</a:t>
+                      </a:r>
+                      <a:endParaRPr lang="en-US" dirty="0"/>
+                    </a:p>
+                  </a:txBody>
+                  <a:tcPr/>
+                </a:tc>
+                <a:tc>
+                  <a:txBody>
+                    <a:bodyPr/>
+                    <a:lstStyle/>
+                    <a:p>
+                      <a:r>
+                        <a:rPr lang="en-US" dirty="0" smtClean="0"/>
+                        <a:t>&lt;link&gt;</a:t>
+                      </a:r>
+                      <a:endParaRPr lang="en-US" dirty="0"/>
+                    </a:p>
+                  </a:txBody>
+                  <a:tcPr/>
+                </a:tc>
+                <a:tc>
+                  <a:txBody>
+                    <a:bodyPr/>
+                    <a:lstStyle/>
+                    <a:p>
+                      <a:r>
+                        <a:rPr lang="en-US" dirty="0" smtClean="0"/>
+                        <a:t>&lt;script&gt;</a:t>
+                      </a:r>
+                    </a:p>
+                  </a:txBody>
+                  <a:tcPr/>
+                </a:tc>
+              </a:tr>
+            </a:tbl>
+          </a:graphicData>
+        </a:graphic>
+      </p:graphicFrame>
+    </p:spTree>
+  </p:cSld>
+  <p:clrMapOvr>
+    <a:masterClrMapping/>
+  </p:clrMapOvr>
+  <p:timing>
+    <p:tnLst>
+      <p:par>
+        <p:cTn id="1" dur="indefinite" restart="never" nodeType="tmRoot"/>
+      </p:par>
+    </p:tnLst>
+  </p:timing>
+</p:sld>
+</file>
+
+<file path=ppt/slides/slide35.xml><?xml version="1.0" encoding="utf-8"?>
+<p:sld xmlns:a="http://schemas.openxmlformats.org/drawingml/2006/main" xmlns:r="http://schemas.openxmlformats.org/officeDocument/2006/relationships" xmlns:p="http://schemas.openxmlformats.org/presentationml/2006/main">
+  <p:cSld>
+    <p:spTree>
+      <p:nvGrpSpPr>
+        <p:cNvPr id="1" name=""/>
+        <p:cNvGrpSpPr/>
+        <p:nvPr/>
+      </p:nvGrpSpPr>
+      <p:grpSpPr>
+        <a:xfrm>
+          <a:off x="0" y="0"/>
+          <a:ext cx="0" cy="0"/>
+          <a:chOff x="0" y="0"/>
+          <a:chExt cx="0" cy="0"/>
+        </a:xfrm>
+      </p:grpSpPr>
+      <p:sp>
+        <p:nvSpPr>
+          <p:cNvPr id="2" name="Title 1"/>
+          <p:cNvSpPr>
+            <a:spLocks noGrp="1"/>
+          </p:cNvSpPr>
+          <p:nvPr>
+            <p:ph type="title"/>
+          </p:nvPr>
+        </p:nvSpPr>
+        <p:spPr>
+          <a:xfrm>
+            <a:off x="304800" y="274638"/>
+            <a:ext cx="8534400" cy="1143000"/>
+          </a:xfrm>
+        </p:spPr>
+        <p:txBody>
+          <a:bodyPr>
+            <a:normAutofit fontScale="90000"/>
+          </a:bodyPr>
+          <a:lstStyle/>
+          <a:p>
+            <a:r>
+              <a:rPr lang="en-US" dirty="0" smtClean="0"/>
+              <a:t>Example 5: Http commands and caching</a:t>
+            </a:r>
+            <a:endParaRPr lang="en-US" dirty="0"/>
+          </a:p>
+        </p:txBody>
+      </p:sp>
+      <p:sp>
+        <p:nvSpPr>
+          <p:cNvPr id="3" name="Content Placeholder 2"/>
+          <p:cNvSpPr>
+            <a:spLocks noGrp="1"/>
+          </p:cNvSpPr>
+          <p:nvPr>
+            <p:ph idx="1"/>
+          </p:nvPr>
+        </p:nvSpPr>
+        <p:spPr/>
+        <p:txBody>
+          <a:bodyPr/>
+          <a:lstStyle/>
+          <a:p>
+            <a:endParaRPr lang="en-US"/>
+          </a:p>
+        </p:txBody>
+      </p:sp>
+    </p:spTree>
+  </p:cSld>
+  <p:clrMapOvr>
+    <a:masterClrMapping/>
+  </p:clrMapOvr>
+  <p:timing>
+    <p:tnLst>
+      <p:par>
+        <p:cTn id="1" dur="indefinite" restart="never" nodeType="tmRoot"/>
+      </p:par>
+    </p:tnLst>
+  </p:timing>
+</p:sld>
+</file>
+
+<file path=ppt/slides/slide36.xml><?xml version="1.0" encoding="utf-8"?>
+<p:sld xmlns:a="http://schemas.openxmlformats.org/drawingml/2006/main" xmlns:r="http://schemas.openxmlformats.org/officeDocument/2006/relationships" xmlns:p="http://schemas.openxmlformats.org/presentationml/2006/main">
+  <p:cSld>
+    <p:spTree>
+      <p:nvGrpSpPr>
+        <p:cNvPr id="1" name=""/>
+        <p:cNvGrpSpPr/>
+        <p:nvPr/>
+      </p:nvGrpSpPr>
+      <p:grpSpPr>
+        <a:xfrm>
+          <a:off x="0" y="0"/>
+          <a:ext cx="0" cy="0"/>
+          <a:chOff x="0" y="0"/>
+          <a:chExt cx="0" cy="0"/>
+        </a:xfrm>
+      </p:grpSpPr>
+      <p:sp>
+        <p:nvSpPr>
+          <p:cNvPr id="2" name="Title 1"/>
+          <p:cNvSpPr>
+            <a:spLocks noGrp="1"/>
+          </p:cNvSpPr>
+          <p:nvPr>
+            <p:ph type="title"/>
+          </p:nvPr>
+        </p:nvSpPr>
+        <p:spPr/>
+        <p:txBody>
+          <a:bodyPr/>
+          <a:lstStyle/>
+          <a:p>
+            <a:r>
+              <a:rPr lang="en-US" dirty="0" smtClean="0"/>
+              <a:t>Example 6: Forms</a:t>
+            </a:r>
+            <a:endParaRPr lang="en-US" dirty="0"/>
+          </a:p>
+        </p:txBody>
+      </p:sp>
+      <p:sp>
+        <p:nvSpPr>
+          <p:cNvPr id="3" name="Content Placeholder 2"/>
+          <p:cNvSpPr>
+            <a:spLocks noGrp="1"/>
+          </p:cNvSpPr>
+          <p:nvPr>
+            <p:ph idx="1"/>
+          </p:nvPr>
+        </p:nvSpPr>
+        <p:spPr/>
+        <p:txBody>
+          <a:bodyPr/>
+          <a:lstStyle/>
+          <a:p>
+            <a:endParaRPr lang="en-US"/>
+          </a:p>
+        </p:txBody>
+      </p:sp>
+    </p:spTree>
+  </p:cSld>
+  <p:clrMapOvr>
+    <a:masterClrMapping/>
+  </p:clrMapOvr>
+  <p:timing>
+    <p:tnLst>
+      <p:par>
+        <p:cTn id="1" dur="indefinite" restart="never" nodeType="tmRoot"/>
+      </p:par>
+    </p:tnLst>
+  </p:timing>
+</p:sld>
+</file>
+
+<file path=ppt/slides/slide37.xml><?xml version="1.0" encoding="utf-8"?>
+<p:sld xmlns:a="http://schemas.openxmlformats.org/drawingml/2006/main" xmlns:r="http://schemas.openxmlformats.org/officeDocument/2006/relationships" xmlns:p="http://schemas.openxmlformats.org/presentationml/2006/main">
+  <p:cSld>
+    <p:spTree>
+      <p:nvGrpSpPr>
+        <p:cNvPr id="1" name=""/>
+        <p:cNvGrpSpPr/>
+        <p:nvPr/>
+      </p:nvGrpSpPr>
+      <p:grpSpPr>
+        <a:xfrm>
+          <a:off x="0" y="0"/>
+          <a:ext cx="0" cy="0"/>
+          <a:chOff x="0" y="0"/>
+          <a:chExt cx="0" cy="0"/>
+        </a:xfrm>
+      </p:grpSpPr>
+      <p:sp>
+        <p:nvSpPr>
+          <p:cNvPr id="2" name="Title 1"/>
+          <p:cNvSpPr>
+            <a:spLocks noGrp="1"/>
+          </p:cNvSpPr>
+          <p:nvPr>
+            <p:ph type="title"/>
+          </p:nvPr>
+        </p:nvSpPr>
+        <p:spPr/>
+        <p:txBody>
+          <a:bodyPr/>
+          <a:lstStyle/>
+          <a:p>
+            <a:r>
+              <a:rPr lang="en-US" dirty="0" smtClean="0"/>
+              <a:t>Example 7: </a:t>
+            </a:r>
+            <a:r>
+              <a:rPr lang="en-US" dirty="0" err="1" smtClean="0"/>
+              <a:t>jQuery</a:t>
+            </a:r>
+            <a:endParaRPr lang="en-US" dirty="0"/>
+          </a:p>
+        </p:txBody>
+      </p:sp>
+      <p:sp>
+        <p:nvSpPr>
+          <p:cNvPr id="3" name="Content Placeholder 2"/>
+          <p:cNvSpPr>
+            <a:spLocks noGrp="1"/>
+          </p:cNvSpPr>
+          <p:nvPr>
+            <p:ph idx="1"/>
+          </p:nvPr>
+        </p:nvSpPr>
+        <p:spPr/>
+        <p:txBody>
+          <a:bodyPr/>
+          <a:lstStyle/>
+          <a:p>
+            <a:endParaRPr lang="en-US"/>
+          </a:p>
+        </p:txBody>
+      </p:sp>
+    </p:spTree>
+  </p:cSld>
+  <p:clrMapOvr>
+    <a:masterClrMapping/>
+  </p:clrMapOvr>
+</p:sld>
+</file>
+
+<file path=ppt/slides/slide38.xml><?xml version="1.0" encoding="utf-8"?>
+<p:sld xmlns:a="http://schemas.openxmlformats.org/drawingml/2006/main" xmlns:r="http://schemas.openxmlformats.org/officeDocument/2006/relationships" xmlns:p="http://schemas.openxmlformats.org/presentationml/2006/main">
+  <p:cSld>
+    <p:spTree>
+      <p:nvGrpSpPr>
+        <p:cNvPr id="1" name=""/>
+        <p:cNvGrpSpPr/>
+        <p:nvPr/>
+      </p:nvGrpSpPr>
+      <p:grpSpPr>
+        <a:xfrm>
+          <a:off x="0" y="0"/>
+          <a:ext cx="0" cy="0"/>
+          <a:chOff x="0" y="0"/>
+          <a:chExt cx="0" cy="0"/>
+        </a:xfrm>
+      </p:grpSpPr>
+      <p:sp>
+        <p:nvSpPr>
+          <p:cNvPr id="2" name="Title 1"/>
+          <p:cNvSpPr>
+            <a:spLocks noGrp="1"/>
+          </p:cNvSpPr>
+          <p:nvPr>
+            <p:ph type="title"/>
+          </p:nvPr>
+        </p:nvSpPr>
+        <p:spPr/>
+        <p:txBody>
+          <a:bodyPr/>
+          <a:lstStyle/>
+          <a:p>
+            <a:r>
+              <a:rPr lang="en-US" dirty="0" smtClean="0"/>
+              <a:t>Example 8: </a:t>
+            </a:r>
+            <a:r>
+              <a:rPr lang="en-US" dirty="0" err="1" smtClean="0"/>
+              <a:t>ini</a:t>
+            </a:r>
+            <a:r>
+              <a:rPr lang="en-US" dirty="0" smtClean="0"/>
+              <a:t> parameters</a:t>
+            </a:r>
+            <a:endParaRPr lang="en-US" dirty="0"/>
+          </a:p>
+        </p:txBody>
+      </p:sp>
+      <p:sp>
+        <p:nvSpPr>
+          <p:cNvPr id="3" name="Content Placeholder 2"/>
+          <p:cNvSpPr>
+            <a:spLocks noGrp="1"/>
+          </p:cNvSpPr>
+          <p:nvPr>
+            <p:ph idx="1"/>
+          </p:nvPr>
+        </p:nvSpPr>
+        <p:spPr/>
+        <p:txBody>
+          <a:bodyPr/>
+          <a:lstStyle/>
+          <a:p>
+            <a:endParaRPr lang="en-US"/>
+          </a:p>
+        </p:txBody>
+      </p:sp>
+    </p:spTree>
+  </p:cSld>
+  <p:clrMapOvr>
+    <a:masterClrMapping/>
+  </p:clrMapOvr>
+</p:sld>
+</file>
+
+<file path=ppt/slides/slide39.xml><?xml version="1.0" encoding="utf-8"?>
+<p:sld xmlns:a="http://schemas.openxmlformats.org/drawingml/2006/main" xmlns:r="http://schemas.openxmlformats.org/officeDocument/2006/relationships" xmlns:p="http://schemas.openxmlformats.org/presentationml/2006/main">
+  <p:cSld>
+    <p:spTree>
+      <p:nvGrpSpPr>
+        <p:cNvPr id="1" name=""/>
+        <p:cNvGrpSpPr/>
+        <p:nvPr/>
+      </p:nvGrpSpPr>
+      <p:grpSpPr>
+        <a:xfrm>
+          <a:off x="0" y="0"/>
+          <a:ext cx="0" cy="0"/>
+          <a:chOff x="0" y="0"/>
+          <a:chExt cx="0" cy="0"/>
+        </a:xfrm>
+      </p:grpSpPr>
+      <p:sp>
+        <p:nvSpPr>
+          <p:cNvPr id="2" name="Title 1"/>
+          <p:cNvSpPr>
+            <a:spLocks noGrp="1"/>
+          </p:cNvSpPr>
+          <p:nvPr>
+            <p:ph type="title"/>
+          </p:nvPr>
+        </p:nvSpPr>
+        <p:spPr/>
+        <p:txBody>
+          <a:bodyPr/>
+          <a:lstStyle/>
+          <a:p>
+            <a:r>
+              <a:rPr lang="en-US" dirty="0" smtClean="0"/>
+              <a:t>Example 9: Nub</a:t>
+            </a:r>
+            <a:endParaRPr lang="en-US" dirty="0"/>
+          </a:p>
+        </p:txBody>
+      </p:sp>
+      <p:sp>
+        <p:nvSpPr>
+          <p:cNvPr id="3" name="Content Placeholder 2"/>
+          <p:cNvSpPr>
+            <a:spLocks noGrp="1"/>
+          </p:cNvSpPr>
+          <p:nvPr>
+            <p:ph idx="1"/>
+          </p:nvPr>
+        </p:nvSpPr>
+        <p:spPr/>
+        <p:txBody>
+          <a:bodyPr/>
+          <a:lstStyle/>
+          <a:p>
+            <a:endParaRPr lang="en-US"/>
           </a:p>
         </p:txBody>
       </p:sp>
@@ -11820,6 +15734,322 @@
       </p:par>
     </p:tnLst>
   </p:timing>
+</p:sld>
+</file>
+
+<file path=ppt/slides/slide40.xml><?xml version="1.0" encoding="utf-8"?>
+<p:sld xmlns:a="http://schemas.openxmlformats.org/drawingml/2006/main" xmlns:r="http://schemas.openxmlformats.org/officeDocument/2006/relationships" xmlns:p="http://schemas.openxmlformats.org/presentationml/2006/main">
+  <p:cSld>
+    <p:spTree>
+      <p:nvGrpSpPr>
+        <p:cNvPr id="1" name=""/>
+        <p:cNvGrpSpPr/>
+        <p:nvPr/>
+      </p:nvGrpSpPr>
+      <p:grpSpPr>
+        <a:xfrm>
+          <a:off x="0" y="0"/>
+          <a:ext cx="0" cy="0"/>
+          <a:chOff x="0" y="0"/>
+          <a:chExt cx="0" cy="0"/>
+        </a:xfrm>
+      </p:grpSpPr>
+      <p:sp>
+        <p:nvSpPr>
+          <p:cNvPr id="2" name="Title 1"/>
+          <p:cNvSpPr>
+            <a:spLocks noGrp="1"/>
+          </p:cNvSpPr>
+          <p:nvPr>
+            <p:ph type="title"/>
+          </p:nvPr>
+        </p:nvSpPr>
+        <p:spPr/>
+        <p:txBody>
+          <a:bodyPr/>
+          <a:lstStyle/>
+          <a:p>
+            <a:r>
+              <a:rPr lang="en-US" dirty="0" smtClean="0"/>
+              <a:t>Example 10: Suspend/Resume</a:t>
+            </a:r>
+            <a:endParaRPr lang="en-US" dirty="0"/>
+          </a:p>
+        </p:txBody>
+      </p:sp>
+      <p:sp>
+        <p:nvSpPr>
+          <p:cNvPr id="3" name="Content Placeholder 2"/>
+          <p:cNvSpPr>
+            <a:spLocks noGrp="1"/>
+          </p:cNvSpPr>
+          <p:nvPr>
+            <p:ph idx="1"/>
+          </p:nvPr>
+        </p:nvSpPr>
+        <p:spPr/>
+        <p:txBody>
+          <a:bodyPr/>
+          <a:lstStyle/>
+          <a:p>
+            <a:endParaRPr lang="en-US"/>
+          </a:p>
+        </p:txBody>
+      </p:sp>
+    </p:spTree>
+  </p:cSld>
+  <p:clrMapOvr>
+    <a:masterClrMapping/>
+  </p:clrMapOvr>
+</p:sld>
+</file>
+
+<file path=ppt/slides/slide41.xml><?xml version="1.0" encoding="utf-8"?>
+<p:sld xmlns:a="http://schemas.openxmlformats.org/drawingml/2006/main" xmlns:r="http://schemas.openxmlformats.org/officeDocument/2006/relationships" xmlns:p="http://schemas.openxmlformats.org/presentationml/2006/main">
+  <p:cSld>
+    <p:spTree>
+      <p:nvGrpSpPr>
+        <p:cNvPr id="1" name=""/>
+        <p:cNvGrpSpPr/>
+        <p:nvPr/>
+      </p:nvGrpSpPr>
+      <p:grpSpPr>
+        <a:xfrm>
+          <a:off x="0" y="0"/>
+          <a:ext cx="0" cy="0"/>
+          <a:chOff x="0" y="0"/>
+          <a:chExt cx="0" cy="0"/>
+        </a:xfrm>
+      </p:grpSpPr>
+      <p:sp>
+        <p:nvSpPr>
+          <p:cNvPr id="2" name="Title 1"/>
+          <p:cNvSpPr>
+            <a:spLocks noGrp="1"/>
+          </p:cNvSpPr>
+          <p:nvPr>
+            <p:ph type="title"/>
+          </p:nvPr>
+        </p:nvSpPr>
+        <p:spPr/>
+        <p:txBody>
+          <a:bodyPr/>
+          <a:lstStyle/>
+          <a:p>
+            <a:r>
+              <a:rPr lang="en-US" dirty="0" smtClean="0"/>
+              <a:t>Example 11: Cookies</a:t>
+            </a:r>
+            <a:endParaRPr lang="en-US" dirty="0"/>
+          </a:p>
+        </p:txBody>
+      </p:sp>
+      <p:sp>
+        <p:nvSpPr>
+          <p:cNvPr id="3" name="Content Placeholder 2"/>
+          <p:cNvSpPr>
+            <a:spLocks noGrp="1"/>
+          </p:cNvSpPr>
+          <p:nvPr>
+            <p:ph idx="1"/>
+          </p:nvPr>
+        </p:nvSpPr>
+        <p:spPr/>
+        <p:txBody>
+          <a:bodyPr/>
+          <a:lstStyle/>
+          <a:p>
+            <a:endParaRPr lang="en-US"/>
+          </a:p>
+        </p:txBody>
+      </p:sp>
+    </p:spTree>
+  </p:cSld>
+  <p:clrMapOvr>
+    <a:masterClrMapping/>
+  </p:clrMapOvr>
+</p:sld>
+</file>
+
+<file path=ppt/slides/slide42.xml><?xml version="1.0" encoding="utf-8"?>
+<p:sld xmlns:a="http://schemas.openxmlformats.org/drawingml/2006/main" xmlns:r="http://schemas.openxmlformats.org/officeDocument/2006/relationships" xmlns:p="http://schemas.openxmlformats.org/presentationml/2006/main">
+  <p:cSld>
+    <p:spTree>
+      <p:nvGrpSpPr>
+        <p:cNvPr id="1" name=""/>
+        <p:cNvGrpSpPr/>
+        <p:nvPr/>
+      </p:nvGrpSpPr>
+      <p:grpSpPr>
+        <a:xfrm>
+          <a:off x="0" y="0"/>
+          <a:ext cx="0" cy="0"/>
+          <a:chOff x="0" y="0"/>
+          <a:chExt cx="0" cy="0"/>
+        </a:xfrm>
+      </p:grpSpPr>
+      <p:sp>
+        <p:nvSpPr>
+          <p:cNvPr id="2" name="Title 1"/>
+          <p:cNvSpPr>
+            <a:spLocks noGrp="1"/>
+          </p:cNvSpPr>
+          <p:nvPr>
+            <p:ph type="title"/>
+          </p:nvPr>
+        </p:nvSpPr>
+        <p:spPr/>
+        <p:txBody>
+          <a:bodyPr/>
+          <a:lstStyle/>
+          <a:p>
+            <a:r>
+              <a:rPr lang="en-US" dirty="0" smtClean="0"/>
+              <a:t>Example 12: Command port</a:t>
+            </a:r>
+            <a:endParaRPr lang="en-US" dirty="0"/>
+          </a:p>
+        </p:txBody>
+      </p:sp>
+      <p:sp>
+        <p:nvSpPr>
+          <p:cNvPr id="3" name="Content Placeholder 2"/>
+          <p:cNvSpPr>
+            <a:spLocks noGrp="1"/>
+          </p:cNvSpPr>
+          <p:nvPr>
+            <p:ph idx="1"/>
+          </p:nvPr>
+        </p:nvSpPr>
+        <p:spPr/>
+        <p:txBody>
+          <a:bodyPr/>
+          <a:lstStyle/>
+          <a:p>
+            <a:endParaRPr lang="en-US"/>
+          </a:p>
+        </p:txBody>
+      </p:sp>
+    </p:spTree>
+  </p:cSld>
+  <p:clrMapOvr>
+    <a:masterClrMapping/>
+  </p:clrMapOvr>
+</p:sld>
+</file>
+
+<file path=ppt/slides/slide43.xml><?xml version="1.0" encoding="utf-8"?>
+<p:sld xmlns:a="http://schemas.openxmlformats.org/drawingml/2006/main" xmlns:r="http://schemas.openxmlformats.org/officeDocument/2006/relationships" xmlns:p="http://schemas.openxmlformats.org/presentationml/2006/main">
+  <p:cSld>
+    <p:spTree>
+      <p:nvGrpSpPr>
+        <p:cNvPr id="1" name=""/>
+        <p:cNvGrpSpPr/>
+        <p:nvPr/>
+      </p:nvGrpSpPr>
+      <p:grpSpPr>
+        <a:xfrm>
+          <a:off x="0" y="0"/>
+          <a:ext cx="0" cy="0"/>
+          <a:chOff x="0" y="0"/>
+          <a:chExt cx="0" cy="0"/>
+        </a:xfrm>
+      </p:grpSpPr>
+      <p:sp>
+        <p:nvSpPr>
+          <p:cNvPr id="2" name="Title 1"/>
+          <p:cNvSpPr>
+            <a:spLocks noGrp="1"/>
+          </p:cNvSpPr>
+          <p:nvPr>
+            <p:ph type="title"/>
+          </p:nvPr>
+        </p:nvSpPr>
+        <p:spPr/>
+        <p:txBody>
+          <a:bodyPr/>
+          <a:lstStyle/>
+          <a:p>
+            <a:r>
+              <a:rPr lang="en-US" dirty="0" smtClean="0"/>
+              <a:t>Conclusion</a:t>
+            </a:r>
+            <a:endParaRPr lang="en-US" dirty="0"/>
+          </a:p>
+        </p:txBody>
+      </p:sp>
+      <p:sp>
+        <p:nvSpPr>
+          <p:cNvPr id="3" name="Content Placeholder 2"/>
+          <p:cNvSpPr>
+            <a:spLocks noGrp="1"/>
+          </p:cNvSpPr>
+          <p:nvPr>
+            <p:ph idx="1"/>
+          </p:nvPr>
+        </p:nvSpPr>
+        <p:spPr/>
+        <p:txBody>
+          <a:bodyPr/>
+          <a:lstStyle/>
+          <a:p>
+            <a:endParaRPr lang="en-US"/>
+          </a:p>
+        </p:txBody>
+      </p:sp>
+    </p:spTree>
+  </p:cSld>
+  <p:clrMapOvr>
+    <a:masterClrMapping/>
+  </p:clrMapOvr>
+</p:sld>
+</file>
+
+<file path=ppt/slides/slide44.xml><?xml version="1.0" encoding="utf-8"?>
+<p:sld xmlns:a="http://schemas.openxmlformats.org/drawingml/2006/main" xmlns:r="http://schemas.openxmlformats.org/officeDocument/2006/relationships" xmlns:p="http://schemas.openxmlformats.org/presentationml/2006/main">
+  <p:cSld>
+    <p:spTree>
+      <p:nvGrpSpPr>
+        <p:cNvPr id="1" name=""/>
+        <p:cNvGrpSpPr/>
+        <p:nvPr/>
+      </p:nvGrpSpPr>
+      <p:grpSpPr>
+        <a:xfrm>
+          <a:off x="0" y="0"/>
+          <a:ext cx="0" cy="0"/>
+          <a:chOff x="0" y="0"/>
+          <a:chExt cx="0" cy="0"/>
+        </a:xfrm>
+      </p:grpSpPr>
+      <p:sp>
+        <p:nvSpPr>
+          <p:cNvPr id="2" name="Title 1"/>
+          <p:cNvSpPr>
+            <a:spLocks noGrp="1"/>
+          </p:cNvSpPr>
+          <p:nvPr>
+            <p:ph type="title"/>
+          </p:nvPr>
+        </p:nvSpPr>
+        <p:spPr/>
+        <p:txBody>
+          <a:bodyPr/>
+          <a:lstStyle/>
+          <a:p>
+            <a:r>
+              <a:rPr lang="en-US" dirty="0" smtClean="0"/>
+              <a:t>Questions?</a:t>
+            </a:r>
+            <a:endParaRPr lang="en-US" dirty="0"/>
+          </a:p>
+        </p:txBody>
+      </p:sp>
+    </p:spTree>
+  </p:cSld>
+  <p:clrMapOvr>
+    <a:masterClrMapping/>
+  </p:clrMapOvr>
 </p:sld>
 </file>
 
@@ -12341,19 +16571,12 @@
               <a:rPr lang="en-US" dirty="0" smtClean="0">
                 <a:hlinkClick r:id="rId3"/>
               </a:rPr>
-              <a:t>   http</a:t>
-            </a:r>
-            <a:r>
-              <a:rPr lang="en-US" dirty="0" smtClean="0">
-                <a:hlinkClick r:id="rId3"/>
-              </a:rPr>
-              <a:t>://code.google.com/p/wubwikit/source/browse/#svn/trunk/wubexamples</a:t>
+              <a:t>   http://code.google.com/p/wubwikit/source/browse/#svn/trunk/wubexamples</a:t>
             </a:r>
             <a:r>
               <a:rPr lang="en-US" dirty="0" smtClean="0"/>
               <a:t> </a:t>
             </a:r>
-            <a:endParaRPr lang="en-US" dirty="0" smtClean="0"/>
           </a:p>
           <a:p>
             <a:pPr>
@@ -12414,11 +16637,7 @@
             </a:pPr>
             <a:r>
               <a:rPr lang="en-US" dirty="0" smtClean="0"/>
-              <a:t> </a:t>
-            </a:r>
-            <a:r>
-              <a:rPr lang="en-US" dirty="0" smtClean="0"/>
-              <a:t>   </a:t>
+              <a:t>    </a:t>
             </a:r>
             <a:r>
               <a:rPr lang="en-US" dirty="0" smtClean="0">

--- a/trunk/wubexamples/Lets_Wub.pptx
+++ b/trunk/wubexamples/Lets_Wub.pptx
@@ -5,7 +5,7 @@
     <p:sldMasterId id="2147483708" r:id="rId1"/>
   </p:sldMasterIdLst>
   <p:notesMasterIdLst>
-    <p:notesMasterId r:id="rId46"/>
+    <p:notesMasterId r:id="rId49"/>
   </p:notesMasterIdLst>
   <p:sldIdLst>
     <p:sldId id="256" r:id="rId2"/>
@@ -43,15 +43,18 @@
     <p:sldId id="299" r:id="rId34"/>
     <p:sldId id="300" r:id="rId35"/>
     <p:sldId id="276" r:id="rId36"/>
-    <p:sldId id="277" r:id="rId37"/>
-    <p:sldId id="278" r:id="rId38"/>
-    <p:sldId id="279" r:id="rId39"/>
-    <p:sldId id="280" r:id="rId40"/>
-    <p:sldId id="281" r:id="rId41"/>
-    <p:sldId id="282" r:id="rId42"/>
-    <p:sldId id="283" r:id="rId43"/>
-    <p:sldId id="284" r:id="rId44"/>
-    <p:sldId id="285" r:id="rId45"/>
+    <p:sldId id="301" r:id="rId37"/>
+    <p:sldId id="303" r:id="rId38"/>
+    <p:sldId id="302" r:id="rId39"/>
+    <p:sldId id="277" r:id="rId40"/>
+    <p:sldId id="278" r:id="rId41"/>
+    <p:sldId id="279" r:id="rId42"/>
+    <p:sldId id="280" r:id="rId43"/>
+    <p:sldId id="281" r:id="rId44"/>
+    <p:sldId id="282" r:id="rId45"/>
+    <p:sldId id="283" r:id="rId46"/>
+    <p:sldId id="284" r:id="rId47"/>
+    <p:sldId id="285" r:id="rId48"/>
   </p:sldIdLst>
   <p:sldSz cx="9144000" cy="6858000" type="screen4x3"/>
   <p:notesSz cx="6858000" cy="9144000"/>
@@ -236,7 +239,7 @@
             <a:fld id="{4DF4E2B3-4403-4393-BB8B-AE854F842FFB}" type="datetimeFigureOut">
               <a:rPr lang="en-US" smtClean="0"/>
               <a:pPr/>
-              <a:t>5/19/2009</a:t>
+              <a:t>5/22/2009</a:t>
             </a:fld>
             <a:endParaRPr lang="en-US"/>
           </a:p>
@@ -3700,6 +3703,252 @@
 </p:notes>
 </file>
 
+<file path=ppt/notesSlides/notesSlide45.xml><?xml version="1.0" encoding="utf-8"?>
+<p:notes xmlns:a="http://schemas.openxmlformats.org/drawingml/2006/main" xmlns:r="http://schemas.openxmlformats.org/officeDocument/2006/relationships" xmlns:p="http://schemas.openxmlformats.org/presentationml/2006/main">
+  <p:cSld>
+    <p:spTree>
+      <p:nvGrpSpPr>
+        <p:cNvPr id="1" name=""/>
+        <p:cNvGrpSpPr/>
+        <p:nvPr/>
+      </p:nvGrpSpPr>
+      <p:grpSpPr>
+        <a:xfrm>
+          <a:off x="0" y="0"/>
+          <a:ext cx="0" cy="0"/>
+          <a:chOff x="0" y="0"/>
+          <a:chExt cx="0" cy="0"/>
+        </a:xfrm>
+      </p:grpSpPr>
+      <p:sp>
+        <p:nvSpPr>
+          <p:cNvPr id="2" name="Slide Image Placeholder 1"/>
+          <p:cNvSpPr>
+            <a:spLocks noGrp="1" noRot="1" noChangeAspect="1"/>
+          </p:cNvSpPr>
+          <p:nvPr>
+            <p:ph type="sldImg"/>
+          </p:nvPr>
+        </p:nvSpPr>
+        <p:spPr/>
+      </p:sp>
+      <p:sp>
+        <p:nvSpPr>
+          <p:cNvPr id="3" name="Notes Placeholder 2"/>
+          <p:cNvSpPr>
+            <a:spLocks noGrp="1"/>
+          </p:cNvSpPr>
+          <p:nvPr>
+            <p:ph type="body" idx="1"/>
+          </p:nvPr>
+        </p:nvSpPr>
+        <p:spPr/>
+        <p:txBody>
+          <a:bodyPr>
+            <a:normAutofit/>
+          </a:bodyPr>
+          <a:lstStyle/>
+          <a:p>
+            <a:endParaRPr lang="en-US"/>
+          </a:p>
+        </p:txBody>
+      </p:sp>
+      <p:sp>
+        <p:nvSpPr>
+          <p:cNvPr id="4" name="Slide Number Placeholder 3"/>
+          <p:cNvSpPr>
+            <a:spLocks noGrp="1"/>
+          </p:cNvSpPr>
+          <p:nvPr>
+            <p:ph type="sldNum" sz="quarter" idx="10"/>
+          </p:nvPr>
+        </p:nvSpPr>
+        <p:spPr/>
+        <p:txBody>
+          <a:bodyPr/>
+          <a:lstStyle/>
+          <a:p>
+            <a:fld id="{4EE576B6-BA25-48A5-995A-4330F3F4AAF4}" type="slidenum">
+              <a:rPr lang="en-US" smtClean="0"/>
+              <a:pPr/>
+              <a:t>45</a:t>
+            </a:fld>
+            <a:endParaRPr lang="en-US"/>
+          </a:p>
+        </p:txBody>
+      </p:sp>
+    </p:spTree>
+  </p:cSld>
+  <p:clrMapOvr>
+    <a:masterClrMapping/>
+  </p:clrMapOvr>
+</p:notes>
+</file>
+
+<file path=ppt/notesSlides/notesSlide46.xml><?xml version="1.0" encoding="utf-8"?>
+<p:notes xmlns:a="http://schemas.openxmlformats.org/drawingml/2006/main" xmlns:r="http://schemas.openxmlformats.org/officeDocument/2006/relationships" xmlns:p="http://schemas.openxmlformats.org/presentationml/2006/main">
+  <p:cSld>
+    <p:spTree>
+      <p:nvGrpSpPr>
+        <p:cNvPr id="1" name=""/>
+        <p:cNvGrpSpPr/>
+        <p:nvPr/>
+      </p:nvGrpSpPr>
+      <p:grpSpPr>
+        <a:xfrm>
+          <a:off x="0" y="0"/>
+          <a:ext cx="0" cy="0"/>
+          <a:chOff x="0" y="0"/>
+          <a:chExt cx="0" cy="0"/>
+        </a:xfrm>
+      </p:grpSpPr>
+      <p:sp>
+        <p:nvSpPr>
+          <p:cNvPr id="2" name="Slide Image Placeholder 1"/>
+          <p:cNvSpPr>
+            <a:spLocks noGrp="1" noRot="1" noChangeAspect="1"/>
+          </p:cNvSpPr>
+          <p:nvPr>
+            <p:ph type="sldImg"/>
+          </p:nvPr>
+        </p:nvSpPr>
+        <p:spPr/>
+      </p:sp>
+      <p:sp>
+        <p:nvSpPr>
+          <p:cNvPr id="3" name="Notes Placeholder 2"/>
+          <p:cNvSpPr>
+            <a:spLocks noGrp="1"/>
+          </p:cNvSpPr>
+          <p:nvPr>
+            <p:ph type="body" idx="1"/>
+          </p:nvPr>
+        </p:nvSpPr>
+        <p:spPr/>
+        <p:txBody>
+          <a:bodyPr>
+            <a:normAutofit/>
+          </a:bodyPr>
+          <a:lstStyle/>
+          <a:p>
+            <a:endParaRPr lang="en-US"/>
+          </a:p>
+        </p:txBody>
+      </p:sp>
+      <p:sp>
+        <p:nvSpPr>
+          <p:cNvPr id="4" name="Slide Number Placeholder 3"/>
+          <p:cNvSpPr>
+            <a:spLocks noGrp="1"/>
+          </p:cNvSpPr>
+          <p:nvPr>
+            <p:ph type="sldNum" sz="quarter" idx="10"/>
+          </p:nvPr>
+        </p:nvSpPr>
+        <p:spPr/>
+        <p:txBody>
+          <a:bodyPr/>
+          <a:lstStyle/>
+          <a:p>
+            <a:fld id="{4EE576B6-BA25-48A5-995A-4330F3F4AAF4}" type="slidenum">
+              <a:rPr lang="en-US" smtClean="0"/>
+              <a:pPr/>
+              <a:t>46</a:t>
+            </a:fld>
+            <a:endParaRPr lang="en-US"/>
+          </a:p>
+        </p:txBody>
+      </p:sp>
+    </p:spTree>
+  </p:cSld>
+  <p:clrMapOvr>
+    <a:masterClrMapping/>
+  </p:clrMapOvr>
+</p:notes>
+</file>
+
+<file path=ppt/notesSlides/notesSlide47.xml><?xml version="1.0" encoding="utf-8"?>
+<p:notes xmlns:a="http://schemas.openxmlformats.org/drawingml/2006/main" xmlns:r="http://schemas.openxmlformats.org/officeDocument/2006/relationships" xmlns:p="http://schemas.openxmlformats.org/presentationml/2006/main">
+  <p:cSld>
+    <p:spTree>
+      <p:nvGrpSpPr>
+        <p:cNvPr id="1" name=""/>
+        <p:cNvGrpSpPr/>
+        <p:nvPr/>
+      </p:nvGrpSpPr>
+      <p:grpSpPr>
+        <a:xfrm>
+          <a:off x="0" y="0"/>
+          <a:ext cx="0" cy="0"/>
+          <a:chOff x="0" y="0"/>
+          <a:chExt cx="0" cy="0"/>
+        </a:xfrm>
+      </p:grpSpPr>
+      <p:sp>
+        <p:nvSpPr>
+          <p:cNvPr id="2" name="Slide Image Placeholder 1"/>
+          <p:cNvSpPr>
+            <a:spLocks noGrp="1" noRot="1" noChangeAspect="1"/>
+          </p:cNvSpPr>
+          <p:nvPr>
+            <p:ph type="sldImg"/>
+          </p:nvPr>
+        </p:nvSpPr>
+        <p:spPr/>
+      </p:sp>
+      <p:sp>
+        <p:nvSpPr>
+          <p:cNvPr id="3" name="Notes Placeholder 2"/>
+          <p:cNvSpPr>
+            <a:spLocks noGrp="1"/>
+          </p:cNvSpPr>
+          <p:nvPr>
+            <p:ph type="body" idx="1"/>
+          </p:nvPr>
+        </p:nvSpPr>
+        <p:spPr/>
+        <p:txBody>
+          <a:bodyPr>
+            <a:normAutofit/>
+          </a:bodyPr>
+          <a:lstStyle/>
+          <a:p>
+            <a:endParaRPr lang="en-US"/>
+          </a:p>
+        </p:txBody>
+      </p:sp>
+      <p:sp>
+        <p:nvSpPr>
+          <p:cNvPr id="4" name="Slide Number Placeholder 3"/>
+          <p:cNvSpPr>
+            <a:spLocks noGrp="1"/>
+          </p:cNvSpPr>
+          <p:nvPr>
+            <p:ph type="sldNum" sz="quarter" idx="10"/>
+          </p:nvPr>
+        </p:nvSpPr>
+        <p:spPr/>
+        <p:txBody>
+          <a:bodyPr/>
+          <a:lstStyle/>
+          <a:p>
+            <a:fld id="{4EE576B6-BA25-48A5-995A-4330F3F4AAF4}" type="slidenum">
+              <a:rPr lang="en-US" smtClean="0"/>
+              <a:pPr/>
+              <a:t>47</a:t>
+            </a:fld>
+            <a:endParaRPr lang="en-US"/>
+          </a:p>
+        </p:txBody>
+      </p:sp>
+    </p:spTree>
+  </p:cSld>
+  <p:clrMapOvr>
+    <a:masterClrMapping/>
+  </p:clrMapOvr>
+</p:notes>
+</file>
+
 <file path=ppt/notesSlides/notesSlide5.xml><?xml version="1.0" encoding="utf-8"?>
 <p:notes xmlns:a="http://schemas.openxmlformats.org/drawingml/2006/main" xmlns:r="http://schemas.openxmlformats.org/officeDocument/2006/relationships" xmlns:p="http://schemas.openxmlformats.org/presentationml/2006/main">
   <p:cSld>
@@ -4292,7 +4541,7 @@
             <a:fld id="{AD6CF7D0-54BE-4AFB-B0FC-FA5E364208B7}" type="datetimeFigureOut">
               <a:rPr lang="en-US" smtClean="0"/>
               <a:pPr/>
-              <a:t>5/19/2009</a:t>
+              <a:t>5/22/2009</a:t>
             </a:fld>
             <a:endParaRPr lang="en-US" dirty="0"/>
           </a:p>
@@ -4459,7 +4708,7 @@
             <a:fld id="{AD6CF7D0-54BE-4AFB-B0FC-FA5E364208B7}" type="datetimeFigureOut">
               <a:rPr lang="en-US" smtClean="0"/>
               <a:pPr/>
-              <a:t>5/19/2009</a:t>
+              <a:t>5/22/2009</a:t>
             </a:fld>
             <a:endParaRPr lang="en-US"/>
           </a:p>
@@ -4636,7 +4885,7 @@
             <a:fld id="{AD6CF7D0-54BE-4AFB-B0FC-FA5E364208B7}" type="datetimeFigureOut">
               <a:rPr lang="en-US" smtClean="0"/>
               <a:pPr/>
-              <a:t>5/19/2009</a:t>
+              <a:t>5/22/2009</a:t>
             </a:fld>
             <a:endParaRPr lang="en-US"/>
           </a:p>
@@ -4803,7 +5052,7 @@
             <a:fld id="{AD6CF7D0-54BE-4AFB-B0FC-FA5E364208B7}" type="datetimeFigureOut">
               <a:rPr lang="en-US" smtClean="0"/>
               <a:pPr/>
-              <a:t>5/19/2009</a:t>
+              <a:t>5/22/2009</a:t>
             </a:fld>
             <a:endParaRPr lang="en-US"/>
           </a:p>
@@ -5046,7 +5295,7 @@
             <a:fld id="{AD6CF7D0-54BE-4AFB-B0FC-FA5E364208B7}" type="datetimeFigureOut">
               <a:rPr lang="en-US" smtClean="0"/>
               <a:pPr/>
-              <a:t>5/19/2009</a:t>
+              <a:t>5/22/2009</a:t>
             </a:fld>
             <a:endParaRPr lang="en-US"/>
           </a:p>
@@ -5331,7 +5580,7 @@
             <a:fld id="{AD6CF7D0-54BE-4AFB-B0FC-FA5E364208B7}" type="datetimeFigureOut">
               <a:rPr lang="en-US" smtClean="0"/>
               <a:pPr/>
-              <a:t>5/19/2009</a:t>
+              <a:t>5/22/2009</a:t>
             </a:fld>
             <a:endParaRPr lang="en-US"/>
           </a:p>
@@ -5750,7 +5999,7 @@
             <a:fld id="{AD6CF7D0-54BE-4AFB-B0FC-FA5E364208B7}" type="datetimeFigureOut">
               <a:rPr lang="en-US" smtClean="0"/>
               <a:pPr/>
-              <a:t>5/19/2009</a:t>
+              <a:t>5/22/2009</a:t>
             </a:fld>
             <a:endParaRPr lang="en-US"/>
           </a:p>
@@ -5865,7 +6114,7 @@
             <a:fld id="{AD6CF7D0-54BE-4AFB-B0FC-FA5E364208B7}" type="datetimeFigureOut">
               <a:rPr lang="en-US" smtClean="0"/>
               <a:pPr/>
-              <a:t>5/19/2009</a:t>
+              <a:t>5/22/2009</a:t>
             </a:fld>
             <a:endParaRPr lang="en-US"/>
           </a:p>
@@ -5957,7 +6206,7 @@
             <a:fld id="{AD6CF7D0-54BE-4AFB-B0FC-FA5E364208B7}" type="datetimeFigureOut">
               <a:rPr lang="en-US" smtClean="0"/>
               <a:pPr/>
-              <a:t>5/19/2009</a:t>
+              <a:t>5/22/2009</a:t>
             </a:fld>
             <a:endParaRPr lang="en-US"/>
           </a:p>
@@ -6231,7 +6480,7 @@
             <a:fld id="{AD6CF7D0-54BE-4AFB-B0FC-FA5E364208B7}" type="datetimeFigureOut">
               <a:rPr lang="en-US" smtClean="0"/>
               <a:pPr/>
-              <a:t>5/19/2009</a:t>
+              <a:t>5/22/2009</a:t>
             </a:fld>
             <a:endParaRPr lang="en-US"/>
           </a:p>
@@ -6481,7 +6730,7 @@
             <a:fld id="{AD6CF7D0-54BE-4AFB-B0FC-FA5E364208B7}" type="datetimeFigureOut">
               <a:rPr lang="en-US" smtClean="0"/>
               <a:pPr/>
-              <a:t>5/19/2009</a:t>
+              <a:t>5/22/2009</a:t>
             </a:fld>
             <a:endParaRPr lang="en-US"/>
           </a:p>
@@ -6691,7 +6940,7 @@
             <a:fld id="{AD6CF7D0-54BE-4AFB-B0FC-FA5E364208B7}" type="datetimeFigureOut">
               <a:rPr lang="en-US" smtClean="0"/>
               <a:pPr/>
-              <a:t>5/19/2009</a:t>
+              <a:t>5/22/2009</a:t>
             </a:fld>
             <a:endParaRPr lang="en-US"/>
           </a:p>
@@ -13645,14 +13894,7 @@
                 <a:latin typeface="Courier New" pitchFamily="49" charset="0"/>
                 <a:cs typeface="Courier New" pitchFamily="49" charset="0"/>
               </a:rPr>
-              <a:t>  proc </a:t>
-            </a:r>
-            <a:r>
-              <a:rPr lang="en-US" sz="1500" dirty="0" smtClean="0">
-                <a:latin typeface="Courier New" pitchFamily="49" charset="0"/>
-                <a:cs typeface="Courier New" pitchFamily="49" charset="0"/>
-              </a:rPr>
-              <a:t>.x-</a:t>
+              <a:t>  proc .x-</a:t>
             </a:r>
             <a:r>
               <a:rPr lang="en-US" sz="1500" dirty="0" err="1" smtClean="0">
@@ -13760,14 +14002,7 @@
                 <a:latin typeface="Courier New" pitchFamily="49" charset="0"/>
                 <a:cs typeface="Courier New" pitchFamily="49" charset="0"/>
               </a:rPr>
-              <a:t>    if </a:t>
-            </a:r>
-            <a:r>
-              <a:rPr lang="en-US" sz="1500" dirty="0" smtClean="0">
-                <a:latin typeface="Courier New" pitchFamily="49" charset="0"/>
-                <a:cs typeface="Courier New" pitchFamily="49" charset="0"/>
-              </a:rPr>
-              <a:t>{[string match "&lt;!DOCTYPE*" $</a:t>
+              <a:t>    if {[string match "&lt;!DOCTYPE*" $</a:t>
             </a:r>
             <a:r>
               <a:rPr lang="en-US" sz="1500" dirty="0" err="1" smtClean="0">
@@ -13793,14 +14028,7 @@
                 <a:latin typeface="Courier New" pitchFamily="49" charset="0"/>
                 <a:cs typeface="Courier New" pitchFamily="49" charset="0"/>
               </a:rPr>
-              <a:t>      # </a:t>
-            </a:r>
-            <a:r>
-              <a:rPr lang="en-US" sz="1500" dirty="0" smtClean="0">
-                <a:latin typeface="Courier New" pitchFamily="49" charset="0"/>
-                <a:cs typeface="Courier New" pitchFamily="49" charset="0"/>
-              </a:rPr>
-              <a:t>the content is already fully HTML</a:t>
+              <a:t>      # the content is already fully HTML</a:t>
             </a:r>
           </a:p>
           <a:p>
@@ -13812,14 +14040,7 @@
                 <a:latin typeface="Courier New" pitchFamily="49" charset="0"/>
                 <a:cs typeface="Courier New" pitchFamily="49" charset="0"/>
               </a:rPr>
-              <a:t>      set </a:t>
-            </a:r>
-            <a:r>
-              <a:rPr lang="en-US" sz="1500" dirty="0" smtClean="0">
-                <a:latin typeface="Courier New" pitchFamily="49" charset="0"/>
-                <a:cs typeface="Courier New" pitchFamily="49" charset="0"/>
-              </a:rPr>
-              <a:t>content $</a:t>
+              <a:t>      set content $</a:t>
             </a:r>
             <a:r>
               <a:rPr lang="en-US" sz="1500" dirty="0" err="1" smtClean="0">
@@ -13842,14 +14063,7 @@
                 <a:latin typeface="Courier New" pitchFamily="49" charset="0"/>
                 <a:cs typeface="Courier New" pitchFamily="49" charset="0"/>
               </a:rPr>
-              <a:t>    } </a:t>
-            </a:r>
-            <a:r>
-              <a:rPr lang="en-US" sz="1500" dirty="0" smtClean="0">
-                <a:latin typeface="Courier New" pitchFamily="49" charset="0"/>
-                <a:cs typeface="Courier New" pitchFamily="49" charset="0"/>
-              </a:rPr>
-              <a:t>else {</a:t>
+              <a:t>    } else {</a:t>
             </a:r>
           </a:p>
           <a:p>
@@ -13861,14 +14075,7 @@
                 <a:latin typeface="Courier New" pitchFamily="49" charset="0"/>
                 <a:cs typeface="Courier New" pitchFamily="49" charset="0"/>
               </a:rPr>
-              <a:t>      set </a:t>
-            </a:r>
-            <a:r>
-              <a:rPr lang="en-US" sz="1500" dirty="0" smtClean="0">
-                <a:latin typeface="Courier New" pitchFamily="49" charset="0"/>
-                <a:cs typeface="Courier New" pitchFamily="49" charset="0"/>
-              </a:rPr>
-              <a:t>content [</a:t>
+              <a:t>      set content [</a:t>
             </a:r>
             <a:r>
               <a:rPr lang="en-US" sz="1500" dirty="0" err="1" smtClean="0">
@@ -13908,14 +14115,7 @@
                 <a:latin typeface="Courier New" pitchFamily="49" charset="0"/>
                 <a:cs typeface="Courier New" pitchFamily="49" charset="0"/>
               </a:rPr>
-              <a:t>    }</a:t>
-            </a:r>
-            <a:r>
-              <a:rPr lang="en-US" sz="1500" dirty="0" smtClean="0">
-                <a:latin typeface="Courier New" pitchFamily="49" charset="0"/>
-                <a:cs typeface="Courier New" pitchFamily="49" charset="0"/>
-              </a:rPr>
-              <a:t>	</a:t>
+              <a:t>    }	</a:t>
             </a:r>
           </a:p>
           <a:p>
@@ -13927,14 +14127,7 @@
                 <a:latin typeface="Courier New" pitchFamily="49" charset="0"/>
                 <a:cs typeface="Courier New" pitchFamily="49" charset="0"/>
               </a:rPr>
-              <a:t>    return </a:t>
-            </a:r>
-            <a:r>
-              <a:rPr lang="en-US" sz="1500" dirty="0" smtClean="0">
-                <a:latin typeface="Courier New" pitchFamily="49" charset="0"/>
-                <a:cs typeface="Courier New" pitchFamily="49" charset="0"/>
-              </a:rPr>
-              <a:t>[Http Ok $</a:t>
+              <a:t>    return [Http Ok $</a:t>
             </a:r>
             <a:r>
               <a:rPr lang="en-US" sz="1500" dirty="0" err="1" smtClean="0">
@@ -13962,10 +14155,6 @@
               </a:rPr>
               <a:t>  }</a:t>
             </a:r>
-            <a:endParaRPr lang="en-US" sz="1500" dirty="0" smtClean="0">
-              <a:latin typeface="Courier New" pitchFamily="49" charset="0"/>
-              <a:cs typeface="Courier New" pitchFamily="49" charset="0"/>
-            </a:endParaRPr>
           </a:p>
           <a:p>
             <a:pPr>
@@ -14031,15 +14220,7 @@
           <a:p>
             <a:r>
               <a:rPr lang="en-US" dirty="0" smtClean="0"/>
-              <a:t>Example 4: </a:t>
-            </a:r>
-            <a:r>
-              <a:rPr lang="en-US" dirty="0" smtClean="0"/>
-              <a:t>Content </a:t>
-            </a:r>
-            <a:r>
-              <a:rPr lang="en-US" dirty="0" smtClean="0"/>
-              <a:t>type x-text/html-fragment</a:t>
+              <a:t>Example 4: Content type x-text/html-fragment</a:t>
             </a:r>
             <a:endParaRPr lang="en-US" dirty="0"/>
           </a:p>
@@ -14158,14 +14339,7 @@
                           <a:latin typeface="Courier New" pitchFamily="49" charset="0"/>
                           <a:cs typeface="Courier New" pitchFamily="49" charset="0"/>
                         </a:rPr>
-                        <a:t>-</a:t>
-                      </a:r>
-                      <a:r>
-                        <a:rPr lang="en-US" dirty="0" smtClean="0">
-                          <a:latin typeface="Courier New" pitchFamily="49" charset="0"/>
-                          <a:cs typeface="Courier New" pitchFamily="49" charset="0"/>
-                        </a:rPr>
-                        <a:t>title</a:t>
+                        <a:t>-title</a:t>
                       </a:r>
                       <a:endParaRPr lang="en-US" dirty="0">
                         <a:latin typeface="Courier New" pitchFamily="49" charset="0"/>
@@ -14780,19 +14954,8 @@
                 <a:latin typeface="Courier New" pitchFamily="49" charset="0"/>
                 <a:cs typeface="Courier New" pitchFamily="49" charset="0"/>
               </a:rPr>
-              <a:t> </a:t>
-            </a:r>
-            <a:r>
-              <a:rPr lang="en-US" sz="2400" dirty="0" smtClean="0">
-                <a:latin typeface="Courier New" pitchFamily="49" charset="0"/>
-                <a:cs typeface="Courier New" pitchFamily="49" charset="0"/>
-              </a:rPr>
-              <a:t> &lt;/command&gt;</a:t>
-            </a:r>
-            <a:endParaRPr lang="en-US" sz="2400" dirty="0" smtClean="0">
-              <a:latin typeface="Courier New" pitchFamily="49" charset="0"/>
-              <a:cs typeface="Courier New" pitchFamily="49" charset="0"/>
-            </a:endParaRPr>
+              <a:t>  &lt;/command&gt;</a:t>
+            </a:r>
           </a:p>
           <a:p>
             <a:pPr>
@@ -15274,13 +15437,17 @@
         </p:spPr>
         <p:txBody>
           <a:bodyPr>
-            <a:normAutofit fontScale="90000"/>
+            <a:normAutofit/>
           </a:bodyPr>
           <a:lstStyle/>
           <a:p>
             <a:r>
               <a:rPr lang="en-US" dirty="0" smtClean="0"/>
-              <a:t>Example 5: Http commands and caching</a:t>
+              <a:t>Example 5: </a:t>
+            </a:r>
+            <a:r>
+              <a:rPr lang="en-US" dirty="0" smtClean="0"/>
+              <a:t>Http commands</a:t>
             </a:r>
             <a:endParaRPr lang="en-US" dirty="0"/>
           </a:p>
@@ -15301,7 +15468,171 @@
           <a:bodyPr/>
           <a:lstStyle/>
           <a:p>
-            <a:endParaRPr lang="en-US"/>
+            <a:r>
+              <a:rPr lang="en-US" dirty="0" smtClean="0"/>
+              <a:t>Send Http responses to client:</a:t>
+            </a:r>
+          </a:p>
+          <a:p>
+            <a:pPr>
+              <a:buNone/>
+            </a:pPr>
+            <a:r>
+              <a:rPr lang="en-US" sz="2800" dirty="0" smtClean="0">
+                <a:latin typeface="Courier New" pitchFamily="49" charset="0"/>
+                <a:cs typeface="Courier New" pitchFamily="49" charset="0"/>
+              </a:rPr>
+              <a:t>  </a:t>
+            </a:r>
+            <a:r>
+              <a:rPr lang="en-US" sz="2400" dirty="0" smtClean="0">
+                <a:latin typeface="Courier New" pitchFamily="49" charset="0"/>
+                <a:cs typeface="Courier New" pitchFamily="49" charset="0"/>
+              </a:rPr>
+              <a:t>Http &lt;error-name&gt; &lt;response&gt; ?arguments?</a:t>
+            </a:r>
+            <a:endParaRPr lang="en-US" sz="2400" dirty="0" smtClean="0">
+              <a:latin typeface="Courier New" pitchFamily="49" charset="0"/>
+              <a:cs typeface="Courier New" pitchFamily="49" charset="0"/>
+            </a:endParaRPr>
+          </a:p>
+          <a:p>
+            <a:r>
+              <a:rPr lang="en-US" dirty="0" smtClean="0"/>
+              <a:t>Supported error-names (with codes):</a:t>
+            </a:r>
+          </a:p>
+          <a:p>
+            <a:pPr lvl="1"/>
+            <a:r>
+              <a:rPr lang="en-US" dirty="0" smtClean="0">
+                <a:latin typeface="Courier New" pitchFamily="49" charset="0"/>
+                <a:cs typeface="Courier New" pitchFamily="49" charset="0"/>
+              </a:rPr>
+              <a:t>Ok</a:t>
+            </a:r>
+            <a:r>
+              <a:rPr lang="en-US" dirty="0" smtClean="0"/>
+              <a:t> (200)</a:t>
+            </a:r>
+          </a:p>
+          <a:p>
+            <a:pPr lvl="1"/>
+            <a:r>
+              <a:rPr lang="en-US" dirty="0" smtClean="0">
+                <a:latin typeface="Courier New" pitchFamily="49" charset="0"/>
+                <a:cs typeface="Courier New" pitchFamily="49" charset="0"/>
+              </a:rPr>
+              <a:t>Moved</a:t>
+            </a:r>
+            <a:r>
+              <a:rPr lang="en-US" dirty="0" smtClean="0"/>
+              <a:t> (301), </a:t>
+            </a:r>
+            <a:r>
+              <a:rPr lang="en-US" dirty="0" smtClean="0">
+                <a:latin typeface="Courier New" pitchFamily="49" charset="0"/>
+                <a:cs typeface="Courier New" pitchFamily="49" charset="0"/>
+              </a:rPr>
+              <a:t>Redirect</a:t>
+            </a:r>
+            <a:r>
+              <a:rPr lang="en-US" dirty="0" smtClean="0"/>
+              <a:t> (302), </a:t>
+            </a:r>
+            <a:r>
+              <a:rPr lang="en-US" dirty="0" err="1" smtClean="0">
+                <a:latin typeface="Courier New" pitchFamily="49" charset="0"/>
+                <a:cs typeface="Courier New" pitchFamily="49" charset="0"/>
+              </a:rPr>
+              <a:t>RedirectReferer</a:t>
+            </a:r>
+            <a:r>
+              <a:rPr lang="en-US" dirty="0" smtClean="0"/>
+              <a:t> (302), </a:t>
+            </a:r>
+            <a:r>
+              <a:rPr lang="en-US" dirty="0" smtClean="0">
+                <a:latin typeface="Courier New" pitchFamily="49" charset="0"/>
+                <a:cs typeface="Courier New" pitchFamily="49" charset="0"/>
+              </a:rPr>
+              <a:t>Found</a:t>
+            </a:r>
+            <a:r>
+              <a:rPr lang="en-US" dirty="0" smtClean="0"/>
+              <a:t> (302), </a:t>
+            </a:r>
+            <a:r>
+              <a:rPr lang="en-US" dirty="0" err="1" smtClean="0">
+                <a:latin typeface="Courier New" pitchFamily="49" charset="0"/>
+                <a:cs typeface="Courier New" pitchFamily="49" charset="0"/>
+              </a:rPr>
+              <a:t>SeeOther</a:t>
+            </a:r>
+            <a:r>
+              <a:rPr lang="en-US" dirty="0" smtClean="0"/>
+              <a:t> (303), </a:t>
+            </a:r>
+            <a:r>
+              <a:rPr lang="en-US" dirty="0" smtClean="0">
+                <a:latin typeface="Courier New" pitchFamily="49" charset="0"/>
+                <a:cs typeface="Courier New" pitchFamily="49" charset="0"/>
+              </a:rPr>
+              <a:t>Relocated</a:t>
+            </a:r>
+            <a:r>
+              <a:rPr lang="en-US" dirty="0" smtClean="0"/>
+              <a:t> (307)</a:t>
+            </a:r>
+            <a:r>
+              <a:rPr lang="en-US" dirty="0" smtClean="0"/>
+              <a:t> </a:t>
+            </a:r>
+          </a:p>
+          <a:p>
+            <a:pPr lvl="1"/>
+            <a:r>
+              <a:rPr lang="en-US" dirty="0" smtClean="0">
+                <a:latin typeface="Courier New" pitchFamily="49" charset="0"/>
+                <a:cs typeface="Courier New" pitchFamily="49" charset="0"/>
+              </a:rPr>
+              <a:t>Bad</a:t>
+            </a:r>
+            <a:r>
+              <a:rPr lang="en-US" dirty="0" smtClean="0"/>
+              <a:t> (400), </a:t>
+            </a:r>
+            <a:r>
+              <a:rPr lang="en-US" dirty="0" err="1" smtClean="0">
+                <a:latin typeface="Courier New" pitchFamily="49" charset="0"/>
+                <a:cs typeface="Courier New" pitchFamily="49" charset="0"/>
+              </a:rPr>
+              <a:t>ForBidden</a:t>
+            </a:r>
+            <a:r>
+              <a:rPr lang="en-US" dirty="0" smtClean="0"/>
+              <a:t> (403)</a:t>
+            </a:r>
+            <a:r>
+              <a:rPr lang="en-US" dirty="0" smtClean="0"/>
+              <a:t>, </a:t>
+            </a:r>
+            <a:r>
+              <a:rPr lang="en-US" dirty="0" err="1" smtClean="0">
+                <a:latin typeface="Courier New" pitchFamily="49" charset="0"/>
+                <a:cs typeface="Courier New" pitchFamily="49" charset="0"/>
+              </a:rPr>
+              <a:t>NotFound</a:t>
+            </a:r>
+            <a:r>
+              <a:rPr lang="en-US" dirty="0" smtClean="0"/>
+              <a:t> </a:t>
+            </a:r>
+            <a:r>
+              <a:rPr lang="en-US" dirty="0" smtClean="0"/>
+              <a:t>(404)</a:t>
+            </a:r>
+            <a:endParaRPr lang="en-US" dirty="0"/>
           </a:p>
         </p:txBody>
       </p:sp>
@@ -15354,7 +15685,7 @@
           <a:p>
             <a:r>
               <a:rPr lang="en-US" dirty="0" smtClean="0"/>
-              <a:t>Example 6: Forms</a:t>
+              <a:t>Example 5: Caching</a:t>
             </a:r>
             <a:endParaRPr lang="en-US" dirty="0"/>
           </a:p>
@@ -15375,7 +15706,63 @@
           <a:bodyPr/>
           <a:lstStyle/>
           <a:p>
-            <a:endParaRPr lang="en-US"/>
+            <a:r>
+              <a:rPr lang="en-US" dirty="0" smtClean="0"/>
+              <a:t>Use </a:t>
+            </a:r>
+            <a:r>
+              <a:rPr lang="en-US" dirty="0" smtClean="0">
+                <a:latin typeface="Courier New" pitchFamily="49" charset="0"/>
+                <a:cs typeface="Courier New" pitchFamily="49" charset="0"/>
+              </a:rPr>
+              <a:t>Http</a:t>
+            </a:r>
+            <a:r>
+              <a:rPr lang="en-US" dirty="0" smtClean="0"/>
+              <a:t> commands to enable/disable caching</a:t>
+            </a:r>
+          </a:p>
+          <a:p>
+            <a:pPr lvl="1"/>
+            <a:r>
+              <a:rPr lang="en-US" dirty="0" err="1" smtClean="0">
+                <a:latin typeface="Courier New" pitchFamily="49" charset="0"/>
+                <a:cs typeface="Courier New" pitchFamily="49" charset="0"/>
+              </a:rPr>
+              <a:t>NoCache</a:t>
+            </a:r>
+            <a:r>
+              <a:rPr lang="en-US" dirty="0" smtClean="0"/>
+              <a:t> : indicate response contents can not be cached </a:t>
+            </a:r>
+          </a:p>
+          <a:p>
+            <a:pPr lvl="1"/>
+            <a:r>
+              <a:rPr lang="en-US" dirty="0" smtClean="0">
+                <a:latin typeface="Courier New" pitchFamily="49" charset="0"/>
+                <a:cs typeface="Courier New" pitchFamily="49" charset="0"/>
+              </a:rPr>
+              <a:t>Cache</a:t>
+            </a:r>
+            <a:r>
+              <a:rPr lang="en-US" dirty="0" smtClean="0"/>
+              <a:t> : indicate response contents may be cached </a:t>
+            </a:r>
+          </a:p>
+          <a:p>
+            <a:pPr lvl="1"/>
+            <a:r>
+              <a:rPr lang="en-US" dirty="0" err="1" smtClean="0">
+                <a:latin typeface="Courier New" pitchFamily="49" charset="0"/>
+                <a:cs typeface="Courier New" pitchFamily="49" charset="0"/>
+              </a:rPr>
+              <a:t>Dcache</a:t>
+            </a:r>
+            <a:r>
+              <a:rPr lang="en-US" dirty="0" smtClean="0"/>
+              <a:t> : indicate response contents may be cached buts revalidation is required</a:t>
+            </a:r>
           </a:p>
         </p:txBody>
       </p:sp>
@@ -15384,13 +15771,6 @@
   <p:clrMapOvr>
     <a:masterClrMapping/>
   </p:clrMapOvr>
-  <p:timing>
-    <p:tnLst>
-      <p:par>
-        <p:cTn id="1" dur="indefinite" restart="never" nodeType="tmRoot"/>
-      </p:par>
-    </p:tnLst>
-  </p:timing>
 </p:sld>
 </file>
 
@@ -15428,11 +15808,7 @@
           <a:p>
             <a:r>
               <a:rPr lang="en-US" dirty="0" smtClean="0"/>
-              <a:t>Example 7: </a:t>
-            </a:r>
-            <a:r>
-              <a:rPr lang="en-US" dirty="0" err="1" smtClean="0"/>
-              <a:t>jQuery</a:t>
+              <a:t>Example 5: Caching Age</a:t>
             </a:r>
             <a:endParaRPr lang="en-US" dirty="0"/>
           </a:p>
@@ -15453,7 +15829,85 @@
           <a:bodyPr/>
           <a:lstStyle/>
           <a:p>
-            <a:endParaRPr lang="en-US"/>
+            <a:r>
+              <a:rPr lang="en-US" dirty="0" smtClean="0"/>
+              <a:t>The </a:t>
+            </a:r>
+            <a:r>
+              <a:rPr lang="en-US" dirty="0" smtClean="0">
+                <a:latin typeface="Courier New" pitchFamily="49" charset="0"/>
+                <a:cs typeface="Courier New" pitchFamily="49" charset="0"/>
+              </a:rPr>
+              <a:t>Cache</a:t>
+            </a:r>
+            <a:r>
+              <a:rPr lang="en-US" dirty="0" smtClean="0"/>
+              <a:t> and </a:t>
+            </a:r>
+            <a:r>
+              <a:rPr lang="en-US" dirty="0" err="1" smtClean="0">
+                <a:latin typeface="Courier New" pitchFamily="49" charset="0"/>
+                <a:cs typeface="Courier New" pitchFamily="49" charset="0"/>
+              </a:rPr>
+              <a:t>Dcache</a:t>
+            </a:r>
+            <a:r>
+              <a:rPr lang="en-US" dirty="0" smtClean="0">
+                <a:latin typeface="Courier New" pitchFamily="49" charset="0"/>
+                <a:cs typeface="Courier New" pitchFamily="49" charset="0"/>
+              </a:rPr>
+              <a:t> </a:t>
+            </a:r>
+            <a:r>
+              <a:rPr lang="en-US" dirty="0" smtClean="0">
+                <a:cs typeface="Courier New" pitchFamily="49" charset="0"/>
+              </a:rPr>
+              <a:t>take age argument:</a:t>
+            </a:r>
+          </a:p>
+          <a:p>
+            <a:pPr lvl="1"/>
+            <a:r>
+              <a:rPr lang="en-US" dirty="0" smtClean="0">
+                <a:cs typeface="Courier New" pitchFamily="49" charset="0"/>
+              </a:rPr>
+              <a:t>Specified as integer: the age at which the contents expires, expressed in seconds</a:t>
+            </a:r>
+          </a:p>
+          <a:p>
+            <a:pPr lvl="1"/>
+            <a:r>
+              <a:rPr lang="en-US" dirty="0" smtClean="0">
+                <a:cs typeface="Courier New" pitchFamily="49" charset="0"/>
+              </a:rPr>
+              <a:t>Specified as </a:t>
+            </a:r>
+            <a:r>
+              <a:rPr lang="en-US" dirty="0" smtClean="0">
+                <a:latin typeface="Courier New" pitchFamily="49" charset="0"/>
+                <a:cs typeface="Courier New" pitchFamily="49" charset="0"/>
+              </a:rPr>
+              <a:t>clock scan </a:t>
+            </a:r>
+            <a:r>
+              <a:rPr lang="en-US" dirty="0" smtClean="0">
+                <a:cs typeface="Courier New" pitchFamily="49" charset="0"/>
+              </a:rPr>
+              <a:t>string: the point in time until which the contents remain valid (tomorrow, next week, 7 </a:t>
+            </a:r>
+            <a:r>
+              <a:rPr lang="en-US" dirty="0" err="1" smtClean="0">
+                <a:cs typeface="Courier New" pitchFamily="49" charset="0"/>
+              </a:rPr>
+              <a:t>june</a:t>
+            </a:r>
+            <a:r>
+              <a:rPr lang="en-US" dirty="0" smtClean="0">
+                <a:cs typeface="Courier New" pitchFamily="49" charset="0"/>
+              </a:rPr>
+              <a:t> 2009, …)</a:t>
+            </a:r>
+            <a:endParaRPr lang="en-US" dirty="0" smtClean="0"/>
           </a:p>
         </p:txBody>
       </p:sp>
@@ -15499,15 +15953,7 @@
           <a:p>
             <a:r>
               <a:rPr lang="en-US" dirty="0" smtClean="0"/>
-              <a:t>Example 8: </a:t>
-            </a:r>
-            <a:r>
-              <a:rPr lang="en-US" dirty="0" err="1" smtClean="0"/>
-              <a:t>ini</a:t>
-            </a:r>
-            <a:r>
-              <a:rPr lang="en-US" dirty="0" smtClean="0"/>
-              <a:t> parameters</a:t>
+              <a:t>Example 5: Clear cache</a:t>
             </a:r>
             <a:endParaRPr lang="en-US" dirty="0"/>
           </a:p>
@@ -15528,7 +15974,44 @@
           <a:bodyPr/>
           <a:lstStyle/>
           <a:p>
-            <a:endParaRPr lang="en-US"/>
+            <a:r>
+              <a:rPr lang="en-US" dirty="0" smtClean="0">
+                <a:latin typeface="Courier New" pitchFamily="49" charset="0"/>
+                <a:cs typeface="Courier New" pitchFamily="49" charset="0"/>
+              </a:rPr>
+              <a:t>Cache clear:</a:t>
+            </a:r>
+            <a:r>
+              <a:rPr lang="en-US" dirty="0" smtClean="0">
+                <a:cs typeface="Courier New" pitchFamily="49" charset="0"/>
+              </a:rPr>
+              <a:t> C</a:t>
+            </a:r>
+            <a:r>
+              <a:rPr lang="en-US" dirty="0" smtClean="0"/>
+              <a:t>lear the complete cache. All cached contents is removed from the cache</a:t>
+            </a:r>
+          </a:p>
+          <a:p>
+            <a:r>
+              <a:rPr lang="en-US" dirty="0" smtClean="0">
+                <a:latin typeface="Courier New" pitchFamily="49" charset="0"/>
+                <a:cs typeface="Courier New" pitchFamily="49" charset="0"/>
+              </a:rPr>
+              <a:t>Cache delete &lt;</a:t>
+            </a:r>
+            <a:r>
+              <a:rPr lang="en-US" dirty="0" err="1" smtClean="0">
+                <a:latin typeface="Courier New" pitchFamily="49" charset="0"/>
+                <a:cs typeface="Courier New" pitchFamily="49" charset="0"/>
+              </a:rPr>
+              <a:t>url</a:t>
+            </a:r>
+            <a:r>
+              <a:rPr lang="en-US" dirty="0" smtClean="0"/>
+              <a:t>&gt;: Remove the contents cached for the specified URL from the cache</a:t>
+            </a:r>
+            <a:endParaRPr lang="en-US" dirty="0"/>
           </a:p>
         </p:txBody>
       </p:sp>
@@ -15574,7 +16057,7 @@
           <a:p>
             <a:r>
               <a:rPr lang="en-US" dirty="0" smtClean="0"/>
-              <a:t>Example 9: Nub</a:t>
+              <a:t>Example 6: Forms</a:t>
             </a:r>
             <a:endParaRPr lang="en-US" dirty="0"/>
           </a:p>
@@ -15595,7 +16078,7 @@
           <a:bodyPr/>
           <a:lstStyle/>
           <a:p>
-            <a:endParaRPr lang="en-US"/>
+            <a:endParaRPr lang="en-US" dirty="0"/>
           </a:p>
         </p:txBody>
       </p:sp>
@@ -15604,6 +16087,13 @@
   <p:clrMapOvr>
     <a:masterClrMapping/>
   </p:clrMapOvr>
+  <p:timing>
+    <p:tnLst>
+      <p:par>
+        <p:cTn id="1" dur="indefinite" restart="never" nodeType="tmRoot"/>
+      </p:par>
+    </p:tnLst>
+  </p:timing>
 </p:sld>
 </file>
 
@@ -15771,7 +16261,11 @@
           <a:p>
             <a:r>
               <a:rPr lang="en-US" dirty="0" smtClean="0"/>
-              <a:t>Example 10: Suspend/Resume</a:t>
+              <a:t>Example 7: </a:t>
+            </a:r>
+            <a:r>
+              <a:rPr lang="en-US" dirty="0" err="1" smtClean="0"/>
+              <a:t>jQuery</a:t>
             </a:r>
             <a:endParaRPr lang="en-US" dirty="0"/>
           </a:p>
@@ -15838,7 +16332,15 @@
           <a:p>
             <a:r>
               <a:rPr lang="en-US" dirty="0" smtClean="0"/>
-              <a:t>Example 11: Cookies</a:t>
+              <a:t>Example 8: </a:t>
+            </a:r>
+            <a:r>
+              <a:rPr lang="en-US" dirty="0" err="1" smtClean="0"/>
+              <a:t>ini</a:t>
+            </a:r>
+            <a:r>
+              <a:rPr lang="en-US" dirty="0" smtClean="0"/>
+              <a:t> parameters</a:t>
             </a:r>
             <a:endParaRPr lang="en-US" dirty="0"/>
           </a:p>
@@ -15905,7 +16407,7 @@
           <a:p>
             <a:r>
               <a:rPr lang="en-US" dirty="0" smtClean="0"/>
-              <a:t>Example 12: Command port</a:t>
+              <a:t>Example 9: Nub</a:t>
             </a:r>
             <a:endParaRPr lang="en-US" dirty="0"/>
           </a:p>
@@ -15972,7 +16474,7 @@
           <a:p>
             <a:r>
               <a:rPr lang="en-US" dirty="0" smtClean="0"/>
-              <a:t>Conclusion</a:t>
+              <a:t>Example 10: Suspend/Resume</a:t>
             </a:r>
             <a:endParaRPr lang="en-US" dirty="0"/>
           </a:p>
@@ -16006,6 +16508,207 @@
 </file>
 
 <file path=ppt/slides/slide44.xml><?xml version="1.0" encoding="utf-8"?>
+<p:sld xmlns:a="http://schemas.openxmlformats.org/drawingml/2006/main" xmlns:r="http://schemas.openxmlformats.org/officeDocument/2006/relationships" xmlns:p="http://schemas.openxmlformats.org/presentationml/2006/main">
+  <p:cSld>
+    <p:spTree>
+      <p:nvGrpSpPr>
+        <p:cNvPr id="1" name=""/>
+        <p:cNvGrpSpPr/>
+        <p:nvPr/>
+      </p:nvGrpSpPr>
+      <p:grpSpPr>
+        <a:xfrm>
+          <a:off x="0" y="0"/>
+          <a:ext cx="0" cy="0"/>
+          <a:chOff x="0" y="0"/>
+          <a:chExt cx="0" cy="0"/>
+        </a:xfrm>
+      </p:grpSpPr>
+      <p:sp>
+        <p:nvSpPr>
+          <p:cNvPr id="2" name="Title 1"/>
+          <p:cNvSpPr>
+            <a:spLocks noGrp="1"/>
+          </p:cNvSpPr>
+          <p:nvPr>
+            <p:ph type="title"/>
+          </p:nvPr>
+        </p:nvSpPr>
+        <p:spPr/>
+        <p:txBody>
+          <a:bodyPr/>
+          <a:lstStyle/>
+          <a:p>
+            <a:r>
+              <a:rPr lang="en-US" dirty="0" smtClean="0"/>
+              <a:t>Example 11: Cookies</a:t>
+            </a:r>
+            <a:endParaRPr lang="en-US" dirty="0"/>
+          </a:p>
+        </p:txBody>
+      </p:sp>
+      <p:sp>
+        <p:nvSpPr>
+          <p:cNvPr id="3" name="Content Placeholder 2"/>
+          <p:cNvSpPr>
+            <a:spLocks noGrp="1"/>
+          </p:cNvSpPr>
+          <p:nvPr>
+            <p:ph idx="1"/>
+          </p:nvPr>
+        </p:nvSpPr>
+        <p:spPr/>
+        <p:txBody>
+          <a:bodyPr/>
+          <a:lstStyle/>
+          <a:p>
+            <a:endParaRPr lang="en-US"/>
+          </a:p>
+        </p:txBody>
+      </p:sp>
+    </p:spTree>
+  </p:cSld>
+  <p:clrMapOvr>
+    <a:masterClrMapping/>
+  </p:clrMapOvr>
+</p:sld>
+</file>
+
+<file path=ppt/slides/slide45.xml><?xml version="1.0" encoding="utf-8"?>
+<p:sld xmlns:a="http://schemas.openxmlformats.org/drawingml/2006/main" xmlns:r="http://schemas.openxmlformats.org/officeDocument/2006/relationships" xmlns:p="http://schemas.openxmlformats.org/presentationml/2006/main">
+  <p:cSld>
+    <p:spTree>
+      <p:nvGrpSpPr>
+        <p:cNvPr id="1" name=""/>
+        <p:cNvGrpSpPr/>
+        <p:nvPr/>
+      </p:nvGrpSpPr>
+      <p:grpSpPr>
+        <a:xfrm>
+          <a:off x="0" y="0"/>
+          <a:ext cx="0" cy="0"/>
+          <a:chOff x="0" y="0"/>
+          <a:chExt cx="0" cy="0"/>
+        </a:xfrm>
+      </p:grpSpPr>
+      <p:sp>
+        <p:nvSpPr>
+          <p:cNvPr id="2" name="Title 1"/>
+          <p:cNvSpPr>
+            <a:spLocks noGrp="1"/>
+          </p:cNvSpPr>
+          <p:nvPr>
+            <p:ph type="title"/>
+          </p:nvPr>
+        </p:nvSpPr>
+        <p:spPr/>
+        <p:txBody>
+          <a:bodyPr/>
+          <a:lstStyle/>
+          <a:p>
+            <a:r>
+              <a:rPr lang="en-US" dirty="0" smtClean="0"/>
+              <a:t>Example 12: Command port</a:t>
+            </a:r>
+            <a:endParaRPr lang="en-US" dirty="0"/>
+          </a:p>
+        </p:txBody>
+      </p:sp>
+      <p:sp>
+        <p:nvSpPr>
+          <p:cNvPr id="3" name="Content Placeholder 2"/>
+          <p:cNvSpPr>
+            <a:spLocks noGrp="1"/>
+          </p:cNvSpPr>
+          <p:nvPr>
+            <p:ph idx="1"/>
+          </p:nvPr>
+        </p:nvSpPr>
+        <p:spPr/>
+        <p:txBody>
+          <a:bodyPr/>
+          <a:lstStyle/>
+          <a:p>
+            <a:endParaRPr lang="en-US"/>
+          </a:p>
+        </p:txBody>
+      </p:sp>
+    </p:spTree>
+  </p:cSld>
+  <p:clrMapOvr>
+    <a:masterClrMapping/>
+  </p:clrMapOvr>
+</p:sld>
+</file>
+
+<file path=ppt/slides/slide46.xml><?xml version="1.0" encoding="utf-8"?>
+<p:sld xmlns:a="http://schemas.openxmlformats.org/drawingml/2006/main" xmlns:r="http://schemas.openxmlformats.org/officeDocument/2006/relationships" xmlns:p="http://schemas.openxmlformats.org/presentationml/2006/main">
+  <p:cSld>
+    <p:spTree>
+      <p:nvGrpSpPr>
+        <p:cNvPr id="1" name=""/>
+        <p:cNvGrpSpPr/>
+        <p:nvPr/>
+      </p:nvGrpSpPr>
+      <p:grpSpPr>
+        <a:xfrm>
+          <a:off x="0" y="0"/>
+          <a:ext cx="0" cy="0"/>
+          <a:chOff x="0" y="0"/>
+          <a:chExt cx="0" cy="0"/>
+        </a:xfrm>
+      </p:grpSpPr>
+      <p:sp>
+        <p:nvSpPr>
+          <p:cNvPr id="2" name="Title 1"/>
+          <p:cNvSpPr>
+            <a:spLocks noGrp="1"/>
+          </p:cNvSpPr>
+          <p:nvPr>
+            <p:ph type="title"/>
+          </p:nvPr>
+        </p:nvSpPr>
+        <p:spPr/>
+        <p:txBody>
+          <a:bodyPr/>
+          <a:lstStyle/>
+          <a:p>
+            <a:r>
+              <a:rPr lang="en-US" dirty="0" smtClean="0"/>
+              <a:t>Conclusion</a:t>
+            </a:r>
+            <a:endParaRPr lang="en-US" dirty="0"/>
+          </a:p>
+        </p:txBody>
+      </p:sp>
+      <p:sp>
+        <p:nvSpPr>
+          <p:cNvPr id="3" name="Content Placeholder 2"/>
+          <p:cNvSpPr>
+            <a:spLocks noGrp="1"/>
+          </p:cNvSpPr>
+          <p:nvPr>
+            <p:ph idx="1"/>
+          </p:nvPr>
+        </p:nvSpPr>
+        <p:spPr/>
+        <p:txBody>
+          <a:bodyPr/>
+          <a:lstStyle/>
+          <a:p>
+            <a:endParaRPr lang="en-US"/>
+          </a:p>
+        </p:txBody>
+      </p:sp>
+    </p:spTree>
+  </p:cSld>
+  <p:clrMapOvr>
+    <a:masterClrMapping/>
+  </p:clrMapOvr>
+</p:sld>
+</file>
+
+<file path=ppt/slides/slide47.xml><?xml version="1.0" encoding="utf-8"?>
 <p:sld xmlns:a="http://schemas.openxmlformats.org/drawingml/2006/main" xmlns:r="http://schemas.openxmlformats.org/officeDocument/2006/relationships" xmlns:p="http://schemas.openxmlformats.org/presentationml/2006/main">
   <p:cSld>
     <p:spTree>

--- a/trunk/wubexamples/Lets_Wub.pptx
+++ b/trunk/wubexamples/Lets_Wub.pptx
@@ -5,7 +5,7 @@
     <p:sldMasterId id="2147483708" r:id="rId1"/>
   </p:sldMasterIdLst>
   <p:notesMasterIdLst>
-    <p:notesMasterId r:id="rId49"/>
+    <p:notesMasterId r:id="rId50"/>
   </p:notesMasterIdLst>
   <p:sldIdLst>
     <p:sldId id="256" r:id="rId2"/>
@@ -48,13 +48,14 @@
     <p:sldId id="302" r:id="rId39"/>
     <p:sldId id="277" r:id="rId40"/>
     <p:sldId id="278" r:id="rId41"/>
-    <p:sldId id="279" r:id="rId42"/>
-    <p:sldId id="280" r:id="rId43"/>
-    <p:sldId id="281" r:id="rId44"/>
-    <p:sldId id="282" r:id="rId45"/>
-    <p:sldId id="283" r:id="rId46"/>
-    <p:sldId id="284" r:id="rId47"/>
-    <p:sldId id="285" r:id="rId48"/>
+    <p:sldId id="304" r:id="rId42"/>
+    <p:sldId id="279" r:id="rId43"/>
+    <p:sldId id="280" r:id="rId44"/>
+    <p:sldId id="281" r:id="rId45"/>
+    <p:sldId id="282" r:id="rId46"/>
+    <p:sldId id="283" r:id="rId47"/>
+    <p:sldId id="284" r:id="rId48"/>
+    <p:sldId id="285" r:id="rId49"/>
   </p:sldIdLst>
   <p:sldSz cx="9144000" cy="6858000" type="screen4x3"/>
   <p:notesSz cx="6858000" cy="9144000"/>
@@ -239,7 +240,7 @@
             <a:fld id="{4DF4E2B3-4403-4393-BB8B-AE854F842FFB}" type="datetimeFigureOut">
               <a:rPr lang="en-US" smtClean="0"/>
               <a:pPr/>
-              <a:t>5/22/2009</a:t>
+              <a:t>5/24/2009</a:t>
             </a:fld>
             <a:endParaRPr lang="en-US"/>
           </a:p>
@@ -3949,6 +3950,88 @@
 </p:notes>
 </file>
 
+<file path=ppt/notesSlides/notesSlide48.xml><?xml version="1.0" encoding="utf-8"?>
+<p:notes xmlns:a="http://schemas.openxmlformats.org/drawingml/2006/main" xmlns:r="http://schemas.openxmlformats.org/officeDocument/2006/relationships" xmlns:p="http://schemas.openxmlformats.org/presentationml/2006/main">
+  <p:cSld>
+    <p:spTree>
+      <p:nvGrpSpPr>
+        <p:cNvPr id="1" name=""/>
+        <p:cNvGrpSpPr/>
+        <p:nvPr/>
+      </p:nvGrpSpPr>
+      <p:grpSpPr>
+        <a:xfrm>
+          <a:off x="0" y="0"/>
+          <a:ext cx="0" cy="0"/>
+          <a:chOff x="0" y="0"/>
+          <a:chExt cx="0" cy="0"/>
+        </a:xfrm>
+      </p:grpSpPr>
+      <p:sp>
+        <p:nvSpPr>
+          <p:cNvPr id="2" name="Slide Image Placeholder 1"/>
+          <p:cNvSpPr>
+            <a:spLocks noGrp="1" noRot="1" noChangeAspect="1"/>
+          </p:cNvSpPr>
+          <p:nvPr>
+            <p:ph type="sldImg"/>
+          </p:nvPr>
+        </p:nvSpPr>
+        <p:spPr/>
+      </p:sp>
+      <p:sp>
+        <p:nvSpPr>
+          <p:cNvPr id="3" name="Notes Placeholder 2"/>
+          <p:cNvSpPr>
+            <a:spLocks noGrp="1"/>
+          </p:cNvSpPr>
+          <p:nvPr>
+            <p:ph type="body" idx="1"/>
+          </p:nvPr>
+        </p:nvSpPr>
+        <p:spPr/>
+        <p:txBody>
+          <a:bodyPr>
+            <a:normAutofit/>
+          </a:bodyPr>
+          <a:lstStyle/>
+          <a:p>
+            <a:endParaRPr lang="en-US"/>
+          </a:p>
+        </p:txBody>
+      </p:sp>
+      <p:sp>
+        <p:nvSpPr>
+          <p:cNvPr id="4" name="Slide Number Placeholder 3"/>
+          <p:cNvSpPr>
+            <a:spLocks noGrp="1"/>
+          </p:cNvSpPr>
+          <p:nvPr>
+            <p:ph type="sldNum" sz="quarter" idx="10"/>
+          </p:nvPr>
+        </p:nvSpPr>
+        <p:spPr/>
+        <p:txBody>
+          <a:bodyPr/>
+          <a:lstStyle/>
+          <a:p>
+            <a:fld id="{4EE576B6-BA25-48A5-995A-4330F3F4AAF4}" type="slidenum">
+              <a:rPr lang="en-US" smtClean="0"/>
+              <a:pPr/>
+              <a:t>48</a:t>
+            </a:fld>
+            <a:endParaRPr lang="en-US"/>
+          </a:p>
+        </p:txBody>
+      </p:sp>
+    </p:spTree>
+  </p:cSld>
+  <p:clrMapOvr>
+    <a:masterClrMapping/>
+  </p:clrMapOvr>
+</p:notes>
+</file>
+
 <file path=ppt/notesSlides/notesSlide5.xml><?xml version="1.0" encoding="utf-8"?>
 <p:notes xmlns:a="http://schemas.openxmlformats.org/drawingml/2006/main" xmlns:r="http://schemas.openxmlformats.org/officeDocument/2006/relationships" xmlns:p="http://schemas.openxmlformats.org/presentationml/2006/main">
   <p:cSld>
@@ -4541,7 +4624,7 @@
             <a:fld id="{AD6CF7D0-54BE-4AFB-B0FC-FA5E364208B7}" type="datetimeFigureOut">
               <a:rPr lang="en-US" smtClean="0"/>
               <a:pPr/>
-              <a:t>5/22/2009</a:t>
+              <a:t>5/24/2009</a:t>
             </a:fld>
             <a:endParaRPr lang="en-US" dirty="0"/>
           </a:p>
@@ -4708,7 +4791,7 @@
             <a:fld id="{AD6CF7D0-54BE-4AFB-B0FC-FA5E364208B7}" type="datetimeFigureOut">
               <a:rPr lang="en-US" smtClean="0"/>
               <a:pPr/>
-              <a:t>5/22/2009</a:t>
+              <a:t>5/24/2009</a:t>
             </a:fld>
             <a:endParaRPr lang="en-US"/>
           </a:p>
@@ -4885,7 +4968,7 @@
             <a:fld id="{AD6CF7D0-54BE-4AFB-B0FC-FA5E364208B7}" type="datetimeFigureOut">
               <a:rPr lang="en-US" smtClean="0"/>
               <a:pPr/>
-              <a:t>5/22/2009</a:t>
+              <a:t>5/24/2009</a:t>
             </a:fld>
             <a:endParaRPr lang="en-US"/>
           </a:p>
@@ -5052,7 +5135,7 @@
             <a:fld id="{AD6CF7D0-54BE-4AFB-B0FC-FA5E364208B7}" type="datetimeFigureOut">
               <a:rPr lang="en-US" smtClean="0"/>
               <a:pPr/>
-              <a:t>5/22/2009</a:t>
+              <a:t>5/24/2009</a:t>
             </a:fld>
             <a:endParaRPr lang="en-US"/>
           </a:p>
@@ -5295,7 +5378,7 @@
             <a:fld id="{AD6CF7D0-54BE-4AFB-B0FC-FA5E364208B7}" type="datetimeFigureOut">
               <a:rPr lang="en-US" smtClean="0"/>
               <a:pPr/>
-              <a:t>5/22/2009</a:t>
+              <a:t>5/24/2009</a:t>
             </a:fld>
             <a:endParaRPr lang="en-US"/>
           </a:p>
@@ -5580,7 +5663,7 @@
             <a:fld id="{AD6CF7D0-54BE-4AFB-B0FC-FA5E364208B7}" type="datetimeFigureOut">
               <a:rPr lang="en-US" smtClean="0"/>
               <a:pPr/>
-              <a:t>5/22/2009</a:t>
+              <a:t>5/24/2009</a:t>
             </a:fld>
             <a:endParaRPr lang="en-US"/>
           </a:p>
@@ -5999,7 +6082,7 @@
             <a:fld id="{AD6CF7D0-54BE-4AFB-B0FC-FA5E364208B7}" type="datetimeFigureOut">
               <a:rPr lang="en-US" smtClean="0"/>
               <a:pPr/>
-              <a:t>5/22/2009</a:t>
+              <a:t>5/24/2009</a:t>
             </a:fld>
             <a:endParaRPr lang="en-US"/>
           </a:p>
@@ -6114,7 +6197,7 @@
             <a:fld id="{AD6CF7D0-54BE-4AFB-B0FC-FA5E364208B7}" type="datetimeFigureOut">
               <a:rPr lang="en-US" smtClean="0"/>
               <a:pPr/>
-              <a:t>5/22/2009</a:t>
+              <a:t>5/24/2009</a:t>
             </a:fld>
             <a:endParaRPr lang="en-US"/>
           </a:p>
@@ -6206,7 +6289,7 @@
             <a:fld id="{AD6CF7D0-54BE-4AFB-B0FC-FA5E364208B7}" type="datetimeFigureOut">
               <a:rPr lang="en-US" smtClean="0"/>
               <a:pPr/>
-              <a:t>5/22/2009</a:t>
+              <a:t>5/24/2009</a:t>
             </a:fld>
             <a:endParaRPr lang="en-US"/>
           </a:p>
@@ -6480,7 +6563,7 @@
             <a:fld id="{AD6CF7D0-54BE-4AFB-B0FC-FA5E364208B7}" type="datetimeFigureOut">
               <a:rPr lang="en-US" smtClean="0"/>
               <a:pPr/>
-              <a:t>5/22/2009</a:t>
+              <a:t>5/24/2009</a:t>
             </a:fld>
             <a:endParaRPr lang="en-US"/>
           </a:p>
@@ -6730,7 +6813,7 @@
             <a:fld id="{AD6CF7D0-54BE-4AFB-B0FC-FA5E364208B7}" type="datetimeFigureOut">
               <a:rPr lang="en-US" smtClean="0"/>
               <a:pPr/>
-              <a:t>5/22/2009</a:t>
+              <a:t>5/24/2009</a:t>
             </a:fld>
             <a:endParaRPr lang="en-US"/>
           </a:p>
@@ -6940,7 +7023,7 @@
             <a:fld id="{AD6CF7D0-54BE-4AFB-B0FC-FA5E364208B7}" type="datetimeFigureOut">
               <a:rPr lang="en-US" smtClean="0"/>
               <a:pPr/>
-              <a:t>5/22/2009</a:t>
+              <a:t>5/24/2009</a:t>
             </a:fld>
             <a:endParaRPr lang="en-US"/>
           </a:p>
@@ -15443,11 +15526,7 @@
           <a:p>
             <a:r>
               <a:rPr lang="en-US" dirty="0" smtClean="0"/>
-              <a:t>Example 5: </a:t>
-            </a:r>
-            <a:r>
-              <a:rPr lang="en-US" dirty="0" smtClean="0"/>
-              <a:t>Http commands</a:t>
+              <a:t>Example 5: Http commands</a:t>
             </a:r>
             <a:endParaRPr lang="en-US" dirty="0"/>
           </a:p>
@@ -15491,10 +15570,6 @@
               </a:rPr>
               <a:t>Http &lt;error-name&gt; &lt;response&gt; ?arguments?</a:t>
             </a:r>
-            <a:endParaRPr lang="en-US" sz="2400" dirty="0" smtClean="0">
-              <a:latin typeface="Courier New" pitchFamily="49" charset="0"/>
-              <a:cs typeface="Courier New" pitchFamily="49" charset="0"/>
-            </a:endParaRPr>
           </a:p>
           <a:p>
             <a:r>
@@ -15582,11 +15657,7 @@
             </a:r>
             <a:r>
               <a:rPr lang="en-US" dirty="0" smtClean="0"/>
-              <a:t> (307)</a:t>
-            </a:r>
-            <a:r>
-              <a:rPr lang="en-US" dirty="0" smtClean="0"/>
-              <a:t> </a:t>
+              <a:t> (307) </a:t>
             </a:r>
           </a:p>
           <a:p>
@@ -15611,11 +15682,7 @@
             </a:r>
             <a:r>
               <a:rPr lang="en-US" dirty="0" smtClean="0"/>
-              <a:t> (403)</a:t>
-            </a:r>
-            <a:r>
-              <a:rPr lang="en-US" dirty="0" smtClean="0"/>
-              <a:t>, </a:t>
+              <a:t> (403), </a:t>
             </a:r>
             <a:r>
               <a:rPr lang="en-US" dirty="0" err="1" smtClean="0">
@@ -15626,11 +15693,7 @@
             </a:r>
             <a:r>
               <a:rPr lang="en-US" dirty="0" smtClean="0"/>
-              <a:t> </a:t>
-            </a:r>
-            <a:r>
-              <a:rPr lang="en-US" dirty="0" smtClean="0"/>
-              <a:t>(404)</a:t>
+              <a:t> (404)</a:t>
             </a:r>
             <a:endParaRPr lang="en-US" dirty="0"/>
           </a:p>
@@ -16078,10 +16141,223 @@
           <a:bodyPr/>
           <a:lstStyle/>
           <a:p>
+            <a:r>
+              <a:rPr lang="en-US" dirty="0" smtClean="0"/>
+              <a:t>Create form with HTML generation commands</a:t>
+            </a:r>
+          </a:p>
+          <a:p>
+            <a:r>
+              <a:rPr lang="en-US" dirty="0" smtClean="0"/>
+              <a:t>Specify namespace proc or object method as form </a:t>
+            </a:r>
+            <a:r>
+              <a:rPr lang="en-US" dirty="0" smtClean="0">
+                <a:latin typeface="Courier New" pitchFamily="49" charset="0"/>
+                <a:cs typeface="Courier New" pitchFamily="49" charset="0"/>
+              </a:rPr>
+              <a:t>action</a:t>
+            </a:r>
+          </a:p>
+          <a:p>
+            <a:r>
+              <a:rPr lang="en-US" dirty="0" smtClean="0"/>
+              <a:t>Use post or get as form method</a:t>
+            </a:r>
+          </a:p>
+          <a:p>
+            <a:r>
+              <a:rPr lang="en-US" dirty="0" smtClean="0"/>
+              <a:t>As with queries, form entries are translated by </a:t>
+            </a:r>
+            <a:r>
+              <a:rPr lang="en-US" dirty="0" err="1" smtClean="0"/>
+              <a:t>Wub</a:t>
+            </a:r>
+            <a:r>
+              <a:rPr lang="en-US" dirty="0" smtClean="0"/>
+              <a:t> to proc/method arguments based on entry names</a:t>
+            </a:r>
             <a:endParaRPr lang="en-US" dirty="0"/>
           </a:p>
         </p:txBody>
       </p:sp>
+      <p:graphicFrame>
+        <p:nvGraphicFramePr>
+          <p:cNvPr id="4" name="Table 3"/>
+          <p:cNvGraphicFramePr>
+            <a:graphicFrameLocks noGrp="1"/>
+          </p:cNvGraphicFramePr>
+          <p:nvPr/>
+        </p:nvGraphicFramePr>
+        <p:xfrm>
+          <a:off x="2819400" y="5715000"/>
+          <a:ext cx="6096000" cy="741680"/>
+        </p:xfrm>
+        <a:graphic>
+          <a:graphicData uri="http://schemas.openxmlformats.org/drawingml/2006/table">
+            <a:tbl>
+              <a:tblPr firstRow="1" bandRow="1">
+                <a:tableStyleId>{5C22544A-7EE6-4342-B048-85BDC9FD1C3A}</a:tableStyleId>
+              </a:tblPr>
+              <a:tblGrid>
+                <a:gridCol w="1524000"/>
+                <a:gridCol w="1524000"/>
+                <a:gridCol w="1524000"/>
+                <a:gridCol w="1524000"/>
+              </a:tblGrid>
+              <a:tr h="370840">
+                <a:tc>
+                  <a:txBody>
+                    <a:bodyPr/>
+                    <a:lstStyle/>
+                    <a:p>
+                      <a:r>
+                        <a:rPr lang="en-US" dirty="0" smtClean="0"/>
+                        <a:t>&lt;form&gt;</a:t>
+                      </a:r>
+                      <a:endParaRPr lang="en-US" dirty="0"/>
+                    </a:p>
+                  </a:txBody>
+                  <a:tcPr/>
+                </a:tc>
+                <a:tc>
+                  <a:txBody>
+                    <a:bodyPr/>
+                    <a:lstStyle/>
+                    <a:p>
+                      <a:r>
+                        <a:rPr lang="en-US" dirty="0" smtClean="0"/>
+                        <a:t>&lt;input&gt;</a:t>
+                      </a:r>
+                      <a:endParaRPr lang="en-US" dirty="0"/>
+                    </a:p>
+                  </a:txBody>
+                  <a:tcPr/>
+                </a:tc>
+                <a:tc>
+                  <a:txBody>
+                    <a:bodyPr/>
+                    <a:lstStyle/>
+                    <a:p>
+                      <a:r>
+                        <a:rPr lang="en-US" dirty="0" smtClean="0"/>
+                        <a:t>&lt;button&gt;</a:t>
+                      </a:r>
+                      <a:endParaRPr lang="en-US" dirty="0"/>
+                    </a:p>
+                  </a:txBody>
+                  <a:tcPr/>
+                </a:tc>
+                <a:tc>
+                  <a:txBody>
+                    <a:bodyPr/>
+                    <a:lstStyle/>
+                    <a:p>
+                      <a:r>
+                        <a:rPr lang="en-US" dirty="0" smtClean="0"/>
+                        <a:t>&lt;hidden&gt;</a:t>
+                      </a:r>
+                      <a:endParaRPr lang="en-US" dirty="0"/>
+                    </a:p>
+                  </a:txBody>
+                  <a:tcPr/>
+                </a:tc>
+              </a:tr>
+              <a:tr h="370840">
+                <a:tc>
+                  <a:txBody>
+                    <a:bodyPr/>
+                    <a:lstStyle/>
+                    <a:p>
+                      <a:pPr marL="0" marR="0" indent="0" algn="l" defTabSz="914400" rtl="0" eaLnBrk="1" fontAlgn="auto" latinLnBrk="0" hangingPunct="1">
+                        <a:lnSpc>
+                          <a:spcPct val="100000"/>
+                        </a:lnSpc>
+                        <a:spcBef>
+                          <a:spcPts val="0"/>
+                        </a:spcBef>
+                        <a:spcAft>
+                          <a:spcPts val="0"/>
+                        </a:spcAft>
+                        <a:buClrTx/>
+                        <a:buSzTx/>
+                        <a:buFontTx/>
+                        <a:buNone/>
+                        <a:tabLst/>
+                        <a:defRPr/>
+                      </a:pPr>
+                      <a:r>
+                        <a:rPr lang="en-US" dirty="0" smtClean="0"/>
+                        <a:t>&lt;</a:t>
+                      </a:r>
+                      <a:r>
+                        <a:rPr lang="en-US" dirty="0" err="1" smtClean="0"/>
+                        <a:t>textarea</a:t>
+                      </a:r>
+                      <a:r>
+                        <a:rPr lang="en-US" dirty="0" smtClean="0"/>
+                        <a:t>&gt;</a:t>
+                      </a:r>
+                    </a:p>
+                  </a:txBody>
+                  <a:tcPr/>
+                </a:tc>
+                <a:tc>
+                  <a:txBody>
+                    <a:bodyPr/>
+                    <a:lstStyle/>
+                    <a:p>
+                      <a:r>
+                        <a:rPr lang="en-US" dirty="0" smtClean="0"/>
+                        <a:t>&lt;option&gt;</a:t>
+                      </a:r>
+                      <a:endParaRPr lang="en-US" dirty="0"/>
+                    </a:p>
+                  </a:txBody>
+                  <a:tcPr/>
+                </a:tc>
+                <a:tc>
+                  <a:txBody>
+                    <a:bodyPr/>
+                    <a:lstStyle/>
+                    <a:p>
+                      <a:r>
+                        <a:rPr lang="en-US" dirty="0" smtClean="0"/>
+                        <a:t>&lt;</a:t>
+                      </a:r>
+                      <a:r>
+                        <a:rPr lang="en-US" dirty="0" err="1" smtClean="0"/>
+                        <a:t>optgroup</a:t>
+                      </a:r>
+                      <a:r>
+                        <a:rPr lang="en-US" dirty="0" smtClean="0"/>
+                        <a:t>&gt;</a:t>
+                      </a:r>
+                      <a:endParaRPr lang="en-US" dirty="0"/>
+                    </a:p>
+                  </a:txBody>
+                  <a:tcPr/>
+                </a:tc>
+                <a:tc>
+                  <a:txBody>
+                    <a:bodyPr/>
+                    <a:lstStyle/>
+                    <a:p>
+                      <a:r>
+                        <a:rPr lang="en-US" dirty="0" smtClean="0"/>
+                        <a:t>&lt;select&gt;</a:t>
+                      </a:r>
+                      <a:endParaRPr lang="en-US" dirty="0"/>
+                    </a:p>
+                  </a:txBody>
+                  <a:tcPr/>
+                </a:tc>
+              </a:tr>
+            </a:tbl>
+          </a:graphicData>
+        </a:graphic>
+      </p:graphicFrame>
     </p:spTree>
   </p:cSld>
   <p:clrMapOvr>
@@ -16283,10 +16559,166 @@
         </p:nvSpPr>
         <p:spPr/>
         <p:txBody>
-          <a:bodyPr/>
-          <a:lstStyle/>
-          <a:p>
-            <a:endParaRPr lang="en-US"/>
+          <a:bodyPr>
+            <a:normAutofit/>
+          </a:bodyPr>
+          <a:lstStyle/>
+          <a:p>
+            <a:r>
+              <a:rPr lang="en-US" dirty="0" err="1" smtClean="0"/>
+              <a:t>jQuery</a:t>
+            </a:r>
+            <a:r>
+              <a:rPr lang="en-US" dirty="0" smtClean="0"/>
+              <a:t> is a JavaScript library   </a:t>
+            </a:r>
+          </a:p>
+          <a:p>
+            <a:pPr>
+              <a:buNone/>
+            </a:pPr>
+            <a:r>
+              <a:rPr lang="en-US" dirty="0" smtClean="0"/>
+              <a:t> </a:t>
+            </a:r>
+            <a:r>
+              <a:rPr lang="en-US" dirty="0" smtClean="0"/>
+              <a:t>     </a:t>
+            </a:r>
+            <a:r>
+              <a:rPr lang="en-US" dirty="0" smtClean="0">
+                <a:hlinkClick r:id="rId3"/>
+              </a:rPr>
+              <a:t>http</a:t>
+            </a:r>
+            <a:r>
+              <a:rPr lang="en-US" dirty="0" smtClean="0">
+                <a:hlinkClick r:id="rId3"/>
+              </a:rPr>
+              <a:t>://jquery.com</a:t>
+            </a:r>
+            <a:r>
+              <a:rPr lang="en-US" dirty="0" smtClean="0">
+                <a:hlinkClick r:id="rId3"/>
+              </a:rPr>
+              <a:t>/</a:t>
+            </a:r>
+            <a:endParaRPr lang="en-US" dirty="0" smtClean="0"/>
+          </a:p>
+          <a:p>
+            <a:r>
+              <a:rPr lang="en-US" dirty="0" err="1" smtClean="0"/>
+              <a:t>Wub</a:t>
+            </a:r>
+            <a:r>
+              <a:rPr lang="en-US" dirty="0" smtClean="0"/>
+              <a:t> makes it easy to use </a:t>
+            </a:r>
+            <a:r>
+              <a:rPr lang="en-US" dirty="0" err="1" smtClean="0"/>
+              <a:t>jQuery</a:t>
+            </a:r>
+            <a:r>
+              <a:rPr lang="en-US" dirty="0" smtClean="0"/>
+              <a:t> and some of its </a:t>
+            </a:r>
+            <a:r>
+              <a:rPr lang="en-US" dirty="0" err="1" smtClean="0"/>
+              <a:t>plugins</a:t>
+            </a:r>
+            <a:r>
+              <a:rPr lang="en-US" dirty="0" smtClean="0"/>
+              <a:t> but wrapping it into a File like domain.</a:t>
+            </a:r>
+          </a:p>
+          <a:p>
+            <a:r>
+              <a:rPr lang="en-US" dirty="0" smtClean="0"/>
+              <a:t>To add </a:t>
+            </a:r>
+            <a:r>
+              <a:rPr lang="en-US" dirty="0" err="1" smtClean="0"/>
+              <a:t>jQuery</a:t>
+            </a:r>
+            <a:r>
+              <a:rPr lang="en-US" dirty="0" smtClean="0"/>
+              <a:t> to you application add this statements:</a:t>
+            </a:r>
+          </a:p>
+          <a:p>
+            <a:pPr>
+              <a:buNone/>
+            </a:pPr>
+            <a:r>
+              <a:rPr lang="en-US" sz="3000" dirty="0" smtClean="0">
+                <a:latin typeface="Courier New" pitchFamily="49" charset="0"/>
+                <a:cs typeface="Courier New" pitchFamily="49" charset="0"/>
+              </a:rPr>
+              <a:t>  </a:t>
+            </a:r>
+            <a:r>
+              <a:rPr lang="en-US" sz="3000" dirty="0" smtClean="0">
+                <a:latin typeface="Courier New" pitchFamily="49" charset="0"/>
+                <a:cs typeface="Courier New" pitchFamily="49" charset="0"/>
+              </a:rPr>
+              <a:t>  set </a:t>
+            </a:r>
+            <a:r>
+              <a:rPr lang="en-US" sz="3000" dirty="0" err="1" smtClean="0">
+                <a:latin typeface="Courier New" pitchFamily="49" charset="0"/>
+                <a:cs typeface="Courier New" pitchFamily="49" charset="0"/>
+              </a:rPr>
+              <a:t>req</a:t>
+            </a:r>
+            <a:r>
+              <a:rPr lang="en-US" sz="3000" dirty="0" smtClean="0">
+                <a:latin typeface="Courier New" pitchFamily="49" charset="0"/>
+                <a:cs typeface="Courier New" pitchFamily="49" charset="0"/>
+              </a:rPr>
+              <a:t> [</a:t>
+            </a:r>
+            <a:r>
+              <a:rPr lang="en-US" sz="3000" dirty="0" err="1" smtClean="0">
+                <a:latin typeface="Courier New" pitchFamily="49" charset="0"/>
+                <a:cs typeface="Courier New" pitchFamily="49" charset="0"/>
+              </a:rPr>
+              <a:t>jQ</a:t>
+            </a:r>
+            <a:r>
+              <a:rPr lang="en-US" sz="3000" dirty="0" smtClean="0">
+                <a:latin typeface="Courier New" pitchFamily="49" charset="0"/>
+                <a:cs typeface="Courier New" pitchFamily="49" charset="0"/>
+              </a:rPr>
+              <a:t> </a:t>
+            </a:r>
+            <a:r>
+              <a:rPr lang="en-US" sz="3000" dirty="0" err="1" smtClean="0">
+                <a:latin typeface="Courier New" pitchFamily="49" charset="0"/>
+                <a:cs typeface="Courier New" pitchFamily="49" charset="0"/>
+              </a:rPr>
+              <a:t>jquery</a:t>
+            </a:r>
+            <a:r>
+              <a:rPr lang="en-US" sz="3000" dirty="0" smtClean="0">
+                <a:latin typeface="Courier New" pitchFamily="49" charset="0"/>
+                <a:cs typeface="Courier New" pitchFamily="49" charset="0"/>
+              </a:rPr>
+              <a:t> $</a:t>
+            </a:r>
+            <a:r>
+              <a:rPr lang="en-US" sz="3000" dirty="0" err="1" smtClean="0">
+                <a:latin typeface="Courier New" pitchFamily="49" charset="0"/>
+                <a:cs typeface="Courier New" pitchFamily="49" charset="0"/>
+              </a:rPr>
+              <a:t>req</a:t>
+            </a:r>
+            <a:r>
+              <a:rPr lang="en-US" sz="3000" dirty="0" smtClean="0">
+                <a:latin typeface="Courier New" pitchFamily="49" charset="0"/>
+                <a:cs typeface="Courier New" pitchFamily="49" charset="0"/>
+              </a:rPr>
+              <a:t>]</a:t>
+            </a:r>
           </a:p>
         </p:txBody>
       </p:sp>
@@ -16332,15 +16764,11 @@
           <a:p>
             <a:r>
               <a:rPr lang="en-US" dirty="0" smtClean="0"/>
-              <a:t>Example 8: </a:t>
+              <a:t>Example 7: </a:t>
             </a:r>
             <a:r>
               <a:rPr lang="en-US" dirty="0" err="1" smtClean="0"/>
-              <a:t>ini</a:t>
-            </a:r>
-            <a:r>
-              <a:rPr lang="en-US" dirty="0" smtClean="0"/>
-              <a:t> parameters</a:t>
+              <a:t>jQuery</a:t>
             </a:r>
             <a:endParaRPr lang="en-US" dirty="0"/>
           </a:p>
@@ -16361,15 +16789,719 @@
           <a:bodyPr/>
           <a:lstStyle/>
           <a:p>
-            <a:endParaRPr lang="en-US"/>
-          </a:p>
-        </p:txBody>
-      </p:sp>
+            <a:r>
+              <a:rPr lang="en-US" dirty="0" smtClean="0"/>
+              <a:t>To run a scripts when </a:t>
+            </a:r>
+            <a:r>
+              <a:rPr lang="en-US" dirty="0" err="1" smtClean="0"/>
+              <a:t>jQuery</a:t>
+            </a:r>
+            <a:r>
+              <a:rPr lang="en-US" dirty="0" smtClean="0"/>
+              <a:t> is loaded:</a:t>
+            </a:r>
+          </a:p>
+          <a:p>
+            <a:pPr>
+              <a:buNone/>
+            </a:pPr>
+            <a:r>
+              <a:rPr lang="en-US" sz="2000" dirty="0" smtClean="0">
+                <a:latin typeface="Courier New" pitchFamily="49" charset="0"/>
+                <a:cs typeface="Courier New" pitchFamily="49" charset="0"/>
+              </a:rPr>
+              <a:t> </a:t>
+            </a:r>
+            <a:r>
+              <a:rPr lang="en-US" sz="2000" dirty="0" smtClean="0">
+                <a:latin typeface="Courier New" pitchFamily="49" charset="0"/>
+                <a:cs typeface="Courier New" pitchFamily="49" charset="0"/>
+              </a:rPr>
+              <a:t> set </a:t>
+            </a:r>
+            <a:r>
+              <a:rPr lang="en-US" sz="2000" dirty="0" err="1" smtClean="0">
+                <a:latin typeface="Courier New" pitchFamily="49" charset="0"/>
+                <a:cs typeface="Courier New" pitchFamily="49" charset="0"/>
+              </a:rPr>
+              <a:t>req</a:t>
+            </a:r>
+            <a:r>
+              <a:rPr lang="en-US" sz="2000" dirty="0" smtClean="0">
+                <a:latin typeface="Courier New" pitchFamily="49" charset="0"/>
+                <a:cs typeface="Courier New" pitchFamily="49" charset="0"/>
+              </a:rPr>
+              <a:t> [</a:t>
+            </a:r>
+            <a:r>
+              <a:rPr lang="en-US" sz="2000" dirty="0" err="1" smtClean="0">
+                <a:latin typeface="Courier New" pitchFamily="49" charset="0"/>
+                <a:cs typeface="Courier New" pitchFamily="49" charset="0"/>
+              </a:rPr>
+              <a:t>jQ</a:t>
+            </a:r>
+            <a:r>
+              <a:rPr lang="en-US" sz="2000" dirty="0" smtClean="0">
+                <a:latin typeface="Courier New" pitchFamily="49" charset="0"/>
+                <a:cs typeface="Courier New" pitchFamily="49" charset="0"/>
+              </a:rPr>
+              <a:t> ready $</a:t>
+            </a:r>
+            <a:r>
+              <a:rPr lang="en-US" sz="2000" dirty="0" err="1" smtClean="0">
+                <a:latin typeface="Courier New" pitchFamily="49" charset="0"/>
+                <a:cs typeface="Courier New" pitchFamily="49" charset="0"/>
+              </a:rPr>
+              <a:t>req</a:t>
+            </a:r>
+            <a:r>
+              <a:rPr lang="en-US" sz="2000" dirty="0" smtClean="0">
+                <a:latin typeface="Courier New" pitchFamily="49" charset="0"/>
+                <a:cs typeface="Courier New" pitchFamily="49" charset="0"/>
+              </a:rPr>
+              <a:t> &lt;script&gt;]</a:t>
+            </a:r>
+          </a:p>
+          <a:p>
+            <a:r>
+              <a:rPr lang="en-US" dirty="0" smtClean="0">
+                <a:cs typeface="Courier New" pitchFamily="49" charset="0"/>
+              </a:rPr>
+              <a:t>To use </a:t>
+            </a:r>
+            <a:r>
+              <a:rPr lang="en-US" dirty="0" err="1" smtClean="0">
+                <a:cs typeface="Courier New" pitchFamily="49" charset="0"/>
+              </a:rPr>
+              <a:t>jQuery</a:t>
+            </a:r>
+            <a:r>
+              <a:rPr lang="en-US" dirty="0" smtClean="0">
+                <a:cs typeface="Courier New" pitchFamily="49" charset="0"/>
+              </a:rPr>
+              <a:t> </a:t>
+            </a:r>
+            <a:r>
+              <a:rPr lang="en-US" dirty="0" err="1" smtClean="0">
+                <a:cs typeface="Courier New" pitchFamily="49" charset="0"/>
+              </a:rPr>
+              <a:t>plugin</a:t>
+            </a:r>
+            <a:r>
+              <a:rPr lang="en-US" dirty="0" smtClean="0">
+                <a:cs typeface="Courier New" pitchFamily="49" charset="0"/>
+              </a:rPr>
+              <a:t>:</a:t>
+            </a:r>
+          </a:p>
+          <a:p>
+            <a:pPr>
+              <a:buNone/>
+            </a:pPr>
+            <a:r>
+              <a:rPr lang="en-US" sz="2000" dirty="0" smtClean="0">
+                <a:latin typeface="Courier New" pitchFamily="49" charset="0"/>
+                <a:cs typeface="Courier New" pitchFamily="49" charset="0"/>
+              </a:rPr>
+              <a:t>  set </a:t>
+            </a:r>
+            <a:r>
+              <a:rPr lang="en-US" sz="2000" dirty="0" err="1" smtClean="0">
+                <a:latin typeface="Courier New" pitchFamily="49" charset="0"/>
+                <a:cs typeface="Courier New" pitchFamily="49" charset="0"/>
+              </a:rPr>
+              <a:t>req</a:t>
+            </a:r>
+            <a:r>
+              <a:rPr lang="en-US" sz="2000" dirty="0" smtClean="0">
+                <a:latin typeface="Courier New" pitchFamily="49" charset="0"/>
+                <a:cs typeface="Courier New" pitchFamily="49" charset="0"/>
+              </a:rPr>
+              <a:t> [</a:t>
+            </a:r>
+            <a:r>
+              <a:rPr lang="en-US" sz="2000" dirty="0" err="1" smtClean="0">
+                <a:latin typeface="Courier New" pitchFamily="49" charset="0"/>
+                <a:cs typeface="Courier New" pitchFamily="49" charset="0"/>
+              </a:rPr>
+              <a:t>jQ</a:t>
+            </a:r>
+            <a:r>
+              <a:rPr lang="en-US" sz="2000" dirty="0" smtClean="0">
+                <a:latin typeface="Courier New" pitchFamily="49" charset="0"/>
+                <a:cs typeface="Courier New" pitchFamily="49" charset="0"/>
+              </a:rPr>
+              <a:t> &lt;</a:t>
+            </a:r>
+            <a:r>
+              <a:rPr lang="en-US" sz="2000" dirty="0" err="1" smtClean="0">
+                <a:latin typeface="Courier New" pitchFamily="49" charset="0"/>
+                <a:cs typeface="Courier New" pitchFamily="49" charset="0"/>
+              </a:rPr>
+              <a:t>plugin</a:t>
+            </a:r>
+            <a:r>
+              <a:rPr lang="en-US" sz="2000" dirty="0" smtClean="0">
+                <a:latin typeface="Courier New" pitchFamily="49" charset="0"/>
+                <a:cs typeface="Courier New" pitchFamily="49" charset="0"/>
+              </a:rPr>
+              <a:t>&gt; &lt;selector&gt; &lt;</a:t>
+            </a:r>
+            <a:r>
+              <a:rPr lang="en-US" sz="2000" dirty="0" err="1" smtClean="0">
+                <a:latin typeface="Courier New" pitchFamily="49" charset="0"/>
+                <a:cs typeface="Courier New" pitchFamily="49" charset="0"/>
+              </a:rPr>
+              <a:t>plugin</a:t>
+            </a:r>
+            <a:r>
+              <a:rPr lang="en-US" sz="2000" dirty="0" smtClean="0">
+                <a:latin typeface="Courier New" pitchFamily="49" charset="0"/>
+                <a:cs typeface="Courier New" pitchFamily="49" charset="0"/>
+              </a:rPr>
+              <a:t> arguments&gt;</a:t>
+            </a:r>
+          </a:p>
+          <a:p>
+            <a:r>
+              <a:rPr lang="en-US" dirty="0" smtClean="0">
+                <a:cs typeface="Courier New" pitchFamily="49" charset="0"/>
+              </a:rPr>
+              <a:t>List of wrapped </a:t>
+            </a:r>
+            <a:r>
+              <a:rPr lang="en-US" dirty="0" err="1" smtClean="0">
+                <a:cs typeface="Courier New" pitchFamily="49" charset="0"/>
+              </a:rPr>
+              <a:t>plugins</a:t>
+            </a:r>
+            <a:r>
+              <a:rPr lang="en-US" dirty="0" smtClean="0">
+                <a:cs typeface="Courier New" pitchFamily="49" charset="0"/>
+              </a:rPr>
+              <a:t> at    </a:t>
+            </a:r>
+            <a:r>
+              <a:rPr lang="en-US" dirty="0" smtClean="0">
+                <a:hlinkClick r:id="rId3"/>
+              </a:rPr>
+              <a:t>http://wiki.tcl.tk/_</a:t>
+            </a:r>
+            <a:r>
+              <a:rPr lang="en-US" dirty="0" smtClean="0">
+                <a:hlinkClick r:id="rId3"/>
+              </a:rPr>
+              <a:t>wub/docs/Domains/JQ</a:t>
+            </a:r>
+            <a:endParaRPr lang="en-US" dirty="0" smtClean="0"/>
+          </a:p>
+          <a:p>
+            <a:pPr>
+              <a:buNone/>
+            </a:pPr>
+            <a:endParaRPr lang="en-US" dirty="0">
+              <a:cs typeface="Courier New" pitchFamily="49" charset="0"/>
+            </a:endParaRPr>
+          </a:p>
+        </p:txBody>
+      </p:sp>
+      <p:graphicFrame>
+        <p:nvGraphicFramePr>
+          <p:cNvPr id="4" name="Table 3"/>
+          <p:cNvGraphicFramePr>
+            <a:graphicFrameLocks noGrp="1"/>
+          </p:cNvGraphicFramePr>
+          <p:nvPr/>
+        </p:nvGraphicFramePr>
+        <p:xfrm>
+          <a:off x="2743200" y="4663440"/>
+          <a:ext cx="6096000" cy="2194560"/>
+        </p:xfrm>
+        <a:graphic>
+          <a:graphicData uri="http://schemas.openxmlformats.org/drawingml/2006/table">
+            <a:tbl>
+              <a:tblPr firstRow="1" bandRow="1">
+                <a:tableStyleId>{5C22544A-7EE6-4342-B048-85BDC9FD1C3A}</a:tableStyleId>
+              </a:tblPr>
+              <a:tblGrid>
+                <a:gridCol w="1524000"/>
+                <a:gridCol w="1524000"/>
+                <a:gridCol w="1524000"/>
+                <a:gridCol w="1524000"/>
+              </a:tblGrid>
+              <a:tr h="230976">
+                <a:tc>
+                  <a:txBody>
+                    <a:bodyPr/>
+                    <a:lstStyle/>
+                    <a:p>
+                      <a:r>
+                        <a:rPr lang="en-US" sz="1200" dirty="0" err="1" smtClean="0"/>
+                        <a:t>jframe</a:t>
+                      </a:r>
+                      <a:endParaRPr lang="en-US" sz="1200" dirty="0"/>
+                    </a:p>
+                  </a:txBody>
+                  <a:tcPr/>
+                </a:tc>
+                <a:tc>
+                  <a:txBody>
+                    <a:bodyPr/>
+                    <a:lstStyle/>
+                    <a:p>
+                      <a:r>
+                        <a:rPr lang="en-US" sz="1200" dirty="0" err="1" smtClean="0"/>
+                        <a:t>jtemplates</a:t>
+                      </a:r>
+                      <a:endParaRPr lang="en-US" sz="1200" dirty="0"/>
+                    </a:p>
+                  </a:txBody>
+                  <a:tcPr/>
+                </a:tc>
+                <a:tc>
+                  <a:txBody>
+                    <a:bodyPr/>
+                    <a:lstStyle/>
+                    <a:p>
+                      <a:r>
+                        <a:rPr lang="en-US" sz="1200" dirty="0" smtClean="0"/>
+                        <a:t>history</a:t>
+                      </a:r>
+                      <a:endParaRPr lang="en-US" sz="1200" dirty="0"/>
+                    </a:p>
+                  </a:txBody>
+                  <a:tcPr/>
+                </a:tc>
+                <a:tc>
+                  <a:txBody>
+                    <a:bodyPr/>
+                    <a:lstStyle/>
+                    <a:p>
+                      <a:r>
+                        <a:rPr lang="en-US" sz="1200" dirty="0" err="1" smtClean="0"/>
+                        <a:t>datepicker</a:t>
+                      </a:r>
+                      <a:endParaRPr lang="en-US" sz="1200" dirty="0"/>
+                    </a:p>
+                  </a:txBody>
+                  <a:tcPr/>
+                </a:tc>
+              </a:tr>
+              <a:tr h="173832">
+                <a:tc>
+                  <a:txBody>
+                    <a:bodyPr/>
+                    <a:lstStyle/>
+                    <a:p>
+                      <a:r>
+                        <a:rPr lang="en-US" sz="1200" dirty="0" err="1" smtClean="0"/>
+                        <a:t>timeentry</a:t>
+                      </a:r>
+                      <a:endParaRPr lang="en-US" sz="1200" dirty="0"/>
+                    </a:p>
+                  </a:txBody>
+                  <a:tcPr/>
+                </a:tc>
+                <a:tc>
+                  <a:txBody>
+                    <a:bodyPr/>
+                    <a:lstStyle/>
+                    <a:p>
+                      <a:r>
+                        <a:rPr lang="en-US" sz="1200" dirty="0" smtClean="0"/>
+                        <a:t>hint</a:t>
+                      </a:r>
+                      <a:endParaRPr lang="en-US" sz="1200" dirty="0"/>
+                    </a:p>
+                  </a:txBody>
+                  <a:tcPr/>
+                </a:tc>
+                <a:tc>
+                  <a:txBody>
+                    <a:bodyPr/>
+                    <a:lstStyle/>
+                    <a:p>
+                      <a:r>
+                        <a:rPr lang="en-US" sz="1200" dirty="0" err="1" smtClean="0"/>
+                        <a:t>boxtoggle</a:t>
+                      </a:r>
+                      <a:endParaRPr lang="en-US" sz="1200" dirty="0"/>
+                    </a:p>
+                  </a:txBody>
+                  <a:tcPr/>
+                </a:tc>
+                <a:tc>
+                  <a:txBody>
+                    <a:bodyPr/>
+                    <a:lstStyle/>
+                    <a:p>
+                      <a:r>
+                        <a:rPr lang="en-US" sz="1200" dirty="0" err="1" smtClean="0"/>
+                        <a:t>tablesorter</a:t>
+                      </a:r>
+                      <a:endParaRPr lang="en-US" sz="1200" dirty="0"/>
+                    </a:p>
+                  </a:txBody>
+                  <a:tcPr/>
+                </a:tc>
+              </a:tr>
+              <a:tr h="173832">
+                <a:tc>
+                  <a:txBody>
+                    <a:bodyPr/>
+                    <a:lstStyle/>
+                    <a:p>
+                      <a:r>
+                        <a:rPr lang="en-US" sz="1200" dirty="0" err="1" smtClean="0"/>
+                        <a:t>multifile</a:t>
+                      </a:r>
+                      <a:endParaRPr lang="en-US" sz="1200" dirty="0"/>
+                    </a:p>
+                  </a:txBody>
+                  <a:tcPr/>
+                </a:tc>
+                <a:tc>
+                  <a:txBody>
+                    <a:bodyPr/>
+                    <a:lstStyle/>
+                    <a:p>
+                      <a:r>
+                        <a:rPr lang="en-US" sz="1200" dirty="0" smtClean="0"/>
+                        <a:t>containers</a:t>
+                      </a:r>
+                      <a:endParaRPr lang="en-US" sz="1200" dirty="0"/>
+                    </a:p>
+                  </a:txBody>
+                  <a:tcPr/>
+                </a:tc>
+                <a:tc>
+                  <a:txBody>
+                    <a:bodyPr/>
+                    <a:lstStyle/>
+                    <a:p>
+                      <a:r>
+                        <a:rPr lang="en-US" sz="1200" dirty="0" smtClean="0"/>
+                        <a:t>tabs</a:t>
+                      </a:r>
+                      <a:endParaRPr lang="en-US" sz="1200" dirty="0"/>
+                    </a:p>
+                  </a:txBody>
+                  <a:tcPr/>
+                </a:tc>
+                <a:tc>
+                  <a:txBody>
+                    <a:bodyPr/>
+                    <a:lstStyle/>
+                    <a:p>
+                      <a:r>
+                        <a:rPr lang="en-US" sz="1200" dirty="0" smtClean="0"/>
+                        <a:t>accordion</a:t>
+                      </a:r>
+                      <a:endParaRPr lang="en-US" sz="1200" dirty="0"/>
+                    </a:p>
+                  </a:txBody>
+                  <a:tcPr/>
+                </a:tc>
+              </a:tr>
+              <a:tr h="173832">
+                <a:tc>
+                  <a:txBody>
+                    <a:bodyPr/>
+                    <a:lstStyle/>
+                    <a:p>
+                      <a:r>
+                        <a:rPr lang="en-US" sz="1200" dirty="0" smtClean="0"/>
+                        <a:t>resizable</a:t>
+                      </a:r>
+                      <a:endParaRPr lang="en-US" sz="1200" dirty="0"/>
+                    </a:p>
+                  </a:txBody>
+                  <a:tcPr/>
+                </a:tc>
+                <a:tc>
+                  <a:txBody>
+                    <a:bodyPr/>
+                    <a:lstStyle/>
+                    <a:p>
+                      <a:r>
+                        <a:rPr lang="en-US" sz="1200" dirty="0" err="1" smtClean="0"/>
+                        <a:t>draggable</a:t>
+                      </a:r>
+                      <a:endParaRPr lang="en-US" sz="1200" dirty="0"/>
+                    </a:p>
+                  </a:txBody>
+                  <a:tcPr/>
+                </a:tc>
+                <a:tc>
+                  <a:txBody>
+                    <a:bodyPr/>
+                    <a:lstStyle/>
+                    <a:p>
+                      <a:r>
+                        <a:rPr lang="en-US" sz="1200" dirty="0" smtClean="0"/>
+                        <a:t>droppable</a:t>
+                      </a:r>
+                      <a:endParaRPr lang="en-US" sz="1200" dirty="0"/>
+                    </a:p>
+                  </a:txBody>
+                  <a:tcPr/>
+                </a:tc>
+                <a:tc>
+                  <a:txBody>
+                    <a:bodyPr/>
+                    <a:lstStyle/>
+                    <a:p>
+                      <a:r>
+                        <a:rPr lang="en-US" sz="1200" dirty="0" err="1" smtClean="0"/>
+                        <a:t>sortable</a:t>
+                      </a:r>
+                      <a:endParaRPr lang="en-US" sz="1200" dirty="0"/>
+                    </a:p>
+                  </a:txBody>
+                  <a:tcPr/>
+                </a:tc>
+              </a:tr>
+              <a:tr h="173832">
+                <a:tc>
+                  <a:txBody>
+                    <a:bodyPr/>
+                    <a:lstStyle/>
+                    <a:p>
+                      <a:r>
+                        <a:rPr lang="en-US" sz="1200" dirty="0" smtClean="0"/>
+                        <a:t>selectable</a:t>
+                      </a:r>
+                      <a:endParaRPr lang="en-US" sz="1200" dirty="0"/>
+                    </a:p>
+                  </a:txBody>
+                  <a:tcPr/>
+                </a:tc>
+                <a:tc>
+                  <a:txBody>
+                    <a:bodyPr/>
+                    <a:lstStyle/>
+                    <a:p>
+                      <a:r>
+                        <a:rPr lang="en-US" sz="1200" dirty="0" err="1" smtClean="0"/>
+                        <a:t>autogrow</a:t>
+                      </a:r>
+                      <a:endParaRPr lang="en-US" sz="1200" dirty="0"/>
+                    </a:p>
+                  </a:txBody>
+                  <a:tcPr/>
+                </a:tc>
+                <a:tc>
+                  <a:txBody>
+                    <a:bodyPr/>
+                    <a:lstStyle/>
+                    <a:p>
+                      <a:r>
+                        <a:rPr lang="en-US" sz="1200" dirty="0" err="1" smtClean="0"/>
+                        <a:t>autoscale</a:t>
+                      </a:r>
+                      <a:endParaRPr lang="en-US" sz="1200" dirty="0"/>
+                    </a:p>
+                  </a:txBody>
+                  <a:tcPr/>
+                </a:tc>
+                <a:tc>
+                  <a:txBody>
+                    <a:bodyPr/>
+                    <a:lstStyle/>
+                    <a:p>
+                      <a:r>
+                        <a:rPr lang="en-US" sz="1200" dirty="0" smtClean="0"/>
+                        <a:t>tooltip</a:t>
+                      </a:r>
+                      <a:endParaRPr lang="en-US" sz="1200" dirty="0"/>
+                    </a:p>
+                  </a:txBody>
+                  <a:tcPr/>
+                </a:tc>
+              </a:tr>
+              <a:tr h="173832">
+                <a:tc>
+                  <a:txBody>
+                    <a:bodyPr/>
+                    <a:lstStyle/>
+                    <a:p>
+                      <a:r>
+                        <a:rPr lang="en-US" sz="1200" dirty="0" err="1" smtClean="0"/>
+                        <a:t>hoverimage</a:t>
+                      </a:r>
+                      <a:endParaRPr lang="en-US" sz="1200" dirty="0"/>
+                    </a:p>
+                  </a:txBody>
+                  <a:tcPr/>
+                </a:tc>
+                <a:tc>
+                  <a:txBody>
+                    <a:bodyPr/>
+                    <a:lstStyle/>
+                    <a:p>
+                      <a:r>
+                        <a:rPr lang="en-US" sz="1200" dirty="0" smtClean="0"/>
+                        <a:t>galleria</a:t>
+                      </a:r>
+                      <a:endParaRPr lang="en-US" sz="1200" dirty="0"/>
+                    </a:p>
+                  </a:txBody>
+                  <a:tcPr/>
+                </a:tc>
+                <a:tc>
+                  <a:txBody>
+                    <a:bodyPr/>
+                    <a:lstStyle/>
+                    <a:p>
+                      <a:r>
+                        <a:rPr lang="en-US" sz="1200" dirty="0" smtClean="0"/>
+                        <a:t>gallery</a:t>
+                      </a:r>
+                      <a:endParaRPr lang="en-US" sz="1200" dirty="0"/>
+                    </a:p>
+                  </a:txBody>
+                  <a:tcPr/>
+                </a:tc>
+                <a:tc>
+                  <a:txBody>
+                    <a:bodyPr/>
+                    <a:lstStyle/>
+                    <a:p>
+                      <a:r>
+                        <a:rPr lang="en-US" sz="1200" dirty="0" smtClean="0"/>
+                        <a:t>editable</a:t>
+                      </a:r>
+                      <a:endParaRPr lang="en-US" sz="1200" dirty="0"/>
+                    </a:p>
+                  </a:txBody>
+                  <a:tcPr/>
+                </a:tc>
+              </a:tr>
+              <a:tr h="173832">
+                <a:tc>
+                  <a:txBody>
+                    <a:bodyPr/>
+                    <a:lstStyle/>
+                    <a:p>
+                      <a:r>
+                        <a:rPr lang="en-US" sz="1200" dirty="0" smtClean="0"/>
+                        <a:t>form</a:t>
+                      </a:r>
+                      <a:endParaRPr lang="en-US" sz="1200" dirty="0"/>
+                    </a:p>
+                  </a:txBody>
+                  <a:tcPr/>
+                </a:tc>
+                <a:tc>
+                  <a:txBody>
+                    <a:bodyPr/>
+                    <a:lstStyle/>
+                    <a:p>
+                      <a:r>
+                        <a:rPr lang="en-US" sz="1200" dirty="0" smtClean="0"/>
+                        <a:t>validate</a:t>
+                      </a:r>
+                      <a:endParaRPr lang="en-US" sz="1200" dirty="0"/>
+                    </a:p>
+                  </a:txBody>
+                  <a:tcPr/>
+                </a:tc>
+                <a:tc>
+                  <a:txBody>
+                    <a:bodyPr/>
+                    <a:lstStyle/>
+                    <a:p>
+                      <a:r>
+                        <a:rPr lang="en-US" sz="1200" dirty="0" err="1" smtClean="0"/>
+                        <a:t>autofill</a:t>
+                      </a:r>
+                      <a:endParaRPr lang="en-US" sz="1200" dirty="0"/>
+                    </a:p>
+                  </a:txBody>
+                  <a:tcPr/>
+                </a:tc>
+                <a:tc>
+                  <a:txBody>
+                    <a:bodyPr/>
+                    <a:lstStyle/>
+                    <a:p>
+                      <a:r>
+                        <a:rPr lang="en-US" sz="1200" dirty="0" smtClean="0"/>
+                        <a:t>confirm</a:t>
+                      </a:r>
+                      <a:endParaRPr lang="en-US" sz="1200" dirty="0"/>
+                    </a:p>
+                  </a:txBody>
+                  <a:tcPr/>
+                </a:tc>
+              </a:tr>
+              <a:tr h="173832">
+                <a:tc>
+                  <a:txBody>
+                    <a:bodyPr/>
+                    <a:lstStyle/>
+                    <a:p>
+                      <a:r>
+                        <a:rPr lang="en-US" sz="1200" dirty="0" err="1" smtClean="0"/>
+                        <a:t>ingrid</a:t>
+                      </a:r>
+                      <a:endParaRPr lang="en-US" sz="1200" dirty="0"/>
+                    </a:p>
+                  </a:txBody>
+                  <a:tcPr/>
+                </a:tc>
+                <a:tc>
+                  <a:txBody>
+                    <a:bodyPr/>
+                    <a:lstStyle/>
+                    <a:p>
+                      <a:r>
+                        <a:rPr lang="en-US" sz="1200" dirty="0" smtClean="0"/>
+                        <a:t>map</a:t>
+                      </a:r>
+                      <a:endParaRPr lang="en-US" sz="1200" dirty="0"/>
+                    </a:p>
+                  </a:txBody>
+                  <a:tcPr/>
+                </a:tc>
+                <a:tc>
+                  <a:txBody>
+                    <a:bodyPr/>
+                    <a:lstStyle/>
+                    <a:p>
+                      <a:endParaRPr lang="en-US" sz="1200" dirty="0"/>
+                    </a:p>
+                  </a:txBody>
+                  <a:tcPr/>
+                </a:tc>
+                <a:tc>
+                  <a:txBody>
+                    <a:bodyPr/>
+                    <a:lstStyle/>
+                    <a:p>
+                      <a:endParaRPr lang="en-US" sz="1200" dirty="0"/>
+                    </a:p>
+                  </a:txBody>
+                  <a:tcPr/>
+                </a:tc>
+              </a:tr>
+            </a:tbl>
+          </a:graphicData>
+        </a:graphic>
+      </p:graphicFrame>
     </p:spTree>
   </p:cSld>
   <p:clrMapOvr>
     <a:masterClrMapping/>
   </p:clrMapOvr>
+  <p:timing>
+    <p:tnLst>
+      <p:par>
+        <p:cTn id="1" dur="indefinite" restart="never" nodeType="tmRoot"/>
+      </p:par>
+    </p:tnLst>
+  </p:timing>
 </p:sld>
 </file>
 
@@ -16407,7 +17539,15 @@
           <a:p>
             <a:r>
               <a:rPr lang="en-US" dirty="0" smtClean="0"/>
-              <a:t>Example 9: Nub</a:t>
+              <a:t>Example 8: </a:t>
+            </a:r>
+            <a:r>
+              <a:rPr lang="en-US" dirty="0" err="1" smtClean="0"/>
+              <a:t>ini</a:t>
+            </a:r>
+            <a:r>
+              <a:rPr lang="en-US" dirty="0" smtClean="0"/>
+              <a:t> parameters</a:t>
             </a:r>
             <a:endParaRPr lang="en-US" dirty="0"/>
           </a:p>
@@ -16437,6 +17577,13 @@
   <p:clrMapOvr>
     <a:masterClrMapping/>
   </p:clrMapOvr>
+  <p:timing>
+    <p:tnLst>
+      <p:par>
+        <p:cTn id="1" dur="indefinite" restart="never" nodeType="tmRoot"/>
+      </p:par>
+    </p:tnLst>
+  </p:timing>
 </p:sld>
 </file>
 
@@ -16474,7 +17621,7 @@
           <a:p>
             <a:r>
               <a:rPr lang="en-US" dirty="0" smtClean="0"/>
-              <a:t>Example 10: Suspend/Resume</a:t>
+              <a:t>Example 9: Nub</a:t>
             </a:r>
             <a:endParaRPr lang="en-US" dirty="0"/>
           </a:p>
@@ -16541,7 +17688,7 @@
           <a:p>
             <a:r>
               <a:rPr lang="en-US" dirty="0" smtClean="0"/>
-              <a:t>Example 11: Cookies</a:t>
+              <a:t>Example 10: Suspend/Resume</a:t>
             </a:r>
             <a:endParaRPr lang="en-US" dirty="0"/>
           </a:p>
@@ -16608,7 +17755,7 @@
           <a:p>
             <a:r>
               <a:rPr lang="en-US" dirty="0" smtClean="0"/>
-              <a:t>Example 12: Command port</a:t>
+              <a:t>Example 11: Cookies</a:t>
             </a:r>
             <a:endParaRPr lang="en-US" dirty="0"/>
           </a:p>
@@ -16675,7 +17822,7 @@
           <a:p>
             <a:r>
               <a:rPr lang="en-US" dirty="0" smtClean="0"/>
-              <a:t>Conclusion</a:t>
+              <a:t>Example 12: Command port</a:t>
             </a:r>
             <a:endParaRPr lang="en-US" dirty="0"/>
           </a:p>
@@ -16709,6 +17856,73 @@
 </file>
 
 <file path=ppt/slides/slide47.xml><?xml version="1.0" encoding="utf-8"?>
+<p:sld xmlns:a="http://schemas.openxmlformats.org/drawingml/2006/main" xmlns:r="http://schemas.openxmlformats.org/officeDocument/2006/relationships" xmlns:p="http://schemas.openxmlformats.org/presentationml/2006/main">
+  <p:cSld>
+    <p:spTree>
+      <p:nvGrpSpPr>
+        <p:cNvPr id="1" name=""/>
+        <p:cNvGrpSpPr/>
+        <p:nvPr/>
+      </p:nvGrpSpPr>
+      <p:grpSpPr>
+        <a:xfrm>
+          <a:off x="0" y="0"/>
+          <a:ext cx="0" cy="0"/>
+          <a:chOff x="0" y="0"/>
+          <a:chExt cx="0" cy="0"/>
+        </a:xfrm>
+      </p:grpSpPr>
+      <p:sp>
+        <p:nvSpPr>
+          <p:cNvPr id="2" name="Title 1"/>
+          <p:cNvSpPr>
+            <a:spLocks noGrp="1"/>
+          </p:cNvSpPr>
+          <p:nvPr>
+            <p:ph type="title"/>
+          </p:nvPr>
+        </p:nvSpPr>
+        <p:spPr/>
+        <p:txBody>
+          <a:bodyPr/>
+          <a:lstStyle/>
+          <a:p>
+            <a:r>
+              <a:rPr lang="en-US" dirty="0" smtClean="0"/>
+              <a:t>Conclusion</a:t>
+            </a:r>
+            <a:endParaRPr lang="en-US" dirty="0"/>
+          </a:p>
+        </p:txBody>
+      </p:sp>
+      <p:sp>
+        <p:nvSpPr>
+          <p:cNvPr id="3" name="Content Placeholder 2"/>
+          <p:cNvSpPr>
+            <a:spLocks noGrp="1"/>
+          </p:cNvSpPr>
+          <p:nvPr>
+            <p:ph idx="1"/>
+          </p:nvPr>
+        </p:nvSpPr>
+        <p:spPr/>
+        <p:txBody>
+          <a:bodyPr/>
+          <a:lstStyle/>
+          <a:p>
+            <a:endParaRPr lang="en-US"/>
+          </a:p>
+        </p:txBody>
+      </p:sp>
+    </p:spTree>
+  </p:cSld>
+  <p:clrMapOvr>
+    <a:masterClrMapping/>
+  </p:clrMapOvr>
+</p:sld>
+</file>
+
+<file path=ppt/slides/slide48.xml><?xml version="1.0" encoding="utf-8"?>
 <p:sld xmlns:a="http://schemas.openxmlformats.org/drawingml/2006/main" xmlns:r="http://schemas.openxmlformats.org/officeDocument/2006/relationships" xmlns:p="http://schemas.openxmlformats.org/presentationml/2006/main">
   <p:cSld>
     <p:spTree>

--- a/trunk/wubexamples/Lets_Wub.pptx
+++ b/trunk/wubexamples/Lets_Wub.pptx
@@ -5,7 +5,7 @@
     <p:sldMasterId id="2147483708" r:id="rId1"/>
   </p:sldMasterIdLst>
   <p:notesMasterIdLst>
-    <p:notesMasterId r:id="rId50"/>
+    <p:notesMasterId r:id="rId55"/>
   </p:notesMasterIdLst>
   <p:sldIdLst>
     <p:sldId id="256" r:id="rId2"/>
@@ -50,12 +50,17 @@
     <p:sldId id="278" r:id="rId41"/>
     <p:sldId id="304" r:id="rId42"/>
     <p:sldId id="279" r:id="rId43"/>
-    <p:sldId id="280" r:id="rId44"/>
-    <p:sldId id="281" r:id="rId45"/>
-    <p:sldId id="282" r:id="rId46"/>
-    <p:sldId id="283" r:id="rId47"/>
-    <p:sldId id="284" r:id="rId48"/>
-    <p:sldId id="285" r:id="rId49"/>
+    <p:sldId id="305" r:id="rId44"/>
+    <p:sldId id="306" r:id="rId45"/>
+    <p:sldId id="280" r:id="rId46"/>
+    <p:sldId id="281" r:id="rId47"/>
+    <p:sldId id="282" r:id="rId48"/>
+    <p:sldId id="283" r:id="rId49"/>
+    <p:sldId id="307" r:id="rId50"/>
+    <p:sldId id="309" r:id="rId51"/>
+    <p:sldId id="308" r:id="rId52"/>
+    <p:sldId id="284" r:id="rId53"/>
+    <p:sldId id="285" r:id="rId54"/>
   </p:sldIdLst>
   <p:sldSz cx="9144000" cy="6858000" type="screen4x3"/>
   <p:notesSz cx="6858000" cy="9144000"/>
@@ -240,7 +245,7 @@
             <a:fld id="{4DF4E2B3-4403-4393-BB8B-AE854F842FFB}" type="datetimeFigureOut">
               <a:rPr lang="en-US" smtClean="0"/>
               <a:pPr/>
-              <a:t>5/24/2009</a:t>
+              <a:t>5/28/2009</a:t>
             </a:fld>
             <a:endParaRPr lang="en-US"/>
           </a:p>
@@ -4032,6 +4037,88 @@
 </p:notes>
 </file>
 
+<file path=ppt/notesSlides/notesSlide49.xml><?xml version="1.0" encoding="utf-8"?>
+<p:notes xmlns:a="http://schemas.openxmlformats.org/drawingml/2006/main" xmlns:r="http://schemas.openxmlformats.org/officeDocument/2006/relationships" xmlns:p="http://schemas.openxmlformats.org/presentationml/2006/main">
+  <p:cSld>
+    <p:spTree>
+      <p:nvGrpSpPr>
+        <p:cNvPr id="1" name=""/>
+        <p:cNvGrpSpPr/>
+        <p:nvPr/>
+      </p:nvGrpSpPr>
+      <p:grpSpPr>
+        <a:xfrm>
+          <a:off x="0" y="0"/>
+          <a:ext cx="0" cy="0"/>
+          <a:chOff x="0" y="0"/>
+          <a:chExt cx="0" cy="0"/>
+        </a:xfrm>
+      </p:grpSpPr>
+      <p:sp>
+        <p:nvSpPr>
+          <p:cNvPr id="2" name="Slide Image Placeholder 1"/>
+          <p:cNvSpPr>
+            <a:spLocks noGrp="1" noRot="1" noChangeAspect="1"/>
+          </p:cNvSpPr>
+          <p:nvPr>
+            <p:ph type="sldImg"/>
+          </p:nvPr>
+        </p:nvSpPr>
+        <p:spPr/>
+      </p:sp>
+      <p:sp>
+        <p:nvSpPr>
+          <p:cNvPr id="3" name="Notes Placeholder 2"/>
+          <p:cNvSpPr>
+            <a:spLocks noGrp="1"/>
+          </p:cNvSpPr>
+          <p:nvPr>
+            <p:ph type="body" idx="1"/>
+          </p:nvPr>
+        </p:nvSpPr>
+        <p:spPr/>
+        <p:txBody>
+          <a:bodyPr>
+            <a:normAutofit/>
+          </a:bodyPr>
+          <a:lstStyle/>
+          <a:p>
+            <a:endParaRPr lang="en-US"/>
+          </a:p>
+        </p:txBody>
+      </p:sp>
+      <p:sp>
+        <p:nvSpPr>
+          <p:cNvPr id="4" name="Slide Number Placeholder 3"/>
+          <p:cNvSpPr>
+            <a:spLocks noGrp="1"/>
+          </p:cNvSpPr>
+          <p:nvPr>
+            <p:ph type="sldNum" sz="quarter" idx="10"/>
+          </p:nvPr>
+        </p:nvSpPr>
+        <p:spPr/>
+        <p:txBody>
+          <a:bodyPr/>
+          <a:lstStyle/>
+          <a:p>
+            <a:fld id="{4EE576B6-BA25-48A5-995A-4330F3F4AAF4}" type="slidenum">
+              <a:rPr lang="en-US" smtClean="0"/>
+              <a:pPr/>
+              <a:t>49</a:t>
+            </a:fld>
+            <a:endParaRPr lang="en-US"/>
+          </a:p>
+        </p:txBody>
+      </p:sp>
+    </p:spTree>
+  </p:cSld>
+  <p:clrMapOvr>
+    <a:masterClrMapping/>
+  </p:clrMapOvr>
+</p:notes>
+</file>
+
 <file path=ppt/notesSlides/notesSlide5.xml><?xml version="1.0" encoding="utf-8"?>
 <p:notes xmlns:a="http://schemas.openxmlformats.org/drawingml/2006/main" xmlns:r="http://schemas.openxmlformats.org/officeDocument/2006/relationships" xmlns:p="http://schemas.openxmlformats.org/presentationml/2006/main">
   <p:cSld>
@@ -4101,6 +4188,334 @@
               <a:rPr lang="en-US" smtClean="0"/>
               <a:pPr/>
               <a:t>5</a:t>
+            </a:fld>
+            <a:endParaRPr lang="en-US"/>
+          </a:p>
+        </p:txBody>
+      </p:sp>
+    </p:spTree>
+  </p:cSld>
+  <p:clrMapOvr>
+    <a:masterClrMapping/>
+  </p:clrMapOvr>
+</p:notes>
+</file>
+
+<file path=ppt/notesSlides/notesSlide50.xml><?xml version="1.0" encoding="utf-8"?>
+<p:notes xmlns:a="http://schemas.openxmlformats.org/drawingml/2006/main" xmlns:r="http://schemas.openxmlformats.org/officeDocument/2006/relationships" xmlns:p="http://schemas.openxmlformats.org/presentationml/2006/main">
+  <p:cSld>
+    <p:spTree>
+      <p:nvGrpSpPr>
+        <p:cNvPr id="1" name=""/>
+        <p:cNvGrpSpPr/>
+        <p:nvPr/>
+      </p:nvGrpSpPr>
+      <p:grpSpPr>
+        <a:xfrm>
+          <a:off x="0" y="0"/>
+          <a:ext cx="0" cy="0"/>
+          <a:chOff x="0" y="0"/>
+          <a:chExt cx="0" cy="0"/>
+        </a:xfrm>
+      </p:grpSpPr>
+      <p:sp>
+        <p:nvSpPr>
+          <p:cNvPr id="2" name="Slide Image Placeholder 1"/>
+          <p:cNvSpPr>
+            <a:spLocks noGrp="1" noRot="1" noChangeAspect="1"/>
+          </p:cNvSpPr>
+          <p:nvPr>
+            <p:ph type="sldImg"/>
+          </p:nvPr>
+        </p:nvSpPr>
+        <p:spPr/>
+      </p:sp>
+      <p:sp>
+        <p:nvSpPr>
+          <p:cNvPr id="3" name="Notes Placeholder 2"/>
+          <p:cNvSpPr>
+            <a:spLocks noGrp="1"/>
+          </p:cNvSpPr>
+          <p:nvPr>
+            <p:ph type="body" idx="1"/>
+          </p:nvPr>
+        </p:nvSpPr>
+        <p:spPr/>
+        <p:txBody>
+          <a:bodyPr>
+            <a:normAutofit/>
+          </a:bodyPr>
+          <a:lstStyle/>
+          <a:p>
+            <a:endParaRPr lang="en-US"/>
+          </a:p>
+        </p:txBody>
+      </p:sp>
+      <p:sp>
+        <p:nvSpPr>
+          <p:cNvPr id="4" name="Slide Number Placeholder 3"/>
+          <p:cNvSpPr>
+            <a:spLocks noGrp="1"/>
+          </p:cNvSpPr>
+          <p:nvPr>
+            <p:ph type="sldNum" sz="quarter" idx="10"/>
+          </p:nvPr>
+        </p:nvSpPr>
+        <p:spPr/>
+        <p:txBody>
+          <a:bodyPr/>
+          <a:lstStyle/>
+          <a:p>
+            <a:fld id="{4EE576B6-BA25-48A5-995A-4330F3F4AAF4}" type="slidenum">
+              <a:rPr lang="en-US" smtClean="0"/>
+              <a:pPr/>
+              <a:t>50</a:t>
+            </a:fld>
+            <a:endParaRPr lang="en-US"/>
+          </a:p>
+        </p:txBody>
+      </p:sp>
+    </p:spTree>
+  </p:cSld>
+  <p:clrMapOvr>
+    <a:masterClrMapping/>
+  </p:clrMapOvr>
+</p:notes>
+</file>
+
+<file path=ppt/notesSlides/notesSlide51.xml><?xml version="1.0" encoding="utf-8"?>
+<p:notes xmlns:a="http://schemas.openxmlformats.org/drawingml/2006/main" xmlns:r="http://schemas.openxmlformats.org/officeDocument/2006/relationships" xmlns:p="http://schemas.openxmlformats.org/presentationml/2006/main">
+  <p:cSld>
+    <p:spTree>
+      <p:nvGrpSpPr>
+        <p:cNvPr id="1" name=""/>
+        <p:cNvGrpSpPr/>
+        <p:nvPr/>
+      </p:nvGrpSpPr>
+      <p:grpSpPr>
+        <a:xfrm>
+          <a:off x="0" y="0"/>
+          <a:ext cx="0" cy="0"/>
+          <a:chOff x="0" y="0"/>
+          <a:chExt cx="0" cy="0"/>
+        </a:xfrm>
+      </p:grpSpPr>
+      <p:sp>
+        <p:nvSpPr>
+          <p:cNvPr id="2" name="Slide Image Placeholder 1"/>
+          <p:cNvSpPr>
+            <a:spLocks noGrp="1" noRot="1" noChangeAspect="1"/>
+          </p:cNvSpPr>
+          <p:nvPr>
+            <p:ph type="sldImg"/>
+          </p:nvPr>
+        </p:nvSpPr>
+        <p:spPr/>
+      </p:sp>
+      <p:sp>
+        <p:nvSpPr>
+          <p:cNvPr id="3" name="Notes Placeholder 2"/>
+          <p:cNvSpPr>
+            <a:spLocks noGrp="1"/>
+          </p:cNvSpPr>
+          <p:nvPr>
+            <p:ph type="body" idx="1"/>
+          </p:nvPr>
+        </p:nvSpPr>
+        <p:spPr/>
+        <p:txBody>
+          <a:bodyPr>
+            <a:normAutofit/>
+          </a:bodyPr>
+          <a:lstStyle/>
+          <a:p>
+            <a:endParaRPr lang="en-US"/>
+          </a:p>
+        </p:txBody>
+      </p:sp>
+      <p:sp>
+        <p:nvSpPr>
+          <p:cNvPr id="4" name="Slide Number Placeholder 3"/>
+          <p:cNvSpPr>
+            <a:spLocks noGrp="1"/>
+          </p:cNvSpPr>
+          <p:nvPr>
+            <p:ph type="sldNum" sz="quarter" idx="10"/>
+          </p:nvPr>
+        </p:nvSpPr>
+        <p:spPr/>
+        <p:txBody>
+          <a:bodyPr/>
+          <a:lstStyle/>
+          <a:p>
+            <a:fld id="{4EE576B6-BA25-48A5-995A-4330F3F4AAF4}" type="slidenum">
+              <a:rPr lang="en-US" smtClean="0"/>
+              <a:pPr/>
+              <a:t>51</a:t>
+            </a:fld>
+            <a:endParaRPr lang="en-US"/>
+          </a:p>
+        </p:txBody>
+      </p:sp>
+    </p:spTree>
+  </p:cSld>
+  <p:clrMapOvr>
+    <a:masterClrMapping/>
+  </p:clrMapOvr>
+</p:notes>
+</file>
+
+<file path=ppt/notesSlides/notesSlide52.xml><?xml version="1.0" encoding="utf-8"?>
+<p:notes xmlns:a="http://schemas.openxmlformats.org/drawingml/2006/main" xmlns:r="http://schemas.openxmlformats.org/officeDocument/2006/relationships" xmlns:p="http://schemas.openxmlformats.org/presentationml/2006/main">
+  <p:cSld>
+    <p:spTree>
+      <p:nvGrpSpPr>
+        <p:cNvPr id="1" name=""/>
+        <p:cNvGrpSpPr/>
+        <p:nvPr/>
+      </p:nvGrpSpPr>
+      <p:grpSpPr>
+        <a:xfrm>
+          <a:off x="0" y="0"/>
+          <a:ext cx="0" cy="0"/>
+          <a:chOff x="0" y="0"/>
+          <a:chExt cx="0" cy="0"/>
+        </a:xfrm>
+      </p:grpSpPr>
+      <p:sp>
+        <p:nvSpPr>
+          <p:cNvPr id="2" name="Slide Image Placeholder 1"/>
+          <p:cNvSpPr>
+            <a:spLocks noGrp="1" noRot="1" noChangeAspect="1"/>
+          </p:cNvSpPr>
+          <p:nvPr>
+            <p:ph type="sldImg"/>
+          </p:nvPr>
+        </p:nvSpPr>
+        <p:spPr/>
+      </p:sp>
+      <p:sp>
+        <p:nvSpPr>
+          <p:cNvPr id="3" name="Notes Placeholder 2"/>
+          <p:cNvSpPr>
+            <a:spLocks noGrp="1"/>
+          </p:cNvSpPr>
+          <p:nvPr>
+            <p:ph type="body" idx="1"/>
+          </p:nvPr>
+        </p:nvSpPr>
+        <p:spPr/>
+        <p:txBody>
+          <a:bodyPr>
+            <a:normAutofit/>
+          </a:bodyPr>
+          <a:lstStyle/>
+          <a:p>
+            <a:endParaRPr lang="en-US"/>
+          </a:p>
+        </p:txBody>
+      </p:sp>
+      <p:sp>
+        <p:nvSpPr>
+          <p:cNvPr id="4" name="Slide Number Placeholder 3"/>
+          <p:cNvSpPr>
+            <a:spLocks noGrp="1"/>
+          </p:cNvSpPr>
+          <p:nvPr>
+            <p:ph type="sldNum" sz="quarter" idx="10"/>
+          </p:nvPr>
+        </p:nvSpPr>
+        <p:spPr/>
+        <p:txBody>
+          <a:bodyPr/>
+          <a:lstStyle/>
+          <a:p>
+            <a:fld id="{4EE576B6-BA25-48A5-995A-4330F3F4AAF4}" type="slidenum">
+              <a:rPr lang="en-US" smtClean="0"/>
+              <a:pPr/>
+              <a:t>52</a:t>
+            </a:fld>
+            <a:endParaRPr lang="en-US"/>
+          </a:p>
+        </p:txBody>
+      </p:sp>
+    </p:spTree>
+  </p:cSld>
+  <p:clrMapOvr>
+    <a:masterClrMapping/>
+  </p:clrMapOvr>
+</p:notes>
+</file>
+
+<file path=ppt/notesSlides/notesSlide53.xml><?xml version="1.0" encoding="utf-8"?>
+<p:notes xmlns:a="http://schemas.openxmlformats.org/drawingml/2006/main" xmlns:r="http://schemas.openxmlformats.org/officeDocument/2006/relationships" xmlns:p="http://schemas.openxmlformats.org/presentationml/2006/main">
+  <p:cSld>
+    <p:spTree>
+      <p:nvGrpSpPr>
+        <p:cNvPr id="1" name=""/>
+        <p:cNvGrpSpPr/>
+        <p:nvPr/>
+      </p:nvGrpSpPr>
+      <p:grpSpPr>
+        <a:xfrm>
+          <a:off x="0" y="0"/>
+          <a:ext cx="0" cy="0"/>
+          <a:chOff x="0" y="0"/>
+          <a:chExt cx="0" cy="0"/>
+        </a:xfrm>
+      </p:grpSpPr>
+      <p:sp>
+        <p:nvSpPr>
+          <p:cNvPr id="2" name="Slide Image Placeholder 1"/>
+          <p:cNvSpPr>
+            <a:spLocks noGrp="1" noRot="1" noChangeAspect="1"/>
+          </p:cNvSpPr>
+          <p:nvPr>
+            <p:ph type="sldImg"/>
+          </p:nvPr>
+        </p:nvSpPr>
+        <p:spPr/>
+      </p:sp>
+      <p:sp>
+        <p:nvSpPr>
+          <p:cNvPr id="3" name="Notes Placeholder 2"/>
+          <p:cNvSpPr>
+            <a:spLocks noGrp="1"/>
+          </p:cNvSpPr>
+          <p:nvPr>
+            <p:ph type="body" idx="1"/>
+          </p:nvPr>
+        </p:nvSpPr>
+        <p:spPr/>
+        <p:txBody>
+          <a:bodyPr>
+            <a:normAutofit/>
+          </a:bodyPr>
+          <a:lstStyle/>
+          <a:p>
+            <a:endParaRPr lang="en-US"/>
+          </a:p>
+        </p:txBody>
+      </p:sp>
+      <p:sp>
+        <p:nvSpPr>
+          <p:cNvPr id="4" name="Slide Number Placeholder 3"/>
+          <p:cNvSpPr>
+            <a:spLocks noGrp="1"/>
+          </p:cNvSpPr>
+          <p:nvPr>
+            <p:ph type="sldNum" sz="quarter" idx="10"/>
+          </p:nvPr>
+        </p:nvSpPr>
+        <p:spPr/>
+        <p:txBody>
+          <a:bodyPr/>
+          <a:lstStyle/>
+          <a:p>
+            <a:fld id="{4EE576B6-BA25-48A5-995A-4330F3F4AAF4}" type="slidenum">
+              <a:rPr lang="en-US" smtClean="0"/>
+              <a:pPr/>
+              <a:t>53</a:t>
             </a:fld>
             <a:endParaRPr lang="en-US"/>
           </a:p>
@@ -4624,7 +5039,7 @@
             <a:fld id="{AD6CF7D0-54BE-4AFB-B0FC-FA5E364208B7}" type="datetimeFigureOut">
               <a:rPr lang="en-US" smtClean="0"/>
               <a:pPr/>
-              <a:t>5/24/2009</a:t>
+              <a:t>5/28/2009</a:t>
             </a:fld>
             <a:endParaRPr lang="en-US" dirty="0"/>
           </a:p>
@@ -4791,7 +5206,7 @@
             <a:fld id="{AD6CF7D0-54BE-4AFB-B0FC-FA5E364208B7}" type="datetimeFigureOut">
               <a:rPr lang="en-US" smtClean="0"/>
               <a:pPr/>
-              <a:t>5/24/2009</a:t>
+              <a:t>5/28/2009</a:t>
             </a:fld>
             <a:endParaRPr lang="en-US"/>
           </a:p>
@@ -4968,7 +5383,7 @@
             <a:fld id="{AD6CF7D0-54BE-4AFB-B0FC-FA5E364208B7}" type="datetimeFigureOut">
               <a:rPr lang="en-US" smtClean="0"/>
               <a:pPr/>
-              <a:t>5/24/2009</a:t>
+              <a:t>5/28/2009</a:t>
             </a:fld>
             <a:endParaRPr lang="en-US"/>
           </a:p>
@@ -5135,7 +5550,7 @@
             <a:fld id="{AD6CF7D0-54BE-4AFB-B0FC-FA5E364208B7}" type="datetimeFigureOut">
               <a:rPr lang="en-US" smtClean="0"/>
               <a:pPr/>
-              <a:t>5/24/2009</a:t>
+              <a:t>5/28/2009</a:t>
             </a:fld>
             <a:endParaRPr lang="en-US"/>
           </a:p>
@@ -5378,7 +5793,7 @@
             <a:fld id="{AD6CF7D0-54BE-4AFB-B0FC-FA5E364208B7}" type="datetimeFigureOut">
               <a:rPr lang="en-US" smtClean="0"/>
               <a:pPr/>
-              <a:t>5/24/2009</a:t>
+              <a:t>5/28/2009</a:t>
             </a:fld>
             <a:endParaRPr lang="en-US"/>
           </a:p>
@@ -5663,7 +6078,7 @@
             <a:fld id="{AD6CF7D0-54BE-4AFB-B0FC-FA5E364208B7}" type="datetimeFigureOut">
               <a:rPr lang="en-US" smtClean="0"/>
               <a:pPr/>
-              <a:t>5/24/2009</a:t>
+              <a:t>5/28/2009</a:t>
             </a:fld>
             <a:endParaRPr lang="en-US"/>
           </a:p>
@@ -6082,7 +6497,7 @@
             <a:fld id="{AD6CF7D0-54BE-4AFB-B0FC-FA5E364208B7}" type="datetimeFigureOut">
               <a:rPr lang="en-US" smtClean="0"/>
               <a:pPr/>
-              <a:t>5/24/2009</a:t>
+              <a:t>5/28/2009</a:t>
             </a:fld>
             <a:endParaRPr lang="en-US"/>
           </a:p>
@@ -6197,7 +6612,7 @@
             <a:fld id="{AD6CF7D0-54BE-4AFB-B0FC-FA5E364208B7}" type="datetimeFigureOut">
               <a:rPr lang="en-US" smtClean="0"/>
               <a:pPr/>
-              <a:t>5/24/2009</a:t>
+              <a:t>5/28/2009</a:t>
             </a:fld>
             <a:endParaRPr lang="en-US"/>
           </a:p>
@@ -6289,7 +6704,7 @@
             <a:fld id="{AD6CF7D0-54BE-4AFB-B0FC-FA5E364208B7}" type="datetimeFigureOut">
               <a:rPr lang="en-US" smtClean="0"/>
               <a:pPr/>
-              <a:t>5/24/2009</a:t>
+              <a:t>5/28/2009</a:t>
             </a:fld>
             <a:endParaRPr lang="en-US"/>
           </a:p>
@@ -6563,7 +6978,7 @@
             <a:fld id="{AD6CF7D0-54BE-4AFB-B0FC-FA5E364208B7}" type="datetimeFigureOut">
               <a:rPr lang="en-US" smtClean="0"/>
               <a:pPr/>
-              <a:t>5/24/2009</a:t>
+              <a:t>5/28/2009</a:t>
             </a:fld>
             <a:endParaRPr lang="en-US"/>
           </a:p>
@@ -6813,7 +7228,7 @@
             <a:fld id="{AD6CF7D0-54BE-4AFB-B0FC-FA5E364208B7}" type="datetimeFigureOut">
               <a:rPr lang="en-US" smtClean="0"/>
               <a:pPr/>
-              <a:t>5/24/2009</a:t>
+              <a:t>5/28/2009</a:t>
             </a:fld>
             <a:endParaRPr lang="en-US"/>
           </a:p>
@@ -7023,7 +7438,7 @@
             <a:fld id="{AD6CF7D0-54BE-4AFB-B0FC-FA5E364208B7}" type="datetimeFigureOut">
               <a:rPr lang="en-US" smtClean="0"/>
               <a:pPr/>
-              <a:t>5/24/2009</a:t>
+              <a:t>5/28/2009</a:t>
             </a:fld>
             <a:endParaRPr lang="en-US"/>
           </a:p>
@@ -7898,6 +8313,32 @@
           </a:p>
         </p:txBody>
       </p:sp>
+      <p:pic>
+        <p:nvPicPr>
+          <p:cNvPr id="1027" name="Picture 3" descr="C:\Users\decoster\AppData\Local\Microsoft\Windows\Temporary Internet Files\Content.IE5\D1U1GQHK\MCj04398230000[1].png"/>
+          <p:cNvPicPr>
+            <a:picLocks noChangeAspect="1" noChangeArrowheads="1"/>
+          </p:cNvPicPr>
+          <p:nvPr/>
+        </p:nvPicPr>
+        <p:blipFill>
+          <a:blip r:embed="rId3" cstate="print"/>
+          <a:srcRect/>
+          <a:stretch>
+            <a:fillRect/>
+          </a:stretch>
+        </p:blipFill>
+        <p:spPr bwMode="auto">
+          <a:xfrm>
+            <a:off x="6172200" y="2514600"/>
+            <a:ext cx="2209800" cy="2209800"/>
+          </a:xfrm>
+          <a:prstGeom prst="rect">
+            <a:avLst/>
+          </a:prstGeom>
+          <a:noFill/>
+        </p:spPr>
+      </p:pic>
     </p:spTree>
   </p:cSld>
   <p:clrMapOvr>
@@ -9294,6 +9735,32 @@
           </a:p>
         </p:txBody>
       </p:sp>
+      <p:pic>
+        <p:nvPicPr>
+          <p:cNvPr id="2050" name="Picture 2" descr="C:\Users\decoster\AppData\Local\Microsoft\Windows\Temporary Internet Files\Content.IE5\L4D3NQZ7\MCj04326060000[1].png"/>
+          <p:cNvPicPr>
+            <a:picLocks noChangeAspect="1" noChangeArrowheads="1"/>
+          </p:cNvPicPr>
+          <p:nvPr/>
+        </p:nvPicPr>
+        <p:blipFill>
+          <a:blip r:embed="rId3" cstate="print"/>
+          <a:srcRect/>
+          <a:stretch>
+            <a:fillRect/>
+          </a:stretch>
+        </p:blipFill>
+        <p:spPr bwMode="auto">
+          <a:xfrm>
+            <a:off x="6400800" y="4191000"/>
+            <a:ext cx="2314575" cy="2314575"/>
+          </a:xfrm>
+          <a:prstGeom prst="rect">
+            <a:avLst/>
+          </a:prstGeom>
+          <a:noFill/>
+        </p:spPr>
+      </p:pic>
     </p:spTree>
   </p:cSld>
   <p:clrMapOvr>
@@ -10664,6 +11131,32 @@
           </a:p>
         </p:txBody>
       </p:sp>
+      <p:pic>
+        <p:nvPicPr>
+          <p:cNvPr id="3074" name="Picture 2" descr="C:\Users\decoster\AppData\Local\Microsoft\Windows\Temporary Internet Files\Content.IE5\HGP0RYZK\MCj02174660000[1].wmf"/>
+          <p:cNvPicPr>
+            <a:picLocks noChangeAspect="1" noChangeArrowheads="1"/>
+          </p:cNvPicPr>
+          <p:nvPr/>
+        </p:nvPicPr>
+        <p:blipFill>
+          <a:blip r:embed="rId3" cstate="print"/>
+          <a:srcRect/>
+          <a:stretch>
+            <a:fillRect/>
+          </a:stretch>
+        </p:blipFill>
+        <p:spPr bwMode="auto">
+          <a:xfrm>
+            <a:off x="7467600" y="1066800"/>
+            <a:ext cx="1422197" cy="1402725"/>
+          </a:xfrm>
+          <a:prstGeom prst="rect">
+            <a:avLst/>
+          </a:prstGeom>
+          <a:noFill/>
+        </p:spPr>
+      </p:pic>
     </p:spTree>
   </p:cSld>
   <p:clrMapOvr>
@@ -10740,7 +11233,7 @@
         <p:spPr/>
         <p:txBody>
           <a:bodyPr>
-            <a:normAutofit fontScale="92500" lnSpcReduction="20000"/>
+            <a:normAutofit fontScale="85000" lnSpcReduction="20000"/>
           </a:bodyPr>
           <a:lstStyle/>
           <a:p>
@@ -10791,8 +11284,25 @@
             </a:r>
             <a:r>
               <a:rPr lang="en-US" dirty="0" smtClean="0"/>
-              <a:t> features:</a:t>
-            </a:r>
+              <a:t> </a:t>
+            </a:r>
+            <a:r>
+              <a:rPr lang="en-US" dirty="0" smtClean="0"/>
+              <a:t>features, which pushed development of </a:t>
+            </a:r>
+            <a:r>
+              <a:rPr lang="en-US" dirty="0" err="1" smtClean="0"/>
+              <a:t>Tcl</a:t>
+            </a:r>
+            <a:r>
+              <a:rPr lang="en-US" dirty="0" smtClean="0"/>
+              <a:t> </a:t>
+            </a:r>
+            <a:r>
+              <a:rPr lang="en-US" smtClean="0"/>
+              <a:t>8.6 forward:</a:t>
+            </a:r>
+            <a:endParaRPr lang="en-US" dirty="0" smtClean="0"/>
           </a:p>
           <a:p>
             <a:pPr lvl="1"/>
@@ -11491,6 +12001,13 @@
   <p:clrMapOvr>
     <a:masterClrMapping/>
   </p:clrMapOvr>
+  <p:timing>
+    <p:tnLst>
+      <p:par>
+        <p:cTn id="1" dur="indefinite" restart="never" nodeType="tmRoot"/>
+      </p:par>
+    </p:tnLst>
+  </p:timing>
 </p:sld>
 </file>
 
@@ -11909,6 +12426,13 @@
   <p:clrMapOvr>
     <a:masterClrMapping/>
   </p:clrMapOvr>
+  <p:timing>
+    <p:tnLst>
+      <p:par>
+        <p:cTn id="1" dur="indefinite" restart="never" nodeType="tmRoot"/>
+      </p:par>
+    </p:tnLst>
+  </p:timing>
 </p:sld>
 </file>
 
@@ -13419,7 +13943,9 @@
         </p:nvSpPr>
         <p:spPr/>
         <p:txBody>
-          <a:bodyPr/>
+          <a:bodyPr>
+            <a:normAutofit lnSpcReduction="10000"/>
+          </a:bodyPr>
           <a:lstStyle/>
           <a:p>
             <a:r>
@@ -13441,6 +13967,23 @@
             <a:r>
               <a:rPr lang="en-US" dirty="0" smtClean="0"/>
               <a:t>Arguments missing  in the request passed as empty string</a:t>
+            </a:r>
+          </a:p>
+          <a:p>
+            <a:r>
+              <a:rPr lang="en-US" dirty="0" smtClean="0"/>
+              <a:t>Use utilities in </a:t>
+            </a:r>
+            <a:r>
+              <a:rPr lang="en-US" dirty="0" smtClean="0">
+                <a:latin typeface="Courier New" pitchFamily="49" charset="0"/>
+                <a:cs typeface="Courier New" pitchFamily="49" charset="0"/>
+              </a:rPr>
+              <a:t>Query</a:t>
+            </a:r>
+            <a:r>
+              <a:rPr lang="en-US" dirty="0" smtClean="0"/>
+              <a:t> package to handle queries</a:t>
             </a:r>
           </a:p>
         </p:txBody>
@@ -13553,6 +14096,32 @@
           </a:p>
         </p:txBody>
       </p:sp>
+      <p:pic>
+        <p:nvPicPr>
+          <p:cNvPr id="4098" name="Picture 2" descr="C:\Users\decoster\AppData\Local\Microsoft\Windows\Temporary Internet Files\Content.IE5\1TO86WDF\MCj04159940000[1].wmf"/>
+          <p:cNvPicPr>
+            <a:picLocks noChangeAspect="1" noChangeArrowheads="1"/>
+          </p:cNvPicPr>
+          <p:nvPr/>
+        </p:nvPicPr>
+        <p:blipFill>
+          <a:blip r:embed="rId3" cstate="print"/>
+          <a:srcRect/>
+          <a:stretch>
+            <a:fillRect/>
+          </a:stretch>
+        </p:blipFill>
+        <p:spPr bwMode="auto">
+          <a:xfrm>
+            <a:off x="6934200" y="2590800"/>
+            <a:ext cx="1371600" cy="3689350"/>
+          </a:xfrm>
+          <a:prstGeom prst="rect">
+            <a:avLst/>
+          </a:prstGeom>
+          <a:noFill/>
+        </p:spPr>
+      </p:pic>
     </p:spTree>
   </p:cSld>
   <p:clrMapOvr>
@@ -14994,7 +15563,18 @@
             </a:r>
             <a:r>
               <a:rPr lang="en-US" dirty="0" smtClean="0"/>
-              <a:t> offers HTML generation commands:</a:t>
+              <a:t> offers HTML generation commands in </a:t>
+            </a:r>
+            <a:r>
+              <a:rPr lang="en-US" dirty="0" smtClean="0">
+                <a:latin typeface="Courier New" pitchFamily="49" charset="0"/>
+                <a:cs typeface="Courier New" pitchFamily="49" charset="0"/>
+              </a:rPr>
+              <a:t>Html</a:t>
+            </a:r>
+            <a:r>
+              <a:rPr lang="en-US" dirty="0" smtClean="0"/>
+              <a:t> package:</a:t>
             </a:r>
           </a:p>
           <a:p>
@@ -15057,7 +15637,7 @@
           <p:nvPr/>
         </p:nvGraphicFramePr>
         <p:xfrm>
-          <a:off x="3200400" y="4038600"/>
+          <a:off x="3276600" y="4267200"/>
           <a:ext cx="5608320" cy="2219960"/>
         </p:xfrm>
         <a:graphic>
@@ -15544,8 +16124,27 @@
         </p:nvSpPr>
         <p:spPr/>
         <p:txBody>
-          <a:bodyPr/>
-          <a:lstStyle/>
+          <a:bodyPr>
+            <a:normAutofit lnSpcReduction="10000"/>
+          </a:bodyPr>
+          <a:lstStyle/>
+          <a:p>
+            <a:r>
+              <a:rPr lang="en-US" dirty="0" smtClean="0"/>
+              <a:t>Found in </a:t>
+            </a:r>
+            <a:r>
+              <a:rPr lang="en-US" dirty="0" smtClean="0">
+                <a:latin typeface="Courier New" pitchFamily="49" charset="0"/>
+                <a:cs typeface="Courier New" pitchFamily="49" charset="0"/>
+              </a:rPr>
+              <a:t>Http</a:t>
+            </a:r>
+            <a:r>
+              <a:rPr lang="en-US" dirty="0" smtClean="0"/>
+              <a:t> package</a:t>
+            </a:r>
+          </a:p>
           <a:p>
             <a:r>
               <a:rPr lang="en-US" dirty="0" smtClean="0"/>
@@ -16143,7 +16742,18 @@
           <a:p>
             <a:r>
               <a:rPr lang="en-US" dirty="0" smtClean="0"/>
-              <a:t>Create form with HTML generation commands</a:t>
+              <a:t>Create form with HTML generation commands from </a:t>
+            </a:r>
+            <a:r>
+              <a:rPr lang="en-US" dirty="0" smtClean="0">
+                <a:latin typeface="Courier New" pitchFamily="49" charset="0"/>
+                <a:cs typeface="Courier New" pitchFamily="49" charset="0"/>
+              </a:rPr>
+              <a:t>Form</a:t>
+            </a:r>
+            <a:r>
+              <a:rPr lang="en-US" dirty="0" smtClean="0"/>
+              <a:t> package</a:t>
             </a:r>
           </a:p>
           <a:p>
@@ -16191,7 +16801,7 @@
           <p:nvPr/>
         </p:nvGraphicFramePr>
         <p:xfrm>
-          <a:off x="2819400" y="5715000"/>
+          <a:off x="2895600" y="5943600"/>
           <a:ext cx="6096000" cy="741680"/>
         </p:xfrm>
         <a:graphic>
@@ -16522,6 +17132,49 @@
       </p:grpSpPr>
       <p:sp>
         <p:nvSpPr>
+          <p:cNvPr id="5" name="Rectangle 4"/>
+          <p:cNvSpPr/>
+          <p:nvPr/>
+        </p:nvSpPr>
+        <p:spPr>
+          <a:xfrm>
+            <a:off x="6172200" y="1447800"/>
+            <a:ext cx="2438400" cy="914400"/>
+          </a:xfrm>
+          <a:prstGeom prst="rect">
+            <a:avLst/>
+          </a:prstGeom>
+          <a:solidFill>
+            <a:schemeClr val="tx1"/>
+          </a:solidFill>
+        </p:spPr>
+        <p:style>
+          <a:lnRef idx="2">
+            <a:schemeClr val="accent1">
+              <a:shade val="50000"/>
+            </a:schemeClr>
+          </a:lnRef>
+          <a:fillRef idx="1">
+            <a:schemeClr val="accent1"/>
+          </a:fillRef>
+          <a:effectRef idx="0">
+            <a:schemeClr val="accent1"/>
+          </a:effectRef>
+          <a:fontRef idx="minor">
+            <a:schemeClr val="lt1"/>
+          </a:fontRef>
+        </p:style>
+        <p:txBody>
+          <a:bodyPr rtlCol="0" anchor="ctr"/>
+          <a:lstStyle/>
+          <a:p>
+            <a:pPr algn="ctr"/>
+            <a:endParaRPr lang="en-US"/>
+          </a:p>
+        </p:txBody>
+      </p:sp>
+      <p:sp>
+        <p:nvSpPr>
           <p:cNvPr id="2" name="Title 1"/>
           <p:cNvSpPr>
             <a:spLocks noGrp="1"/>
@@ -16579,29 +17232,13 @@
             </a:pPr>
             <a:r>
               <a:rPr lang="en-US" dirty="0" smtClean="0"/>
-              <a:t> </a:t>
-            </a:r>
-            <a:r>
-              <a:rPr lang="en-US" dirty="0" smtClean="0"/>
-              <a:t>     </a:t>
+              <a:t>      </a:t>
             </a:r>
             <a:r>
               <a:rPr lang="en-US" dirty="0" smtClean="0">
                 <a:hlinkClick r:id="rId3"/>
               </a:rPr>
-              <a:t>http</a:t>
-            </a:r>
-            <a:r>
-              <a:rPr lang="en-US" dirty="0" smtClean="0">
-                <a:hlinkClick r:id="rId3"/>
-              </a:rPr>
-              <a:t>://jquery.com</a:t>
-            </a:r>
-            <a:r>
-              <a:rPr lang="en-US" dirty="0" smtClean="0">
-                <a:hlinkClick r:id="rId3"/>
-              </a:rPr>
-              <a:t>/</a:t>
+              <a:t>http://jquery.com/</a:t>
             </a:r>
             <a:endParaRPr lang="en-US" dirty="0" smtClean="0"/>
           </a:p>
@@ -16654,20 +17291,55 @@
                 <a:latin typeface="Courier New" pitchFamily="49" charset="0"/>
                 <a:cs typeface="Courier New" pitchFamily="49" charset="0"/>
               </a:rPr>
-              <a:t>  </a:t>
+              <a:t>    set </a:t>
+            </a:r>
+            <a:r>
+              <a:rPr lang="en-US" sz="3000" dirty="0" err="1" smtClean="0">
+                <a:latin typeface="Courier New" pitchFamily="49" charset="0"/>
+                <a:cs typeface="Courier New" pitchFamily="49" charset="0"/>
+              </a:rPr>
+              <a:t>req</a:t>
             </a:r>
             <a:r>
               <a:rPr lang="en-US" sz="3000" dirty="0" smtClean="0">
                 <a:latin typeface="Courier New" pitchFamily="49" charset="0"/>
                 <a:cs typeface="Courier New" pitchFamily="49" charset="0"/>
               </a:rPr>
-              <a:t>  set </a:t>
+              <a:t> [</a:t>
             </a:r>
             <a:r>
               <a:rPr lang="en-US" sz="3000" dirty="0" err="1" smtClean="0">
                 <a:latin typeface="Courier New" pitchFamily="49" charset="0"/>
                 <a:cs typeface="Courier New" pitchFamily="49" charset="0"/>
               </a:rPr>
+              <a:t>jQ</a:t>
+            </a:r>
+            <a:r>
+              <a:rPr lang="en-US" sz="3000" dirty="0" smtClean="0">
+                <a:latin typeface="Courier New" pitchFamily="49" charset="0"/>
+                <a:cs typeface="Courier New" pitchFamily="49" charset="0"/>
+              </a:rPr>
+              <a:t> </a:t>
+            </a:r>
+            <a:r>
+              <a:rPr lang="en-US" sz="3000" dirty="0" err="1" smtClean="0">
+                <a:latin typeface="Courier New" pitchFamily="49" charset="0"/>
+                <a:cs typeface="Courier New" pitchFamily="49" charset="0"/>
+              </a:rPr>
+              <a:t>jquery</a:t>
+            </a:r>
+            <a:r>
+              <a:rPr lang="en-US" sz="3000" dirty="0" smtClean="0">
+                <a:latin typeface="Courier New" pitchFamily="49" charset="0"/>
+                <a:cs typeface="Courier New" pitchFamily="49" charset="0"/>
+              </a:rPr>
+              <a:t> $</a:t>
+            </a:r>
+            <a:r>
+              <a:rPr lang="en-US" sz="3000" dirty="0" err="1" smtClean="0">
+                <a:latin typeface="Courier New" pitchFamily="49" charset="0"/>
+                <a:cs typeface="Courier New" pitchFamily="49" charset="0"/>
+              </a:rPr>
               <a:t>req</a:t>
             </a:r>
             <a:r>
@@ -16675,53 +17347,37 @@
                 <a:latin typeface="Courier New" pitchFamily="49" charset="0"/>
                 <a:cs typeface="Courier New" pitchFamily="49" charset="0"/>
               </a:rPr>
-              <a:t> [</a:t>
-            </a:r>
-            <a:r>
-              <a:rPr lang="en-US" sz="3000" dirty="0" err="1" smtClean="0">
-                <a:latin typeface="Courier New" pitchFamily="49" charset="0"/>
-                <a:cs typeface="Courier New" pitchFamily="49" charset="0"/>
-              </a:rPr>
-              <a:t>jQ</a:t>
-            </a:r>
-            <a:r>
-              <a:rPr lang="en-US" sz="3000" dirty="0" smtClean="0">
-                <a:latin typeface="Courier New" pitchFamily="49" charset="0"/>
-                <a:cs typeface="Courier New" pitchFamily="49" charset="0"/>
-              </a:rPr>
-              <a:t> </a:t>
-            </a:r>
-            <a:r>
-              <a:rPr lang="en-US" sz="3000" dirty="0" err="1" smtClean="0">
-                <a:latin typeface="Courier New" pitchFamily="49" charset="0"/>
-                <a:cs typeface="Courier New" pitchFamily="49" charset="0"/>
-              </a:rPr>
-              <a:t>jquery</a:t>
-            </a:r>
-            <a:r>
-              <a:rPr lang="en-US" sz="3000" dirty="0" smtClean="0">
-                <a:latin typeface="Courier New" pitchFamily="49" charset="0"/>
-                <a:cs typeface="Courier New" pitchFamily="49" charset="0"/>
-              </a:rPr>
-              <a:t> $</a:t>
-            </a:r>
-            <a:r>
-              <a:rPr lang="en-US" sz="3000" dirty="0" err="1" smtClean="0">
-                <a:latin typeface="Courier New" pitchFamily="49" charset="0"/>
-                <a:cs typeface="Courier New" pitchFamily="49" charset="0"/>
-              </a:rPr>
-              <a:t>req</a:t>
-            </a:r>
-            <a:r>
-              <a:rPr lang="en-US" sz="3000" dirty="0" smtClean="0">
-                <a:latin typeface="Courier New" pitchFamily="49" charset="0"/>
-                <a:cs typeface="Courier New" pitchFamily="49" charset="0"/>
-              </a:rPr>
               <a:t>]</a:t>
             </a:r>
           </a:p>
         </p:txBody>
       </p:sp>
+      <p:pic>
+        <p:nvPicPr>
+          <p:cNvPr id="32770" name="Picture 2" descr="jQuery: Write Less, Do More."/>
+          <p:cNvPicPr>
+            <a:picLocks noChangeAspect="1" noChangeArrowheads="1"/>
+          </p:cNvPicPr>
+          <p:nvPr/>
+        </p:nvPicPr>
+        <p:blipFill>
+          <a:blip r:embed="rId4" cstate="print"/>
+          <a:srcRect/>
+          <a:stretch>
+            <a:fillRect/>
+          </a:stretch>
+        </p:blipFill>
+        <p:spPr bwMode="auto">
+          <a:xfrm>
+            <a:off x="6367463" y="1652587"/>
+            <a:ext cx="2047875" cy="504826"/>
+          </a:xfrm>
+          <a:prstGeom prst="rect">
+            <a:avLst/>
+          </a:prstGeom>
+          <a:noFill/>
+        </p:spPr>
+      </p:pic>
     </p:spTree>
   </p:cSld>
   <p:clrMapOvr>
@@ -16811,14 +17467,7 @@
                 <a:latin typeface="Courier New" pitchFamily="49" charset="0"/>
                 <a:cs typeface="Courier New" pitchFamily="49" charset="0"/>
               </a:rPr>
-              <a:t> </a:t>
-            </a:r>
-            <a:r>
-              <a:rPr lang="en-US" sz="2000" dirty="0" smtClean="0">
-                <a:latin typeface="Courier New" pitchFamily="49" charset="0"/>
-                <a:cs typeface="Courier New" pitchFamily="49" charset="0"/>
-              </a:rPr>
-              <a:t> set </a:t>
+              <a:t>  set </a:t>
             </a:r>
             <a:r>
               <a:rPr lang="en-US" sz="2000" dirty="0" err="1" smtClean="0">
@@ -16986,13 +17635,7 @@
               <a:rPr lang="en-US" dirty="0" smtClean="0">
                 <a:hlinkClick r:id="rId3"/>
               </a:rPr>
-              <a:t>http://wiki.tcl.tk/_</a:t>
-            </a:r>
-            <a:r>
-              <a:rPr lang="en-US" dirty="0" smtClean="0">
-                <a:hlinkClick r:id="rId3"/>
-              </a:rPr>
-              <a:t>wub/docs/Domains/JQ</a:t>
+              <a:t>http://wiki.tcl.tk/_wub/docs/Domains/JQ</a:t>
             </a:r>
             <a:endParaRPr lang="en-US" dirty="0" smtClean="0"/>
           </a:p>
@@ -17543,32 +18186,113 @@
             </a:r>
             <a:r>
               <a:rPr lang="en-US" dirty="0" err="1" smtClean="0"/>
+              <a:t>Ini</a:t>
+            </a:r>
+            <a:r>
+              <a:rPr lang="en-US" dirty="0" smtClean="0"/>
+              <a:t> parameters</a:t>
+            </a:r>
+            <a:endParaRPr lang="en-US" dirty="0"/>
+          </a:p>
+        </p:txBody>
+      </p:sp>
+      <p:sp>
+        <p:nvSpPr>
+          <p:cNvPr id="3" name="Content Placeholder 2"/>
+          <p:cNvSpPr>
+            <a:spLocks noGrp="1"/>
+          </p:cNvSpPr>
+          <p:nvPr>
+            <p:ph idx="1"/>
+          </p:nvPr>
+        </p:nvSpPr>
+        <p:spPr/>
+        <p:txBody>
+          <a:bodyPr/>
+          <a:lstStyle/>
+          <a:p>
+            <a:r>
+              <a:rPr lang="en-US" dirty="0" smtClean="0"/>
+              <a:t>Configure the </a:t>
+            </a:r>
+            <a:r>
+              <a:rPr lang="en-US" dirty="0" err="1" smtClean="0"/>
+              <a:t>webserver</a:t>
+            </a:r>
+            <a:endParaRPr lang="en-US" dirty="0" smtClean="0"/>
+          </a:p>
+          <a:p>
+            <a:r>
+              <a:rPr lang="en-US" dirty="0" smtClean="0"/>
+              <a:t>Uses </a:t>
+            </a:r>
+            <a:r>
+              <a:rPr lang="en-US" dirty="0" err="1" smtClean="0"/>
               <a:t>ini</a:t>
             </a:r>
             <a:r>
               <a:rPr lang="en-US" dirty="0" smtClean="0"/>
-              <a:t> parameters</a:t>
+              <a:t>-file syntax</a:t>
+            </a:r>
+          </a:p>
+          <a:p>
+            <a:r>
+              <a:rPr lang="en-US" dirty="0" smtClean="0"/>
+              <a:t>Per </a:t>
+            </a:r>
+            <a:r>
+              <a:rPr lang="en-US" dirty="0" err="1" smtClean="0"/>
+              <a:t>ini</a:t>
+            </a:r>
+            <a:r>
+              <a:rPr lang="en-US" dirty="0" smtClean="0"/>
+              <a:t> section, a </a:t>
+            </a:r>
+            <a:r>
+              <a:rPr lang="en-US" dirty="0" err="1" smtClean="0"/>
+              <a:t>dict</a:t>
+            </a:r>
+            <a:r>
+              <a:rPr lang="en-US" dirty="0" smtClean="0"/>
+              <a:t> is create in the Site namespace, keys and values of this </a:t>
+            </a:r>
+            <a:r>
+              <a:rPr lang="en-US" dirty="0" err="1" smtClean="0"/>
+              <a:t>dict</a:t>
+            </a:r>
+            <a:r>
+              <a:rPr lang="en-US" dirty="0" smtClean="0"/>
+              <a:t> are taken from the </a:t>
+            </a:r>
+            <a:r>
+              <a:rPr lang="en-US" dirty="0" err="1" smtClean="0"/>
+              <a:t>ini</a:t>
+            </a:r>
+            <a:r>
+              <a:rPr lang="en-US" dirty="0" smtClean="0"/>
+              <a:t> section, except </a:t>
+            </a:r>
+            <a:r>
+              <a:rPr lang="en-US" dirty="0" err="1" smtClean="0"/>
+              <a:t>wub</a:t>
+            </a:r>
+            <a:r>
+              <a:rPr lang="en-US" dirty="0" smtClean="0"/>
+              <a:t> section keys which become variable in Site namespace</a:t>
+            </a:r>
+          </a:p>
+          <a:p>
+            <a:r>
+              <a:rPr lang="en-US" dirty="0" smtClean="0"/>
+              <a:t>Pre-defined sections and keys</a:t>
+            </a:r>
+          </a:p>
+          <a:p>
+            <a:r>
+              <a:rPr lang="en-US" dirty="0" smtClean="0"/>
+              <a:t>User-defined sections and keys</a:t>
             </a:r>
             <a:endParaRPr lang="en-US" dirty="0"/>
-          </a:p>
-        </p:txBody>
-      </p:sp>
-      <p:sp>
-        <p:nvSpPr>
-          <p:cNvPr id="3" name="Content Placeholder 2"/>
-          <p:cNvSpPr>
-            <a:spLocks noGrp="1"/>
-          </p:cNvSpPr>
-          <p:nvPr>
-            <p:ph idx="1"/>
-          </p:nvPr>
-        </p:nvSpPr>
-        <p:spPr/>
-        <p:txBody>
-          <a:bodyPr/>
-          <a:lstStyle/>
-          <a:p>
-            <a:endParaRPr lang="en-US"/>
           </a:p>
         </p:txBody>
       </p:sp>
@@ -17621,31 +18345,846 @@
           <a:p>
             <a:r>
               <a:rPr lang="en-US" dirty="0" smtClean="0"/>
-              <a:t>Example 9: Nub</a:t>
+              <a:t>Example 8: </a:t>
+            </a:r>
+            <a:r>
+              <a:rPr lang="en-US" dirty="0" err="1" smtClean="0"/>
+              <a:t>Ini</a:t>
+            </a:r>
+            <a:r>
+              <a:rPr lang="en-US" dirty="0" smtClean="0"/>
+              <a:t> parameters</a:t>
             </a:r>
             <a:endParaRPr lang="en-US" dirty="0"/>
           </a:p>
         </p:txBody>
       </p:sp>
-      <p:sp>
-        <p:nvSpPr>
-          <p:cNvPr id="3" name="Content Placeholder 2"/>
-          <p:cNvSpPr>
-            <a:spLocks noGrp="1"/>
-          </p:cNvSpPr>
-          <p:nvPr>
-            <p:ph idx="1"/>
-          </p:nvPr>
-        </p:nvSpPr>
-        <p:spPr/>
-        <p:txBody>
-          <a:bodyPr/>
-          <a:lstStyle/>
-          <a:p>
-            <a:endParaRPr lang="en-US"/>
-          </a:p>
-        </p:txBody>
-      </p:sp>
+      <p:graphicFrame>
+        <p:nvGraphicFramePr>
+          <p:cNvPr id="4" name="Table 3"/>
+          <p:cNvGraphicFramePr>
+            <a:graphicFrameLocks noGrp="1"/>
+          </p:cNvGraphicFramePr>
+          <p:nvPr/>
+        </p:nvGraphicFramePr>
+        <p:xfrm>
+          <a:off x="762000" y="1295400"/>
+          <a:ext cx="8077200" cy="5461000"/>
+        </p:xfrm>
+        <a:graphic>
+          <a:graphicData uri="http://schemas.openxmlformats.org/drawingml/2006/table">
+            <a:tbl>
+              <a:tblPr firstRow="1" bandRow="1">
+                <a:tableStyleId>{5C22544A-7EE6-4342-B048-85BDC9FD1C3A}</a:tableStyleId>
+              </a:tblPr>
+              <a:tblGrid>
+                <a:gridCol w="914400"/>
+                <a:gridCol w="1676400"/>
+                <a:gridCol w="2514600"/>
+                <a:gridCol w="2971800"/>
+              </a:tblGrid>
+              <a:tr h="370840">
+                <a:tc>
+                  <a:txBody>
+                    <a:bodyPr/>
+                    <a:lstStyle/>
+                    <a:p>
+                      <a:r>
+                        <a:rPr lang="en-US" dirty="0" smtClean="0"/>
+                        <a:t>Section</a:t>
+                      </a:r>
+                      <a:endParaRPr lang="en-US" dirty="0"/>
+                    </a:p>
+                  </a:txBody>
+                  <a:tcPr/>
+                </a:tc>
+                <a:tc>
+                  <a:txBody>
+                    <a:bodyPr/>
+                    <a:lstStyle/>
+                    <a:p>
+                      <a:r>
+                        <a:rPr lang="en-US" dirty="0" smtClean="0"/>
+                        <a:t>Key</a:t>
+                      </a:r>
+                      <a:endParaRPr lang="en-US" dirty="0"/>
+                    </a:p>
+                  </a:txBody>
+                  <a:tcPr/>
+                </a:tc>
+                <a:tc>
+                  <a:txBody>
+                    <a:bodyPr/>
+                    <a:lstStyle/>
+                    <a:p>
+                      <a:r>
+                        <a:rPr lang="en-US" dirty="0" smtClean="0"/>
+                        <a:t>Default value</a:t>
+                      </a:r>
+                      <a:endParaRPr lang="en-US" dirty="0"/>
+                    </a:p>
+                  </a:txBody>
+                  <a:tcPr/>
+                </a:tc>
+                <a:tc>
+                  <a:txBody>
+                    <a:bodyPr/>
+                    <a:lstStyle/>
+                    <a:p>
+                      <a:r>
+                        <a:rPr lang="en-US" dirty="0" smtClean="0"/>
+                        <a:t>Description</a:t>
+                      </a:r>
+                      <a:endParaRPr lang="en-US" dirty="0"/>
+                    </a:p>
+                  </a:txBody>
+                  <a:tcPr/>
+                </a:tc>
+              </a:tr>
+              <a:tr h="370840">
+                <a:tc>
+                  <a:txBody>
+                    <a:bodyPr/>
+                    <a:lstStyle/>
+                    <a:p>
+                      <a:r>
+                        <a:rPr lang="en-US" dirty="0" err="1" smtClean="0"/>
+                        <a:t>wub</a:t>
+                      </a:r>
+                      <a:endParaRPr lang="en-US" dirty="0"/>
+                    </a:p>
+                  </a:txBody>
+                  <a:tcPr/>
+                </a:tc>
+                <a:tc>
+                  <a:txBody>
+                    <a:bodyPr/>
+                    <a:lstStyle/>
+                    <a:p>
+                      <a:r>
+                        <a:rPr lang="en-US" dirty="0" smtClean="0"/>
+                        <a:t>home</a:t>
+                      </a:r>
+                      <a:endParaRPr lang="en-US" dirty="0"/>
+                    </a:p>
+                  </a:txBody>
+                  <a:tcPr/>
+                </a:tc>
+                <a:tc>
+                  <a:txBody>
+                    <a:bodyPr/>
+                    <a:lstStyle/>
+                    <a:p>
+                      <a:r>
+                        <a:rPr lang="en-US" dirty="0" smtClean="0"/>
+                        <a:t>[file</a:t>
+                      </a:r>
+                      <a:r>
+                        <a:rPr lang="en-US" baseline="0" dirty="0" smtClean="0"/>
+                        <a:t> </a:t>
+                      </a:r>
+                      <a:r>
+                        <a:rPr lang="en-US" baseline="0" dirty="0" err="1" smtClean="0"/>
+                        <a:t>dirnam</a:t>
+                      </a:r>
+                      <a:r>
+                        <a:rPr lang="en-US" baseline="0" dirty="0" smtClean="0"/>
+                        <a:t> [info script]]</a:t>
+                      </a:r>
+                      <a:endParaRPr lang="en-US" dirty="0"/>
+                    </a:p>
+                  </a:txBody>
+                  <a:tcPr/>
+                </a:tc>
+                <a:tc>
+                  <a:txBody>
+                    <a:bodyPr/>
+                    <a:lstStyle/>
+                    <a:p>
+                      <a:r>
+                        <a:rPr lang="en-US" dirty="0" smtClean="0"/>
+                        <a:t>Home of application</a:t>
+                      </a:r>
+                      <a:endParaRPr lang="en-US" dirty="0"/>
+                    </a:p>
+                  </a:txBody>
+                  <a:tcPr/>
+                </a:tc>
+              </a:tr>
+              <a:tr h="370840">
+                <a:tc>
+                  <a:txBody>
+                    <a:bodyPr/>
+                    <a:lstStyle/>
+                    <a:p>
+                      <a:endParaRPr lang="en-US"/>
+                    </a:p>
+                  </a:txBody>
+                  <a:tcPr/>
+                </a:tc>
+                <a:tc>
+                  <a:txBody>
+                    <a:bodyPr/>
+                    <a:lstStyle/>
+                    <a:p>
+                      <a:r>
+                        <a:rPr lang="en-US" dirty="0" err="1" smtClean="0"/>
+                        <a:t>ini</a:t>
+                      </a:r>
+                      <a:endParaRPr lang="en-US" dirty="0"/>
+                    </a:p>
+                  </a:txBody>
+                  <a:tcPr/>
+                </a:tc>
+                <a:tc>
+                  <a:txBody>
+                    <a:bodyPr/>
+                    <a:lstStyle/>
+                    <a:p>
+                      <a:r>
+                        <a:rPr lang="en-US" dirty="0" smtClean="0"/>
+                        <a:t>site.ini</a:t>
+                      </a:r>
+                      <a:endParaRPr lang="en-US" dirty="0"/>
+                    </a:p>
+                  </a:txBody>
+                  <a:tcPr/>
+                </a:tc>
+                <a:tc>
+                  <a:txBody>
+                    <a:bodyPr/>
+                    <a:lstStyle/>
+                    <a:p>
+                      <a:r>
+                        <a:rPr lang="en-US" dirty="0" err="1" smtClean="0"/>
+                        <a:t>Ini</a:t>
+                      </a:r>
+                      <a:r>
+                        <a:rPr lang="en-US" dirty="0" smtClean="0"/>
+                        <a:t> file</a:t>
+                      </a:r>
+                      <a:endParaRPr lang="en-US" dirty="0"/>
+                    </a:p>
+                  </a:txBody>
+                  <a:tcPr/>
+                </a:tc>
+              </a:tr>
+              <a:tr h="370840">
+                <a:tc>
+                  <a:txBody>
+                    <a:bodyPr/>
+                    <a:lstStyle/>
+                    <a:p>
+                      <a:endParaRPr lang="en-US"/>
+                    </a:p>
+                  </a:txBody>
+                  <a:tcPr/>
+                </a:tc>
+                <a:tc>
+                  <a:txBody>
+                    <a:bodyPr/>
+                    <a:lstStyle/>
+                    <a:p>
+                      <a:r>
+                        <a:rPr lang="en-US" dirty="0" err="1" smtClean="0"/>
+                        <a:t>globaldocroot</a:t>
+                      </a:r>
+                      <a:endParaRPr lang="en-US" dirty="0"/>
+                    </a:p>
+                  </a:txBody>
+                  <a:tcPr/>
+                </a:tc>
+                <a:tc>
+                  <a:txBody>
+                    <a:bodyPr/>
+                    <a:lstStyle/>
+                    <a:p>
+                      <a:r>
+                        <a:rPr lang="en-US" dirty="0" smtClean="0"/>
+                        <a:t>0</a:t>
+                      </a:r>
+                      <a:endParaRPr lang="en-US" dirty="0"/>
+                    </a:p>
+                  </a:txBody>
+                  <a:tcPr/>
+                </a:tc>
+                <a:tc>
+                  <a:txBody>
+                    <a:bodyPr/>
+                    <a:lstStyle/>
+                    <a:p>
+                      <a:r>
+                        <a:rPr lang="en-US" dirty="0" smtClean="0"/>
+                        <a:t>?????</a:t>
+                      </a:r>
+                      <a:endParaRPr lang="en-US" dirty="0"/>
+                    </a:p>
+                  </a:txBody>
+                  <a:tcPr/>
+                </a:tc>
+              </a:tr>
+              <a:tr h="370840">
+                <a:tc>
+                  <a:txBody>
+                    <a:bodyPr/>
+                    <a:lstStyle/>
+                    <a:p>
+                      <a:endParaRPr lang="en-US"/>
+                    </a:p>
+                  </a:txBody>
+                  <a:tcPr/>
+                </a:tc>
+                <a:tc>
+                  <a:txBody>
+                    <a:bodyPr/>
+                    <a:lstStyle/>
+                    <a:p>
+                      <a:r>
+                        <a:rPr lang="en-US" dirty="0" err="1" smtClean="0"/>
+                        <a:t>cmdport</a:t>
+                      </a:r>
+                      <a:endParaRPr lang="en-US" dirty="0"/>
+                    </a:p>
+                  </a:txBody>
+                  <a:tcPr/>
+                </a:tc>
+                <a:tc>
+                  <a:txBody>
+                    <a:bodyPr/>
+                    <a:lstStyle/>
+                    <a:p>
+                      <a:r>
+                        <a:rPr lang="en-US" dirty="0" smtClean="0"/>
+                        <a:t>8082</a:t>
+                      </a:r>
+                      <a:endParaRPr lang="en-US" dirty="0"/>
+                    </a:p>
+                  </a:txBody>
+                  <a:tcPr/>
+                </a:tc>
+                <a:tc>
+                  <a:txBody>
+                    <a:bodyPr/>
+                    <a:lstStyle/>
+                    <a:p>
+                      <a:pPr algn="l"/>
+                      <a:r>
+                        <a:rPr lang="en-US" dirty="0" smtClean="0"/>
+                        <a:t>Console port</a:t>
+                      </a:r>
+                      <a:endParaRPr lang="en-US" dirty="0"/>
+                    </a:p>
+                  </a:txBody>
+                  <a:tcPr/>
+                </a:tc>
+              </a:tr>
+              <a:tr h="370840">
+                <a:tc>
+                  <a:txBody>
+                    <a:bodyPr/>
+                    <a:lstStyle/>
+                    <a:p>
+                      <a:endParaRPr lang="en-US"/>
+                    </a:p>
+                  </a:txBody>
+                  <a:tcPr/>
+                </a:tc>
+                <a:tc>
+                  <a:txBody>
+                    <a:bodyPr/>
+                    <a:lstStyle/>
+                    <a:p>
+                      <a:r>
+                        <a:rPr lang="en-US" dirty="0" smtClean="0"/>
+                        <a:t>application</a:t>
+                      </a:r>
+                      <a:endParaRPr lang="en-US" dirty="0"/>
+                    </a:p>
+                  </a:txBody>
+                  <a:tcPr/>
+                </a:tc>
+                <a:tc>
+                  <a:txBody>
+                    <a:bodyPr/>
+                    <a:lstStyle/>
+                    <a:p>
+                      <a:r>
+                        <a:rPr lang="en-US" dirty="0" smtClean="0"/>
+                        <a:t>“”</a:t>
+                      </a:r>
+                      <a:endParaRPr lang="en-US" dirty="0"/>
+                    </a:p>
+                  </a:txBody>
+                  <a:tcPr/>
+                </a:tc>
+                <a:tc>
+                  <a:txBody>
+                    <a:bodyPr/>
+                    <a:lstStyle/>
+                    <a:p>
+                      <a:pPr algn="l"/>
+                      <a:r>
+                        <a:rPr lang="en-US" dirty="0" smtClean="0"/>
+                        <a:t>Package to require</a:t>
+                      </a:r>
+                      <a:endParaRPr lang="en-US" dirty="0"/>
+                    </a:p>
+                  </a:txBody>
+                  <a:tcPr/>
+                </a:tc>
+              </a:tr>
+              <a:tr h="370840">
+                <a:tc>
+                  <a:txBody>
+                    <a:bodyPr/>
+                    <a:lstStyle/>
+                    <a:p>
+                      <a:endParaRPr lang="en-US"/>
+                    </a:p>
+                  </a:txBody>
+                  <a:tcPr/>
+                </a:tc>
+                <a:tc>
+                  <a:txBody>
+                    <a:bodyPr/>
+                    <a:lstStyle/>
+                    <a:p>
+                      <a:r>
+                        <a:rPr lang="en-US" dirty="0" smtClean="0"/>
+                        <a:t>local</a:t>
+                      </a:r>
+                      <a:endParaRPr lang="en-US" dirty="0"/>
+                    </a:p>
+                  </a:txBody>
+                  <a:tcPr/>
+                </a:tc>
+                <a:tc>
+                  <a:txBody>
+                    <a:bodyPr/>
+                    <a:lstStyle/>
+                    <a:p>
+                      <a:r>
+                        <a:rPr lang="en-US" dirty="0" smtClean="0"/>
+                        <a:t>local.tcl</a:t>
+                      </a:r>
+                      <a:endParaRPr lang="en-US" dirty="0"/>
+                    </a:p>
+                  </a:txBody>
+                  <a:tcPr/>
+                </a:tc>
+                <a:tc>
+                  <a:txBody>
+                    <a:bodyPr/>
+                    <a:lstStyle/>
+                    <a:p>
+                      <a:r>
+                        <a:rPr lang="en-US" dirty="0" smtClean="0"/>
+                        <a:t>Post-init</a:t>
+                      </a:r>
+                      <a:r>
+                        <a:rPr lang="en-US" baseline="0" dirty="0" smtClean="0"/>
+                        <a:t> script</a:t>
+                      </a:r>
+                      <a:endParaRPr lang="en-US" dirty="0"/>
+                    </a:p>
+                  </a:txBody>
+                  <a:tcPr/>
+                </a:tc>
+              </a:tr>
+              <a:tr h="370840">
+                <a:tc>
+                  <a:txBody>
+                    <a:bodyPr/>
+                    <a:lstStyle/>
+                    <a:p>
+                      <a:endParaRPr lang="en-US"/>
+                    </a:p>
+                  </a:txBody>
+                  <a:tcPr/>
+                </a:tc>
+                <a:tc>
+                  <a:txBody>
+                    <a:bodyPr/>
+                    <a:lstStyle/>
+                    <a:p>
+                      <a:r>
+                        <a:rPr lang="en-US" dirty="0" err="1" smtClean="0"/>
+                        <a:t>vars</a:t>
+                      </a:r>
+                      <a:endParaRPr lang="en-US" dirty="0"/>
+                    </a:p>
+                  </a:txBody>
+                  <a:tcPr/>
+                </a:tc>
+                <a:tc>
+                  <a:txBody>
+                    <a:bodyPr/>
+                    <a:lstStyle/>
+                    <a:p>
+                      <a:r>
+                        <a:rPr lang="en-US" dirty="0" smtClean="0"/>
+                        <a:t>vars.tcl</a:t>
+                      </a:r>
+                      <a:endParaRPr lang="en-US" dirty="0"/>
+                    </a:p>
+                  </a:txBody>
+                  <a:tcPr/>
+                </a:tc>
+                <a:tc>
+                  <a:txBody>
+                    <a:bodyPr/>
+                    <a:lstStyle/>
+                    <a:p>
+                      <a:r>
+                        <a:rPr lang="en-US" dirty="0" smtClean="0"/>
+                        <a:t>Pre-init script</a:t>
+                      </a:r>
+                      <a:endParaRPr lang="en-US" dirty="0"/>
+                    </a:p>
+                  </a:txBody>
+                  <a:tcPr/>
+                </a:tc>
+              </a:tr>
+              <a:tr h="370840">
+                <a:tc>
+                  <a:txBody>
+                    <a:bodyPr/>
+                    <a:lstStyle/>
+                    <a:p>
+                      <a:r>
+                        <a:rPr lang="en-US" dirty="0" smtClean="0"/>
+                        <a:t>listener</a:t>
+                      </a:r>
+                      <a:endParaRPr lang="en-US" dirty="0"/>
+                    </a:p>
+                  </a:txBody>
+                  <a:tcPr/>
+                </a:tc>
+                <a:tc>
+                  <a:txBody>
+                    <a:bodyPr/>
+                    <a:lstStyle/>
+                    <a:p>
+                      <a:r>
+                        <a:rPr lang="en-US" dirty="0" smtClean="0"/>
+                        <a:t>-port</a:t>
+                      </a:r>
+                      <a:endParaRPr lang="en-US" dirty="0"/>
+                    </a:p>
+                  </a:txBody>
+                  <a:tcPr/>
+                </a:tc>
+                <a:tc>
+                  <a:txBody>
+                    <a:bodyPr/>
+                    <a:lstStyle/>
+                    <a:p>
+                      <a:r>
+                        <a:rPr lang="en-US" dirty="0" smtClean="0"/>
+                        <a:t>8080</a:t>
+                      </a:r>
+                      <a:endParaRPr lang="en-US" dirty="0"/>
+                    </a:p>
+                  </a:txBody>
+                  <a:tcPr/>
+                </a:tc>
+                <a:tc>
+                  <a:txBody>
+                    <a:bodyPr/>
+                    <a:lstStyle/>
+                    <a:p>
+                      <a:r>
+                        <a:rPr lang="en-US" dirty="0" err="1" smtClean="0"/>
+                        <a:t>Wub</a:t>
+                      </a:r>
+                      <a:r>
+                        <a:rPr lang="en-US" baseline="0" dirty="0" smtClean="0"/>
+                        <a:t> listener port</a:t>
+                      </a:r>
+                      <a:endParaRPr lang="en-US" dirty="0"/>
+                    </a:p>
+                  </a:txBody>
+                  <a:tcPr/>
+                </a:tc>
+              </a:tr>
+              <a:tr h="370840">
+                <a:tc>
+                  <a:txBody>
+                    <a:bodyPr/>
+                    <a:lstStyle/>
+                    <a:p>
+                      <a:r>
+                        <a:rPr lang="en-US" dirty="0" smtClean="0"/>
+                        <a:t>cache</a:t>
+                      </a:r>
+                      <a:endParaRPr lang="en-US" dirty="0"/>
+                    </a:p>
+                  </a:txBody>
+                  <a:tcPr/>
+                </a:tc>
+                <a:tc>
+                  <a:txBody>
+                    <a:bodyPr/>
+                    <a:lstStyle/>
+                    <a:p>
+                      <a:r>
+                        <a:rPr lang="en-US" dirty="0" err="1" smtClean="0"/>
+                        <a:t>maxsize</a:t>
+                      </a:r>
+                      <a:endParaRPr lang="en-US" dirty="0"/>
+                    </a:p>
+                  </a:txBody>
+                  <a:tcPr/>
+                </a:tc>
+                <a:tc>
+                  <a:txBody>
+                    <a:bodyPr/>
+                    <a:lstStyle/>
+                    <a:p>
+                      <a:r>
+                        <a:rPr lang="en-US" dirty="0" smtClean="0"/>
+                        <a:t>204800</a:t>
+                      </a:r>
+                      <a:endParaRPr lang="en-US" dirty="0"/>
+                    </a:p>
+                  </a:txBody>
+                  <a:tcPr/>
+                </a:tc>
+                <a:tc>
+                  <a:txBody>
+                    <a:bodyPr/>
+                    <a:lstStyle/>
+                    <a:p>
+                      <a:r>
+                        <a:rPr lang="en-US" dirty="0" smtClean="0"/>
+                        <a:t>Maximum size of object in cache</a:t>
+                      </a:r>
+                      <a:endParaRPr lang="en-US" dirty="0"/>
+                    </a:p>
+                  </a:txBody>
+                  <a:tcPr/>
+                </a:tc>
+              </a:tr>
+              <a:tr h="370840">
+                <a:tc>
+                  <a:txBody>
+                    <a:bodyPr/>
+                    <a:lstStyle/>
+                    <a:p>
+                      <a:endParaRPr lang="en-US" dirty="0"/>
+                    </a:p>
+                  </a:txBody>
+                  <a:tcPr/>
+                </a:tc>
+                <a:tc>
+                  <a:txBody>
+                    <a:bodyPr/>
+                    <a:lstStyle/>
+                    <a:p>
+                      <a:r>
+                        <a:rPr lang="en-US" dirty="0" smtClean="0"/>
+                        <a:t>high</a:t>
+                      </a:r>
+                      <a:endParaRPr lang="en-US" dirty="0"/>
+                    </a:p>
+                  </a:txBody>
+                  <a:tcPr/>
+                </a:tc>
+                <a:tc>
+                  <a:txBody>
+                    <a:bodyPr/>
+                    <a:lstStyle/>
+                    <a:p>
+                      <a:r>
+                        <a:rPr lang="en-US" dirty="0" smtClean="0"/>
+                        <a:t>100</a:t>
+                      </a:r>
+                      <a:endParaRPr lang="en-US" dirty="0"/>
+                    </a:p>
+                  </a:txBody>
+                  <a:tcPr/>
+                </a:tc>
+                <a:tc>
+                  <a:txBody>
+                    <a:bodyPr/>
+                    <a:lstStyle/>
+                    <a:p>
+                      <a:r>
+                        <a:rPr lang="en-US" dirty="0" smtClean="0"/>
+                        <a:t>High water mark</a:t>
+                      </a:r>
+                      <a:endParaRPr lang="en-US" dirty="0"/>
+                    </a:p>
+                  </a:txBody>
+                  <a:tcPr/>
+                </a:tc>
+              </a:tr>
+              <a:tr h="370840">
+                <a:tc>
+                  <a:txBody>
+                    <a:bodyPr/>
+                    <a:lstStyle/>
+                    <a:p>
+                      <a:endParaRPr lang="en-US" dirty="0"/>
+                    </a:p>
+                  </a:txBody>
+                  <a:tcPr/>
+                </a:tc>
+                <a:tc>
+                  <a:txBody>
+                    <a:bodyPr/>
+                    <a:lstStyle/>
+                    <a:p>
+                      <a:r>
+                        <a:rPr lang="en-US" dirty="0" smtClean="0"/>
+                        <a:t>low</a:t>
+                      </a:r>
+                      <a:endParaRPr lang="en-US" dirty="0"/>
+                    </a:p>
+                  </a:txBody>
+                  <a:tcPr/>
+                </a:tc>
+                <a:tc>
+                  <a:txBody>
+                    <a:bodyPr/>
+                    <a:lstStyle/>
+                    <a:p>
+                      <a:r>
+                        <a:rPr lang="en-US" dirty="0" smtClean="0"/>
+                        <a:t>90</a:t>
+                      </a:r>
+                      <a:endParaRPr lang="en-US" dirty="0"/>
+                    </a:p>
+                  </a:txBody>
+                  <a:tcPr/>
+                </a:tc>
+                <a:tc>
+                  <a:txBody>
+                    <a:bodyPr/>
+                    <a:lstStyle/>
+                    <a:p>
+                      <a:r>
+                        <a:rPr lang="en-US" dirty="0" smtClean="0"/>
+                        <a:t>Low water mark</a:t>
+                      </a:r>
+                      <a:endParaRPr lang="en-US" dirty="0"/>
+                    </a:p>
+                  </a:txBody>
+                  <a:tcPr/>
+                </a:tc>
+              </a:tr>
+              <a:tr h="370840">
+                <a:tc>
+                  <a:txBody>
+                    <a:bodyPr/>
+                    <a:lstStyle/>
+                    <a:p>
+                      <a:endParaRPr lang="en-US" dirty="0"/>
+                    </a:p>
+                  </a:txBody>
+                  <a:tcPr/>
+                </a:tc>
+                <a:tc>
+                  <a:txBody>
+                    <a:bodyPr/>
+                    <a:lstStyle/>
+                    <a:p>
+                      <a:r>
+                        <a:rPr lang="en-US" dirty="0" err="1" smtClean="0"/>
+                        <a:t>weight_age</a:t>
+                      </a:r>
+                      <a:endParaRPr lang="en-US" dirty="0"/>
+                    </a:p>
+                  </a:txBody>
+                  <a:tcPr/>
+                </a:tc>
+                <a:tc>
+                  <a:txBody>
+                    <a:bodyPr/>
+                    <a:lstStyle/>
+                    <a:p>
+                      <a:r>
+                        <a:rPr lang="en-US" dirty="0" smtClean="0"/>
+                        <a:t>0.02</a:t>
+                      </a:r>
+                      <a:endParaRPr lang="en-US" dirty="0"/>
+                    </a:p>
+                  </a:txBody>
+                  <a:tcPr/>
+                </a:tc>
+                <a:tc>
+                  <a:txBody>
+                    <a:bodyPr/>
+                    <a:lstStyle/>
+                    <a:p>
+                      <a:r>
+                        <a:rPr lang="en-US" dirty="0" smtClean="0"/>
+                        <a:t>Age weight for replacement</a:t>
+                      </a:r>
+                      <a:endParaRPr lang="en-US" dirty="0"/>
+                    </a:p>
+                  </a:txBody>
+                  <a:tcPr/>
+                </a:tc>
+              </a:tr>
+              <a:tr h="370840">
+                <a:tc>
+                  <a:txBody>
+                    <a:bodyPr/>
+                    <a:lstStyle/>
+                    <a:p>
+                      <a:endParaRPr lang="en-US" dirty="0"/>
+                    </a:p>
+                  </a:txBody>
+                  <a:tcPr/>
+                </a:tc>
+                <a:tc>
+                  <a:txBody>
+                    <a:bodyPr/>
+                    <a:lstStyle/>
+                    <a:p>
+                      <a:r>
+                        <a:rPr lang="en-US" dirty="0" err="1" smtClean="0"/>
+                        <a:t>weight_hits</a:t>
+                      </a:r>
+                      <a:endParaRPr lang="en-US" dirty="0"/>
+                    </a:p>
+                  </a:txBody>
+                  <a:tcPr/>
+                </a:tc>
+                <a:tc>
+                  <a:txBody>
+                    <a:bodyPr/>
+                    <a:lstStyle/>
+                    <a:p>
+                      <a:r>
+                        <a:rPr lang="en-US" dirty="0" smtClean="0"/>
+                        <a:t>-2.0</a:t>
+                      </a:r>
+                      <a:endParaRPr lang="en-US" dirty="0"/>
+                    </a:p>
+                  </a:txBody>
+                  <a:tcPr/>
+                </a:tc>
+                <a:tc>
+                  <a:txBody>
+                    <a:bodyPr/>
+                    <a:lstStyle/>
+                    <a:p>
+                      <a:r>
+                        <a:rPr lang="en-US" dirty="0" smtClean="0"/>
+                        <a:t>Hits weight for replacement</a:t>
+                      </a:r>
+                      <a:endParaRPr lang="en-US" dirty="0"/>
+                    </a:p>
+                  </a:txBody>
+                  <a:tcPr/>
+                </a:tc>
+              </a:tr>
+            </a:tbl>
+          </a:graphicData>
+        </a:graphic>
+      </p:graphicFrame>
     </p:spTree>
   </p:cSld>
   <p:clrMapOvr>
@@ -17688,31 +19227,460 @@
           <a:p>
             <a:r>
               <a:rPr lang="en-US" dirty="0" smtClean="0"/>
-              <a:t>Example 10: Suspend/Resume</a:t>
+              <a:t>Example 8: </a:t>
+            </a:r>
+            <a:r>
+              <a:rPr lang="en-US" dirty="0" err="1" smtClean="0"/>
+              <a:t>Ini</a:t>
+            </a:r>
+            <a:r>
+              <a:rPr lang="en-US" dirty="0" smtClean="0"/>
+              <a:t> parameters</a:t>
             </a:r>
             <a:endParaRPr lang="en-US" dirty="0"/>
           </a:p>
         </p:txBody>
       </p:sp>
-      <p:sp>
-        <p:nvSpPr>
-          <p:cNvPr id="3" name="Content Placeholder 2"/>
-          <p:cNvSpPr>
-            <a:spLocks noGrp="1"/>
-          </p:cNvSpPr>
-          <p:nvPr>
-            <p:ph idx="1"/>
-          </p:nvPr>
-        </p:nvSpPr>
-        <p:spPr/>
-        <p:txBody>
-          <a:bodyPr/>
-          <a:lstStyle/>
-          <a:p>
-            <a:endParaRPr lang="en-US"/>
-          </a:p>
-        </p:txBody>
-      </p:sp>
+      <p:graphicFrame>
+        <p:nvGraphicFramePr>
+          <p:cNvPr id="4" name="Table 3"/>
+          <p:cNvGraphicFramePr>
+            <a:graphicFrameLocks noGrp="1"/>
+          </p:cNvGraphicFramePr>
+          <p:nvPr/>
+        </p:nvGraphicFramePr>
+        <p:xfrm>
+          <a:off x="762000" y="1295400"/>
+          <a:ext cx="8077200" cy="3403600"/>
+        </p:xfrm>
+        <a:graphic>
+          <a:graphicData uri="http://schemas.openxmlformats.org/drawingml/2006/table">
+            <a:tbl>
+              <a:tblPr firstRow="1" bandRow="1">
+                <a:tableStyleId>{5C22544A-7EE6-4342-B048-85BDC9FD1C3A}</a:tableStyleId>
+              </a:tblPr>
+              <a:tblGrid>
+                <a:gridCol w="914400"/>
+                <a:gridCol w="1219200"/>
+                <a:gridCol w="1981200"/>
+                <a:gridCol w="3962400"/>
+              </a:tblGrid>
+              <a:tr h="370840">
+                <a:tc>
+                  <a:txBody>
+                    <a:bodyPr/>
+                    <a:lstStyle/>
+                    <a:p>
+                      <a:r>
+                        <a:rPr lang="en-US" dirty="0" smtClean="0"/>
+                        <a:t>Section</a:t>
+                      </a:r>
+                      <a:endParaRPr lang="en-US" dirty="0"/>
+                    </a:p>
+                  </a:txBody>
+                  <a:tcPr/>
+                </a:tc>
+                <a:tc>
+                  <a:txBody>
+                    <a:bodyPr/>
+                    <a:lstStyle/>
+                    <a:p>
+                      <a:r>
+                        <a:rPr lang="en-US" dirty="0" smtClean="0"/>
+                        <a:t>Key</a:t>
+                      </a:r>
+                      <a:endParaRPr lang="en-US" dirty="0"/>
+                    </a:p>
+                  </a:txBody>
+                  <a:tcPr/>
+                </a:tc>
+                <a:tc>
+                  <a:txBody>
+                    <a:bodyPr/>
+                    <a:lstStyle/>
+                    <a:p>
+                      <a:r>
+                        <a:rPr lang="en-US" dirty="0" smtClean="0"/>
+                        <a:t>Default value</a:t>
+                      </a:r>
+                      <a:endParaRPr lang="en-US" dirty="0"/>
+                    </a:p>
+                  </a:txBody>
+                  <a:tcPr/>
+                </a:tc>
+                <a:tc>
+                  <a:txBody>
+                    <a:bodyPr/>
+                    <a:lstStyle/>
+                    <a:p>
+                      <a:r>
+                        <a:rPr lang="en-US" dirty="0" smtClean="0"/>
+                        <a:t>Description</a:t>
+                      </a:r>
+                      <a:endParaRPr lang="en-US" dirty="0"/>
+                    </a:p>
+                  </a:txBody>
+                  <a:tcPr/>
+                </a:tc>
+              </a:tr>
+              <a:tr h="370840">
+                <a:tc>
+                  <a:txBody>
+                    <a:bodyPr/>
+                    <a:lstStyle/>
+                    <a:p>
+                      <a:r>
+                        <a:rPr lang="en-US" dirty="0" smtClean="0"/>
+                        <a:t>nub</a:t>
+                      </a:r>
+                      <a:endParaRPr lang="en-US" dirty="0"/>
+                    </a:p>
+                  </a:txBody>
+                  <a:tcPr/>
+                </a:tc>
+                <a:tc>
+                  <a:txBody>
+                    <a:bodyPr/>
+                    <a:lstStyle/>
+                    <a:p>
+                      <a:r>
+                        <a:rPr lang="en-US" dirty="0" smtClean="0"/>
+                        <a:t>nubs</a:t>
+                      </a:r>
+                      <a:endParaRPr lang="en-US" dirty="0"/>
+                    </a:p>
+                  </a:txBody>
+                  <a:tcPr/>
+                </a:tc>
+                <a:tc>
+                  <a:txBody>
+                    <a:bodyPr/>
+                    <a:lstStyle/>
+                    <a:p>
+                      <a:r>
+                        <a:rPr lang="en-US" dirty="0" smtClean="0"/>
+                        <a:t>nub.nub bogus.nub</a:t>
+                      </a:r>
+                      <a:endParaRPr lang="en-US" dirty="0"/>
+                    </a:p>
+                  </a:txBody>
+                  <a:tcPr/>
+                </a:tc>
+                <a:tc>
+                  <a:txBody>
+                    <a:bodyPr/>
+                    <a:lstStyle/>
+                    <a:p>
+                      <a:r>
+                        <a:rPr lang="en-US" dirty="0" smtClean="0"/>
+                        <a:t>List of nub files to process</a:t>
+                      </a:r>
+                      <a:endParaRPr lang="en-US" dirty="0"/>
+                    </a:p>
+                  </a:txBody>
+                  <a:tcPr/>
+                </a:tc>
+              </a:tr>
+              <a:tr h="370840">
+                <a:tc>
+                  <a:txBody>
+                    <a:bodyPr/>
+                    <a:lstStyle/>
+                    <a:p>
+                      <a:r>
+                        <a:rPr lang="en-US" dirty="0" err="1" smtClean="0"/>
+                        <a:t>httpd</a:t>
+                      </a:r>
+                      <a:endParaRPr lang="en-US" dirty="0"/>
+                    </a:p>
+                  </a:txBody>
+                  <a:tcPr/>
+                </a:tc>
+                <a:tc>
+                  <a:txBody>
+                    <a:bodyPr/>
+                    <a:lstStyle/>
+                    <a:p>
+                      <a:r>
+                        <a:rPr lang="en-US" dirty="0" err="1" smtClean="0"/>
+                        <a:t>logfile</a:t>
+                      </a:r>
+                      <a:endParaRPr lang="en-US" dirty="0"/>
+                    </a:p>
+                  </a:txBody>
+                  <a:tcPr/>
+                </a:tc>
+                <a:tc>
+                  <a:txBody>
+                    <a:bodyPr/>
+                    <a:lstStyle/>
+                    <a:p>
+                      <a:r>
+                        <a:rPr lang="en-US" dirty="0" smtClean="0"/>
+                        <a:t>“wub.log”</a:t>
+                      </a:r>
+                      <a:endParaRPr lang="en-US" dirty="0"/>
+                    </a:p>
+                  </a:txBody>
+                  <a:tcPr/>
+                </a:tc>
+                <a:tc>
+                  <a:txBody>
+                    <a:bodyPr/>
+                    <a:lstStyle/>
+                    <a:p>
+                      <a:r>
+                        <a:rPr lang="en-US" dirty="0" smtClean="0"/>
+                        <a:t>Log file name</a:t>
+                      </a:r>
+                      <a:endParaRPr lang="en-US" dirty="0"/>
+                    </a:p>
+                  </a:txBody>
+                  <a:tcPr/>
+                </a:tc>
+              </a:tr>
+              <a:tr h="370840">
+                <a:tc>
+                  <a:txBody>
+                    <a:bodyPr/>
+                    <a:lstStyle/>
+                    <a:p>
+                      <a:endParaRPr lang="en-US"/>
+                    </a:p>
+                  </a:txBody>
+                  <a:tcPr/>
+                </a:tc>
+                <a:tc>
+                  <a:txBody>
+                    <a:bodyPr/>
+                    <a:lstStyle/>
+                    <a:p>
+                      <a:r>
+                        <a:rPr lang="en-US" dirty="0" err="1" smtClean="0"/>
+                        <a:t>max_conn</a:t>
+                      </a:r>
+                      <a:endParaRPr lang="en-US" dirty="0"/>
+                    </a:p>
+                  </a:txBody>
+                  <a:tcPr/>
+                </a:tc>
+                <a:tc>
+                  <a:txBody>
+                    <a:bodyPr/>
+                    <a:lstStyle/>
+                    <a:p>
+                      <a:r>
+                        <a:rPr lang="en-US" dirty="0" smtClean="0"/>
+                        <a:t>20</a:t>
+                      </a:r>
+                      <a:endParaRPr lang="en-US" dirty="0"/>
+                    </a:p>
+                  </a:txBody>
+                  <a:tcPr/>
+                </a:tc>
+                <a:tc>
+                  <a:txBody>
+                    <a:bodyPr/>
+                    <a:lstStyle/>
+                    <a:p>
+                      <a:r>
+                        <a:rPr lang="en-US" dirty="0" smtClean="0"/>
+                        <a:t>Maximum number of connections per IP</a:t>
+                      </a:r>
+                      <a:endParaRPr lang="en-US" dirty="0"/>
+                    </a:p>
+                  </a:txBody>
+                  <a:tcPr/>
+                </a:tc>
+              </a:tr>
+              <a:tr h="370840">
+                <a:tc>
+                  <a:txBody>
+                    <a:bodyPr/>
+                    <a:lstStyle/>
+                    <a:p>
+                      <a:endParaRPr lang="en-US"/>
+                    </a:p>
+                  </a:txBody>
+                  <a:tcPr/>
+                </a:tc>
+                <a:tc>
+                  <a:txBody>
+                    <a:bodyPr/>
+                    <a:lstStyle/>
+                    <a:p>
+                      <a:r>
+                        <a:rPr lang="en-US" dirty="0" err="1" smtClean="0"/>
+                        <a:t>no_really</a:t>
+                      </a:r>
+                      <a:endParaRPr lang="en-US" dirty="0"/>
+                    </a:p>
+                  </a:txBody>
+                  <a:tcPr/>
+                </a:tc>
+                <a:tc>
+                  <a:txBody>
+                    <a:bodyPr/>
+                    <a:lstStyle/>
+                    <a:p>
+                      <a:r>
+                        <a:rPr lang="en-US" dirty="0" smtClean="0"/>
+                        <a:t>30</a:t>
+                      </a:r>
+                      <a:endParaRPr lang="en-US" dirty="0"/>
+                    </a:p>
+                  </a:txBody>
+                  <a:tcPr/>
+                </a:tc>
+                <a:tc>
+                  <a:txBody>
+                    <a:bodyPr/>
+                    <a:lstStyle/>
+                    <a:p>
+                      <a:pPr algn="l"/>
+                      <a:r>
+                        <a:rPr lang="en-US" dirty="0" smtClean="0"/>
+                        <a:t>How many time to complain about </a:t>
+                      </a:r>
+                      <a:r>
+                        <a:rPr lang="en-US" dirty="0" err="1" smtClean="0"/>
+                        <a:t>max_conn</a:t>
+                      </a:r>
+                      <a:r>
+                        <a:rPr lang="en-US" baseline="0" dirty="0" smtClean="0"/>
+                        <a:t> exceeded</a:t>
+                      </a:r>
+                      <a:endParaRPr lang="en-US" dirty="0"/>
+                    </a:p>
+                  </a:txBody>
+                  <a:tcPr/>
+                </a:tc>
+              </a:tr>
+              <a:tr h="370840">
+                <a:tc>
+                  <a:txBody>
+                    <a:bodyPr/>
+                    <a:lstStyle/>
+                    <a:p>
+                      <a:endParaRPr lang="en-US"/>
+                    </a:p>
+                  </a:txBody>
+                  <a:tcPr/>
+                </a:tc>
+                <a:tc>
+                  <a:txBody>
+                    <a:bodyPr/>
+                    <a:lstStyle/>
+                    <a:p>
+                      <a:r>
+                        <a:rPr lang="en-US" dirty="0" err="1" smtClean="0"/>
+                        <a:t>retry_wait</a:t>
+                      </a:r>
+                      <a:endParaRPr lang="en-US" dirty="0"/>
+                    </a:p>
+                  </a:txBody>
+                  <a:tcPr/>
+                </a:tc>
+                <a:tc>
+                  <a:txBody>
+                    <a:bodyPr/>
+                    <a:lstStyle/>
+                    <a:p>
+                      <a:r>
+                        <a:rPr lang="en-US" dirty="0" smtClean="0"/>
+                        <a:t>20</a:t>
+                      </a:r>
+                      <a:endParaRPr lang="en-US" dirty="0"/>
+                    </a:p>
+                  </a:txBody>
+                  <a:tcPr/>
+                </a:tc>
+                <a:tc>
+                  <a:txBody>
+                    <a:bodyPr/>
+                    <a:lstStyle/>
+                    <a:p>
+                      <a:pPr algn="l"/>
+                      <a:r>
+                        <a:rPr lang="en-US" dirty="0" smtClean="0"/>
+                        <a:t>How</a:t>
+                      </a:r>
+                      <a:r>
+                        <a:rPr lang="en-US" baseline="0" dirty="0" smtClean="0"/>
+                        <a:t> long to advise client to wait on exhaustion (in seconds)</a:t>
+                      </a:r>
+                      <a:endParaRPr lang="en-US" dirty="0"/>
+                    </a:p>
+                  </a:txBody>
+                  <a:tcPr/>
+                </a:tc>
+              </a:tr>
+              <a:tr h="370840">
+                <a:tc>
+                  <a:txBody>
+                    <a:bodyPr/>
+                    <a:lstStyle/>
+                    <a:p>
+                      <a:endParaRPr lang="en-US" dirty="0"/>
+                    </a:p>
+                  </a:txBody>
+                  <a:tcPr/>
+                </a:tc>
+                <a:tc>
+                  <a:txBody>
+                    <a:bodyPr/>
+                    <a:lstStyle/>
+                    <a:p>
+                      <a:r>
+                        <a:rPr lang="en-US" dirty="0" smtClean="0"/>
+                        <a:t>timeout</a:t>
+                      </a:r>
+                      <a:endParaRPr lang="en-US" dirty="0"/>
+                    </a:p>
+                  </a:txBody>
+                  <a:tcPr/>
+                </a:tc>
+                <a:tc>
+                  <a:txBody>
+                    <a:bodyPr/>
+                    <a:lstStyle/>
+                    <a:p>
+                      <a:r>
+                        <a:rPr lang="en-US" dirty="0" smtClean="0"/>
+                        <a:t>60000</a:t>
+                      </a:r>
+                      <a:endParaRPr lang="en-US" dirty="0"/>
+                    </a:p>
+                  </a:txBody>
+                  <a:tcPr/>
+                </a:tc>
+                <a:tc>
+                  <a:txBody>
+                    <a:bodyPr/>
+                    <a:lstStyle/>
+                    <a:p>
+                      <a:r>
+                        <a:rPr lang="en-US" dirty="0" smtClean="0"/>
+                        <a:t>Idle time tolerated (in </a:t>
+                      </a:r>
+                      <a:r>
+                        <a:rPr lang="en-US" dirty="0" err="1" smtClean="0"/>
+                        <a:t>milli</a:t>
+                      </a:r>
+                      <a:r>
+                        <a:rPr lang="en-US" dirty="0" smtClean="0"/>
+                        <a:t>-seconds)</a:t>
+                      </a:r>
+                      <a:endParaRPr lang="en-US" dirty="0"/>
+                    </a:p>
+                  </a:txBody>
+                  <a:tcPr/>
+                </a:tc>
+              </a:tr>
+            </a:tbl>
+          </a:graphicData>
+        </a:graphic>
+      </p:graphicFrame>
     </p:spTree>
   </p:cSld>
   <p:clrMapOvr>
@@ -17755,7 +19723,7 @@
           <a:p>
             <a:r>
               <a:rPr lang="en-US" dirty="0" smtClean="0"/>
-              <a:t>Example 11: Cookies</a:t>
+              <a:t>Example 9: Nub</a:t>
             </a:r>
             <a:endParaRPr lang="en-US" dirty="0"/>
           </a:p>
@@ -17776,15 +19744,440 @@
           <a:bodyPr/>
           <a:lstStyle/>
           <a:p>
-            <a:endParaRPr lang="en-US"/>
-          </a:p>
-        </p:txBody>
-      </p:sp>
+            <a:r>
+              <a:rPr lang="en-US" dirty="0" smtClean="0"/>
+              <a:t>Configure </a:t>
+            </a:r>
+            <a:r>
+              <a:rPr lang="en-US" dirty="0" err="1" smtClean="0"/>
+              <a:t>Wub</a:t>
+            </a:r>
+            <a:r>
+              <a:rPr lang="en-US" dirty="0" smtClean="0"/>
+              <a:t> (interactively)</a:t>
+            </a:r>
+          </a:p>
+          <a:p>
+            <a:r>
+              <a:rPr lang="en-US" dirty="0" smtClean="0"/>
+              <a:t>Map URL’s to domains</a:t>
+            </a:r>
+            <a:endParaRPr lang="en-US" dirty="0"/>
+          </a:p>
+        </p:txBody>
+      </p:sp>
+      <p:graphicFrame>
+        <p:nvGraphicFramePr>
+          <p:cNvPr id="4" name="Table 3"/>
+          <p:cNvGraphicFramePr>
+            <a:graphicFrameLocks noGrp="1"/>
+          </p:cNvGraphicFramePr>
+          <p:nvPr/>
+        </p:nvGraphicFramePr>
+        <p:xfrm>
+          <a:off x="533400" y="2895600"/>
+          <a:ext cx="8458200" cy="3672840"/>
+        </p:xfrm>
+        <a:graphic>
+          <a:graphicData uri="http://schemas.openxmlformats.org/drawingml/2006/table">
+            <a:tbl>
+              <a:tblPr firstRow="1" bandRow="1">
+                <a:tableStyleId>{5C22544A-7EE6-4342-B048-85BDC9FD1C3A}</a:tableStyleId>
+              </a:tblPr>
+              <a:tblGrid>
+                <a:gridCol w="4038600"/>
+                <a:gridCol w="4419600"/>
+              </a:tblGrid>
+              <a:tr h="370840">
+                <a:tc>
+                  <a:txBody>
+                    <a:bodyPr/>
+                    <a:lstStyle/>
+                    <a:p>
+                      <a:r>
+                        <a:rPr lang="en-US" sz="1800" dirty="0" smtClean="0">
+                          <a:latin typeface="+mn-lt"/>
+                          <a:cs typeface="Courier New" pitchFamily="49" charset="0"/>
+                        </a:rPr>
+                        <a:t>Nub command</a:t>
+                      </a:r>
+                      <a:endParaRPr lang="en-US" sz="1800" dirty="0">
+                        <a:latin typeface="+mn-lt"/>
+                        <a:cs typeface="Courier New" pitchFamily="49" charset="0"/>
+                      </a:endParaRPr>
+                    </a:p>
+                  </a:txBody>
+                  <a:tcPr/>
+                </a:tc>
+                <a:tc>
+                  <a:txBody>
+                    <a:bodyPr/>
+                    <a:lstStyle/>
+                    <a:p>
+                      <a:r>
+                        <a:rPr lang="en-US" dirty="0" smtClean="0"/>
+                        <a:t>Description</a:t>
+                      </a:r>
+                      <a:endParaRPr lang="en-US" dirty="0"/>
+                    </a:p>
+                  </a:txBody>
+                  <a:tcPr/>
+                </a:tc>
+              </a:tr>
+              <a:tr h="370840">
+                <a:tc>
+                  <a:txBody>
+                    <a:bodyPr/>
+                    <a:lstStyle/>
+                    <a:p>
+                      <a:r>
+                        <a:rPr lang="en-US" sz="1800" dirty="0" smtClean="0">
+                          <a:latin typeface="Courier New" pitchFamily="49" charset="0"/>
+                          <a:cs typeface="Courier New" pitchFamily="49" charset="0"/>
+                        </a:rPr>
+                        <a:t>domain &lt;</a:t>
+                      </a:r>
+                      <a:r>
+                        <a:rPr lang="en-US" sz="1800" dirty="0" err="1" smtClean="0">
+                          <a:latin typeface="Courier New" pitchFamily="49" charset="0"/>
+                          <a:cs typeface="Courier New" pitchFamily="49" charset="0"/>
+                        </a:rPr>
+                        <a:t>url</a:t>
+                      </a:r>
+                      <a:r>
+                        <a:rPr lang="en-US" sz="1800" dirty="0" smtClean="0">
+                          <a:latin typeface="Courier New" pitchFamily="49" charset="0"/>
+                          <a:cs typeface="Courier New" pitchFamily="49" charset="0"/>
+                        </a:rPr>
+                        <a:t>&gt;</a:t>
+                      </a:r>
+                      <a:r>
+                        <a:rPr lang="en-US" sz="1800" baseline="0" dirty="0" smtClean="0">
+                          <a:latin typeface="Courier New" pitchFamily="49" charset="0"/>
+                          <a:cs typeface="Courier New" pitchFamily="49" charset="0"/>
+                        </a:rPr>
+                        <a:t> &lt;domain&gt; &lt;</a:t>
+                      </a:r>
+                      <a:r>
+                        <a:rPr lang="en-US" sz="1800" baseline="0" dirty="0" err="1" smtClean="0">
+                          <a:latin typeface="Courier New" pitchFamily="49" charset="0"/>
+                          <a:cs typeface="Courier New" pitchFamily="49" charset="0"/>
+                        </a:rPr>
+                        <a:t>args</a:t>
+                      </a:r>
+                      <a:r>
+                        <a:rPr lang="en-US" sz="1800" baseline="0" dirty="0" smtClean="0">
+                          <a:latin typeface="Courier New" pitchFamily="49" charset="0"/>
+                          <a:cs typeface="Courier New" pitchFamily="49" charset="0"/>
+                        </a:rPr>
+                        <a:t>&gt;</a:t>
+                      </a:r>
+                      <a:endParaRPr lang="en-US" sz="1800" dirty="0">
+                        <a:latin typeface="Courier New" pitchFamily="49" charset="0"/>
+                        <a:cs typeface="Courier New" pitchFamily="49" charset="0"/>
+                      </a:endParaRPr>
+                    </a:p>
+                  </a:txBody>
+                  <a:tcPr/>
+                </a:tc>
+                <a:tc>
+                  <a:txBody>
+                    <a:bodyPr/>
+                    <a:lstStyle/>
+                    <a:p>
+                      <a:r>
+                        <a:rPr lang="en-US" dirty="0" smtClean="0"/>
+                        <a:t>Process</a:t>
+                      </a:r>
+                      <a:r>
+                        <a:rPr lang="en-US" baseline="0" dirty="0" smtClean="0"/>
+                        <a:t> specified URL with given domain</a:t>
+                      </a:r>
+                      <a:endParaRPr lang="en-US" dirty="0"/>
+                    </a:p>
+                  </a:txBody>
+                  <a:tcPr/>
+                </a:tc>
+              </a:tr>
+              <a:tr h="370840">
+                <a:tc>
+                  <a:txBody>
+                    <a:bodyPr/>
+                    <a:lstStyle/>
+                    <a:p>
+                      <a:r>
+                        <a:rPr lang="en-US" sz="1800" dirty="0" smtClean="0">
+                          <a:latin typeface="Courier New" pitchFamily="49" charset="0"/>
+                          <a:cs typeface="Courier New" pitchFamily="49" charset="0"/>
+                        </a:rPr>
+                        <a:t>redirect &lt;from&gt;</a:t>
+                      </a:r>
+                      <a:r>
+                        <a:rPr lang="en-US" sz="1800" baseline="0" dirty="0" smtClean="0">
+                          <a:latin typeface="Courier New" pitchFamily="49" charset="0"/>
+                          <a:cs typeface="Courier New" pitchFamily="49" charset="0"/>
+                        </a:rPr>
+                        <a:t> &lt;to&gt;</a:t>
+                      </a:r>
+                      <a:endParaRPr lang="en-US" sz="1800" dirty="0">
+                        <a:latin typeface="Courier New" pitchFamily="49" charset="0"/>
+                        <a:cs typeface="Courier New" pitchFamily="49" charset="0"/>
+                      </a:endParaRPr>
+                    </a:p>
+                  </a:txBody>
+                  <a:tcPr/>
+                </a:tc>
+                <a:tc>
+                  <a:txBody>
+                    <a:bodyPr/>
+                    <a:lstStyle/>
+                    <a:p>
+                      <a:r>
+                        <a:rPr lang="en-US" dirty="0" smtClean="0"/>
+                        <a:t>Redirect &lt;from&gt; URL</a:t>
+                      </a:r>
+                      <a:r>
+                        <a:rPr lang="en-US" baseline="0" dirty="0" smtClean="0"/>
+                        <a:t> to &lt;to&gt; URL</a:t>
+                      </a:r>
+                      <a:endParaRPr lang="en-US" dirty="0"/>
+                    </a:p>
+                  </a:txBody>
+                  <a:tcPr/>
+                </a:tc>
+              </a:tr>
+              <a:tr h="370840">
+                <a:tc>
+                  <a:txBody>
+                    <a:bodyPr/>
+                    <a:lstStyle/>
+                    <a:p>
+                      <a:r>
+                        <a:rPr lang="en-US" sz="1800" dirty="0" smtClean="0">
+                          <a:latin typeface="Courier New" pitchFamily="49" charset="0"/>
+                          <a:cs typeface="Courier New" pitchFamily="49" charset="0"/>
+                        </a:rPr>
+                        <a:t>rewrite &lt;</a:t>
+                      </a:r>
+                      <a:r>
+                        <a:rPr lang="en-US" sz="1800" dirty="0" err="1" smtClean="0">
+                          <a:latin typeface="Courier New" pitchFamily="49" charset="0"/>
+                          <a:cs typeface="Courier New" pitchFamily="49" charset="0"/>
+                        </a:rPr>
+                        <a:t>regexp</a:t>
+                      </a:r>
+                      <a:r>
+                        <a:rPr lang="en-US" sz="1800" dirty="0" smtClean="0">
+                          <a:latin typeface="Courier New" pitchFamily="49" charset="0"/>
+                          <a:cs typeface="Courier New" pitchFamily="49" charset="0"/>
+                        </a:rPr>
+                        <a:t>&gt; &lt;script&gt;</a:t>
+                      </a:r>
+                      <a:endParaRPr lang="en-US" sz="1800" dirty="0">
+                        <a:latin typeface="Courier New" pitchFamily="49" charset="0"/>
+                        <a:cs typeface="Courier New" pitchFamily="49" charset="0"/>
+                      </a:endParaRPr>
+                    </a:p>
+                  </a:txBody>
+                  <a:tcPr/>
+                </a:tc>
+                <a:tc>
+                  <a:txBody>
+                    <a:bodyPr/>
+                    <a:lstStyle/>
+                    <a:p>
+                      <a:r>
+                        <a:rPr lang="en-US" dirty="0" smtClean="0"/>
+                        <a:t>Transform</a:t>
+                      </a:r>
+                      <a:r>
+                        <a:rPr lang="en-US" baseline="0" dirty="0" smtClean="0"/>
+                        <a:t> URL selected by the </a:t>
+                      </a:r>
+                      <a:r>
+                        <a:rPr lang="en-US" baseline="0" dirty="0" err="1" smtClean="0"/>
+                        <a:t>regexp</a:t>
+                      </a:r>
+                      <a:r>
+                        <a:rPr lang="en-US" baseline="0" dirty="0" smtClean="0"/>
+                        <a:t> into the one calculated by the script</a:t>
+                      </a:r>
+                      <a:endParaRPr lang="en-US" dirty="0"/>
+                    </a:p>
+                  </a:txBody>
+                  <a:tcPr/>
+                </a:tc>
+              </a:tr>
+              <a:tr h="370840">
+                <a:tc>
+                  <a:txBody>
+                    <a:bodyPr/>
+                    <a:lstStyle/>
+                    <a:p>
+                      <a:r>
+                        <a:rPr lang="en-US" sz="1800" dirty="0" smtClean="0">
+                          <a:latin typeface="Courier New" pitchFamily="49" charset="0"/>
+                          <a:cs typeface="Courier New" pitchFamily="49" charset="0"/>
+                        </a:rPr>
+                        <a:t>code &lt;</a:t>
+                      </a:r>
+                      <a:r>
+                        <a:rPr lang="en-US" sz="1800" dirty="0" err="1" smtClean="0">
+                          <a:latin typeface="Courier New" pitchFamily="49" charset="0"/>
+                          <a:cs typeface="Courier New" pitchFamily="49" charset="0"/>
+                        </a:rPr>
+                        <a:t>url</a:t>
+                      </a:r>
+                      <a:r>
+                        <a:rPr lang="en-US" sz="1800" dirty="0" smtClean="0">
+                          <a:latin typeface="Courier New" pitchFamily="49" charset="0"/>
+                          <a:cs typeface="Courier New" pitchFamily="49" charset="0"/>
+                        </a:rPr>
+                        <a:t>&gt; &lt;script&gt; ?&lt;content-type&gt;?</a:t>
+                      </a:r>
+                      <a:endParaRPr lang="en-US" sz="1800" dirty="0">
+                        <a:latin typeface="Courier New" pitchFamily="49" charset="0"/>
+                        <a:cs typeface="Courier New" pitchFamily="49" charset="0"/>
+                      </a:endParaRPr>
+                    </a:p>
+                  </a:txBody>
+                  <a:tcPr/>
+                </a:tc>
+                <a:tc>
+                  <a:txBody>
+                    <a:bodyPr/>
+                    <a:lstStyle/>
+                    <a:p>
+                      <a:r>
+                        <a:rPr lang="en-US" dirty="0" smtClean="0"/>
+                        <a:t>Send result of</a:t>
+                      </a:r>
+                      <a:r>
+                        <a:rPr lang="en-US" baseline="0" dirty="0" smtClean="0"/>
+                        <a:t> evaluating the script to client requesting specified URL</a:t>
+                      </a:r>
+                      <a:endParaRPr lang="en-US" dirty="0"/>
+                    </a:p>
+                  </a:txBody>
+                  <a:tcPr/>
+                </a:tc>
+              </a:tr>
+              <a:tr h="370840">
+                <a:tc>
+                  <a:txBody>
+                    <a:bodyPr/>
+                    <a:lstStyle/>
+                    <a:p>
+                      <a:r>
+                        <a:rPr lang="en-US" sz="1800" dirty="0" smtClean="0">
+                          <a:latin typeface="Courier New" pitchFamily="49" charset="0"/>
+                          <a:cs typeface="Courier New" pitchFamily="49" charset="0"/>
+                        </a:rPr>
+                        <a:t>literal &lt;</a:t>
+                      </a:r>
+                      <a:r>
+                        <a:rPr lang="en-US" sz="1800" dirty="0" err="1" smtClean="0">
+                          <a:latin typeface="Courier New" pitchFamily="49" charset="0"/>
+                          <a:cs typeface="Courier New" pitchFamily="49" charset="0"/>
+                        </a:rPr>
+                        <a:t>url</a:t>
+                      </a:r>
+                      <a:r>
+                        <a:rPr lang="en-US" sz="1800" dirty="0" smtClean="0">
+                          <a:latin typeface="Courier New" pitchFamily="49" charset="0"/>
+                          <a:cs typeface="Courier New" pitchFamily="49" charset="0"/>
+                        </a:rPr>
+                        <a:t>&gt; &lt;contents&gt; ?&lt;content-type&gt;?</a:t>
+                      </a:r>
+                      <a:endParaRPr lang="en-US" sz="1800" dirty="0">
+                        <a:latin typeface="Courier New" pitchFamily="49" charset="0"/>
+                        <a:cs typeface="Courier New" pitchFamily="49" charset="0"/>
+                      </a:endParaRPr>
+                    </a:p>
+                  </a:txBody>
+                  <a:tcPr/>
+                </a:tc>
+                <a:tc>
+                  <a:txBody>
+                    <a:bodyPr/>
+                    <a:lstStyle/>
+                    <a:p>
+                      <a:r>
+                        <a:rPr lang="en-US" dirty="0" smtClean="0"/>
+                        <a:t>Send literal contents to client accessing specified URL</a:t>
+                      </a:r>
+                      <a:endParaRPr lang="en-US" dirty="0"/>
+                    </a:p>
+                  </a:txBody>
+                  <a:tcPr/>
+                </a:tc>
+              </a:tr>
+              <a:tr h="370840">
+                <a:tc>
+                  <a:txBody>
+                    <a:bodyPr/>
+                    <a:lstStyle/>
+                    <a:p>
+                      <a:r>
+                        <a:rPr lang="en-US" sz="1800" dirty="0" smtClean="0">
+                          <a:latin typeface="Courier New" pitchFamily="49" charset="0"/>
+                          <a:cs typeface="Courier New" pitchFamily="49" charset="0"/>
+                        </a:rPr>
+                        <a:t>block &lt;list of </a:t>
+                      </a:r>
+                      <a:r>
+                        <a:rPr lang="en-US" sz="1800" dirty="0" err="1" smtClean="0">
+                          <a:latin typeface="Courier New" pitchFamily="49" charset="0"/>
+                          <a:cs typeface="Courier New" pitchFamily="49" charset="0"/>
+                        </a:rPr>
+                        <a:t>url’s</a:t>
+                      </a:r>
+                      <a:r>
+                        <a:rPr lang="en-US" sz="1800" dirty="0" smtClean="0">
+                          <a:latin typeface="Courier New" pitchFamily="49" charset="0"/>
+                          <a:cs typeface="Courier New" pitchFamily="49" charset="0"/>
+                        </a:rPr>
+                        <a:t>&gt;</a:t>
+                      </a:r>
+                      <a:endParaRPr lang="en-US" sz="1800" dirty="0">
+                        <a:latin typeface="Courier New" pitchFamily="49" charset="0"/>
+                        <a:cs typeface="Courier New" pitchFamily="49" charset="0"/>
+                      </a:endParaRPr>
+                    </a:p>
+                  </a:txBody>
+                  <a:tcPr/>
+                </a:tc>
+                <a:tc>
+                  <a:txBody>
+                    <a:bodyPr/>
+                    <a:lstStyle/>
+                    <a:p>
+                      <a:r>
+                        <a:rPr lang="en-US" dirty="0" smtClean="0"/>
+                        <a:t>Block IP addresses trying to access specified (glob matched) URL’s</a:t>
+                      </a:r>
+                      <a:endParaRPr lang="en-US" dirty="0"/>
+                    </a:p>
+                  </a:txBody>
+                  <a:tcPr/>
+                </a:tc>
+              </a:tr>
+            </a:tbl>
+          </a:graphicData>
+        </a:graphic>
+      </p:graphicFrame>
     </p:spTree>
   </p:cSld>
   <p:clrMapOvr>
     <a:masterClrMapping/>
   </p:clrMapOvr>
+  <p:timing>
+    <p:tnLst>
+      <p:par>
+        <p:cTn id="1" dur="indefinite" restart="never" nodeType="tmRoot"/>
+      </p:par>
+    </p:tnLst>
+  </p:timing>
 </p:sld>
 </file>
 
@@ -17822,7 +20215,7 @@
           <a:p>
             <a:r>
               <a:rPr lang="en-US" dirty="0" smtClean="0"/>
-              <a:t>Example 12: Command port</a:t>
+              <a:t>Example 10: Suspend/Resume</a:t>
             </a:r>
             <a:endParaRPr lang="en-US" dirty="0"/>
           </a:p>
@@ -17852,6 +20245,13 @@
   <p:clrMapOvr>
     <a:masterClrMapping/>
   </p:clrMapOvr>
+  <p:timing>
+    <p:tnLst>
+      <p:par>
+        <p:cTn id="1" dur="indefinite" restart="never" nodeType="tmRoot"/>
+      </p:par>
+    </p:tnLst>
+  </p:timing>
 </p:sld>
 </file>
 
@@ -17889,7 +20289,7 @@
           <a:p>
             <a:r>
               <a:rPr lang="en-US" dirty="0" smtClean="0"/>
-              <a:t>Conclusion</a:t>
+              <a:t>Example 11: Cookies</a:t>
             </a:r>
             <a:endParaRPr lang="en-US" dirty="0"/>
           </a:p>
@@ -17914,6 +20314,32 @@
           </a:p>
         </p:txBody>
       </p:sp>
+      <p:pic>
+        <p:nvPicPr>
+          <p:cNvPr id="18434" name="Picture 2" descr="C:\Users\decoster\AppData\Local\Microsoft\Windows\Temporary Internet Files\Content.IE5\HGP0RYZK\MCj02159400000[1].wmf"/>
+          <p:cNvPicPr>
+            <a:picLocks noChangeAspect="1" noChangeArrowheads="1"/>
+          </p:cNvPicPr>
+          <p:nvPr/>
+        </p:nvPicPr>
+        <p:blipFill>
+          <a:blip r:embed="rId3" cstate="print"/>
+          <a:srcRect/>
+          <a:stretch>
+            <a:fillRect/>
+          </a:stretch>
+        </p:blipFill>
+        <p:spPr bwMode="auto">
+          <a:xfrm>
+            <a:off x="7162800" y="1143000"/>
+            <a:ext cx="1600957" cy="1066800"/>
+          </a:xfrm>
+          <a:prstGeom prst="rect">
+            <a:avLst/>
+          </a:prstGeom>
+          <a:noFill/>
+        </p:spPr>
+      </p:pic>
     </p:spTree>
   </p:cSld>
   <p:clrMapOvr>
@@ -17956,7 +20382,209 @@
           <a:p>
             <a:r>
               <a:rPr lang="en-US" dirty="0" smtClean="0"/>
-              <a:t>Questions?</a:t>
+              <a:t>Example 12: Command port</a:t>
+            </a:r>
+            <a:endParaRPr lang="en-US" dirty="0"/>
+          </a:p>
+        </p:txBody>
+      </p:sp>
+      <p:sp>
+        <p:nvSpPr>
+          <p:cNvPr id="3" name="Content Placeholder 2"/>
+          <p:cNvSpPr>
+            <a:spLocks noGrp="1"/>
+          </p:cNvSpPr>
+          <p:nvPr>
+            <p:ph idx="1"/>
+          </p:nvPr>
+        </p:nvSpPr>
+        <p:spPr/>
+        <p:txBody>
+          <a:bodyPr/>
+          <a:lstStyle/>
+          <a:p>
+            <a:endParaRPr lang="en-US"/>
+          </a:p>
+        </p:txBody>
+      </p:sp>
+    </p:spTree>
+  </p:cSld>
+  <p:clrMapOvr>
+    <a:masterClrMapping/>
+  </p:clrMapOvr>
+</p:sld>
+</file>
+
+<file path=ppt/slides/slide49.xml><?xml version="1.0" encoding="utf-8"?>
+<p:sld xmlns:a="http://schemas.openxmlformats.org/drawingml/2006/main" xmlns:r="http://schemas.openxmlformats.org/officeDocument/2006/relationships" xmlns:p="http://schemas.openxmlformats.org/presentationml/2006/main">
+  <p:cSld>
+    <p:spTree>
+      <p:nvGrpSpPr>
+        <p:cNvPr id="1" name=""/>
+        <p:cNvGrpSpPr/>
+        <p:nvPr/>
+      </p:nvGrpSpPr>
+      <p:grpSpPr>
+        <a:xfrm>
+          <a:off x="0" y="0"/>
+          <a:ext cx="0" cy="0"/>
+          <a:chOff x="0" y="0"/>
+          <a:chExt cx="0" cy="0"/>
+        </a:xfrm>
+      </p:grpSpPr>
+      <p:sp>
+        <p:nvSpPr>
+          <p:cNvPr id="2" name="Title 1"/>
+          <p:cNvSpPr>
+            <a:spLocks noGrp="1"/>
+          </p:cNvSpPr>
+          <p:nvPr>
+            <p:ph type="title"/>
+          </p:nvPr>
+        </p:nvSpPr>
+        <p:spPr/>
+        <p:txBody>
+          <a:bodyPr/>
+          <a:lstStyle/>
+          <a:p>
+            <a:r>
+              <a:rPr lang="en-US" dirty="0" smtClean="0"/>
+              <a:t>More domains</a:t>
+            </a:r>
+            <a:endParaRPr lang="en-US" dirty="0"/>
+          </a:p>
+        </p:txBody>
+      </p:sp>
+      <p:sp>
+        <p:nvSpPr>
+          <p:cNvPr id="3" name="Content Placeholder 2"/>
+          <p:cNvSpPr>
+            <a:spLocks noGrp="1"/>
+          </p:cNvSpPr>
+          <p:nvPr>
+            <p:ph idx="1"/>
+          </p:nvPr>
+        </p:nvSpPr>
+        <p:spPr/>
+        <p:txBody>
+          <a:bodyPr>
+            <a:normAutofit fontScale="70000" lnSpcReduction="20000"/>
+          </a:bodyPr>
+          <a:lstStyle/>
+          <a:p>
+            <a:r>
+              <a:rPr lang="en-US" dirty="0" smtClean="0"/>
+              <a:t>CGI</a:t>
+            </a:r>
+          </a:p>
+          <a:p>
+            <a:r>
+              <a:rPr lang="en-US" dirty="0" smtClean="0"/>
+              <a:t>Coco: co-routine domain</a:t>
+            </a:r>
+          </a:p>
+          <a:p>
+            <a:r>
+              <a:rPr lang="en-US" dirty="0" smtClean="0"/>
+              <a:t>Commenter: parse </a:t>
+            </a:r>
+            <a:r>
+              <a:rPr lang="en-US" dirty="0" err="1" smtClean="0"/>
+              <a:t>Tcl</a:t>
+            </a:r>
+            <a:r>
+              <a:rPr lang="en-US" dirty="0" smtClean="0"/>
+              <a:t> file and show comments</a:t>
+            </a:r>
+          </a:p>
+          <a:p>
+            <a:r>
+              <a:rPr lang="en-US" dirty="0" smtClean="0"/>
+              <a:t>Dub: database domain (based on </a:t>
+            </a:r>
+            <a:r>
+              <a:rPr lang="en-US" dirty="0" err="1" smtClean="0"/>
+              <a:t>metakit</a:t>
+            </a:r>
+            <a:r>
+              <a:rPr lang="en-US" dirty="0" smtClean="0"/>
+              <a:t>)</a:t>
+            </a:r>
+          </a:p>
+          <a:p>
+            <a:r>
+              <a:rPr lang="en-US" dirty="0" err="1" smtClean="0"/>
+              <a:t>Honeypot</a:t>
+            </a:r>
+            <a:r>
+              <a:rPr lang="en-US" dirty="0" smtClean="0"/>
+              <a:t>: catch spiders and link harvesters</a:t>
+            </a:r>
+          </a:p>
+          <a:p>
+            <a:r>
+              <a:rPr lang="en-US" dirty="0" smtClean="0"/>
+              <a:t>Login: simple login account handling</a:t>
+            </a:r>
+          </a:p>
+          <a:p>
+            <a:r>
+              <a:rPr lang="en-US" dirty="0" smtClean="0"/>
+              <a:t>RAM: convert contents of an array into a domain</a:t>
+            </a:r>
+          </a:p>
+          <a:p>
+            <a:r>
+              <a:rPr lang="en-US" dirty="0" smtClean="0"/>
+              <a:t>Repo: file repository (e.g. half bakery)</a:t>
+            </a:r>
+          </a:p>
+          <a:p>
+            <a:r>
+              <a:rPr lang="en-US" dirty="0" smtClean="0"/>
+              <a:t>Session: session handling</a:t>
+            </a:r>
+          </a:p>
+          <a:p>
+            <a:r>
+              <a:rPr lang="en-US" dirty="0" smtClean="0"/>
+              <a:t>Tie: mapping of namespace variables to URLs</a:t>
+            </a:r>
+          </a:p>
+          <a:p>
+            <a:r>
+              <a:rPr lang="en-US" dirty="0" smtClean="0"/>
+              <a:t>Tub: direct domain to store arbitrary data</a:t>
+            </a:r>
+          </a:p>
+          <a:p>
+            <a:r>
+              <a:rPr lang="en-US" dirty="0" smtClean="0"/>
+              <a:t>Woof: </a:t>
+            </a:r>
+            <a:r>
+              <a:rPr lang="en-US" dirty="0" err="1" smtClean="0"/>
+              <a:t>Wub’s</a:t>
+            </a:r>
+            <a:r>
+              <a:rPr lang="en-US" dirty="0" smtClean="0"/>
+              <a:t> interface to Woof (Web oriented object framework by </a:t>
+            </a:r>
+            <a:r>
+              <a:rPr lang="en-US" dirty="0" smtClean="0">
+                <a:hlinkClick r:id="rId3" tooltip="click to see 2 references to this page"/>
+              </a:rPr>
+              <a:t>Ashok P. </a:t>
+            </a:r>
+            <a:r>
+              <a:rPr lang="en-US" dirty="0" err="1" smtClean="0">
+                <a:hlinkClick r:id="rId3" tooltip="click to see 2 references to this page"/>
+              </a:rPr>
+              <a:t>Nadkarni</a:t>
+            </a:r>
+            <a:r>
+              <a:rPr lang="en-US" dirty="0" smtClean="0"/>
+              <a:t>)</a:t>
             </a:r>
             <a:endParaRPr lang="en-US" dirty="0"/>
           </a:p>
@@ -18163,6 +20791,567 @@
       </p:par>
     </p:tnLst>
   </p:timing>
+</p:sld>
+</file>
+
+<file path=ppt/slides/slide50.xml><?xml version="1.0" encoding="utf-8"?>
+<p:sld xmlns:a="http://schemas.openxmlformats.org/drawingml/2006/main" xmlns:r="http://schemas.openxmlformats.org/officeDocument/2006/relationships" xmlns:p="http://schemas.openxmlformats.org/presentationml/2006/main">
+  <p:cSld>
+    <p:spTree>
+      <p:nvGrpSpPr>
+        <p:cNvPr id="1" name=""/>
+        <p:cNvGrpSpPr/>
+        <p:nvPr/>
+      </p:nvGrpSpPr>
+      <p:grpSpPr>
+        <a:xfrm>
+          <a:off x="0" y="0"/>
+          <a:ext cx="0" cy="0"/>
+          <a:chOff x="0" y="0"/>
+          <a:chExt cx="0" cy="0"/>
+        </a:xfrm>
+      </p:grpSpPr>
+      <p:sp>
+        <p:nvSpPr>
+          <p:cNvPr id="2" name="Title 1"/>
+          <p:cNvSpPr>
+            <a:spLocks noGrp="1"/>
+          </p:cNvSpPr>
+          <p:nvPr>
+            <p:ph type="title"/>
+          </p:nvPr>
+        </p:nvSpPr>
+        <p:spPr/>
+        <p:txBody>
+          <a:bodyPr/>
+          <a:lstStyle/>
+          <a:p>
+            <a:r>
+              <a:rPr lang="en-US" dirty="0" smtClean="0"/>
+              <a:t>More utilities</a:t>
+            </a:r>
+            <a:endParaRPr lang="en-US" dirty="0"/>
+          </a:p>
+        </p:txBody>
+      </p:sp>
+      <p:sp>
+        <p:nvSpPr>
+          <p:cNvPr id="3" name="Content Placeholder 2"/>
+          <p:cNvSpPr>
+            <a:spLocks noGrp="1"/>
+          </p:cNvSpPr>
+          <p:nvPr>
+            <p:ph idx="1"/>
+          </p:nvPr>
+        </p:nvSpPr>
+        <p:spPr/>
+        <p:txBody>
+          <a:bodyPr>
+            <a:normAutofit fontScale="85000" lnSpcReduction="20000"/>
+          </a:bodyPr>
+          <a:lstStyle/>
+          <a:p>
+            <a:r>
+              <a:rPr lang="en-US" dirty="0" smtClean="0"/>
+              <a:t>Auth: authentication (</a:t>
+            </a:r>
+            <a:r>
+              <a:rPr lang="en-US" dirty="0" err="1" smtClean="0"/>
+              <a:t>rfc</a:t>
+            </a:r>
+            <a:r>
+              <a:rPr lang="en-US" dirty="0" smtClean="0"/>
+              <a:t> 2617)</a:t>
+            </a:r>
+          </a:p>
+          <a:p>
+            <a:r>
+              <a:rPr lang="en-US" dirty="0" err="1" smtClean="0"/>
+              <a:t>captcha</a:t>
+            </a:r>
+            <a:r>
+              <a:rPr lang="en-US" dirty="0" smtClean="0"/>
+              <a:t>: create </a:t>
+            </a:r>
+            <a:r>
+              <a:rPr lang="en-US" dirty="0" err="1" smtClean="0"/>
+              <a:t>captcha’s</a:t>
+            </a:r>
+            <a:r>
+              <a:rPr lang="en-US" dirty="0" smtClean="0"/>
+              <a:t> using </a:t>
+            </a:r>
+            <a:r>
+              <a:rPr lang="en-US" dirty="0" smtClean="0">
+                <a:latin typeface="Courier New" pitchFamily="49" charset="0"/>
+                <a:cs typeface="Courier New" pitchFamily="49" charset="0"/>
+              </a:rPr>
+              <a:t>convert</a:t>
+            </a:r>
+          </a:p>
+          <a:p>
+            <a:r>
+              <a:rPr lang="en-US" dirty="0" smtClean="0">
+                <a:cs typeface="Courier New" pitchFamily="49" charset="0"/>
+              </a:rPr>
+              <a:t>Color: color manipulation</a:t>
+            </a:r>
+          </a:p>
+          <a:p>
+            <a:r>
+              <a:rPr lang="en-US" dirty="0" smtClean="0">
+                <a:cs typeface="Courier New" pitchFamily="49" charset="0"/>
+              </a:rPr>
+              <a:t>Debug: debug info logger</a:t>
+            </a:r>
+          </a:p>
+          <a:p>
+            <a:r>
+              <a:rPr lang="en-US" dirty="0" smtClean="0">
+                <a:cs typeface="Courier New" pitchFamily="49" charset="0"/>
+              </a:rPr>
+              <a:t>Report: convert a </a:t>
+            </a:r>
+            <a:r>
+              <a:rPr lang="en-US" dirty="0" err="1" smtClean="0">
+                <a:cs typeface="Courier New" pitchFamily="49" charset="0"/>
+              </a:rPr>
+              <a:t>dict</a:t>
+            </a:r>
+            <a:r>
+              <a:rPr lang="en-US" dirty="0" smtClean="0">
+                <a:cs typeface="Courier New" pitchFamily="49" charset="0"/>
+              </a:rPr>
+              <a:t> or </a:t>
+            </a:r>
+            <a:r>
+              <a:rPr lang="en-US" dirty="0" err="1" smtClean="0">
+                <a:cs typeface="Courier New" pitchFamily="49" charset="0"/>
+              </a:rPr>
+              <a:t>csv</a:t>
+            </a:r>
+            <a:r>
+              <a:rPr lang="en-US" dirty="0" smtClean="0">
+                <a:cs typeface="Courier New" pitchFamily="49" charset="0"/>
+              </a:rPr>
+              <a:t> data into an HTML table</a:t>
+            </a:r>
+          </a:p>
+          <a:p>
+            <a:r>
+              <a:rPr lang="en-US" dirty="0" err="1" smtClean="0">
+                <a:cs typeface="Courier New" pitchFamily="49" charset="0"/>
+              </a:rPr>
+              <a:t>scgi</a:t>
+            </a:r>
+            <a:r>
+              <a:rPr lang="en-US" dirty="0" smtClean="0">
+                <a:cs typeface="Courier New" pitchFamily="49" charset="0"/>
+              </a:rPr>
+              <a:t>: </a:t>
+            </a:r>
+            <a:r>
+              <a:rPr lang="en-US" dirty="0" err="1" smtClean="0">
+                <a:cs typeface="Courier New" pitchFamily="49" charset="0"/>
+              </a:rPr>
+              <a:t>scgi</a:t>
+            </a:r>
+            <a:r>
+              <a:rPr lang="en-US" dirty="0" smtClean="0">
+                <a:cs typeface="Courier New" pitchFamily="49" charset="0"/>
+              </a:rPr>
+              <a:t> interface</a:t>
+            </a:r>
+          </a:p>
+          <a:p>
+            <a:r>
+              <a:rPr lang="en-US" dirty="0" smtClean="0">
+                <a:cs typeface="Courier New" pitchFamily="49" charset="0"/>
+              </a:rPr>
+              <a:t>Sitemap: create </a:t>
+            </a:r>
+            <a:r>
+              <a:rPr lang="en-US" dirty="0" err="1" smtClean="0">
+                <a:cs typeface="Courier New" pitchFamily="49" charset="0"/>
+              </a:rPr>
+              <a:t>google</a:t>
+            </a:r>
+            <a:r>
+              <a:rPr lang="en-US" dirty="0" smtClean="0">
+                <a:cs typeface="Courier New" pitchFamily="49" charset="0"/>
+              </a:rPr>
+              <a:t> sitemap from </a:t>
+            </a:r>
+            <a:r>
+              <a:rPr lang="en-US" dirty="0" err="1" smtClean="0">
+                <a:cs typeface="Courier New" pitchFamily="49" charset="0"/>
+              </a:rPr>
+              <a:t>dict</a:t>
+            </a:r>
+            <a:endParaRPr lang="en-US" dirty="0" smtClean="0">
+              <a:cs typeface="Courier New" pitchFamily="49" charset="0"/>
+            </a:endParaRPr>
+          </a:p>
+          <a:p>
+            <a:r>
+              <a:rPr lang="en-US" dirty="0" smtClean="0">
+                <a:cs typeface="Courier New" pitchFamily="49" charset="0"/>
+              </a:rPr>
+              <a:t>UA: user-agent detection</a:t>
+            </a:r>
+          </a:p>
+          <a:p>
+            <a:r>
+              <a:rPr lang="en-US" dirty="0" err="1" smtClean="0">
+                <a:cs typeface="Courier New" pitchFamily="49" charset="0"/>
+              </a:rPr>
+              <a:t>Url</a:t>
+            </a:r>
+            <a:r>
+              <a:rPr lang="en-US" dirty="0" smtClean="0">
+                <a:cs typeface="Courier New" pitchFamily="49" charset="0"/>
+              </a:rPr>
+              <a:t>: URL manipulation</a:t>
+            </a:r>
+          </a:p>
+          <a:p>
+            <a:pPr>
+              <a:buNone/>
+            </a:pPr>
+            <a:r>
+              <a:rPr lang="en-US" dirty="0" smtClean="0">
+                <a:cs typeface="Courier New" pitchFamily="49" charset="0"/>
+              </a:rPr>
+              <a:t> </a:t>
+            </a:r>
+          </a:p>
+          <a:p>
+            <a:endParaRPr lang="en-US" dirty="0" smtClean="0">
+              <a:cs typeface="Courier New" pitchFamily="49" charset="0"/>
+            </a:endParaRPr>
+          </a:p>
+          <a:p>
+            <a:endParaRPr lang="en-US" dirty="0" smtClean="0">
+              <a:cs typeface="Courier New" pitchFamily="49" charset="0"/>
+            </a:endParaRPr>
+          </a:p>
+        </p:txBody>
+      </p:sp>
+    </p:spTree>
+  </p:cSld>
+  <p:clrMapOvr>
+    <a:masterClrMapping/>
+  </p:clrMapOvr>
+</p:sld>
+</file>
+
+<file path=ppt/slides/slide51.xml><?xml version="1.0" encoding="utf-8"?>
+<p:sld xmlns:a="http://schemas.openxmlformats.org/drawingml/2006/main" xmlns:r="http://schemas.openxmlformats.org/officeDocument/2006/relationships" xmlns:p="http://schemas.openxmlformats.org/presentationml/2006/main">
+  <p:cSld>
+    <p:spTree>
+      <p:nvGrpSpPr>
+        <p:cNvPr id="1" name=""/>
+        <p:cNvGrpSpPr/>
+        <p:nvPr/>
+      </p:nvGrpSpPr>
+      <p:grpSpPr>
+        <a:xfrm>
+          <a:off x="0" y="0"/>
+          <a:ext cx="0" cy="0"/>
+          <a:chOff x="0" y="0"/>
+          <a:chExt cx="0" cy="0"/>
+        </a:xfrm>
+      </p:grpSpPr>
+      <p:sp>
+        <p:nvSpPr>
+          <p:cNvPr id="2" name="Title 1"/>
+          <p:cNvSpPr>
+            <a:spLocks noGrp="1"/>
+          </p:cNvSpPr>
+          <p:nvPr>
+            <p:ph type="title"/>
+          </p:nvPr>
+        </p:nvSpPr>
+        <p:spPr/>
+        <p:txBody>
+          <a:bodyPr>
+            <a:normAutofit/>
+          </a:bodyPr>
+          <a:lstStyle/>
+          <a:p>
+            <a:r>
+              <a:rPr lang="en-US" dirty="0" smtClean="0"/>
+              <a:t>Reporting bugs, feature request, …</a:t>
+            </a:r>
+            <a:endParaRPr lang="en-US" dirty="0"/>
+          </a:p>
+        </p:txBody>
+      </p:sp>
+      <p:sp>
+        <p:nvSpPr>
+          <p:cNvPr id="3" name="Content Placeholder 2"/>
+          <p:cNvSpPr>
+            <a:spLocks noGrp="1"/>
+          </p:cNvSpPr>
+          <p:nvPr>
+            <p:ph idx="1"/>
+          </p:nvPr>
+        </p:nvSpPr>
+        <p:spPr/>
+        <p:txBody>
+          <a:bodyPr/>
+          <a:lstStyle/>
+          <a:p>
+            <a:r>
+              <a:rPr lang="en-US" dirty="0" smtClean="0"/>
+              <a:t>Bugs and feature request are best reported at</a:t>
+            </a:r>
+          </a:p>
+          <a:p>
+            <a:pPr>
+              <a:buNone/>
+            </a:pPr>
+            <a:r>
+              <a:rPr lang="en-US" dirty="0" smtClean="0"/>
+              <a:t>  </a:t>
+            </a:r>
+            <a:r>
+              <a:rPr lang="en-US" dirty="0" smtClean="0">
+                <a:hlinkClick r:id="rId3"/>
+              </a:rPr>
+              <a:t>http://code.google.com/p/wub/issues/list</a:t>
+            </a:r>
+            <a:endParaRPr lang="en-US" dirty="0" smtClean="0"/>
+          </a:p>
+          <a:p>
+            <a:pPr>
+              <a:buNone/>
+            </a:pPr>
+            <a:endParaRPr lang="en-US" dirty="0" smtClean="0"/>
+          </a:p>
+          <a:p>
+            <a:pPr>
+              <a:buNone/>
+            </a:pPr>
+            <a:endParaRPr lang="en-US" dirty="0" smtClean="0"/>
+          </a:p>
+        </p:txBody>
+      </p:sp>
+    </p:spTree>
+  </p:cSld>
+  <p:clrMapOvr>
+    <a:masterClrMapping/>
+  </p:clrMapOvr>
+</p:sld>
+</file>
+
+<file path=ppt/slides/slide52.xml><?xml version="1.0" encoding="utf-8"?>
+<p:sld xmlns:a="http://schemas.openxmlformats.org/drawingml/2006/main" xmlns:r="http://schemas.openxmlformats.org/officeDocument/2006/relationships" xmlns:p="http://schemas.openxmlformats.org/presentationml/2006/main">
+  <p:cSld>
+    <p:spTree>
+      <p:nvGrpSpPr>
+        <p:cNvPr id="1" name=""/>
+        <p:cNvGrpSpPr/>
+        <p:nvPr/>
+      </p:nvGrpSpPr>
+      <p:grpSpPr>
+        <a:xfrm>
+          <a:off x="0" y="0"/>
+          <a:ext cx="0" cy="0"/>
+          <a:chOff x="0" y="0"/>
+          <a:chExt cx="0" cy="0"/>
+        </a:xfrm>
+      </p:grpSpPr>
+      <p:sp>
+        <p:nvSpPr>
+          <p:cNvPr id="2" name="Title 1"/>
+          <p:cNvSpPr>
+            <a:spLocks noGrp="1"/>
+          </p:cNvSpPr>
+          <p:nvPr>
+            <p:ph type="title"/>
+          </p:nvPr>
+        </p:nvSpPr>
+        <p:spPr/>
+        <p:txBody>
+          <a:bodyPr/>
+          <a:lstStyle/>
+          <a:p>
+            <a:r>
+              <a:rPr lang="en-US" dirty="0" smtClean="0"/>
+              <a:t>Conclusion</a:t>
+            </a:r>
+            <a:endParaRPr lang="en-US" dirty="0"/>
+          </a:p>
+        </p:txBody>
+      </p:sp>
+      <p:sp>
+        <p:nvSpPr>
+          <p:cNvPr id="3" name="Content Placeholder 2"/>
+          <p:cNvSpPr>
+            <a:spLocks noGrp="1"/>
+          </p:cNvSpPr>
+          <p:nvPr>
+            <p:ph idx="1"/>
+          </p:nvPr>
+        </p:nvSpPr>
+        <p:spPr/>
+        <p:txBody>
+          <a:bodyPr/>
+          <a:lstStyle/>
+          <a:p>
+            <a:r>
+              <a:rPr lang="en-US" dirty="0" err="1" smtClean="0"/>
+              <a:t>Wub</a:t>
+            </a:r>
+            <a:r>
+              <a:rPr lang="en-US" dirty="0" smtClean="0"/>
+              <a:t> is a new environment for Web application development using </a:t>
+            </a:r>
+            <a:r>
+              <a:rPr lang="en-US" dirty="0" err="1" smtClean="0"/>
+              <a:t>Tcl</a:t>
+            </a:r>
+            <a:r>
+              <a:rPr lang="en-US" dirty="0" smtClean="0"/>
+              <a:t>/</a:t>
+            </a:r>
+            <a:r>
+              <a:rPr lang="en-US" dirty="0" err="1" smtClean="0"/>
+              <a:t>Tk</a:t>
+            </a:r>
+            <a:endParaRPr lang="en-US" dirty="0" smtClean="0"/>
+          </a:p>
+          <a:p>
+            <a:r>
+              <a:rPr lang="en-US" dirty="0" smtClean="0"/>
+              <a:t>Under active development</a:t>
+            </a:r>
+          </a:p>
+          <a:p>
+            <a:r>
+              <a:rPr lang="en-US" dirty="0" smtClean="0"/>
+              <a:t>Offering lots of useful domains and utilities to make a developer’s life easier</a:t>
+            </a:r>
+          </a:p>
+          <a:p>
+            <a:r>
+              <a:rPr lang="en-US" dirty="0" smtClean="0"/>
+              <a:t>When looking for a </a:t>
+            </a:r>
+            <a:r>
+              <a:rPr lang="en-US" dirty="0" err="1" smtClean="0"/>
+              <a:t>Tcl</a:t>
+            </a:r>
+            <a:r>
+              <a:rPr lang="en-US" dirty="0" smtClean="0"/>
+              <a:t> solution and thinking about using </a:t>
+            </a:r>
+            <a:r>
+              <a:rPr lang="en-US" dirty="0" err="1" smtClean="0"/>
+              <a:t>tclHTTPd</a:t>
+            </a:r>
+            <a:r>
+              <a:rPr lang="en-US" smtClean="0"/>
+              <a:t> , </a:t>
+            </a:r>
+            <a:r>
+              <a:rPr lang="en-US" dirty="0" smtClean="0"/>
+              <a:t>consider using </a:t>
+            </a:r>
+            <a:r>
+              <a:rPr lang="en-US" dirty="0" err="1" smtClean="0"/>
+              <a:t>Wub</a:t>
+            </a:r>
+            <a:endParaRPr lang="en-US" dirty="0" smtClean="0"/>
+          </a:p>
+          <a:p>
+            <a:pPr>
+              <a:buNone/>
+            </a:pPr>
+            <a:endParaRPr lang="en-US" dirty="0"/>
+          </a:p>
+        </p:txBody>
+      </p:sp>
+    </p:spTree>
+  </p:cSld>
+  <p:clrMapOvr>
+    <a:masterClrMapping/>
+  </p:clrMapOvr>
+</p:sld>
+</file>
+
+<file path=ppt/slides/slide53.xml><?xml version="1.0" encoding="utf-8"?>
+<p:sld xmlns:a="http://schemas.openxmlformats.org/drawingml/2006/main" xmlns:r="http://schemas.openxmlformats.org/officeDocument/2006/relationships" xmlns:p="http://schemas.openxmlformats.org/presentationml/2006/main">
+  <p:cSld>
+    <p:spTree>
+      <p:nvGrpSpPr>
+        <p:cNvPr id="1" name=""/>
+        <p:cNvGrpSpPr/>
+        <p:nvPr/>
+      </p:nvGrpSpPr>
+      <p:grpSpPr>
+        <a:xfrm>
+          <a:off x="0" y="0"/>
+          <a:ext cx="0" cy="0"/>
+          <a:chOff x="0" y="0"/>
+          <a:chExt cx="0" cy="0"/>
+        </a:xfrm>
+      </p:grpSpPr>
+      <p:sp>
+        <p:nvSpPr>
+          <p:cNvPr id="2" name="Title 1"/>
+          <p:cNvSpPr>
+            <a:spLocks noGrp="1"/>
+          </p:cNvSpPr>
+          <p:nvPr>
+            <p:ph type="title"/>
+          </p:nvPr>
+        </p:nvSpPr>
+        <p:spPr/>
+        <p:txBody>
+          <a:bodyPr/>
+          <a:lstStyle/>
+          <a:p>
+            <a:r>
+              <a:rPr lang="en-US" dirty="0" smtClean="0"/>
+              <a:t>Questions?</a:t>
+            </a:r>
+            <a:endParaRPr lang="en-US" dirty="0"/>
+          </a:p>
+        </p:txBody>
+      </p:sp>
+      <p:pic>
+        <p:nvPicPr>
+          <p:cNvPr id="6146" name="Picture 2" descr="C:\Users\decoster\AppData\Local\Microsoft\Windows\Temporary Internet Files\Content.IE5\L4D3NQZ7\MPj04395360000[1].jpg"/>
+          <p:cNvPicPr>
+            <a:picLocks noChangeAspect="1" noChangeArrowheads="1"/>
+          </p:cNvPicPr>
+          <p:nvPr/>
+        </p:nvPicPr>
+        <p:blipFill>
+          <a:blip r:embed="rId3" cstate="print"/>
+          <a:srcRect/>
+          <a:stretch>
+            <a:fillRect/>
+          </a:stretch>
+        </p:blipFill>
+        <p:spPr bwMode="auto">
+          <a:xfrm>
+            <a:off x="1371600" y="1706880"/>
+            <a:ext cx="6400800" cy="3444240"/>
+          </a:xfrm>
+          <a:prstGeom prst="rect">
+            <a:avLst/>
+          </a:prstGeom>
+          <a:noFill/>
+        </p:spPr>
+      </p:pic>
+    </p:spTree>
+  </p:cSld>
+  <p:clrMapOvr>
+    <a:masterClrMapping/>
+  </p:clrMapOvr>
 </p:sld>
 </file>
 
@@ -18397,7 +21586,7 @@
             </a:r>
             <a:r>
               <a:rPr lang="en-US" dirty="0" smtClean="0"/>
-              <a:t> API: utilities to generate HTML, cache, handle queries, convert response types</a:t>
+              <a:t> API: utilities to generate HTML, cache, handle queries, convert response types, forms, …</a:t>
             </a:r>
             <a:endParaRPr lang="en-US" dirty="0"/>
           </a:p>

--- a/trunk/wubexamples/Lets_Wub.pptx
+++ b/trunk/wubexamples/Lets_Wub.pptx
@@ -38,8 +38,8 @@
     <p:sldId id="294" r:id="rId29"/>
     <p:sldId id="295" r:id="rId30"/>
     <p:sldId id="296" r:id="rId31"/>
-    <p:sldId id="298" r:id="rId32"/>
-    <p:sldId id="297" r:id="rId33"/>
+    <p:sldId id="297" r:id="rId32"/>
+    <p:sldId id="298" r:id="rId33"/>
     <p:sldId id="299" r:id="rId34"/>
     <p:sldId id="300" r:id="rId35"/>
     <p:sldId id="276" r:id="rId36"/>
@@ -245,7 +245,7 @@
             <a:fld id="{4DF4E2B3-4403-4393-BB8B-AE854F842FFB}" type="datetimeFigureOut">
               <a:rPr lang="en-US" smtClean="0"/>
               <a:pPr/>
-              <a:t>5/28/2009</a:t>
+              <a:t>6/2/2009</a:t>
             </a:fld>
             <a:endParaRPr lang="en-US"/>
           </a:p>
@@ -5039,7 +5039,7 @@
             <a:fld id="{AD6CF7D0-54BE-4AFB-B0FC-FA5E364208B7}" type="datetimeFigureOut">
               <a:rPr lang="en-US" smtClean="0"/>
               <a:pPr/>
-              <a:t>5/28/2009</a:t>
+              <a:t>6/2/2009</a:t>
             </a:fld>
             <a:endParaRPr lang="en-US" dirty="0"/>
           </a:p>
@@ -5206,7 +5206,7 @@
             <a:fld id="{AD6CF7D0-54BE-4AFB-B0FC-FA5E364208B7}" type="datetimeFigureOut">
               <a:rPr lang="en-US" smtClean="0"/>
               <a:pPr/>
-              <a:t>5/28/2009</a:t>
+              <a:t>6/2/2009</a:t>
             </a:fld>
             <a:endParaRPr lang="en-US"/>
           </a:p>
@@ -5383,7 +5383,7 @@
             <a:fld id="{AD6CF7D0-54BE-4AFB-B0FC-FA5E364208B7}" type="datetimeFigureOut">
               <a:rPr lang="en-US" smtClean="0"/>
               <a:pPr/>
-              <a:t>5/28/2009</a:t>
+              <a:t>6/2/2009</a:t>
             </a:fld>
             <a:endParaRPr lang="en-US"/>
           </a:p>
@@ -5550,7 +5550,7 @@
             <a:fld id="{AD6CF7D0-54BE-4AFB-B0FC-FA5E364208B7}" type="datetimeFigureOut">
               <a:rPr lang="en-US" smtClean="0"/>
               <a:pPr/>
-              <a:t>5/28/2009</a:t>
+              <a:t>6/2/2009</a:t>
             </a:fld>
             <a:endParaRPr lang="en-US"/>
           </a:p>
@@ -5793,7 +5793,7 @@
             <a:fld id="{AD6CF7D0-54BE-4AFB-B0FC-FA5E364208B7}" type="datetimeFigureOut">
               <a:rPr lang="en-US" smtClean="0"/>
               <a:pPr/>
-              <a:t>5/28/2009</a:t>
+              <a:t>6/2/2009</a:t>
             </a:fld>
             <a:endParaRPr lang="en-US"/>
           </a:p>
@@ -6078,7 +6078,7 @@
             <a:fld id="{AD6CF7D0-54BE-4AFB-B0FC-FA5E364208B7}" type="datetimeFigureOut">
               <a:rPr lang="en-US" smtClean="0"/>
               <a:pPr/>
-              <a:t>5/28/2009</a:t>
+              <a:t>6/2/2009</a:t>
             </a:fld>
             <a:endParaRPr lang="en-US"/>
           </a:p>
@@ -6497,7 +6497,7 @@
             <a:fld id="{AD6CF7D0-54BE-4AFB-B0FC-FA5E364208B7}" type="datetimeFigureOut">
               <a:rPr lang="en-US" smtClean="0"/>
               <a:pPr/>
-              <a:t>5/28/2009</a:t>
+              <a:t>6/2/2009</a:t>
             </a:fld>
             <a:endParaRPr lang="en-US"/>
           </a:p>
@@ -6612,7 +6612,7 @@
             <a:fld id="{AD6CF7D0-54BE-4AFB-B0FC-FA5E364208B7}" type="datetimeFigureOut">
               <a:rPr lang="en-US" smtClean="0"/>
               <a:pPr/>
-              <a:t>5/28/2009</a:t>
+              <a:t>6/2/2009</a:t>
             </a:fld>
             <a:endParaRPr lang="en-US"/>
           </a:p>
@@ -6704,7 +6704,7 @@
             <a:fld id="{AD6CF7D0-54BE-4AFB-B0FC-FA5E364208B7}" type="datetimeFigureOut">
               <a:rPr lang="en-US" smtClean="0"/>
               <a:pPr/>
-              <a:t>5/28/2009</a:t>
+              <a:t>6/2/2009</a:t>
             </a:fld>
             <a:endParaRPr lang="en-US"/>
           </a:p>
@@ -6978,7 +6978,7 @@
             <a:fld id="{AD6CF7D0-54BE-4AFB-B0FC-FA5E364208B7}" type="datetimeFigureOut">
               <a:rPr lang="en-US" smtClean="0"/>
               <a:pPr/>
-              <a:t>5/28/2009</a:t>
+              <a:t>6/2/2009</a:t>
             </a:fld>
             <a:endParaRPr lang="en-US"/>
           </a:p>
@@ -7228,7 +7228,7 @@
             <a:fld id="{AD6CF7D0-54BE-4AFB-B0FC-FA5E364208B7}" type="datetimeFigureOut">
               <a:rPr lang="en-US" smtClean="0"/>
               <a:pPr/>
-              <a:t>5/28/2009</a:t>
+              <a:t>6/2/2009</a:t>
             </a:fld>
             <a:endParaRPr lang="en-US"/>
           </a:p>
@@ -7438,7 +7438,7 @@
             <a:fld id="{AD6CF7D0-54BE-4AFB-B0FC-FA5E364208B7}" type="datetimeFigureOut">
               <a:rPr lang="en-US" smtClean="0"/>
               <a:pPr/>
-              <a:t>5/28/2009</a:t>
+              <a:t>6/2/2009</a:t>
             </a:fld>
             <a:endParaRPr lang="en-US"/>
           </a:p>
@@ -7988,7 +7988,7 @@
             </a:r>
             <a:r>
               <a:rPr lang="en-US" dirty="0" smtClean="0"/>
-              <a:t> dataflow</a:t>
+              <a:t> architecture</a:t>
             </a:r>
             <a:endParaRPr lang="en-US" dirty="0"/>
           </a:p>
@@ -8834,12 +8834,8 @@
               <a:t>docroot</a:t>
             </a:r>
             <a:r>
-              <a:rPr lang="en-US" smtClean="0"/>
-              <a:t>/html/ex.html </a:t>
-            </a:r>
-            <a:r>
-              <a:rPr lang="en-US" dirty="0" smtClean="0"/>
-              <a:t>in ex.nub:</a:t>
+              <a:rPr lang="en-US" dirty="0" smtClean="0"/>
+              <a:t>/html/ex.html in ex.nub:</a:t>
             </a:r>
           </a:p>
           <a:p>
@@ -10736,12 +10732,14 @@
         </p:nvSpPr>
         <p:spPr/>
         <p:txBody>
-          <a:bodyPr/>
-          <a:lstStyle/>
-          <a:p>
-            <a:r>
-              <a:rPr lang="en-US" dirty="0" smtClean="0"/>
-              <a:t>Example 2: Nub rewrite syntax</a:t>
+          <a:bodyPr>
+            <a:normAutofit fontScale="90000"/>
+          </a:bodyPr>
+          <a:lstStyle/>
+          <a:p>
+            <a:r>
+              <a:rPr lang="en-US" dirty="0" smtClean="0"/>
+              <a:t>Example 2: Nub rewrite and redirect syntax</a:t>
             </a:r>
             <a:endParaRPr lang="en-US" dirty="0"/>
           </a:p>
@@ -10767,7 +10765,7 @@
           <a:bodyPr/>
           <a:lstStyle/>
           <a:p>
-            <a:pPr algn="ctr">
+            <a:pPr>
               <a:buNone/>
             </a:pPr>
             <a:r>
@@ -10809,7 +10807,7 @@
           <p:nvPr/>
         </p:nvGraphicFramePr>
         <p:xfrm>
-          <a:off x="914400" y="3352800"/>
+          <a:off x="914400" y="3886200"/>
           <a:ext cx="7620000" cy="1381760"/>
         </p:xfrm>
         <a:graphic>
@@ -10926,7 +10924,6 @@
                         <a:rPr lang="en-US" dirty="0" smtClean="0"/>
                         <a:t> </a:t>
                       </a:r>
-                      <a:endParaRPr lang="en-US" dirty="0"/>
                     </a:p>
                   </a:txBody>
                   <a:tcPr/>
@@ -11256,6 +11253,17 @@
           <a:p>
             <a:r>
               <a:rPr lang="en-US" dirty="0" smtClean="0"/>
+              <a:t>Successor of </a:t>
+            </a:r>
+            <a:r>
+              <a:rPr lang="en-US" dirty="0" err="1" smtClean="0"/>
+              <a:t>tclhttpd</a:t>
+            </a:r>
+            <a:endParaRPr lang="en-US" dirty="0" smtClean="0"/>
+          </a:p>
+          <a:p>
+            <a:r>
+              <a:rPr lang="en-US" dirty="0" smtClean="0"/>
               <a:t>100% </a:t>
             </a:r>
             <a:r>
@@ -11270,12 +11278,6 @@
           <a:p>
             <a:r>
               <a:rPr lang="en-US" dirty="0" smtClean="0"/>
-              <a:t>Domain based</a:t>
-            </a:r>
-          </a:p>
-          <a:p>
-            <a:r>
-              <a:rPr lang="en-US" dirty="0" smtClean="0"/>
               <a:t>Heavy user of recent </a:t>
             </a:r>
             <a:r>
@@ -11284,11 +11286,7 @@
             </a:r>
             <a:r>
               <a:rPr lang="en-US" dirty="0" smtClean="0"/>
-              <a:t> </a:t>
-            </a:r>
-            <a:r>
-              <a:rPr lang="en-US" dirty="0" smtClean="0"/>
-              <a:t>features, which pushed development of </a:t>
+              <a:t> features, which pushed development of </a:t>
             </a:r>
             <a:r>
               <a:rPr lang="en-US" dirty="0" err="1" smtClean="0"/>
@@ -11296,13 +11294,8 @@
             </a:r>
             <a:r>
               <a:rPr lang="en-US" dirty="0" smtClean="0"/>
-              <a:t> </a:t>
-            </a:r>
-            <a:r>
-              <a:rPr lang="en-US" smtClean="0"/>
-              <a:t>8.6 forward:</a:t>
-            </a:r>
-            <a:endParaRPr lang="en-US" dirty="0" smtClean="0"/>
+              <a:t> 8.6 forward:</a:t>
+            </a:r>
           </a:p>
           <a:p>
             <a:pPr lvl="1"/>
@@ -11335,27 +11328,27 @@
           <a:p>
             <a:pPr lvl="1"/>
             <a:r>
-              <a:rPr lang="en-US" dirty="0" err="1"/>
-              <a:t>z</a:t>
-            </a:r>
-            <a:r>
               <a:rPr lang="en-US" dirty="0" err="1" smtClean="0"/>
-              <a:t>lib</a:t>
+              <a:t>Zlib</a:t>
             </a:r>
             <a:endParaRPr lang="en-US" dirty="0" smtClean="0"/>
           </a:p>
           <a:p>
             <a:r>
               <a:rPr lang="en-US" dirty="0" smtClean="0"/>
-              <a:t>Successor of </a:t>
-            </a:r>
-            <a:r>
-              <a:rPr lang="en-US" dirty="0" err="1" smtClean="0"/>
-              <a:t>tclhttpd</a:t>
-            </a:r>
+              <a:t>Domain based (packages grouping functionality)</a:t>
+            </a:r>
+          </a:p>
+          <a:p>
+            <a:pPr>
+              <a:buNone/>
+            </a:pPr>
             <a:endParaRPr lang="en-US" dirty="0" smtClean="0"/>
           </a:p>
           <a:p>
+            <a:pPr>
+              <a:buNone/>
+            </a:pPr>
             <a:endParaRPr lang="en-US" dirty="0" smtClean="0"/>
           </a:p>
         </p:txBody>
@@ -12146,11 +12139,7 @@
                     <a:p>
                       <a:r>
                         <a:rPr lang="en-US" dirty="0" smtClean="0"/>
-                        <a:t>Template to be evaluated </a:t>
-                      </a:r>
-                      <a:r>
-                        <a:rPr lang="en-US" dirty="0" err="1" smtClean="0"/>
-                        <a:t>whith</a:t>
+                        <a:t>Template to be evaluated with</a:t>
                       </a:r>
                       <a:r>
                         <a:rPr lang="en-US" baseline="0" dirty="0" smtClean="0"/>
@@ -12554,6 +12543,13 @@
   <p:clrMapOvr>
     <a:masterClrMapping/>
   </p:clrMapOvr>
+  <p:timing>
+    <p:tnLst>
+      <p:par>
+        <p:cTn id="1" dur="indefinite" restart="never" nodeType="tmRoot"/>
+      </p:par>
+    </p:tnLst>
+  </p:timing>
 </p:sld>
 </file>
 
@@ -12646,7 +12642,7 @@
             </a:r>
             <a:r>
               <a:rPr lang="en-US" dirty="0" smtClean="0"/>
-              <a:t>): is rand when request can’t be resolved</a:t>
+              <a:t>): is ran when request can’t be resolved</a:t>
             </a:r>
           </a:p>
           <a:p>
@@ -12665,6 +12661,13 @@
   <p:clrMapOvr>
     <a:masterClrMapping/>
   </p:clrMapOvr>
+  <p:timing>
+    <p:tnLst>
+      <p:par>
+        <p:cTn id="1" dur="indefinite" restart="never" nodeType="tmRoot"/>
+      </p:par>
+    </p:tnLst>
+  </p:timing>
 </p:sld>
 </file>
 
@@ -13993,6 +13996,13 @@
   <p:clrMapOvr>
     <a:masterClrMapping/>
   </p:clrMapOvr>
+  <p:timing>
+    <p:tnLst>
+      <p:par>
+        <p:cTn id="1" dur="indefinite" restart="never" nodeType="tmRoot"/>
+      </p:par>
+    </p:tnLst>
+  </p:timing>
 </p:sld>
 </file>
 
@@ -14127,6 +14137,13 @@
   <p:clrMapOvr>
     <a:masterClrMapping/>
   </p:clrMapOvr>
+  <p:timing>
+    <p:tnLst>
+      <p:par>
+        <p:cTn id="1" dur="indefinite" restart="never" nodeType="tmRoot"/>
+      </p:par>
+    </p:tnLst>
+  </p:timing>
 </p:sld>
 </file>
 
@@ -14168,7 +14185,7 @@
             </a:r>
             <a:r>
               <a:rPr lang="en-US" dirty="0" smtClean="0"/>
-              <a:t> in action</a:t>
+              <a:t> in action!</a:t>
             </a:r>
             <a:endParaRPr lang="en-US" dirty="0"/>
           </a:p>
@@ -14423,6 +14440,13 @@
   <p:clrMapOvr>
     <a:masterClrMapping/>
   </p:clrMapOvr>
+  <p:timing>
+    <p:tnLst>
+      <p:par>
+        <p:cTn id="1" dur="indefinite" restart="never" nodeType="tmRoot"/>
+      </p:par>
+    </p:tnLst>
+  </p:timing>
 </p:sld>
 </file>
 
@@ -14455,384 +14479,515 @@
         </p:nvSpPr>
         <p:spPr/>
         <p:txBody>
-          <a:bodyPr/>
-          <a:lstStyle/>
-          <a:p>
-            <a:r>
-              <a:rPr lang="en-US" dirty="0" smtClean="0"/>
-              <a:t>Example 4: custom conversions</a:t>
+          <a:bodyPr>
+            <a:normAutofit fontScale="90000"/>
+          </a:bodyPr>
+          <a:lstStyle/>
+          <a:p>
+            <a:r>
+              <a:rPr lang="en-US" dirty="0" smtClean="0"/>
+              <a:t>Example 4: Content type x-text/html-fragment</a:t>
             </a:r>
             <a:endParaRPr lang="en-US" dirty="0"/>
           </a:p>
         </p:txBody>
       </p:sp>
-      <p:sp>
-        <p:nvSpPr>
-          <p:cNvPr id="3" name="Content Placeholder 2"/>
-          <p:cNvSpPr>
-            <a:spLocks noGrp="1"/>
-          </p:cNvSpPr>
+      <p:graphicFrame>
+        <p:nvGraphicFramePr>
+          <p:cNvPr id="4" name="Content Placeholder 3"/>
+          <p:cNvGraphicFramePr>
+            <a:graphicFrameLocks noGrp="1"/>
+          </p:cNvGraphicFramePr>
           <p:nvPr>
             <p:ph idx="1"/>
           </p:nvPr>
-        </p:nvSpPr>
-        <p:spPr/>
-        <p:txBody>
-          <a:bodyPr>
-            <a:normAutofit fontScale="85000" lnSpcReduction="10000"/>
-          </a:bodyPr>
-          <a:lstStyle/>
-          <a:p>
-            <a:r>
-              <a:rPr lang="en-US" dirty="0" smtClean="0"/>
-              <a:t>Add proc in </a:t>
-            </a:r>
-            <a:r>
-              <a:rPr lang="en-US" dirty="0" smtClean="0">
-                <a:latin typeface="Courier New" pitchFamily="49" charset="0"/>
-                <a:cs typeface="Courier New" pitchFamily="49" charset="0"/>
-              </a:rPr>
-              <a:t>conversions</a:t>
-            </a:r>
-            <a:r>
-              <a:rPr lang="en-US" dirty="0" smtClean="0"/>
-              <a:t> namespace</a:t>
-            </a:r>
-          </a:p>
-          <a:p>
-            <a:r>
-              <a:rPr lang="en-US" dirty="0" smtClean="0"/>
-              <a:t>Name contains content type from which conversion starts and content type it generates: .&lt;from&gt;.&lt;to&gt;</a:t>
-            </a:r>
-          </a:p>
-          <a:p>
-            <a:pPr>
-              <a:buNone/>
-            </a:pPr>
-            <a:endParaRPr lang="en-US" dirty="0" smtClean="0"/>
-          </a:p>
-          <a:p>
-            <a:pPr>
-              <a:buNone/>
-            </a:pPr>
-            <a:r>
-              <a:rPr lang="en-US" sz="1500" dirty="0" smtClean="0">
-                <a:latin typeface="Courier New" pitchFamily="49" charset="0"/>
-                <a:cs typeface="Courier New" pitchFamily="49" charset="0"/>
-              </a:rPr>
-              <a:t>namespace </a:t>
-            </a:r>
-            <a:r>
-              <a:rPr lang="en-US" sz="1500" dirty="0" err="1" smtClean="0">
-                <a:latin typeface="Courier New" pitchFamily="49" charset="0"/>
-                <a:cs typeface="Courier New" pitchFamily="49" charset="0"/>
-              </a:rPr>
-              <a:t>eval</a:t>
-            </a:r>
-            <a:r>
-              <a:rPr lang="en-US" sz="1500" dirty="0" smtClean="0">
-                <a:latin typeface="Courier New" pitchFamily="49" charset="0"/>
-                <a:cs typeface="Courier New" pitchFamily="49" charset="0"/>
-              </a:rPr>
-              <a:t> ::conversions {</a:t>
-            </a:r>
-          </a:p>
-          <a:p>
-            <a:pPr>
-              <a:buNone/>
-            </a:pPr>
-            <a:r>
-              <a:rPr lang="en-US" sz="1500" dirty="0" smtClean="0">
-                <a:latin typeface="Courier New" pitchFamily="49" charset="0"/>
-                <a:cs typeface="Courier New" pitchFamily="49" charset="0"/>
-              </a:rPr>
-              <a:t>  proc .x-</a:t>
-            </a:r>
-            <a:r>
-              <a:rPr lang="en-US" sz="1500" dirty="0" err="1" smtClean="0">
-                <a:latin typeface="Courier New" pitchFamily="49" charset="0"/>
-                <a:cs typeface="Courier New" pitchFamily="49" charset="0"/>
-              </a:rPr>
-              <a:t>unarmoured</a:t>
-            </a:r>
-            <a:r>
-              <a:rPr lang="en-US" sz="1500" dirty="0" smtClean="0">
-                <a:latin typeface="Courier New" pitchFamily="49" charset="0"/>
-                <a:cs typeface="Courier New" pitchFamily="49" charset="0"/>
-              </a:rPr>
-              <a:t>-text/html-</a:t>
-            </a:r>
-            <a:r>
-              <a:rPr lang="en-US" sz="1500" dirty="0" err="1" smtClean="0">
-                <a:latin typeface="Courier New" pitchFamily="49" charset="0"/>
-                <a:cs typeface="Courier New" pitchFamily="49" charset="0"/>
-              </a:rPr>
-              <a:t>fragment.x</a:t>
-            </a:r>
-            <a:r>
-              <a:rPr lang="en-US" sz="1500" dirty="0" smtClean="0">
-                <a:latin typeface="Courier New" pitchFamily="49" charset="0"/>
-                <a:cs typeface="Courier New" pitchFamily="49" charset="0"/>
-              </a:rPr>
-              <a:t>-text/html-fragment { </a:t>
-            </a:r>
-            <a:r>
-              <a:rPr lang="en-US" sz="1500" dirty="0" err="1" smtClean="0">
-                <a:latin typeface="Courier New" pitchFamily="49" charset="0"/>
-                <a:cs typeface="Courier New" pitchFamily="49" charset="0"/>
-              </a:rPr>
-              <a:t>rsp</a:t>
-            </a:r>
-            <a:r>
-              <a:rPr lang="en-US" sz="1500" dirty="0" smtClean="0">
-                <a:latin typeface="Courier New" pitchFamily="49" charset="0"/>
-                <a:cs typeface="Courier New" pitchFamily="49" charset="0"/>
-              </a:rPr>
-              <a:t> } { </a:t>
-            </a:r>
-          </a:p>
-          <a:p>
-            <a:pPr>
-              <a:buNone/>
-            </a:pPr>
-            <a:r>
-              <a:rPr lang="en-US" sz="1500" dirty="0" smtClean="0">
-                <a:latin typeface="Courier New" pitchFamily="49" charset="0"/>
-                <a:cs typeface="Courier New" pitchFamily="49" charset="0"/>
-              </a:rPr>
-              <a:t>    set </a:t>
-            </a:r>
-            <a:r>
-              <a:rPr lang="en-US" sz="1500" dirty="0" err="1" smtClean="0">
-                <a:latin typeface="Courier New" pitchFamily="49" charset="0"/>
-                <a:cs typeface="Courier New" pitchFamily="49" charset="0"/>
-              </a:rPr>
-              <a:t>rspcontent</a:t>
-            </a:r>
-            <a:r>
-              <a:rPr lang="en-US" sz="1500" dirty="0" smtClean="0">
-                <a:latin typeface="Courier New" pitchFamily="49" charset="0"/>
-                <a:cs typeface="Courier New" pitchFamily="49" charset="0"/>
-              </a:rPr>
-              <a:t> [</a:t>
-            </a:r>
-            <a:r>
-              <a:rPr lang="en-US" sz="1500" dirty="0" err="1" smtClean="0">
-                <a:latin typeface="Courier New" pitchFamily="49" charset="0"/>
-                <a:cs typeface="Courier New" pitchFamily="49" charset="0"/>
-              </a:rPr>
-              <a:t>dict</a:t>
-            </a:r>
-            <a:r>
-              <a:rPr lang="en-US" sz="1500" dirty="0" smtClean="0">
-                <a:latin typeface="Courier New" pitchFamily="49" charset="0"/>
-                <a:cs typeface="Courier New" pitchFamily="49" charset="0"/>
-              </a:rPr>
-              <a:t> get $</a:t>
-            </a:r>
-            <a:r>
-              <a:rPr lang="en-US" sz="1500" dirty="0" err="1" smtClean="0">
-                <a:latin typeface="Courier New" pitchFamily="49" charset="0"/>
-                <a:cs typeface="Courier New" pitchFamily="49" charset="0"/>
-              </a:rPr>
-              <a:t>rsp</a:t>
-            </a:r>
-            <a:r>
-              <a:rPr lang="en-US" sz="1500" dirty="0" smtClean="0">
-                <a:latin typeface="Courier New" pitchFamily="49" charset="0"/>
-                <a:cs typeface="Courier New" pitchFamily="49" charset="0"/>
-              </a:rPr>
-              <a:t> -content]</a:t>
-            </a:r>
-          </a:p>
-          <a:p>
-            <a:pPr>
-              <a:buNone/>
-            </a:pPr>
-            <a:r>
-              <a:rPr lang="en-US" sz="1500" dirty="0" smtClean="0">
-                <a:latin typeface="Courier New" pitchFamily="49" charset="0"/>
-                <a:cs typeface="Courier New" pitchFamily="49" charset="0"/>
-              </a:rPr>
-              <a:t>    if {[string match "&lt;!DOCTYPE*" $</a:t>
-            </a:r>
-            <a:r>
-              <a:rPr lang="en-US" sz="1500" dirty="0" err="1" smtClean="0">
-                <a:latin typeface="Courier New" pitchFamily="49" charset="0"/>
-                <a:cs typeface="Courier New" pitchFamily="49" charset="0"/>
-              </a:rPr>
-              <a:t>rspcontent</a:t>
-            </a:r>
-            <a:r>
-              <a:rPr lang="en-US" sz="1500" dirty="0" smtClean="0">
-                <a:latin typeface="Courier New" pitchFamily="49" charset="0"/>
-                <a:cs typeface="Courier New" pitchFamily="49" charset="0"/>
-              </a:rPr>
-              <a:t>]} {</a:t>
-            </a:r>
-          </a:p>
-          <a:p>
-            <a:pPr>
-              <a:buNone/>
-            </a:pPr>
-            <a:r>
-              <a:rPr lang="en-US" sz="1500" dirty="0" smtClean="0">
-                <a:latin typeface="Courier New" pitchFamily="49" charset="0"/>
-                <a:cs typeface="Courier New" pitchFamily="49" charset="0"/>
-              </a:rPr>
-              <a:t>      # the content is already fully HTML</a:t>
-            </a:r>
-          </a:p>
-          <a:p>
-            <a:pPr>
-              <a:buNone/>
-            </a:pPr>
-            <a:r>
-              <a:rPr lang="en-US" sz="1500" dirty="0" smtClean="0">
-                <a:latin typeface="Courier New" pitchFamily="49" charset="0"/>
-                <a:cs typeface="Courier New" pitchFamily="49" charset="0"/>
-              </a:rPr>
-              <a:t>      set content $</a:t>
-            </a:r>
-            <a:r>
-              <a:rPr lang="en-US" sz="1500" dirty="0" err="1" smtClean="0">
-                <a:latin typeface="Courier New" pitchFamily="49" charset="0"/>
-                <a:cs typeface="Courier New" pitchFamily="49" charset="0"/>
-              </a:rPr>
-              <a:t>rspcontent</a:t>
-            </a:r>
-            <a:endParaRPr lang="en-US" sz="1500" dirty="0" smtClean="0">
-              <a:latin typeface="Courier New" pitchFamily="49" charset="0"/>
-              <a:cs typeface="Courier New" pitchFamily="49" charset="0"/>
-            </a:endParaRPr>
-          </a:p>
-          <a:p>
-            <a:pPr>
-              <a:buNone/>
-            </a:pPr>
-            <a:r>
-              <a:rPr lang="en-US" sz="1500" dirty="0" smtClean="0">
-                <a:latin typeface="Courier New" pitchFamily="49" charset="0"/>
-                <a:cs typeface="Courier New" pitchFamily="49" charset="0"/>
-              </a:rPr>
-              <a:t>    } else {</a:t>
-            </a:r>
-          </a:p>
-          <a:p>
-            <a:pPr>
-              <a:buNone/>
-            </a:pPr>
-            <a:r>
-              <a:rPr lang="en-US" sz="1500" dirty="0" smtClean="0">
-                <a:latin typeface="Courier New" pitchFamily="49" charset="0"/>
-                <a:cs typeface="Courier New" pitchFamily="49" charset="0"/>
-              </a:rPr>
-              <a:t>      set content [</a:t>
-            </a:r>
-            <a:r>
-              <a:rPr lang="en-US" sz="1500" dirty="0" err="1" smtClean="0">
-                <a:latin typeface="Courier New" pitchFamily="49" charset="0"/>
-                <a:cs typeface="Courier New" pitchFamily="49" charset="0"/>
-              </a:rPr>
-              <a:t>armour</a:t>
-            </a:r>
-            <a:r>
-              <a:rPr lang="en-US" sz="1500" dirty="0" smtClean="0">
-                <a:latin typeface="Courier New" pitchFamily="49" charset="0"/>
-                <a:cs typeface="Courier New" pitchFamily="49" charset="0"/>
-              </a:rPr>
-              <a:t> $</a:t>
-            </a:r>
-            <a:r>
-              <a:rPr lang="en-US" sz="1500" dirty="0" err="1" smtClean="0">
-                <a:latin typeface="Courier New" pitchFamily="49" charset="0"/>
-                <a:cs typeface="Courier New" pitchFamily="49" charset="0"/>
-              </a:rPr>
-              <a:t>rspcontent</a:t>
-            </a:r>
-            <a:r>
-              <a:rPr lang="en-US" sz="1500" dirty="0" smtClean="0">
-                <a:latin typeface="Courier New" pitchFamily="49" charset="0"/>
-                <a:cs typeface="Courier New" pitchFamily="49" charset="0"/>
-              </a:rPr>
-              <a:t>]</a:t>
-            </a:r>
-          </a:p>
-          <a:p>
-            <a:pPr>
-              <a:buNone/>
-            </a:pPr>
-            <a:r>
-              <a:rPr lang="en-US" sz="1500" dirty="0" smtClean="0">
-                <a:latin typeface="Courier New" pitchFamily="49" charset="0"/>
-                <a:cs typeface="Courier New" pitchFamily="49" charset="0"/>
-              </a:rPr>
-              <a:t>    }	</a:t>
-            </a:r>
-          </a:p>
-          <a:p>
-            <a:pPr>
-              <a:buNone/>
-            </a:pPr>
-            <a:r>
-              <a:rPr lang="en-US" sz="1500" dirty="0" smtClean="0">
-                <a:latin typeface="Courier New" pitchFamily="49" charset="0"/>
-                <a:cs typeface="Courier New" pitchFamily="49" charset="0"/>
-              </a:rPr>
-              <a:t>    return [Http Ok $</a:t>
-            </a:r>
-            <a:r>
-              <a:rPr lang="en-US" sz="1500" dirty="0" err="1" smtClean="0">
-                <a:latin typeface="Courier New" pitchFamily="49" charset="0"/>
-                <a:cs typeface="Courier New" pitchFamily="49" charset="0"/>
-              </a:rPr>
-              <a:t>rsp</a:t>
-            </a:r>
-            <a:r>
-              <a:rPr lang="en-US" sz="1500" dirty="0" smtClean="0">
-                <a:latin typeface="Courier New" pitchFamily="49" charset="0"/>
-                <a:cs typeface="Courier New" pitchFamily="49" charset="0"/>
-              </a:rPr>
-              <a:t> $content x-text/html-fragment]	</a:t>
-            </a:r>
-          </a:p>
-          <a:p>
-            <a:pPr>
-              <a:buNone/>
-            </a:pPr>
-            <a:r>
-              <a:rPr lang="en-US" sz="1500" dirty="0" smtClean="0">
-                <a:latin typeface="Courier New" pitchFamily="49" charset="0"/>
-                <a:cs typeface="Courier New" pitchFamily="49" charset="0"/>
-              </a:rPr>
-              <a:t>  }</a:t>
-            </a:r>
-          </a:p>
-          <a:p>
-            <a:pPr>
-              <a:buNone/>
-            </a:pPr>
-            <a:r>
-              <a:rPr lang="en-US" sz="1500" dirty="0" smtClean="0">
-                <a:latin typeface="Courier New" pitchFamily="49" charset="0"/>
-                <a:cs typeface="Courier New" pitchFamily="49" charset="0"/>
-              </a:rPr>
-              <a:t>}</a:t>
-            </a:r>
-          </a:p>
-          <a:p>
-            <a:pPr>
-              <a:buNone/>
-            </a:pPr>
-            <a:endParaRPr lang="en-US" dirty="0"/>
-          </a:p>
-        </p:txBody>
-      </p:sp>
+        </p:nvGraphicFramePr>
+        <p:xfrm>
+          <a:off x="457200" y="1600200"/>
+          <a:ext cx="8229600" cy="4145280"/>
+        </p:xfrm>
+        <a:graphic>
+          <a:graphicData uri="http://schemas.openxmlformats.org/drawingml/2006/table">
+            <a:tbl>
+              <a:tblPr firstRow="1" bandRow="1">
+                <a:tableStyleId>{5C22544A-7EE6-4342-B048-85BDC9FD1C3A}</a:tableStyleId>
+              </a:tblPr>
+              <a:tblGrid>
+                <a:gridCol w="1905000"/>
+                <a:gridCol w="6324600"/>
+              </a:tblGrid>
+              <a:tr h="370840">
+                <a:tc>
+                  <a:txBody>
+                    <a:bodyPr/>
+                    <a:lstStyle/>
+                    <a:p>
+                      <a:r>
+                        <a:rPr lang="en-US" dirty="0" smtClean="0"/>
+                        <a:t>Response</a:t>
+                      </a:r>
+                      <a:r>
+                        <a:rPr lang="en-US" baseline="0" dirty="0" smtClean="0"/>
+                        <a:t> </a:t>
+                      </a:r>
+                      <a:r>
+                        <a:rPr lang="en-US" baseline="0" dirty="0" err="1" smtClean="0"/>
+                        <a:t>dict</a:t>
+                      </a:r>
+                      <a:r>
+                        <a:rPr lang="en-US" baseline="0" dirty="0" smtClean="0"/>
+                        <a:t> key</a:t>
+                      </a:r>
+                      <a:endParaRPr lang="en-US" dirty="0"/>
+                    </a:p>
+                  </a:txBody>
+                  <a:tcPr/>
+                </a:tc>
+                <a:tc>
+                  <a:txBody>
+                    <a:bodyPr/>
+                    <a:lstStyle/>
+                    <a:p>
+                      <a:r>
+                        <a:rPr lang="en-US" dirty="0" smtClean="0"/>
+                        <a:t>Description</a:t>
+                      </a:r>
+                      <a:endParaRPr lang="en-US" dirty="0"/>
+                    </a:p>
+                  </a:txBody>
+                  <a:tcPr/>
+                </a:tc>
+              </a:tr>
+              <a:tr h="370840">
+                <a:tc>
+                  <a:txBody>
+                    <a:bodyPr/>
+                    <a:lstStyle/>
+                    <a:p>
+                      <a:r>
+                        <a:rPr lang="en-US" dirty="0" smtClean="0">
+                          <a:latin typeface="Courier New" pitchFamily="49" charset="0"/>
+                          <a:cs typeface="Courier New" pitchFamily="49" charset="0"/>
+                        </a:rPr>
+                        <a:t>-content </a:t>
+                      </a:r>
+                      <a:endParaRPr lang="en-US" dirty="0">
+                        <a:latin typeface="Courier New" pitchFamily="49" charset="0"/>
+                        <a:cs typeface="Courier New" pitchFamily="49" charset="0"/>
+                      </a:endParaRPr>
+                    </a:p>
+                  </a:txBody>
+                  <a:tcPr/>
+                </a:tc>
+                <a:tc>
+                  <a:txBody>
+                    <a:bodyPr/>
+                    <a:lstStyle/>
+                    <a:p>
+                      <a:r>
+                        <a:rPr lang="en-US" dirty="0" smtClean="0"/>
+                        <a:t>Content to be sent to client</a:t>
+                      </a:r>
+                      <a:endParaRPr lang="en-US" dirty="0"/>
+                    </a:p>
+                  </a:txBody>
+                  <a:tcPr/>
+                </a:tc>
+              </a:tr>
+              <a:tr h="370840">
+                <a:tc>
+                  <a:txBody>
+                    <a:bodyPr/>
+                    <a:lstStyle/>
+                    <a:p>
+                      <a:r>
+                        <a:rPr lang="en-US" dirty="0" smtClean="0">
+                          <a:latin typeface="Courier New" pitchFamily="49" charset="0"/>
+                          <a:cs typeface="Courier New" pitchFamily="49" charset="0"/>
+                        </a:rPr>
+                        <a:t>-title</a:t>
+                      </a:r>
+                      <a:endParaRPr lang="en-US" dirty="0">
+                        <a:latin typeface="Courier New" pitchFamily="49" charset="0"/>
+                        <a:cs typeface="Courier New" pitchFamily="49" charset="0"/>
+                      </a:endParaRPr>
+                    </a:p>
+                  </a:txBody>
+                  <a:tcPr/>
+                </a:tc>
+                <a:tc>
+                  <a:txBody>
+                    <a:bodyPr/>
+                    <a:lstStyle/>
+                    <a:p>
+                      <a:r>
+                        <a:rPr lang="en-US" dirty="0" smtClean="0"/>
+                        <a:t>Title field in header</a:t>
+                      </a:r>
+                      <a:endParaRPr lang="en-US" dirty="0"/>
+                    </a:p>
+                  </a:txBody>
+                  <a:tcPr/>
+                </a:tc>
+              </a:tr>
+              <a:tr h="370840">
+                <a:tc>
+                  <a:txBody>
+                    <a:bodyPr/>
+                    <a:lstStyle/>
+                    <a:p>
+                      <a:r>
+                        <a:rPr lang="en-US" dirty="0" smtClean="0">
+                          <a:latin typeface="Courier New" pitchFamily="49" charset="0"/>
+                          <a:cs typeface="Courier New" pitchFamily="49" charset="0"/>
+                        </a:rPr>
+                        <a:t>-headers</a:t>
+                      </a:r>
+                      <a:endParaRPr lang="en-US" dirty="0">
+                        <a:latin typeface="Courier New" pitchFamily="49" charset="0"/>
+                        <a:cs typeface="Courier New" pitchFamily="49" charset="0"/>
+                      </a:endParaRPr>
+                    </a:p>
+                  </a:txBody>
+                  <a:tcPr/>
+                </a:tc>
+                <a:tc>
+                  <a:txBody>
+                    <a:bodyPr/>
+                    <a:lstStyle/>
+                    <a:p>
+                      <a:r>
+                        <a:rPr lang="en-US" dirty="0" smtClean="0"/>
+                        <a:t>List of HTML statements puts verbatim in header</a:t>
+                      </a:r>
+                      <a:endParaRPr lang="en-US" dirty="0"/>
+                    </a:p>
+                  </a:txBody>
+                  <a:tcPr/>
+                </a:tc>
+              </a:tr>
+              <a:tr h="370840">
+                <a:tc>
+                  <a:txBody>
+                    <a:bodyPr/>
+                    <a:lstStyle/>
+                    <a:p>
+                      <a:r>
+                        <a:rPr lang="en-US" dirty="0" smtClean="0">
+                          <a:latin typeface="Courier New" pitchFamily="49" charset="0"/>
+                          <a:cs typeface="Courier New" pitchFamily="49" charset="0"/>
+                        </a:rPr>
+                        <a:t>-script</a:t>
+                      </a:r>
+                      <a:endParaRPr lang="en-US" dirty="0">
+                        <a:latin typeface="Courier New" pitchFamily="49" charset="0"/>
+                        <a:cs typeface="Courier New" pitchFamily="49" charset="0"/>
+                      </a:endParaRPr>
+                    </a:p>
+                  </a:txBody>
+                  <a:tcPr/>
+                </a:tc>
+                <a:tc>
+                  <a:txBody>
+                    <a:bodyPr/>
+                    <a:lstStyle/>
+                    <a:p>
+                      <a:r>
+                        <a:rPr lang="en-US" dirty="0" smtClean="0"/>
+                        <a:t>List of script source and</a:t>
+                      </a:r>
+                      <a:r>
+                        <a:rPr lang="en-US" baseline="0" dirty="0" smtClean="0"/>
+                        <a:t> script arguments, converted into </a:t>
+                      </a:r>
+                      <a:r>
+                        <a:rPr lang="en-US" baseline="0" dirty="0" smtClean="0">
+                          <a:latin typeface="Courier New" pitchFamily="49" charset="0"/>
+                          <a:cs typeface="Courier New" pitchFamily="49" charset="0"/>
+                        </a:rPr>
+                        <a:t>&lt;script&gt; </a:t>
+                      </a:r>
+                      <a:r>
+                        <a:rPr lang="en-US" baseline="0" dirty="0" smtClean="0"/>
+                        <a:t>statements and placed in the header </a:t>
+                      </a:r>
+                      <a:endParaRPr lang="en-US" dirty="0"/>
+                    </a:p>
+                  </a:txBody>
+                  <a:tcPr/>
+                </a:tc>
+              </a:tr>
+              <a:tr h="370840">
+                <a:tc>
+                  <a:txBody>
+                    <a:bodyPr/>
+                    <a:lstStyle/>
+                    <a:p>
+                      <a:r>
+                        <a:rPr lang="en-US" dirty="0" smtClean="0">
+                          <a:latin typeface="Courier New" pitchFamily="49" charset="0"/>
+                          <a:cs typeface="Courier New" pitchFamily="49" charset="0"/>
+                        </a:rPr>
+                        <a:t>-style</a:t>
+                      </a:r>
+                      <a:endParaRPr lang="en-US" dirty="0">
+                        <a:latin typeface="Courier New" pitchFamily="49" charset="0"/>
+                        <a:cs typeface="Courier New" pitchFamily="49" charset="0"/>
+                      </a:endParaRPr>
+                    </a:p>
+                  </a:txBody>
+                  <a:tcPr/>
+                </a:tc>
+                <a:tc>
+                  <a:txBody>
+                    <a:bodyPr/>
+                    <a:lstStyle/>
+                    <a:p>
+                      <a:r>
+                        <a:rPr lang="en-US" dirty="0" smtClean="0"/>
+                        <a:t>List of style source</a:t>
+                      </a:r>
+                      <a:r>
+                        <a:rPr lang="en-US" baseline="0" dirty="0" smtClean="0"/>
+                        <a:t> and style arguments, converted into </a:t>
+                      </a:r>
+                      <a:r>
+                        <a:rPr lang="en-US" baseline="0" dirty="0" smtClean="0">
+                          <a:latin typeface="Courier New" pitchFamily="49" charset="0"/>
+                          <a:cs typeface="Courier New" pitchFamily="49" charset="0"/>
+                        </a:rPr>
+                        <a:t>&lt;</a:t>
+                      </a:r>
+                      <a:r>
+                        <a:rPr lang="en-US" baseline="0" dirty="0" err="1" smtClean="0">
+                          <a:latin typeface="Courier New" pitchFamily="49" charset="0"/>
+                          <a:cs typeface="Courier New" pitchFamily="49" charset="0"/>
+                        </a:rPr>
+                        <a:t>stylesheet</a:t>
+                      </a:r>
+                      <a:r>
+                        <a:rPr lang="en-US" baseline="0" dirty="0" smtClean="0">
+                          <a:latin typeface="Courier New" pitchFamily="49" charset="0"/>
+                          <a:cs typeface="Courier New" pitchFamily="49" charset="0"/>
+                        </a:rPr>
+                        <a:t>&gt; </a:t>
+                      </a:r>
+                      <a:r>
+                        <a:rPr lang="en-US" baseline="0" dirty="0" smtClean="0"/>
+                        <a:t>statements and placed in the header</a:t>
+                      </a:r>
+                      <a:endParaRPr lang="en-US" dirty="0"/>
+                    </a:p>
+                  </a:txBody>
+                  <a:tcPr/>
+                </a:tc>
+              </a:tr>
+              <a:tr h="370840">
+                <a:tc>
+                  <a:txBody>
+                    <a:bodyPr/>
+                    <a:lstStyle/>
+                    <a:p>
+                      <a:r>
+                        <a:rPr lang="en-US" dirty="0" smtClean="0">
+                          <a:latin typeface="Courier New" pitchFamily="49" charset="0"/>
+                          <a:cs typeface="Courier New" pitchFamily="49" charset="0"/>
+                        </a:rPr>
+                        <a:t>-preload</a:t>
+                      </a:r>
+                      <a:endParaRPr lang="en-US" dirty="0">
+                        <a:latin typeface="Courier New" pitchFamily="49" charset="0"/>
+                        <a:cs typeface="Courier New" pitchFamily="49" charset="0"/>
+                      </a:endParaRPr>
+                    </a:p>
+                  </a:txBody>
+                  <a:tcPr/>
+                </a:tc>
+                <a:tc>
+                  <a:txBody>
+                    <a:bodyPr/>
+                    <a:lstStyle/>
+                    <a:p>
+                      <a:r>
+                        <a:rPr lang="en-US" dirty="0" smtClean="0"/>
+                        <a:t>List of HTML </a:t>
+                      </a:r>
+                      <a:r>
+                        <a:rPr lang="en-US" dirty="0" smtClean="0">
+                          <a:latin typeface="Courier New" pitchFamily="49" charset="0"/>
+                          <a:cs typeface="Courier New" pitchFamily="49" charset="0"/>
+                        </a:rPr>
+                        <a:t>&lt;script&gt; </a:t>
+                      </a:r>
+                      <a:r>
+                        <a:rPr lang="en-US" dirty="0" smtClean="0"/>
+                        <a:t>statement to be put in header</a:t>
+                      </a:r>
+                      <a:endParaRPr lang="en-US" dirty="0"/>
+                    </a:p>
+                  </a:txBody>
+                  <a:tcPr/>
+                </a:tc>
+              </a:tr>
+              <a:tr h="370840">
+                <a:tc>
+                  <a:txBody>
+                    <a:bodyPr/>
+                    <a:lstStyle/>
+                    <a:p>
+                      <a:r>
+                        <a:rPr lang="en-US" dirty="0" smtClean="0">
+                          <a:latin typeface="Courier New" pitchFamily="49" charset="0"/>
+                          <a:cs typeface="Courier New" pitchFamily="49" charset="0"/>
+                        </a:rPr>
+                        <a:t>-postscript</a:t>
+                      </a:r>
+                      <a:endParaRPr lang="en-US" dirty="0">
+                        <a:latin typeface="Courier New" pitchFamily="49" charset="0"/>
+                        <a:cs typeface="Courier New" pitchFamily="49" charset="0"/>
+                      </a:endParaRPr>
+                    </a:p>
+                  </a:txBody>
+                  <a:tcPr/>
+                </a:tc>
+                <a:tc>
+                  <a:txBody>
+                    <a:bodyPr/>
+                    <a:lstStyle/>
+                    <a:p>
+                      <a:pPr marL="0" marR="0" indent="0" algn="l" defTabSz="914400" rtl="0" eaLnBrk="1" fontAlgn="auto" latinLnBrk="0" hangingPunct="1">
+                        <a:lnSpc>
+                          <a:spcPct val="100000"/>
+                        </a:lnSpc>
+                        <a:spcBef>
+                          <a:spcPts val="0"/>
+                        </a:spcBef>
+                        <a:spcAft>
+                          <a:spcPts val="0"/>
+                        </a:spcAft>
+                        <a:buClrTx/>
+                        <a:buSzTx/>
+                        <a:buFontTx/>
+                        <a:buNone/>
+                        <a:tabLst/>
+                        <a:defRPr/>
+                      </a:pPr>
+                      <a:r>
+                        <a:rPr lang="en-US" dirty="0" smtClean="0"/>
+                        <a:t>List of script source and</a:t>
+                      </a:r>
+                      <a:r>
+                        <a:rPr lang="en-US" baseline="0" dirty="0" smtClean="0"/>
+                        <a:t> script arguments, converted into </a:t>
+                      </a:r>
+                      <a:r>
+                        <a:rPr lang="en-US" baseline="0" dirty="0" smtClean="0">
+                          <a:latin typeface="Courier New" pitchFamily="49" charset="0"/>
+                          <a:cs typeface="Courier New" pitchFamily="49" charset="0"/>
+                        </a:rPr>
+                        <a:t>&lt;script&gt; </a:t>
+                      </a:r>
+                      <a:r>
+                        <a:rPr lang="en-US" baseline="0" dirty="0" smtClean="0"/>
+                        <a:t>statements and placed at end of body</a:t>
+                      </a:r>
+                      <a:endParaRPr lang="en-US" dirty="0" smtClean="0"/>
+                    </a:p>
+                  </a:txBody>
+                  <a:tcPr/>
+                </a:tc>
+              </a:tr>
+              <a:tr h="370840">
+                <a:tc>
+                  <a:txBody>
+                    <a:bodyPr/>
+                    <a:lstStyle/>
+                    <a:p>
+                      <a:r>
+                        <a:rPr lang="en-US" dirty="0" smtClean="0">
+                          <a:latin typeface="Courier New" pitchFamily="49" charset="0"/>
+                          <a:cs typeface="Courier New" pitchFamily="49" charset="0"/>
+                        </a:rPr>
+                        <a:t>-</a:t>
+                      </a:r>
+                      <a:r>
+                        <a:rPr lang="en-US" dirty="0" err="1" smtClean="0">
+                          <a:latin typeface="Courier New" pitchFamily="49" charset="0"/>
+                          <a:cs typeface="Courier New" pitchFamily="49" charset="0"/>
+                        </a:rPr>
+                        <a:t>postload</a:t>
+                      </a:r>
+                      <a:endParaRPr lang="en-US" dirty="0">
+                        <a:latin typeface="Courier New" pitchFamily="49" charset="0"/>
+                        <a:cs typeface="Courier New" pitchFamily="49" charset="0"/>
+                      </a:endParaRPr>
+                    </a:p>
+                  </a:txBody>
+                  <a:tcPr/>
+                </a:tc>
+                <a:tc>
+                  <a:txBody>
+                    <a:bodyPr/>
+                    <a:lstStyle/>
+                    <a:p>
+                      <a:pPr marL="0" marR="0" indent="0" algn="l" defTabSz="914400" rtl="0" eaLnBrk="1" fontAlgn="auto" latinLnBrk="0" hangingPunct="1">
+                        <a:lnSpc>
+                          <a:spcPct val="100000"/>
+                        </a:lnSpc>
+                        <a:spcBef>
+                          <a:spcPts val="0"/>
+                        </a:spcBef>
+                        <a:spcAft>
+                          <a:spcPts val="0"/>
+                        </a:spcAft>
+                        <a:buClrTx/>
+                        <a:buSzTx/>
+                        <a:buFontTx/>
+                        <a:buNone/>
+                        <a:tabLst/>
+                        <a:defRPr/>
+                      </a:pPr>
+                      <a:r>
+                        <a:rPr lang="en-US" dirty="0" smtClean="0"/>
+                        <a:t>List of HTML </a:t>
+                      </a:r>
+                      <a:r>
+                        <a:rPr lang="en-US" dirty="0" smtClean="0">
+                          <a:latin typeface="Courier New" pitchFamily="49" charset="0"/>
+                          <a:cs typeface="Courier New" pitchFamily="49" charset="0"/>
+                        </a:rPr>
+                        <a:t>&lt;script&gt; </a:t>
+                      </a:r>
+                      <a:r>
+                        <a:rPr lang="en-US" dirty="0" smtClean="0"/>
+                        <a:t>statement to be put at</a:t>
+                      </a:r>
+                      <a:r>
+                        <a:rPr lang="en-US" baseline="0" dirty="0" smtClean="0"/>
+                        <a:t> end of body</a:t>
+                      </a:r>
+                      <a:endParaRPr lang="en-US" dirty="0" smtClean="0"/>
+                    </a:p>
+                  </a:txBody>
+                  <a:tcPr/>
+                </a:tc>
+              </a:tr>
+            </a:tbl>
+          </a:graphicData>
+        </a:graphic>
+      </p:graphicFrame>
     </p:spTree>
   </p:cSld>
   <p:clrMapOvr>
     <a:masterClrMapping/>
   </p:clrMapOvr>
+  <p:timing>
+    <p:tnLst>
+      <p:par>
+        <p:cTn id="1" dur="indefinite" restart="never" nodeType="tmRoot"/>
+      </p:par>
+    </p:tnLst>
+  </p:timing>
 </p:sld>
 </file>
 
@@ -14865,508 +15020,391 @@
         </p:nvSpPr>
         <p:spPr/>
         <p:txBody>
+          <a:bodyPr/>
+          <a:lstStyle/>
+          <a:p>
+            <a:r>
+              <a:rPr lang="en-US" dirty="0" smtClean="0"/>
+              <a:t>Example 4: custom conversions</a:t>
+            </a:r>
+            <a:endParaRPr lang="en-US" dirty="0"/>
+          </a:p>
+        </p:txBody>
+      </p:sp>
+      <p:sp>
+        <p:nvSpPr>
+          <p:cNvPr id="3" name="Content Placeholder 2"/>
+          <p:cNvSpPr>
+            <a:spLocks noGrp="1"/>
+          </p:cNvSpPr>
+          <p:nvPr>
+            <p:ph idx="1"/>
+          </p:nvPr>
+        </p:nvSpPr>
+        <p:spPr/>
+        <p:txBody>
           <a:bodyPr>
-            <a:normAutofit fontScale="90000"/>
+            <a:normAutofit fontScale="85000" lnSpcReduction="10000"/>
           </a:bodyPr>
           <a:lstStyle/>
           <a:p>
             <a:r>
               <a:rPr lang="en-US" dirty="0" smtClean="0"/>
-              <a:t>Example 4: Content type x-text/html-fragment</a:t>
-            </a:r>
+              <a:t>Add proc in </a:t>
+            </a:r>
+            <a:r>
+              <a:rPr lang="en-US" dirty="0" smtClean="0">
+                <a:latin typeface="Courier New" pitchFamily="49" charset="0"/>
+                <a:cs typeface="Courier New" pitchFamily="49" charset="0"/>
+              </a:rPr>
+              <a:t>conversions</a:t>
+            </a:r>
+            <a:r>
+              <a:rPr lang="en-US" dirty="0" smtClean="0"/>
+              <a:t> namespace</a:t>
+            </a:r>
+          </a:p>
+          <a:p>
+            <a:r>
+              <a:rPr lang="en-US" dirty="0" smtClean="0"/>
+              <a:t>Name contains content type from which conversion starts and content type it generates: .&lt;from&gt;.&lt;to&gt;</a:t>
+            </a:r>
+          </a:p>
+          <a:p>
+            <a:pPr>
+              <a:buNone/>
+            </a:pPr>
+            <a:endParaRPr lang="en-US" dirty="0" smtClean="0"/>
+          </a:p>
+          <a:p>
+            <a:pPr>
+              <a:buNone/>
+            </a:pPr>
+            <a:r>
+              <a:rPr lang="en-US" sz="1500" dirty="0" smtClean="0">
+                <a:latin typeface="Courier New" pitchFamily="49" charset="0"/>
+                <a:cs typeface="Courier New" pitchFamily="49" charset="0"/>
+              </a:rPr>
+              <a:t>namespace </a:t>
+            </a:r>
+            <a:r>
+              <a:rPr lang="en-US" sz="1500" dirty="0" err="1" smtClean="0">
+                <a:latin typeface="Courier New" pitchFamily="49" charset="0"/>
+                <a:cs typeface="Courier New" pitchFamily="49" charset="0"/>
+              </a:rPr>
+              <a:t>eval</a:t>
+            </a:r>
+            <a:r>
+              <a:rPr lang="en-US" sz="1500" dirty="0" smtClean="0">
+                <a:latin typeface="Courier New" pitchFamily="49" charset="0"/>
+                <a:cs typeface="Courier New" pitchFamily="49" charset="0"/>
+              </a:rPr>
+              <a:t> ::conversions {</a:t>
+            </a:r>
+          </a:p>
+          <a:p>
+            <a:pPr>
+              <a:buNone/>
+            </a:pPr>
+            <a:r>
+              <a:rPr lang="en-US" sz="1500" dirty="0" smtClean="0">
+                <a:latin typeface="Courier New" pitchFamily="49" charset="0"/>
+                <a:cs typeface="Courier New" pitchFamily="49" charset="0"/>
+              </a:rPr>
+              <a:t>  proc .x-</a:t>
+            </a:r>
+            <a:r>
+              <a:rPr lang="en-US" sz="1500" dirty="0" err="1" smtClean="0">
+                <a:latin typeface="Courier New" pitchFamily="49" charset="0"/>
+                <a:cs typeface="Courier New" pitchFamily="49" charset="0"/>
+              </a:rPr>
+              <a:t>unarmoured</a:t>
+            </a:r>
+            <a:r>
+              <a:rPr lang="en-US" sz="1500" dirty="0" smtClean="0">
+                <a:latin typeface="Courier New" pitchFamily="49" charset="0"/>
+                <a:cs typeface="Courier New" pitchFamily="49" charset="0"/>
+              </a:rPr>
+              <a:t>-text/html-</a:t>
+            </a:r>
+            <a:r>
+              <a:rPr lang="en-US" sz="1500" dirty="0" err="1" smtClean="0">
+                <a:latin typeface="Courier New" pitchFamily="49" charset="0"/>
+                <a:cs typeface="Courier New" pitchFamily="49" charset="0"/>
+              </a:rPr>
+              <a:t>fragment.x</a:t>
+            </a:r>
+            <a:r>
+              <a:rPr lang="en-US" sz="1500" dirty="0" smtClean="0">
+                <a:latin typeface="Courier New" pitchFamily="49" charset="0"/>
+                <a:cs typeface="Courier New" pitchFamily="49" charset="0"/>
+              </a:rPr>
+              <a:t>-text/html-fragment { </a:t>
+            </a:r>
+            <a:r>
+              <a:rPr lang="en-US" sz="1500" dirty="0" err="1" smtClean="0">
+                <a:latin typeface="Courier New" pitchFamily="49" charset="0"/>
+                <a:cs typeface="Courier New" pitchFamily="49" charset="0"/>
+              </a:rPr>
+              <a:t>rsp</a:t>
+            </a:r>
+            <a:r>
+              <a:rPr lang="en-US" sz="1500" dirty="0" smtClean="0">
+                <a:latin typeface="Courier New" pitchFamily="49" charset="0"/>
+                <a:cs typeface="Courier New" pitchFamily="49" charset="0"/>
+              </a:rPr>
+              <a:t> } { </a:t>
+            </a:r>
+          </a:p>
+          <a:p>
+            <a:pPr>
+              <a:buNone/>
+            </a:pPr>
+            <a:r>
+              <a:rPr lang="en-US" sz="1500" dirty="0" smtClean="0">
+                <a:latin typeface="Courier New" pitchFamily="49" charset="0"/>
+                <a:cs typeface="Courier New" pitchFamily="49" charset="0"/>
+              </a:rPr>
+              <a:t>    set </a:t>
+            </a:r>
+            <a:r>
+              <a:rPr lang="en-US" sz="1500" dirty="0" err="1" smtClean="0">
+                <a:latin typeface="Courier New" pitchFamily="49" charset="0"/>
+                <a:cs typeface="Courier New" pitchFamily="49" charset="0"/>
+              </a:rPr>
+              <a:t>rspcontent</a:t>
+            </a:r>
+            <a:r>
+              <a:rPr lang="en-US" sz="1500" dirty="0" smtClean="0">
+                <a:latin typeface="Courier New" pitchFamily="49" charset="0"/>
+                <a:cs typeface="Courier New" pitchFamily="49" charset="0"/>
+              </a:rPr>
+              <a:t> [</a:t>
+            </a:r>
+            <a:r>
+              <a:rPr lang="en-US" sz="1500" dirty="0" err="1" smtClean="0">
+                <a:latin typeface="Courier New" pitchFamily="49" charset="0"/>
+                <a:cs typeface="Courier New" pitchFamily="49" charset="0"/>
+              </a:rPr>
+              <a:t>dict</a:t>
+            </a:r>
+            <a:r>
+              <a:rPr lang="en-US" sz="1500" dirty="0" smtClean="0">
+                <a:latin typeface="Courier New" pitchFamily="49" charset="0"/>
+                <a:cs typeface="Courier New" pitchFamily="49" charset="0"/>
+              </a:rPr>
+              <a:t> get $</a:t>
+            </a:r>
+            <a:r>
+              <a:rPr lang="en-US" sz="1500" dirty="0" err="1" smtClean="0">
+                <a:latin typeface="Courier New" pitchFamily="49" charset="0"/>
+                <a:cs typeface="Courier New" pitchFamily="49" charset="0"/>
+              </a:rPr>
+              <a:t>rsp</a:t>
+            </a:r>
+            <a:r>
+              <a:rPr lang="en-US" sz="1500" dirty="0" smtClean="0">
+                <a:latin typeface="Courier New" pitchFamily="49" charset="0"/>
+                <a:cs typeface="Courier New" pitchFamily="49" charset="0"/>
+              </a:rPr>
+              <a:t> -content]</a:t>
+            </a:r>
+          </a:p>
+          <a:p>
+            <a:pPr>
+              <a:buNone/>
+            </a:pPr>
+            <a:r>
+              <a:rPr lang="en-US" sz="1500" dirty="0" smtClean="0">
+                <a:latin typeface="Courier New" pitchFamily="49" charset="0"/>
+                <a:cs typeface="Courier New" pitchFamily="49" charset="0"/>
+              </a:rPr>
+              <a:t>    if {[string match "&lt;!DOCTYPE*" $</a:t>
+            </a:r>
+            <a:r>
+              <a:rPr lang="en-US" sz="1500" dirty="0" err="1" smtClean="0">
+                <a:latin typeface="Courier New" pitchFamily="49" charset="0"/>
+                <a:cs typeface="Courier New" pitchFamily="49" charset="0"/>
+              </a:rPr>
+              <a:t>rspcontent</a:t>
+            </a:r>
+            <a:r>
+              <a:rPr lang="en-US" sz="1500" dirty="0" smtClean="0">
+                <a:latin typeface="Courier New" pitchFamily="49" charset="0"/>
+                <a:cs typeface="Courier New" pitchFamily="49" charset="0"/>
+              </a:rPr>
+              <a:t>]} {</a:t>
+            </a:r>
+          </a:p>
+          <a:p>
+            <a:pPr>
+              <a:buNone/>
+            </a:pPr>
+            <a:r>
+              <a:rPr lang="en-US" sz="1500" dirty="0" smtClean="0">
+                <a:latin typeface="Courier New" pitchFamily="49" charset="0"/>
+                <a:cs typeface="Courier New" pitchFamily="49" charset="0"/>
+              </a:rPr>
+              <a:t>      # the content is already fully HTML</a:t>
+            </a:r>
+          </a:p>
+          <a:p>
+            <a:pPr>
+              <a:buNone/>
+            </a:pPr>
+            <a:r>
+              <a:rPr lang="en-US" sz="1500" dirty="0" smtClean="0">
+                <a:latin typeface="Courier New" pitchFamily="49" charset="0"/>
+                <a:cs typeface="Courier New" pitchFamily="49" charset="0"/>
+              </a:rPr>
+              <a:t>      set content $</a:t>
+            </a:r>
+            <a:r>
+              <a:rPr lang="en-US" sz="1500" dirty="0" err="1" smtClean="0">
+                <a:latin typeface="Courier New" pitchFamily="49" charset="0"/>
+                <a:cs typeface="Courier New" pitchFamily="49" charset="0"/>
+              </a:rPr>
+              <a:t>rspcontent</a:t>
+            </a:r>
+            <a:endParaRPr lang="en-US" sz="1500" dirty="0" smtClean="0">
+              <a:latin typeface="Courier New" pitchFamily="49" charset="0"/>
+              <a:cs typeface="Courier New" pitchFamily="49" charset="0"/>
+            </a:endParaRPr>
+          </a:p>
+          <a:p>
+            <a:pPr>
+              <a:buNone/>
+            </a:pPr>
+            <a:r>
+              <a:rPr lang="en-US" sz="1500" dirty="0" smtClean="0">
+                <a:latin typeface="Courier New" pitchFamily="49" charset="0"/>
+                <a:cs typeface="Courier New" pitchFamily="49" charset="0"/>
+              </a:rPr>
+              <a:t>    } else {</a:t>
+            </a:r>
+          </a:p>
+          <a:p>
+            <a:pPr>
+              <a:buNone/>
+            </a:pPr>
+            <a:r>
+              <a:rPr lang="en-US" sz="1500" dirty="0" smtClean="0">
+                <a:latin typeface="Courier New" pitchFamily="49" charset="0"/>
+                <a:cs typeface="Courier New" pitchFamily="49" charset="0"/>
+              </a:rPr>
+              <a:t>      set content [</a:t>
+            </a:r>
+            <a:r>
+              <a:rPr lang="en-US" sz="1500" dirty="0" err="1" smtClean="0">
+                <a:latin typeface="Courier New" pitchFamily="49" charset="0"/>
+                <a:cs typeface="Courier New" pitchFamily="49" charset="0"/>
+              </a:rPr>
+              <a:t>armour</a:t>
+            </a:r>
+            <a:r>
+              <a:rPr lang="en-US" sz="1500" dirty="0" smtClean="0">
+                <a:latin typeface="Courier New" pitchFamily="49" charset="0"/>
+                <a:cs typeface="Courier New" pitchFamily="49" charset="0"/>
+              </a:rPr>
+              <a:t> $</a:t>
+            </a:r>
+            <a:r>
+              <a:rPr lang="en-US" sz="1500" dirty="0" err="1" smtClean="0">
+                <a:latin typeface="Courier New" pitchFamily="49" charset="0"/>
+                <a:cs typeface="Courier New" pitchFamily="49" charset="0"/>
+              </a:rPr>
+              <a:t>rspcontent</a:t>
+            </a:r>
+            <a:r>
+              <a:rPr lang="en-US" sz="1500" dirty="0" smtClean="0">
+                <a:latin typeface="Courier New" pitchFamily="49" charset="0"/>
+                <a:cs typeface="Courier New" pitchFamily="49" charset="0"/>
+              </a:rPr>
+              <a:t>]</a:t>
+            </a:r>
+          </a:p>
+          <a:p>
+            <a:pPr>
+              <a:buNone/>
+            </a:pPr>
+            <a:r>
+              <a:rPr lang="en-US" sz="1500" dirty="0" smtClean="0">
+                <a:latin typeface="Courier New" pitchFamily="49" charset="0"/>
+                <a:cs typeface="Courier New" pitchFamily="49" charset="0"/>
+              </a:rPr>
+              <a:t>    }	</a:t>
+            </a:r>
+          </a:p>
+          <a:p>
+            <a:pPr>
+              <a:buNone/>
+            </a:pPr>
+            <a:r>
+              <a:rPr lang="en-US" sz="1500" dirty="0" smtClean="0">
+                <a:latin typeface="Courier New" pitchFamily="49" charset="0"/>
+                <a:cs typeface="Courier New" pitchFamily="49" charset="0"/>
+              </a:rPr>
+              <a:t>    return [Http Ok $</a:t>
+            </a:r>
+            <a:r>
+              <a:rPr lang="en-US" sz="1500" dirty="0" err="1" smtClean="0">
+                <a:latin typeface="Courier New" pitchFamily="49" charset="0"/>
+                <a:cs typeface="Courier New" pitchFamily="49" charset="0"/>
+              </a:rPr>
+              <a:t>rsp</a:t>
+            </a:r>
+            <a:r>
+              <a:rPr lang="en-US" sz="1500" dirty="0" smtClean="0">
+                <a:latin typeface="Courier New" pitchFamily="49" charset="0"/>
+                <a:cs typeface="Courier New" pitchFamily="49" charset="0"/>
+              </a:rPr>
+              <a:t> $content x-text/html-fragment]	</a:t>
+            </a:r>
+          </a:p>
+          <a:p>
+            <a:pPr>
+              <a:buNone/>
+            </a:pPr>
+            <a:r>
+              <a:rPr lang="en-US" sz="1500" dirty="0" smtClean="0">
+                <a:latin typeface="Courier New" pitchFamily="49" charset="0"/>
+                <a:cs typeface="Courier New" pitchFamily="49" charset="0"/>
+              </a:rPr>
+              <a:t>  }</a:t>
+            </a:r>
+          </a:p>
+          <a:p>
+            <a:pPr>
+              <a:buNone/>
+            </a:pPr>
+            <a:r>
+              <a:rPr lang="en-US" sz="1500" dirty="0" smtClean="0">
+                <a:latin typeface="Courier New" pitchFamily="49" charset="0"/>
+                <a:cs typeface="Courier New" pitchFamily="49" charset="0"/>
+              </a:rPr>
+              <a:t>}</a:t>
+            </a:r>
+          </a:p>
+          <a:p>
+            <a:pPr>
+              <a:buNone/>
+            </a:pPr>
             <a:endParaRPr lang="en-US" dirty="0"/>
           </a:p>
         </p:txBody>
       </p:sp>
-      <p:graphicFrame>
-        <p:nvGraphicFramePr>
-          <p:cNvPr id="4" name="Content Placeholder 3"/>
-          <p:cNvGraphicFramePr>
-            <a:graphicFrameLocks noGrp="1"/>
-          </p:cNvGraphicFramePr>
-          <p:nvPr>
-            <p:ph idx="1"/>
-          </p:nvPr>
-        </p:nvGraphicFramePr>
-        <p:xfrm>
-          <a:off x="457200" y="1600200"/>
-          <a:ext cx="8229600" cy="4145280"/>
-        </p:xfrm>
-        <a:graphic>
-          <a:graphicData uri="http://schemas.openxmlformats.org/drawingml/2006/table">
-            <a:tbl>
-              <a:tblPr firstRow="1" bandRow="1">
-                <a:tableStyleId>{5C22544A-7EE6-4342-B048-85BDC9FD1C3A}</a:tableStyleId>
-              </a:tblPr>
-              <a:tblGrid>
-                <a:gridCol w="1905000"/>
-                <a:gridCol w="6324600"/>
-              </a:tblGrid>
-              <a:tr h="370840">
-                <a:tc>
-                  <a:txBody>
-                    <a:bodyPr/>
-                    <a:lstStyle/>
-                    <a:p>
-                      <a:r>
-                        <a:rPr lang="en-US" dirty="0" smtClean="0"/>
-                        <a:t>Response</a:t>
-                      </a:r>
-                      <a:r>
-                        <a:rPr lang="en-US" baseline="0" dirty="0" smtClean="0"/>
-                        <a:t> </a:t>
-                      </a:r>
-                      <a:r>
-                        <a:rPr lang="en-US" baseline="0" dirty="0" err="1" smtClean="0"/>
-                        <a:t>dict</a:t>
-                      </a:r>
-                      <a:r>
-                        <a:rPr lang="en-US" baseline="0" dirty="0" smtClean="0"/>
-                        <a:t> key</a:t>
-                      </a:r>
-                      <a:endParaRPr lang="en-US" dirty="0"/>
-                    </a:p>
-                  </a:txBody>
-                  <a:tcPr/>
-                </a:tc>
-                <a:tc>
-                  <a:txBody>
-                    <a:bodyPr/>
-                    <a:lstStyle/>
-                    <a:p>
-                      <a:r>
-                        <a:rPr lang="en-US" dirty="0" smtClean="0"/>
-                        <a:t>Description</a:t>
-                      </a:r>
-                      <a:endParaRPr lang="en-US" dirty="0"/>
-                    </a:p>
-                  </a:txBody>
-                  <a:tcPr/>
-                </a:tc>
-              </a:tr>
-              <a:tr h="370840">
-                <a:tc>
-                  <a:txBody>
-                    <a:bodyPr/>
-                    <a:lstStyle/>
-                    <a:p>
-                      <a:r>
-                        <a:rPr lang="en-US" dirty="0" smtClean="0">
-                          <a:latin typeface="Courier New" pitchFamily="49" charset="0"/>
-                          <a:cs typeface="Courier New" pitchFamily="49" charset="0"/>
-                        </a:rPr>
-                        <a:t>-content </a:t>
-                      </a:r>
-                      <a:endParaRPr lang="en-US" dirty="0">
-                        <a:latin typeface="Courier New" pitchFamily="49" charset="0"/>
-                        <a:cs typeface="Courier New" pitchFamily="49" charset="0"/>
-                      </a:endParaRPr>
-                    </a:p>
-                  </a:txBody>
-                  <a:tcPr/>
-                </a:tc>
-                <a:tc>
-                  <a:txBody>
-                    <a:bodyPr/>
-                    <a:lstStyle/>
-                    <a:p>
-                      <a:r>
-                        <a:rPr lang="en-US" dirty="0" smtClean="0"/>
-                        <a:t>Content to be sent to client</a:t>
-                      </a:r>
-                      <a:endParaRPr lang="en-US" dirty="0"/>
-                    </a:p>
-                  </a:txBody>
-                  <a:tcPr/>
-                </a:tc>
-              </a:tr>
-              <a:tr h="370840">
-                <a:tc>
-                  <a:txBody>
-                    <a:bodyPr/>
-                    <a:lstStyle/>
-                    <a:p>
-                      <a:r>
-                        <a:rPr lang="en-US" dirty="0" smtClean="0">
-                          <a:latin typeface="Courier New" pitchFamily="49" charset="0"/>
-                          <a:cs typeface="Courier New" pitchFamily="49" charset="0"/>
-                        </a:rPr>
-                        <a:t>-title</a:t>
-                      </a:r>
-                      <a:endParaRPr lang="en-US" dirty="0">
-                        <a:latin typeface="Courier New" pitchFamily="49" charset="0"/>
-                        <a:cs typeface="Courier New" pitchFamily="49" charset="0"/>
-                      </a:endParaRPr>
-                    </a:p>
-                  </a:txBody>
-                  <a:tcPr/>
-                </a:tc>
-                <a:tc>
-                  <a:txBody>
-                    <a:bodyPr/>
-                    <a:lstStyle/>
-                    <a:p>
-                      <a:r>
-                        <a:rPr lang="en-US" dirty="0" smtClean="0"/>
-                        <a:t>Title field in header</a:t>
-                      </a:r>
-                      <a:endParaRPr lang="en-US" dirty="0"/>
-                    </a:p>
-                  </a:txBody>
-                  <a:tcPr/>
-                </a:tc>
-              </a:tr>
-              <a:tr h="370840">
-                <a:tc>
-                  <a:txBody>
-                    <a:bodyPr/>
-                    <a:lstStyle/>
-                    <a:p>
-                      <a:r>
-                        <a:rPr lang="en-US" dirty="0" smtClean="0">
-                          <a:latin typeface="Courier New" pitchFamily="49" charset="0"/>
-                          <a:cs typeface="Courier New" pitchFamily="49" charset="0"/>
-                        </a:rPr>
-                        <a:t>-headers</a:t>
-                      </a:r>
-                      <a:endParaRPr lang="en-US" dirty="0">
-                        <a:latin typeface="Courier New" pitchFamily="49" charset="0"/>
-                        <a:cs typeface="Courier New" pitchFamily="49" charset="0"/>
-                      </a:endParaRPr>
-                    </a:p>
-                  </a:txBody>
-                  <a:tcPr/>
-                </a:tc>
-                <a:tc>
-                  <a:txBody>
-                    <a:bodyPr/>
-                    <a:lstStyle/>
-                    <a:p>
-                      <a:r>
-                        <a:rPr lang="en-US" dirty="0" smtClean="0"/>
-                        <a:t>List of HTML statements puts verbatim in header</a:t>
-                      </a:r>
-                      <a:endParaRPr lang="en-US" dirty="0"/>
-                    </a:p>
-                  </a:txBody>
-                  <a:tcPr/>
-                </a:tc>
-              </a:tr>
-              <a:tr h="370840">
-                <a:tc>
-                  <a:txBody>
-                    <a:bodyPr/>
-                    <a:lstStyle/>
-                    <a:p>
-                      <a:r>
-                        <a:rPr lang="en-US" dirty="0" smtClean="0">
-                          <a:latin typeface="Courier New" pitchFamily="49" charset="0"/>
-                          <a:cs typeface="Courier New" pitchFamily="49" charset="0"/>
-                        </a:rPr>
-                        <a:t>-script</a:t>
-                      </a:r>
-                      <a:endParaRPr lang="en-US" dirty="0">
-                        <a:latin typeface="Courier New" pitchFamily="49" charset="0"/>
-                        <a:cs typeface="Courier New" pitchFamily="49" charset="0"/>
-                      </a:endParaRPr>
-                    </a:p>
-                  </a:txBody>
-                  <a:tcPr/>
-                </a:tc>
-                <a:tc>
-                  <a:txBody>
-                    <a:bodyPr/>
-                    <a:lstStyle/>
-                    <a:p>
-                      <a:r>
-                        <a:rPr lang="en-US" dirty="0" smtClean="0"/>
-                        <a:t>List of script source and</a:t>
-                      </a:r>
-                      <a:r>
-                        <a:rPr lang="en-US" baseline="0" dirty="0" smtClean="0"/>
-                        <a:t> script arguments, converted into </a:t>
-                      </a:r>
-                      <a:r>
-                        <a:rPr lang="en-US" baseline="0" dirty="0" smtClean="0">
-                          <a:latin typeface="Courier New" pitchFamily="49" charset="0"/>
-                          <a:cs typeface="Courier New" pitchFamily="49" charset="0"/>
-                        </a:rPr>
-                        <a:t>&lt;script&gt; </a:t>
-                      </a:r>
-                      <a:r>
-                        <a:rPr lang="en-US" baseline="0" dirty="0" smtClean="0"/>
-                        <a:t>statements and placed in the header </a:t>
-                      </a:r>
-                      <a:endParaRPr lang="en-US" dirty="0"/>
-                    </a:p>
-                  </a:txBody>
-                  <a:tcPr/>
-                </a:tc>
-              </a:tr>
-              <a:tr h="370840">
-                <a:tc>
-                  <a:txBody>
-                    <a:bodyPr/>
-                    <a:lstStyle/>
-                    <a:p>
-                      <a:r>
-                        <a:rPr lang="en-US" dirty="0" smtClean="0">
-                          <a:latin typeface="Courier New" pitchFamily="49" charset="0"/>
-                          <a:cs typeface="Courier New" pitchFamily="49" charset="0"/>
-                        </a:rPr>
-                        <a:t>-style</a:t>
-                      </a:r>
-                      <a:endParaRPr lang="en-US" dirty="0">
-                        <a:latin typeface="Courier New" pitchFamily="49" charset="0"/>
-                        <a:cs typeface="Courier New" pitchFamily="49" charset="0"/>
-                      </a:endParaRPr>
-                    </a:p>
-                  </a:txBody>
-                  <a:tcPr/>
-                </a:tc>
-                <a:tc>
-                  <a:txBody>
-                    <a:bodyPr/>
-                    <a:lstStyle/>
-                    <a:p>
-                      <a:r>
-                        <a:rPr lang="en-US" dirty="0" smtClean="0"/>
-                        <a:t>List of style source</a:t>
-                      </a:r>
-                      <a:r>
-                        <a:rPr lang="en-US" baseline="0" dirty="0" smtClean="0"/>
-                        <a:t> and style arguments, converted into </a:t>
-                      </a:r>
-                      <a:r>
-                        <a:rPr lang="en-US" baseline="0" dirty="0" smtClean="0">
-                          <a:latin typeface="Courier New" pitchFamily="49" charset="0"/>
-                          <a:cs typeface="Courier New" pitchFamily="49" charset="0"/>
-                        </a:rPr>
-                        <a:t>&lt;</a:t>
-                      </a:r>
-                      <a:r>
-                        <a:rPr lang="en-US" baseline="0" dirty="0" err="1" smtClean="0">
-                          <a:latin typeface="Courier New" pitchFamily="49" charset="0"/>
-                          <a:cs typeface="Courier New" pitchFamily="49" charset="0"/>
-                        </a:rPr>
-                        <a:t>stylesheet</a:t>
-                      </a:r>
-                      <a:r>
-                        <a:rPr lang="en-US" baseline="0" dirty="0" smtClean="0">
-                          <a:latin typeface="Courier New" pitchFamily="49" charset="0"/>
-                          <a:cs typeface="Courier New" pitchFamily="49" charset="0"/>
-                        </a:rPr>
-                        <a:t>&gt; </a:t>
-                      </a:r>
-                      <a:r>
-                        <a:rPr lang="en-US" baseline="0" dirty="0" smtClean="0"/>
-                        <a:t>statements and placed in the header</a:t>
-                      </a:r>
-                      <a:endParaRPr lang="en-US" dirty="0"/>
-                    </a:p>
-                  </a:txBody>
-                  <a:tcPr/>
-                </a:tc>
-              </a:tr>
-              <a:tr h="370840">
-                <a:tc>
-                  <a:txBody>
-                    <a:bodyPr/>
-                    <a:lstStyle/>
-                    <a:p>
-                      <a:r>
-                        <a:rPr lang="en-US" dirty="0" smtClean="0">
-                          <a:latin typeface="Courier New" pitchFamily="49" charset="0"/>
-                          <a:cs typeface="Courier New" pitchFamily="49" charset="0"/>
-                        </a:rPr>
-                        <a:t>-preload</a:t>
-                      </a:r>
-                      <a:endParaRPr lang="en-US" dirty="0">
-                        <a:latin typeface="Courier New" pitchFamily="49" charset="0"/>
-                        <a:cs typeface="Courier New" pitchFamily="49" charset="0"/>
-                      </a:endParaRPr>
-                    </a:p>
-                  </a:txBody>
-                  <a:tcPr/>
-                </a:tc>
-                <a:tc>
-                  <a:txBody>
-                    <a:bodyPr/>
-                    <a:lstStyle/>
-                    <a:p>
-                      <a:r>
-                        <a:rPr lang="en-US" dirty="0" smtClean="0"/>
-                        <a:t>List of HTML </a:t>
-                      </a:r>
-                      <a:r>
-                        <a:rPr lang="en-US" dirty="0" smtClean="0">
-                          <a:latin typeface="Courier New" pitchFamily="49" charset="0"/>
-                          <a:cs typeface="Courier New" pitchFamily="49" charset="0"/>
-                        </a:rPr>
-                        <a:t>&lt;script&gt; </a:t>
-                      </a:r>
-                      <a:r>
-                        <a:rPr lang="en-US" dirty="0" smtClean="0"/>
-                        <a:t>statement to be put in header</a:t>
-                      </a:r>
-                      <a:endParaRPr lang="en-US" dirty="0"/>
-                    </a:p>
-                  </a:txBody>
-                  <a:tcPr/>
-                </a:tc>
-              </a:tr>
-              <a:tr h="370840">
-                <a:tc>
-                  <a:txBody>
-                    <a:bodyPr/>
-                    <a:lstStyle/>
-                    <a:p>
-                      <a:r>
-                        <a:rPr lang="en-US" dirty="0" smtClean="0">
-                          <a:latin typeface="Courier New" pitchFamily="49" charset="0"/>
-                          <a:cs typeface="Courier New" pitchFamily="49" charset="0"/>
-                        </a:rPr>
-                        <a:t>-postscript</a:t>
-                      </a:r>
-                      <a:endParaRPr lang="en-US" dirty="0">
-                        <a:latin typeface="Courier New" pitchFamily="49" charset="0"/>
-                        <a:cs typeface="Courier New" pitchFamily="49" charset="0"/>
-                      </a:endParaRPr>
-                    </a:p>
-                  </a:txBody>
-                  <a:tcPr/>
-                </a:tc>
-                <a:tc>
-                  <a:txBody>
-                    <a:bodyPr/>
-                    <a:lstStyle/>
-                    <a:p>
-                      <a:pPr marL="0" marR="0" indent="0" algn="l" defTabSz="914400" rtl="0" eaLnBrk="1" fontAlgn="auto" latinLnBrk="0" hangingPunct="1">
-                        <a:lnSpc>
-                          <a:spcPct val="100000"/>
-                        </a:lnSpc>
-                        <a:spcBef>
-                          <a:spcPts val="0"/>
-                        </a:spcBef>
-                        <a:spcAft>
-                          <a:spcPts val="0"/>
-                        </a:spcAft>
-                        <a:buClrTx/>
-                        <a:buSzTx/>
-                        <a:buFontTx/>
-                        <a:buNone/>
-                        <a:tabLst/>
-                        <a:defRPr/>
-                      </a:pPr>
-                      <a:r>
-                        <a:rPr lang="en-US" dirty="0" smtClean="0"/>
-                        <a:t>List of script source and</a:t>
-                      </a:r>
-                      <a:r>
-                        <a:rPr lang="en-US" baseline="0" dirty="0" smtClean="0"/>
-                        <a:t> script arguments, converted into </a:t>
-                      </a:r>
-                      <a:r>
-                        <a:rPr lang="en-US" baseline="0" dirty="0" smtClean="0">
-                          <a:latin typeface="Courier New" pitchFamily="49" charset="0"/>
-                          <a:cs typeface="Courier New" pitchFamily="49" charset="0"/>
-                        </a:rPr>
-                        <a:t>&lt;script&gt; </a:t>
-                      </a:r>
-                      <a:r>
-                        <a:rPr lang="en-US" baseline="0" dirty="0" smtClean="0"/>
-                        <a:t>statements and placed at end of body</a:t>
-                      </a:r>
-                      <a:endParaRPr lang="en-US" dirty="0" smtClean="0"/>
-                    </a:p>
-                  </a:txBody>
-                  <a:tcPr/>
-                </a:tc>
-              </a:tr>
-              <a:tr h="370840">
-                <a:tc>
-                  <a:txBody>
-                    <a:bodyPr/>
-                    <a:lstStyle/>
-                    <a:p>
-                      <a:r>
-                        <a:rPr lang="en-US" dirty="0" smtClean="0">
-                          <a:latin typeface="Courier New" pitchFamily="49" charset="0"/>
-                          <a:cs typeface="Courier New" pitchFamily="49" charset="0"/>
-                        </a:rPr>
-                        <a:t>-</a:t>
-                      </a:r>
-                      <a:r>
-                        <a:rPr lang="en-US" dirty="0" err="1" smtClean="0">
-                          <a:latin typeface="Courier New" pitchFamily="49" charset="0"/>
-                          <a:cs typeface="Courier New" pitchFamily="49" charset="0"/>
-                        </a:rPr>
-                        <a:t>postload</a:t>
-                      </a:r>
-                      <a:endParaRPr lang="en-US" dirty="0">
-                        <a:latin typeface="Courier New" pitchFamily="49" charset="0"/>
-                        <a:cs typeface="Courier New" pitchFamily="49" charset="0"/>
-                      </a:endParaRPr>
-                    </a:p>
-                  </a:txBody>
-                  <a:tcPr/>
-                </a:tc>
-                <a:tc>
-                  <a:txBody>
-                    <a:bodyPr/>
-                    <a:lstStyle/>
-                    <a:p>
-                      <a:pPr marL="0" marR="0" indent="0" algn="l" defTabSz="914400" rtl="0" eaLnBrk="1" fontAlgn="auto" latinLnBrk="0" hangingPunct="1">
-                        <a:lnSpc>
-                          <a:spcPct val="100000"/>
-                        </a:lnSpc>
-                        <a:spcBef>
-                          <a:spcPts val="0"/>
-                        </a:spcBef>
-                        <a:spcAft>
-                          <a:spcPts val="0"/>
-                        </a:spcAft>
-                        <a:buClrTx/>
-                        <a:buSzTx/>
-                        <a:buFontTx/>
-                        <a:buNone/>
-                        <a:tabLst/>
-                        <a:defRPr/>
-                      </a:pPr>
-                      <a:r>
-                        <a:rPr lang="en-US" dirty="0" smtClean="0"/>
-                        <a:t>List of HTML </a:t>
-                      </a:r>
-                      <a:r>
-                        <a:rPr lang="en-US" dirty="0" smtClean="0">
-                          <a:latin typeface="Courier New" pitchFamily="49" charset="0"/>
-                          <a:cs typeface="Courier New" pitchFamily="49" charset="0"/>
-                        </a:rPr>
-                        <a:t>&lt;script&gt; </a:t>
-                      </a:r>
-                      <a:r>
-                        <a:rPr lang="en-US" dirty="0" smtClean="0"/>
-                        <a:t>statement to be put at</a:t>
-                      </a:r>
-                      <a:r>
-                        <a:rPr lang="en-US" baseline="0" dirty="0" smtClean="0"/>
-                        <a:t> end of body</a:t>
-                      </a:r>
-                      <a:endParaRPr lang="en-US" dirty="0" smtClean="0"/>
-                    </a:p>
-                  </a:txBody>
-                  <a:tcPr/>
-                </a:tc>
-              </a:tr>
-            </a:tbl>
-          </a:graphicData>
-        </a:graphic>
-      </p:graphicFrame>
     </p:spTree>
   </p:cSld>
   <p:clrMapOvr>
     <a:masterClrMapping/>
   </p:clrMapOvr>
+  <p:timing>
+    <p:tnLst>
+      <p:par>
+        <p:cTn id="1" dur="indefinite" restart="never" nodeType="tmRoot"/>
+      </p:par>
+    </p:tnLst>
+  </p:timing>
 </p:sld>
 </file>
 
@@ -15499,6 +15537,13 @@
   <p:clrMapOvr>
     <a:masterClrMapping/>
   </p:clrMapOvr>
+  <p:timing>
+    <p:tnLst>
+      <p:par>
+        <p:cTn id="1" dur="indefinite" restart="never" nodeType="tmRoot"/>
+      </p:par>
+    </p:tnLst>
+  </p:timing>
 </p:sld>
 </file>
 
@@ -15586,14 +15631,22 @@
                 <a:latin typeface="Courier New" pitchFamily="49" charset="0"/>
                 <a:cs typeface="Courier New" pitchFamily="49" charset="0"/>
               </a:rPr>
-              <a:t>  &lt;command&gt; ?key value …? Contents</a:t>
+              <a:t>  &lt;command&gt; ?key value …? contents</a:t>
             </a:r>
             <a:endParaRPr lang="en-US" dirty="0" smtClean="0"/>
           </a:p>
           <a:p>
             <a:r>
               <a:rPr lang="en-US" dirty="0" smtClean="0"/>
-              <a:t>Is converted into:</a:t>
+              <a:t>Is converted </a:t>
+            </a:r>
+            <a:r>
+              <a:rPr lang="en-US" dirty="0" err="1" smtClean="0"/>
+              <a:t>intoHTML</a:t>
+            </a:r>
+            <a:r>
+              <a:rPr lang="en-US" dirty="0" smtClean="0"/>
+              <a:t> statement:</a:t>
             </a:r>
           </a:p>
           <a:p>
@@ -16125,7 +16178,7 @@
         <p:spPr/>
         <p:txBody>
           <a:bodyPr>
-            <a:normAutofit lnSpcReduction="10000"/>
+            <a:normAutofit fontScale="92500" lnSpcReduction="10000"/>
           </a:bodyPr>
           <a:lstStyle/>
           <a:p>
@@ -16167,7 +16220,21 @@
                 <a:latin typeface="Courier New" pitchFamily="49" charset="0"/>
                 <a:cs typeface="Courier New" pitchFamily="49" charset="0"/>
               </a:rPr>
-              <a:t>Http &lt;error-name&gt; &lt;response&gt; ?arguments?</a:t>
+              <a:t>Http &lt;error-name&gt; &lt;response </a:t>
+            </a:r>
+            <a:r>
+              <a:rPr lang="en-US" sz="2400" dirty="0" err="1" smtClean="0">
+                <a:latin typeface="Courier New" pitchFamily="49" charset="0"/>
+                <a:cs typeface="Courier New" pitchFamily="49" charset="0"/>
+              </a:rPr>
+              <a:t>dict</a:t>
+            </a:r>
+            <a:r>
+              <a:rPr lang="en-US" sz="2400" dirty="0" smtClean="0">
+                <a:latin typeface="Courier New" pitchFamily="49" charset="0"/>
+                <a:cs typeface="Courier New" pitchFamily="49" charset="0"/>
+              </a:rPr>
+              <a:t>&gt; ?arguments?</a:t>
             </a:r>
           </a:p>
           <a:p>
@@ -16273,28 +16340,41 @@
               <a:t> (400), </a:t>
             </a:r>
             <a:r>
+              <a:rPr lang="en-US" dirty="0" smtClean="0">
+                <a:latin typeface="Courier New" pitchFamily="49" charset="0"/>
+                <a:cs typeface="Courier New" pitchFamily="49" charset="0"/>
+              </a:rPr>
+              <a:t>Forbidden</a:t>
+            </a:r>
+            <a:r>
+              <a:rPr lang="en-US" dirty="0" smtClean="0"/>
+              <a:t> (403), </a:t>
+            </a:r>
+            <a:r>
               <a:rPr lang="en-US" dirty="0" err="1" smtClean="0">
                 <a:latin typeface="Courier New" pitchFamily="49" charset="0"/>
                 <a:cs typeface="Courier New" pitchFamily="49" charset="0"/>
               </a:rPr>
-              <a:t>ForBidden</a:t>
-            </a:r>
-            <a:r>
-              <a:rPr lang="en-US" dirty="0" smtClean="0"/>
-              <a:t> (403), </a:t>
-            </a:r>
+              <a:t>NotFound</a:t>
+            </a:r>
+            <a:r>
+              <a:rPr lang="en-US" dirty="0" smtClean="0"/>
+              <a:t> (404)</a:t>
+            </a:r>
+          </a:p>
+          <a:p>
+            <a:pPr lvl="1"/>
             <a:r>
               <a:rPr lang="en-US" dirty="0" err="1" smtClean="0">
                 <a:latin typeface="Courier New" pitchFamily="49" charset="0"/>
                 <a:cs typeface="Courier New" pitchFamily="49" charset="0"/>
               </a:rPr>
-              <a:t>NotFound</a:t>
-            </a:r>
-            <a:r>
-              <a:rPr lang="en-US" dirty="0" smtClean="0"/>
-              <a:t> (404)</a:t>
-            </a:r>
-            <a:endParaRPr lang="en-US" dirty="0"/>
+              <a:t>ServerError</a:t>
+            </a:r>
+            <a:endParaRPr lang="en-US" dirty="0" smtClean="0">
+              <a:latin typeface="Courier New" pitchFamily="49" charset="0"/>
+              <a:cs typeface="Courier New" pitchFamily="49" charset="0"/>
+            </a:endParaRPr>
           </a:p>
         </p:txBody>
       </p:sp>
@@ -16433,6 +16513,13 @@
   <p:clrMapOvr>
     <a:masterClrMapping/>
   </p:clrMapOvr>
+  <p:timing>
+    <p:tnLst>
+      <p:par>
+        <p:cTn id="1" dur="indefinite" restart="never" nodeType="tmRoot"/>
+      </p:par>
+    </p:tnLst>
+  </p:timing>
 </p:sld>
 </file>
 
@@ -16578,6 +16665,13 @@
   <p:clrMapOvr>
     <a:masterClrMapping/>
   </p:clrMapOvr>
+  <p:timing>
+    <p:tnLst>
+      <p:par>
+        <p:cTn id="1" dur="indefinite" restart="never" nodeType="tmRoot"/>
+      </p:par>
+    </p:tnLst>
+  </p:timing>
 </p:sld>
 </file>
 
@@ -16682,6 +16776,13 @@
   <p:clrMapOvr>
     <a:masterClrMapping/>
   </p:clrMapOvr>
+  <p:timing>
+    <p:tnLst>
+      <p:par>
+        <p:cTn id="1" dur="indefinite" restart="never" nodeType="tmRoot"/>
+      </p:par>
+    </p:tnLst>
+  </p:timing>
 </p:sld>
 </file>
 
@@ -17017,7 +17118,7 @@
           <a:p>
             <a:r>
               <a:rPr lang="en-US" dirty="0" smtClean="0"/>
-              <a:t>Requirements</a:t>
+              <a:t>Requirements?</a:t>
             </a:r>
             <a:endParaRPr lang="en-US" dirty="0"/>
           </a:p>
@@ -17265,7 +17366,7 @@
             </a:r>
             <a:r>
               <a:rPr lang="en-US" dirty="0" smtClean="0"/>
-              <a:t> but wrapping it into a File like domain.</a:t>
+              <a:t> by wrapping it into a File like domain.</a:t>
             </a:r>
           </a:p>
           <a:p>
@@ -17383,6 +17484,13 @@
   <p:clrMapOvr>
     <a:masterClrMapping/>
   </p:clrMapOvr>
+  <p:timing>
+    <p:tnLst>
+      <p:par>
+        <p:cTn id="1" dur="indefinite" restart="never" nodeType="tmRoot"/>
+      </p:par>
+    </p:tnLst>
+  </p:timing>
 </p:sld>
 </file>
 
@@ -17658,7 +17766,7 @@
           <p:nvPr/>
         </p:nvGraphicFramePr>
         <p:xfrm>
-          <a:off x="2743200" y="4663440"/>
+          <a:off x="2819400" y="4663440"/>
           <a:ext cx="6096000" cy="2194560"/>
         </p:xfrm>
         <a:graphic>
@@ -19190,6 +19298,13 @@
   <p:clrMapOvr>
     <a:masterClrMapping/>
   </p:clrMapOvr>
+  <p:timing>
+    <p:tnLst>
+      <p:par>
+        <p:cTn id="1" dur="indefinite" restart="never" nodeType="tmRoot"/>
+      </p:par>
+    </p:tnLst>
+  </p:timing>
 </p:sld>
 </file>
 
@@ -19686,6 +19801,13 @@
   <p:clrMapOvr>
     <a:masterClrMapping/>
   </p:clrMapOvr>
+  <p:timing>
+    <p:tnLst>
+      <p:par>
+        <p:cTn id="1" dur="indefinite" restart="never" nodeType="tmRoot"/>
+      </p:par>
+    </p:tnLst>
+  </p:timing>
 </p:sld>
 </file>
 
@@ -20233,10 +20355,184 @@
         </p:nvSpPr>
         <p:spPr/>
         <p:txBody>
-          <a:bodyPr/>
-          <a:lstStyle/>
-          <a:p>
-            <a:endParaRPr lang="en-US"/>
+          <a:bodyPr>
+            <a:normAutofit fontScale="85000" lnSpcReduction="10000"/>
+          </a:bodyPr>
+          <a:lstStyle/>
+          <a:p>
+            <a:r>
+              <a:rPr lang="en-US" dirty="0" smtClean="0"/>
+              <a:t>Suspend request until response is available:</a:t>
+            </a:r>
+          </a:p>
+          <a:p>
+            <a:pPr marL="914400" lvl="1" indent="-514350"/>
+            <a:r>
+              <a:rPr lang="en-US" dirty="0" smtClean="0"/>
+              <a:t>Save request and co-routine processing request</a:t>
+            </a:r>
+          </a:p>
+          <a:p>
+            <a:pPr marL="914400" lvl="1" indent="-514350">
+              <a:buNone/>
+            </a:pPr>
+            <a:r>
+              <a:rPr lang="en-US" dirty="0" smtClean="0">
+                <a:latin typeface="Courier New" pitchFamily="49" charset="0"/>
+                <a:cs typeface="Courier New" pitchFamily="49" charset="0"/>
+              </a:rPr>
+              <a:t>  </a:t>
+            </a:r>
+            <a:r>
+              <a:rPr lang="en-US" dirty="0" err="1" smtClean="0">
+                <a:latin typeface="Courier New" pitchFamily="49" charset="0"/>
+                <a:cs typeface="Courier New" pitchFamily="49" charset="0"/>
+              </a:rPr>
+              <a:t>lappend</a:t>
+            </a:r>
+            <a:r>
+              <a:rPr lang="en-US" dirty="0" smtClean="0">
+                <a:latin typeface="Courier New" pitchFamily="49" charset="0"/>
+                <a:cs typeface="Courier New" pitchFamily="49" charset="0"/>
+              </a:rPr>
+              <a:t> suspended $</a:t>
+            </a:r>
+            <a:r>
+              <a:rPr lang="en-US" dirty="0" err="1" smtClean="0">
+                <a:latin typeface="Courier New" pitchFamily="49" charset="0"/>
+                <a:cs typeface="Courier New" pitchFamily="49" charset="0"/>
+              </a:rPr>
+              <a:t>req</a:t>
+            </a:r>
+            <a:r>
+              <a:rPr lang="en-US" dirty="0" smtClean="0">
+                <a:latin typeface="Courier New" pitchFamily="49" charset="0"/>
+                <a:cs typeface="Courier New" pitchFamily="49" charset="0"/>
+              </a:rPr>
+              <a:t> [info </a:t>
+            </a:r>
+            <a:r>
+              <a:rPr lang="en-US" dirty="0" err="1" smtClean="0">
+                <a:latin typeface="Courier New" pitchFamily="49" charset="0"/>
+                <a:cs typeface="Courier New" pitchFamily="49" charset="0"/>
+              </a:rPr>
+              <a:t>coroutine</a:t>
+            </a:r>
+            <a:r>
+              <a:rPr lang="en-US" dirty="0" smtClean="0">
+                <a:latin typeface="Courier New" pitchFamily="49" charset="0"/>
+                <a:cs typeface="Courier New" pitchFamily="49" charset="0"/>
+              </a:rPr>
+              <a:t>]</a:t>
+            </a:r>
+          </a:p>
+          <a:p>
+            <a:pPr marL="914400" lvl="1" indent="-514350"/>
+            <a:r>
+              <a:rPr lang="en-US" dirty="0" smtClean="0"/>
+              <a:t>Use HTTP command to suspend request</a:t>
+            </a:r>
+          </a:p>
+          <a:p>
+            <a:pPr marL="914400" lvl="1" indent="-514350">
+              <a:buNone/>
+            </a:pPr>
+            <a:r>
+              <a:rPr lang="en-US" dirty="0" smtClean="0">
+                <a:latin typeface="Courier New" pitchFamily="49" charset="0"/>
+                <a:cs typeface="Courier New" pitchFamily="49" charset="0"/>
+              </a:rPr>
+              <a:t>  return [Http Suspend $</a:t>
+            </a:r>
+            <a:r>
+              <a:rPr lang="en-US" dirty="0" err="1" smtClean="0">
+                <a:latin typeface="Courier New" pitchFamily="49" charset="0"/>
+                <a:cs typeface="Courier New" pitchFamily="49" charset="0"/>
+              </a:rPr>
+              <a:t>req</a:t>
+            </a:r>
+            <a:r>
+              <a:rPr lang="en-US" dirty="0" smtClean="0">
+                <a:latin typeface="Courier New" pitchFamily="49" charset="0"/>
+                <a:cs typeface="Courier New" pitchFamily="49" charset="0"/>
+              </a:rPr>
+              <a:t>]</a:t>
+            </a:r>
+          </a:p>
+          <a:p>
+            <a:r>
+              <a:rPr lang="en-US" dirty="0" smtClean="0"/>
+              <a:t>Resume suspended request when response became available:</a:t>
+            </a:r>
+          </a:p>
+          <a:p>
+            <a:pPr>
+              <a:buNone/>
+            </a:pPr>
+            <a:r>
+              <a:rPr lang="en-US" sz="2400" dirty="0" smtClean="0">
+                <a:latin typeface="Courier New" pitchFamily="49" charset="0"/>
+                <a:cs typeface="Courier New" pitchFamily="49" charset="0"/>
+              </a:rPr>
+              <a:t>  $</a:t>
+            </a:r>
+            <a:r>
+              <a:rPr lang="en-US" sz="2400" dirty="0" err="1" smtClean="0">
+                <a:latin typeface="Courier New" pitchFamily="49" charset="0"/>
+                <a:cs typeface="Courier New" pitchFamily="49" charset="0"/>
+              </a:rPr>
+              <a:t>coroutine</a:t>
+            </a:r>
+            <a:r>
+              <a:rPr lang="en-US" sz="2400" dirty="0" smtClean="0">
+                <a:latin typeface="Courier New" pitchFamily="49" charset="0"/>
+                <a:cs typeface="Courier New" pitchFamily="49" charset="0"/>
+              </a:rPr>
+              <a:t> [list RESUME [/</a:t>
+            </a:r>
+            <a:r>
+              <a:rPr lang="en-US" sz="2400" dirty="0" err="1" smtClean="0">
+                <a:latin typeface="Courier New" pitchFamily="49" charset="0"/>
+                <a:cs typeface="Courier New" pitchFamily="49" charset="0"/>
+              </a:rPr>
+              <a:t>test_return_result</a:t>
+            </a:r>
+            <a:r>
+              <a:rPr lang="en-US" sz="2400" dirty="0" smtClean="0">
+                <a:latin typeface="Courier New" pitchFamily="49" charset="0"/>
+                <a:cs typeface="Courier New" pitchFamily="49" charset="0"/>
+              </a:rPr>
+              <a:t> $</a:t>
+            </a:r>
+            <a:r>
+              <a:rPr lang="en-US" sz="2400" dirty="0" err="1" smtClean="0">
+                <a:latin typeface="Courier New" pitchFamily="49" charset="0"/>
+                <a:cs typeface="Courier New" pitchFamily="49" charset="0"/>
+              </a:rPr>
+              <a:t>req</a:t>
+            </a:r>
+            <a:r>
+              <a:rPr lang="en-US" sz="2400" dirty="0" smtClean="0">
+                <a:latin typeface="Courier New" pitchFamily="49" charset="0"/>
+                <a:cs typeface="Courier New" pitchFamily="49" charset="0"/>
+              </a:rPr>
+              <a:t>]</a:t>
+            </a:r>
+          </a:p>
+          <a:p>
+            <a:r>
+              <a:rPr lang="en-US" dirty="0" smtClean="0"/>
+              <a:t>Used as basis for e.g. </a:t>
+            </a:r>
+            <a:r>
+              <a:rPr lang="en-US" dirty="0" err="1" smtClean="0"/>
+              <a:t>Wubchain</a:t>
+            </a:r>
+            <a:r>
+              <a:rPr lang="en-US" dirty="0" smtClean="0"/>
+              <a:t> where request for new chat messages from client is suspended until a new chat message arrives from another chatter</a:t>
+            </a:r>
+            <a:endParaRPr lang="en-US" dirty="0"/>
           </a:p>
         </p:txBody>
       </p:sp>
@@ -20307,10 +20603,210 @@
         </p:nvSpPr>
         <p:spPr/>
         <p:txBody>
-          <a:bodyPr/>
-          <a:lstStyle/>
-          <a:p>
-            <a:endParaRPr lang="en-US"/>
+          <a:bodyPr>
+            <a:normAutofit/>
+          </a:bodyPr>
+          <a:lstStyle/>
+          <a:p>
+            <a:r>
+              <a:rPr lang="en-US" dirty="0" smtClean="0"/>
+              <a:t>Cookies are stored in the request </a:t>
+            </a:r>
+            <a:r>
+              <a:rPr lang="en-US" dirty="0" err="1" smtClean="0"/>
+              <a:t>dict</a:t>
+            </a:r>
+            <a:endParaRPr lang="en-US" dirty="0" smtClean="0"/>
+          </a:p>
+          <a:p>
+            <a:r>
+              <a:rPr lang="en-US" dirty="0" smtClean="0"/>
+              <a:t>The Cookies package can be used to manipulate the cookies as stored in the request </a:t>
+            </a:r>
+            <a:r>
+              <a:rPr lang="en-US" dirty="0" err="1" smtClean="0"/>
+              <a:t>dict</a:t>
+            </a:r>
+            <a:r>
+              <a:rPr lang="en-US" dirty="0" smtClean="0"/>
+              <a:t>:</a:t>
+            </a:r>
+          </a:p>
+          <a:p>
+            <a:pPr>
+              <a:buNone/>
+            </a:pPr>
+            <a:r>
+              <a:rPr lang="en-US" sz="1900" dirty="0" smtClean="0">
+                <a:latin typeface="Courier New" pitchFamily="49" charset="0"/>
+                <a:cs typeface="Courier New" pitchFamily="49" charset="0"/>
+              </a:rPr>
+              <a:t> 	</a:t>
+            </a:r>
+          </a:p>
+          <a:p>
+            <a:pPr>
+              <a:buNone/>
+            </a:pPr>
+            <a:r>
+              <a:rPr lang="en-US" sz="1900" dirty="0" smtClean="0">
+                <a:latin typeface="Courier New" pitchFamily="49" charset="0"/>
+                <a:cs typeface="Courier New" pitchFamily="49" charset="0"/>
+              </a:rPr>
+              <a:t>  set </a:t>
+            </a:r>
+            <a:r>
+              <a:rPr lang="en-US" sz="1900" dirty="0" err="1" smtClean="0">
+                <a:latin typeface="Courier New" pitchFamily="49" charset="0"/>
+                <a:cs typeface="Courier New" pitchFamily="49" charset="0"/>
+              </a:rPr>
+              <a:t>cdict</a:t>
+            </a:r>
+            <a:r>
+              <a:rPr lang="en-US" sz="1900" dirty="0" smtClean="0">
+                <a:latin typeface="Courier New" pitchFamily="49" charset="0"/>
+                <a:cs typeface="Courier New" pitchFamily="49" charset="0"/>
+              </a:rPr>
+              <a:t> [</a:t>
+            </a:r>
+            <a:r>
+              <a:rPr lang="en-US" sz="1900" dirty="0" err="1" smtClean="0">
+                <a:latin typeface="Courier New" pitchFamily="49" charset="0"/>
+                <a:cs typeface="Courier New" pitchFamily="49" charset="0"/>
+              </a:rPr>
+              <a:t>dict</a:t>
+            </a:r>
+            <a:r>
+              <a:rPr lang="en-US" sz="1900" dirty="0" smtClean="0">
+                <a:latin typeface="Courier New" pitchFamily="49" charset="0"/>
+                <a:cs typeface="Courier New" pitchFamily="49" charset="0"/>
+              </a:rPr>
+              <a:t> get $</a:t>
+            </a:r>
+            <a:r>
+              <a:rPr lang="en-US" sz="1900" dirty="0" err="1" smtClean="0">
+                <a:latin typeface="Courier New" pitchFamily="49" charset="0"/>
+                <a:cs typeface="Courier New" pitchFamily="49" charset="0"/>
+              </a:rPr>
+              <a:t>req</a:t>
+            </a:r>
+            <a:r>
+              <a:rPr lang="en-US" sz="1900" dirty="0" smtClean="0">
+                <a:latin typeface="Courier New" pitchFamily="49" charset="0"/>
+                <a:cs typeface="Courier New" pitchFamily="49" charset="0"/>
+              </a:rPr>
+              <a:t> -cookies]</a:t>
+            </a:r>
+          </a:p>
+          <a:p>
+            <a:pPr>
+              <a:buNone/>
+            </a:pPr>
+            <a:r>
+              <a:rPr lang="en-US" sz="1900" dirty="0" smtClean="0">
+                <a:latin typeface="Courier New" pitchFamily="49" charset="0"/>
+                <a:cs typeface="Courier New" pitchFamily="49" charset="0"/>
+              </a:rPr>
+              <a:t>  set </a:t>
+            </a:r>
+            <a:r>
+              <a:rPr lang="en-US" sz="1900" dirty="0" err="1" smtClean="0">
+                <a:latin typeface="Courier New" pitchFamily="49" charset="0"/>
+                <a:cs typeface="Courier New" pitchFamily="49" charset="0"/>
+              </a:rPr>
+              <a:t>vdict</a:t>
+            </a:r>
+            <a:r>
+              <a:rPr lang="en-US" sz="1900" dirty="0" smtClean="0">
+                <a:latin typeface="Courier New" pitchFamily="49" charset="0"/>
+                <a:cs typeface="Courier New" pitchFamily="49" charset="0"/>
+              </a:rPr>
+              <a:t> [Cookies fetch $</a:t>
+            </a:r>
+            <a:r>
+              <a:rPr lang="en-US" sz="1900" dirty="0" err="1" smtClean="0">
+                <a:latin typeface="Courier New" pitchFamily="49" charset="0"/>
+                <a:cs typeface="Courier New" pitchFamily="49" charset="0"/>
+              </a:rPr>
+              <a:t>cdict</a:t>
+            </a:r>
+            <a:r>
+              <a:rPr lang="en-US" sz="1900" dirty="0" smtClean="0">
+                <a:latin typeface="Courier New" pitchFamily="49" charset="0"/>
+                <a:cs typeface="Courier New" pitchFamily="49" charset="0"/>
+              </a:rPr>
+              <a:t> -name </a:t>
+            </a:r>
+            <a:r>
+              <a:rPr lang="en-US" sz="1900" dirty="0" err="1" smtClean="0">
+                <a:latin typeface="Courier New" pitchFamily="49" charset="0"/>
+                <a:cs typeface="Courier New" pitchFamily="49" charset="0"/>
+              </a:rPr>
+              <a:t>my_cookie</a:t>
+            </a:r>
+            <a:r>
+              <a:rPr lang="en-US" sz="1900" dirty="0" smtClean="0">
+                <a:latin typeface="Courier New" pitchFamily="49" charset="0"/>
+                <a:cs typeface="Courier New" pitchFamily="49" charset="0"/>
+              </a:rPr>
+              <a:t>]</a:t>
+            </a:r>
+          </a:p>
+          <a:p>
+            <a:pPr>
+              <a:buNone/>
+            </a:pPr>
+            <a:r>
+              <a:rPr lang="en-US" sz="1900" dirty="0" smtClean="0">
+                <a:latin typeface="Courier New" pitchFamily="49" charset="0"/>
+                <a:cs typeface="Courier New" pitchFamily="49" charset="0"/>
+              </a:rPr>
+              <a:t>  set value [</a:t>
+            </a:r>
+            <a:r>
+              <a:rPr lang="en-US" sz="1900" dirty="0" err="1" smtClean="0">
+                <a:latin typeface="Courier New" pitchFamily="49" charset="0"/>
+                <a:cs typeface="Courier New" pitchFamily="49" charset="0"/>
+              </a:rPr>
+              <a:t>dict</a:t>
+            </a:r>
+            <a:r>
+              <a:rPr lang="en-US" sz="1900" dirty="0" smtClean="0">
+                <a:latin typeface="Courier New" pitchFamily="49" charset="0"/>
+                <a:cs typeface="Courier New" pitchFamily="49" charset="0"/>
+              </a:rPr>
+              <a:t> get $</a:t>
+            </a:r>
+            <a:r>
+              <a:rPr lang="en-US" sz="1900" dirty="0" err="1" smtClean="0">
+                <a:latin typeface="Courier New" pitchFamily="49" charset="0"/>
+                <a:cs typeface="Courier New" pitchFamily="49" charset="0"/>
+              </a:rPr>
+              <a:t>vdict</a:t>
+            </a:r>
+            <a:r>
+              <a:rPr lang="en-US" sz="1900" dirty="0" smtClean="0">
+                <a:latin typeface="Courier New" pitchFamily="49" charset="0"/>
+                <a:cs typeface="Courier New" pitchFamily="49" charset="0"/>
+              </a:rPr>
+              <a:t> -value]</a:t>
+            </a:r>
+          </a:p>
+          <a:p>
+            <a:pPr>
+              <a:buNone/>
+            </a:pPr>
+            <a:r>
+              <a:rPr lang="en-US" sz="1900" dirty="0" smtClean="0">
+                <a:latin typeface="Courier New" pitchFamily="49" charset="0"/>
+                <a:cs typeface="Courier New" pitchFamily="49" charset="0"/>
+              </a:rPr>
+              <a:t>	</a:t>
+            </a:r>
+            <a:endParaRPr lang="en-US" sz="1900" dirty="0">
+              <a:latin typeface="Courier New" pitchFamily="49" charset="0"/>
+              <a:cs typeface="Courier New" pitchFamily="49" charset="0"/>
+            </a:endParaRPr>
           </a:p>
         </p:txBody>
       </p:sp>
@@ -20331,7 +20827,7 @@
         </p:blipFill>
         <p:spPr bwMode="auto">
           <a:xfrm>
-            <a:off x="7162800" y="1143000"/>
+            <a:off x="7010400" y="5334000"/>
             <a:ext cx="1600957" cy="1066800"/>
           </a:xfrm>
           <a:prstGeom prst="rect">
@@ -20345,6 +20841,13 @@
   <p:clrMapOvr>
     <a:masterClrMapping/>
   </p:clrMapOvr>
+  <p:timing>
+    <p:tnLst>
+      <p:par>
+        <p:cTn id="1" dur="indefinite" restart="never" nodeType="tmRoot"/>
+      </p:par>
+    </p:tnLst>
+  </p:timing>
 </p:sld>
 </file>
 
@@ -20403,7 +20906,25 @@
           <a:bodyPr/>
           <a:lstStyle/>
           <a:p>
-            <a:endParaRPr lang="en-US"/>
+            <a:r>
+              <a:rPr lang="en-US" dirty="0" smtClean="0"/>
+              <a:t>Make connection to running </a:t>
+            </a:r>
+            <a:r>
+              <a:rPr lang="en-US" dirty="0" err="1" smtClean="0"/>
+              <a:t>Wub</a:t>
+            </a:r>
+            <a:r>
+              <a:rPr lang="en-US" dirty="0" smtClean="0"/>
+              <a:t> using telnet</a:t>
+            </a:r>
+          </a:p>
+          <a:p>
+            <a:r>
+              <a:rPr lang="en-US" dirty="0" smtClean="0"/>
+              <a:t>Stop, configure or query running server</a:t>
+            </a:r>
+            <a:endParaRPr lang="en-US" dirty="0"/>
           </a:p>
         </p:txBody>
       </p:sp>
@@ -20412,6 +20933,13 @@
   <p:clrMapOvr>
     <a:masterClrMapping/>
   </p:clrMapOvr>
+  <p:timing>
+    <p:tnLst>
+      <p:par>
+        <p:cTn id="1" dur="indefinite" restart="never" nodeType="tmRoot"/>
+      </p:par>
+    </p:tnLst>
+  </p:timing>
 </p:sld>
 </file>
 
@@ -20595,6 +21123,13 @@
   <p:clrMapOvr>
     <a:masterClrMapping/>
   </p:clrMapOvr>
+  <p:timing>
+    <p:tnLst>
+      <p:par>
+        <p:cTn id="1" dur="indefinite" restart="never" nodeType="tmRoot"/>
+      </p:par>
+    </p:tnLst>
+  </p:timing>
 </p:sld>
 </file>
 
@@ -20655,7 +21190,7 @@
         <p:spPr/>
         <p:txBody>
           <a:bodyPr>
-            <a:normAutofit/>
+            <a:normAutofit fontScale="92500" lnSpcReduction="20000"/>
           </a:bodyPr>
           <a:lstStyle/>
           <a:p>
@@ -20685,6 +21220,28 @@
                 <a:hlinkClick r:id="rId3"/>
               </a:rPr>
               <a:t>http://code.google.com/wub</a:t>
+            </a:r>
+            <a:endParaRPr lang="en-US" dirty="0" smtClean="0"/>
+          </a:p>
+          <a:p>
+            <a:r>
+              <a:rPr lang="en-US" dirty="0" smtClean="0"/>
+              <a:t>Releases at</a:t>
+            </a:r>
+          </a:p>
+          <a:p>
+            <a:pPr>
+              <a:buNone/>
+            </a:pPr>
+            <a:r>
+              <a:rPr lang="en-US" dirty="0" smtClean="0"/>
+              <a:t>        </a:t>
+            </a:r>
+            <a:r>
+              <a:rPr lang="en-US" dirty="0" smtClean="0">
+                <a:hlinkClick r:id="rId4"/>
+              </a:rPr>
+              <a:t>http://code.google.com/p/wub/downloads</a:t>
             </a:r>
             <a:endParaRPr lang="en-US" dirty="0" smtClean="0"/>
           </a:p>
@@ -20745,6 +21302,12 @@
           <a:p>
             <a:r>
               <a:rPr lang="en-US" dirty="0" smtClean="0"/>
+              <a:t>Release </a:t>
+            </a:r>
+          </a:p>
+          <a:p>
+            <a:r>
+              <a:rPr lang="en-US" dirty="0" smtClean="0"/>
               <a:t>Available together with required </a:t>
             </a:r>
             <a:r>
@@ -20771,7 +21334,7 @@
             </a:r>
             <a:r>
               <a:rPr lang="en-US" dirty="0" smtClean="0">
-                <a:hlinkClick r:id="rId4"/>
+                <a:hlinkClick r:id="rId5"/>
               </a:rPr>
               <a:t>http://code.google.com/p/wubwikit</a:t>
             </a:r>
@@ -21042,6 +21605,13 @@
   <p:clrMapOvr>
     <a:masterClrMapping/>
   </p:clrMapOvr>
+  <p:timing>
+    <p:tnLst>
+      <p:par>
+        <p:cTn id="1" dur="indefinite" restart="never" nodeType="tmRoot"/>
+      </p:par>
+    </p:tnLst>
+  </p:timing>
 </p:sld>
 </file>
 
@@ -21104,7 +21674,15 @@
           <a:p>
             <a:r>
               <a:rPr lang="en-US" dirty="0" smtClean="0"/>
-              <a:t>Bugs and feature request are best reported at</a:t>
+              <a:t>Bugs and feature request for </a:t>
+            </a:r>
+            <a:r>
+              <a:rPr lang="en-US" dirty="0" err="1" smtClean="0"/>
+              <a:t>Wub</a:t>
+            </a:r>
+            <a:r>
+              <a:rPr lang="en-US" dirty="0" smtClean="0"/>
+              <a:t> are best reported at</a:t>
             </a:r>
           </a:p>
           <a:p>
@@ -21119,7 +21697,7 @@
               <a:rPr lang="en-US" dirty="0" smtClean="0">
                 <a:hlinkClick r:id="rId3"/>
               </a:rPr>
-              <a:t>http://code.google.com/p/wub/issues/list</a:t>
+              <a:t>http://code.google.com/p/wub/issues</a:t>
             </a:r>
             <a:endParaRPr lang="en-US" dirty="0" smtClean="0"/>
           </a:p>
@@ -21127,6 +21705,31 @@
             <a:pPr>
               <a:buNone/>
             </a:pPr>
+            <a:endParaRPr lang="en-US" dirty="0" smtClean="0"/>
+          </a:p>
+          <a:p>
+            <a:r>
+              <a:rPr lang="en-US" dirty="0" smtClean="0"/>
+              <a:t>Bugs and feature request for this tutorial is best reported at</a:t>
+            </a:r>
+          </a:p>
+          <a:p>
+            <a:pPr>
+              <a:buNone/>
+            </a:pPr>
+            <a:r>
+              <a:rPr lang="en-US" dirty="0" smtClean="0"/>
+              <a:t>  </a:t>
+            </a:r>
+            <a:r>
+              <a:rPr lang="en-US" dirty="0" smtClean="0">
+                <a:hlinkClick r:id="rId3"/>
+              </a:rPr>
+              <a:t>http://code.google.com/p/wubwikit/issues</a:t>
+            </a:r>
+            <a:endParaRPr lang="en-US" dirty="0" smtClean="0"/>
+          </a:p>
+          <a:p>
             <a:endParaRPr lang="en-US" dirty="0" smtClean="0"/>
           </a:p>
           <a:p>
@@ -21142,6 +21745,13 @@
   <p:clrMapOvr>
     <a:masterClrMapping/>
   </p:clrMapOvr>
+  <p:timing>
+    <p:tnLst>
+      <p:par>
+        <p:cTn id="1" dur="indefinite" restart="never" nodeType="tmRoot"/>
+      </p:par>
+    </p:tnLst>
+  </p:timing>
 </p:sld>
 </file>
 
@@ -21225,6 +21835,20 @@
           <a:p>
             <a:r>
               <a:rPr lang="en-US" dirty="0" smtClean="0"/>
+              <a:t>Reliable (see </a:t>
+            </a:r>
+            <a:r>
+              <a:rPr lang="en-US" dirty="0" err="1" smtClean="0"/>
+              <a:t>Tcler’s</a:t>
+            </a:r>
+            <a:r>
+              <a:rPr lang="en-US" dirty="0" smtClean="0"/>
+              <a:t> wiki)</a:t>
+            </a:r>
+          </a:p>
+          <a:p>
+            <a:r>
+              <a:rPr lang="en-US" dirty="0" smtClean="0"/>
               <a:t>Under active development</a:t>
             </a:r>
           </a:p>
@@ -21252,12 +21876,8 @@
               <a:t>tclHTTPd</a:t>
             </a:r>
             <a:r>
-              <a:rPr lang="en-US" smtClean="0"/>
-              <a:t> , </a:t>
-            </a:r>
-            <a:r>
-              <a:rPr lang="en-US" dirty="0" smtClean="0"/>
-              <a:t>consider using </a:t>
+              <a:rPr lang="en-US" dirty="0" smtClean="0"/>
+              <a:t> , consider using </a:t>
             </a:r>
             <a:r>
               <a:rPr lang="en-US" dirty="0" err="1" smtClean="0"/>
@@ -21278,6 +21898,13 @@
   <p:clrMapOvr>
     <a:masterClrMapping/>
   </p:clrMapOvr>
+  <p:timing>
+    <p:tnLst>
+      <p:par>
+        <p:cTn id="1" dur="indefinite" restart="never" nodeType="tmRoot"/>
+      </p:par>
+    </p:tnLst>
+  </p:timing>
 </p:sld>
 </file>
 
@@ -21352,6 +21979,13 @@
   <p:clrMapOvr>
     <a:masterClrMapping/>
   </p:clrMapOvr>
+  <p:timing>
+    <p:tnLst>
+      <p:par>
+        <p:cTn id="1" dur="indefinite" restart="never" nodeType="tmRoot"/>
+      </p:par>
+    </p:tnLst>
+  </p:timing>
 </p:sld>
 </file>
 
@@ -21431,19 +22065,12 @@
               <a:rPr lang="en-US" dirty="0" smtClean="0">
                 <a:hlinkClick r:id="rId3"/>
               </a:rPr>
-              <a:t>http</a:t>
-            </a:r>
-            <a:r>
-              <a:rPr lang="en-US" smtClean="0">
-                <a:hlinkClick r:id="rId3"/>
-              </a:rPr>
-              <a:t>://wiki.tcl.tk/Wub</a:t>
-            </a:r>
-            <a:r>
-              <a:rPr lang="en-US" smtClean="0"/>
+              <a:t>http://wiki.tcl.tk/Wub</a:t>
+            </a:r>
+            <a:r>
+              <a:rPr lang="en-US" dirty="0" smtClean="0"/>
               <a:t> </a:t>
             </a:r>
-            <a:endParaRPr lang="en-US" dirty="0" smtClean="0"/>
           </a:p>
           <a:p>
             <a:pPr>
@@ -21481,6 +22108,16 @@
             </a:r>
           </a:p>
           <a:p>
+            <a:pPr>
+              <a:buNone/>
+            </a:pPr>
+            <a:endParaRPr lang="en-US" dirty="0" smtClean="0"/>
+          </a:p>
+          <a:p>
+            <a:r>
+              <a:rPr lang="en-US" dirty="0" smtClean="0"/>
+              <a:t>This Tutorial</a:t>
+            </a:r>
             <a:endParaRPr lang="en-US" dirty="0"/>
           </a:p>
         </p:txBody>
@@ -21568,7 +22205,15 @@
           <a:p>
             <a:r>
               <a:rPr lang="en-US" dirty="0" smtClean="0"/>
-              <a:t>Step-by-step introduction of File, Mason, Direct, Nub, Init and </a:t>
+              <a:t>Step-by-step introduction of File, Mason, Direct, Nub, </a:t>
+            </a:r>
+            <a:r>
+              <a:rPr lang="en-US" dirty="0" err="1" smtClean="0"/>
+              <a:t>Ini</a:t>
+            </a:r>
+            <a:r>
+              <a:rPr lang="en-US" dirty="0" smtClean="0"/>
+              <a:t>, </a:t>
             </a:r>
             <a:r>
               <a:rPr lang="en-US" dirty="0" err="1" smtClean="0"/>
@@ -21576,7 +22221,7 @@
             </a:r>
             <a:r>
               <a:rPr lang="en-US" dirty="0" smtClean="0"/>
-              <a:t> domains</a:t>
+              <a:t>, … domains</a:t>
             </a:r>
           </a:p>
           <a:p>
@@ -21641,7 +22286,7 @@
           <a:p>
             <a:r>
               <a:rPr lang="en-US" dirty="0" smtClean="0"/>
-              <a:t>Tutorials examples</a:t>
+              <a:t>Tutorial examples</a:t>
             </a:r>
             <a:endParaRPr lang="en-US" dirty="0"/>
           </a:p>
@@ -21660,7 +22305,7 @@
         <p:spPr/>
         <p:txBody>
           <a:bodyPr>
-            <a:normAutofit fontScale="77500" lnSpcReduction="20000"/>
+            <a:normAutofit fontScale="62500" lnSpcReduction="20000"/>
           </a:bodyPr>
           <a:lstStyle/>
           <a:p>
@@ -21708,12 +22353,77 @@
               <a:t>    </a:t>
             </a:r>
             <a:r>
+              <a:rPr lang="en-US" dirty="0" err="1" smtClean="0">
+                <a:latin typeface="Courier New" pitchFamily="49" charset="0"/>
+                <a:cs typeface="Courier New" pitchFamily="49" charset="0"/>
+              </a:rPr>
+              <a:t>tclsh</a:t>
+            </a:r>
+            <a:r>
+              <a:rPr lang="en-US" dirty="0" smtClean="0">
+                <a:latin typeface="Courier New" pitchFamily="49" charset="0"/>
+                <a:cs typeface="Courier New" pitchFamily="49" charset="0"/>
+              </a:rPr>
+              <a:t> ex.tcl</a:t>
+            </a:r>
+            <a:r>
+              <a:rPr lang="en-US" dirty="0" smtClean="0"/>
+              <a:t>   (make sure it can find </a:t>
+            </a:r>
+            <a:r>
               <a:rPr lang="en-US" dirty="0" err="1" smtClean="0"/>
-              <a:t>tclsh</a:t>
-            </a:r>
-            <a:r>
-              <a:rPr lang="en-US" dirty="0" smtClean="0"/>
-              <a:t> ex.tcl</a:t>
+              <a:t>tcllib</a:t>
+            </a:r>
+            <a:r>
+              <a:rPr lang="en-US" dirty="0" smtClean="0"/>
+              <a:t> and </a:t>
+            </a:r>
+            <a:r>
+              <a:rPr lang="en-US" dirty="0" err="1" smtClean="0"/>
+              <a:t>Wub</a:t>
+            </a:r>
+            <a:r>
+              <a:rPr lang="en-US" dirty="0" smtClean="0"/>
+              <a:t>)</a:t>
+            </a:r>
+          </a:p>
+          <a:p>
+            <a:pPr>
+              <a:buNone/>
+            </a:pPr>
+            <a:endParaRPr lang="en-US" dirty="0" smtClean="0"/>
+          </a:p>
+          <a:p>
+            <a:pPr>
+              <a:buNone/>
+            </a:pPr>
+            <a:r>
+              <a:rPr lang="en-US" dirty="0" smtClean="0"/>
+              <a:t>    ../</a:t>
+            </a:r>
+            <a:r>
+              <a:rPr lang="en-US" dirty="0" err="1" smtClean="0"/>
+              <a:t>Wub</a:t>
+            </a:r>
+            <a:r>
+              <a:rPr lang="en-US" dirty="0" smtClean="0"/>
+              <a:t> and ../</a:t>
+            </a:r>
+            <a:r>
+              <a:rPr lang="en-US" dirty="0" err="1" smtClean="0"/>
+              <a:t>tcllib</a:t>
+            </a:r>
+            <a:r>
+              <a:rPr lang="en-US" dirty="0" smtClean="0"/>
+              <a:t> are added to </a:t>
+            </a:r>
+            <a:r>
+              <a:rPr lang="en-US" dirty="0" err="1" smtClean="0"/>
+              <a:t>auto_path</a:t>
+            </a:r>
+            <a:r>
+              <a:rPr lang="en-US" dirty="0" smtClean="0"/>
+              <a:t> by each example</a:t>
             </a:r>
           </a:p>
           <a:p>
@@ -21766,6 +22476,13 @@
   <p:clrMapOvr>
     <a:masterClrMapping/>
   </p:clrMapOvr>
+  <p:timing>
+    <p:tnLst>
+      <p:par>
+        <p:cTn id="1" dur="indefinite" restart="never" nodeType="tmRoot"/>
+      </p:par>
+    </p:tnLst>
+  </p:timing>
 </p:sld>
 </file>
 

--- a/trunk/wubexamples/Lets_Wub.pptx
+++ b/trunk/wubexamples/Lets_Wub.pptx
@@ -245,7 +245,7 @@
             <a:fld id="{4DF4E2B3-4403-4393-BB8B-AE854F842FFB}" type="datetimeFigureOut">
               <a:rPr lang="en-US" smtClean="0"/>
               <a:pPr/>
-              <a:t>6/2/2009</a:t>
+              <a:t>6/3/2009</a:t>
             </a:fld>
             <a:endParaRPr lang="en-US"/>
           </a:p>
@@ -5039,7 +5039,7 @@
             <a:fld id="{AD6CF7D0-54BE-4AFB-B0FC-FA5E364208B7}" type="datetimeFigureOut">
               <a:rPr lang="en-US" smtClean="0"/>
               <a:pPr/>
-              <a:t>6/2/2009</a:t>
+              <a:t>6/3/2009</a:t>
             </a:fld>
             <a:endParaRPr lang="en-US" dirty="0"/>
           </a:p>
@@ -5206,7 +5206,7 @@
             <a:fld id="{AD6CF7D0-54BE-4AFB-B0FC-FA5E364208B7}" type="datetimeFigureOut">
               <a:rPr lang="en-US" smtClean="0"/>
               <a:pPr/>
-              <a:t>6/2/2009</a:t>
+              <a:t>6/3/2009</a:t>
             </a:fld>
             <a:endParaRPr lang="en-US"/>
           </a:p>
@@ -5383,7 +5383,7 @@
             <a:fld id="{AD6CF7D0-54BE-4AFB-B0FC-FA5E364208B7}" type="datetimeFigureOut">
               <a:rPr lang="en-US" smtClean="0"/>
               <a:pPr/>
-              <a:t>6/2/2009</a:t>
+              <a:t>6/3/2009</a:t>
             </a:fld>
             <a:endParaRPr lang="en-US"/>
           </a:p>
@@ -5550,7 +5550,7 @@
             <a:fld id="{AD6CF7D0-54BE-4AFB-B0FC-FA5E364208B7}" type="datetimeFigureOut">
               <a:rPr lang="en-US" smtClean="0"/>
               <a:pPr/>
-              <a:t>6/2/2009</a:t>
+              <a:t>6/3/2009</a:t>
             </a:fld>
             <a:endParaRPr lang="en-US"/>
           </a:p>
@@ -5793,7 +5793,7 @@
             <a:fld id="{AD6CF7D0-54BE-4AFB-B0FC-FA5E364208B7}" type="datetimeFigureOut">
               <a:rPr lang="en-US" smtClean="0"/>
               <a:pPr/>
-              <a:t>6/2/2009</a:t>
+              <a:t>6/3/2009</a:t>
             </a:fld>
             <a:endParaRPr lang="en-US"/>
           </a:p>
@@ -6078,7 +6078,7 @@
             <a:fld id="{AD6CF7D0-54BE-4AFB-B0FC-FA5E364208B7}" type="datetimeFigureOut">
               <a:rPr lang="en-US" smtClean="0"/>
               <a:pPr/>
-              <a:t>6/2/2009</a:t>
+              <a:t>6/3/2009</a:t>
             </a:fld>
             <a:endParaRPr lang="en-US"/>
           </a:p>
@@ -6497,7 +6497,7 @@
             <a:fld id="{AD6CF7D0-54BE-4AFB-B0FC-FA5E364208B7}" type="datetimeFigureOut">
               <a:rPr lang="en-US" smtClean="0"/>
               <a:pPr/>
-              <a:t>6/2/2009</a:t>
+              <a:t>6/3/2009</a:t>
             </a:fld>
             <a:endParaRPr lang="en-US"/>
           </a:p>
@@ -6612,7 +6612,7 @@
             <a:fld id="{AD6CF7D0-54BE-4AFB-B0FC-FA5E364208B7}" type="datetimeFigureOut">
               <a:rPr lang="en-US" smtClean="0"/>
               <a:pPr/>
-              <a:t>6/2/2009</a:t>
+              <a:t>6/3/2009</a:t>
             </a:fld>
             <a:endParaRPr lang="en-US"/>
           </a:p>
@@ -6704,7 +6704,7 @@
             <a:fld id="{AD6CF7D0-54BE-4AFB-B0FC-FA5E364208B7}" type="datetimeFigureOut">
               <a:rPr lang="en-US" smtClean="0"/>
               <a:pPr/>
-              <a:t>6/2/2009</a:t>
+              <a:t>6/3/2009</a:t>
             </a:fld>
             <a:endParaRPr lang="en-US"/>
           </a:p>
@@ -6978,7 +6978,7 @@
             <a:fld id="{AD6CF7D0-54BE-4AFB-B0FC-FA5E364208B7}" type="datetimeFigureOut">
               <a:rPr lang="en-US" smtClean="0"/>
               <a:pPr/>
-              <a:t>6/2/2009</a:t>
+              <a:t>6/3/2009</a:t>
             </a:fld>
             <a:endParaRPr lang="en-US"/>
           </a:p>
@@ -7228,7 +7228,7 @@
             <a:fld id="{AD6CF7D0-54BE-4AFB-B0FC-FA5E364208B7}" type="datetimeFigureOut">
               <a:rPr lang="en-US" smtClean="0"/>
               <a:pPr/>
-              <a:t>6/2/2009</a:t>
+              <a:t>6/3/2009</a:t>
             </a:fld>
             <a:endParaRPr lang="en-US"/>
           </a:p>
@@ -7438,7 +7438,7 @@
             <a:fld id="{AD6CF7D0-54BE-4AFB-B0FC-FA5E364208B7}" type="datetimeFigureOut">
               <a:rPr lang="en-US" smtClean="0"/>
               <a:pPr/>
-              <a:t>6/2/2009</a:t>
+              <a:t>6/3/2009</a:t>
             </a:fld>
             <a:endParaRPr lang="en-US"/>
           </a:p>
@@ -15641,12 +15641,12 @@
               <a:t>Is converted </a:t>
             </a:r>
             <a:r>
-              <a:rPr lang="en-US" dirty="0" err="1" smtClean="0"/>
-              <a:t>intoHTML</a:t>
-            </a:r>
-            <a:r>
-              <a:rPr lang="en-US" dirty="0" smtClean="0"/>
-              <a:t> statement:</a:t>
+              <a:rPr lang="en-US" dirty="0" smtClean="0"/>
+              <a:t>into HTML </a:t>
+            </a:r>
+            <a:r>
+              <a:rPr lang="en-US" dirty="0" smtClean="0"/>
+              <a:t>statement:</a:t>
             </a:r>
           </a:p>
           <a:p>
@@ -20356,113 +20356,13 @@
         <p:spPr/>
         <p:txBody>
           <a:bodyPr>
-            <a:normAutofit fontScale="85000" lnSpcReduction="10000"/>
+            <a:normAutofit/>
           </a:bodyPr>
           <a:lstStyle/>
           <a:p>
             <a:r>
               <a:rPr lang="en-US" dirty="0" smtClean="0"/>
               <a:t>Suspend request until response is available:</a:t>
-            </a:r>
-          </a:p>
-          <a:p>
-            <a:pPr marL="914400" lvl="1" indent="-514350"/>
-            <a:r>
-              <a:rPr lang="en-US" dirty="0" smtClean="0"/>
-              <a:t>Save request and co-routine processing request</a:t>
-            </a:r>
-          </a:p>
-          <a:p>
-            <a:pPr marL="914400" lvl="1" indent="-514350">
-              <a:buNone/>
-            </a:pPr>
-            <a:r>
-              <a:rPr lang="en-US" dirty="0" smtClean="0">
-                <a:latin typeface="Courier New" pitchFamily="49" charset="0"/>
-                <a:cs typeface="Courier New" pitchFamily="49" charset="0"/>
-              </a:rPr>
-              <a:t>  </a:t>
-            </a:r>
-            <a:r>
-              <a:rPr lang="en-US" dirty="0" err="1" smtClean="0">
-                <a:latin typeface="Courier New" pitchFamily="49" charset="0"/>
-                <a:cs typeface="Courier New" pitchFamily="49" charset="0"/>
-              </a:rPr>
-              <a:t>lappend</a:t>
-            </a:r>
-            <a:r>
-              <a:rPr lang="en-US" dirty="0" smtClean="0">
-                <a:latin typeface="Courier New" pitchFamily="49" charset="0"/>
-                <a:cs typeface="Courier New" pitchFamily="49" charset="0"/>
-              </a:rPr>
-              <a:t> suspended $</a:t>
-            </a:r>
-            <a:r>
-              <a:rPr lang="en-US" dirty="0" err="1" smtClean="0">
-                <a:latin typeface="Courier New" pitchFamily="49" charset="0"/>
-                <a:cs typeface="Courier New" pitchFamily="49" charset="0"/>
-              </a:rPr>
-              <a:t>req</a:t>
-            </a:r>
-            <a:r>
-              <a:rPr lang="en-US" dirty="0" smtClean="0">
-                <a:latin typeface="Courier New" pitchFamily="49" charset="0"/>
-                <a:cs typeface="Courier New" pitchFamily="49" charset="0"/>
-              </a:rPr>
-              <a:t> [info </a:t>
-            </a:r>
-            <a:r>
-              <a:rPr lang="en-US" dirty="0" err="1" smtClean="0">
-                <a:latin typeface="Courier New" pitchFamily="49" charset="0"/>
-                <a:cs typeface="Courier New" pitchFamily="49" charset="0"/>
-              </a:rPr>
-              <a:t>coroutine</a:t>
-            </a:r>
-            <a:r>
-              <a:rPr lang="en-US" dirty="0" smtClean="0">
-                <a:latin typeface="Courier New" pitchFamily="49" charset="0"/>
-                <a:cs typeface="Courier New" pitchFamily="49" charset="0"/>
-              </a:rPr>
-              <a:t>]</a:t>
-            </a:r>
-          </a:p>
-          <a:p>
-            <a:pPr marL="914400" lvl="1" indent="-514350"/>
-            <a:r>
-              <a:rPr lang="en-US" dirty="0" smtClean="0"/>
-              <a:t>Use HTTP command to suspend request</a:t>
-            </a:r>
-          </a:p>
-          <a:p>
-            <a:pPr marL="914400" lvl="1" indent="-514350">
-              <a:buNone/>
-            </a:pPr>
-            <a:r>
-              <a:rPr lang="en-US" dirty="0" smtClean="0">
-                <a:latin typeface="Courier New" pitchFamily="49" charset="0"/>
-                <a:cs typeface="Courier New" pitchFamily="49" charset="0"/>
-              </a:rPr>
-              <a:t>  return [Http Suspend $</a:t>
-            </a:r>
-            <a:r>
-              <a:rPr lang="en-US" dirty="0" err="1" smtClean="0">
-                <a:latin typeface="Courier New" pitchFamily="49" charset="0"/>
-                <a:cs typeface="Courier New" pitchFamily="49" charset="0"/>
-              </a:rPr>
-              <a:t>req</a:t>
-            </a:r>
-            <a:r>
-              <a:rPr lang="en-US" dirty="0" smtClean="0">
-                <a:latin typeface="Courier New" pitchFamily="49" charset="0"/>
-                <a:cs typeface="Courier New" pitchFamily="49" charset="0"/>
-              </a:rPr>
-              <a:t>]</a:t>
-            </a:r>
-          </a:p>
-          <a:p>
-            <a:r>
-              <a:rPr lang="en-US" dirty="0" smtClean="0"/>
-              <a:t>Resume suspended request when response became available:</a:t>
             </a:r>
           </a:p>
           <a:p>
@@ -20470,53 +20370,106 @@
               <a:buNone/>
             </a:pPr>
             <a:r>
-              <a:rPr lang="en-US" sz="2400" dirty="0" smtClean="0">
-                <a:latin typeface="Courier New" pitchFamily="49" charset="0"/>
-                <a:cs typeface="Courier New" pitchFamily="49" charset="0"/>
-              </a:rPr>
-              <a:t>  $</a:t>
-            </a:r>
-            <a:r>
-              <a:rPr lang="en-US" sz="2400" dirty="0" err="1" smtClean="0">
-                <a:latin typeface="Courier New" pitchFamily="49" charset="0"/>
-                <a:cs typeface="Courier New" pitchFamily="49" charset="0"/>
-              </a:rPr>
-              <a:t>coroutine</a:t>
-            </a:r>
-            <a:r>
-              <a:rPr lang="en-US" sz="2400" dirty="0" smtClean="0">
-                <a:latin typeface="Courier New" pitchFamily="49" charset="0"/>
-                <a:cs typeface="Courier New" pitchFamily="49" charset="0"/>
-              </a:rPr>
-              <a:t> [list RESUME [/</a:t>
-            </a:r>
-            <a:r>
-              <a:rPr lang="en-US" sz="2400" dirty="0" err="1" smtClean="0">
+              <a:rPr lang="en-US" sz="1800" smtClean="0">
+                <a:latin typeface="Courier New" pitchFamily="49" charset="0"/>
+                <a:cs typeface="Courier New" pitchFamily="49" charset="0"/>
+              </a:rPr>
+              <a:t>    return </a:t>
+            </a:r>
+            <a:r>
+              <a:rPr lang="en-US" sz="1800" dirty="0" smtClean="0">
+                <a:latin typeface="Courier New" pitchFamily="49" charset="0"/>
+                <a:cs typeface="Courier New" pitchFamily="49" charset="0"/>
+              </a:rPr>
+              <a:t>[</a:t>
+            </a:r>
+            <a:r>
+              <a:rPr lang="en-US" sz="1800" dirty="0" err="1" smtClean="0">
+                <a:latin typeface="Courier New" pitchFamily="49" charset="0"/>
+                <a:cs typeface="Courier New" pitchFamily="49" charset="0"/>
+              </a:rPr>
+              <a:t>Httpd</a:t>
+            </a:r>
+            <a:r>
+              <a:rPr lang="en-US" sz="1800" dirty="0" smtClean="0">
+                <a:latin typeface="Courier New" pitchFamily="49" charset="0"/>
+                <a:cs typeface="Courier New" pitchFamily="49" charset="0"/>
+              </a:rPr>
+              <a:t> Suspend $</a:t>
+            </a:r>
+            <a:r>
+              <a:rPr lang="en-US" sz="1800" dirty="0" err="1" smtClean="0">
+                <a:latin typeface="Courier New" pitchFamily="49" charset="0"/>
+                <a:cs typeface="Courier New" pitchFamily="49" charset="0"/>
+              </a:rPr>
+              <a:t>req</a:t>
+            </a:r>
+            <a:r>
+              <a:rPr lang="en-US" sz="1800" dirty="0" smtClean="0">
+                <a:latin typeface="Courier New" pitchFamily="49" charset="0"/>
+                <a:cs typeface="Courier New" pitchFamily="49" charset="0"/>
+              </a:rPr>
+              <a:t>]</a:t>
+            </a:r>
+          </a:p>
+          <a:p>
+            <a:r>
+              <a:rPr lang="en-US" dirty="0" smtClean="0"/>
+              <a:t>Resume suspended request when response became available:</a:t>
+            </a:r>
+          </a:p>
+          <a:p>
+            <a:pPr>
+              <a:buNone/>
+            </a:pPr>
+            <a:r>
+              <a:rPr lang="en-US" sz="1900" dirty="0" smtClean="0">
+                <a:latin typeface="Courier New" pitchFamily="49" charset="0"/>
+                <a:cs typeface="Courier New" pitchFamily="49" charset="0"/>
+              </a:rPr>
+              <a:t>    </a:t>
+            </a:r>
+            <a:r>
+              <a:rPr lang="en-US" sz="1900" dirty="0" err="1" smtClean="0">
+                <a:latin typeface="Courier New" pitchFamily="49" charset="0"/>
+                <a:cs typeface="Courier New" pitchFamily="49" charset="0"/>
+              </a:rPr>
+              <a:t>Httpd</a:t>
+            </a:r>
+            <a:r>
+              <a:rPr lang="en-US" sz="1900" dirty="0" smtClean="0">
+                <a:latin typeface="Courier New" pitchFamily="49" charset="0"/>
+                <a:cs typeface="Courier New" pitchFamily="49" charset="0"/>
+              </a:rPr>
+              <a:t> Resume [Http Ok [/</a:t>
+            </a:r>
+            <a:r>
+              <a:rPr lang="en-US" sz="1900" dirty="0" err="1" smtClean="0">
                 <a:latin typeface="Courier New" pitchFamily="49" charset="0"/>
                 <a:cs typeface="Courier New" pitchFamily="49" charset="0"/>
               </a:rPr>
               <a:t>test_return_result</a:t>
             </a:r>
             <a:r>
-              <a:rPr lang="en-US" sz="2400" dirty="0" smtClean="0">
+              <a:rPr lang="en-US" sz="1900" dirty="0" smtClean="0">
                 <a:latin typeface="Courier New" pitchFamily="49" charset="0"/>
                 <a:cs typeface="Courier New" pitchFamily="49" charset="0"/>
               </a:rPr>
               <a:t> $</a:t>
             </a:r>
             <a:r>
-              <a:rPr lang="en-US" sz="2400" dirty="0" err="1" smtClean="0">
+              <a:rPr lang="en-US" sz="1900" dirty="0" err="1" smtClean="0">
                 <a:latin typeface="Courier New" pitchFamily="49" charset="0"/>
                 <a:cs typeface="Courier New" pitchFamily="49" charset="0"/>
               </a:rPr>
               <a:t>req</a:t>
             </a:r>
             <a:r>
-              <a:rPr lang="en-US" sz="2400" dirty="0" smtClean="0">
-                <a:latin typeface="Courier New" pitchFamily="49" charset="0"/>
-                <a:cs typeface="Courier New" pitchFamily="49" charset="0"/>
-              </a:rPr>
-              <a:t>]</a:t>
+              <a:rPr lang="en-US" sz="1900" dirty="0" smtClean="0">
+                <a:latin typeface="Courier New" pitchFamily="49" charset="0"/>
+                <a:cs typeface="Courier New" pitchFamily="49" charset="0"/>
+              </a:rPr>
+              <a:t>]]</a:t>
             </a:r>
           </a:p>
           <a:p>
@@ -21190,7 +21143,7 @@
         <p:spPr/>
         <p:txBody>
           <a:bodyPr>
-            <a:normAutofit fontScale="92500" lnSpcReduction="20000"/>
+            <a:normAutofit fontScale="92500" lnSpcReduction="10000"/>
           </a:bodyPr>
           <a:lstStyle/>
           <a:p>
@@ -21292,18 +21245,16 @@
                 <a:latin typeface="Courier New" pitchFamily="49" charset="0"/>
                 <a:cs typeface="Courier New" pitchFamily="49" charset="0"/>
               </a:rPr>
-              <a:t>wub.googlecode.com/svn/trunk Wub</a:t>
-            </a:r>
-            <a:endParaRPr lang="en-US" sz="1800" dirty="0" smtClean="0">
-              <a:latin typeface="Courier New" pitchFamily="49" charset="0"/>
-              <a:cs typeface="Courier New" pitchFamily="49" charset="0"/>
-            </a:endParaRPr>
-          </a:p>
-          <a:p>
-            <a:r>
-              <a:rPr lang="en-US" dirty="0" smtClean="0"/>
-              <a:t>Release </a:t>
-            </a:r>
+              <a:t>wub.googlecode.com/svn/trunk </a:t>
+            </a:r>
+            <a:r>
+              <a:rPr lang="de-DE" sz="1800" dirty="0" smtClean="0">
+                <a:latin typeface="Courier New" pitchFamily="49" charset="0"/>
+                <a:cs typeface="Courier New" pitchFamily="49" charset="0"/>
+              </a:rPr>
+              <a:t>Wub</a:t>
+            </a:r>
+            <a:endParaRPr lang="en-US" dirty="0" smtClean="0"/>
           </a:p>
           <a:p>
             <a:r>

--- a/trunk/wubexamples/Lets_Wub.pptx
+++ b/trunk/wubexamples/Lets_Wub.pptx
@@ -245,7 +245,7 @@
             <a:fld id="{4DF4E2B3-4403-4393-BB8B-AE854F842FFB}" type="datetimeFigureOut">
               <a:rPr lang="en-US" smtClean="0"/>
               <a:pPr/>
-              <a:t>6/3/2009</a:t>
+              <a:t>6/6/2009</a:t>
             </a:fld>
             <a:endParaRPr lang="en-US"/>
           </a:p>
@@ -5039,7 +5039,7 @@
             <a:fld id="{AD6CF7D0-54BE-4AFB-B0FC-FA5E364208B7}" type="datetimeFigureOut">
               <a:rPr lang="en-US" smtClean="0"/>
               <a:pPr/>
-              <a:t>6/3/2009</a:t>
+              <a:t>6/6/2009</a:t>
             </a:fld>
             <a:endParaRPr lang="en-US" dirty="0"/>
           </a:p>
@@ -5206,7 +5206,7 @@
             <a:fld id="{AD6CF7D0-54BE-4AFB-B0FC-FA5E364208B7}" type="datetimeFigureOut">
               <a:rPr lang="en-US" smtClean="0"/>
               <a:pPr/>
-              <a:t>6/3/2009</a:t>
+              <a:t>6/6/2009</a:t>
             </a:fld>
             <a:endParaRPr lang="en-US"/>
           </a:p>
@@ -5383,7 +5383,7 @@
             <a:fld id="{AD6CF7D0-54BE-4AFB-B0FC-FA5E364208B7}" type="datetimeFigureOut">
               <a:rPr lang="en-US" smtClean="0"/>
               <a:pPr/>
-              <a:t>6/3/2009</a:t>
+              <a:t>6/6/2009</a:t>
             </a:fld>
             <a:endParaRPr lang="en-US"/>
           </a:p>
@@ -5550,7 +5550,7 @@
             <a:fld id="{AD6CF7D0-54BE-4AFB-B0FC-FA5E364208B7}" type="datetimeFigureOut">
               <a:rPr lang="en-US" smtClean="0"/>
               <a:pPr/>
-              <a:t>6/3/2009</a:t>
+              <a:t>6/6/2009</a:t>
             </a:fld>
             <a:endParaRPr lang="en-US"/>
           </a:p>
@@ -5793,7 +5793,7 @@
             <a:fld id="{AD6CF7D0-54BE-4AFB-B0FC-FA5E364208B7}" type="datetimeFigureOut">
               <a:rPr lang="en-US" smtClean="0"/>
               <a:pPr/>
-              <a:t>6/3/2009</a:t>
+              <a:t>6/6/2009</a:t>
             </a:fld>
             <a:endParaRPr lang="en-US"/>
           </a:p>
@@ -6078,7 +6078,7 @@
             <a:fld id="{AD6CF7D0-54BE-4AFB-B0FC-FA5E364208B7}" type="datetimeFigureOut">
               <a:rPr lang="en-US" smtClean="0"/>
               <a:pPr/>
-              <a:t>6/3/2009</a:t>
+              <a:t>6/6/2009</a:t>
             </a:fld>
             <a:endParaRPr lang="en-US"/>
           </a:p>
@@ -6497,7 +6497,7 @@
             <a:fld id="{AD6CF7D0-54BE-4AFB-B0FC-FA5E364208B7}" type="datetimeFigureOut">
               <a:rPr lang="en-US" smtClean="0"/>
               <a:pPr/>
-              <a:t>6/3/2009</a:t>
+              <a:t>6/6/2009</a:t>
             </a:fld>
             <a:endParaRPr lang="en-US"/>
           </a:p>
@@ -6612,7 +6612,7 @@
             <a:fld id="{AD6CF7D0-54BE-4AFB-B0FC-FA5E364208B7}" type="datetimeFigureOut">
               <a:rPr lang="en-US" smtClean="0"/>
               <a:pPr/>
-              <a:t>6/3/2009</a:t>
+              <a:t>6/6/2009</a:t>
             </a:fld>
             <a:endParaRPr lang="en-US"/>
           </a:p>
@@ -6704,7 +6704,7 @@
             <a:fld id="{AD6CF7D0-54BE-4AFB-B0FC-FA5E364208B7}" type="datetimeFigureOut">
               <a:rPr lang="en-US" smtClean="0"/>
               <a:pPr/>
-              <a:t>6/3/2009</a:t>
+              <a:t>6/6/2009</a:t>
             </a:fld>
             <a:endParaRPr lang="en-US"/>
           </a:p>
@@ -6978,7 +6978,7 @@
             <a:fld id="{AD6CF7D0-54BE-4AFB-B0FC-FA5E364208B7}" type="datetimeFigureOut">
               <a:rPr lang="en-US" smtClean="0"/>
               <a:pPr/>
-              <a:t>6/3/2009</a:t>
+              <a:t>6/6/2009</a:t>
             </a:fld>
             <a:endParaRPr lang="en-US"/>
           </a:p>
@@ -7228,7 +7228,7 @@
             <a:fld id="{AD6CF7D0-54BE-4AFB-B0FC-FA5E364208B7}" type="datetimeFigureOut">
               <a:rPr lang="en-US" smtClean="0"/>
               <a:pPr/>
-              <a:t>6/3/2009</a:t>
+              <a:t>6/6/2009</a:t>
             </a:fld>
             <a:endParaRPr lang="en-US"/>
           </a:p>
@@ -7438,7 +7438,7 @@
             <a:fld id="{AD6CF7D0-54BE-4AFB-B0FC-FA5E364208B7}" type="datetimeFigureOut">
               <a:rPr lang="en-US" smtClean="0"/>
               <a:pPr/>
-              <a:t>6/3/2009</a:t>
+              <a:t>6/6/2009</a:t>
             </a:fld>
             <a:endParaRPr lang="en-US"/>
           </a:p>
@@ -12648,7 +12648,7 @@
           <a:p>
             <a:r>
               <a:rPr lang="en-US" dirty="0" smtClean="0"/>
-              <a:t>If no filter file found in requested directory, Mason goes up in file system hierarchy until it finds one.</a:t>
+              <a:t>If no filter file found in requested directory, Mason goes up in file system hierarchy until it finds one or reaches its root directory.</a:t>
             </a:r>
           </a:p>
           <a:p>
@@ -12762,6 +12762,12 @@
             <a:r>
               <a:rPr lang="en-US" dirty="0" smtClean="0"/>
               <a:t> object</a:t>
+            </a:r>
+          </a:p>
+          <a:p>
+            <a:r>
+              <a:rPr lang="en-US" dirty="0" smtClean="0"/>
+              <a:t>Proc/method names must start with a /</a:t>
             </a:r>
           </a:p>
           <a:p>
@@ -15638,15 +15644,7 @@
           <a:p>
             <a:r>
               <a:rPr lang="en-US" dirty="0" smtClean="0"/>
-              <a:t>Is converted </a:t>
-            </a:r>
-            <a:r>
-              <a:rPr lang="en-US" dirty="0" smtClean="0"/>
-              <a:t>into HTML </a:t>
-            </a:r>
-            <a:r>
-              <a:rPr lang="en-US" dirty="0" smtClean="0"/>
-              <a:t>statement:</a:t>
+              <a:t>Is converted into HTML statement:</a:t>
             </a:r>
           </a:p>
           <a:p>
@@ -17575,7 +17573,7 @@
                 <a:latin typeface="Courier New" pitchFamily="49" charset="0"/>
                 <a:cs typeface="Courier New" pitchFamily="49" charset="0"/>
               </a:rPr>
-              <a:t>  set </a:t>
+              <a:t> set </a:t>
             </a:r>
             <a:r>
               <a:rPr lang="en-US" sz="2000" dirty="0" err="1" smtClean="0">
@@ -17661,7 +17659,7 @@
                 <a:latin typeface="Courier New" pitchFamily="49" charset="0"/>
                 <a:cs typeface="Courier New" pitchFamily="49" charset="0"/>
               </a:rPr>
-              <a:t>  set </a:t>
+              <a:t> set </a:t>
             </a:r>
             <a:r>
               <a:rPr lang="en-US" sz="2000" dirty="0" err="1" smtClean="0">
@@ -17717,7 +17715,7 @@
                 <a:latin typeface="Courier New" pitchFamily="49" charset="0"/>
                 <a:cs typeface="Courier New" pitchFamily="49" charset="0"/>
               </a:rPr>
-              <a:t> arguments&gt;</a:t>
+              <a:t> arguments&gt;]</a:t>
             </a:r>
           </a:p>
           <a:p>
@@ -20869,13 +20867,48 @@
             </a:r>
             <a:r>
               <a:rPr lang="en-US" dirty="0" smtClean="0"/>
-              <a:t> using telnet</a:t>
-            </a:r>
+              <a:t> using telnet from </a:t>
+            </a:r>
+            <a:r>
+              <a:rPr lang="en-US" dirty="0" err="1" smtClean="0"/>
+              <a:t>localhost</a:t>
+            </a:r>
+            <a:endParaRPr lang="en-US" dirty="0" smtClean="0"/>
           </a:p>
           <a:p>
             <a:r>
               <a:rPr lang="en-US" dirty="0" smtClean="0"/>
               <a:t>Stop, configure or query running server</a:t>
+            </a:r>
+          </a:p>
+          <a:p>
+            <a:r>
+              <a:rPr lang="en-US" dirty="0" smtClean="0"/>
+              <a:t>Set command port with </a:t>
+            </a:r>
+            <a:r>
+              <a:rPr lang="en-US" dirty="0" err="1" smtClean="0"/>
+              <a:t>cmdport</a:t>
+            </a:r>
+            <a:r>
+              <a:rPr lang="en-US" dirty="0" smtClean="0"/>
+              <a:t> </a:t>
+            </a:r>
+            <a:r>
+              <a:rPr lang="en-US" dirty="0" err="1" smtClean="0"/>
+              <a:t>ini</a:t>
+            </a:r>
+            <a:r>
+              <a:rPr lang="en-US" dirty="0" smtClean="0"/>
+              <a:t> parameter in </a:t>
+            </a:r>
+            <a:r>
+              <a:rPr lang="en-US" dirty="0" err="1" smtClean="0"/>
+              <a:t>wub</a:t>
+            </a:r>
+            <a:r>
+              <a:rPr lang="en-US" dirty="0" smtClean="0"/>
+              <a:t> section</a:t>
             </a:r>
             <a:endParaRPr lang="en-US" dirty="0"/>
           </a:p>
@@ -21245,14 +21278,7 @@
                 <a:latin typeface="Courier New" pitchFamily="49" charset="0"/>
                 <a:cs typeface="Courier New" pitchFamily="49" charset="0"/>
               </a:rPr>
-              <a:t>wub.googlecode.com/svn/trunk </a:t>
-            </a:r>
-            <a:r>
-              <a:rPr lang="de-DE" sz="1800" dirty="0" smtClean="0">
-                <a:latin typeface="Courier New" pitchFamily="49" charset="0"/>
-                <a:cs typeface="Courier New" pitchFamily="49" charset="0"/>
-              </a:rPr>
-              <a:t>Wub</a:t>
+              <a:t>wub.googlecode.com/svn/trunk Wub</a:t>
             </a:r>
             <a:endParaRPr lang="en-US" dirty="0" smtClean="0"/>
           </a:p>
@@ -22256,7 +22282,7 @@
         <p:spPr/>
         <p:txBody>
           <a:bodyPr>
-            <a:normAutofit fontScale="62500" lnSpcReduction="20000"/>
+            <a:normAutofit fontScale="70000" lnSpcReduction="20000"/>
           </a:bodyPr>
           <a:lstStyle/>
           <a:p>
@@ -22269,16 +22295,23 @@
             <a:pPr>
               <a:buNone/>
             </a:pPr>
+            <a:endParaRPr lang="en-US" dirty="0" smtClean="0"/>
+          </a:p>
+          <a:p>
+            <a:pPr>
+              <a:buNone/>
+            </a:pPr>
+            <a:r>
+              <a:rPr lang="en-US" dirty="0" smtClean="0"/>
+              <a:t>   </a:t>
+            </a:r>
             <a:r>
               <a:rPr lang="en-US" dirty="0" smtClean="0">
                 <a:hlinkClick r:id="rId3"/>
               </a:rPr>
-              <a:t>   http://code.google.com/p/wubwikit/source/browse/#svn/trunk/wubexamples</a:t>
-            </a:r>
-            <a:r>
-              <a:rPr lang="en-US" dirty="0" smtClean="0"/>
-              <a:t> </a:t>
-            </a:r>
+              <a:t>http://code.google.com/p/wubwikit/downloads</a:t>
+            </a:r>
+            <a:endParaRPr lang="en-US" dirty="0" smtClean="0"/>
           </a:p>
           <a:p>
             <a:pPr>

--- a/trunk/wubexamples/Lets_Wub.pptx
+++ b/trunk/wubexamples/Lets_Wub.pptx
@@ -245,7 +245,7 @@
             <a:fld id="{4DF4E2B3-4403-4393-BB8B-AE854F842FFB}" type="datetimeFigureOut">
               <a:rPr lang="en-US" smtClean="0"/>
               <a:pPr/>
-              <a:t>6/6/2009</a:t>
+              <a:t>8/5/2009</a:t>
             </a:fld>
             <a:endParaRPr lang="en-US"/>
           </a:p>
@@ -5039,7 +5039,7 @@
             <a:fld id="{AD6CF7D0-54BE-4AFB-B0FC-FA5E364208B7}" type="datetimeFigureOut">
               <a:rPr lang="en-US" smtClean="0"/>
               <a:pPr/>
-              <a:t>6/6/2009</a:t>
+              <a:t>8/5/2009</a:t>
             </a:fld>
             <a:endParaRPr lang="en-US" dirty="0"/>
           </a:p>
@@ -5206,7 +5206,7 @@
             <a:fld id="{AD6CF7D0-54BE-4AFB-B0FC-FA5E364208B7}" type="datetimeFigureOut">
               <a:rPr lang="en-US" smtClean="0"/>
               <a:pPr/>
-              <a:t>6/6/2009</a:t>
+              <a:t>8/5/2009</a:t>
             </a:fld>
             <a:endParaRPr lang="en-US"/>
           </a:p>
@@ -5383,7 +5383,7 @@
             <a:fld id="{AD6CF7D0-54BE-4AFB-B0FC-FA5E364208B7}" type="datetimeFigureOut">
               <a:rPr lang="en-US" smtClean="0"/>
               <a:pPr/>
-              <a:t>6/6/2009</a:t>
+              <a:t>8/5/2009</a:t>
             </a:fld>
             <a:endParaRPr lang="en-US"/>
           </a:p>
@@ -5550,7 +5550,7 @@
             <a:fld id="{AD6CF7D0-54BE-4AFB-B0FC-FA5E364208B7}" type="datetimeFigureOut">
               <a:rPr lang="en-US" smtClean="0"/>
               <a:pPr/>
-              <a:t>6/6/2009</a:t>
+              <a:t>8/5/2009</a:t>
             </a:fld>
             <a:endParaRPr lang="en-US"/>
           </a:p>
@@ -5793,7 +5793,7 @@
             <a:fld id="{AD6CF7D0-54BE-4AFB-B0FC-FA5E364208B7}" type="datetimeFigureOut">
               <a:rPr lang="en-US" smtClean="0"/>
               <a:pPr/>
-              <a:t>6/6/2009</a:t>
+              <a:t>8/5/2009</a:t>
             </a:fld>
             <a:endParaRPr lang="en-US"/>
           </a:p>
@@ -6078,7 +6078,7 @@
             <a:fld id="{AD6CF7D0-54BE-4AFB-B0FC-FA5E364208B7}" type="datetimeFigureOut">
               <a:rPr lang="en-US" smtClean="0"/>
               <a:pPr/>
-              <a:t>6/6/2009</a:t>
+              <a:t>8/5/2009</a:t>
             </a:fld>
             <a:endParaRPr lang="en-US"/>
           </a:p>
@@ -6497,7 +6497,7 @@
             <a:fld id="{AD6CF7D0-54BE-4AFB-B0FC-FA5E364208B7}" type="datetimeFigureOut">
               <a:rPr lang="en-US" smtClean="0"/>
               <a:pPr/>
-              <a:t>6/6/2009</a:t>
+              <a:t>8/5/2009</a:t>
             </a:fld>
             <a:endParaRPr lang="en-US"/>
           </a:p>
@@ -6612,7 +6612,7 @@
             <a:fld id="{AD6CF7D0-54BE-4AFB-B0FC-FA5E364208B7}" type="datetimeFigureOut">
               <a:rPr lang="en-US" smtClean="0"/>
               <a:pPr/>
-              <a:t>6/6/2009</a:t>
+              <a:t>8/5/2009</a:t>
             </a:fld>
             <a:endParaRPr lang="en-US"/>
           </a:p>
@@ -6704,7 +6704,7 @@
             <a:fld id="{AD6CF7D0-54BE-4AFB-B0FC-FA5E364208B7}" type="datetimeFigureOut">
               <a:rPr lang="en-US" smtClean="0"/>
               <a:pPr/>
-              <a:t>6/6/2009</a:t>
+              <a:t>8/5/2009</a:t>
             </a:fld>
             <a:endParaRPr lang="en-US"/>
           </a:p>
@@ -6978,7 +6978,7 @@
             <a:fld id="{AD6CF7D0-54BE-4AFB-B0FC-FA5E364208B7}" type="datetimeFigureOut">
               <a:rPr lang="en-US" smtClean="0"/>
               <a:pPr/>
-              <a:t>6/6/2009</a:t>
+              <a:t>8/5/2009</a:t>
             </a:fld>
             <a:endParaRPr lang="en-US"/>
           </a:p>
@@ -7228,7 +7228,7 @@
             <a:fld id="{AD6CF7D0-54BE-4AFB-B0FC-FA5E364208B7}" type="datetimeFigureOut">
               <a:rPr lang="en-US" smtClean="0"/>
               <a:pPr/>
-              <a:t>6/6/2009</a:t>
+              <a:t>8/5/2009</a:t>
             </a:fld>
             <a:endParaRPr lang="en-US"/>
           </a:p>
@@ -7438,7 +7438,7 @@
             <a:fld id="{AD6CF7D0-54BE-4AFB-B0FC-FA5E364208B7}" type="datetimeFigureOut">
               <a:rPr lang="en-US" smtClean="0"/>
               <a:pPr/>
-              <a:t>6/6/2009</a:t>
+              <a:t>8/5/2009</a:t>
             </a:fld>
             <a:endParaRPr lang="en-US"/>
           </a:p>
@@ -18475,7 +18475,7 @@
         </p:nvGraphicFramePr>
         <p:xfrm>
           <a:off x="762000" y="1295400"/>
-          <a:ext cx="8077200" cy="5461000"/>
+          <a:ext cx="8077200" cy="5090160"/>
         </p:xfrm>
         <a:graphic>
           <a:graphicData uri="http://schemas.openxmlformats.org/drawingml/2006/table">
@@ -18735,62 +18735,7 @@
                     <a:bodyPr/>
                     <a:lstStyle/>
                     <a:p>
-                      <a:endParaRPr lang="en-US"/>
-                    </a:p>
-                  </a:txBody>
-                  <a:tcPr/>
-                </a:tc>
-                <a:tc>
-                  <a:txBody>
-                    <a:bodyPr/>
-                    <a:lstStyle/>
-                    <a:p>
-                      <a:r>
-                        <a:rPr lang="en-US" dirty="0" err="1" smtClean="0"/>
-                        <a:t>cmdport</a:t>
-                      </a:r>
                       <a:endParaRPr lang="en-US" dirty="0"/>
-                    </a:p>
-                  </a:txBody>
-                  <a:tcPr/>
-                </a:tc>
-                <a:tc>
-                  <a:txBody>
-                    <a:bodyPr/>
-                    <a:lstStyle/>
-                    <a:p>
-                      <a:r>
-                        <a:rPr lang="en-US" dirty="0" smtClean="0"/>
-                        <a:t>8082</a:t>
-                      </a:r>
-                      <a:endParaRPr lang="en-US" dirty="0"/>
-                    </a:p>
-                  </a:txBody>
-                  <a:tcPr/>
-                </a:tc>
-                <a:tc>
-                  <a:txBody>
-                    <a:bodyPr/>
-                    <a:lstStyle/>
-                    <a:p>
-                      <a:pPr algn="l"/>
-                      <a:r>
-                        <a:rPr lang="en-US" dirty="0" smtClean="0"/>
-                        <a:t>Console port</a:t>
-                      </a:r>
-                      <a:endParaRPr lang="en-US" dirty="0"/>
-                    </a:p>
-                  </a:txBody>
-                  <a:tcPr/>
-                </a:tc>
-              </a:tr>
-              <a:tr h="370840">
-                <a:tc>
-                  <a:txBody>
-                    <a:bodyPr/>
-                    <a:lstStyle/>
-                    <a:p>
-                      <a:endParaRPr lang="en-US"/>
                     </a:p>
                   </a:txBody>
                   <a:tcPr/>
@@ -19364,7 +19309,7 @@
         </p:nvGraphicFramePr>
         <p:xfrm>
           <a:off x="762000" y="1295400"/>
-          <a:ext cx="8077200" cy="3403600"/>
+          <a:ext cx="8077200" cy="4145280"/>
         </p:xfrm>
         <a:graphic>
           <a:graphicData uri="http://schemas.openxmlformats.org/drawingml/2006/table">
@@ -19783,6 +19728,126 @@
                       <a:r>
                         <a:rPr lang="en-US" dirty="0" smtClean="0"/>
                         <a:t>-seconds)</a:t>
+                      </a:r>
+                      <a:endParaRPr lang="en-US" dirty="0"/>
+                    </a:p>
+                  </a:txBody>
+                  <a:tcPr/>
+                </a:tc>
+              </a:tr>
+              <a:tr h="370840">
+                <a:tc>
+                  <a:txBody>
+                    <a:bodyPr/>
+                    <a:lstStyle/>
+                    <a:p>
+                      <a:r>
+                        <a:rPr lang="en-US" dirty="0" smtClean="0"/>
+                        <a:t>Shell</a:t>
+                      </a:r>
+                      <a:endParaRPr lang="en-US" dirty="0"/>
+                    </a:p>
+                  </a:txBody>
+                  <a:tcPr/>
+                </a:tc>
+                <a:tc>
+                  <a:txBody>
+                    <a:bodyPr/>
+                    <a:lstStyle/>
+                    <a:p>
+                      <a:r>
+                        <a:rPr lang="en-US" dirty="0" smtClean="0"/>
+                        <a:t>load</a:t>
+                      </a:r>
+                      <a:endParaRPr lang="en-US" dirty="0"/>
+                    </a:p>
+                  </a:txBody>
+                  <a:tcPr/>
+                </a:tc>
+                <a:tc>
+                  <a:txBody>
+                    <a:bodyPr/>
+                    <a:lstStyle/>
+                    <a:p>
+                      <a:r>
+                        <a:rPr lang="en-US" dirty="0" smtClean="0"/>
+                        <a:t>0</a:t>
+                      </a:r>
+                      <a:endParaRPr lang="en-US" dirty="0"/>
+                    </a:p>
+                  </a:txBody>
+                  <a:tcPr/>
+                </a:tc>
+                <a:tc>
+                  <a:txBody>
+                    <a:bodyPr/>
+                    <a:lstStyle/>
+                    <a:p>
+                      <a:r>
+                        <a:rPr lang="en-US" dirty="0" smtClean="0"/>
+                        <a:t>Start Telnet</a:t>
+                      </a:r>
+                      <a:r>
+                        <a:rPr lang="en-US" baseline="0" dirty="0" smtClean="0"/>
+                        <a:t> server</a:t>
+                      </a:r>
+                      <a:endParaRPr lang="en-US" dirty="0"/>
+                    </a:p>
+                  </a:txBody>
+                  <a:tcPr/>
+                </a:tc>
+              </a:tr>
+              <a:tr h="370840">
+                <a:tc>
+                  <a:txBody>
+                    <a:bodyPr/>
+                    <a:lstStyle/>
+                    <a:p>
+                      <a:endParaRPr lang="en-US" dirty="0"/>
+                    </a:p>
+                  </a:txBody>
+                  <a:tcPr/>
+                </a:tc>
+                <a:tc>
+                  <a:txBody>
+                    <a:bodyPr/>
+                    <a:lstStyle/>
+                    <a:p>
+                      <a:r>
+                        <a:rPr lang="en-US" dirty="0" smtClean="0"/>
+                        <a:t>port</a:t>
+                      </a:r>
+                      <a:endParaRPr lang="en-US" dirty="0"/>
+                    </a:p>
+                  </a:txBody>
+                  <a:tcPr/>
+                </a:tc>
+                <a:tc>
+                  <a:txBody>
+                    <a:bodyPr/>
+                    <a:lstStyle/>
+                    <a:p>
+                      <a:r>
+                        <a:rPr lang="en-US" dirty="0" smtClean="0"/>
+                        <a:t>8082</a:t>
+                      </a:r>
+                      <a:endParaRPr lang="en-US" dirty="0"/>
+                    </a:p>
+                  </a:txBody>
+                  <a:tcPr/>
+                </a:tc>
+                <a:tc>
+                  <a:txBody>
+                    <a:bodyPr/>
+                    <a:lstStyle/>
+                    <a:p>
+                      <a:r>
+                        <a:rPr lang="en-US" dirty="0" smtClean="0"/>
+                        <a:t>Port at which Telnet server</a:t>
+                      </a:r>
+                      <a:r>
+                        <a:rPr lang="en-US" baseline="0" dirty="0" smtClean="0"/>
+                        <a:t> listens</a:t>
                       </a:r>
                       <a:endParaRPr lang="en-US" dirty="0"/>
                     </a:p>
@@ -20887,12 +20952,8 @@
               <a:t>Set command port with </a:t>
             </a:r>
             <a:r>
-              <a:rPr lang="en-US" dirty="0" err="1" smtClean="0"/>
-              <a:t>cmdport</a:t>
-            </a:r>
-            <a:r>
-              <a:rPr lang="en-US" dirty="0" smtClean="0"/>
-              <a:t> </a:t>
+              <a:rPr lang="en-US" dirty="0" smtClean="0"/>
+              <a:t>port and load </a:t>
             </a:r>
             <a:r>
               <a:rPr lang="en-US" dirty="0" err="1" smtClean="0"/>
@@ -20900,15 +20961,23 @@
             </a:r>
             <a:r>
               <a:rPr lang="en-US" dirty="0" smtClean="0"/>
-              <a:t> parameter in </a:t>
-            </a:r>
-            <a:r>
-              <a:rPr lang="en-US" dirty="0" err="1" smtClean="0"/>
-              <a:t>wub</a:t>
-            </a:r>
-            <a:r>
-              <a:rPr lang="en-US" dirty="0" smtClean="0"/>
-              <a:t> section</a:t>
+              <a:t> </a:t>
+            </a:r>
+            <a:r>
+              <a:rPr lang="en-US" dirty="0" smtClean="0"/>
+              <a:t>parameters </a:t>
+            </a:r>
+            <a:r>
+              <a:rPr lang="en-US" dirty="0" smtClean="0"/>
+              <a:t>in </a:t>
+            </a:r>
+            <a:r>
+              <a:rPr lang="en-US" dirty="0" smtClean="0"/>
+              <a:t>Shell </a:t>
+            </a:r>
+            <a:r>
+              <a:rPr lang="en-US" dirty="0" smtClean="0"/>
+              <a:t>section</a:t>
             </a:r>
             <a:endParaRPr lang="en-US" dirty="0"/>
           </a:p>
